--- a/Presentazione_Tesi_Triennale_Informatica_Unimore_2022_2023_Enrico_Marras_152336.pptx
+++ b/Presentazione_Tesi_Triennale_Informatica_Unimore_2022_2023_Enrico_Marras_152336.pptx
@@ -5,7 +5,7 @@
     <p:sldMasterId id="2147483648" r:id="rId1"/>
   </p:sldMasterIdLst>
   <p:notesMasterIdLst>
-    <p:notesMasterId r:id="rId18"/>
+    <p:notesMasterId r:id="rId24"/>
   </p:notesMasterIdLst>
   <p:sldIdLst>
     <p:sldId id="256" r:id="rId2"/>
@@ -14,16 +14,22 @@
     <p:sldId id="263" r:id="rId5"/>
     <p:sldId id="264" r:id="rId6"/>
     <p:sldId id="265" r:id="rId7"/>
-    <p:sldId id="267" r:id="rId8"/>
-    <p:sldId id="276" r:id="rId9"/>
-    <p:sldId id="266" r:id="rId10"/>
-    <p:sldId id="268" r:id="rId11"/>
-    <p:sldId id="269" r:id="rId12"/>
-    <p:sldId id="270" r:id="rId13"/>
-    <p:sldId id="271" r:id="rId14"/>
-    <p:sldId id="274" r:id="rId15"/>
-    <p:sldId id="273" r:id="rId16"/>
-    <p:sldId id="272" r:id="rId17"/>
+    <p:sldId id="277" r:id="rId8"/>
+    <p:sldId id="278" r:id="rId9"/>
+    <p:sldId id="279" r:id="rId10"/>
+    <p:sldId id="280" r:id="rId11"/>
+    <p:sldId id="281" r:id="rId12"/>
+    <p:sldId id="282" r:id="rId13"/>
+    <p:sldId id="267" r:id="rId14"/>
+    <p:sldId id="276" r:id="rId15"/>
+    <p:sldId id="266" r:id="rId16"/>
+    <p:sldId id="268" r:id="rId17"/>
+    <p:sldId id="269" r:id="rId18"/>
+    <p:sldId id="270" r:id="rId19"/>
+    <p:sldId id="271" r:id="rId20"/>
+    <p:sldId id="274" r:id="rId21"/>
+    <p:sldId id="273" r:id="rId22"/>
+    <p:sldId id="272" r:id="rId23"/>
   </p:sldIdLst>
   <p:sldSz cx="12192000" cy="6858000"/>
   <p:notesSz cx="6858000" cy="9144000"/>
@@ -2296,7 +2302,7 @@
           <a:p>
             <a:fld id="{5A380E97-91F5-47EA-9D04-C3513F44CB51}" type="datetimeFigureOut">
               <a:rPr lang="it-IT" smtClean="0"/>
-              <a:t>13/10/2023</a:t>
+              <a:t>14/10/2023</a:t>
             </a:fld>
             <a:endParaRPr lang="it-IT"/>
           </a:p>
@@ -2782,7 +2788,7 @@
     </p:spTree>
     <p:extLst>
       <p:ext uri="{BB962C8B-B14F-4D97-AF65-F5344CB8AC3E}">
-        <p14:creationId xmlns:p14="http://schemas.microsoft.com/office/powerpoint/2010/main" val="1246304949"/>
+        <p14:creationId xmlns:p14="http://schemas.microsoft.com/office/powerpoint/2010/main" val="1814887560"/>
       </p:ext>
     </p:extLst>
   </p:cSld>
@@ -2926,7 +2932,7 @@
     </p:spTree>
     <p:extLst>
       <p:ext uri="{BB962C8B-B14F-4D97-AF65-F5344CB8AC3E}">
-        <p14:creationId xmlns:p14="http://schemas.microsoft.com/office/powerpoint/2010/main" val="1407339084"/>
+        <p14:creationId xmlns:p14="http://schemas.microsoft.com/office/powerpoint/2010/main" val="765719418"/>
       </p:ext>
     </p:extLst>
   </p:cSld>
@@ -3070,7 +3076,7 @@
     </p:spTree>
     <p:extLst>
       <p:ext uri="{BB962C8B-B14F-4D97-AF65-F5344CB8AC3E}">
-        <p14:creationId xmlns:p14="http://schemas.microsoft.com/office/powerpoint/2010/main" val="1724870212"/>
+        <p14:creationId xmlns:p14="http://schemas.microsoft.com/office/powerpoint/2010/main" val="2641385323"/>
       </p:ext>
     </p:extLst>
   </p:cSld>
@@ -3214,7 +3220,7 @@
     </p:spTree>
     <p:extLst>
       <p:ext uri="{BB962C8B-B14F-4D97-AF65-F5344CB8AC3E}">
-        <p14:creationId xmlns:p14="http://schemas.microsoft.com/office/powerpoint/2010/main" val="2121086211"/>
+        <p14:creationId xmlns:p14="http://schemas.microsoft.com/office/powerpoint/2010/main" val="4062638337"/>
       </p:ext>
     </p:extLst>
   </p:cSld>
@@ -3358,7 +3364,7 @@
     </p:spTree>
     <p:extLst>
       <p:ext uri="{BB962C8B-B14F-4D97-AF65-F5344CB8AC3E}">
-        <p14:creationId xmlns:p14="http://schemas.microsoft.com/office/powerpoint/2010/main" val="3077338936"/>
+        <p14:creationId xmlns:p14="http://schemas.microsoft.com/office/powerpoint/2010/main" val="2521252642"/>
       </p:ext>
     </p:extLst>
   </p:cSld>
@@ -3502,7 +3508,583 @@
     </p:spTree>
     <p:extLst>
       <p:ext uri="{BB962C8B-B14F-4D97-AF65-F5344CB8AC3E}">
-        <p14:creationId xmlns:p14="http://schemas.microsoft.com/office/powerpoint/2010/main" val="2081459818"/>
+        <p14:creationId xmlns:p14="http://schemas.microsoft.com/office/powerpoint/2010/main" val="2582981024"/>
+      </p:ext>
+    </p:extLst>
+  </p:cSld>
+  <p:clrMapOvr>
+    <a:masterClrMapping/>
+  </p:clrMapOvr>
+</p:notes>
+</file>
+
+<file path=ppt/notesSlides/notesSlide16.xml><?xml version="1.0" encoding="utf-8"?>
+<p:notes xmlns:a="http://schemas.openxmlformats.org/drawingml/2006/main" xmlns:r="http://schemas.openxmlformats.org/officeDocument/2006/relationships" xmlns:p="http://schemas.openxmlformats.org/presentationml/2006/main">
+  <p:cSld>
+    <p:spTree>
+      <p:nvGrpSpPr>
+        <p:cNvPr id="1" name=""/>
+        <p:cNvGrpSpPr/>
+        <p:nvPr/>
+      </p:nvGrpSpPr>
+      <p:grpSpPr>
+        <a:xfrm>
+          <a:off x="0" y="0"/>
+          <a:ext cx="0" cy="0"/>
+          <a:chOff x="0" y="0"/>
+          <a:chExt cx="0" cy="0"/>
+        </a:xfrm>
+      </p:grpSpPr>
+      <p:sp>
+        <p:nvSpPr>
+          <p:cNvPr id="2" name="Slide Image Placeholder 1"/>
+          <p:cNvSpPr>
+            <a:spLocks noGrp="1" noRot="1" noChangeAspect="1"/>
+          </p:cNvSpPr>
+          <p:nvPr>
+            <p:ph type="sldImg"/>
+          </p:nvPr>
+        </p:nvSpPr>
+        <p:spPr/>
+      </p:sp>
+      <p:sp>
+        <p:nvSpPr>
+          <p:cNvPr id="3" name="Notes Placeholder 2"/>
+          <p:cNvSpPr>
+            <a:spLocks noGrp="1"/>
+          </p:cNvSpPr>
+          <p:nvPr>
+            <p:ph type="body" idx="1"/>
+          </p:nvPr>
+        </p:nvSpPr>
+        <p:spPr/>
+        <p:txBody>
+          <a:bodyPr/>
+          <a:lstStyle/>
+          <a:p>
+            <a:endParaRPr lang="it-IT" dirty="0"/>
+          </a:p>
+        </p:txBody>
+      </p:sp>
+      <p:sp>
+        <p:nvSpPr>
+          <p:cNvPr id="4" name="Slide Number Placeholder 3"/>
+          <p:cNvSpPr>
+            <a:spLocks noGrp="1"/>
+          </p:cNvSpPr>
+          <p:nvPr>
+            <p:ph type="sldNum" sz="quarter" idx="5"/>
+          </p:nvPr>
+        </p:nvSpPr>
+        <p:spPr/>
+        <p:txBody>
+          <a:bodyPr/>
+          <a:lstStyle/>
+          <a:p>
+            <a:pPr marL="0" marR="0" lvl="0" indent="0" algn="r" defTabSz="914400" rtl="0" eaLnBrk="1" fontAlgn="auto" latinLnBrk="0" hangingPunct="1">
+              <a:lnSpc>
+                <a:spcPct val="100000"/>
+              </a:lnSpc>
+              <a:spcBef>
+                <a:spcPts val="0"/>
+              </a:spcBef>
+              <a:spcAft>
+                <a:spcPts val="0"/>
+              </a:spcAft>
+              <a:buClrTx/>
+              <a:buSzTx/>
+              <a:buFontTx/>
+              <a:buNone/>
+              <a:tabLst/>
+              <a:defRPr/>
+            </a:pPr>
+            <a:fld id="{D2114AE1-B372-4C50-AF80-98AA322DCCC6}" type="slidenum">
+              <a:rPr kumimoji="0" lang="it-IT" sz="1200" b="0" i="0" u="none" strike="noStrike" kern="1200" cap="none" spc="0" normalizeH="0" baseline="0" noProof="0" smtClean="0">
+                <a:ln>
+                  <a:noFill/>
+                </a:ln>
+                <a:solidFill>
+                  <a:prstClr val="black"/>
+                </a:solidFill>
+                <a:effectLst/>
+                <a:uLnTx/>
+                <a:uFillTx/>
+                <a:latin typeface="Calibri" panose="020F0502020204030204"/>
+                <a:ea typeface="+mn-ea"/>
+                <a:cs typeface="+mn-cs"/>
+              </a:rPr>
+              <a:pPr marL="0" marR="0" lvl="0" indent="0" algn="r" defTabSz="914400" rtl="0" eaLnBrk="1" fontAlgn="auto" latinLnBrk="0" hangingPunct="1">
+                <a:lnSpc>
+                  <a:spcPct val="100000"/>
+                </a:lnSpc>
+                <a:spcBef>
+                  <a:spcPts val="0"/>
+                </a:spcBef>
+                <a:spcAft>
+                  <a:spcPts val="0"/>
+                </a:spcAft>
+                <a:buClrTx/>
+                <a:buSzTx/>
+                <a:buFontTx/>
+                <a:buNone/>
+                <a:tabLst/>
+                <a:defRPr/>
+              </a:pPr>
+              <a:t>17</a:t>
+            </a:fld>
+            <a:endParaRPr kumimoji="0" lang="it-IT" sz="1200" b="0" i="0" u="none" strike="noStrike" kern="1200" cap="none" spc="0" normalizeH="0" baseline="0" noProof="0">
+              <a:ln>
+                <a:noFill/>
+              </a:ln>
+              <a:solidFill>
+                <a:prstClr val="black"/>
+              </a:solidFill>
+              <a:effectLst/>
+              <a:uLnTx/>
+              <a:uFillTx/>
+              <a:latin typeface="Calibri" panose="020F0502020204030204"/>
+              <a:ea typeface="+mn-ea"/>
+              <a:cs typeface="+mn-cs"/>
+            </a:endParaRPr>
+          </a:p>
+        </p:txBody>
+      </p:sp>
+    </p:spTree>
+    <p:extLst>
+      <p:ext uri="{BB962C8B-B14F-4D97-AF65-F5344CB8AC3E}">
+        <p14:creationId xmlns:p14="http://schemas.microsoft.com/office/powerpoint/2010/main" val="1246304949"/>
+      </p:ext>
+    </p:extLst>
+  </p:cSld>
+  <p:clrMapOvr>
+    <a:masterClrMapping/>
+  </p:clrMapOvr>
+</p:notes>
+</file>
+
+<file path=ppt/notesSlides/notesSlide17.xml><?xml version="1.0" encoding="utf-8"?>
+<p:notes xmlns:a="http://schemas.openxmlformats.org/drawingml/2006/main" xmlns:r="http://schemas.openxmlformats.org/officeDocument/2006/relationships" xmlns:p="http://schemas.openxmlformats.org/presentationml/2006/main">
+  <p:cSld>
+    <p:spTree>
+      <p:nvGrpSpPr>
+        <p:cNvPr id="1" name=""/>
+        <p:cNvGrpSpPr/>
+        <p:nvPr/>
+      </p:nvGrpSpPr>
+      <p:grpSpPr>
+        <a:xfrm>
+          <a:off x="0" y="0"/>
+          <a:ext cx="0" cy="0"/>
+          <a:chOff x="0" y="0"/>
+          <a:chExt cx="0" cy="0"/>
+        </a:xfrm>
+      </p:grpSpPr>
+      <p:sp>
+        <p:nvSpPr>
+          <p:cNvPr id="2" name="Slide Image Placeholder 1"/>
+          <p:cNvSpPr>
+            <a:spLocks noGrp="1" noRot="1" noChangeAspect="1"/>
+          </p:cNvSpPr>
+          <p:nvPr>
+            <p:ph type="sldImg"/>
+          </p:nvPr>
+        </p:nvSpPr>
+        <p:spPr/>
+      </p:sp>
+      <p:sp>
+        <p:nvSpPr>
+          <p:cNvPr id="3" name="Notes Placeholder 2"/>
+          <p:cNvSpPr>
+            <a:spLocks noGrp="1"/>
+          </p:cNvSpPr>
+          <p:nvPr>
+            <p:ph type="body" idx="1"/>
+          </p:nvPr>
+        </p:nvSpPr>
+        <p:spPr/>
+        <p:txBody>
+          <a:bodyPr/>
+          <a:lstStyle/>
+          <a:p>
+            <a:endParaRPr lang="it-IT" dirty="0"/>
+          </a:p>
+        </p:txBody>
+      </p:sp>
+      <p:sp>
+        <p:nvSpPr>
+          <p:cNvPr id="4" name="Slide Number Placeholder 3"/>
+          <p:cNvSpPr>
+            <a:spLocks noGrp="1"/>
+          </p:cNvSpPr>
+          <p:nvPr>
+            <p:ph type="sldNum" sz="quarter" idx="5"/>
+          </p:nvPr>
+        </p:nvSpPr>
+        <p:spPr/>
+        <p:txBody>
+          <a:bodyPr/>
+          <a:lstStyle/>
+          <a:p>
+            <a:pPr marL="0" marR="0" lvl="0" indent="0" algn="r" defTabSz="914400" rtl="0" eaLnBrk="1" fontAlgn="auto" latinLnBrk="0" hangingPunct="1">
+              <a:lnSpc>
+                <a:spcPct val="100000"/>
+              </a:lnSpc>
+              <a:spcBef>
+                <a:spcPts val="0"/>
+              </a:spcBef>
+              <a:spcAft>
+                <a:spcPts val="0"/>
+              </a:spcAft>
+              <a:buClrTx/>
+              <a:buSzTx/>
+              <a:buFontTx/>
+              <a:buNone/>
+              <a:tabLst/>
+              <a:defRPr/>
+            </a:pPr>
+            <a:fld id="{D2114AE1-B372-4C50-AF80-98AA322DCCC6}" type="slidenum">
+              <a:rPr kumimoji="0" lang="it-IT" sz="1200" b="0" i="0" u="none" strike="noStrike" kern="1200" cap="none" spc="0" normalizeH="0" baseline="0" noProof="0" smtClean="0">
+                <a:ln>
+                  <a:noFill/>
+                </a:ln>
+                <a:solidFill>
+                  <a:prstClr val="black"/>
+                </a:solidFill>
+                <a:effectLst/>
+                <a:uLnTx/>
+                <a:uFillTx/>
+                <a:latin typeface="Calibri" panose="020F0502020204030204"/>
+                <a:ea typeface="+mn-ea"/>
+                <a:cs typeface="+mn-cs"/>
+              </a:rPr>
+              <a:pPr marL="0" marR="0" lvl="0" indent="0" algn="r" defTabSz="914400" rtl="0" eaLnBrk="1" fontAlgn="auto" latinLnBrk="0" hangingPunct="1">
+                <a:lnSpc>
+                  <a:spcPct val="100000"/>
+                </a:lnSpc>
+                <a:spcBef>
+                  <a:spcPts val="0"/>
+                </a:spcBef>
+                <a:spcAft>
+                  <a:spcPts val="0"/>
+                </a:spcAft>
+                <a:buClrTx/>
+                <a:buSzTx/>
+                <a:buFontTx/>
+                <a:buNone/>
+                <a:tabLst/>
+                <a:defRPr/>
+              </a:pPr>
+              <a:t>18</a:t>
+            </a:fld>
+            <a:endParaRPr kumimoji="0" lang="it-IT" sz="1200" b="0" i="0" u="none" strike="noStrike" kern="1200" cap="none" spc="0" normalizeH="0" baseline="0" noProof="0">
+              <a:ln>
+                <a:noFill/>
+              </a:ln>
+              <a:solidFill>
+                <a:prstClr val="black"/>
+              </a:solidFill>
+              <a:effectLst/>
+              <a:uLnTx/>
+              <a:uFillTx/>
+              <a:latin typeface="Calibri" panose="020F0502020204030204"/>
+              <a:ea typeface="+mn-ea"/>
+              <a:cs typeface="+mn-cs"/>
+            </a:endParaRPr>
+          </a:p>
+        </p:txBody>
+      </p:sp>
+    </p:spTree>
+    <p:extLst>
+      <p:ext uri="{BB962C8B-B14F-4D97-AF65-F5344CB8AC3E}">
+        <p14:creationId xmlns:p14="http://schemas.microsoft.com/office/powerpoint/2010/main" val="1407339084"/>
+      </p:ext>
+    </p:extLst>
+  </p:cSld>
+  <p:clrMapOvr>
+    <a:masterClrMapping/>
+  </p:clrMapOvr>
+</p:notes>
+</file>
+
+<file path=ppt/notesSlides/notesSlide18.xml><?xml version="1.0" encoding="utf-8"?>
+<p:notes xmlns:a="http://schemas.openxmlformats.org/drawingml/2006/main" xmlns:r="http://schemas.openxmlformats.org/officeDocument/2006/relationships" xmlns:p="http://schemas.openxmlformats.org/presentationml/2006/main">
+  <p:cSld>
+    <p:spTree>
+      <p:nvGrpSpPr>
+        <p:cNvPr id="1" name=""/>
+        <p:cNvGrpSpPr/>
+        <p:nvPr/>
+      </p:nvGrpSpPr>
+      <p:grpSpPr>
+        <a:xfrm>
+          <a:off x="0" y="0"/>
+          <a:ext cx="0" cy="0"/>
+          <a:chOff x="0" y="0"/>
+          <a:chExt cx="0" cy="0"/>
+        </a:xfrm>
+      </p:grpSpPr>
+      <p:sp>
+        <p:nvSpPr>
+          <p:cNvPr id="2" name="Slide Image Placeholder 1"/>
+          <p:cNvSpPr>
+            <a:spLocks noGrp="1" noRot="1" noChangeAspect="1"/>
+          </p:cNvSpPr>
+          <p:nvPr>
+            <p:ph type="sldImg"/>
+          </p:nvPr>
+        </p:nvSpPr>
+        <p:spPr/>
+      </p:sp>
+      <p:sp>
+        <p:nvSpPr>
+          <p:cNvPr id="3" name="Notes Placeholder 2"/>
+          <p:cNvSpPr>
+            <a:spLocks noGrp="1"/>
+          </p:cNvSpPr>
+          <p:nvPr>
+            <p:ph type="body" idx="1"/>
+          </p:nvPr>
+        </p:nvSpPr>
+        <p:spPr/>
+        <p:txBody>
+          <a:bodyPr/>
+          <a:lstStyle/>
+          <a:p>
+            <a:endParaRPr lang="it-IT" dirty="0"/>
+          </a:p>
+        </p:txBody>
+      </p:sp>
+      <p:sp>
+        <p:nvSpPr>
+          <p:cNvPr id="4" name="Slide Number Placeholder 3"/>
+          <p:cNvSpPr>
+            <a:spLocks noGrp="1"/>
+          </p:cNvSpPr>
+          <p:nvPr>
+            <p:ph type="sldNum" sz="quarter" idx="5"/>
+          </p:nvPr>
+        </p:nvSpPr>
+        <p:spPr/>
+        <p:txBody>
+          <a:bodyPr/>
+          <a:lstStyle/>
+          <a:p>
+            <a:pPr marL="0" marR="0" lvl="0" indent="0" algn="r" defTabSz="914400" rtl="0" eaLnBrk="1" fontAlgn="auto" latinLnBrk="0" hangingPunct="1">
+              <a:lnSpc>
+                <a:spcPct val="100000"/>
+              </a:lnSpc>
+              <a:spcBef>
+                <a:spcPts val="0"/>
+              </a:spcBef>
+              <a:spcAft>
+                <a:spcPts val="0"/>
+              </a:spcAft>
+              <a:buClrTx/>
+              <a:buSzTx/>
+              <a:buFontTx/>
+              <a:buNone/>
+              <a:tabLst/>
+              <a:defRPr/>
+            </a:pPr>
+            <a:fld id="{D2114AE1-B372-4C50-AF80-98AA322DCCC6}" type="slidenum">
+              <a:rPr kumimoji="0" lang="it-IT" sz="1200" b="0" i="0" u="none" strike="noStrike" kern="1200" cap="none" spc="0" normalizeH="0" baseline="0" noProof="0" smtClean="0">
+                <a:ln>
+                  <a:noFill/>
+                </a:ln>
+                <a:solidFill>
+                  <a:prstClr val="black"/>
+                </a:solidFill>
+                <a:effectLst/>
+                <a:uLnTx/>
+                <a:uFillTx/>
+                <a:latin typeface="Calibri" panose="020F0502020204030204"/>
+                <a:ea typeface="+mn-ea"/>
+                <a:cs typeface="+mn-cs"/>
+              </a:rPr>
+              <a:pPr marL="0" marR="0" lvl="0" indent="0" algn="r" defTabSz="914400" rtl="0" eaLnBrk="1" fontAlgn="auto" latinLnBrk="0" hangingPunct="1">
+                <a:lnSpc>
+                  <a:spcPct val="100000"/>
+                </a:lnSpc>
+                <a:spcBef>
+                  <a:spcPts val="0"/>
+                </a:spcBef>
+                <a:spcAft>
+                  <a:spcPts val="0"/>
+                </a:spcAft>
+                <a:buClrTx/>
+                <a:buSzTx/>
+                <a:buFontTx/>
+                <a:buNone/>
+                <a:tabLst/>
+                <a:defRPr/>
+              </a:pPr>
+              <a:t>19</a:t>
+            </a:fld>
+            <a:endParaRPr kumimoji="0" lang="it-IT" sz="1200" b="0" i="0" u="none" strike="noStrike" kern="1200" cap="none" spc="0" normalizeH="0" baseline="0" noProof="0">
+              <a:ln>
+                <a:noFill/>
+              </a:ln>
+              <a:solidFill>
+                <a:prstClr val="black"/>
+              </a:solidFill>
+              <a:effectLst/>
+              <a:uLnTx/>
+              <a:uFillTx/>
+              <a:latin typeface="Calibri" panose="020F0502020204030204"/>
+              <a:ea typeface="+mn-ea"/>
+              <a:cs typeface="+mn-cs"/>
+            </a:endParaRPr>
+          </a:p>
+        </p:txBody>
+      </p:sp>
+    </p:spTree>
+    <p:extLst>
+      <p:ext uri="{BB962C8B-B14F-4D97-AF65-F5344CB8AC3E}">
+        <p14:creationId xmlns:p14="http://schemas.microsoft.com/office/powerpoint/2010/main" val="1724870212"/>
+      </p:ext>
+    </p:extLst>
+  </p:cSld>
+  <p:clrMapOvr>
+    <a:masterClrMapping/>
+  </p:clrMapOvr>
+</p:notes>
+</file>
+
+<file path=ppt/notesSlides/notesSlide19.xml><?xml version="1.0" encoding="utf-8"?>
+<p:notes xmlns:a="http://schemas.openxmlformats.org/drawingml/2006/main" xmlns:r="http://schemas.openxmlformats.org/officeDocument/2006/relationships" xmlns:p="http://schemas.openxmlformats.org/presentationml/2006/main">
+  <p:cSld>
+    <p:spTree>
+      <p:nvGrpSpPr>
+        <p:cNvPr id="1" name=""/>
+        <p:cNvGrpSpPr/>
+        <p:nvPr/>
+      </p:nvGrpSpPr>
+      <p:grpSpPr>
+        <a:xfrm>
+          <a:off x="0" y="0"/>
+          <a:ext cx="0" cy="0"/>
+          <a:chOff x="0" y="0"/>
+          <a:chExt cx="0" cy="0"/>
+        </a:xfrm>
+      </p:grpSpPr>
+      <p:sp>
+        <p:nvSpPr>
+          <p:cNvPr id="2" name="Slide Image Placeholder 1"/>
+          <p:cNvSpPr>
+            <a:spLocks noGrp="1" noRot="1" noChangeAspect="1"/>
+          </p:cNvSpPr>
+          <p:nvPr>
+            <p:ph type="sldImg"/>
+          </p:nvPr>
+        </p:nvSpPr>
+        <p:spPr/>
+      </p:sp>
+      <p:sp>
+        <p:nvSpPr>
+          <p:cNvPr id="3" name="Notes Placeholder 2"/>
+          <p:cNvSpPr>
+            <a:spLocks noGrp="1"/>
+          </p:cNvSpPr>
+          <p:nvPr>
+            <p:ph type="body" idx="1"/>
+          </p:nvPr>
+        </p:nvSpPr>
+        <p:spPr/>
+        <p:txBody>
+          <a:bodyPr/>
+          <a:lstStyle/>
+          <a:p>
+            <a:endParaRPr lang="it-IT" dirty="0"/>
+          </a:p>
+        </p:txBody>
+      </p:sp>
+      <p:sp>
+        <p:nvSpPr>
+          <p:cNvPr id="4" name="Slide Number Placeholder 3"/>
+          <p:cNvSpPr>
+            <a:spLocks noGrp="1"/>
+          </p:cNvSpPr>
+          <p:nvPr>
+            <p:ph type="sldNum" sz="quarter" idx="5"/>
+          </p:nvPr>
+        </p:nvSpPr>
+        <p:spPr/>
+        <p:txBody>
+          <a:bodyPr/>
+          <a:lstStyle/>
+          <a:p>
+            <a:pPr marL="0" marR="0" lvl="0" indent="0" algn="r" defTabSz="914400" rtl="0" eaLnBrk="1" fontAlgn="auto" latinLnBrk="0" hangingPunct="1">
+              <a:lnSpc>
+                <a:spcPct val="100000"/>
+              </a:lnSpc>
+              <a:spcBef>
+                <a:spcPts val="0"/>
+              </a:spcBef>
+              <a:spcAft>
+                <a:spcPts val="0"/>
+              </a:spcAft>
+              <a:buClrTx/>
+              <a:buSzTx/>
+              <a:buFontTx/>
+              <a:buNone/>
+              <a:tabLst/>
+              <a:defRPr/>
+            </a:pPr>
+            <a:fld id="{D2114AE1-B372-4C50-AF80-98AA322DCCC6}" type="slidenum">
+              <a:rPr kumimoji="0" lang="it-IT" sz="1200" b="0" i="0" u="none" strike="noStrike" kern="1200" cap="none" spc="0" normalizeH="0" baseline="0" noProof="0" smtClean="0">
+                <a:ln>
+                  <a:noFill/>
+                </a:ln>
+                <a:solidFill>
+                  <a:prstClr val="black"/>
+                </a:solidFill>
+                <a:effectLst/>
+                <a:uLnTx/>
+                <a:uFillTx/>
+                <a:latin typeface="Calibri" panose="020F0502020204030204"/>
+                <a:ea typeface="+mn-ea"/>
+                <a:cs typeface="+mn-cs"/>
+              </a:rPr>
+              <a:pPr marL="0" marR="0" lvl="0" indent="0" algn="r" defTabSz="914400" rtl="0" eaLnBrk="1" fontAlgn="auto" latinLnBrk="0" hangingPunct="1">
+                <a:lnSpc>
+                  <a:spcPct val="100000"/>
+                </a:lnSpc>
+                <a:spcBef>
+                  <a:spcPts val="0"/>
+                </a:spcBef>
+                <a:spcAft>
+                  <a:spcPts val="0"/>
+                </a:spcAft>
+                <a:buClrTx/>
+                <a:buSzTx/>
+                <a:buFontTx/>
+                <a:buNone/>
+                <a:tabLst/>
+                <a:defRPr/>
+              </a:pPr>
+              <a:t>20</a:t>
+            </a:fld>
+            <a:endParaRPr kumimoji="0" lang="it-IT" sz="1200" b="0" i="0" u="none" strike="noStrike" kern="1200" cap="none" spc="0" normalizeH="0" baseline="0" noProof="0">
+              <a:ln>
+                <a:noFill/>
+              </a:ln>
+              <a:solidFill>
+                <a:prstClr val="black"/>
+              </a:solidFill>
+              <a:effectLst/>
+              <a:uLnTx/>
+              <a:uFillTx/>
+              <a:latin typeface="Calibri" panose="020F0502020204030204"/>
+              <a:ea typeface="+mn-ea"/>
+              <a:cs typeface="+mn-cs"/>
+            </a:endParaRPr>
+          </a:p>
+        </p:txBody>
+      </p:sp>
+    </p:spTree>
+    <p:extLst>
+      <p:ext uri="{BB962C8B-B14F-4D97-AF65-F5344CB8AC3E}">
+        <p14:creationId xmlns:p14="http://schemas.microsoft.com/office/powerpoint/2010/main" val="2121086211"/>
       </p:ext>
     </p:extLst>
   </p:cSld>
@@ -3656,6 +4238,294 @@
 </p:notes>
 </file>
 
+<file path=ppt/notesSlides/notesSlide20.xml><?xml version="1.0" encoding="utf-8"?>
+<p:notes xmlns:a="http://schemas.openxmlformats.org/drawingml/2006/main" xmlns:r="http://schemas.openxmlformats.org/officeDocument/2006/relationships" xmlns:p="http://schemas.openxmlformats.org/presentationml/2006/main">
+  <p:cSld>
+    <p:spTree>
+      <p:nvGrpSpPr>
+        <p:cNvPr id="1" name=""/>
+        <p:cNvGrpSpPr/>
+        <p:nvPr/>
+      </p:nvGrpSpPr>
+      <p:grpSpPr>
+        <a:xfrm>
+          <a:off x="0" y="0"/>
+          <a:ext cx="0" cy="0"/>
+          <a:chOff x="0" y="0"/>
+          <a:chExt cx="0" cy="0"/>
+        </a:xfrm>
+      </p:grpSpPr>
+      <p:sp>
+        <p:nvSpPr>
+          <p:cNvPr id="2" name="Slide Image Placeholder 1"/>
+          <p:cNvSpPr>
+            <a:spLocks noGrp="1" noRot="1" noChangeAspect="1"/>
+          </p:cNvSpPr>
+          <p:nvPr>
+            <p:ph type="sldImg"/>
+          </p:nvPr>
+        </p:nvSpPr>
+        <p:spPr/>
+      </p:sp>
+      <p:sp>
+        <p:nvSpPr>
+          <p:cNvPr id="3" name="Notes Placeholder 2"/>
+          <p:cNvSpPr>
+            <a:spLocks noGrp="1"/>
+          </p:cNvSpPr>
+          <p:nvPr>
+            <p:ph type="body" idx="1"/>
+          </p:nvPr>
+        </p:nvSpPr>
+        <p:spPr/>
+        <p:txBody>
+          <a:bodyPr/>
+          <a:lstStyle/>
+          <a:p>
+            <a:endParaRPr lang="it-IT" dirty="0"/>
+          </a:p>
+        </p:txBody>
+      </p:sp>
+      <p:sp>
+        <p:nvSpPr>
+          <p:cNvPr id="4" name="Slide Number Placeholder 3"/>
+          <p:cNvSpPr>
+            <a:spLocks noGrp="1"/>
+          </p:cNvSpPr>
+          <p:nvPr>
+            <p:ph type="sldNum" sz="quarter" idx="5"/>
+          </p:nvPr>
+        </p:nvSpPr>
+        <p:spPr/>
+        <p:txBody>
+          <a:bodyPr/>
+          <a:lstStyle/>
+          <a:p>
+            <a:pPr marL="0" marR="0" lvl="0" indent="0" algn="r" defTabSz="914400" rtl="0" eaLnBrk="1" fontAlgn="auto" latinLnBrk="0" hangingPunct="1">
+              <a:lnSpc>
+                <a:spcPct val="100000"/>
+              </a:lnSpc>
+              <a:spcBef>
+                <a:spcPts val="0"/>
+              </a:spcBef>
+              <a:spcAft>
+                <a:spcPts val="0"/>
+              </a:spcAft>
+              <a:buClrTx/>
+              <a:buSzTx/>
+              <a:buFontTx/>
+              <a:buNone/>
+              <a:tabLst/>
+              <a:defRPr/>
+            </a:pPr>
+            <a:fld id="{D2114AE1-B372-4C50-AF80-98AA322DCCC6}" type="slidenum">
+              <a:rPr kumimoji="0" lang="it-IT" sz="1200" b="0" i="0" u="none" strike="noStrike" kern="1200" cap="none" spc="0" normalizeH="0" baseline="0" noProof="0" smtClean="0">
+                <a:ln>
+                  <a:noFill/>
+                </a:ln>
+                <a:solidFill>
+                  <a:prstClr val="black"/>
+                </a:solidFill>
+                <a:effectLst/>
+                <a:uLnTx/>
+                <a:uFillTx/>
+                <a:latin typeface="Calibri" panose="020F0502020204030204"/>
+                <a:ea typeface="+mn-ea"/>
+                <a:cs typeface="+mn-cs"/>
+              </a:rPr>
+              <a:pPr marL="0" marR="0" lvl="0" indent="0" algn="r" defTabSz="914400" rtl="0" eaLnBrk="1" fontAlgn="auto" latinLnBrk="0" hangingPunct="1">
+                <a:lnSpc>
+                  <a:spcPct val="100000"/>
+                </a:lnSpc>
+                <a:spcBef>
+                  <a:spcPts val="0"/>
+                </a:spcBef>
+                <a:spcAft>
+                  <a:spcPts val="0"/>
+                </a:spcAft>
+                <a:buClrTx/>
+                <a:buSzTx/>
+                <a:buFontTx/>
+                <a:buNone/>
+                <a:tabLst/>
+                <a:defRPr/>
+              </a:pPr>
+              <a:t>21</a:t>
+            </a:fld>
+            <a:endParaRPr kumimoji="0" lang="it-IT" sz="1200" b="0" i="0" u="none" strike="noStrike" kern="1200" cap="none" spc="0" normalizeH="0" baseline="0" noProof="0">
+              <a:ln>
+                <a:noFill/>
+              </a:ln>
+              <a:solidFill>
+                <a:prstClr val="black"/>
+              </a:solidFill>
+              <a:effectLst/>
+              <a:uLnTx/>
+              <a:uFillTx/>
+              <a:latin typeface="Calibri" panose="020F0502020204030204"/>
+              <a:ea typeface="+mn-ea"/>
+              <a:cs typeface="+mn-cs"/>
+            </a:endParaRPr>
+          </a:p>
+        </p:txBody>
+      </p:sp>
+    </p:spTree>
+    <p:extLst>
+      <p:ext uri="{BB962C8B-B14F-4D97-AF65-F5344CB8AC3E}">
+        <p14:creationId xmlns:p14="http://schemas.microsoft.com/office/powerpoint/2010/main" val="3077338936"/>
+      </p:ext>
+    </p:extLst>
+  </p:cSld>
+  <p:clrMapOvr>
+    <a:masterClrMapping/>
+  </p:clrMapOvr>
+</p:notes>
+</file>
+
+<file path=ppt/notesSlides/notesSlide21.xml><?xml version="1.0" encoding="utf-8"?>
+<p:notes xmlns:a="http://schemas.openxmlformats.org/drawingml/2006/main" xmlns:r="http://schemas.openxmlformats.org/officeDocument/2006/relationships" xmlns:p="http://schemas.openxmlformats.org/presentationml/2006/main">
+  <p:cSld>
+    <p:spTree>
+      <p:nvGrpSpPr>
+        <p:cNvPr id="1" name=""/>
+        <p:cNvGrpSpPr/>
+        <p:nvPr/>
+      </p:nvGrpSpPr>
+      <p:grpSpPr>
+        <a:xfrm>
+          <a:off x="0" y="0"/>
+          <a:ext cx="0" cy="0"/>
+          <a:chOff x="0" y="0"/>
+          <a:chExt cx="0" cy="0"/>
+        </a:xfrm>
+      </p:grpSpPr>
+      <p:sp>
+        <p:nvSpPr>
+          <p:cNvPr id="2" name="Slide Image Placeholder 1"/>
+          <p:cNvSpPr>
+            <a:spLocks noGrp="1" noRot="1" noChangeAspect="1"/>
+          </p:cNvSpPr>
+          <p:nvPr>
+            <p:ph type="sldImg"/>
+          </p:nvPr>
+        </p:nvSpPr>
+        <p:spPr/>
+      </p:sp>
+      <p:sp>
+        <p:nvSpPr>
+          <p:cNvPr id="3" name="Notes Placeholder 2"/>
+          <p:cNvSpPr>
+            <a:spLocks noGrp="1"/>
+          </p:cNvSpPr>
+          <p:nvPr>
+            <p:ph type="body" idx="1"/>
+          </p:nvPr>
+        </p:nvSpPr>
+        <p:spPr/>
+        <p:txBody>
+          <a:bodyPr/>
+          <a:lstStyle/>
+          <a:p>
+            <a:endParaRPr lang="it-IT" dirty="0"/>
+          </a:p>
+        </p:txBody>
+      </p:sp>
+      <p:sp>
+        <p:nvSpPr>
+          <p:cNvPr id="4" name="Slide Number Placeholder 3"/>
+          <p:cNvSpPr>
+            <a:spLocks noGrp="1"/>
+          </p:cNvSpPr>
+          <p:nvPr>
+            <p:ph type="sldNum" sz="quarter" idx="5"/>
+          </p:nvPr>
+        </p:nvSpPr>
+        <p:spPr/>
+        <p:txBody>
+          <a:bodyPr/>
+          <a:lstStyle/>
+          <a:p>
+            <a:pPr marL="0" marR="0" lvl="0" indent="0" algn="r" defTabSz="914400" rtl="0" eaLnBrk="1" fontAlgn="auto" latinLnBrk="0" hangingPunct="1">
+              <a:lnSpc>
+                <a:spcPct val="100000"/>
+              </a:lnSpc>
+              <a:spcBef>
+                <a:spcPts val="0"/>
+              </a:spcBef>
+              <a:spcAft>
+                <a:spcPts val="0"/>
+              </a:spcAft>
+              <a:buClrTx/>
+              <a:buSzTx/>
+              <a:buFontTx/>
+              <a:buNone/>
+              <a:tabLst/>
+              <a:defRPr/>
+            </a:pPr>
+            <a:fld id="{D2114AE1-B372-4C50-AF80-98AA322DCCC6}" type="slidenum">
+              <a:rPr kumimoji="0" lang="it-IT" sz="1200" b="0" i="0" u="none" strike="noStrike" kern="1200" cap="none" spc="0" normalizeH="0" baseline="0" noProof="0" smtClean="0">
+                <a:ln>
+                  <a:noFill/>
+                </a:ln>
+                <a:solidFill>
+                  <a:prstClr val="black"/>
+                </a:solidFill>
+                <a:effectLst/>
+                <a:uLnTx/>
+                <a:uFillTx/>
+                <a:latin typeface="Calibri" panose="020F0502020204030204"/>
+                <a:ea typeface="+mn-ea"/>
+                <a:cs typeface="+mn-cs"/>
+              </a:rPr>
+              <a:pPr marL="0" marR="0" lvl="0" indent="0" algn="r" defTabSz="914400" rtl="0" eaLnBrk="1" fontAlgn="auto" latinLnBrk="0" hangingPunct="1">
+                <a:lnSpc>
+                  <a:spcPct val="100000"/>
+                </a:lnSpc>
+                <a:spcBef>
+                  <a:spcPts val="0"/>
+                </a:spcBef>
+                <a:spcAft>
+                  <a:spcPts val="0"/>
+                </a:spcAft>
+                <a:buClrTx/>
+                <a:buSzTx/>
+                <a:buFontTx/>
+                <a:buNone/>
+                <a:tabLst/>
+                <a:defRPr/>
+              </a:pPr>
+              <a:t>22</a:t>
+            </a:fld>
+            <a:endParaRPr kumimoji="0" lang="it-IT" sz="1200" b="0" i="0" u="none" strike="noStrike" kern="1200" cap="none" spc="0" normalizeH="0" baseline="0" noProof="0">
+              <a:ln>
+                <a:noFill/>
+              </a:ln>
+              <a:solidFill>
+                <a:prstClr val="black"/>
+              </a:solidFill>
+              <a:effectLst/>
+              <a:uLnTx/>
+              <a:uFillTx/>
+              <a:latin typeface="Calibri" panose="020F0502020204030204"/>
+              <a:ea typeface="+mn-ea"/>
+              <a:cs typeface="+mn-cs"/>
+            </a:endParaRPr>
+          </a:p>
+        </p:txBody>
+      </p:sp>
+    </p:spTree>
+    <p:extLst>
+      <p:ext uri="{BB962C8B-B14F-4D97-AF65-F5344CB8AC3E}">
+        <p14:creationId xmlns:p14="http://schemas.microsoft.com/office/powerpoint/2010/main" val="2081459818"/>
+      </p:ext>
+    </p:extLst>
+  </p:cSld>
+  <p:clrMapOvr>
+    <a:masterClrMapping/>
+  </p:clrMapOvr>
+</p:notes>
+</file>
+
 <file path=ppt/notesSlides/notesSlide3.xml><?xml version="1.0" encoding="utf-8"?>
 <p:notes xmlns:a="http://schemas.openxmlformats.org/drawingml/2006/main" xmlns:r="http://schemas.openxmlformats.org/officeDocument/2006/relationships" xmlns:p="http://schemas.openxmlformats.org/presentationml/2006/main">
   <p:cSld>
@@ -4222,7 +5092,7 @@
     </p:spTree>
     <p:extLst>
       <p:ext uri="{BB962C8B-B14F-4D97-AF65-F5344CB8AC3E}">
-        <p14:creationId xmlns:p14="http://schemas.microsoft.com/office/powerpoint/2010/main" val="2641385323"/>
+        <p14:creationId xmlns:p14="http://schemas.microsoft.com/office/powerpoint/2010/main" val="2621849380"/>
       </p:ext>
     </p:extLst>
   </p:cSld>
@@ -4366,7 +5236,7 @@
     </p:spTree>
     <p:extLst>
       <p:ext uri="{BB962C8B-B14F-4D97-AF65-F5344CB8AC3E}">
-        <p14:creationId xmlns:p14="http://schemas.microsoft.com/office/powerpoint/2010/main" val="4062638337"/>
+        <p14:creationId xmlns:p14="http://schemas.microsoft.com/office/powerpoint/2010/main" val="531511490"/>
       </p:ext>
     </p:extLst>
   </p:cSld>
@@ -4510,7 +5380,7 @@
     </p:spTree>
     <p:extLst>
       <p:ext uri="{BB962C8B-B14F-4D97-AF65-F5344CB8AC3E}">
-        <p14:creationId xmlns:p14="http://schemas.microsoft.com/office/powerpoint/2010/main" val="2521252642"/>
+        <p14:creationId xmlns:p14="http://schemas.microsoft.com/office/powerpoint/2010/main" val="1477015773"/>
       </p:ext>
     </p:extLst>
   </p:cSld>
@@ -4654,7 +5524,7 @@
     </p:spTree>
     <p:extLst>
       <p:ext uri="{BB962C8B-B14F-4D97-AF65-F5344CB8AC3E}">
-        <p14:creationId xmlns:p14="http://schemas.microsoft.com/office/powerpoint/2010/main" val="2582981024"/>
+        <p14:creationId xmlns:p14="http://schemas.microsoft.com/office/powerpoint/2010/main" val="1135028252"/>
       </p:ext>
     </p:extLst>
   </p:cSld>
@@ -4813,7 +5683,7 @@
           <a:p>
             <a:fld id="{D55E9482-D5C2-4AB3-BBE2-3386C30CEF8D}" type="datetimeFigureOut">
               <a:rPr lang="it-IT" smtClean="0"/>
-              <a:t>13/10/2023</a:t>
+              <a:t>14/10/2023</a:t>
             </a:fld>
             <a:endParaRPr lang="it-IT"/>
           </a:p>
@@ -5013,7 +5883,7 @@
           <a:p>
             <a:fld id="{D55E9482-D5C2-4AB3-BBE2-3386C30CEF8D}" type="datetimeFigureOut">
               <a:rPr lang="it-IT" smtClean="0"/>
-              <a:t>13/10/2023</a:t>
+              <a:t>14/10/2023</a:t>
             </a:fld>
             <a:endParaRPr lang="it-IT"/>
           </a:p>
@@ -5223,7 +6093,7 @@
           <a:p>
             <a:fld id="{D55E9482-D5C2-4AB3-BBE2-3386C30CEF8D}" type="datetimeFigureOut">
               <a:rPr lang="it-IT" smtClean="0"/>
-              <a:t>13/10/2023</a:t>
+              <a:t>14/10/2023</a:t>
             </a:fld>
             <a:endParaRPr lang="it-IT"/>
           </a:p>
@@ -5423,7 +6293,7 @@
           <a:p>
             <a:fld id="{D55E9482-D5C2-4AB3-BBE2-3386C30CEF8D}" type="datetimeFigureOut">
               <a:rPr lang="it-IT" smtClean="0"/>
-              <a:t>13/10/2023</a:t>
+              <a:t>14/10/2023</a:t>
             </a:fld>
             <a:endParaRPr lang="it-IT"/>
           </a:p>
@@ -5699,7 +6569,7 @@
           <a:p>
             <a:fld id="{D55E9482-D5C2-4AB3-BBE2-3386C30CEF8D}" type="datetimeFigureOut">
               <a:rPr lang="it-IT" smtClean="0"/>
-              <a:t>13/10/2023</a:t>
+              <a:t>14/10/2023</a:t>
             </a:fld>
             <a:endParaRPr lang="it-IT"/>
           </a:p>
@@ -5967,7 +6837,7 @@
           <a:p>
             <a:fld id="{D55E9482-D5C2-4AB3-BBE2-3386C30CEF8D}" type="datetimeFigureOut">
               <a:rPr lang="it-IT" smtClean="0"/>
-              <a:t>13/10/2023</a:t>
+              <a:t>14/10/2023</a:t>
             </a:fld>
             <a:endParaRPr lang="it-IT"/>
           </a:p>
@@ -6382,7 +7252,7 @@
           <a:p>
             <a:fld id="{D55E9482-D5C2-4AB3-BBE2-3386C30CEF8D}" type="datetimeFigureOut">
               <a:rPr lang="it-IT" smtClean="0"/>
-              <a:t>13/10/2023</a:t>
+              <a:t>14/10/2023</a:t>
             </a:fld>
             <a:endParaRPr lang="it-IT"/>
           </a:p>
@@ -6524,7 +7394,7 @@
           <a:p>
             <a:fld id="{D55E9482-D5C2-4AB3-BBE2-3386C30CEF8D}" type="datetimeFigureOut">
               <a:rPr lang="it-IT" smtClean="0"/>
-              <a:t>13/10/2023</a:t>
+              <a:t>14/10/2023</a:t>
             </a:fld>
             <a:endParaRPr lang="it-IT"/>
           </a:p>
@@ -6637,7 +7507,7 @@
           <a:p>
             <a:fld id="{D55E9482-D5C2-4AB3-BBE2-3386C30CEF8D}" type="datetimeFigureOut">
               <a:rPr lang="it-IT" smtClean="0"/>
-              <a:t>13/10/2023</a:t>
+              <a:t>14/10/2023</a:t>
             </a:fld>
             <a:endParaRPr lang="it-IT"/>
           </a:p>
@@ -6950,7 +7820,7 @@
           <a:p>
             <a:fld id="{D55E9482-D5C2-4AB3-BBE2-3386C30CEF8D}" type="datetimeFigureOut">
               <a:rPr lang="it-IT" smtClean="0"/>
-              <a:t>13/10/2023</a:t>
+              <a:t>14/10/2023</a:t>
             </a:fld>
             <a:endParaRPr lang="it-IT"/>
           </a:p>
@@ -7239,7 +8109,7 @@
           <a:p>
             <a:fld id="{D55E9482-D5C2-4AB3-BBE2-3386C30CEF8D}" type="datetimeFigureOut">
               <a:rPr lang="it-IT" smtClean="0"/>
-              <a:t>13/10/2023</a:t>
+              <a:t>14/10/2023</a:t>
             </a:fld>
             <a:endParaRPr lang="it-IT"/>
           </a:p>
@@ -7482,7 +8352,7 @@
           <a:p>
             <a:fld id="{D55E9482-D5C2-4AB3-BBE2-3386C30CEF8D}" type="datetimeFigureOut">
               <a:rPr lang="it-IT" smtClean="0"/>
-              <a:t>13/10/2023</a:t>
+              <a:t>14/10/2023</a:t>
             </a:fld>
             <a:endParaRPr lang="it-IT"/>
           </a:p>
@@ -8322,27 +9192,6 @@
 <file path=ppt/slides/slide10.xml><?xml version="1.0" encoding="utf-8"?>
 <p:sld xmlns:a="http://schemas.openxmlformats.org/drawingml/2006/main" xmlns:r="http://schemas.openxmlformats.org/officeDocument/2006/relationships" xmlns:p="http://schemas.openxmlformats.org/presentationml/2006/main">
   <p:cSld>
-    <p:bg>
-      <p:bgPr>
-        <a:gradFill>
-          <a:gsLst>
-            <a:gs pos="0">
-              <a:schemeClr val="accent6">
-                <a:lumMod val="40000"/>
-                <a:lumOff val="60000"/>
-              </a:schemeClr>
-            </a:gs>
-            <a:gs pos="100000">
-              <a:schemeClr val="accent6">
-                <a:lumMod val="75000"/>
-              </a:schemeClr>
-            </a:gs>
-          </a:gsLst>
-          <a:lin ang="8100000" scaled="1"/>
-        </a:gradFill>
-        <a:effectLst/>
-      </p:bgPr>
-    </p:bg>
     <p:spTree>
       <p:nvGrpSpPr>
         <p:cNvPr id="1" name=""/>
@@ -8460,8 +9309,8 @@
         </p:nvSpPr>
         <p:spPr>
           <a:xfrm>
-            <a:off x="3790765" y="253713"/>
-            <a:ext cx="4634144" cy="536232"/>
+            <a:off x="4678533" y="253713"/>
+            <a:ext cx="2849732" cy="536232"/>
           </a:xfrm>
           <a:prstGeom prst="roundRect">
             <a:avLst/>
@@ -8566,17 +9415,594 @@
                 <a:ea typeface="Cambria Math" panose="02040503050406030204" pitchFamily="18" charset="0"/>
                 <a:cs typeface="Times New Roman" panose="02020603050405020304" pitchFamily="18" charset="0"/>
               </a:rPr>
-              <a:t>Letture di multipli registri</a:t>
+              <a:t>Coda di priorità</a:t>
             </a:r>
           </a:p>
         </p:txBody>
       </p:sp>
       <p:sp>
         <p:nvSpPr>
-          <p:cNvPr id="3" name="Subtitle 2">
+          <p:cNvPr id="4" name="Rectangle: Rounded Corners 3">
             <a:extLst>
               <a:ext uri="{FF2B5EF4-FFF2-40B4-BE49-F238E27FC236}">
-                <a16:creationId xmlns:a16="http://schemas.microsoft.com/office/drawing/2014/main" id="{FC446B2D-F94A-2F94-9904-6D62ADA65C8F}"/>
+                <a16:creationId xmlns:a16="http://schemas.microsoft.com/office/drawing/2014/main" id="{59FE2E9D-74CF-CE81-55BB-51E23D076BAE}"/>
+              </a:ext>
+            </a:extLst>
+          </p:cNvPr>
+          <p:cNvSpPr/>
+          <p:nvPr/>
+        </p:nvSpPr>
+        <p:spPr>
+          <a:xfrm>
+            <a:off x="965747" y="877632"/>
+            <a:ext cx="10275303" cy="1744544"/>
+          </a:xfrm>
+          <a:prstGeom prst="roundRect">
+            <a:avLst/>
+          </a:prstGeom>
+          <a:solidFill>
+            <a:schemeClr val="bg1"/>
+          </a:solidFill>
+          <a:ln>
+            <a:noFill/>
+          </a:ln>
+        </p:spPr>
+        <p:style>
+          <a:lnRef idx="2">
+            <a:schemeClr val="accent1">
+              <a:shade val="15000"/>
+            </a:schemeClr>
+          </a:lnRef>
+          <a:fillRef idx="1">
+            <a:schemeClr val="accent1"/>
+          </a:fillRef>
+          <a:effectRef idx="0">
+            <a:schemeClr val="accent1"/>
+          </a:effectRef>
+          <a:fontRef idx="minor">
+            <a:schemeClr val="lt1"/>
+          </a:fontRef>
+        </p:style>
+        <p:txBody>
+          <a:bodyPr rtlCol="0" anchor="ctr"/>
+          <a:lstStyle/>
+          <a:p>
+            <a:pPr marL="0" marR="0" lvl="0" indent="0" algn="l" defTabSz="914400" rtl="0" eaLnBrk="1" fontAlgn="auto" latinLnBrk="0" hangingPunct="1">
+              <a:lnSpc>
+                <a:spcPct val="100000"/>
+              </a:lnSpc>
+              <a:spcBef>
+                <a:spcPts val="0"/>
+              </a:spcBef>
+              <a:spcAft>
+                <a:spcPts val="0"/>
+              </a:spcAft>
+              <a:buClrTx/>
+              <a:buSzTx/>
+              <a:buFontTx/>
+              <a:buNone/>
+              <a:tabLst/>
+              <a:defRPr/>
+            </a:pPr>
+            <a:r>
+              <a:rPr kumimoji="0" lang="it-IT" sz="2800" b="0" i="0" u="none" strike="noStrike" kern="1200" cap="none" spc="0" normalizeH="0" baseline="0" noProof="0" dirty="0">
+                <a:ln>
+                  <a:noFill/>
+                </a:ln>
+                <a:solidFill>
+                  <a:prstClr val="black"/>
+                </a:solidFill>
+                <a:effectLst/>
+                <a:uLnTx/>
+                <a:uFillTx/>
+                <a:latin typeface="Times New Roman" panose="02020603050405020304" pitchFamily="18" charset="0"/>
+                <a:ea typeface="+mn-ea"/>
+                <a:cs typeface="Times New Roman" panose="02020603050405020304" pitchFamily="18" charset="0"/>
+              </a:rPr>
+              <a:t>La coda deve poter discriminare tra tre diverse tipologie di compiti:</a:t>
+            </a:r>
+          </a:p>
+          <a:p>
+            <a:pPr marL="285750" marR="0" lvl="0" indent="-285750" algn="l" defTabSz="914400" rtl="0" eaLnBrk="1" fontAlgn="auto" latinLnBrk="0" hangingPunct="1">
+              <a:lnSpc>
+                <a:spcPct val="100000"/>
+              </a:lnSpc>
+              <a:spcBef>
+                <a:spcPts val="0"/>
+              </a:spcBef>
+              <a:spcAft>
+                <a:spcPts val="0"/>
+              </a:spcAft>
+              <a:buClrTx/>
+              <a:buSzTx/>
+              <a:buFont typeface="Wingdings" panose="05000000000000000000" pitchFamily="2" charset="2"/>
+              <a:buChar char="§"/>
+              <a:tabLst/>
+              <a:defRPr/>
+            </a:pPr>
+            <a:r>
+              <a:rPr kumimoji="0" lang="it-IT" sz="2800" b="0" i="0" u="none" strike="noStrike" kern="1200" cap="none" spc="0" normalizeH="0" baseline="0" noProof="0" dirty="0">
+                <a:ln>
+                  <a:noFill/>
+                </a:ln>
+                <a:solidFill>
+                  <a:srgbClr val="7FB265"/>
+                </a:solidFill>
+                <a:effectLst/>
+                <a:uLnTx/>
+                <a:uFillTx/>
+                <a:latin typeface="Times New Roman" panose="02020603050405020304" pitchFamily="18" charset="0"/>
+                <a:ea typeface="+mn-ea"/>
+                <a:cs typeface="Times New Roman" panose="02020603050405020304" pitchFamily="18" charset="0"/>
+              </a:rPr>
+              <a:t>Ad alta priorità </a:t>
+            </a:r>
+            <a:r>
+              <a:rPr kumimoji="0" lang="it-IT" sz="2800" b="0" i="0" u="none" strike="noStrike" kern="1200" cap="none" spc="0" normalizeH="0" baseline="0" noProof="0" dirty="0">
+                <a:ln>
+                  <a:noFill/>
+                </a:ln>
+                <a:solidFill>
+                  <a:prstClr val="black"/>
+                </a:solidFill>
+                <a:effectLst/>
+                <a:uLnTx/>
+                <a:uFillTx/>
+                <a:latin typeface="Times New Roman" panose="02020603050405020304" pitchFamily="18" charset="0"/>
+                <a:ea typeface="+mn-ea"/>
+                <a:cs typeface="Times New Roman" panose="02020603050405020304" pitchFamily="18" charset="0"/>
+              </a:rPr>
+              <a:t>(</a:t>
+            </a:r>
+            <a:r>
+              <a:rPr kumimoji="0" lang="el-GR" sz="2800" b="0" i="0" u="none" strike="noStrike" kern="1200" cap="none" spc="0" normalizeH="0" baseline="0" noProof="0" dirty="0">
+                <a:ln>
+                  <a:noFill/>
+                </a:ln>
+                <a:solidFill>
+                  <a:srgbClr val="7FB265"/>
+                </a:solidFill>
+                <a:effectLst/>
+                <a:uLnTx/>
+                <a:uFillTx/>
+                <a:latin typeface="Times New Roman" panose="02020603050405020304" pitchFamily="18" charset="0"/>
+                <a:ea typeface="+mn-ea"/>
+                <a:cs typeface="Times New Roman" panose="02020603050405020304" pitchFamily="18" charset="0"/>
+              </a:rPr>
+              <a:t>α</a:t>
+            </a:r>
+            <a:r>
+              <a:rPr kumimoji="0" lang="it-IT" sz="2800" b="0" i="0" u="none" strike="noStrike" kern="1200" cap="none" spc="0" normalizeH="0" baseline="0" noProof="0" dirty="0">
+                <a:ln>
+                  <a:noFill/>
+                </a:ln>
+                <a:solidFill>
+                  <a:prstClr val="black"/>
+                </a:solidFill>
+                <a:effectLst/>
+                <a:uLnTx/>
+                <a:uFillTx/>
+                <a:latin typeface="Times New Roman" panose="02020603050405020304" pitchFamily="18" charset="0"/>
+                <a:ea typeface="+mn-ea"/>
+                <a:cs typeface="Times New Roman" panose="02020603050405020304" pitchFamily="18" charset="0"/>
+              </a:rPr>
+              <a:t>)</a:t>
+            </a:r>
+          </a:p>
+          <a:p>
+            <a:pPr marL="285750" marR="0" lvl="0" indent="-285750" algn="l" defTabSz="914400" rtl="0" eaLnBrk="1" fontAlgn="auto" latinLnBrk="0" hangingPunct="1">
+              <a:lnSpc>
+                <a:spcPct val="100000"/>
+              </a:lnSpc>
+              <a:spcBef>
+                <a:spcPts val="0"/>
+              </a:spcBef>
+              <a:spcAft>
+                <a:spcPts val="0"/>
+              </a:spcAft>
+              <a:buClrTx/>
+              <a:buSzTx/>
+              <a:buFont typeface="Wingdings" panose="05000000000000000000" pitchFamily="2" charset="2"/>
+              <a:buChar char="§"/>
+              <a:tabLst/>
+              <a:defRPr/>
+            </a:pPr>
+            <a:r>
+              <a:rPr kumimoji="0" lang="it-IT" sz="2800" b="0" i="0" u="none" strike="noStrike" kern="1200" cap="none" spc="0" normalizeH="0" baseline="0" noProof="0" dirty="0">
+                <a:ln>
+                  <a:noFill/>
+                </a:ln>
+                <a:solidFill>
+                  <a:srgbClr val="B64F4B"/>
+                </a:solidFill>
+                <a:effectLst/>
+                <a:uLnTx/>
+                <a:uFillTx/>
+                <a:latin typeface="Times New Roman" panose="02020603050405020304" pitchFamily="18" charset="0"/>
+                <a:ea typeface="+mn-ea"/>
+                <a:cs typeface="Times New Roman" panose="02020603050405020304" pitchFamily="18" charset="0"/>
+              </a:rPr>
+              <a:t>A priorità normale </a:t>
+            </a:r>
+            <a:r>
+              <a:rPr kumimoji="0" lang="it-IT" sz="2800" b="0" i="0" u="none" strike="noStrike" kern="1200" cap="none" spc="0" normalizeH="0" baseline="0" noProof="0" dirty="0">
+                <a:ln>
+                  <a:noFill/>
+                </a:ln>
+                <a:solidFill>
+                  <a:prstClr val="black"/>
+                </a:solidFill>
+                <a:effectLst/>
+                <a:uLnTx/>
+                <a:uFillTx/>
+                <a:latin typeface="Times New Roman" panose="02020603050405020304" pitchFamily="18" charset="0"/>
+                <a:ea typeface="+mn-ea"/>
+                <a:cs typeface="Times New Roman" panose="02020603050405020304" pitchFamily="18" charset="0"/>
+              </a:rPr>
+              <a:t>(</a:t>
+            </a:r>
+            <a:r>
+              <a:rPr kumimoji="0" lang="el-GR" sz="2800" b="0" i="0" u="none" strike="noStrike" kern="1200" cap="none" spc="0" normalizeH="0" baseline="0" noProof="0" dirty="0">
+                <a:ln>
+                  <a:noFill/>
+                </a:ln>
+                <a:solidFill>
+                  <a:srgbClr val="B64F4B"/>
+                </a:solidFill>
+                <a:effectLst/>
+                <a:uLnTx/>
+                <a:uFillTx/>
+                <a:latin typeface="Times New Roman" panose="02020603050405020304" pitchFamily="18" charset="0"/>
+                <a:ea typeface="+mn-ea"/>
+                <a:cs typeface="Times New Roman" panose="02020603050405020304" pitchFamily="18" charset="0"/>
+              </a:rPr>
+              <a:t>β</a:t>
+            </a:r>
+            <a:r>
+              <a:rPr kumimoji="0" lang="it-IT" sz="2800" b="0" i="0" u="none" strike="noStrike" kern="1200" cap="none" spc="0" normalizeH="0" baseline="0" noProof="0" dirty="0">
+                <a:ln>
+                  <a:noFill/>
+                </a:ln>
+                <a:solidFill>
+                  <a:prstClr val="black"/>
+                </a:solidFill>
+                <a:effectLst/>
+                <a:uLnTx/>
+                <a:uFillTx/>
+                <a:latin typeface="Times New Roman" panose="02020603050405020304" pitchFamily="18" charset="0"/>
+                <a:ea typeface="+mn-ea"/>
+                <a:cs typeface="Times New Roman" panose="02020603050405020304" pitchFamily="18" charset="0"/>
+              </a:rPr>
+              <a:t>)</a:t>
+            </a:r>
+          </a:p>
+          <a:p>
+            <a:pPr marL="285750" marR="0" lvl="0" indent="-285750" algn="l" defTabSz="914400" rtl="0" eaLnBrk="1" fontAlgn="auto" latinLnBrk="0" hangingPunct="1">
+              <a:lnSpc>
+                <a:spcPct val="100000"/>
+              </a:lnSpc>
+              <a:spcBef>
+                <a:spcPts val="0"/>
+              </a:spcBef>
+              <a:spcAft>
+                <a:spcPts val="0"/>
+              </a:spcAft>
+              <a:buClrTx/>
+              <a:buSzTx/>
+              <a:buFont typeface="Wingdings" panose="05000000000000000000" pitchFamily="2" charset="2"/>
+              <a:buChar char="§"/>
+              <a:tabLst/>
+              <a:defRPr/>
+            </a:pPr>
+            <a:r>
+              <a:rPr kumimoji="0" lang="it-IT" sz="2800" b="0" i="0" u="none" strike="noStrike" kern="1200" cap="none" spc="0" normalizeH="0" baseline="0" noProof="0" dirty="0">
+                <a:ln>
+                  <a:noFill/>
+                </a:ln>
+                <a:solidFill>
+                  <a:srgbClr val="6A8DC0"/>
+                </a:solidFill>
+                <a:effectLst/>
+                <a:uLnTx/>
+                <a:uFillTx/>
+                <a:latin typeface="Times New Roman" panose="02020603050405020304" pitchFamily="18" charset="0"/>
+                <a:ea typeface="+mn-ea"/>
+                <a:cs typeface="Times New Roman" panose="02020603050405020304" pitchFamily="18" charset="0"/>
+              </a:rPr>
+              <a:t>Immediati </a:t>
+            </a:r>
+            <a:r>
+              <a:rPr kumimoji="0" lang="it-IT" sz="2800" b="0" i="0" u="none" strike="noStrike" kern="1200" cap="none" spc="0" normalizeH="0" baseline="0" noProof="0" dirty="0">
+                <a:ln>
+                  <a:noFill/>
+                </a:ln>
+                <a:solidFill>
+                  <a:prstClr val="black"/>
+                </a:solidFill>
+                <a:effectLst/>
+                <a:uLnTx/>
+                <a:uFillTx/>
+                <a:latin typeface="Times New Roman" panose="02020603050405020304" pitchFamily="18" charset="0"/>
+                <a:ea typeface="+mn-ea"/>
+                <a:cs typeface="Times New Roman" panose="02020603050405020304" pitchFamily="18" charset="0"/>
+              </a:rPr>
+              <a:t>(</a:t>
+            </a:r>
+            <a:r>
+              <a:rPr kumimoji="0" lang="el-GR" sz="2800" b="0" i="0" u="none" strike="noStrike" kern="1200" cap="none" spc="0" normalizeH="0" baseline="0" noProof="0" dirty="0">
+                <a:ln>
+                  <a:noFill/>
+                </a:ln>
+                <a:solidFill>
+                  <a:srgbClr val="6A8DC0"/>
+                </a:solidFill>
+                <a:effectLst/>
+                <a:uLnTx/>
+                <a:uFillTx/>
+                <a:latin typeface="Times New Roman" panose="02020603050405020304" pitchFamily="18" charset="0"/>
+                <a:ea typeface="+mn-ea"/>
+                <a:cs typeface="Times New Roman" panose="02020603050405020304" pitchFamily="18" charset="0"/>
+              </a:rPr>
+              <a:t>γ</a:t>
+            </a:r>
+            <a:r>
+              <a:rPr kumimoji="0" lang="it-IT" sz="2800" b="0" i="0" u="none" strike="noStrike" kern="1200" cap="none" spc="0" normalizeH="0" baseline="0" noProof="0" dirty="0">
+                <a:ln>
+                  <a:noFill/>
+                </a:ln>
+                <a:solidFill>
+                  <a:prstClr val="black"/>
+                </a:solidFill>
+                <a:effectLst/>
+                <a:uLnTx/>
+                <a:uFillTx/>
+                <a:latin typeface="Times New Roman" panose="02020603050405020304" pitchFamily="18" charset="0"/>
+                <a:ea typeface="+mn-ea"/>
+                <a:cs typeface="Times New Roman" panose="02020603050405020304" pitchFamily="18" charset="0"/>
+              </a:rPr>
+              <a:t>)</a:t>
+            </a:r>
+          </a:p>
+        </p:txBody>
+      </p:sp>
+      <p:pic>
+        <p:nvPicPr>
+          <p:cNvPr id="18" name="Picture 17" descr="A screenshot of a computer&#10;&#10;Description automatically generated">
+            <a:extLst>
+              <a:ext uri="{FF2B5EF4-FFF2-40B4-BE49-F238E27FC236}">
+                <a16:creationId xmlns:a16="http://schemas.microsoft.com/office/drawing/2014/main" id="{B46F7289-5009-F275-C8F1-972FE0998D47}"/>
+              </a:ext>
+            </a:extLst>
+          </p:cNvPr>
+          <p:cNvPicPr>
+            <a:picLocks noChangeAspect="1"/>
+          </p:cNvPicPr>
+          <p:nvPr/>
+        </p:nvPicPr>
+        <p:blipFill rotWithShape="1">
+          <a:blip r:embed="rId3"/>
+          <a:srcRect r="35239"/>
+          <a:stretch/>
+        </p:blipFill>
+        <p:spPr>
+          <a:xfrm>
+            <a:off x="1575361" y="2733675"/>
+            <a:ext cx="5855249" cy="3870612"/>
+          </a:xfrm>
+          <a:prstGeom prst="rect">
+            <a:avLst/>
+          </a:prstGeom>
+        </p:spPr>
+      </p:pic>
+    </p:spTree>
+    <p:extLst>
+      <p:ext uri="{BB962C8B-B14F-4D97-AF65-F5344CB8AC3E}">
+        <p14:creationId xmlns:p14="http://schemas.microsoft.com/office/powerpoint/2010/main" val="845317825"/>
+      </p:ext>
+    </p:extLst>
+  </p:cSld>
+  <p:clrMapOvr>
+    <a:masterClrMapping/>
+  </p:clrMapOvr>
+  <p:transition spd="slow">
+    <p:wipe/>
+  </p:transition>
+</p:sld>
+</file>
+
+<file path=ppt/slides/slide11.xml><?xml version="1.0" encoding="utf-8"?>
+<p:sld xmlns:a="http://schemas.openxmlformats.org/drawingml/2006/main" xmlns:r="http://schemas.openxmlformats.org/officeDocument/2006/relationships" xmlns:p="http://schemas.openxmlformats.org/presentationml/2006/main">
+  <p:cSld>
+    <p:spTree>
+      <p:nvGrpSpPr>
+        <p:cNvPr id="1" name=""/>
+        <p:cNvGrpSpPr/>
+        <p:nvPr/>
+      </p:nvGrpSpPr>
+      <p:grpSpPr>
+        <a:xfrm>
+          <a:off x="0" y="0"/>
+          <a:ext cx="0" cy="0"/>
+          <a:chOff x="0" y="0"/>
+          <a:chExt cx="0" cy="0"/>
+        </a:xfrm>
+      </p:grpSpPr>
+      <p:sp>
+        <p:nvSpPr>
+          <p:cNvPr id="8" name="Rectangle: Rounded Corners 7">
+            <a:extLst>
+              <a:ext uri="{FF2B5EF4-FFF2-40B4-BE49-F238E27FC236}">
+                <a16:creationId xmlns:a16="http://schemas.microsoft.com/office/drawing/2014/main" id="{7BB0D57C-96FC-342D-E8C0-5E4D36FCC075}"/>
+              </a:ext>
+            </a:extLst>
+          </p:cNvPr>
+          <p:cNvSpPr/>
+          <p:nvPr/>
+        </p:nvSpPr>
+        <p:spPr>
+          <a:xfrm>
+            <a:off x="136263" y="107576"/>
+            <a:ext cx="11919473" cy="6642848"/>
+          </a:xfrm>
+          <a:prstGeom prst="roundRect">
+            <a:avLst>
+              <a:gd name="adj" fmla="val 1768"/>
+            </a:avLst>
+          </a:prstGeom>
+          <a:solidFill>
+            <a:schemeClr val="accent2">
+              <a:lumMod val="20000"/>
+              <a:lumOff val="80000"/>
+            </a:schemeClr>
+          </a:solidFill>
+          <a:ln>
+            <a:noFill/>
+          </a:ln>
+          <a:effectLst>
+            <a:softEdge rad="0"/>
+          </a:effectLst>
+        </p:spPr>
+        <p:style>
+          <a:lnRef idx="2">
+            <a:schemeClr val="accent1">
+              <a:shade val="15000"/>
+            </a:schemeClr>
+          </a:lnRef>
+          <a:fillRef idx="1">
+            <a:schemeClr val="accent1"/>
+          </a:fillRef>
+          <a:effectRef idx="0">
+            <a:schemeClr val="accent1"/>
+          </a:effectRef>
+          <a:fontRef idx="minor">
+            <a:schemeClr val="lt1"/>
+          </a:fontRef>
+        </p:style>
+        <p:txBody>
+          <a:bodyPr rtlCol="0" anchor="ctr"/>
+          <a:lstStyle/>
+          <a:p>
+            <a:pPr marL="0" marR="0" lvl="0" indent="0" algn="ctr" defTabSz="914400" rtl="0" eaLnBrk="1" fontAlgn="auto" latinLnBrk="0" hangingPunct="1">
+              <a:lnSpc>
+                <a:spcPct val="100000"/>
+              </a:lnSpc>
+              <a:spcBef>
+                <a:spcPts val="0"/>
+              </a:spcBef>
+              <a:spcAft>
+                <a:spcPts val="0"/>
+              </a:spcAft>
+              <a:buClrTx/>
+              <a:buSzTx/>
+              <a:buFontTx/>
+              <a:buNone/>
+              <a:tabLst/>
+              <a:defRPr/>
+            </a:pPr>
+            <a:endParaRPr kumimoji="0" lang="it-IT" sz="1800" b="0" i="0" u="none" strike="noStrike" kern="1200" cap="none" spc="0" normalizeH="0" baseline="0" noProof="0" dirty="0">
+              <a:ln>
+                <a:noFill/>
+              </a:ln>
+              <a:solidFill>
+                <a:prstClr val="white"/>
+              </a:solidFill>
+              <a:effectLst/>
+              <a:uLnTx/>
+              <a:uFillTx/>
+              <a:latin typeface="Calibri" panose="020F0502020204030204"/>
+              <a:ea typeface="+mn-ea"/>
+              <a:cs typeface="+mn-cs"/>
+            </a:endParaRPr>
+          </a:p>
+        </p:txBody>
+      </p:sp>
+      <p:sp>
+        <p:nvSpPr>
+          <p:cNvPr id="10" name="Rectangle: Rounded Corners 9">
+            <a:extLst>
+              <a:ext uri="{FF2B5EF4-FFF2-40B4-BE49-F238E27FC236}">
+                <a16:creationId xmlns:a16="http://schemas.microsoft.com/office/drawing/2014/main" id="{353FC021-9E12-A48E-6ABA-58B63D78E973}"/>
+              </a:ext>
+            </a:extLst>
+          </p:cNvPr>
+          <p:cNvSpPr/>
+          <p:nvPr/>
+        </p:nvSpPr>
+        <p:spPr>
+          <a:xfrm>
+            <a:off x="4678533" y="253713"/>
+            <a:ext cx="2849732" cy="536232"/>
+          </a:xfrm>
+          <a:prstGeom prst="roundRect">
+            <a:avLst/>
+          </a:prstGeom>
+          <a:solidFill>
+            <a:schemeClr val="bg1"/>
+          </a:solidFill>
+          <a:ln>
+            <a:noFill/>
+          </a:ln>
+        </p:spPr>
+        <p:style>
+          <a:lnRef idx="2">
+            <a:schemeClr val="accent1">
+              <a:shade val="15000"/>
+            </a:schemeClr>
+          </a:lnRef>
+          <a:fillRef idx="1">
+            <a:schemeClr val="accent1"/>
+          </a:fillRef>
+          <a:effectRef idx="0">
+            <a:schemeClr val="accent1"/>
+          </a:effectRef>
+          <a:fontRef idx="minor">
+            <a:schemeClr val="lt1"/>
+          </a:fontRef>
+        </p:style>
+        <p:txBody>
+          <a:bodyPr rtlCol="0" anchor="ctr"/>
+          <a:lstStyle/>
+          <a:p>
+            <a:pPr marL="0" marR="0" lvl="0" indent="0" algn="ctr" defTabSz="914400" rtl="0" eaLnBrk="1" fontAlgn="auto" latinLnBrk="0" hangingPunct="1">
+              <a:lnSpc>
+                <a:spcPct val="100000"/>
+              </a:lnSpc>
+              <a:spcBef>
+                <a:spcPts val="0"/>
+              </a:spcBef>
+              <a:spcAft>
+                <a:spcPts val="0"/>
+              </a:spcAft>
+              <a:buClrTx/>
+              <a:buSzTx/>
+              <a:buFontTx/>
+              <a:buNone/>
+              <a:tabLst/>
+              <a:defRPr/>
+            </a:pPr>
+            <a:endParaRPr kumimoji="0" lang="it-IT" sz="1800" b="0" i="0" u="none" strike="noStrike" kern="1200" cap="none" spc="0" normalizeH="0" baseline="0" noProof="0">
+              <a:ln>
+                <a:noFill/>
+              </a:ln>
+              <a:solidFill>
+                <a:prstClr val="white"/>
+              </a:solidFill>
+              <a:effectLst/>
+              <a:uLnTx/>
+              <a:uFillTx/>
+              <a:latin typeface="Calibri" panose="020F0502020204030204"/>
+              <a:ea typeface="+mn-ea"/>
+              <a:cs typeface="+mn-cs"/>
+            </a:endParaRPr>
+          </a:p>
+        </p:txBody>
+      </p:sp>
+      <p:sp>
+        <p:nvSpPr>
+          <p:cNvPr id="2" name="Title 1">
+            <a:extLst>
+              <a:ext uri="{FF2B5EF4-FFF2-40B4-BE49-F238E27FC236}">
+                <a16:creationId xmlns:a16="http://schemas.microsoft.com/office/drawing/2014/main" id="{29FD1FBB-B73F-521A-0195-23D08646B2BD}"/>
               </a:ext>
             </a:extLst>
           </p:cNvPr>
@@ -8584,61 +10010,1050 @@
             <a:spLocks noGrp="1"/>
           </p:cNvSpPr>
           <p:nvPr>
-            <p:ph type="subTitle" idx="1"/>
+            <p:ph type="ctrTitle"/>
           </p:nvPr>
         </p:nvSpPr>
         <p:spPr>
           <a:xfrm>
-            <a:off x="1159136" y="1141768"/>
-            <a:ext cx="9601200" cy="5497157"/>
+            <a:off x="0" y="219075"/>
+            <a:ext cx="12192000" cy="547058"/>
           </a:xfrm>
         </p:spPr>
         <p:txBody>
           <a:bodyPr>
-            <a:normAutofit/>
+            <a:normAutofit fontScale="90000"/>
           </a:bodyPr>
           <a:lstStyle/>
           <a:p>
-            <a:pPr algn="l">
-              <a:lnSpc>
-                <a:spcPct val="200000"/>
-              </a:lnSpc>
+            <a:pPr hangingPunct="0">
+              <a:tabLst>
+                <a:tab pos="7496175" algn="r"/>
+              </a:tabLst>
             </a:pPr>
             <a:r>
-              <a:rPr lang="it-IT" dirty="0">
-                <a:latin typeface="Times New Roman" panose="02020603050405020304" pitchFamily="18" charset="0"/>
+              <a:rPr lang="it-IT" sz="3600" dirty="0">
+                <a:latin typeface="Cambria Math" panose="02040503050406030204" pitchFamily="18" charset="0"/>
+                <a:ea typeface="Cambria Math" panose="02040503050406030204" pitchFamily="18" charset="0"/>
                 <a:cs typeface="Times New Roman" panose="02020603050405020304" pitchFamily="18" charset="0"/>
               </a:rPr>
-              <a:t>+ </a:t>
+              <a:t>Coda di priorità</a:t>
+            </a:r>
+          </a:p>
+        </p:txBody>
+      </p:sp>
+      <p:sp>
+        <p:nvSpPr>
+          <p:cNvPr id="4" name="Rectangle: Rounded Corners 3">
+            <a:extLst>
+              <a:ext uri="{FF2B5EF4-FFF2-40B4-BE49-F238E27FC236}">
+                <a16:creationId xmlns:a16="http://schemas.microsoft.com/office/drawing/2014/main" id="{59FE2E9D-74CF-CE81-55BB-51E23D076BAE}"/>
+              </a:ext>
+            </a:extLst>
+          </p:cNvPr>
+          <p:cNvSpPr/>
+          <p:nvPr/>
+        </p:nvSpPr>
+        <p:spPr>
+          <a:xfrm>
+            <a:off x="965747" y="877632"/>
+            <a:ext cx="10275303" cy="1744544"/>
+          </a:xfrm>
+          <a:prstGeom prst="roundRect">
+            <a:avLst/>
+          </a:prstGeom>
+          <a:solidFill>
+            <a:schemeClr val="bg1"/>
+          </a:solidFill>
+          <a:ln>
+            <a:noFill/>
+          </a:ln>
+        </p:spPr>
+        <p:style>
+          <a:lnRef idx="2">
+            <a:schemeClr val="accent1">
+              <a:shade val="15000"/>
+            </a:schemeClr>
+          </a:lnRef>
+          <a:fillRef idx="1">
+            <a:schemeClr val="accent1"/>
+          </a:fillRef>
+          <a:effectRef idx="0">
+            <a:schemeClr val="accent1"/>
+          </a:effectRef>
+          <a:fontRef idx="minor">
+            <a:schemeClr val="lt1"/>
+          </a:fontRef>
+        </p:style>
+        <p:txBody>
+          <a:bodyPr rtlCol="0" anchor="ctr"/>
+          <a:lstStyle/>
+          <a:p>
+            <a:pPr marL="0" marR="0" lvl="0" indent="0" algn="l" defTabSz="914400" rtl="0" eaLnBrk="1" fontAlgn="auto" latinLnBrk="0" hangingPunct="1">
+              <a:lnSpc>
+                <a:spcPct val="100000"/>
+              </a:lnSpc>
+              <a:spcBef>
+                <a:spcPts val="0"/>
+              </a:spcBef>
+              <a:spcAft>
+                <a:spcPts val="0"/>
+              </a:spcAft>
+              <a:buClrTx/>
+              <a:buSzTx/>
+              <a:buFontTx/>
+              <a:buNone/>
+              <a:tabLst/>
+              <a:defRPr/>
+            </a:pPr>
+            <a:r>
+              <a:rPr kumimoji="0" lang="it-IT" sz="2800" b="0" i="0" u="none" strike="noStrike" kern="1200" cap="none" spc="0" normalizeH="0" baseline="0" noProof="0" dirty="0">
+                <a:ln>
+                  <a:noFill/>
+                </a:ln>
+                <a:solidFill>
+                  <a:prstClr val="black"/>
+                </a:solidFill>
+                <a:effectLst/>
+                <a:uLnTx/>
+                <a:uFillTx/>
+                <a:latin typeface="Times New Roman" panose="02020603050405020304" pitchFamily="18" charset="0"/>
+                <a:ea typeface="+mn-ea"/>
+                <a:cs typeface="Times New Roman" panose="02020603050405020304" pitchFamily="18" charset="0"/>
+              </a:rPr>
+              <a:t>La coda deve poter discriminare tra tre diverse tipologie di compiti:</a:t>
+            </a:r>
+          </a:p>
+          <a:p>
+            <a:pPr marL="285750" marR="0" lvl="0" indent="-285750" algn="l" defTabSz="914400" rtl="0" eaLnBrk="1" fontAlgn="auto" latinLnBrk="0" hangingPunct="1">
+              <a:lnSpc>
+                <a:spcPct val="100000"/>
+              </a:lnSpc>
+              <a:spcBef>
+                <a:spcPts val="0"/>
+              </a:spcBef>
+              <a:spcAft>
+                <a:spcPts val="0"/>
+              </a:spcAft>
+              <a:buClrTx/>
+              <a:buSzTx/>
+              <a:buFont typeface="Wingdings" panose="05000000000000000000" pitchFamily="2" charset="2"/>
+              <a:buChar char="§"/>
+              <a:tabLst/>
+              <a:defRPr/>
+            </a:pPr>
+            <a:r>
+              <a:rPr kumimoji="0" lang="it-IT" sz="2800" b="0" i="0" u="none" strike="noStrike" kern="1200" cap="none" spc="0" normalizeH="0" baseline="0" noProof="0" dirty="0">
+                <a:ln>
+                  <a:noFill/>
+                </a:ln>
+                <a:solidFill>
+                  <a:srgbClr val="7FB265"/>
+                </a:solidFill>
+                <a:effectLst/>
+                <a:uLnTx/>
+                <a:uFillTx/>
+                <a:latin typeface="Times New Roman" panose="02020603050405020304" pitchFamily="18" charset="0"/>
+                <a:ea typeface="+mn-ea"/>
+                <a:cs typeface="Times New Roman" panose="02020603050405020304" pitchFamily="18" charset="0"/>
+              </a:rPr>
+              <a:t>Ad alta priorità </a:t>
             </a:r>
             <a:r>
-              <a:rPr lang="it-IT" dirty="0" err="1">
+              <a:rPr kumimoji="0" lang="it-IT" sz="2800" b="0" i="0" u="none" strike="noStrike" kern="1200" cap="none" spc="0" normalizeH="0" baseline="0" noProof="0" dirty="0">
+                <a:ln>
+                  <a:noFill/>
+                </a:ln>
+                <a:solidFill>
+                  <a:prstClr val="black"/>
+                </a:solidFill>
+                <a:effectLst/>
+                <a:uLnTx/>
+                <a:uFillTx/>
                 <a:latin typeface="Times New Roman" panose="02020603050405020304" pitchFamily="18" charset="0"/>
+                <a:ea typeface="+mn-ea"/>
                 <a:cs typeface="Times New Roman" panose="02020603050405020304" pitchFamily="18" charset="0"/>
               </a:rPr>
-              <a:t>caching</a:t>
+              <a:t>(</a:t>
             </a:r>
-            <a:endParaRPr lang="it-IT" dirty="0">
-              <a:latin typeface="Times New Roman" panose="02020603050405020304" pitchFamily="18" charset="0"/>
-              <a:cs typeface="Times New Roman" panose="02020603050405020304" pitchFamily="18" charset="0"/>
-            </a:endParaRPr>
+            <a:r>
+              <a:rPr kumimoji="0" lang="el-GR" sz="2800" b="0" i="0" u="none" strike="noStrike" kern="1200" cap="none" spc="0" normalizeH="0" baseline="0" noProof="0" dirty="0">
+                <a:ln>
+                  <a:noFill/>
+                </a:ln>
+                <a:solidFill>
+                  <a:srgbClr val="7FB265"/>
+                </a:solidFill>
+                <a:effectLst/>
+                <a:uLnTx/>
+                <a:uFillTx/>
+                <a:latin typeface="Times New Roman" panose="02020603050405020304" pitchFamily="18" charset="0"/>
+                <a:ea typeface="+mn-ea"/>
+                <a:cs typeface="Times New Roman" panose="02020603050405020304" pitchFamily="18" charset="0"/>
+              </a:rPr>
+              <a:t>α</a:t>
+            </a:r>
+            <a:r>
+              <a:rPr kumimoji="0" lang="it-IT" sz="2800" b="0" i="0" u="none" strike="noStrike" kern="1200" cap="none" spc="0" normalizeH="0" baseline="0" noProof="0" dirty="0">
+                <a:ln>
+                  <a:noFill/>
+                </a:ln>
+                <a:solidFill>
+                  <a:prstClr val="black"/>
+                </a:solidFill>
+                <a:effectLst/>
+                <a:uLnTx/>
+                <a:uFillTx/>
+                <a:latin typeface="Times New Roman" panose="02020603050405020304" pitchFamily="18" charset="0"/>
+                <a:ea typeface="+mn-ea"/>
+                <a:cs typeface="Times New Roman" panose="02020603050405020304" pitchFamily="18" charset="0"/>
+              </a:rPr>
+              <a:t>)</a:t>
+            </a:r>
+          </a:p>
+          <a:p>
+            <a:pPr marL="285750" marR="0" lvl="0" indent="-285750" algn="l" defTabSz="914400" rtl="0" eaLnBrk="1" fontAlgn="auto" latinLnBrk="0" hangingPunct="1">
+              <a:lnSpc>
+                <a:spcPct val="100000"/>
+              </a:lnSpc>
+              <a:spcBef>
+                <a:spcPts val="0"/>
+              </a:spcBef>
+              <a:spcAft>
+                <a:spcPts val="0"/>
+              </a:spcAft>
+              <a:buClrTx/>
+              <a:buSzTx/>
+              <a:buFont typeface="Wingdings" panose="05000000000000000000" pitchFamily="2" charset="2"/>
+              <a:buChar char="§"/>
+              <a:tabLst/>
+              <a:defRPr/>
+            </a:pPr>
+            <a:r>
+              <a:rPr kumimoji="0" lang="it-IT" sz="2800" b="0" i="0" u="none" strike="noStrike" kern="1200" cap="none" spc="0" normalizeH="0" baseline="0" noProof="0" dirty="0">
+                <a:ln>
+                  <a:noFill/>
+                </a:ln>
+                <a:solidFill>
+                  <a:srgbClr val="B64F4B"/>
+                </a:solidFill>
+                <a:effectLst/>
+                <a:uLnTx/>
+                <a:uFillTx/>
+                <a:latin typeface="Times New Roman" panose="02020603050405020304" pitchFamily="18" charset="0"/>
+                <a:ea typeface="+mn-ea"/>
+                <a:cs typeface="Times New Roman" panose="02020603050405020304" pitchFamily="18" charset="0"/>
+              </a:rPr>
+              <a:t>A priorità normale </a:t>
+            </a:r>
+            <a:r>
+              <a:rPr kumimoji="0" lang="it-IT" sz="2800" b="0" i="0" u="none" strike="noStrike" kern="1200" cap="none" spc="0" normalizeH="0" baseline="0" noProof="0" dirty="0">
+                <a:ln>
+                  <a:noFill/>
+                </a:ln>
+                <a:solidFill>
+                  <a:prstClr val="black"/>
+                </a:solidFill>
+                <a:effectLst/>
+                <a:uLnTx/>
+                <a:uFillTx/>
+                <a:latin typeface="Times New Roman" panose="02020603050405020304" pitchFamily="18" charset="0"/>
+                <a:ea typeface="+mn-ea"/>
+                <a:cs typeface="Times New Roman" panose="02020603050405020304" pitchFamily="18" charset="0"/>
+              </a:rPr>
+              <a:t>(</a:t>
+            </a:r>
+            <a:r>
+              <a:rPr kumimoji="0" lang="el-GR" sz="2800" b="0" i="0" u="none" strike="noStrike" kern="1200" cap="none" spc="0" normalizeH="0" baseline="0" noProof="0" dirty="0">
+                <a:ln>
+                  <a:noFill/>
+                </a:ln>
+                <a:solidFill>
+                  <a:srgbClr val="B64F4B"/>
+                </a:solidFill>
+                <a:effectLst/>
+                <a:uLnTx/>
+                <a:uFillTx/>
+                <a:latin typeface="Times New Roman" panose="02020603050405020304" pitchFamily="18" charset="0"/>
+                <a:ea typeface="+mn-ea"/>
+                <a:cs typeface="Times New Roman" panose="02020603050405020304" pitchFamily="18" charset="0"/>
+              </a:rPr>
+              <a:t>β</a:t>
+            </a:r>
+            <a:r>
+              <a:rPr kumimoji="0" lang="it-IT" sz="2800" b="0" i="0" u="none" strike="noStrike" kern="1200" cap="none" spc="0" normalizeH="0" baseline="0" noProof="0" dirty="0">
+                <a:ln>
+                  <a:noFill/>
+                </a:ln>
+                <a:solidFill>
+                  <a:prstClr val="black"/>
+                </a:solidFill>
+                <a:effectLst/>
+                <a:uLnTx/>
+                <a:uFillTx/>
+                <a:latin typeface="Times New Roman" panose="02020603050405020304" pitchFamily="18" charset="0"/>
+                <a:ea typeface="+mn-ea"/>
+                <a:cs typeface="Times New Roman" panose="02020603050405020304" pitchFamily="18" charset="0"/>
+              </a:rPr>
+              <a:t>)</a:t>
+            </a:r>
+          </a:p>
+          <a:p>
+            <a:pPr marL="285750" marR="0" lvl="0" indent="-285750" algn="l" defTabSz="914400" rtl="0" eaLnBrk="1" fontAlgn="auto" latinLnBrk="0" hangingPunct="1">
+              <a:lnSpc>
+                <a:spcPct val="100000"/>
+              </a:lnSpc>
+              <a:spcBef>
+                <a:spcPts val="0"/>
+              </a:spcBef>
+              <a:spcAft>
+                <a:spcPts val="0"/>
+              </a:spcAft>
+              <a:buClrTx/>
+              <a:buSzTx/>
+              <a:buFont typeface="Wingdings" panose="05000000000000000000" pitchFamily="2" charset="2"/>
+              <a:buChar char="§"/>
+              <a:tabLst/>
+              <a:defRPr/>
+            </a:pPr>
+            <a:r>
+              <a:rPr kumimoji="0" lang="it-IT" sz="2800" b="0" i="0" u="none" strike="noStrike" kern="1200" cap="none" spc="0" normalizeH="0" baseline="0" noProof="0" dirty="0">
+                <a:ln>
+                  <a:noFill/>
+                </a:ln>
+                <a:solidFill>
+                  <a:srgbClr val="6A8DC0"/>
+                </a:solidFill>
+                <a:effectLst/>
+                <a:uLnTx/>
+                <a:uFillTx/>
+                <a:latin typeface="Times New Roman" panose="02020603050405020304" pitchFamily="18" charset="0"/>
+                <a:ea typeface="+mn-ea"/>
+                <a:cs typeface="Times New Roman" panose="02020603050405020304" pitchFamily="18" charset="0"/>
+              </a:rPr>
+              <a:t>Immediati </a:t>
+            </a:r>
+            <a:r>
+              <a:rPr kumimoji="0" lang="it-IT" sz="2800" b="0" i="0" u="none" strike="noStrike" kern="1200" cap="none" spc="0" normalizeH="0" baseline="0" noProof="0" dirty="0">
+                <a:ln>
+                  <a:noFill/>
+                </a:ln>
+                <a:solidFill>
+                  <a:prstClr val="black"/>
+                </a:solidFill>
+                <a:effectLst/>
+                <a:uLnTx/>
+                <a:uFillTx/>
+                <a:latin typeface="Times New Roman" panose="02020603050405020304" pitchFamily="18" charset="0"/>
+                <a:ea typeface="+mn-ea"/>
+                <a:cs typeface="Times New Roman" panose="02020603050405020304" pitchFamily="18" charset="0"/>
+              </a:rPr>
+              <a:t>(</a:t>
+            </a:r>
+            <a:r>
+              <a:rPr kumimoji="0" lang="el-GR" sz="2800" b="0" i="0" u="none" strike="noStrike" kern="1200" cap="none" spc="0" normalizeH="0" baseline="0" noProof="0" dirty="0">
+                <a:ln>
+                  <a:noFill/>
+                </a:ln>
+                <a:solidFill>
+                  <a:srgbClr val="6A8DC0"/>
+                </a:solidFill>
+                <a:effectLst/>
+                <a:uLnTx/>
+                <a:uFillTx/>
+                <a:latin typeface="Times New Roman" panose="02020603050405020304" pitchFamily="18" charset="0"/>
+                <a:ea typeface="+mn-ea"/>
+                <a:cs typeface="Times New Roman" panose="02020603050405020304" pitchFamily="18" charset="0"/>
+              </a:rPr>
+              <a:t>γ</a:t>
+            </a:r>
+            <a:r>
+              <a:rPr kumimoji="0" lang="it-IT" sz="2800" b="0" i="0" u="none" strike="noStrike" kern="1200" cap="none" spc="0" normalizeH="0" baseline="0" noProof="0" dirty="0">
+                <a:ln>
+                  <a:noFill/>
+                </a:ln>
+                <a:solidFill>
+                  <a:prstClr val="black"/>
+                </a:solidFill>
+                <a:effectLst/>
+                <a:uLnTx/>
+                <a:uFillTx/>
+                <a:latin typeface="Times New Roman" panose="02020603050405020304" pitchFamily="18" charset="0"/>
+                <a:ea typeface="+mn-ea"/>
+                <a:cs typeface="Times New Roman" panose="02020603050405020304" pitchFamily="18" charset="0"/>
+              </a:rPr>
+              <a:t>)</a:t>
+            </a:r>
           </a:p>
         </p:txBody>
       </p:sp>
+      <p:pic>
+        <p:nvPicPr>
+          <p:cNvPr id="18" name="Picture 17" descr="A screenshot of a computer&#10;&#10;Description automatically generated">
+            <a:extLst>
+              <a:ext uri="{FF2B5EF4-FFF2-40B4-BE49-F238E27FC236}">
+                <a16:creationId xmlns:a16="http://schemas.microsoft.com/office/drawing/2014/main" id="{B46F7289-5009-F275-C8F1-972FE0998D47}"/>
+              </a:ext>
+            </a:extLst>
+          </p:cNvPr>
+          <p:cNvPicPr>
+            <a:picLocks noChangeAspect="1"/>
+          </p:cNvPicPr>
+          <p:nvPr/>
+        </p:nvPicPr>
+        <p:blipFill rotWithShape="1">
+          <a:blip r:embed="rId3"/>
+          <a:srcRect r="17172"/>
+          <a:stretch/>
+        </p:blipFill>
+        <p:spPr>
+          <a:xfrm>
+            <a:off x="1575361" y="2733675"/>
+            <a:ext cx="7488740" cy="3870612"/>
+          </a:xfrm>
+          <a:prstGeom prst="rect">
+            <a:avLst/>
+          </a:prstGeom>
+        </p:spPr>
+      </p:pic>
     </p:spTree>
     <p:extLst>
       <p:ext uri="{BB962C8B-B14F-4D97-AF65-F5344CB8AC3E}">
-        <p14:creationId xmlns:p14="http://schemas.microsoft.com/office/powerpoint/2010/main" val="2722363685"/>
+        <p14:creationId xmlns:p14="http://schemas.microsoft.com/office/powerpoint/2010/main" val="3719203066"/>
       </p:ext>
     </p:extLst>
   </p:cSld>
   <p:clrMapOvr>
     <a:masterClrMapping/>
   </p:clrMapOvr>
+  <p:transition spd="slow">
+    <p:wipe/>
+  </p:transition>
 </p:sld>
 </file>
 
-<file path=ppt/slides/slide11.xml><?xml version="1.0" encoding="utf-8"?>
+<file path=ppt/slides/slide12.xml><?xml version="1.0" encoding="utf-8"?>
+<p:sld xmlns:a="http://schemas.openxmlformats.org/drawingml/2006/main" xmlns:r="http://schemas.openxmlformats.org/officeDocument/2006/relationships" xmlns:p="http://schemas.openxmlformats.org/presentationml/2006/main">
+  <p:cSld>
+    <p:spTree>
+      <p:nvGrpSpPr>
+        <p:cNvPr id="1" name=""/>
+        <p:cNvGrpSpPr/>
+        <p:nvPr/>
+      </p:nvGrpSpPr>
+      <p:grpSpPr>
+        <a:xfrm>
+          <a:off x="0" y="0"/>
+          <a:ext cx="0" cy="0"/>
+          <a:chOff x="0" y="0"/>
+          <a:chExt cx="0" cy="0"/>
+        </a:xfrm>
+      </p:grpSpPr>
+      <p:sp>
+        <p:nvSpPr>
+          <p:cNvPr id="8" name="Rectangle: Rounded Corners 7">
+            <a:extLst>
+              <a:ext uri="{FF2B5EF4-FFF2-40B4-BE49-F238E27FC236}">
+                <a16:creationId xmlns:a16="http://schemas.microsoft.com/office/drawing/2014/main" id="{7BB0D57C-96FC-342D-E8C0-5E4D36FCC075}"/>
+              </a:ext>
+            </a:extLst>
+          </p:cNvPr>
+          <p:cNvSpPr/>
+          <p:nvPr/>
+        </p:nvSpPr>
+        <p:spPr>
+          <a:xfrm>
+            <a:off x="136263" y="107576"/>
+            <a:ext cx="11919473" cy="6642848"/>
+          </a:xfrm>
+          <a:prstGeom prst="roundRect">
+            <a:avLst>
+              <a:gd name="adj" fmla="val 1768"/>
+            </a:avLst>
+          </a:prstGeom>
+          <a:solidFill>
+            <a:schemeClr val="accent2">
+              <a:lumMod val="20000"/>
+              <a:lumOff val="80000"/>
+            </a:schemeClr>
+          </a:solidFill>
+          <a:ln>
+            <a:noFill/>
+          </a:ln>
+          <a:effectLst>
+            <a:softEdge rad="0"/>
+          </a:effectLst>
+        </p:spPr>
+        <p:style>
+          <a:lnRef idx="2">
+            <a:schemeClr val="accent1">
+              <a:shade val="15000"/>
+            </a:schemeClr>
+          </a:lnRef>
+          <a:fillRef idx="1">
+            <a:schemeClr val="accent1"/>
+          </a:fillRef>
+          <a:effectRef idx="0">
+            <a:schemeClr val="accent1"/>
+          </a:effectRef>
+          <a:fontRef idx="minor">
+            <a:schemeClr val="lt1"/>
+          </a:fontRef>
+        </p:style>
+        <p:txBody>
+          <a:bodyPr rtlCol="0" anchor="ctr"/>
+          <a:lstStyle/>
+          <a:p>
+            <a:pPr marL="0" marR="0" lvl="0" indent="0" algn="ctr" defTabSz="914400" rtl="0" eaLnBrk="1" fontAlgn="auto" latinLnBrk="0" hangingPunct="1">
+              <a:lnSpc>
+                <a:spcPct val="100000"/>
+              </a:lnSpc>
+              <a:spcBef>
+                <a:spcPts val="0"/>
+              </a:spcBef>
+              <a:spcAft>
+                <a:spcPts val="0"/>
+              </a:spcAft>
+              <a:buClrTx/>
+              <a:buSzTx/>
+              <a:buFontTx/>
+              <a:buNone/>
+              <a:tabLst/>
+              <a:defRPr/>
+            </a:pPr>
+            <a:endParaRPr kumimoji="0" lang="it-IT" sz="1800" b="0" i="0" u="none" strike="noStrike" kern="1200" cap="none" spc="0" normalizeH="0" baseline="0" noProof="0" dirty="0">
+              <a:ln>
+                <a:noFill/>
+              </a:ln>
+              <a:solidFill>
+                <a:prstClr val="white"/>
+              </a:solidFill>
+              <a:effectLst/>
+              <a:uLnTx/>
+              <a:uFillTx/>
+              <a:latin typeface="Calibri" panose="020F0502020204030204"/>
+              <a:ea typeface="+mn-ea"/>
+              <a:cs typeface="+mn-cs"/>
+            </a:endParaRPr>
+          </a:p>
+        </p:txBody>
+      </p:sp>
+      <p:sp>
+        <p:nvSpPr>
+          <p:cNvPr id="10" name="Rectangle: Rounded Corners 9">
+            <a:extLst>
+              <a:ext uri="{FF2B5EF4-FFF2-40B4-BE49-F238E27FC236}">
+                <a16:creationId xmlns:a16="http://schemas.microsoft.com/office/drawing/2014/main" id="{353FC021-9E12-A48E-6ABA-58B63D78E973}"/>
+              </a:ext>
+            </a:extLst>
+          </p:cNvPr>
+          <p:cNvSpPr/>
+          <p:nvPr/>
+        </p:nvSpPr>
+        <p:spPr>
+          <a:xfrm>
+            <a:off x="4678533" y="253713"/>
+            <a:ext cx="2849732" cy="536232"/>
+          </a:xfrm>
+          <a:prstGeom prst="roundRect">
+            <a:avLst/>
+          </a:prstGeom>
+          <a:solidFill>
+            <a:schemeClr val="bg1"/>
+          </a:solidFill>
+          <a:ln>
+            <a:noFill/>
+          </a:ln>
+        </p:spPr>
+        <p:style>
+          <a:lnRef idx="2">
+            <a:schemeClr val="accent1">
+              <a:shade val="15000"/>
+            </a:schemeClr>
+          </a:lnRef>
+          <a:fillRef idx="1">
+            <a:schemeClr val="accent1"/>
+          </a:fillRef>
+          <a:effectRef idx="0">
+            <a:schemeClr val="accent1"/>
+          </a:effectRef>
+          <a:fontRef idx="minor">
+            <a:schemeClr val="lt1"/>
+          </a:fontRef>
+        </p:style>
+        <p:txBody>
+          <a:bodyPr rtlCol="0" anchor="ctr"/>
+          <a:lstStyle/>
+          <a:p>
+            <a:pPr marL="0" marR="0" lvl="0" indent="0" algn="ctr" defTabSz="914400" rtl="0" eaLnBrk="1" fontAlgn="auto" latinLnBrk="0" hangingPunct="1">
+              <a:lnSpc>
+                <a:spcPct val="100000"/>
+              </a:lnSpc>
+              <a:spcBef>
+                <a:spcPts val="0"/>
+              </a:spcBef>
+              <a:spcAft>
+                <a:spcPts val="0"/>
+              </a:spcAft>
+              <a:buClrTx/>
+              <a:buSzTx/>
+              <a:buFontTx/>
+              <a:buNone/>
+              <a:tabLst/>
+              <a:defRPr/>
+            </a:pPr>
+            <a:endParaRPr kumimoji="0" lang="it-IT" sz="1800" b="0" i="0" u="none" strike="noStrike" kern="1200" cap="none" spc="0" normalizeH="0" baseline="0" noProof="0">
+              <a:ln>
+                <a:noFill/>
+              </a:ln>
+              <a:solidFill>
+                <a:prstClr val="white"/>
+              </a:solidFill>
+              <a:effectLst/>
+              <a:uLnTx/>
+              <a:uFillTx/>
+              <a:latin typeface="Calibri" panose="020F0502020204030204"/>
+              <a:ea typeface="+mn-ea"/>
+              <a:cs typeface="+mn-cs"/>
+            </a:endParaRPr>
+          </a:p>
+        </p:txBody>
+      </p:sp>
+      <p:sp>
+        <p:nvSpPr>
+          <p:cNvPr id="2" name="Title 1">
+            <a:extLst>
+              <a:ext uri="{FF2B5EF4-FFF2-40B4-BE49-F238E27FC236}">
+                <a16:creationId xmlns:a16="http://schemas.microsoft.com/office/drawing/2014/main" id="{29FD1FBB-B73F-521A-0195-23D08646B2BD}"/>
+              </a:ext>
+            </a:extLst>
+          </p:cNvPr>
+          <p:cNvSpPr>
+            <a:spLocks noGrp="1"/>
+          </p:cNvSpPr>
+          <p:nvPr>
+            <p:ph type="ctrTitle"/>
+          </p:nvPr>
+        </p:nvSpPr>
+        <p:spPr>
+          <a:xfrm>
+            <a:off x="0" y="219075"/>
+            <a:ext cx="12192000" cy="547058"/>
+          </a:xfrm>
+        </p:spPr>
+        <p:txBody>
+          <a:bodyPr>
+            <a:normAutofit fontScale="90000"/>
+          </a:bodyPr>
+          <a:lstStyle/>
+          <a:p>
+            <a:pPr hangingPunct="0">
+              <a:tabLst>
+                <a:tab pos="7496175" algn="r"/>
+              </a:tabLst>
+            </a:pPr>
+            <a:r>
+              <a:rPr lang="it-IT" sz="3600" dirty="0">
+                <a:latin typeface="Cambria Math" panose="02040503050406030204" pitchFamily="18" charset="0"/>
+                <a:ea typeface="Cambria Math" panose="02040503050406030204" pitchFamily="18" charset="0"/>
+                <a:cs typeface="Times New Roman" panose="02020603050405020304" pitchFamily="18" charset="0"/>
+              </a:rPr>
+              <a:t>Coda di priorità</a:t>
+            </a:r>
+          </a:p>
+        </p:txBody>
+      </p:sp>
+      <p:sp>
+        <p:nvSpPr>
+          <p:cNvPr id="4" name="Rectangle: Rounded Corners 3">
+            <a:extLst>
+              <a:ext uri="{FF2B5EF4-FFF2-40B4-BE49-F238E27FC236}">
+                <a16:creationId xmlns:a16="http://schemas.microsoft.com/office/drawing/2014/main" id="{59FE2E9D-74CF-CE81-55BB-51E23D076BAE}"/>
+              </a:ext>
+            </a:extLst>
+          </p:cNvPr>
+          <p:cNvSpPr/>
+          <p:nvPr/>
+        </p:nvSpPr>
+        <p:spPr>
+          <a:xfrm>
+            <a:off x="965747" y="877632"/>
+            <a:ext cx="10275303" cy="1744544"/>
+          </a:xfrm>
+          <a:prstGeom prst="roundRect">
+            <a:avLst/>
+          </a:prstGeom>
+          <a:solidFill>
+            <a:schemeClr val="bg1"/>
+          </a:solidFill>
+          <a:ln>
+            <a:noFill/>
+          </a:ln>
+        </p:spPr>
+        <p:style>
+          <a:lnRef idx="2">
+            <a:schemeClr val="accent1">
+              <a:shade val="15000"/>
+            </a:schemeClr>
+          </a:lnRef>
+          <a:fillRef idx="1">
+            <a:schemeClr val="accent1"/>
+          </a:fillRef>
+          <a:effectRef idx="0">
+            <a:schemeClr val="accent1"/>
+          </a:effectRef>
+          <a:fontRef idx="minor">
+            <a:schemeClr val="lt1"/>
+          </a:fontRef>
+        </p:style>
+        <p:txBody>
+          <a:bodyPr rtlCol="0" anchor="ctr"/>
+          <a:lstStyle/>
+          <a:p>
+            <a:pPr marL="0" marR="0" lvl="0" indent="0" algn="l" defTabSz="914400" rtl="0" eaLnBrk="1" fontAlgn="auto" latinLnBrk="0" hangingPunct="1">
+              <a:lnSpc>
+                <a:spcPct val="100000"/>
+              </a:lnSpc>
+              <a:spcBef>
+                <a:spcPts val="0"/>
+              </a:spcBef>
+              <a:spcAft>
+                <a:spcPts val="0"/>
+              </a:spcAft>
+              <a:buClrTx/>
+              <a:buSzTx/>
+              <a:buFontTx/>
+              <a:buNone/>
+              <a:tabLst/>
+              <a:defRPr/>
+            </a:pPr>
+            <a:r>
+              <a:rPr kumimoji="0" lang="it-IT" sz="2800" b="0" i="0" u="none" strike="noStrike" kern="1200" cap="none" spc="0" normalizeH="0" baseline="0" noProof="0" dirty="0">
+                <a:ln>
+                  <a:noFill/>
+                </a:ln>
+                <a:solidFill>
+                  <a:prstClr val="black"/>
+                </a:solidFill>
+                <a:effectLst/>
+                <a:uLnTx/>
+                <a:uFillTx/>
+                <a:latin typeface="Times New Roman" panose="02020603050405020304" pitchFamily="18" charset="0"/>
+                <a:ea typeface="+mn-ea"/>
+                <a:cs typeface="Times New Roman" panose="02020603050405020304" pitchFamily="18" charset="0"/>
+              </a:rPr>
+              <a:t>La coda deve poter discriminare tra tre diverse tipologie di compiti:</a:t>
+            </a:r>
+          </a:p>
+          <a:p>
+            <a:pPr marL="285750" marR="0" lvl="0" indent="-285750" algn="l" defTabSz="914400" rtl="0" eaLnBrk="1" fontAlgn="auto" latinLnBrk="0" hangingPunct="1">
+              <a:lnSpc>
+                <a:spcPct val="100000"/>
+              </a:lnSpc>
+              <a:spcBef>
+                <a:spcPts val="0"/>
+              </a:spcBef>
+              <a:spcAft>
+                <a:spcPts val="0"/>
+              </a:spcAft>
+              <a:buClrTx/>
+              <a:buSzTx/>
+              <a:buFont typeface="Wingdings" panose="05000000000000000000" pitchFamily="2" charset="2"/>
+              <a:buChar char="§"/>
+              <a:tabLst/>
+              <a:defRPr/>
+            </a:pPr>
+            <a:r>
+              <a:rPr kumimoji="0" lang="it-IT" sz="2800" b="0" i="0" u="none" strike="noStrike" kern="1200" cap="none" spc="0" normalizeH="0" baseline="0" noProof="0" dirty="0">
+                <a:ln>
+                  <a:noFill/>
+                </a:ln>
+                <a:solidFill>
+                  <a:srgbClr val="7FB265"/>
+                </a:solidFill>
+                <a:effectLst/>
+                <a:uLnTx/>
+                <a:uFillTx/>
+                <a:latin typeface="Times New Roman" panose="02020603050405020304" pitchFamily="18" charset="0"/>
+                <a:ea typeface="+mn-ea"/>
+                <a:cs typeface="Times New Roman" panose="02020603050405020304" pitchFamily="18" charset="0"/>
+              </a:rPr>
+              <a:t>Ad alta priorità </a:t>
+            </a:r>
+            <a:r>
+              <a:rPr kumimoji="0" lang="it-IT" sz="2800" b="0" i="0" u="none" strike="noStrike" kern="1200" cap="none" spc="0" normalizeH="0" baseline="0" noProof="0" dirty="0">
+                <a:ln>
+                  <a:noFill/>
+                </a:ln>
+                <a:solidFill>
+                  <a:prstClr val="black"/>
+                </a:solidFill>
+                <a:effectLst/>
+                <a:uLnTx/>
+                <a:uFillTx/>
+                <a:latin typeface="Times New Roman" panose="02020603050405020304" pitchFamily="18" charset="0"/>
+                <a:ea typeface="+mn-ea"/>
+                <a:cs typeface="Times New Roman" panose="02020603050405020304" pitchFamily="18" charset="0"/>
+              </a:rPr>
+              <a:t>(</a:t>
+            </a:r>
+            <a:r>
+              <a:rPr kumimoji="0" lang="el-GR" sz="2800" b="0" i="0" u="none" strike="noStrike" kern="1200" cap="none" spc="0" normalizeH="0" baseline="0" noProof="0" dirty="0">
+                <a:ln>
+                  <a:noFill/>
+                </a:ln>
+                <a:solidFill>
+                  <a:srgbClr val="7FB265"/>
+                </a:solidFill>
+                <a:effectLst/>
+                <a:uLnTx/>
+                <a:uFillTx/>
+                <a:latin typeface="Times New Roman" panose="02020603050405020304" pitchFamily="18" charset="0"/>
+                <a:ea typeface="+mn-ea"/>
+                <a:cs typeface="Times New Roman" panose="02020603050405020304" pitchFamily="18" charset="0"/>
+              </a:rPr>
+              <a:t>α</a:t>
+            </a:r>
+            <a:r>
+              <a:rPr kumimoji="0" lang="it-IT" sz="2800" b="0" i="0" u="none" strike="noStrike" kern="1200" cap="none" spc="0" normalizeH="0" baseline="0" noProof="0" dirty="0">
+                <a:ln>
+                  <a:noFill/>
+                </a:ln>
+                <a:solidFill>
+                  <a:prstClr val="black"/>
+                </a:solidFill>
+                <a:effectLst/>
+                <a:uLnTx/>
+                <a:uFillTx/>
+                <a:latin typeface="Times New Roman" panose="02020603050405020304" pitchFamily="18" charset="0"/>
+                <a:ea typeface="+mn-ea"/>
+                <a:cs typeface="Times New Roman" panose="02020603050405020304" pitchFamily="18" charset="0"/>
+              </a:rPr>
+              <a:t>)</a:t>
+            </a:r>
+          </a:p>
+          <a:p>
+            <a:pPr marL="285750" marR="0" lvl="0" indent="-285750" algn="l" defTabSz="914400" rtl="0" eaLnBrk="1" fontAlgn="auto" latinLnBrk="0" hangingPunct="1">
+              <a:lnSpc>
+                <a:spcPct val="100000"/>
+              </a:lnSpc>
+              <a:spcBef>
+                <a:spcPts val="0"/>
+              </a:spcBef>
+              <a:spcAft>
+                <a:spcPts val="0"/>
+              </a:spcAft>
+              <a:buClrTx/>
+              <a:buSzTx/>
+              <a:buFont typeface="Wingdings" panose="05000000000000000000" pitchFamily="2" charset="2"/>
+              <a:buChar char="§"/>
+              <a:tabLst/>
+              <a:defRPr/>
+            </a:pPr>
+            <a:r>
+              <a:rPr kumimoji="0" lang="it-IT" sz="2800" b="0" i="0" u="none" strike="noStrike" kern="1200" cap="none" spc="0" normalizeH="0" baseline="0" noProof="0" dirty="0">
+                <a:ln>
+                  <a:noFill/>
+                </a:ln>
+                <a:solidFill>
+                  <a:srgbClr val="B64F4B"/>
+                </a:solidFill>
+                <a:effectLst/>
+                <a:uLnTx/>
+                <a:uFillTx/>
+                <a:latin typeface="Times New Roman" panose="02020603050405020304" pitchFamily="18" charset="0"/>
+                <a:ea typeface="+mn-ea"/>
+                <a:cs typeface="Times New Roman" panose="02020603050405020304" pitchFamily="18" charset="0"/>
+              </a:rPr>
+              <a:t>A priorità normale </a:t>
+            </a:r>
+            <a:r>
+              <a:rPr kumimoji="0" lang="it-IT" sz="2800" b="0" i="0" u="none" strike="noStrike" kern="1200" cap="none" spc="0" normalizeH="0" baseline="0" noProof="0" dirty="0">
+                <a:ln>
+                  <a:noFill/>
+                </a:ln>
+                <a:solidFill>
+                  <a:prstClr val="black"/>
+                </a:solidFill>
+                <a:effectLst/>
+                <a:uLnTx/>
+                <a:uFillTx/>
+                <a:latin typeface="Times New Roman" panose="02020603050405020304" pitchFamily="18" charset="0"/>
+                <a:ea typeface="+mn-ea"/>
+                <a:cs typeface="Times New Roman" panose="02020603050405020304" pitchFamily="18" charset="0"/>
+              </a:rPr>
+              <a:t>(</a:t>
+            </a:r>
+            <a:r>
+              <a:rPr kumimoji="0" lang="el-GR" sz="2800" b="0" i="0" u="none" strike="noStrike" kern="1200" cap="none" spc="0" normalizeH="0" baseline="0" noProof="0" dirty="0">
+                <a:ln>
+                  <a:noFill/>
+                </a:ln>
+                <a:solidFill>
+                  <a:srgbClr val="B64F4B"/>
+                </a:solidFill>
+                <a:effectLst/>
+                <a:uLnTx/>
+                <a:uFillTx/>
+                <a:latin typeface="Times New Roman" panose="02020603050405020304" pitchFamily="18" charset="0"/>
+                <a:ea typeface="+mn-ea"/>
+                <a:cs typeface="Times New Roman" panose="02020603050405020304" pitchFamily="18" charset="0"/>
+              </a:rPr>
+              <a:t>β</a:t>
+            </a:r>
+            <a:r>
+              <a:rPr kumimoji="0" lang="it-IT" sz="2800" b="0" i="0" u="none" strike="noStrike" kern="1200" cap="none" spc="0" normalizeH="0" baseline="0" noProof="0" dirty="0">
+                <a:ln>
+                  <a:noFill/>
+                </a:ln>
+                <a:solidFill>
+                  <a:prstClr val="black"/>
+                </a:solidFill>
+                <a:effectLst/>
+                <a:uLnTx/>
+                <a:uFillTx/>
+                <a:latin typeface="Times New Roman" panose="02020603050405020304" pitchFamily="18" charset="0"/>
+                <a:ea typeface="+mn-ea"/>
+                <a:cs typeface="Times New Roman" panose="02020603050405020304" pitchFamily="18" charset="0"/>
+              </a:rPr>
+              <a:t>)</a:t>
+            </a:r>
+          </a:p>
+          <a:p>
+            <a:pPr marL="285750" marR="0" lvl="0" indent="-285750" algn="l" defTabSz="914400" rtl="0" eaLnBrk="1" fontAlgn="auto" latinLnBrk="0" hangingPunct="1">
+              <a:lnSpc>
+                <a:spcPct val="100000"/>
+              </a:lnSpc>
+              <a:spcBef>
+                <a:spcPts val="0"/>
+              </a:spcBef>
+              <a:spcAft>
+                <a:spcPts val="0"/>
+              </a:spcAft>
+              <a:buClrTx/>
+              <a:buSzTx/>
+              <a:buFont typeface="Wingdings" panose="05000000000000000000" pitchFamily="2" charset="2"/>
+              <a:buChar char="§"/>
+              <a:tabLst/>
+              <a:defRPr/>
+            </a:pPr>
+            <a:r>
+              <a:rPr kumimoji="0" lang="it-IT" sz="2800" b="0" i="0" u="none" strike="noStrike" kern="1200" cap="none" spc="0" normalizeH="0" baseline="0" noProof="0" dirty="0">
+                <a:ln>
+                  <a:noFill/>
+                </a:ln>
+                <a:solidFill>
+                  <a:srgbClr val="6A8DC0"/>
+                </a:solidFill>
+                <a:effectLst/>
+                <a:uLnTx/>
+                <a:uFillTx/>
+                <a:latin typeface="Times New Roman" panose="02020603050405020304" pitchFamily="18" charset="0"/>
+                <a:ea typeface="+mn-ea"/>
+                <a:cs typeface="Times New Roman" panose="02020603050405020304" pitchFamily="18" charset="0"/>
+              </a:rPr>
+              <a:t>Immediati </a:t>
+            </a:r>
+            <a:r>
+              <a:rPr kumimoji="0" lang="it-IT" sz="2800" b="0" i="0" u="none" strike="noStrike" kern="1200" cap="none" spc="0" normalizeH="0" baseline="0" noProof="0" dirty="0">
+                <a:ln>
+                  <a:noFill/>
+                </a:ln>
+                <a:solidFill>
+                  <a:prstClr val="black"/>
+                </a:solidFill>
+                <a:effectLst/>
+                <a:uLnTx/>
+                <a:uFillTx/>
+                <a:latin typeface="Times New Roman" panose="02020603050405020304" pitchFamily="18" charset="0"/>
+                <a:ea typeface="+mn-ea"/>
+                <a:cs typeface="Times New Roman" panose="02020603050405020304" pitchFamily="18" charset="0"/>
+              </a:rPr>
+              <a:t>(</a:t>
+            </a:r>
+            <a:r>
+              <a:rPr kumimoji="0" lang="el-GR" sz="2800" b="0" i="0" u="none" strike="noStrike" kern="1200" cap="none" spc="0" normalizeH="0" baseline="0" noProof="0" dirty="0">
+                <a:ln>
+                  <a:noFill/>
+                </a:ln>
+                <a:solidFill>
+                  <a:srgbClr val="6A8DC0"/>
+                </a:solidFill>
+                <a:effectLst/>
+                <a:uLnTx/>
+                <a:uFillTx/>
+                <a:latin typeface="Times New Roman" panose="02020603050405020304" pitchFamily="18" charset="0"/>
+                <a:ea typeface="+mn-ea"/>
+                <a:cs typeface="Times New Roman" panose="02020603050405020304" pitchFamily="18" charset="0"/>
+              </a:rPr>
+              <a:t>γ</a:t>
+            </a:r>
+            <a:r>
+              <a:rPr kumimoji="0" lang="it-IT" sz="2800" b="0" i="0" u="none" strike="noStrike" kern="1200" cap="none" spc="0" normalizeH="0" baseline="0" noProof="0" dirty="0">
+                <a:ln>
+                  <a:noFill/>
+                </a:ln>
+                <a:solidFill>
+                  <a:prstClr val="black"/>
+                </a:solidFill>
+                <a:effectLst/>
+                <a:uLnTx/>
+                <a:uFillTx/>
+                <a:latin typeface="Times New Roman" panose="02020603050405020304" pitchFamily="18" charset="0"/>
+                <a:ea typeface="+mn-ea"/>
+                <a:cs typeface="Times New Roman" panose="02020603050405020304" pitchFamily="18" charset="0"/>
+              </a:rPr>
+              <a:t>)</a:t>
+            </a:r>
+          </a:p>
+        </p:txBody>
+      </p:sp>
+      <p:pic>
+        <p:nvPicPr>
+          <p:cNvPr id="18" name="Picture 17" descr="A screenshot of a computer&#10;&#10;Description automatically generated">
+            <a:extLst>
+              <a:ext uri="{FF2B5EF4-FFF2-40B4-BE49-F238E27FC236}">
+                <a16:creationId xmlns:a16="http://schemas.microsoft.com/office/drawing/2014/main" id="{B46F7289-5009-F275-C8F1-972FE0998D47}"/>
+              </a:ext>
+            </a:extLst>
+          </p:cNvPr>
+          <p:cNvPicPr>
+            <a:picLocks noChangeAspect="1"/>
+          </p:cNvPicPr>
+          <p:nvPr/>
+        </p:nvPicPr>
+        <p:blipFill>
+          <a:blip r:embed="rId3"/>
+          <a:stretch>
+            <a:fillRect/>
+          </a:stretch>
+        </p:blipFill>
+        <p:spPr>
+          <a:xfrm>
+            <a:off x="1575361" y="2733675"/>
+            <a:ext cx="9041278" cy="3870612"/>
+          </a:xfrm>
+          <a:prstGeom prst="rect">
+            <a:avLst/>
+          </a:prstGeom>
+        </p:spPr>
+      </p:pic>
+    </p:spTree>
+    <p:extLst>
+      <p:ext uri="{BB962C8B-B14F-4D97-AF65-F5344CB8AC3E}">
+        <p14:creationId xmlns:p14="http://schemas.microsoft.com/office/powerpoint/2010/main" val="378047816"/>
+      </p:ext>
+    </p:extLst>
+  </p:cSld>
+  <p:clrMapOvr>
+    <a:masterClrMapping/>
+  </p:clrMapOvr>
+  <p:transition spd="slow">
+    <p:wipe/>
+  </p:transition>
+</p:sld>
+</file>
+
+<file path=ppt/slides/slide13.xml><?xml version="1.0" encoding="utf-8"?>
 <p:sld xmlns:a="http://schemas.openxmlformats.org/drawingml/2006/main" xmlns:r="http://schemas.openxmlformats.org/officeDocument/2006/relationships" xmlns:p="http://schemas.openxmlformats.org/presentationml/2006/main">
   <p:cSld>
     <p:bg>
@@ -8779,8 +11194,8 @@
         </p:nvSpPr>
         <p:spPr>
           <a:xfrm>
-            <a:off x="3071674" y="253713"/>
-            <a:ext cx="6063448" cy="536232"/>
+            <a:off x="3906175" y="253713"/>
+            <a:ext cx="4403324" cy="536232"/>
           </a:xfrm>
           <a:prstGeom prst="roundRect">
             <a:avLst/>
@@ -8885,65 +11300,531 @@
                 <a:ea typeface="Cambria Math" panose="02040503050406030204" pitchFamily="18" charset="0"/>
                 <a:cs typeface="Times New Roman" panose="02020603050405020304" pitchFamily="18" charset="0"/>
               </a:rPr>
-              <a:t>Gestione degli slave irraggiungibili</a:t>
+              <a:t>Task e pattern Command</a:t>
             </a:r>
           </a:p>
         </p:txBody>
       </p:sp>
       <p:sp>
         <p:nvSpPr>
-          <p:cNvPr id="3" name="Subtitle 2">
+          <p:cNvPr id="4" name="Rectangle: Rounded Corners 3">
             <a:extLst>
               <a:ext uri="{FF2B5EF4-FFF2-40B4-BE49-F238E27FC236}">
-                <a16:creationId xmlns:a16="http://schemas.microsoft.com/office/drawing/2014/main" id="{FC446B2D-F94A-2F94-9904-6D62ADA65C8F}"/>
+                <a16:creationId xmlns:a16="http://schemas.microsoft.com/office/drawing/2014/main" id="{39069EAF-C6D0-D2ED-3676-DEF790ECF923}"/>
               </a:ext>
             </a:extLst>
           </p:cNvPr>
-          <p:cNvSpPr>
-            <a:spLocks noGrp="1"/>
-          </p:cNvSpPr>
-          <p:nvPr>
-            <p:ph type="subTitle" idx="1"/>
-          </p:nvPr>
+          <p:cNvSpPr/>
+          <p:nvPr/>
         </p:nvSpPr>
         <p:spPr>
           <a:xfrm>
-            <a:off x="1159136" y="1141768"/>
-            <a:ext cx="9601200" cy="5497157"/>
+            <a:off x="6387942" y="928537"/>
+            <a:ext cx="5223033" cy="3668356"/>
           </a:xfrm>
+          <a:prstGeom prst="roundRect">
+            <a:avLst>
+              <a:gd name="adj" fmla="val 4135"/>
+            </a:avLst>
+          </a:prstGeom>
+          <a:solidFill>
+            <a:schemeClr val="bg1"/>
+          </a:solidFill>
+          <a:ln w="28575">
+            <a:solidFill>
+              <a:srgbClr val="56517E"/>
+            </a:solidFill>
+          </a:ln>
         </p:spPr>
+        <p:style>
+          <a:lnRef idx="2">
+            <a:schemeClr val="accent1">
+              <a:shade val="15000"/>
+            </a:schemeClr>
+          </a:lnRef>
+          <a:fillRef idx="1">
+            <a:schemeClr val="accent1"/>
+          </a:fillRef>
+          <a:effectRef idx="0">
+            <a:schemeClr val="accent1"/>
+          </a:effectRef>
+          <a:fontRef idx="minor">
+            <a:schemeClr val="lt1"/>
+          </a:fontRef>
+        </p:style>
         <p:txBody>
-          <a:bodyPr>
-            <a:normAutofit/>
-          </a:bodyPr>
+          <a:bodyPr rtlCol="0" anchor="ctr"/>
           <a:lstStyle/>
           <a:p>
-            <a:pPr algn="l">
+            <a:pPr algn="ctr">
               <a:lnSpc>
-                <a:spcPct val="200000"/>
+                <a:spcPct val="150000"/>
               </a:lnSpc>
+              <a:defRPr/>
             </a:pPr>
-            <a:endParaRPr lang="it-IT" dirty="0">
+            <a:r>
+              <a:rPr lang="en-US" sz="2100" dirty="0">
+                <a:solidFill>
+                  <a:schemeClr val="tx1"/>
+                </a:solidFill>
+                <a:effectLst/>
+                <a:latin typeface="Times New Roman" panose="02020603050405020304" pitchFamily="18" charset="0"/>
+                <a:ea typeface="Times New Roman" panose="02020603050405020304" pitchFamily="18" charset="0"/>
+              </a:rPr>
+              <a:t>“</a:t>
+            </a:r>
+            <a:r>
+              <a:rPr lang="en-US" sz="2100" i="1" dirty="0">
+                <a:solidFill>
+                  <a:schemeClr val="tx1"/>
+                </a:solidFill>
+                <a:effectLst/>
+                <a:latin typeface="Times New Roman" panose="02020603050405020304" pitchFamily="18" charset="0"/>
+                <a:ea typeface="Times New Roman" panose="02020603050405020304" pitchFamily="18" charset="0"/>
+              </a:rPr>
+              <a:t>The Command pattern suggests that GUI objects shouldn’t send […] requests directly. Instead, […] should extract all of the request details, such as the object being called, the name of the method and the list of arguments into a separate command class with a single method that triggers this request</a:t>
+            </a:r>
+            <a:r>
+              <a:rPr lang="en-US" sz="2100" i="1" dirty="0">
+                <a:solidFill>
+                  <a:schemeClr val="tx1"/>
+                </a:solidFill>
+                <a:latin typeface="Times New Roman" panose="02020603050405020304" pitchFamily="18" charset="0"/>
+                <a:ea typeface="Times New Roman" panose="02020603050405020304" pitchFamily="18" charset="0"/>
+              </a:rPr>
+              <a:t>”</a:t>
+            </a:r>
+            <a:endParaRPr lang="it-IT" sz="2100" dirty="0">
+              <a:solidFill>
+                <a:schemeClr val="tx1"/>
+              </a:solidFill>
               <a:latin typeface="Times New Roman" panose="02020603050405020304" pitchFamily="18" charset="0"/>
               <a:cs typeface="Times New Roman" panose="02020603050405020304" pitchFamily="18" charset="0"/>
             </a:endParaRPr>
           </a:p>
         </p:txBody>
       </p:sp>
+      <p:pic>
+        <p:nvPicPr>
+          <p:cNvPr id="22" name="Picture 21" descr="A blue and white sign with white letters&#10;&#10;Description automatically generated">
+            <a:extLst>
+              <a:ext uri="{FF2B5EF4-FFF2-40B4-BE49-F238E27FC236}">
+                <a16:creationId xmlns:a16="http://schemas.microsoft.com/office/drawing/2014/main" id="{9D24B1CB-2778-222C-37AD-2188ED219EE5}"/>
+              </a:ext>
+            </a:extLst>
+          </p:cNvPr>
+          <p:cNvPicPr>
+            <a:picLocks noChangeAspect="1"/>
+          </p:cNvPicPr>
+          <p:nvPr/>
+        </p:nvPicPr>
+        <p:blipFill>
+          <a:blip r:embed="rId3"/>
+          <a:stretch>
+            <a:fillRect/>
+          </a:stretch>
+        </p:blipFill>
+        <p:spPr>
+          <a:xfrm>
+            <a:off x="3906175" y="4983484"/>
+            <a:ext cx="3893178" cy="852353"/>
+          </a:xfrm>
+          <a:prstGeom prst="rect">
+            <a:avLst/>
+          </a:prstGeom>
+        </p:spPr>
+      </p:pic>
+      <p:pic>
+        <p:nvPicPr>
+          <p:cNvPr id="24" name="Picture 23" descr="A blue and white sign&#10;&#10;Description automatically generated">
+            <a:extLst>
+              <a:ext uri="{FF2B5EF4-FFF2-40B4-BE49-F238E27FC236}">
+                <a16:creationId xmlns:a16="http://schemas.microsoft.com/office/drawing/2014/main" id="{F3D96991-DB4C-CA11-D314-7D2AEBA28790}"/>
+              </a:ext>
+            </a:extLst>
+          </p:cNvPr>
+          <p:cNvPicPr>
+            <a:picLocks noChangeAspect="1"/>
+          </p:cNvPicPr>
+          <p:nvPr/>
+        </p:nvPicPr>
+        <p:blipFill>
+          <a:blip r:embed="rId4"/>
+          <a:stretch>
+            <a:fillRect/>
+          </a:stretch>
+        </p:blipFill>
+        <p:spPr>
+          <a:xfrm>
+            <a:off x="3906176" y="5874604"/>
+            <a:ext cx="3893178" cy="766211"/>
+          </a:xfrm>
+          <a:prstGeom prst="rect">
+            <a:avLst/>
+          </a:prstGeom>
+        </p:spPr>
+      </p:pic>
+      <p:pic>
+        <p:nvPicPr>
+          <p:cNvPr id="31" name="Picture 30" descr="A purple arrow pointing to the left&#10;&#10;Description automatically generated">
+            <a:extLst>
+              <a:ext uri="{FF2B5EF4-FFF2-40B4-BE49-F238E27FC236}">
+                <a16:creationId xmlns:a16="http://schemas.microsoft.com/office/drawing/2014/main" id="{74BBD8DF-E9B0-4C05-3B30-65ABBBFEDA10}"/>
+              </a:ext>
+            </a:extLst>
+          </p:cNvPr>
+          <p:cNvPicPr>
+            <a:picLocks noChangeAspect="1"/>
+          </p:cNvPicPr>
+          <p:nvPr/>
+        </p:nvPicPr>
+        <p:blipFill>
+          <a:blip r:embed="rId5"/>
+          <a:stretch>
+            <a:fillRect/>
+          </a:stretch>
+        </p:blipFill>
+        <p:spPr>
+          <a:xfrm>
+            <a:off x="1421486" y="2534307"/>
+            <a:ext cx="2569881" cy="3916008"/>
+          </a:xfrm>
+          <a:prstGeom prst="rect">
+            <a:avLst/>
+          </a:prstGeom>
+          <a:effectLst>
+            <a:outerShdw blurRad="50800" dist="50800" dir="5400000" algn="ctr" rotWithShape="0">
+              <a:srgbClr val="000000">
+                <a:alpha val="30000"/>
+              </a:srgbClr>
+            </a:outerShdw>
+          </a:effectLst>
+        </p:spPr>
+      </p:pic>
+      <p:pic>
+        <p:nvPicPr>
+          <p:cNvPr id="12" name="Picture 11" descr="A diagram of a task&#10;&#10;Description automatically generated">
+            <a:extLst>
+              <a:ext uri="{FF2B5EF4-FFF2-40B4-BE49-F238E27FC236}">
+                <a16:creationId xmlns:a16="http://schemas.microsoft.com/office/drawing/2014/main" id="{0CDB1E7D-6CA8-0EEE-6B16-A246D9174957}"/>
+              </a:ext>
+            </a:extLst>
+          </p:cNvPr>
+          <p:cNvPicPr>
+            <a:picLocks noChangeAspect="1"/>
+          </p:cNvPicPr>
+          <p:nvPr/>
+        </p:nvPicPr>
+        <p:blipFill>
+          <a:blip r:embed="rId6"/>
+          <a:stretch>
+            <a:fillRect/>
+          </a:stretch>
+        </p:blipFill>
+        <p:spPr>
+          <a:xfrm>
+            <a:off x="835286" y="960794"/>
+            <a:ext cx="5416393" cy="3916007"/>
+          </a:xfrm>
+          <a:prstGeom prst="rect">
+            <a:avLst/>
+          </a:prstGeom>
+        </p:spPr>
+      </p:pic>
     </p:spTree>
     <p:extLst>
       <p:ext uri="{BB962C8B-B14F-4D97-AF65-F5344CB8AC3E}">
-        <p14:creationId xmlns:p14="http://schemas.microsoft.com/office/powerpoint/2010/main" val="1289288216"/>
+        <p14:creationId xmlns:p14="http://schemas.microsoft.com/office/powerpoint/2010/main" val="2792087886"/>
       </p:ext>
     </p:extLst>
   </p:cSld>
   <p:clrMapOvr>
     <a:masterClrMapping/>
   </p:clrMapOvr>
+  <p:timing>
+    <p:tnLst>
+      <p:par>
+        <p:cTn id="1" dur="indefinite" restart="never" nodeType="tmRoot">
+          <p:childTnLst>
+            <p:seq concurrent="1" nextAc="seek">
+              <p:cTn id="2" dur="indefinite" nodeType="mainSeq">
+                <p:childTnLst>
+                  <p:par>
+                    <p:cTn id="3" fill="hold">
+                      <p:stCondLst>
+                        <p:cond delay="indefinite"/>
+                      </p:stCondLst>
+                      <p:childTnLst>
+                        <p:par>
+                          <p:cTn id="4" fill="hold">
+                            <p:stCondLst>
+                              <p:cond delay="0"/>
+                            </p:stCondLst>
+                            <p:childTnLst>
+                              <p:par>
+                                <p:cTn id="5" presetID="10" presetClass="entr" presetSubtype="0" fill="hold" nodeType="clickEffect">
+                                  <p:stCondLst>
+                                    <p:cond delay="0"/>
+                                  </p:stCondLst>
+                                  <p:childTnLst>
+                                    <p:set>
+                                      <p:cBhvr>
+                                        <p:cTn id="6" dur="1" fill="hold">
+                                          <p:stCondLst>
+                                            <p:cond delay="0"/>
+                                          </p:stCondLst>
+                                        </p:cTn>
+                                        <p:tgtEl>
+                                          <p:spTgt spid="12"/>
+                                        </p:tgtEl>
+                                        <p:attrNameLst>
+                                          <p:attrName>style.visibility</p:attrName>
+                                        </p:attrNameLst>
+                                      </p:cBhvr>
+                                      <p:to>
+                                        <p:strVal val="visible"/>
+                                      </p:to>
+                                    </p:set>
+                                    <p:animEffect transition="in" filter="fade">
+                                      <p:cBhvr>
+                                        <p:cTn id="7" dur="500"/>
+                                        <p:tgtEl>
+                                          <p:spTgt spid="12"/>
+                                        </p:tgtEl>
+                                      </p:cBhvr>
+                                    </p:animEffect>
+                                  </p:childTnLst>
+                                </p:cTn>
+                              </p:par>
+                            </p:childTnLst>
+                          </p:cTn>
+                        </p:par>
+                      </p:childTnLst>
+                    </p:cTn>
+                  </p:par>
+                  <p:par>
+                    <p:cTn id="8" fill="hold">
+                      <p:stCondLst>
+                        <p:cond delay="indefinite"/>
+                      </p:stCondLst>
+                      <p:childTnLst>
+                        <p:par>
+                          <p:cTn id="9" fill="hold">
+                            <p:stCondLst>
+                              <p:cond delay="0"/>
+                            </p:stCondLst>
+                            <p:childTnLst>
+                              <p:par>
+                                <p:cTn id="10" presetID="10" presetClass="entr" presetSubtype="0" fill="hold" grpId="0" nodeType="clickEffect">
+                                  <p:stCondLst>
+                                    <p:cond delay="0"/>
+                                  </p:stCondLst>
+                                  <p:childTnLst>
+                                    <p:set>
+                                      <p:cBhvr>
+                                        <p:cTn id="11" dur="1" fill="hold">
+                                          <p:stCondLst>
+                                            <p:cond delay="0"/>
+                                          </p:stCondLst>
+                                        </p:cTn>
+                                        <p:tgtEl>
+                                          <p:spTgt spid="4"/>
+                                        </p:tgtEl>
+                                        <p:attrNameLst>
+                                          <p:attrName>style.visibility</p:attrName>
+                                        </p:attrNameLst>
+                                      </p:cBhvr>
+                                      <p:to>
+                                        <p:strVal val="visible"/>
+                                      </p:to>
+                                    </p:set>
+                                    <p:animEffect transition="in" filter="fade">
+                                      <p:cBhvr>
+                                        <p:cTn id="12" dur="500"/>
+                                        <p:tgtEl>
+                                          <p:spTgt spid="4"/>
+                                        </p:tgtEl>
+                                      </p:cBhvr>
+                                    </p:animEffect>
+                                  </p:childTnLst>
+                                </p:cTn>
+                              </p:par>
+                            </p:childTnLst>
+                          </p:cTn>
+                        </p:par>
+                      </p:childTnLst>
+                    </p:cTn>
+                  </p:par>
+                  <p:par>
+                    <p:cTn id="13" fill="hold">
+                      <p:stCondLst>
+                        <p:cond delay="indefinite"/>
+                      </p:stCondLst>
+                      <p:childTnLst>
+                        <p:par>
+                          <p:cTn id="14" fill="hold">
+                            <p:stCondLst>
+                              <p:cond delay="0"/>
+                            </p:stCondLst>
+                            <p:childTnLst>
+                              <p:par>
+                                <p:cTn id="15" presetID="10" presetClass="entr" presetSubtype="0" fill="hold" nodeType="clickEffect">
+                                  <p:stCondLst>
+                                    <p:cond delay="0"/>
+                                  </p:stCondLst>
+                                  <p:childTnLst>
+                                    <p:set>
+                                      <p:cBhvr>
+                                        <p:cTn id="16" dur="1" fill="hold">
+                                          <p:stCondLst>
+                                            <p:cond delay="0"/>
+                                          </p:stCondLst>
+                                        </p:cTn>
+                                        <p:tgtEl>
+                                          <p:spTgt spid="31"/>
+                                        </p:tgtEl>
+                                        <p:attrNameLst>
+                                          <p:attrName>style.visibility</p:attrName>
+                                        </p:attrNameLst>
+                                      </p:cBhvr>
+                                      <p:to>
+                                        <p:strVal val="visible"/>
+                                      </p:to>
+                                    </p:set>
+                                    <p:animEffect transition="in" filter="fade">
+                                      <p:cBhvr>
+                                        <p:cTn id="17" dur="500"/>
+                                        <p:tgtEl>
+                                          <p:spTgt spid="31"/>
+                                        </p:tgtEl>
+                                      </p:cBhvr>
+                                    </p:animEffect>
+                                  </p:childTnLst>
+                                </p:cTn>
+                              </p:par>
+                              <p:par>
+                                <p:cTn id="18" presetID="10" presetClass="entr" presetSubtype="0" fill="hold" nodeType="withEffect">
+                                  <p:stCondLst>
+                                    <p:cond delay="0"/>
+                                  </p:stCondLst>
+                                  <p:childTnLst>
+                                    <p:set>
+                                      <p:cBhvr>
+                                        <p:cTn id="19" dur="1" fill="hold">
+                                          <p:stCondLst>
+                                            <p:cond delay="0"/>
+                                          </p:stCondLst>
+                                        </p:cTn>
+                                        <p:tgtEl>
+                                          <p:spTgt spid="22"/>
+                                        </p:tgtEl>
+                                        <p:attrNameLst>
+                                          <p:attrName>style.visibility</p:attrName>
+                                        </p:attrNameLst>
+                                      </p:cBhvr>
+                                      <p:to>
+                                        <p:strVal val="visible"/>
+                                      </p:to>
+                                    </p:set>
+                                    <p:animEffect transition="in" filter="fade">
+                                      <p:cBhvr>
+                                        <p:cTn id="20" dur="500"/>
+                                        <p:tgtEl>
+                                          <p:spTgt spid="22"/>
+                                        </p:tgtEl>
+                                      </p:cBhvr>
+                                    </p:animEffect>
+                                  </p:childTnLst>
+                                </p:cTn>
+                              </p:par>
+                            </p:childTnLst>
+                          </p:cTn>
+                        </p:par>
+                      </p:childTnLst>
+                    </p:cTn>
+                  </p:par>
+                  <p:par>
+                    <p:cTn id="21" fill="hold">
+                      <p:stCondLst>
+                        <p:cond delay="indefinite"/>
+                      </p:stCondLst>
+                      <p:childTnLst>
+                        <p:par>
+                          <p:cTn id="22" fill="hold">
+                            <p:stCondLst>
+                              <p:cond delay="0"/>
+                            </p:stCondLst>
+                            <p:childTnLst>
+                              <p:par>
+                                <p:cTn id="23" presetID="10" presetClass="entr" presetSubtype="0" fill="hold" nodeType="clickEffect">
+                                  <p:stCondLst>
+                                    <p:cond delay="0"/>
+                                  </p:stCondLst>
+                                  <p:childTnLst>
+                                    <p:set>
+                                      <p:cBhvr>
+                                        <p:cTn id="24" dur="1" fill="hold">
+                                          <p:stCondLst>
+                                            <p:cond delay="0"/>
+                                          </p:stCondLst>
+                                        </p:cTn>
+                                        <p:tgtEl>
+                                          <p:spTgt spid="24"/>
+                                        </p:tgtEl>
+                                        <p:attrNameLst>
+                                          <p:attrName>style.visibility</p:attrName>
+                                        </p:attrNameLst>
+                                      </p:cBhvr>
+                                      <p:to>
+                                        <p:strVal val="visible"/>
+                                      </p:to>
+                                    </p:set>
+                                    <p:animEffect transition="in" filter="fade">
+                                      <p:cBhvr>
+                                        <p:cTn id="25" dur="500"/>
+                                        <p:tgtEl>
+                                          <p:spTgt spid="24"/>
+                                        </p:tgtEl>
+                                      </p:cBhvr>
+                                    </p:animEffect>
+                                  </p:childTnLst>
+                                </p:cTn>
+                              </p:par>
+                            </p:childTnLst>
+                          </p:cTn>
+                        </p:par>
+                      </p:childTnLst>
+                    </p:cTn>
+                  </p:par>
+                </p:childTnLst>
+              </p:cTn>
+              <p:prevCondLst>
+                <p:cond evt="onPrev" delay="0">
+                  <p:tgtEl>
+                    <p:sldTgt/>
+                  </p:tgtEl>
+                </p:cond>
+              </p:prevCondLst>
+              <p:nextCondLst>
+                <p:cond evt="onNext" delay="0">
+                  <p:tgtEl>
+                    <p:sldTgt/>
+                  </p:tgtEl>
+                </p:cond>
+              </p:nextCondLst>
+            </p:seq>
+          </p:childTnLst>
+        </p:cTn>
+      </p:par>
+    </p:tnLst>
+    <p:bldLst>
+      <p:bldP spid="4" grpId="0" animBg="1"/>
+    </p:bldLst>
+  </p:timing>
 </p:sld>
 </file>
 
-<file path=ppt/slides/slide12.xml><?xml version="1.0" encoding="utf-8"?>
+<file path=ppt/slides/slide14.xml><?xml version="1.0" encoding="utf-8"?>
 <p:sld xmlns:a="http://schemas.openxmlformats.org/drawingml/2006/main" xmlns:r="http://schemas.openxmlformats.org/officeDocument/2006/relationships" xmlns:p="http://schemas.openxmlformats.org/presentationml/2006/main">
   <p:cSld>
     <p:bg>
@@ -9084,6 +11965,1428 @@
         </p:nvSpPr>
         <p:spPr>
           <a:xfrm>
+            <a:off x="4048125" y="253713"/>
+            <a:ext cx="4067175" cy="536232"/>
+          </a:xfrm>
+          <a:prstGeom prst="roundRect">
+            <a:avLst/>
+          </a:prstGeom>
+          <a:solidFill>
+            <a:schemeClr val="bg1"/>
+          </a:solidFill>
+          <a:ln>
+            <a:noFill/>
+          </a:ln>
+        </p:spPr>
+        <p:style>
+          <a:lnRef idx="2">
+            <a:schemeClr val="accent1">
+              <a:shade val="15000"/>
+            </a:schemeClr>
+          </a:lnRef>
+          <a:fillRef idx="1">
+            <a:schemeClr val="accent1"/>
+          </a:fillRef>
+          <a:effectRef idx="0">
+            <a:schemeClr val="accent1"/>
+          </a:effectRef>
+          <a:fontRef idx="minor">
+            <a:schemeClr val="lt1"/>
+          </a:fontRef>
+        </p:style>
+        <p:txBody>
+          <a:bodyPr rtlCol="0" anchor="ctr"/>
+          <a:lstStyle/>
+          <a:p>
+            <a:pPr marL="0" marR="0" lvl="0" indent="0" algn="ctr" defTabSz="914400" rtl="0" eaLnBrk="1" fontAlgn="auto" latinLnBrk="0" hangingPunct="1">
+              <a:lnSpc>
+                <a:spcPct val="100000"/>
+              </a:lnSpc>
+              <a:spcBef>
+                <a:spcPts val="0"/>
+              </a:spcBef>
+              <a:spcAft>
+                <a:spcPts val="0"/>
+              </a:spcAft>
+              <a:buClrTx/>
+              <a:buSzTx/>
+              <a:buFontTx/>
+              <a:buNone/>
+              <a:tabLst/>
+              <a:defRPr/>
+            </a:pPr>
+            <a:endParaRPr kumimoji="0" lang="it-IT" sz="1800" b="0" i="0" u="none" strike="noStrike" kern="1200" cap="none" spc="0" normalizeH="0" baseline="0" noProof="0">
+              <a:ln>
+                <a:noFill/>
+              </a:ln>
+              <a:solidFill>
+                <a:prstClr val="white"/>
+              </a:solidFill>
+              <a:effectLst/>
+              <a:uLnTx/>
+              <a:uFillTx/>
+              <a:latin typeface="Calibri" panose="020F0502020204030204"/>
+              <a:ea typeface="+mn-ea"/>
+              <a:cs typeface="+mn-cs"/>
+            </a:endParaRPr>
+          </a:p>
+        </p:txBody>
+      </p:sp>
+      <p:sp>
+        <p:nvSpPr>
+          <p:cNvPr id="2" name="Title 1">
+            <a:extLst>
+              <a:ext uri="{FF2B5EF4-FFF2-40B4-BE49-F238E27FC236}">
+                <a16:creationId xmlns:a16="http://schemas.microsoft.com/office/drawing/2014/main" id="{29FD1FBB-B73F-521A-0195-23D08646B2BD}"/>
+              </a:ext>
+            </a:extLst>
+          </p:cNvPr>
+          <p:cNvSpPr>
+            <a:spLocks noGrp="1"/>
+          </p:cNvSpPr>
+          <p:nvPr>
+            <p:ph type="ctrTitle"/>
+          </p:nvPr>
+        </p:nvSpPr>
+        <p:spPr>
+          <a:xfrm>
+            <a:off x="0" y="219075"/>
+            <a:ext cx="12192000" cy="547058"/>
+          </a:xfrm>
+        </p:spPr>
+        <p:txBody>
+          <a:bodyPr>
+            <a:normAutofit fontScale="90000"/>
+          </a:bodyPr>
+          <a:lstStyle/>
+          <a:p>
+            <a:pPr hangingPunct="0">
+              <a:tabLst>
+                <a:tab pos="7496175" algn="r"/>
+              </a:tabLst>
+            </a:pPr>
+            <a:r>
+              <a:rPr lang="it-IT" sz="3600" dirty="0">
+                <a:latin typeface="Cambria Math" panose="02040503050406030204" pitchFamily="18" charset="0"/>
+                <a:ea typeface="Cambria Math" panose="02040503050406030204" pitchFamily="18" charset="0"/>
+                <a:cs typeface="Times New Roman" panose="02020603050405020304" pitchFamily="18" charset="0"/>
+              </a:rPr>
+              <a:t>Aggiornamento grafico</a:t>
+            </a:r>
+          </a:p>
+        </p:txBody>
+      </p:sp>
+      <p:sp>
+        <p:nvSpPr>
+          <p:cNvPr id="3" name="Subtitle 2">
+            <a:extLst>
+              <a:ext uri="{FF2B5EF4-FFF2-40B4-BE49-F238E27FC236}">
+                <a16:creationId xmlns:a16="http://schemas.microsoft.com/office/drawing/2014/main" id="{FC446B2D-F94A-2F94-9904-6D62ADA65C8F}"/>
+              </a:ext>
+            </a:extLst>
+          </p:cNvPr>
+          <p:cNvSpPr>
+            <a:spLocks noGrp="1"/>
+          </p:cNvSpPr>
+          <p:nvPr>
+            <p:ph type="subTitle" idx="1"/>
+          </p:nvPr>
+        </p:nvSpPr>
+        <p:spPr>
+          <a:xfrm>
+            <a:off x="2121408" y="3493008"/>
+            <a:ext cx="8638928" cy="3145917"/>
+          </a:xfrm>
+        </p:spPr>
+        <p:txBody>
+          <a:bodyPr>
+            <a:normAutofit/>
+          </a:bodyPr>
+          <a:lstStyle/>
+          <a:p>
+            <a:pPr algn="l">
+              <a:lnSpc>
+                <a:spcPct val="200000"/>
+              </a:lnSpc>
+            </a:pPr>
+            <a:r>
+              <a:rPr lang="it-IT" dirty="0">
+                <a:latin typeface="Times New Roman" panose="02020603050405020304" pitchFamily="18" charset="0"/>
+                <a:cs typeface="Times New Roman" panose="02020603050405020304" pitchFamily="18" charset="0"/>
+              </a:rPr>
+              <a:t>Funzione </a:t>
+            </a:r>
+            <a:r>
+              <a:rPr lang="it-IT" dirty="0" err="1">
+                <a:latin typeface="Times New Roman" panose="02020603050405020304" pitchFamily="18" charset="0"/>
+                <a:cs typeface="Times New Roman" panose="02020603050405020304" pitchFamily="18" charset="0"/>
+              </a:rPr>
+              <a:t>update_object</a:t>
+            </a:r>
+            <a:r>
+              <a:rPr lang="it-IT" dirty="0">
+                <a:latin typeface="Times New Roman" panose="02020603050405020304" pitchFamily="18" charset="0"/>
+                <a:cs typeface="Times New Roman" panose="02020603050405020304" pitchFamily="18" charset="0"/>
+              </a:rPr>
+              <a:t> + </a:t>
+            </a:r>
+            <a:r>
+              <a:rPr lang="it-IT" dirty="0" err="1">
+                <a:latin typeface="Times New Roman" panose="02020603050405020304" pitchFamily="18" charset="0"/>
+                <a:cs typeface="Times New Roman" panose="02020603050405020304" pitchFamily="18" charset="0"/>
+              </a:rPr>
+              <a:t>reference_objects</a:t>
+            </a:r>
+            <a:r>
+              <a:rPr lang="it-IT" dirty="0">
+                <a:latin typeface="Times New Roman" panose="02020603050405020304" pitchFamily="18" charset="0"/>
+                <a:cs typeface="Times New Roman" panose="02020603050405020304" pitchFamily="18" charset="0"/>
+              </a:rPr>
+              <a:t> + success + </a:t>
+            </a:r>
+            <a:r>
+              <a:rPr lang="it-IT" dirty="0" err="1">
+                <a:latin typeface="Times New Roman" panose="02020603050405020304" pitchFamily="18" charset="0"/>
+                <a:cs typeface="Times New Roman" panose="02020603050405020304" pitchFamily="18" charset="0"/>
+              </a:rPr>
+              <a:t>failure</a:t>
+            </a:r>
+            <a:r>
+              <a:rPr lang="it-IT" dirty="0">
+                <a:latin typeface="Times New Roman" panose="02020603050405020304" pitchFamily="18" charset="0"/>
+                <a:cs typeface="Times New Roman" panose="02020603050405020304" pitchFamily="18" charset="0"/>
+              </a:rPr>
+              <a:t> + funzioni parziali</a:t>
+            </a:r>
+          </a:p>
+        </p:txBody>
+      </p:sp>
+      <p:pic>
+        <p:nvPicPr>
+          <p:cNvPr id="4" name="Picture 3" descr="A blue and white sign&#10;&#10;Description automatically generated">
+            <a:extLst>
+              <a:ext uri="{FF2B5EF4-FFF2-40B4-BE49-F238E27FC236}">
+                <a16:creationId xmlns:a16="http://schemas.microsoft.com/office/drawing/2014/main" id="{77279B7E-E8CD-3EE8-E614-9039687E22ED}"/>
+              </a:ext>
+            </a:extLst>
+          </p:cNvPr>
+          <p:cNvPicPr>
+            <a:picLocks noChangeAspect="1"/>
+          </p:cNvPicPr>
+          <p:nvPr/>
+        </p:nvPicPr>
+        <p:blipFill>
+          <a:blip r:embed="rId3"/>
+          <a:stretch>
+            <a:fillRect/>
+          </a:stretch>
+        </p:blipFill>
+        <p:spPr>
+          <a:xfrm>
+            <a:off x="458888" y="1351453"/>
+            <a:ext cx="3893178" cy="766211"/>
+          </a:xfrm>
+          <a:prstGeom prst="rect">
+            <a:avLst/>
+          </a:prstGeom>
+        </p:spPr>
+      </p:pic>
+    </p:spTree>
+    <p:extLst>
+      <p:ext uri="{BB962C8B-B14F-4D97-AF65-F5344CB8AC3E}">
+        <p14:creationId xmlns:p14="http://schemas.microsoft.com/office/powerpoint/2010/main" val="3567311335"/>
+      </p:ext>
+    </p:extLst>
+  </p:cSld>
+  <p:clrMapOvr>
+    <a:masterClrMapping/>
+  </p:clrMapOvr>
+  <p:timing>
+    <p:tnLst>
+      <p:par>
+        <p:cTn id="1" dur="indefinite" restart="never" nodeType="tmRoot">
+          <p:childTnLst>
+            <p:seq concurrent="1" nextAc="seek">
+              <p:cTn id="2" dur="indefinite" nodeType="mainSeq">
+                <p:childTnLst>
+                  <p:par>
+                    <p:cTn id="3" fill="hold">
+                      <p:stCondLst>
+                        <p:cond delay="indefinite"/>
+                      </p:stCondLst>
+                      <p:childTnLst>
+                        <p:par>
+                          <p:cTn id="4" fill="hold">
+                            <p:stCondLst>
+                              <p:cond delay="0"/>
+                            </p:stCondLst>
+                            <p:childTnLst>
+                              <p:par>
+                                <p:cTn id="5" presetID="10" presetClass="entr" presetSubtype="0" fill="hold" nodeType="clickEffect">
+                                  <p:stCondLst>
+                                    <p:cond delay="0"/>
+                                  </p:stCondLst>
+                                  <p:childTnLst>
+                                    <p:set>
+                                      <p:cBhvr>
+                                        <p:cTn id="6" dur="1" fill="hold">
+                                          <p:stCondLst>
+                                            <p:cond delay="0"/>
+                                          </p:stCondLst>
+                                        </p:cTn>
+                                        <p:tgtEl>
+                                          <p:spTgt spid="4"/>
+                                        </p:tgtEl>
+                                        <p:attrNameLst>
+                                          <p:attrName>style.visibility</p:attrName>
+                                        </p:attrNameLst>
+                                      </p:cBhvr>
+                                      <p:to>
+                                        <p:strVal val="visible"/>
+                                      </p:to>
+                                    </p:set>
+                                    <p:animEffect transition="in" filter="fade">
+                                      <p:cBhvr>
+                                        <p:cTn id="7" dur="500"/>
+                                        <p:tgtEl>
+                                          <p:spTgt spid="4"/>
+                                        </p:tgtEl>
+                                      </p:cBhvr>
+                                    </p:animEffect>
+                                  </p:childTnLst>
+                                </p:cTn>
+                              </p:par>
+                            </p:childTnLst>
+                          </p:cTn>
+                        </p:par>
+                      </p:childTnLst>
+                    </p:cTn>
+                  </p:par>
+                </p:childTnLst>
+              </p:cTn>
+              <p:prevCondLst>
+                <p:cond evt="onPrev" delay="0">
+                  <p:tgtEl>
+                    <p:sldTgt/>
+                  </p:tgtEl>
+                </p:cond>
+              </p:prevCondLst>
+              <p:nextCondLst>
+                <p:cond evt="onNext" delay="0">
+                  <p:tgtEl>
+                    <p:sldTgt/>
+                  </p:tgtEl>
+                </p:cond>
+              </p:nextCondLst>
+            </p:seq>
+          </p:childTnLst>
+        </p:cTn>
+      </p:par>
+    </p:tnLst>
+  </p:timing>
+</p:sld>
+</file>
+
+<file path=ppt/slides/slide15.xml><?xml version="1.0" encoding="utf-8"?>
+<p:sld xmlns:a="http://schemas.openxmlformats.org/drawingml/2006/main" xmlns:r="http://schemas.openxmlformats.org/officeDocument/2006/relationships" xmlns:p="http://schemas.openxmlformats.org/presentationml/2006/main">
+  <p:cSld>
+    <p:bg>
+      <p:bgPr>
+        <a:gradFill>
+          <a:gsLst>
+            <a:gs pos="0">
+              <a:schemeClr val="accent6">
+                <a:lumMod val="40000"/>
+                <a:lumOff val="60000"/>
+              </a:schemeClr>
+            </a:gs>
+            <a:gs pos="100000">
+              <a:schemeClr val="accent6">
+                <a:lumMod val="75000"/>
+              </a:schemeClr>
+            </a:gs>
+          </a:gsLst>
+          <a:lin ang="8100000" scaled="1"/>
+        </a:gradFill>
+        <a:effectLst/>
+      </p:bgPr>
+    </p:bg>
+    <p:spTree>
+      <p:nvGrpSpPr>
+        <p:cNvPr id="1" name=""/>
+        <p:cNvGrpSpPr/>
+        <p:nvPr/>
+      </p:nvGrpSpPr>
+      <p:grpSpPr>
+        <a:xfrm>
+          <a:off x="0" y="0"/>
+          <a:ext cx="0" cy="0"/>
+          <a:chOff x="0" y="0"/>
+          <a:chExt cx="0" cy="0"/>
+        </a:xfrm>
+      </p:grpSpPr>
+      <p:sp>
+        <p:nvSpPr>
+          <p:cNvPr id="8" name="Rectangle: Rounded Corners 7">
+            <a:extLst>
+              <a:ext uri="{FF2B5EF4-FFF2-40B4-BE49-F238E27FC236}">
+                <a16:creationId xmlns:a16="http://schemas.microsoft.com/office/drawing/2014/main" id="{7BB0D57C-96FC-342D-E8C0-5E4D36FCC075}"/>
+              </a:ext>
+            </a:extLst>
+          </p:cNvPr>
+          <p:cNvSpPr/>
+          <p:nvPr/>
+        </p:nvSpPr>
+        <p:spPr>
+          <a:xfrm>
+            <a:off x="136263" y="107576"/>
+            <a:ext cx="11919473" cy="6642848"/>
+          </a:xfrm>
+          <a:prstGeom prst="roundRect">
+            <a:avLst>
+              <a:gd name="adj" fmla="val 1768"/>
+            </a:avLst>
+          </a:prstGeom>
+          <a:solidFill>
+            <a:schemeClr val="accent2">
+              <a:lumMod val="20000"/>
+              <a:lumOff val="80000"/>
+            </a:schemeClr>
+          </a:solidFill>
+          <a:ln>
+            <a:noFill/>
+          </a:ln>
+          <a:effectLst>
+            <a:softEdge rad="0"/>
+          </a:effectLst>
+        </p:spPr>
+        <p:style>
+          <a:lnRef idx="2">
+            <a:schemeClr val="accent1">
+              <a:shade val="15000"/>
+            </a:schemeClr>
+          </a:lnRef>
+          <a:fillRef idx="1">
+            <a:schemeClr val="accent1"/>
+          </a:fillRef>
+          <a:effectRef idx="0">
+            <a:schemeClr val="accent1"/>
+          </a:effectRef>
+          <a:fontRef idx="minor">
+            <a:schemeClr val="lt1"/>
+          </a:fontRef>
+        </p:style>
+        <p:txBody>
+          <a:bodyPr rtlCol="0" anchor="ctr"/>
+          <a:lstStyle/>
+          <a:p>
+            <a:pPr marL="0" marR="0" lvl="0" indent="0" algn="ctr" defTabSz="914400" rtl="0" eaLnBrk="1" fontAlgn="auto" latinLnBrk="0" hangingPunct="1">
+              <a:lnSpc>
+                <a:spcPct val="100000"/>
+              </a:lnSpc>
+              <a:spcBef>
+                <a:spcPts val="0"/>
+              </a:spcBef>
+              <a:spcAft>
+                <a:spcPts val="0"/>
+              </a:spcAft>
+              <a:buClrTx/>
+              <a:buSzTx/>
+              <a:buFontTx/>
+              <a:buNone/>
+              <a:tabLst/>
+              <a:defRPr/>
+            </a:pPr>
+            <a:endParaRPr kumimoji="0" lang="it-IT" sz="1800" b="0" i="0" u="none" strike="noStrike" kern="1200" cap="none" spc="0" normalizeH="0" baseline="0" noProof="0" dirty="0">
+              <a:ln>
+                <a:noFill/>
+              </a:ln>
+              <a:solidFill>
+                <a:prstClr val="white"/>
+              </a:solidFill>
+              <a:effectLst/>
+              <a:uLnTx/>
+              <a:uFillTx/>
+              <a:latin typeface="Calibri" panose="020F0502020204030204"/>
+              <a:ea typeface="+mn-ea"/>
+              <a:cs typeface="+mn-cs"/>
+            </a:endParaRPr>
+          </a:p>
+        </p:txBody>
+      </p:sp>
+      <p:sp>
+        <p:nvSpPr>
+          <p:cNvPr id="10" name="Rectangle: Rounded Corners 9">
+            <a:extLst>
+              <a:ext uri="{FF2B5EF4-FFF2-40B4-BE49-F238E27FC236}">
+                <a16:creationId xmlns:a16="http://schemas.microsoft.com/office/drawing/2014/main" id="{353FC021-9E12-A48E-6ABA-58B63D78E973}"/>
+              </a:ext>
+            </a:extLst>
+          </p:cNvPr>
+          <p:cNvSpPr/>
+          <p:nvPr/>
+        </p:nvSpPr>
+        <p:spPr>
+          <a:xfrm>
+            <a:off x="4722919" y="253713"/>
+            <a:ext cx="2752079" cy="536232"/>
+          </a:xfrm>
+          <a:prstGeom prst="roundRect">
+            <a:avLst/>
+          </a:prstGeom>
+          <a:solidFill>
+            <a:schemeClr val="bg1"/>
+          </a:solidFill>
+          <a:ln>
+            <a:noFill/>
+          </a:ln>
+        </p:spPr>
+        <p:style>
+          <a:lnRef idx="2">
+            <a:schemeClr val="accent1">
+              <a:shade val="15000"/>
+            </a:schemeClr>
+          </a:lnRef>
+          <a:fillRef idx="1">
+            <a:schemeClr val="accent1"/>
+          </a:fillRef>
+          <a:effectRef idx="0">
+            <a:schemeClr val="accent1"/>
+          </a:effectRef>
+          <a:fontRef idx="minor">
+            <a:schemeClr val="lt1"/>
+          </a:fontRef>
+        </p:style>
+        <p:txBody>
+          <a:bodyPr rtlCol="0" anchor="ctr"/>
+          <a:lstStyle/>
+          <a:p>
+            <a:pPr marL="0" marR="0" lvl="0" indent="0" algn="ctr" defTabSz="914400" rtl="0" eaLnBrk="1" fontAlgn="auto" latinLnBrk="0" hangingPunct="1">
+              <a:lnSpc>
+                <a:spcPct val="100000"/>
+              </a:lnSpc>
+              <a:spcBef>
+                <a:spcPts val="0"/>
+              </a:spcBef>
+              <a:spcAft>
+                <a:spcPts val="0"/>
+              </a:spcAft>
+              <a:buClrTx/>
+              <a:buSzTx/>
+              <a:buFontTx/>
+              <a:buNone/>
+              <a:tabLst/>
+              <a:defRPr/>
+            </a:pPr>
+            <a:endParaRPr kumimoji="0" lang="it-IT" sz="1800" b="0" i="0" u="none" strike="noStrike" kern="1200" cap="none" spc="0" normalizeH="0" baseline="0" noProof="0">
+              <a:ln>
+                <a:noFill/>
+              </a:ln>
+              <a:solidFill>
+                <a:prstClr val="white"/>
+              </a:solidFill>
+              <a:effectLst/>
+              <a:uLnTx/>
+              <a:uFillTx/>
+              <a:latin typeface="Calibri" panose="020F0502020204030204"/>
+              <a:ea typeface="+mn-ea"/>
+              <a:cs typeface="+mn-cs"/>
+            </a:endParaRPr>
+          </a:p>
+        </p:txBody>
+      </p:sp>
+      <p:sp>
+        <p:nvSpPr>
+          <p:cNvPr id="2" name="Title 1">
+            <a:extLst>
+              <a:ext uri="{FF2B5EF4-FFF2-40B4-BE49-F238E27FC236}">
+                <a16:creationId xmlns:a16="http://schemas.microsoft.com/office/drawing/2014/main" id="{29FD1FBB-B73F-521A-0195-23D08646B2BD}"/>
+              </a:ext>
+            </a:extLst>
+          </p:cNvPr>
+          <p:cNvSpPr>
+            <a:spLocks noGrp="1"/>
+          </p:cNvSpPr>
+          <p:nvPr>
+            <p:ph type="ctrTitle"/>
+          </p:nvPr>
+        </p:nvSpPr>
+        <p:spPr>
+          <a:xfrm>
+            <a:off x="0" y="219075"/>
+            <a:ext cx="12192000" cy="547058"/>
+          </a:xfrm>
+        </p:spPr>
+        <p:txBody>
+          <a:bodyPr>
+            <a:normAutofit fontScale="90000"/>
+          </a:bodyPr>
+          <a:lstStyle/>
+          <a:p>
+            <a:pPr hangingPunct="0">
+              <a:tabLst>
+                <a:tab pos="7496175" algn="r"/>
+              </a:tabLst>
+            </a:pPr>
+            <a:r>
+              <a:rPr lang="it-IT" sz="3600" dirty="0">
+                <a:latin typeface="Cambria Math" panose="02040503050406030204" pitchFamily="18" charset="0"/>
+                <a:ea typeface="Cambria Math" panose="02040503050406030204" pitchFamily="18" charset="0"/>
+                <a:cs typeface="Times New Roman" panose="02020603050405020304" pitchFamily="18" charset="0"/>
+              </a:rPr>
+              <a:t>Gestione utenti</a:t>
+            </a:r>
+          </a:p>
+        </p:txBody>
+      </p:sp>
+      <p:sp>
+        <p:nvSpPr>
+          <p:cNvPr id="3" name="Subtitle 2">
+            <a:extLst>
+              <a:ext uri="{FF2B5EF4-FFF2-40B4-BE49-F238E27FC236}">
+                <a16:creationId xmlns:a16="http://schemas.microsoft.com/office/drawing/2014/main" id="{FC446B2D-F94A-2F94-9904-6D62ADA65C8F}"/>
+              </a:ext>
+            </a:extLst>
+          </p:cNvPr>
+          <p:cNvSpPr>
+            <a:spLocks noGrp="1"/>
+          </p:cNvSpPr>
+          <p:nvPr>
+            <p:ph type="subTitle" idx="1"/>
+          </p:nvPr>
+        </p:nvSpPr>
+        <p:spPr>
+          <a:xfrm>
+            <a:off x="1159136" y="1141768"/>
+            <a:ext cx="9601200" cy="5497157"/>
+          </a:xfrm>
+        </p:spPr>
+        <p:txBody>
+          <a:bodyPr>
+            <a:normAutofit/>
+          </a:bodyPr>
+          <a:lstStyle/>
+          <a:p>
+            <a:pPr algn="l">
+              <a:lnSpc>
+                <a:spcPct val="200000"/>
+              </a:lnSpc>
+            </a:pPr>
+            <a:endParaRPr lang="it-IT" dirty="0">
+              <a:latin typeface="Times New Roman" panose="02020603050405020304" pitchFamily="18" charset="0"/>
+              <a:cs typeface="Times New Roman" panose="02020603050405020304" pitchFamily="18" charset="0"/>
+            </a:endParaRPr>
+          </a:p>
+        </p:txBody>
+      </p:sp>
+      <p:pic>
+        <p:nvPicPr>
+          <p:cNvPr id="5" name="Picture 4" descr="A screenshot of a computer code&#10;&#10;Description automatically generated">
+            <a:extLst>
+              <a:ext uri="{FF2B5EF4-FFF2-40B4-BE49-F238E27FC236}">
+                <a16:creationId xmlns:a16="http://schemas.microsoft.com/office/drawing/2014/main" id="{6637A2EA-86A3-7E84-C49D-5153FEA12FE6}"/>
+              </a:ext>
+            </a:extLst>
+          </p:cNvPr>
+          <p:cNvPicPr>
+            <a:picLocks noChangeAspect="1"/>
+          </p:cNvPicPr>
+          <p:nvPr/>
+        </p:nvPicPr>
+        <p:blipFill>
+          <a:blip r:embed="rId3"/>
+          <a:stretch>
+            <a:fillRect/>
+          </a:stretch>
+        </p:blipFill>
+        <p:spPr>
+          <a:xfrm>
+            <a:off x="2350372" y="4864027"/>
+            <a:ext cx="7218727" cy="1220432"/>
+          </a:xfrm>
+          <a:prstGeom prst="rect">
+            <a:avLst/>
+          </a:prstGeom>
+        </p:spPr>
+      </p:pic>
+    </p:spTree>
+    <p:extLst>
+      <p:ext uri="{BB962C8B-B14F-4D97-AF65-F5344CB8AC3E}">
+        <p14:creationId xmlns:p14="http://schemas.microsoft.com/office/powerpoint/2010/main" val="3307964588"/>
+      </p:ext>
+    </p:extLst>
+  </p:cSld>
+  <p:clrMapOvr>
+    <a:masterClrMapping/>
+  </p:clrMapOvr>
+</p:sld>
+</file>
+
+<file path=ppt/slides/slide16.xml><?xml version="1.0" encoding="utf-8"?>
+<p:sld xmlns:a="http://schemas.openxmlformats.org/drawingml/2006/main" xmlns:r="http://schemas.openxmlformats.org/officeDocument/2006/relationships" xmlns:p="http://schemas.openxmlformats.org/presentationml/2006/main">
+  <p:cSld>
+    <p:bg>
+      <p:bgPr>
+        <a:gradFill>
+          <a:gsLst>
+            <a:gs pos="0">
+              <a:schemeClr val="accent6">
+                <a:lumMod val="40000"/>
+                <a:lumOff val="60000"/>
+              </a:schemeClr>
+            </a:gs>
+            <a:gs pos="100000">
+              <a:schemeClr val="accent6">
+                <a:lumMod val="75000"/>
+              </a:schemeClr>
+            </a:gs>
+          </a:gsLst>
+          <a:lin ang="8100000" scaled="1"/>
+        </a:gradFill>
+        <a:effectLst/>
+      </p:bgPr>
+    </p:bg>
+    <p:spTree>
+      <p:nvGrpSpPr>
+        <p:cNvPr id="1" name=""/>
+        <p:cNvGrpSpPr/>
+        <p:nvPr/>
+      </p:nvGrpSpPr>
+      <p:grpSpPr>
+        <a:xfrm>
+          <a:off x="0" y="0"/>
+          <a:ext cx="0" cy="0"/>
+          <a:chOff x="0" y="0"/>
+          <a:chExt cx="0" cy="0"/>
+        </a:xfrm>
+      </p:grpSpPr>
+      <p:sp>
+        <p:nvSpPr>
+          <p:cNvPr id="8" name="Rectangle: Rounded Corners 7">
+            <a:extLst>
+              <a:ext uri="{FF2B5EF4-FFF2-40B4-BE49-F238E27FC236}">
+                <a16:creationId xmlns:a16="http://schemas.microsoft.com/office/drawing/2014/main" id="{7BB0D57C-96FC-342D-E8C0-5E4D36FCC075}"/>
+              </a:ext>
+            </a:extLst>
+          </p:cNvPr>
+          <p:cNvSpPr/>
+          <p:nvPr/>
+        </p:nvSpPr>
+        <p:spPr>
+          <a:xfrm>
+            <a:off x="136263" y="107576"/>
+            <a:ext cx="11919473" cy="6642848"/>
+          </a:xfrm>
+          <a:prstGeom prst="roundRect">
+            <a:avLst>
+              <a:gd name="adj" fmla="val 1768"/>
+            </a:avLst>
+          </a:prstGeom>
+          <a:solidFill>
+            <a:schemeClr val="accent2">
+              <a:lumMod val="20000"/>
+              <a:lumOff val="80000"/>
+            </a:schemeClr>
+          </a:solidFill>
+          <a:ln>
+            <a:noFill/>
+          </a:ln>
+          <a:effectLst>
+            <a:softEdge rad="0"/>
+          </a:effectLst>
+        </p:spPr>
+        <p:style>
+          <a:lnRef idx="2">
+            <a:schemeClr val="accent1">
+              <a:shade val="15000"/>
+            </a:schemeClr>
+          </a:lnRef>
+          <a:fillRef idx="1">
+            <a:schemeClr val="accent1"/>
+          </a:fillRef>
+          <a:effectRef idx="0">
+            <a:schemeClr val="accent1"/>
+          </a:effectRef>
+          <a:fontRef idx="minor">
+            <a:schemeClr val="lt1"/>
+          </a:fontRef>
+        </p:style>
+        <p:txBody>
+          <a:bodyPr rtlCol="0" anchor="ctr"/>
+          <a:lstStyle/>
+          <a:p>
+            <a:pPr marL="0" marR="0" lvl="0" indent="0" algn="ctr" defTabSz="914400" rtl="0" eaLnBrk="1" fontAlgn="auto" latinLnBrk="0" hangingPunct="1">
+              <a:lnSpc>
+                <a:spcPct val="100000"/>
+              </a:lnSpc>
+              <a:spcBef>
+                <a:spcPts val="0"/>
+              </a:spcBef>
+              <a:spcAft>
+                <a:spcPts val="0"/>
+              </a:spcAft>
+              <a:buClrTx/>
+              <a:buSzTx/>
+              <a:buFontTx/>
+              <a:buNone/>
+              <a:tabLst/>
+              <a:defRPr/>
+            </a:pPr>
+            <a:endParaRPr kumimoji="0" lang="it-IT" sz="1800" b="0" i="0" u="none" strike="noStrike" kern="1200" cap="none" spc="0" normalizeH="0" baseline="0" noProof="0" dirty="0">
+              <a:ln>
+                <a:noFill/>
+              </a:ln>
+              <a:solidFill>
+                <a:prstClr val="white"/>
+              </a:solidFill>
+              <a:effectLst/>
+              <a:uLnTx/>
+              <a:uFillTx/>
+              <a:latin typeface="Calibri" panose="020F0502020204030204"/>
+              <a:ea typeface="+mn-ea"/>
+              <a:cs typeface="+mn-cs"/>
+            </a:endParaRPr>
+          </a:p>
+        </p:txBody>
+      </p:sp>
+      <p:sp>
+        <p:nvSpPr>
+          <p:cNvPr id="10" name="Rectangle: Rounded Corners 9">
+            <a:extLst>
+              <a:ext uri="{FF2B5EF4-FFF2-40B4-BE49-F238E27FC236}">
+                <a16:creationId xmlns:a16="http://schemas.microsoft.com/office/drawing/2014/main" id="{353FC021-9E12-A48E-6ABA-58B63D78E973}"/>
+              </a:ext>
+            </a:extLst>
+          </p:cNvPr>
+          <p:cNvSpPr/>
+          <p:nvPr/>
+        </p:nvSpPr>
+        <p:spPr>
+          <a:xfrm>
+            <a:off x="3790765" y="253713"/>
+            <a:ext cx="4634144" cy="536232"/>
+          </a:xfrm>
+          <a:prstGeom prst="roundRect">
+            <a:avLst/>
+          </a:prstGeom>
+          <a:solidFill>
+            <a:schemeClr val="bg1"/>
+          </a:solidFill>
+          <a:ln>
+            <a:noFill/>
+          </a:ln>
+        </p:spPr>
+        <p:style>
+          <a:lnRef idx="2">
+            <a:schemeClr val="accent1">
+              <a:shade val="15000"/>
+            </a:schemeClr>
+          </a:lnRef>
+          <a:fillRef idx="1">
+            <a:schemeClr val="accent1"/>
+          </a:fillRef>
+          <a:effectRef idx="0">
+            <a:schemeClr val="accent1"/>
+          </a:effectRef>
+          <a:fontRef idx="minor">
+            <a:schemeClr val="lt1"/>
+          </a:fontRef>
+        </p:style>
+        <p:txBody>
+          <a:bodyPr rtlCol="0" anchor="ctr"/>
+          <a:lstStyle/>
+          <a:p>
+            <a:pPr marL="0" marR="0" lvl="0" indent="0" algn="ctr" defTabSz="914400" rtl="0" eaLnBrk="1" fontAlgn="auto" latinLnBrk="0" hangingPunct="1">
+              <a:lnSpc>
+                <a:spcPct val="100000"/>
+              </a:lnSpc>
+              <a:spcBef>
+                <a:spcPts val="0"/>
+              </a:spcBef>
+              <a:spcAft>
+                <a:spcPts val="0"/>
+              </a:spcAft>
+              <a:buClrTx/>
+              <a:buSzTx/>
+              <a:buFontTx/>
+              <a:buNone/>
+              <a:tabLst/>
+              <a:defRPr/>
+            </a:pPr>
+            <a:endParaRPr kumimoji="0" lang="it-IT" sz="1800" b="0" i="0" u="none" strike="noStrike" kern="1200" cap="none" spc="0" normalizeH="0" baseline="0" noProof="0">
+              <a:ln>
+                <a:noFill/>
+              </a:ln>
+              <a:solidFill>
+                <a:prstClr val="white"/>
+              </a:solidFill>
+              <a:effectLst/>
+              <a:uLnTx/>
+              <a:uFillTx/>
+              <a:latin typeface="Calibri" panose="020F0502020204030204"/>
+              <a:ea typeface="+mn-ea"/>
+              <a:cs typeface="+mn-cs"/>
+            </a:endParaRPr>
+          </a:p>
+        </p:txBody>
+      </p:sp>
+      <p:sp>
+        <p:nvSpPr>
+          <p:cNvPr id="2" name="Title 1">
+            <a:extLst>
+              <a:ext uri="{FF2B5EF4-FFF2-40B4-BE49-F238E27FC236}">
+                <a16:creationId xmlns:a16="http://schemas.microsoft.com/office/drawing/2014/main" id="{29FD1FBB-B73F-521A-0195-23D08646B2BD}"/>
+              </a:ext>
+            </a:extLst>
+          </p:cNvPr>
+          <p:cNvSpPr>
+            <a:spLocks noGrp="1"/>
+          </p:cNvSpPr>
+          <p:nvPr>
+            <p:ph type="ctrTitle"/>
+          </p:nvPr>
+        </p:nvSpPr>
+        <p:spPr>
+          <a:xfrm>
+            <a:off x="0" y="219075"/>
+            <a:ext cx="12192000" cy="547058"/>
+          </a:xfrm>
+        </p:spPr>
+        <p:txBody>
+          <a:bodyPr>
+            <a:normAutofit fontScale="90000"/>
+          </a:bodyPr>
+          <a:lstStyle/>
+          <a:p>
+            <a:pPr hangingPunct="0">
+              <a:tabLst>
+                <a:tab pos="7496175" algn="r"/>
+              </a:tabLst>
+            </a:pPr>
+            <a:r>
+              <a:rPr lang="it-IT" sz="3600" dirty="0">
+                <a:latin typeface="Cambria Math" panose="02040503050406030204" pitchFamily="18" charset="0"/>
+                <a:ea typeface="Cambria Math" panose="02040503050406030204" pitchFamily="18" charset="0"/>
+                <a:cs typeface="Times New Roman" panose="02020603050405020304" pitchFamily="18" charset="0"/>
+              </a:rPr>
+              <a:t>Letture di multipli registri</a:t>
+            </a:r>
+          </a:p>
+        </p:txBody>
+      </p:sp>
+      <p:sp>
+        <p:nvSpPr>
+          <p:cNvPr id="3" name="Subtitle 2">
+            <a:extLst>
+              <a:ext uri="{FF2B5EF4-FFF2-40B4-BE49-F238E27FC236}">
+                <a16:creationId xmlns:a16="http://schemas.microsoft.com/office/drawing/2014/main" id="{FC446B2D-F94A-2F94-9904-6D62ADA65C8F}"/>
+              </a:ext>
+            </a:extLst>
+          </p:cNvPr>
+          <p:cNvSpPr>
+            <a:spLocks noGrp="1"/>
+          </p:cNvSpPr>
+          <p:nvPr>
+            <p:ph type="subTitle" idx="1"/>
+          </p:nvPr>
+        </p:nvSpPr>
+        <p:spPr>
+          <a:xfrm>
+            <a:off x="1159136" y="1141768"/>
+            <a:ext cx="9601200" cy="5497157"/>
+          </a:xfrm>
+        </p:spPr>
+        <p:txBody>
+          <a:bodyPr>
+            <a:normAutofit/>
+          </a:bodyPr>
+          <a:lstStyle/>
+          <a:p>
+            <a:pPr algn="l">
+              <a:lnSpc>
+                <a:spcPct val="200000"/>
+              </a:lnSpc>
+            </a:pPr>
+            <a:r>
+              <a:rPr lang="it-IT" dirty="0">
+                <a:latin typeface="Times New Roman" panose="02020603050405020304" pitchFamily="18" charset="0"/>
+                <a:cs typeface="Times New Roman" panose="02020603050405020304" pitchFamily="18" charset="0"/>
+              </a:rPr>
+              <a:t>+ </a:t>
+            </a:r>
+            <a:r>
+              <a:rPr lang="it-IT" dirty="0" err="1">
+                <a:latin typeface="Times New Roman" panose="02020603050405020304" pitchFamily="18" charset="0"/>
+                <a:cs typeface="Times New Roman" panose="02020603050405020304" pitchFamily="18" charset="0"/>
+              </a:rPr>
+              <a:t>caching</a:t>
+            </a:r>
+            <a:endParaRPr lang="it-IT" dirty="0">
+              <a:latin typeface="Times New Roman" panose="02020603050405020304" pitchFamily="18" charset="0"/>
+              <a:cs typeface="Times New Roman" panose="02020603050405020304" pitchFamily="18" charset="0"/>
+            </a:endParaRPr>
+          </a:p>
+        </p:txBody>
+      </p:sp>
+    </p:spTree>
+    <p:extLst>
+      <p:ext uri="{BB962C8B-B14F-4D97-AF65-F5344CB8AC3E}">
+        <p14:creationId xmlns:p14="http://schemas.microsoft.com/office/powerpoint/2010/main" val="2722363685"/>
+      </p:ext>
+    </p:extLst>
+  </p:cSld>
+  <p:clrMapOvr>
+    <a:masterClrMapping/>
+  </p:clrMapOvr>
+</p:sld>
+</file>
+
+<file path=ppt/slides/slide17.xml><?xml version="1.0" encoding="utf-8"?>
+<p:sld xmlns:a="http://schemas.openxmlformats.org/drawingml/2006/main" xmlns:r="http://schemas.openxmlformats.org/officeDocument/2006/relationships" xmlns:p="http://schemas.openxmlformats.org/presentationml/2006/main">
+  <p:cSld>
+    <p:bg>
+      <p:bgPr>
+        <a:gradFill>
+          <a:gsLst>
+            <a:gs pos="0">
+              <a:schemeClr val="accent6">
+                <a:lumMod val="40000"/>
+                <a:lumOff val="60000"/>
+              </a:schemeClr>
+            </a:gs>
+            <a:gs pos="100000">
+              <a:schemeClr val="accent6">
+                <a:lumMod val="75000"/>
+              </a:schemeClr>
+            </a:gs>
+          </a:gsLst>
+          <a:lin ang="8100000" scaled="1"/>
+        </a:gradFill>
+        <a:effectLst/>
+      </p:bgPr>
+    </p:bg>
+    <p:spTree>
+      <p:nvGrpSpPr>
+        <p:cNvPr id="1" name=""/>
+        <p:cNvGrpSpPr/>
+        <p:nvPr/>
+      </p:nvGrpSpPr>
+      <p:grpSpPr>
+        <a:xfrm>
+          <a:off x="0" y="0"/>
+          <a:ext cx="0" cy="0"/>
+          <a:chOff x="0" y="0"/>
+          <a:chExt cx="0" cy="0"/>
+        </a:xfrm>
+      </p:grpSpPr>
+      <p:sp>
+        <p:nvSpPr>
+          <p:cNvPr id="8" name="Rectangle: Rounded Corners 7">
+            <a:extLst>
+              <a:ext uri="{FF2B5EF4-FFF2-40B4-BE49-F238E27FC236}">
+                <a16:creationId xmlns:a16="http://schemas.microsoft.com/office/drawing/2014/main" id="{7BB0D57C-96FC-342D-E8C0-5E4D36FCC075}"/>
+              </a:ext>
+            </a:extLst>
+          </p:cNvPr>
+          <p:cNvSpPr/>
+          <p:nvPr/>
+        </p:nvSpPr>
+        <p:spPr>
+          <a:xfrm>
+            <a:off x="136263" y="107576"/>
+            <a:ext cx="11919473" cy="6642848"/>
+          </a:xfrm>
+          <a:prstGeom prst="roundRect">
+            <a:avLst>
+              <a:gd name="adj" fmla="val 1768"/>
+            </a:avLst>
+          </a:prstGeom>
+          <a:solidFill>
+            <a:schemeClr val="accent2">
+              <a:lumMod val="20000"/>
+              <a:lumOff val="80000"/>
+            </a:schemeClr>
+          </a:solidFill>
+          <a:ln>
+            <a:noFill/>
+          </a:ln>
+          <a:effectLst>
+            <a:softEdge rad="0"/>
+          </a:effectLst>
+        </p:spPr>
+        <p:style>
+          <a:lnRef idx="2">
+            <a:schemeClr val="accent1">
+              <a:shade val="15000"/>
+            </a:schemeClr>
+          </a:lnRef>
+          <a:fillRef idx="1">
+            <a:schemeClr val="accent1"/>
+          </a:fillRef>
+          <a:effectRef idx="0">
+            <a:schemeClr val="accent1"/>
+          </a:effectRef>
+          <a:fontRef idx="minor">
+            <a:schemeClr val="lt1"/>
+          </a:fontRef>
+        </p:style>
+        <p:txBody>
+          <a:bodyPr rtlCol="0" anchor="ctr"/>
+          <a:lstStyle/>
+          <a:p>
+            <a:pPr marL="0" marR="0" lvl="0" indent="0" algn="ctr" defTabSz="914400" rtl="0" eaLnBrk="1" fontAlgn="auto" latinLnBrk="0" hangingPunct="1">
+              <a:lnSpc>
+                <a:spcPct val="100000"/>
+              </a:lnSpc>
+              <a:spcBef>
+                <a:spcPts val="0"/>
+              </a:spcBef>
+              <a:spcAft>
+                <a:spcPts val="0"/>
+              </a:spcAft>
+              <a:buClrTx/>
+              <a:buSzTx/>
+              <a:buFontTx/>
+              <a:buNone/>
+              <a:tabLst/>
+              <a:defRPr/>
+            </a:pPr>
+            <a:endParaRPr kumimoji="0" lang="it-IT" sz="1800" b="0" i="0" u="none" strike="noStrike" kern="1200" cap="none" spc="0" normalizeH="0" baseline="0" noProof="0" dirty="0">
+              <a:ln>
+                <a:noFill/>
+              </a:ln>
+              <a:solidFill>
+                <a:prstClr val="white"/>
+              </a:solidFill>
+              <a:effectLst/>
+              <a:uLnTx/>
+              <a:uFillTx/>
+              <a:latin typeface="Calibri" panose="020F0502020204030204"/>
+              <a:ea typeface="+mn-ea"/>
+              <a:cs typeface="+mn-cs"/>
+            </a:endParaRPr>
+          </a:p>
+        </p:txBody>
+      </p:sp>
+      <p:sp>
+        <p:nvSpPr>
+          <p:cNvPr id="10" name="Rectangle: Rounded Corners 9">
+            <a:extLst>
+              <a:ext uri="{FF2B5EF4-FFF2-40B4-BE49-F238E27FC236}">
+                <a16:creationId xmlns:a16="http://schemas.microsoft.com/office/drawing/2014/main" id="{353FC021-9E12-A48E-6ABA-58B63D78E973}"/>
+              </a:ext>
+            </a:extLst>
+          </p:cNvPr>
+          <p:cNvSpPr/>
+          <p:nvPr/>
+        </p:nvSpPr>
+        <p:spPr>
+          <a:xfrm>
+            <a:off x="3071674" y="253713"/>
+            <a:ext cx="6063448" cy="536232"/>
+          </a:xfrm>
+          <a:prstGeom prst="roundRect">
+            <a:avLst/>
+          </a:prstGeom>
+          <a:solidFill>
+            <a:schemeClr val="bg1"/>
+          </a:solidFill>
+          <a:ln>
+            <a:noFill/>
+          </a:ln>
+        </p:spPr>
+        <p:style>
+          <a:lnRef idx="2">
+            <a:schemeClr val="accent1">
+              <a:shade val="15000"/>
+            </a:schemeClr>
+          </a:lnRef>
+          <a:fillRef idx="1">
+            <a:schemeClr val="accent1"/>
+          </a:fillRef>
+          <a:effectRef idx="0">
+            <a:schemeClr val="accent1"/>
+          </a:effectRef>
+          <a:fontRef idx="minor">
+            <a:schemeClr val="lt1"/>
+          </a:fontRef>
+        </p:style>
+        <p:txBody>
+          <a:bodyPr rtlCol="0" anchor="ctr"/>
+          <a:lstStyle/>
+          <a:p>
+            <a:pPr marL="0" marR="0" lvl="0" indent="0" algn="ctr" defTabSz="914400" rtl="0" eaLnBrk="1" fontAlgn="auto" latinLnBrk="0" hangingPunct="1">
+              <a:lnSpc>
+                <a:spcPct val="100000"/>
+              </a:lnSpc>
+              <a:spcBef>
+                <a:spcPts val="0"/>
+              </a:spcBef>
+              <a:spcAft>
+                <a:spcPts val="0"/>
+              </a:spcAft>
+              <a:buClrTx/>
+              <a:buSzTx/>
+              <a:buFontTx/>
+              <a:buNone/>
+              <a:tabLst/>
+              <a:defRPr/>
+            </a:pPr>
+            <a:endParaRPr kumimoji="0" lang="it-IT" sz="1800" b="0" i="0" u="none" strike="noStrike" kern="1200" cap="none" spc="0" normalizeH="0" baseline="0" noProof="0">
+              <a:ln>
+                <a:noFill/>
+              </a:ln>
+              <a:solidFill>
+                <a:prstClr val="white"/>
+              </a:solidFill>
+              <a:effectLst/>
+              <a:uLnTx/>
+              <a:uFillTx/>
+              <a:latin typeface="Calibri" panose="020F0502020204030204"/>
+              <a:ea typeface="+mn-ea"/>
+              <a:cs typeface="+mn-cs"/>
+            </a:endParaRPr>
+          </a:p>
+        </p:txBody>
+      </p:sp>
+      <p:sp>
+        <p:nvSpPr>
+          <p:cNvPr id="2" name="Title 1">
+            <a:extLst>
+              <a:ext uri="{FF2B5EF4-FFF2-40B4-BE49-F238E27FC236}">
+                <a16:creationId xmlns:a16="http://schemas.microsoft.com/office/drawing/2014/main" id="{29FD1FBB-B73F-521A-0195-23D08646B2BD}"/>
+              </a:ext>
+            </a:extLst>
+          </p:cNvPr>
+          <p:cNvSpPr>
+            <a:spLocks noGrp="1"/>
+          </p:cNvSpPr>
+          <p:nvPr>
+            <p:ph type="ctrTitle"/>
+          </p:nvPr>
+        </p:nvSpPr>
+        <p:spPr>
+          <a:xfrm>
+            <a:off x="0" y="219075"/>
+            <a:ext cx="12192000" cy="547058"/>
+          </a:xfrm>
+        </p:spPr>
+        <p:txBody>
+          <a:bodyPr>
+            <a:normAutofit fontScale="90000"/>
+          </a:bodyPr>
+          <a:lstStyle/>
+          <a:p>
+            <a:pPr hangingPunct="0">
+              <a:tabLst>
+                <a:tab pos="7496175" algn="r"/>
+              </a:tabLst>
+            </a:pPr>
+            <a:r>
+              <a:rPr lang="it-IT" sz="3600" dirty="0">
+                <a:latin typeface="Cambria Math" panose="02040503050406030204" pitchFamily="18" charset="0"/>
+                <a:ea typeface="Cambria Math" panose="02040503050406030204" pitchFamily="18" charset="0"/>
+                <a:cs typeface="Times New Roman" panose="02020603050405020304" pitchFamily="18" charset="0"/>
+              </a:rPr>
+              <a:t>Gestione degli slave irraggiungibili</a:t>
+            </a:r>
+          </a:p>
+        </p:txBody>
+      </p:sp>
+      <p:sp>
+        <p:nvSpPr>
+          <p:cNvPr id="3" name="Subtitle 2">
+            <a:extLst>
+              <a:ext uri="{FF2B5EF4-FFF2-40B4-BE49-F238E27FC236}">
+                <a16:creationId xmlns:a16="http://schemas.microsoft.com/office/drawing/2014/main" id="{FC446B2D-F94A-2F94-9904-6D62ADA65C8F}"/>
+              </a:ext>
+            </a:extLst>
+          </p:cNvPr>
+          <p:cNvSpPr>
+            <a:spLocks noGrp="1"/>
+          </p:cNvSpPr>
+          <p:nvPr>
+            <p:ph type="subTitle" idx="1"/>
+          </p:nvPr>
+        </p:nvSpPr>
+        <p:spPr>
+          <a:xfrm>
+            <a:off x="1159136" y="1141768"/>
+            <a:ext cx="9601200" cy="5497157"/>
+          </a:xfrm>
+        </p:spPr>
+        <p:txBody>
+          <a:bodyPr>
+            <a:normAutofit/>
+          </a:bodyPr>
+          <a:lstStyle/>
+          <a:p>
+            <a:pPr algn="l">
+              <a:lnSpc>
+                <a:spcPct val="200000"/>
+              </a:lnSpc>
+            </a:pPr>
+            <a:endParaRPr lang="it-IT" dirty="0">
+              <a:latin typeface="Times New Roman" panose="02020603050405020304" pitchFamily="18" charset="0"/>
+              <a:cs typeface="Times New Roman" panose="02020603050405020304" pitchFamily="18" charset="0"/>
+            </a:endParaRPr>
+          </a:p>
+        </p:txBody>
+      </p:sp>
+    </p:spTree>
+    <p:extLst>
+      <p:ext uri="{BB962C8B-B14F-4D97-AF65-F5344CB8AC3E}">
+        <p14:creationId xmlns:p14="http://schemas.microsoft.com/office/powerpoint/2010/main" val="1289288216"/>
+      </p:ext>
+    </p:extLst>
+  </p:cSld>
+  <p:clrMapOvr>
+    <a:masterClrMapping/>
+  </p:clrMapOvr>
+</p:sld>
+</file>
+
+<file path=ppt/slides/slide18.xml><?xml version="1.0" encoding="utf-8"?>
+<p:sld xmlns:a="http://schemas.openxmlformats.org/drawingml/2006/main" xmlns:r="http://schemas.openxmlformats.org/officeDocument/2006/relationships" xmlns:p="http://schemas.openxmlformats.org/presentationml/2006/main">
+  <p:cSld>
+    <p:bg>
+      <p:bgPr>
+        <a:gradFill>
+          <a:gsLst>
+            <a:gs pos="0">
+              <a:schemeClr val="accent6">
+                <a:lumMod val="40000"/>
+                <a:lumOff val="60000"/>
+              </a:schemeClr>
+            </a:gs>
+            <a:gs pos="100000">
+              <a:schemeClr val="accent6">
+                <a:lumMod val="75000"/>
+              </a:schemeClr>
+            </a:gs>
+          </a:gsLst>
+          <a:lin ang="8100000" scaled="1"/>
+        </a:gradFill>
+        <a:effectLst/>
+      </p:bgPr>
+    </p:bg>
+    <p:spTree>
+      <p:nvGrpSpPr>
+        <p:cNvPr id="1" name=""/>
+        <p:cNvGrpSpPr/>
+        <p:nvPr/>
+      </p:nvGrpSpPr>
+      <p:grpSpPr>
+        <a:xfrm>
+          <a:off x="0" y="0"/>
+          <a:ext cx="0" cy="0"/>
+          <a:chOff x="0" y="0"/>
+          <a:chExt cx="0" cy="0"/>
+        </a:xfrm>
+      </p:grpSpPr>
+      <p:sp>
+        <p:nvSpPr>
+          <p:cNvPr id="8" name="Rectangle: Rounded Corners 7">
+            <a:extLst>
+              <a:ext uri="{FF2B5EF4-FFF2-40B4-BE49-F238E27FC236}">
+                <a16:creationId xmlns:a16="http://schemas.microsoft.com/office/drawing/2014/main" id="{7BB0D57C-96FC-342D-E8C0-5E4D36FCC075}"/>
+              </a:ext>
+            </a:extLst>
+          </p:cNvPr>
+          <p:cNvSpPr/>
+          <p:nvPr/>
+        </p:nvSpPr>
+        <p:spPr>
+          <a:xfrm>
+            <a:off x="136263" y="107576"/>
+            <a:ext cx="11919473" cy="6642848"/>
+          </a:xfrm>
+          <a:prstGeom prst="roundRect">
+            <a:avLst>
+              <a:gd name="adj" fmla="val 1768"/>
+            </a:avLst>
+          </a:prstGeom>
+          <a:solidFill>
+            <a:schemeClr val="accent2">
+              <a:lumMod val="20000"/>
+              <a:lumOff val="80000"/>
+            </a:schemeClr>
+          </a:solidFill>
+          <a:ln>
+            <a:noFill/>
+          </a:ln>
+          <a:effectLst>
+            <a:softEdge rad="0"/>
+          </a:effectLst>
+        </p:spPr>
+        <p:style>
+          <a:lnRef idx="2">
+            <a:schemeClr val="accent1">
+              <a:shade val="15000"/>
+            </a:schemeClr>
+          </a:lnRef>
+          <a:fillRef idx="1">
+            <a:schemeClr val="accent1"/>
+          </a:fillRef>
+          <a:effectRef idx="0">
+            <a:schemeClr val="accent1"/>
+          </a:effectRef>
+          <a:fontRef idx="minor">
+            <a:schemeClr val="lt1"/>
+          </a:fontRef>
+        </p:style>
+        <p:txBody>
+          <a:bodyPr rtlCol="0" anchor="ctr"/>
+          <a:lstStyle/>
+          <a:p>
+            <a:pPr marL="0" marR="0" lvl="0" indent="0" algn="ctr" defTabSz="914400" rtl="0" eaLnBrk="1" fontAlgn="auto" latinLnBrk="0" hangingPunct="1">
+              <a:lnSpc>
+                <a:spcPct val="100000"/>
+              </a:lnSpc>
+              <a:spcBef>
+                <a:spcPts val="0"/>
+              </a:spcBef>
+              <a:spcAft>
+                <a:spcPts val="0"/>
+              </a:spcAft>
+              <a:buClrTx/>
+              <a:buSzTx/>
+              <a:buFontTx/>
+              <a:buNone/>
+              <a:tabLst/>
+              <a:defRPr/>
+            </a:pPr>
+            <a:endParaRPr kumimoji="0" lang="it-IT" sz="1800" b="0" i="0" u="none" strike="noStrike" kern="1200" cap="none" spc="0" normalizeH="0" baseline="0" noProof="0" dirty="0">
+              <a:ln>
+                <a:noFill/>
+              </a:ln>
+              <a:solidFill>
+                <a:prstClr val="white"/>
+              </a:solidFill>
+              <a:effectLst/>
+              <a:uLnTx/>
+              <a:uFillTx/>
+              <a:latin typeface="Calibri" panose="020F0502020204030204"/>
+              <a:ea typeface="+mn-ea"/>
+              <a:cs typeface="+mn-cs"/>
+            </a:endParaRPr>
+          </a:p>
+        </p:txBody>
+      </p:sp>
+      <p:sp>
+        <p:nvSpPr>
+          <p:cNvPr id="10" name="Rectangle: Rounded Corners 9">
+            <a:extLst>
+              <a:ext uri="{FF2B5EF4-FFF2-40B4-BE49-F238E27FC236}">
+                <a16:creationId xmlns:a16="http://schemas.microsoft.com/office/drawing/2014/main" id="{353FC021-9E12-A48E-6ABA-58B63D78E973}"/>
+              </a:ext>
+            </a:extLst>
+          </p:cNvPr>
+          <p:cNvSpPr/>
+          <p:nvPr/>
+        </p:nvSpPr>
+        <p:spPr>
+          <a:xfrm>
             <a:off x="3941685" y="253713"/>
             <a:ext cx="4341181" cy="536232"/>
           </a:xfrm>
@@ -9248,7 +13551,7 @@
 </p:sld>
 </file>
 
-<file path=ppt/slides/slide13.xml><?xml version="1.0" encoding="utf-8"?>
+<file path=ppt/slides/slide19.xml><?xml version="1.0" encoding="utf-8"?>
 <p:sld xmlns:a="http://schemas.openxmlformats.org/drawingml/2006/main" xmlns:r="http://schemas.openxmlformats.org/officeDocument/2006/relationships" xmlns:p="http://schemas.openxmlformats.org/presentationml/2006/main">
   <p:cSld>
     <p:bg>
@@ -9753,7 +14056,405 @@
 </p:sld>
 </file>
 
-<file path=ppt/slides/slide14.xml><?xml version="1.0" encoding="utf-8"?>
+<file path=ppt/slides/slide2.xml><?xml version="1.0" encoding="utf-8"?>
+<p:sld xmlns:a="http://schemas.openxmlformats.org/drawingml/2006/main" xmlns:r="http://schemas.openxmlformats.org/officeDocument/2006/relationships" xmlns:p="http://schemas.openxmlformats.org/presentationml/2006/main">
+  <p:cSld>
+    <p:bg>
+      <p:bgPr>
+        <a:gradFill>
+          <a:gsLst>
+            <a:gs pos="0">
+              <a:schemeClr val="accent6">
+                <a:lumMod val="40000"/>
+                <a:lumOff val="60000"/>
+              </a:schemeClr>
+            </a:gs>
+            <a:gs pos="100000">
+              <a:schemeClr val="accent6">
+                <a:lumMod val="75000"/>
+              </a:schemeClr>
+            </a:gs>
+          </a:gsLst>
+          <a:lin ang="8100000" scaled="1"/>
+        </a:gradFill>
+        <a:effectLst/>
+      </p:bgPr>
+    </p:bg>
+    <p:spTree>
+      <p:nvGrpSpPr>
+        <p:cNvPr id="1" name=""/>
+        <p:cNvGrpSpPr/>
+        <p:nvPr/>
+      </p:nvGrpSpPr>
+      <p:grpSpPr>
+        <a:xfrm>
+          <a:off x="0" y="0"/>
+          <a:ext cx="0" cy="0"/>
+          <a:chOff x="0" y="0"/>
+          <a:chExt cx="0" cy="0"/>
+        </a:xfrm>
+      </p:grpSpPr>
+      <p:sp>
+        <p:nvSpPr>
+          <p:cNvPr id="8" name="Rectangle: Rounded Corners 7">
+            <a:extLst>
+              <a:ext uri="{FF2B5EF4-FFF2-40B4-BE49-F238E27FC236}">
+                <a16:creationId xmlns:a16="http://schemas.microsoft.com/office/drawing/2014/main" id="{7BB0D57C-96FC-342D-E8C0-5E4D36FCC075}"/>
+              </a:ext>
+            </a:extLst>
+          </p:cNvPr>
+          <p:cNvSpPr/>
+          <p:nvPr/>
+        </p:nvSpPr>
+        <p:spPr>
+          <a:xfrm>
+            <a:off x="129092" y="107576"/>
+            <a:ext cx="11919473" cy="6642848"/>
+          </a:xfrm>
+          <a:prstGeom prst="roundRect">
+            <a:avLst>
+              <a:gd name="adj" fmla="val 1768"/>
+            </a:avLst>
+          </a:prstGeom>
+          <a:solidFill>
+            <a:schemeClr val="accent2">
+              <a:lumMod val="20000"/>
+              <a:lumOff val="80000"/>
+            </a:schemeClr>
+          </a:solidFill>
+          <a:ln>
+            <a:noFill/>
+          </a:ln>
+          <a:effectLst>
+            <a:softEdge rad="0"/>
+          </a:effectLst>
+        </p:spPr>
+        <p:style>
+          <a:lnRef idx="2">
+            <a:schemeClr val="accent1">
+              <a:shade val="15000"/>
+            </a:schemeClr>
+          </a:lnRef>
+          <a:fillRef idx="1">
+            <a:schemeClr val="accent1"/>
+          </a:fillRef>
+          <a:effectRef idx="0">
+            <a:schemeClr val="accent1"/>
+          </a:effectRef>
+          <a:fontRef idx="minor">
+            <a:schemeClr val="lt1"/>
+          </a:fontRef>
+        </p:style>
+        <p:txBody>
+          <a:bodyPr rtlCol="0" anchor="ctr"/>
+          <a:lstStyle/>
+          <a:p>
+            <a:pPr marL="0" marR="0" lvl="0" indent="0" algn="ctr" defTabSz="914400" rtl="0" eaLnBrk="1" fontAlgn="auto" latinLnBrk="0" hangingPunct="1">
+              <a:lnSpc>
+                <a:spcPct val="100000"/>
+              </a:lnSpc>
+              <a:spcBef>
+                <a:spcPts val="0"/>
+              </a:spcBef>
+              <a:spcAft>
+                <a:spcPts val="0"/>
+              </a:spcAft>
+              <a:buClrTx/>
+              <a:buSzTx/>
+              <a:buFontTx/>
+              <a:buNone/>
+              <a:tabLst/>
+              <a:defRPr/>
+            </a:pPr>
+            <a:endParaRPr kumimoji="0" lang="it-IT" sz="1800" b="0" i="0" u="none" strike="noStrike" kern="1200" cap="none" spc="0" normalizeH="0" baseline="0" noProof="0">
+              <a:ln>
+                <a:noFill/>
+              </a:ln>
+              <a:solidFill>
+                <a:prstClr val="white"/>
+              </a:solidFill>
+              <a:effectLst/>
+              <a:uLnTx/>
+              <a:uFillTx/>
+              <a:latin typeface="Calibri" panose="020F0502020204030204"/>
+              <a:ea typeface="+mn-ea"/>
+              <a:cs typeface="+mn-cs"/>
+            </a:endParaRPr>
+          </a:p>
+        </p:txBody>
+      </p:sp>
+      <p:sp>
+        <p:nvSpPr>
+          <p:cNvPr id="20" name="Rectangle: Rounded Corners 19">
+            <a:extLst>
+              <a:ext uri="{FF2B5EF4-FFF2-40B4-BE49-F238E27FC236}">
+                <a16:creationId xmlns:a16="http://schemas.microsoft.com/office/drawing/2014/main" id="{0EF1CECF-F9D4-FCD6-ABDB-E50C684738B8}"/>
+              </a:ext>
+            </a:extLst>
+          </p:cNvPr>
+          <p:cNvSpPr/>
+          <p:nvPr/>
+        </p:nvSpPr>
+        <p:spPr>
+          <a:xfrm>
+            <a:off x="3705225" y="219075"/>
+            <a:ext cx="4752975" cy="536232"/>
+          </a:xfrm>
+          <a:prstGeom prst="roundRect">
+            <a:avLst/>
+          </a:prstGeom>
+          <a:solidFill>
+            <a:schemeClr val="bg1"/>
+          </a:solidFill>
+          <a:ln>
+            <a:noFill/>
+          </a:ln>
+        </p:spPr>
+        <p:style>
+          <a:lnRef idx="2">
+            <a:schemeClr val="accent1">
+              <a:shade val="15000"/>
+            </a:schemeClr>
+          </a:lnRef>
+          <a:fillRef idx="1">
+            <a:schemeClr val="accent1"/>
+          </a:fillRef>
+          <a:effectRef idx="0">
+            <a:schemeClr val="accent1"/>
+          </a:effectRef>
+          <a:fontRef idx="minor">
+            <a:schemeClr val="lt1"/>
+          </a:fontRef>
+        </p:style>
+        <p:txBody>
+          <a:bodyPr rtlCol="0" anchor="ctr"/>
+          <a:lstStyle/>
+          <a:p>
+            <a:pPr algn="ctr"/>
+            <a:endParaRPr lang="it-IT"/>
+          </a:p>
+        </p:txBody>
+      </p:sp>
+      <p:sp>
+        <p:nvSpPr>
+          <p:cNvPr id="2" name="Title 1">
+            <a:extLst>
+              <a:ext uri="{FF2B5EF4-FFF2-40B4-BE49-F238E27FC236}">
+                <a16:creationId xmlns:a16="http://schemas.microsoft.com/office/drawing/2014/main" id="{29FD1FBB-B73F-521A-0195-23D08646B2BD}"/>
+              </a:ext>
+            </a:extLst>
+          </p:cNvPr>
+          <p:cNvSpPr>
+            <a:spLocks noGrp="1"/>
+          </p:cNvSpPr>
+          <p:nvPr>
+            <p:ph type="ctrTitle"/>
+          </p:nvPr>
+        </p:nvSpPr>
+        <p:spPr>
+          <a:xfrm>
+            <a:off x="0" y="219075"/>
+            <a:ext cx="12192000" cy="547058"/>
+          </a:xfrm>
+        </p:spPr>
+        <p:txBody>
+          <a:bodyPr>
+            <a:normAutofit fontScale="90000"/>
+          </a:bodyPr>
+          <a:lstStyle/>
+          <a:p>
+            <a:pPr hangingPunct="0">
+              <a:tabLst>
+                <a:tab pos="7496175" algn="r"/>
+              </a:tabLst>
+            </a:pPr>
+            <a:r>
+              <a:rPr lang="it-IT" sz="3600" dirty="0">
+                <a:latin typeface="Cambria Math" panose="02040503050406030204" pitchFamily="18" charset="0"/>
+                <a:ea typeface="Cambria Math" panose="02040503050406030204" pitchFamily="18" charset="0"/>
+                <a:cs typeface="Times New Roman" panose="02020603050405020304" pitchFamily="18" charset="0"/>
+              </a:rPr>
+              <a:t>Human-Machine Interface</a:t>
+            </a:r>
+          </a:p>
+        </p:txBody>
+      </p:sp>
+      <p:sp>
+        <p:nvSpPr>
+          <p:cNvPr id="3" name="Subtitle 2">
+            <a:extLst>
+              <a:ext uri="{FF2B5EF4-FFF2-40B4-BE49-F238E27FC236}">
+                <a16:creationId xmlns:a16="http://schemas.microsoft.com/office/drawing/2014/main" id="{FC446B2D-F94A-2F94-9904-6D62ADA65C8F}"/>
+              </a:ext>
+            </a:extLst>
+          </p:cNvPr>
+          <p:cNvSpPr>
+            <a:spLocks noGrp="1"/>
+          </p:cNvSpPr>
+          <p:nvPr>
+            <p:ph type="subTitle" idx="1"/>
+          </p:nvPr>
+        </p:nvSpPr>
+        <p:spPr>
+          <a:xfrm>
+            <a:off x="1524000" y="1140311"/>
+            <a:ext cx="9144000" cy="5497157"/>
+          </a:xfrm>
+        </p:spPr>
+        <p:txBody>
+          <a:bodyPr>
+            <a:normAutofit/>
+          </a:bodyPr>
+          <a:lstStyle/>
+          <a:p>
+            <a:pPr algn="l"/>
+            <a:endParaRPr lang="it-IT" dirty="0">
+              <a:latin typeface="Times New Roman" panose="02020603050405020304" pitchFamily="18" charset="0"/>
+              <a:cs typeface="Times New Roman" panose="02020603050405020304" pitchFamily="18" charset="0"/>
+            </a:endParaRPr>
+          </a:p>
+        </p:txBody>
+      </p:sp>
+      <p:pic>
+        <p:nvPicPr>
+          <p:cNvPr id="18" name="Picture 17" descr="A screenshot of a computer&#10;&#10;Description automatically generated">
+            <a:extLst>
+              <a:ext uri="{FF2B5EF4-FFF2-40B4-BE49-F238E27FC236}">
+                <a16:creationId xmlns:a16="http://schemas.microsoft.com/office/drawing/2014/main" id="{AA02C020-E84A-A054-DE7A-89DF3B9C5DEB}"/>
+              </a:ext>
+            </a:extLst>
+          </p:cNvPr>
+          <p:cNvPicPr>
+            <a:picLocks noChangeAspect="1"/>
+          </p:cNvPicPr>
+          <p:nvPr/>
+        </p:nvPicPr>
+        <p:blipFill>
+          <a:blip r:embed="rId3"/>
+          <a:stretch>
+            <a:fillRect/>
+          </a:stretch>
+        </p:blipFill>
+        <p:spPr>
+          <a:xfrm>
+            <a:off x="936136" y="851858"/>
+            <a:ext cx="10319728" cy="5802015"/>
+          </a:xfrm>
+          <a:prstGeom prst="roundRect">
+            <a:avLst>
+              <a:gd name="adj" fmla="val 1684"/>
+            </a:avLst>
+          </a:prstGeom>
+          <a:solidFill>
+            <a:srgbClr val="FFFFFF">
+              <a:shade val="85000"/>
+            </a:srgbClr>
+          </a:solidFill>
+          <a:ln>
+            <a:noFill/>
+          </a:ln>
+          <a:effectLst>
+            <a:reflection blurRad="12700" stA="0" endPos="28000" dist="5000" dir="5400000" sy="-100000" algn="bl" rotWithShape="0"/>
+          </a:effectLst>
+        </p:spPr>
+      </p:pic>
+    </p:spTree>
+    <p:extLst>
+      <p:ext uri="{BB962C8B-B14F-4D97-AF65-F5344CB8AC3E}">
+        <p14:creationId xmlns:p14="http://schemas.microsoft.com/office/powerpoint/2010/main" val="1221169220"/>
+      </p:ext>
+    </p:extLst>
+  </p:cSld>
+  <p:clrMapOvr>
+    <a:masterClrMapping/>
+  </p:clrMapOvr>
+  <p:timing>
+    <p:tnLst>
+      <p:par>
+        <p:cTn id="1" dur="indefinite" restart="never" nodeType="tmRoot">
+          <p:childTnLst>
+            <p:seq concurrent="1" nextAc="seek">
+              <p:cTn id="2" dur="indefinite" nodeType="mainSeq">
+                <p:childTnLst>
+                  <p:par>
+                    <p:cTn id="3" fill="hold">
+                      <p:stCondLst>
+                        <p:cond delay="indefinite"/>
+                      </p:stCondLst>
+                      <p:childTnLst>
+                        <p:par>
+                          <p:cTn id="4" fill="hold">
+                            <p:stCondLst>
+                              <p:cond delay="0"/>
+                            </p:stCondLst>
+                            <p:childTnLst>
+                              <p:par>
+                                <p:cTn id="5" presetID="10" presetClass="entr" presetSubtype="0" fill="hold" nodeType="clickEffect">
+                                  <p:stCondLst>
+                                    <p:cond delay="0"/>
+                                  </p:stCondLst>
+                                  <p:childTnLst>
+                                    <p:set>
+                                      <p:cBhvr>
+                                        <p:cTn id="6" dur="1" fill="hold">
+                                          <p:stCondLst>
+                                            <p:cond delay="0"/>
+                                          </p:stCondLst>
+                                        </p:cTn>
+                                        <p:tgtEl>
+                                          <p:spTgt spid="18"/>
+                                        </p:tgtEl>
+                                        <p:attrNameLst>
+                                          <p:attrName>style.visibility</p:attrName>
+                                        </p:attrNameLst>
+                                      </p:cBhvr>
+                                      <p:to>
+                                        <p:strVal val="visible"/>
+                                      </p:to>
+                                    </p:set>
+                                    <p:animEffect transition="in" filter="fade">
+                                      <p:cBhvr>
+                                        <p:cTn id="7" dur="500"/>
+                                        <p:tgtEl>
+                                          <p:spTgt spid="18"/>
+                                        </p:tgtEl>
+                                      </p:cBhvr>
+                                    </p:animEffect>
+                                  </p:childTnLst>
+                                </p:cTn>
+                              </p:par>
+                            </p:childTnLst>
+                          </p:cTn>
+                        </p:par>
+                      </p:childTnLst>
+                    </p:cTn>
+                  </p:par>
+                </p:childTnLst>
+              </p:cTn>
+              <p:prevCondLst>
+                <p:cond evt="onPrev" delay="0">
+                  <p:tgtEl>
+                    <p:sldTgt/>
+                  </p:tgtEl>
+                </p:cond>
+              </p:prevCondLst>
+              <p:nextCondLst>
+                <p:cond evt="onNext" delay="0">
+                  <p:tgtEl>
+                    <p:sldTgt/>
+                  </p:tgtEl>
+                </p:cond>
+              </p:nextCondLst>
+            </p:seq>
+          </p:childTnLst>
+        </p:cTn>
+      </p:par>
+    </p:tnLst>
+  </p:timing>
+</p:sld>
+</file>
+
+<file path=ppt/slides/slide20.xml><?xml version="1.0" encoding="utf-8"?>
 <p:sld xmlns:a="http://schemas.openxmlformats.org/drawingml/2006/main" xmlns:r="http://schemas.openxmlformats.org/officeDocument/2006/relationships" xmlns:p="http://schemas.openxmlformats.org/presentationml/2006/main">
   <p:cSld>
     <p:bg>
@@ -10201,7 +14902,7 @@
 </p:sld>
 </file>
 
-<file path=ppt/slides/slide15.xml><?xml version="1.0" encoding="utf-8"?>
+<file path=ppt/slides/slide21.xml><?xml version="1.0" encoding="utf-8"?>
 <p:sld xmlns:a="http://schemas.openxmlformats.org/drawingml/2006/main" xmlns:r="http://schemas.openxmlformats.org/officeDocument/2006/relationships" xmlns:p="http://schemas.openxmlformats.org/presentationml/2006/main">
   <p:cSld>
     <p:bg>
@@ -10648,7 +15349,7 @@
 </p:sld>
 </file>
 
-<file path=ppt/slides/slide16.xml><?xml version="1.0" encoding="utf-8"?>
+<file path=ppt/slides/slide22.xml><?xml version="1.0" encoding="utf-8"?>
 <p:sld xmlns:a="http://schemas.openxmlformats.org/drawingml/2006/main" xmlns:r="http://schemas.openxmlformats.org/officeDocument/2006/relationships" xmlns:p="http://schemas.openxmlformats.org/presentationml/2006/main">
   <p:cSld>
     <p:bg>
@@ -10910,404 +15611,6 @@
   <p:clrMapOvr>
     <a:masterClrMapping/>
   </p:clrMapOvr>
-</p:sld>
-</file>
-
-<file path=ppt/slides/slide2.xml><?xml version="1.0" encoding="utf-8"?>
-<p:sld xmlns:a="http://schemas.openxmlformats.org/drawingml/2006/main" xmlns:r="http://schemas.openxmlformats.org/officeDocument/2006/relationships" xmlns:p="http://schemas.openxmlformats.org/presentationml/2006/main">
-  <p:cSld>
-    <p:bg>
-      <p:bgPr>
-        <a:gradFill>
-          <a:gsLst>
-            <a:gs pos="0">
-              <a:schemeClr val="accent6">
-                <a:lumMod val="40000"/>
-                <a:lumOff val="60000"/>
-              </a:schemeClr>
-            </a:gs>
-            <a:gs pos="100000">
-              <a:schemeClr val="accent6">
-                <a:lumMod val="75000"/>
-              </a:schemeClr>
-            </a:gs>
-          </a:gsLst>
-          <a:lin ang="8100000" scaled="1"/>
-        </a:gradFill>
-        <a:effectLst/>
-      </p:bgPr>
-    </p:bg>
-    <p:spTree>
-      <p:nvGrpSpPr>
-        <p:cNvPr id="1" name=""/>
-        <p:cNvGrpSpPr/>
-        <p:nvPr/>
-      </p:nvGrpSpPr>
-      <p:grpSpPr>
-        <a:xfrm>
-          <a:off x="0" y="0"/>
-          <a:ext cx="0" cy="0"/>
-          <a:chOff x="0" y="0"/>
-          <a:chExt cx="0" cy="0"/>
-        </a:xfrm>
-      </p:grpSpPr>
-      <p:sp>
-        <p:nvSpPr>
-          <p:cNvPr id="8" name="Rectangle: Rounded Corners 7">
-            <a:extLst>
-              <a:ext uri="{FF2B5EF4-FFF2-40B4-BE49-F238E27FC236}">
-                <a16:creationId xmlns:a16="http://schemas.microsoft.com/office/drawing/2014/main" id="{7BB0D57C-96FC-342D-E8C0-5E4D36FCC075}"/>
-              </a:ext>
-            </a:extLst>
-          </p:cNvPr>
-          <p:cNvSpPr/>
-          <p:nvPr/>
-        </p:nvSpPr>
-        <p:spPr>
-          <a:xfrm>
-            <a:off x="129092" y="107576"/>
-            <a:ext cx="11919473" cy="6642848"/>
-          </a:xfrm>
-          <a:prstGeom prst="roundRect">
-            <a:avLst>
-              <a:gd name="adj" fmla="val 1768"/>
-            </a:avLst>
-          </a:prstGeom>
-          <a:solidFill>
-            <a:schemeClr val="accent2">
-              <a:lumMod val="20000"/>
-              <a:lumOff val="80000"/>
-            </a:schemeClr>
-          </a:solidFill>
-          <a:ln>
-            <a:noFill/>
-          </a:ln>
-          <a:effectLst>
-            <a:softEdge rad="0"/>
-          </a:effectLst>
-        </p:spPr>
-        <p:style>
-          <a:lnRef idx="2">
-            <a:schemeClr val="accent1">
-              <a:shade val="15000"/>
-            </a:schemeClr>
-          </a:lnRef>
-          <a:fillRef idx="1">
-            <a:schemeClr val="accent1"/>
-          </a:fillRef>
-          <a:effectRef idx="0">
-            <a:schemeClr val="accent1"/>
-          </a:effectRef>
-          <a:fontRef idx="minor">
-            <a:schemeClr val="lt1"/>
-          </a:fontRef>
-        </p:style>
-        <p:txBody>
-          <a:bodyPr rtlCol="0" anchor="ctr"/>
-          <a:lstStyle/>
-          <a:p>
-            <a:pPr marL="0" marR="0" lvl="0" indent="0" algn="ctr" defTabSz="914400" rtl="0" eaLnBrk="1" fontAlgn="auto" latinLnBrk="0" hangingPunct="1">
-              <a:lnSpc>
-                <a:spcPct val="100000"/>
-              </a:lnSpc>
-              <a:spcBef>
-                <a:spcPts val="0"/>
-              </a:spcBef>
-              <a:spcAft>
-                <a:spcPts val="0"/>
-              </a:spcAft>
-              <a:buClrTx/>
-              <a:buSzTx/>
-              <a:buFontTx/>
-              <a:buNone/>
-              <a:tabLst/>
-              <a:defRPr/>
-            </a:pPr>
-            <a:endParaRPr kumimoji="0" lang="it-IT" sz="1800" b="0" i="0" u="none" strike="noStrike" kern="1200" cap="none" spc="0" normalizeH="0" baseline="0" noProof="0">
-              <a:ln>
-                <a:noFill/>
-              </a:ln>
-              <a:solidFill>
-                <a:prstClr val="white"/>
-              </a:solidFill>
-              <a:effectLst/>
-              <a:uLnTx/>
-              <a:uFillTx/>
-              <a:latin typeface="Calibri" panose="020F0502020204030204"/>
-              <a:ea typeface="+mn-ea"/>
-              <a:cs typeface="+mn-cs"/>
-            </a:endParaRPr>
-          </a:p>
-        </p:txBody>
-      </p:sp>
-      <p:sp>
-        <p:nvSpPr>
-          <p:cNvPr id="20" name="Rectangle: Rounded Corners 19">
-            <a:extLst>
-              <a:ext uri="{FF2B5EF4-FFF2-40B4-BE49-F238E27FC236}">
-                <a16:creationId xmlns:a16="http://schemas.microsoft.com/office/drawing/2014/main" id="{0EF1CECF-F9D4-FCD6-ABDB-E50C684738B8}"/>
-              </a:ext>
-            </a:extLst>
-          </p:cNvPr>
-          <p:cNvSpPr/>
-          <p:nvPr/>
-        </p:nvSpPr>
-        <p:spPr>
-          <a:xfrm>
-            <a:off x="3705225" y="219075"/>
-            <a:ext cx="4752975" cy="536232"/>
-          </a:xfrm>
-          <a:prstGeom prst="roundRect">
-            <a:avLst/>
-          </a:prstGeom>
-          <a:solidFill>
-            <a:schemeClr val="bg1"/>
-          </a:solidFill>
-          <a:ln>
-            <a:noFill/>
-          </a:ln>
-        </p:spPr>
-        <p:style>
-          <a:lnRef idx="2">
-            <a:schemeClr val="accent1">
-              <a:shade val="15000"/>
-            </a:schemeClr>
-          </a:lnRef>
-          <a:fillRef idx="1">
-            <a:schemeClr val="accent1"/>
-          </a:fillRef>
-          <a:effectRef idx="0">
-            <a:schemeClr val="accent1"/>
-          </a:effectRef>
-          <a:fontRef idx="minor">
-            <a:schemeClr val="lt1"/>
-          </a:fontRef>
-        </p:style>
-        <p:txBody>
-          <a:bodyPr rtlCol="0" anchor="ctr"/>
-          <a:lstStyle/>
-          <a:p>
-            <a:pPr algn="ctr"/>
-            <a:endParaRPr lang="it-IT"/>
-          </a:p>
-        </p:txBody>
-      </p:sp>
-      <p:sp>
-        <p:nvSpPr>
-          <p:cNvPr id="2" name="Title 1">
-            <a:extLst>
-              <a:ext uri="{FF2B5EF4-FFF2-40B4-BE49-F238E27FC236}">
-                <a16:creationId xmlns:a16="http://schemas.microsoft.com/office/drawing/2014/main" id="{29FD1FBB-B73F-521A-0195-23D08646B2BD}"/>
-              </a:ext>
-            </a:extLst>
-          </p:cNvPr>
-          <p:cNvSpPr>
-            <a:spLocks noGrp="1"/>
-          </p:cNvSpPr>
-          <p:nvPr>
-            <p:ph type="ctrTitle"/>
-          </p:nvPr>
-        </p:nvSpPr>
-        <p:spPr>
-          <a:xfrm>
-            <a:off x="0" y="219075"/>
-            <a:ext cx="12192000" cy="547058"/>
-          </a:xfrm>
-        </p:spPr>
-        <p:txBody>
-          <a:bodyPr>
-            <a:normAutofit fontScale="90000"/>
-          </a:bodyPr>
-          <a:lstStyle/>
-          <a:p>
-            <a:pPr hangingPunct="0">
-              <a:tabLst>
-                <a:tab pos="7496175" algn="r"/>
-              </a:tabLst>
-            </a:pPr>
-            <a:r>
-              <a:rPr lang="it-IT" sz="3600" dirty="0">
-                <a:latin typeface="Cambria Math" panose="02040503050406030204" pitchFamily="18" charset="0"/>
-                <a:ea typeface="Cambria Math" panose="02040503050406030204" pitchFamily="18" charset="0"/>
-                <a:cs typeface="Times New Roman" panose="02020603050405020304" pitchFamily="18" charset="0"/>
-              </a:rPr>
-              <a:t>Human-Machine Interface</a:t>
-            </a:r>
-          </a:p>
-        </p:txBody>
-      </p:sp>
-      <p:sp>
-        <p:nvSpPr>
-          <p:cNvPr id="3" name="Subtitle 2">
-            <a:extLst>
-              <a:ext uri="{FF2B5EF4-FFF2-40B4-BE49-F238E27FC236}">
-                <a16:creationId xmlns:a16="http://schemas.microsoft.com/office/drawing/2014/main" id="{FC446B2D-F94A-2F94-9904-6D62ADA65C8F}"/>
-              </a:ext>
-            </a:extLst>
-          </p:cNvPr>
-          <p:cNvSpPr>
-            <a:spLocks noGrp="1"/>
-          </p:cNvSpPr>
-          <p:nvPr>
-            <p:ph type="subTitle" idx="1"/>
-          </p:nvPr>
-        </p:nvSpPr>
-        <p:spPr>
-          <a:xfrm>
-            <a:off x="1524000" y="1140311"/>
-            <a:ext cx="9144000" cy="5497157"/>
-          </a:xfrm>
-        </p:spPr>
-        <p:txBody>
-          <a:bodyPr>
-            <a:normAutofit/>
-          </a:bodyPr>
-          <a:lstStyle/>
-          <a:p>
-            <a:pPr algn="l"/>
-            <a:endParaRPr lang="it-IT" dirty="0">
-              <a:latin typeface="Times New Roman" panose="02020603050405020304" pitchFamily="18" charset="0"/>
-              <a:cs typeface="Times New Roman" panose="02020603050405020304" pitchFamily="18" charset="0"/>
-            </a:endParaRPr>
-          </a:p>
-        </p:txBody>
-      </p:sp>
-      <p:pic>
-        <p:nvPicPr>
-          <p:cNvPr id="18" name="Picture 17" descr="A screenshot of a computer&#10;&#10;Description automatically generated">
-            <a:extLst>
-              <a:ext uri="{FF2B5EF4-FFF2-40B4-BE49-F238E27FC236}">
-                <a16:creationId xmlns:a16="http://schemas.microsoft.com/office/drawing/2014/main" id="{AA02C020-E84A-A054-DE7A-89DF3B9C5DEB}"/>
-              </a:ext>
-            </a:extLst>
-          </p:cNvPr>
-          <p:cNvPicPr>
-            <a:picLocks noChangeAspect="1"/>
-          </p:cNvPicPr>
-          <p:nvPr/>
-        </p:nvPicPr>
-        <p:blipFill>
-          <a:blip r:embed="rId3"/>
-          <a:stretch>
-            <a:fillRect/>
-          </a:stretch>
-        </p:blipFill>
-        <p:spPr>
-          <a:xfrm>
-            <a:off x="936136" y="851858"/>
-            <a:ext cx="10319728" cy="5802015"/>
-          </a:xfrm>
-          <a:prstGeom prst="roundRect">
-            <a:avLst>
-              <a:gd name="adj" fmla="val 1684"/>
-            </a:avLst>
-          </a:prstGeom>
-          <a:solidFill>
-            <a:srgbClr val="FFFFFF">
-              <a:shade val="85000"/>
-            </a:srgbClr>
-          </a:solidFill>
-          <a:ln>
-            <a:noFill/>
-          </a:ln>
-          <a:effectLst>
-            <a:reflection blurRad="12700" stA="0" endPos="28000" dist="5000" dir="5400000" sy="-100000" algn="bl" rotWithShape="0"/>
-          </a:effectLst>
-        </p:spPr>
-      </p:pic>
-    </p:spTree>
-    <p:extLst>
-      <p:ext uri="{BB962C8B-B14F-4D97-AF65-F5344CB8AC3E}">
-        <p14:creationId xmlns:p14="http://schemas.microsoft.com/office/powerpoint/2010/main" val="1221169220"/>
-      </p:ext>
-    </p:extLst>
-  </p:cSld>
-  <p:clrMapOvr>
-    <a:masterClrMapping/>
-  </p:clrMapOvr>
-  <p:timing>
-    <p:tnLst>
-      <p:par>
-        <p:cTn id="1" dur="indefinite" restart="never" nodeType="tmRoot">
-          <p:childTnLst>
-            <p:seq concurrent="1" nextAc="seek">
-              <p:cTn id="2" dur="indefinite" nodeType="mainSeq">
-                <p:childTnLst>
-                  <p:par>
-                    <p:cTn id="3" fill="hold">
-                      <p:stCondLst>
-                        <p:cond delay="indefinite"/>
-                      </p:stCondLst>
-                      <p:childTnLst>
-                        <p:par>
-                          <p:cTn id="4" fill="hold">
-                            <p:stCondLst>
-                              <p:cond delay="0"/>
-                            </p:stCondLst>
-                            <p:childTnLst>
-                              <p:par>
-                                <p:cTn id="5" presetID="10" presetClass="entr" presetSubtype="0" fill="hold" nodeType="clickEffect">
-                                  <p:stCondLst>
-                                    <p:cond delay="0"/>
-                                  </p:stCondLst>
-                                  <p:childTnLst>
-                                    <p:set>
-                                      <p:cBhvr>
-                                        <p:cTn id="6" dur="1" fill="hold">
-                                          <p:stCondLst>
-                                            <p:cond delay="0"/>
-                                          </p:stCondLst>
-                                        </p:cTn>
-                                        <p:tgtEl>
-                                          <p:spTgt spid="18"/>
-                                        </p:tgtEl>
-                                        <p:attrNameLst>
-                                          <p:attrName>style.visibility</p:attrName>
-                                        </p:attrNameLst>
-                                      </p:cBhvr>
-                                      <p:to>
-                                        <p:strVal val="visible"/>
-                                      </p:to>
-                                    </p:set>
-                                    <p:animEffect transition="in" filter="fade">
-                                      <p:cBhvr>
-                                        <p:cTn id="7" dur="500"/>
-                                        <p:tgtEl>
-                                          <p:spTgt spid="18"/>
-                                        </p:tgtEl>
-                                      </p:cBhvr>
-                                    </p:animEffect>
-                                  </p:childTnLst>
-                                </p:cTn>
-                              </p:par>
-                            </p:childTnLst>
-                          </p:cTn>
-                        </p:par>
-                      </p:childTnLst>
-                    </p:cTn>
-                  </p:par>
-                </p:childTnLst>
-              </p:cTn>
-              <p:prevCondLst>
-                <p:cond evt="onPrev" delay="0">
-                  <p:tgtEl>
-                    <p:sldTgt/>
-                  </p:tgtEl>
-                </p:cond>
-              </p:prevCondLst>
-              <p:nextCondLst>
-                <p:cond evt="onNext" delay="0">
-                  <p:tgtEl>
-                    <p:sldTgt/>
-                  </p:tgtEl>
-                </p:cond>
-              </p:nextCondLst>
-            </p:seq>
-          </p:childTnLst>
-        </p:cTn>
-      </p:par>
-    </p:tnLst>
-  </p:timing>
 </p:sld>
 </file>
 
@@ -12404,7 +16707,7 @@
         <p:spPr>
           <a:xfrm>
             <a:off x="1092461" y="1253839"/>
-            <a:ext cx="7199283" cy="2251362"/>
+            <a:ext cx="7234793" cy="2251362"/>
           </a:xfrm>
           <a:prstGeom prst="roundRect">
             <a:avLst>
@@ -12486,8 +16789,8 @@
         </p:nvSpPr>
         <p:spPr>
           <a:xfrm>
-            <a:off x="1092462" y="3619500"/>
-            <a:ext cx="9601200" cy="2251362"/>
+            <a:off x="1092461" y="3619500"/>
+            <a:ext cx="9649519" cy="2251362"/>
           </a:xfrm>
           <a:prstGeom prst="roundRect">
             <a:avLst>
@@ -12574,7 +16877,7 @@
         <p:spPr>
           <a:xfrm>
             <a:off x="1159136" y="1141768"/>
-            <a:ext cx="9601200" cy="5497157"/>
+            <a:ext cx="9804786" cy="5497157"/>
           </a:xfrm>
         </p:spPr>
         <p:txBody>
@@ -13372,7 +17675,7 @@
         </p:nvSpPr>
         <p:spPr>
           <a:xfrm>
-            <a:off x="136263" y="107576"/>
+            <a:off x="136263" y="-38561"/>
             <a:ext cx="11919473" cy="6642848"/>
           </a:xfrm>
           <a:prstGeom prst="roundRect">
@@ -13574,10 +17877,421 @@
       </p:sp>
       <p:sp>
         <p:nvSpPr>
-          <p:cNvPr id="3" name="Subtitle 2">
+          <p:cNvPr id="4" name="Rectangle: Rounded Corners 3">
             <a:extLst>
               <a:ext uri="{FF2B5EF4-FFF2-40B4-BE49-F238E27FC236}">
-                <a16:creationId xmlns:a16="http://schemas.microsoft.com/office/drawing/2014/main" id="{FC446B2D-F94A-2F94-9904-6D62ADA65C8F}"/>
+                <a16:creationId xmlns:a16="http://schemas.microsoft.com/office/drawing/2014/main" id="{2790A1C6-AFDF-D2D5-75D4-66AB1E64C874}"/>
+              </a:ext>
+            </a:extLst>
+          </p:cNvPr>
+          <p:cNvSpPr/>
+          <p:nvPr/>
+        </p:nvSpPr>
+        <p:spPr>
+          <a:xfrm>
+            <a:off x="1109039" y="3103047"/>
+            <a:ext cx="3650020" cy="1058733"/>
+          </a:xfrm>
+          <a:prstGeom prst="roundRect">
+            <a:avLst>
+              <a:gd name="adj" fmla="val 4401"/>
+            </a:avLst>
+          </a:prstGeom>
+          <a:solidFill>
+            <a:schemeClr val="bg1"/>
+          </a:solidFill>
+          <a:ln>
+            <a:noFill/>
+          </a:ln>
+        </p:spPr>
+        <p:style>
+          <a:lnRef idx="2">
+            <a:schemeClr val="accent1">
+              <a:shade val="15000"/>
+            </a:schemeClr>
+          </a:lnRef>
+          <a:fillRef idx="1">
+            <a:schemeClr val="accent1"/>
+          </a:fillRef>
+          <a:effectRef idx="0">
+            <a:schemeClr val="accent1"/>
+          </a:effectRef>
+          <a:fontRef idx="minor">
+            <a:schemeClr val="lt1"/>
+          </a:fontRef>
+        </p:style>
+        <p:txBody>
+          <a:bodyPr rtlCol="0" anchor="ctr"/>
+          <a:lstStyle/>
+          <a:p>
+            <a:pPr algn="ctr">
+              <a:defRPr/>
+            </a:pPr>
+            <a:r>
+              <a:rPr lang="it-IT" sz="4000" dirty="0" err="1">
+                <a:solidFill>
+                  <a:schemeClr val="tx1"/>
+                </a:solidFill>
+                <a:latin typeface="Times New Roman" panose="02020603050405020304" pitchFamily="18" charset="0"/>
+                <a:cs typeface="Times New Roman" panose="02020603050405020304" pitchFamily="18" charset="0"/>
+              </a:rPr>
+              <a:t>Python</a:t>
+            </a:r>
+            <a:r>
+              <a:rPr lang="it-IT" sz="4000" dirty="0">
+                <a:solidFill>
+                  <a:schemeClr val="tx1"/>
+                </a:solidFill>
+                <a:latin typeface="Times New Roman" panose="02020603050405020304" pitchFamily="18" charset="0"/>
+                <a:cs typeface="Times New Roman" panose="02020603050405020304" pitchFamily="18" charset="0"/>
+              </a:rPr>
+              <a:t> (3.12.4)</a:t>
+            </a:r>
+          </a:p>
+        </p:txBody>
+      </p:sp>
+      <p:sp>
+        <p:nvSpPr>
+          <p:cNvPr id="13" name="Rectangle: Rounded Corners 12">
+            <a:extLst>
+              <a:ext uri="{FF2B5EF4-FFF2-40B4-BE49-F238E27FC236}">
+                <a16:creationId xmlns:a16="http://schemas.microsoft.com/office/drawing/2014/main" id="{C334B181-419D-1447-BC74-EDFE4FE8E408}"/>
+              </a:ext>
+            </a:extLst>
+          </p:cNvPr>
+          <p:cNvSpPr/>
+          <p:nvPr/>
+        </p:nvSpPr>
+        <p:spPr>
+          <a:xfrm>
+            <a:off x="1109039" y="4926735"/>
+            <a:ext cx="1828125" cy="1058733"/>
+          </a:xfrm>
+          <a:prstGeom prst="roundRect">
+            <a:avLst>
+              <a:gd name="adj" fmla="val 4401"/>
+            </a:avLst>
+          </a:prstGeom>
+          <a:solidFill>
+            <a:schemeClr val="bg1"/>
+          </a:solidFill>
+          <a:ln>
+            <a:noFill/>
+          </a:ln>
+        </p:spPr>
+        <p:style>
+          <a:lnRef idx="2">
+            <a:schemeClr val="accent1">
+              <a:shade val="15000"/>
+            </a:schemeClr>
+          </a:lnRef>
+          <a:fillRef idx="1">
+            <a:schemeClr val="accent1"/>
+          </a:fillRef>
+          <a:effectRef idx="0">
+            <a:schemeClr val="accent1"/>
+          </a:effectRef>
+          <a:fontRef idx="minor">
+            <a:schemeClr val="lt1"/>
+          </a:fontRef>
+        </p:style>
+        <p:txBody>
+          <a:bodyPr rtlCol="0" anchor="ctr"/>
+          <a:lstStyle/>
+          <a:p>
+            <a:pPr marL="0" marR="0" lvl="0" indent="0" algn="ctr" defTabSz="914400" rtl="0" eaLnBrk="1" fontAlgn="auto" latinLnBrk="0" hangingPunct="1">
+              <a:lnSpc>
+                <a:spcPct val="100000"/>
+              </a:lnSpc>
+              <a:spcBef>
+                <a:spcPts val="0"/>
+              </a:spcBef>
+              <a:spcAft>
+                <a:spcPts val="0"/>
+              </a:spcAft>
+              <a:buClrTx/>
+              <a:buSzTx/>
+              <a:buFontTx/>
+              <a:buNone/>
+              <a:tabLst/>
+              <a:defRPr/>
+            </a:pPr>
+            <a:r>
+              <a:rPr lang="it-IT" sz="4000" dirty="0" err="1">
+                <a:solidFill>
+                  <a:schemeClr val="tx1"/>
+                </a:solidFill>
+                <a:latin typeface="Times New Roman" panose="02020603050405020304" pitchFamily="18" charset="0"/>
+                <a:cs typeface="Times New Roman" panose="02020603050405020304" pitchFamily="18" charset="0"/>
+              </a:rPr>
+              <a:t>sqlite</a:t>
+            </a:r>
+            <a:endParaRPr kumimoji="0" lang="it-IT" sz="4000" b="0" i="0" u="none" strike="noStrike" kern="1200" cap="none" spc="0" normalizeH="0" baseline="0" noProof="0" dirty="0">
+              <a:ln>
+                <a:noFill/>
+              </a:ln>
+              <a:solidFill>
+                <a:schemeClr val="tx1"/>
+              </a:solidFill>
+              <a:effectLst/>
+              <a:uLnTx/>
+              <a:uFillTx/>
+              <a:latin typeface="Times New Roman" panose="02020603050405020304" pitchFamily="18" charset="0"/>
+              <a:cs typeface="Times New Roman" panose="02020603050405020304" pitchFamily="18" charset="0"/>
+            </a:endParaRPr>
+          </a:p>
+        </p:txBody>
+      </p:sp>
+      <p:cxnSp>
+        <p:nvCxnSpPr>
+          <p:cNvPr id="6" name="Straight Arrow Connector 5">
+            <a:extLst>
+              <a:ext uri="{FF2B5EF4-FFF2-40B4-BE49-F238E27FC236}">
+                <a16:creationId xmlns:a16="http://schemas.microsoft.com/office/drawing/2014/main" id="{0D4C47F8-8A12-9F7E-8C9F-2A8E95DD53A2}"/>
+              </a:ext>
+            </a:extLst>
+          </p:cNvPr>
+          <p:cNvCxnSpPr/>
+          <p:nvPr/>
+        </p:nvCxnSpPr>
+        <p:spPr>
+          <a:xfrm flipV="1">
+            <a:off x="4909351" y="2788301"/>
+            <a:ext cx="1970843" cy="826421"/>
+          </a:xfrm>
+          <a:prstGeom prst="straightConnector1">
+            <a:avLst/>
+          </a:prstGeom>
+          <a:ln w="38100">
+            <a:solidFill>
+              <a:schemeClr val="tx1"/>
+            </a:solidFill>
+            <a:tailEnd type="triangle"/>
+          </a:ln>
+          <a:effectLst>
+            <a:outerShdw blurRad="50800" dist="50800" dir="5400000" algn="ctr" rotWithShape="0">
+              <a:srgbClr val="000000">
+                <a:alpha val="14000"/>
+              </a:srgbClr>
+            </a:outerShdw>
+          </a:effectLst>
+        </p:spPr>
+        <p:style>
+          <a:lnRef idx="1">
+            <a:schemeClr val="accent1"/>
+          </a:lnRef>
+          <a:fillRef idx="0">
+            <a:schemeClr val="accent1"/>
+          </a:fillRef>
+          <a:effectRef idx="0">
+            <a:schemeClr val="accent1"/>
+          </a:effectRef>
+          <a:fontRef idx="minor">
+            <a:schemeClr val="tx1"/>
+          </a:fontRef>
+        </p:style>
+      </p:cxnSp>
+      <p:cxnSp>
+        <p:nvCxnSpPr>
+          <p:cNvPr id="7" name="Straight Arrow Connector 6">
+            <a:extLst>
+              <a:ext uri="{FF2B5EF4-FFF2-40B4-BE49-F238E27FC236}">
+                <a16:creationId xmlns:a16="http://schemas.microsoft.com/office/drawing/2014/main" id="{47B1AD62-16E5-86AA-C18D-D41949A124BC}"/>
+              </a:ext>
+            </a:extLst>
+          </p:cNvPr>
+          <p:cNvCxnSpPr>
+            <a:cxnSpLocks/>
+          </p:cNvCxnSpPr>
+          <p:nvPr/>
+        </p:nvCxnSpPr>
+        <p:spPr>
+          <a:xfrm>
+            <a:off x="4909351" y="3614722"/>
+            <a:ext cx="1970843" cy="826421"/>
+          </a:xfrm>
+          <a:prstGeom prst="straightConnector1">
+            <a:avLst/>
+          </a:prstGeom>
+          <a:ln w="38100">
+            <a:solidFill>
+              <a:schemeClr val="tx1"/>
+            </a:solidFill>
+            <a:tailEnd type="triangle"/>
+          </a:ln>
+          <a:effectLst>
+            <a:outerShdw blurRad="50800" dist="50800" dir="5400000" algn="ctr" rotWithShape="0">
+              <a:srgbClr val="000000">
+                <a:alpha val="14000"/>
+              </a:srgbClr>
+            </a:outerShdw>
+          </a:effectLst>
+        </p:spPr>
+        <p:style>
+          <a:lnRef idx="1">
+            <a:schemeClr val="accent1"/>
+          </a:lnRef>
+          <a:fillRef idx="0">
+            <a:schemeClr val="accent1"/>
+          </a:fillRef>
+          <a:effectRef idx="0">
+            <a:schemeClr val="accent1"/>
+          </a:effectRef>
+          <a:fontRef idx="minor">
+            <a:schemeClr val="tx1"/>
+          </a:fontRef>
+        </p:style>
+      </p:cxnSp>
+      <p:sp>
+        <p:nvSpPr>
+          <p:cNvPr id="14" name="Rectangle: Rounded Corners 13">
+            <a:extLst>
+              <a:ext uri="{FF2B5EF4-FFF2-40B4-BE49-F238E27FC236}">
+                <a16:creationId xmlns:a16="http://schemas.microsoft.com/office/drawing/2014/main" id="{B743AAA0-FD25-5C01-8787-FD799715D7FB}"/>
+              </a:ext>
+            </a:extLst>
+          </p:cNvPr>
+          <p:cNvSpPr/>
+          <p:nvPr/>
+        </p:nvSpPr>
+        <p:spPr>
+          <a:xfrm>
+            <a:off x="7016457" y="2258934"/>
+            <a:ext cx="3650020" cy="1058733"/>
+          </a:xfrm>
+          <a:prstGeom prst="roundRect">
+            <a:avLst>
+              <a:gd name="adj" fmla="val 4401"/>
+            </a:avLst>
+          </a:prstGeom>
+          <a:solidFill>
+            <a:schemeClr val="bg1"/>
+          </a:solidFill>
+          <a:ln>
+            <a:noFill/>
+          </a:ln>
+        </p:spPr>
+        <p:style>
+          <a:lnRef idx="2">
+            <a:schemeClr val="accent1">
+              <a:shade val="15000"/>
+            </a:schemeClr>
+          </a:lnRef>
+          <a:fillRef idx="1">
+            <a:schemeClr val="accent1"/>
+          </a:fillRef>
+          <a:effectRef idx="0">
+            <a:schemeClr val="accent1"/>
+          </a:effectRef>
+          <a:fontRef idx="minor">
+            <a:schemeClr val="lt1"/>
+          </a:fontRef>
+        </p:style>
+        <p:txBody>
+          <a:bodyPr rtlCol="0" anchor="ctr"/>
+          <a:lstStyle/>
+          <a:p>
+            <a:pPr algn="ctr">
+              <a:defRPr/>
+            </a:pPr>
+            <a:r>
+              <a:rPr lang="it-IT" sz="4000" dirty="0" err="1">
+                <a:solidFill>
+                  <a:schemeClr val="tx1"/>
+                </a:solidFill>
+                <a:latin typeface="Times New Roman" panose="02020603050405020304" pitchFamily="18" charset="0"/>
+                <a:cs typeface="Times New Roman" panose="02020603050405020304" pitchFamily="18" charset="0"/>
+              </a:rPr>
+              <a:t>Tkinter</a:t>
+            </a:r>
+            <a:endParaRPr lang="it-IT" sz="4000" dirty="0">
+              <a:solidFill>
+                <a:schemeClr val="tx1"/>
+              </a:solidFill>
+              <a:latin typeface="Times New Roman" panose="02020603050405020304" pitchFamily="18" charset="0"/>
+              <a:cs typeface="Times New Roman" panose="02020603050405020304" pitchFamily="18" charset="0"/>
+            </a:endParaRPr>
+          </a:p>
+        </p:txBody>
+      </p:sp>
+      <p:sp>
+        <p:nvSpPr>
+          <p:cNvPr id="15" name="Rectangle: Rounded Corners 14">
+            <a:extLst>
+              <a:ext uri="{FF2B5EF4-FFF2-40B4-BE49-F238E27FC236}">
+                <a16:creationId xmlns:a16="http://schemas.microsoft.com/office/drawing/2014/main" id="{81643698-2B11-FA18-55C8-A6F104B80B11}"/>
+              </a:ext>
+            </a:extLst>
+          </p:cNvPr>
+          <p:cNvSpPr/>
+          <p:nvPr/>
+        </p:nvSpPr>
+        <p:spPr>
+          <a:xfrm>
+            <a:off x="7016457" y="3911776"/>
+            <a:ext cx="3650020" cy="1058733"/>
+          </a:xfrm>
+          <a:prstGeom prst="roundRect">
+            <a:avLst>
+              <a:gd name="adj" fmla="val 4401"/>
+            </a:avLst>
+          </a:prstGeom>
+          <a:solidFill>
+            <a:schemeClr val="bg1"/>
+          </a:solidFill>
+          <a:ln>
+            <a:noFill/>
+          </a:ln>
+        </p:spPr>
+        <p:style>
+          <a:lnRef idx="2">
+            <a:schemeClr val="accent1">
+              <a:shade val="15000"/>
+            </a:schemeClr>
+          </a:lnRef>
+          <a:fillRef idx="1">
+            <a:schemeClr val="accent1"/>
+          </a:fillRef>
+          <a:effectRef idx="0">
+            <a:schemeClr val="accent1"/>
+          </a:effectRef>
+          <a:fontRef idx="minor">
+            <a:schemeClr val="lt1"/>
+          </a:fontRef>
+        </p:style>
+        <p:txBody>
+          <a:bodyPr rtlCol="0" anchor="ctr"/>
+          <a:lstStyle/>
+          <a:p>
+            <a:pPr algn="ctr">
+              <a:defRPr/>
+            </a:pPr>
+            <a:r>
+              <a:rPr lang="it-IT" sz="4000" dirty="0" err="1">
+                <a:solidFill>
+                  <a:schemeClr val="tx1"/>
+                </a:solidFill>
+                <a:latin typeface="Times New Roman" panose="02020603050405020304" pitchFamily="18" charset="0"/>
+                <a:cs typeface="Times New Roman" panose="02020603050405020304" pitchFamily="18" charset="0"/>
+              </a:rPr>
+              <a:t>MinimalModbus</a:t>
+            </a:r>
+            <a:endParaRPr lang="it-IT" sz="4000" dirty="0">
+              <a:solidFill>
+                <a:schemeClr val="tx1"/>
+              </a:solidFill>
+              <a:latin typeface="Times New Roman" panose="02020603050405020304" pitchFamily="18" charset="0"/>
+              <a:cs typeface="Times New Roman" panose="02020603050405020304" pitchFamily="18" charset="0"/>
+            </a:endParaRPr>
+          </a:p>
+        </p:txBody>
+      </p:sp>
+      <p:sp>
+        <p:nvSpPr>
+          <p:cNvPr id="16" name="Subtitle 2">
+            <a:extLst>
+              <a:ext uri="{FF2B5EF4-FFF2-40B4-BE49-F238E27FC236}">
+                <a16:creationId xmlns:a16="http://schemas.microsoft.com/office/drawing/2014/main" id="{458150F9-3EB6-EC3D-C3D3-DB8587BE37DE}"/>
               </a:ext>
             </a:extLst>
           </p:cNvPr>
@@ -13590,77 +18304,250 @@
         </p:nvSpPr>
         <p:spPr>
           <a:xfrm>
-            <a:off x="1159136" y="1141768"/>
-            <a:ext cx="9601200" cy="5497157"/>
+            <a:off x="265253" y="1166309"/>
+            <a:ext cx="11661494" cy="563259"/>
           </a:xfrm>
         </p:spPr>
         <p:txBody>
           <a:bodyPr>
-            <a:normAutofit/>
+            <a:normAutofit fontScale="92500"/>
           </a:bodyPr>
           <a:lstStyle/>
           <a:p>
-            <a:pPr marL="342900" indent="-342900" algn="l">
+            <a:pPr>
               <a:lnSpc>
-                <a:spcPct val="200000"/>
+                <a:spcPct val="100000"/>
               </a:lnSpc>
-              <a:buFont typeface="Wingdings" panose="05000000000000000000" pitchFamily="2" charset="2"/>
-              <a:buChar char="§"/>
             </a:pPr>
             <a:r>
-              <a:rPr lang="it-IT" dirty="0" err="1">
+              <a:rPr lang="it-IT" sz="2800" dirty="0">
                 <a:latin typeface="Times New Roman" panose="02020603050405020304" pitchFamily="18" charset="0"/>
                 <a:cs typeface="Times New Roman" panose="02020603050405020304" pitchFamily="18" charset="0"/>
               </a:rPr>
-              <a:t>Python</a:t>
+              <a:t>È necessario scegliere tecnologie con licenze che permettano l’</a:t>
             </a:r>
             <a:r>
-              <a:rPr lang="it-IT" dirty="0">
+              <a:rPr lang="it-IT" sz="2800" b="1" dirty="0">
                 <a:latin typeface="Times New Roman" panose="02020603050405020304" pitchFamily="18" charset="0"/>
                 <a:cs typeface="Times New Roman" panose="02020603050405020304" pitchFamily="18" charset="0"/>
               </a:rPr>
-              <a:t> (3.12.4)</a:t>
+              <a:t>uso commerciale</a:t>
             </a:r>
           </a:p>
-          <a:p>
-            <a:pPr marL="342900" indent="-342900" algn="l">
-              <a:lnSpc>
-                <a:spcPct val="200000"/>
-              </a:lnSpc>
-              <a:buFont typeface="Wingdings" panose="05000000000000000000" pitchFamily="2" charset="2"/>
-              <a:buChar char="§"/>
-            </a:pPr>
+        </p:txBody>
+      </p:sp>
+      <p:cxnSp>
+        <p:nvCxnSpPr>
+          <p:cNvPr id="17" name="Straight Connector 16">
+            <a:extLst>
+              <a:ext uri="{FF2B5EF4-FFF2-40B4-BE49-F238E27FC236}">
+                <a16:creationId xmlns:a16="http://schemas.microsoft.com/office/drawing/2014/main" id="{5457FE98-1172-8434-A191-F65898A9DBEF}"/>
+              </a:ext>
+            </a:extLst>
+          </p:cNvPr>
+          <p:cNvCxnSpPr>
+            <a:cxnSpLocks/>
+          </p:cNvCxnSpPr>
+          <p:nvPr/>
+        </p:nvCxnSpPr>
+        <p:spPr>
+          <a:xfrm>
+            <a:off x="265253" y="1749356"/>
+            <a:ext cx="11661494" cy="0"/>
+          </a:xfrm>
+          <a:prstGeom prst="line">
+            <a:avLst/>
+          </a:prstGeom>
+          <a:ln w="19050"/>
+        </p:spPr>
+        <p:style>
+          <a:lnRef idx="1">
+            <a:schemeClr val="dk1"/>
+          </a:lnRef>
+          <a:fillRef idx="0">
+            <a:schemeClr val="dk1"/>
+          </a:fillRef>
+          <a:effectRef idx="0">
+            <a:schemeClr val="dk1"/>
+          </a:effectRef>
+          <a:fontRef idx="minor">
+            <a:schemeClr val="tx1"/>
+          </a:fontRef>
+        </p:style>
+      </p:cxnSp>
+      <p:sp>
+        <p:nvSpPr>
+          <p:cNvPr id="19" name="TextBox 18">
+            <a:extLst>
+              <a:ext uri="{FF2B5EF4-FFF2-40B4-BE49-F238E27FC236}">
+                <a16:creationId xmlns:a16="http://schemas.microsoft.com/office/drawing/2014/main" id="{23D73B03-6C85-4714-C0C5-C07DBAD41395}"/>
+              </a:ext>
+            </a:extLst>
+          </p:cNvPr>
+          <p:cNvSpPr txBox="1"/>
+          <p:nvPr/>
+        </p:nvSpPr>
+        <p:spPr>
+          <a:xfrm>
+            <a:off x="1227573" y="4570399"/>
+            <a:ext cx="1591056" cy="400110"/>
+          </a:xfrm>
+          <a:prstGeom prst="rect">
+            <a:avLst/>
+          </a:prstGeom>
+          <a:noFill/>
+        </p:spPr>
+        <p:txBody>
+          <a:bodyPr wrap="square" rtlCol="0">
+            <a:spAutoFit/>
+          </a:bodyPr>
+          <a:lstStyle/>
+          <a:p>
+            <a:pPr algn="ctr"/>
             <a:r>
-              <a:rPr lang="it-IT" dirty="0" err="1">
+              <a:rPr lang="it-IT" sz="2000" dirty="0">
+                <a:solidFill>
+                  <a:schemeClr val="accent2">
+                    <a:lumMod val="50000"/>
+                  </a:schemeClr>
+                </a:solidFill>
                 <a:latin typeface="Times New Roman" panose="02020603050405020304" pitchFamily="18" charset="0"/>
                 <a:cs typeface="Times New Roman" panose="02020603050405020304" pitchFamily="18" charset="0"/>
               </a:rPr>
-              <a:t>MinimalModbus</a:t>
+              <a:t>DBMS</a:t>
             </a:r>
-            <a:endParaRPr lang="it-IT" dirty="0">
-              <a:latin typeface="Times New Roman" panose="02020603050405020304" pitchFamily="18" charset="0"/>
-              <a:cs typeface="Times New Roman" panose="02020603050405020304" pitchFamily="18" charset="0"/>
-            </a:endParaRPr>
-          </a:p>
-          <a:p>
-            <a:pPr marL="342900" indent="-342900" algn="l">
-              <a:lnSpc>
-                <a:spcPct val="200000"/>
-              </a:lnSpc>
-              <a:buFont typeface="Wingdings" panose="05000000000000000000" pitchFamily="2" charset="2"/>
-              <a:buChar char="§"/>
-            </a:pPr>
+          </a:p>
+        </p:txBody>
+      </p:sp>
+      <p:sp>
+        <p:nvSpPr>
+          <p:cNvPr id="20" name="TextBox 19">
+            <a:extLst>
+              <a:ext uri="{FF2B5EF4-FFF2-40B4-BE49-F238E27FC236}">
+                <a16:creationId xmlns:a16="http://schemas.microsoft.com/office/drawing/2014/main" id="{EB0AEEB6-BEC2-FE7A-E350-A69EECDC9B28}"/>
+              </a:ext>
+            </a:extLst>
+          </p:cNvPr>
+          <p:cNvSpPr txBox="1"/>
+          <p:nvPr/>
+        </p:nvSpPr>
+        <p:spPr>
+          <a:xfrm>
+            <a:off x="1109039" y="2737881"/>
+            <a:ext cx="3650020" cy="400110"/>
+          </a:xfrm>
+          <a:prstGeom prst="rect">
+            <a:avLst/>
+          </a:prstGeom>
+          <a:noFill/>
+        </p:spPr>
+        <p:txBody>
+          <a:bodyPr wrap="square" rtlCol="0">
+            <a:spAutoFit/>
+          </a:bodyPr>
+          <a:lstStyle/>
+          <a:p>
+            <a:pPr algn="ctr"/>
             <a:r>
-              <a:rPr lang="it-IT" dirty="0" err="1">
+              <a:rPr lang="it-IT" sz="2000" dirty="0">
+                <a:solidFill>
+                  <a:schemeClr val="accent2">
+                    <a:lumMod val="50000"/>
+                  </a:schemeClr>
+                </a:solidFill>
                 <a:latin typeface="Times New Roman" panose="02020603050405020304" pitchFamily="18" charset="0"/>
                 <a:cs typeface="Times New Roman" panose="02020603050405020304" pitchFamily="18" charset="0"/>
               </a:rPr>
-              <a:t>Tkinter</a:t>
+              <a:t>Linguaggio di programmazione</a:t>
             </a:r>
-            <a:endParaRPr lang="it-IT" dirty="0">
-              <a:latin typeface="Times New Roman" panose="02020603050405020304" pitchFamily="18" charset="0"/>
-              <a:cs typeface="Times New Roman" panose="02020603050405020304" pitchFamily="18" charset="0"/>
-            </a:endParaRPr>
+          </a:p>
+        </p:txBody>
+      </p:sp>
+      <p:sp>
+        <p:nvSpPr>
+          <p:cNvPr id="21" name="TextBox 20">
+            <a:extLst>
+              <a:ext uri="{FF2B5EF4-FFF2-40B4-BE49-F238E27FC236}">
+                <a16:creationId xmlns:a16="http://schemas.microsoft.com/office/drawing/2014/main" id="{0038EC28-4AB1-43AB-B711-884368091250}"/>
+              </a:ext>
+            </a:extLst>
+          </p:cNvPr>
+          <p:cNvSpPr txBox="1"/>
+          <p:nvPr/>
+        </p:nvSpPr>
+        <p:spPr>
+          <a:xfrm>
+            <a:off x="7016457" y="1843509"/>
+            <a:ext cx="3650020" cy="400110"/>
+          </a:xfrm>
+          <a:prstGeom prst="rect">
+            <a:avLst/>
+          </a:prstGeom>
+          <a:noFill/>
+        </p:spPr>
+        <p:txBody>
+          <a:bodyPr wrap="square" rtlCol="0">
+            <a:spAutoFit/>
+          </a:bodyPr>
+          <a:lstStyle/>
+          <a:p>
+            <a:pPr algn="ctr"/>
+            <a:r>
+              <a:rPr lang="it-IT" sz="2000" dirty="0">
+                <a:solidFill>
+                  <a:schemeClr val="accent2">
+                    <a:lumMod val="50000"/>
+                  </a:schemeClr>
+                </a:solidFill>
+                <a:latin typeface="Times New Roman" panose="02020603050405020304" pitchFamily="18" charset="0"/>
+                <a:cs typeface="Times New Roman" panose="02020603050405020304" pitchFamily="18" charset="0"/>
+              </a:rPr>
+              <a:t>Framework grafico</a:t>
+            </a:r>
+          </a:p>
+        </p:txBody>
+      </p:sp>
+      <p:sp>
+        <p:nvSpPr>
+          <p:cNvPr id="22" name="TextBox 21">
+            <a:extLst>
+              <a:ext uri="{FF2B5EF4-FFF2-40B4-BE49-F238E27FC236}">
+                <a16:creationId xmlns:a16="http://schemas.microsoft.com/office/drawing/2014/main" id="{9F0F12E6-B8F4-81E2-0CAF-D7D3671832BB}"/>
+              </a:ext>
+            </a:extLst>
+          </p:cNvPr>
+          <p:cNvSpPr txBox="1"/>
+          <p:nvPr/>
+        </p:nvSpPr>
+        <p:spPr>
+          <a:xfrm>
+            <a:off x="7016457" y="3511666"/>
+            <a:ext cx="3650020" cy="400110"/>
+          </a:xfrm>
+          <a:prstGeom prst="rect">
+            <a:avLst/>
+          </a:prstGeom>
+          <a:noFill/>
+        </p:spPr>
+        <p:txBody>
+          <a:bodyPr wrap="square" rtlCol="0">
+            <a:spAutoFit/>
+          </a:bodyPr>
+          <a:lstStyle/>
+          <a:p>
+            <a:pPr algn="ctr"/>
+            <a:r>
+              <a:rPr lang="it-IT" sz="2000" dirty="0">
+                <a:solidFill>
+                  <a:schemeClr val="accent2">
+                    <a:lumMod val="50000"/>
+                  </a:schemeClr>
+                </a:solidFill>
+                <a:latin typeface="Times New Roman" panose="02020603050405020304" pitchFamily="18" charset="0"/>
+                <a:cs typeface="Times New Roman" panose="02020603050405020304" pitchFamily="18" charset="0"/>
+              </a:rPr>
+              <a:t>Modulo per la comunicazione</a:t>
+            </a:r>
           </a:p>
         </p:txBody>
       </p:sp>
@@ -13674,6 +18561,558 @@
   <p:clrMapOvr>
     <a:masterClrMapping/>
   </p:clrMapOvr>
+  <p:timing>
+    <p:tnLst>
+      <p:par>
+        <p:cTn id="1" dur="indefinite" restart="never" nodeType="tmRoot">
+          <p:childTnLst>
+            <p:seq concurrent="1" nextAc="seek">
+              <p:cTn id="2" dur="indefinite" nodeType="mainSeq">
+                <p:childTnLst>
+                  <p:par>
+                    <p:cTn id="3" fill="hold">
+                      <p:stCondLst>
+                        <p:cond delay="indefinite"/>
+                        <p:cond evt="onBegin" delay="0">
+                          <p:tn val="2"/>
+                        </p:cond>
+                      </p:stCondLst>
+                      <p:childTnLst>
+                        <p:par>
+                          <p:cTn id="4" fill="hold">
+                            <p:stCondLst>
+                              <p:cond delay="0"/>
+                            </p:stCondLst>
+                            <p:childTnLst>
+                              <p:par>
+                                <p:cTn id="5" presetID="10" presetClass="entr" presetSubtype="0" fill="hold" nodeType="afterEffect">
+                                  <p:stCondLst>
+                                    <p:cond delay="0"/>
+                                  </p:stCondLst>
+                                  <p:childTnLst>
+                                    <p:set>
+                                      <p:cBhvr>
+                                        <p:cTn id="6" dur="1" fill="hold">
+                                          <p:stCondLst>
+                                            <p:cond delay="0"/>
+                                          </p:stCondLst>
+                                        </p:cTn>
+                                        <p:tgtEl>
+                                          <p:spTgt spid="16">
+                                            <p:txEl>
+                                              <p:pRg st="0" end="0"/>
+                                            </p:txEl>
+                                          </p:spTgt>
+                                        </p:tgtEl>
+                                        <p:attrNameLst>
+                                          <p:attrName>style.visibility</p:attrName>
+                                        </p:attrNameLst>
+                                      </p:cBhvr>
+                                      <p:to>
+                                        <p:strVal val="visible"/>
+                                      </p:to>
+                                    </p:set>
+                                    <p:animEffect transition="in" filter="fade">
+                                      <p:cBhvr>
+                                        <p:cTn id="7" dur="300"/>
+                                        <p:tgtEl>
+                                          <p:spTgt spid="16">
+                                            <p:txEl>
+                                              <p:pRg st="0" end="0"/>
+                                            </p:txEl>
+                                          </p:spTgt>
+                                        </p:tgtEl>
+                                      </p:cBhvr>
+                                    </p:animEffect>
+                                  </p:childTnLst>
+                                </p:cTn>
+                              </p:par>
+                            </p:childTnLst>
+                          </p:cTn>
+                        </p:par>
+                        <p:par>
+                          <p:cTn id="8" fill="hold">
+                            <p:stCondLst>
+                              <p:cond delay="300"/>
+                            </p:stCondLst>
+                            <p:childTnLst>
+                              <p:par>
+                                <p:cTn id="9" presetID="10" presetClass="entr" presetSubtype="0" fill="hold" nodeType="afterEffect">
+                                  <p:stCondLst>
+                                    <p:cond delay="0"/>
+                                  </p:stCondLst>
+                                  <p:childTnLst>
+                                    <p:set>
+                                      <p:cBhvr>
+                                        <p:cTn id="10" dur="1" fill="hold">
+                                          <p:stCondLst>
+                                            <p:cond delay="0"/>
+                                          </p:stCondLst>
+                                        </p:cTn>
+                                        <p:tgtEl>
+                                          <p:spTgt spid="17"/>
+                                        </p:tgtEl>
+                                        <p:attrNameLst>
+                                          <p:attrName>style.visibility</p:attrName>
+                                        </p:attrNameLst>
+                                      </p:cBhvr>
+                                      <p:to>
+                                        <p:strVal val="visible"/>
+                                      </p:to>
+                                    </p:set>
+                                    <p:animEffect transition="in" filter="fade">
+                                      <p:cBhvr>
+                                        <p:cTn id="11" dur="300"/>
+                                        <p:tgtEl>
+                                          <p:spTgt spid="17"/>
+                                        </p:tgtEl>
+                                      </p:cBhvr>
+                                    </p:animEffect>
+                                  </p:childTnLst>
+                                </p:cTn>
+                              </p:par>
+                            </p:childTnLst>
+                          </p:cTn>
+                        </p:par>
+                      </p:childTnLst>
+                    </p:cTn>
+                  </p:par>
+                  <p:par>
+                    <p:cTn id="12" fill="hold">
+                      <p:stCondLst>
+                        <p:cond delay="indefinite"/>
+                      </p:stCondLst>
+                      <p:childTnLst>
+                        <p:par>
+                          <p:cTn id="13" fill="hold">
+                            <p:stCondLst>
+                              <p:cond delay="0"/>
+                            </p:stCondLst>
+                            <p:childTnLst>
+                              <p:par>
+                                <p:cTn id="14" presetID="10" presetClass="entr" presetSubtype="0" fill="hold" grpId="0" nodeType="clickEffect">
+                                  <p:stCondLst>
+                                    <p:cond delay="0"/>
+                                  </p:stCondLst>
+                                  <p:childTnLst>
+                                    <p:set>
+                                      <p:cBhvr>
+                                        <p:cTn id="15" dur="1" fill="hold">
+                                          <p:stCondLst>
+                                            <p:cond delay="0"/>
+                                          </p:stCondLst>
+                                        </p:cTn>
+                                        <p:tgtEl>
+                                          <p:spTgt spid="4"/>
+                                        </p:tgtEl>
+                                        <p:attrNameLst>
+                                          <p:attrName>style.visibility</p:attrName>
+                                        </p:attrNameLst>
+                                      </p:cBhvr>
+                                      <p:to>
+                                        <p:strVal val="visible"/>
+                                      </p:to>
+                                    </p:set>
+                                    <p:animEffect transition="in" filter="fade">
+                                      <p:cBhvr>
+                                        <p:cTn id="16" dur="500"/>
+                                        <p:tgtEl>
+                                          <p:spTgt spid="4"/>
+                                        </p:tgtEl>
+                                      </p:cBhvr>
+                                    </p:animEffect>
+                                  </p:childTnLst>
+                                </p:cTn>
+                              </p:par>
+                              <p:par>
+                                <p:cTn id="17" presetID="10" presetClass="entr" presetSubtype="0" fill="hold" grpId="0" nodeType="withEffect">
+                                  <p:stCondLst>
+                                    <p:cond delay="0"/>
+                                  </p:stCondLst>
+                                  <p:childTnLst>
+                                    <p:set>
+                                      <p:cBhvr>
+                                        <p:cTn id="18" dur="1" fill="hold">
+                                          <p:stCondLst>
+                                            <p:cond delay="0"/>
+                                          </p:stCondLst>
+                                        </p:cTn>
+                                        <p:tgtEl>
+                                          <p:spTgt spid="20"/>
+                                        </p:tgtEl>
+                                        <p:attrNameLst>
+                                          <p:attrName>style.visibility</p:attrName>
+                                        </p:attrNameLst>
+                                      </p:cBhvr>
+                                      <p:to>
+                                        <p:strVal val="visible"/>
+                                      </p:to>
+                                    </p:set>
+                                    <p:animEffect transition="in" filter="fade">
+                                      <p:cBhvr>
+                                        <p:cTn id="19" dur="500"/>
+                                        <p:tgtEl>
+                                          <p:spTgt spid="20"/>
+                                        </p:tgtEl>
+                                      </p:cBhvr>
+                                    </p:animEffect>
+                                  </p:childTnLst>
+                                </p:cTn>
+                              </p:par>
+                            </p:childTnLst>
+                          </p:cTn>
+                        </p:par>
+                      </p:childTnLst>
+                    </p:cTn>
+                  </p:par>
+                  <p:par>
+                    <p:cTn id="20" fill="hold">
+                      <p:stCondLst>
+                        <p:cond delay="indefinite"/>
+                      </p:stCondLst>
+                      <p:childTnLst>
+                        <p:par>
+                          <p:cTn id="21" fill="hold">
+                            <p:stCondLst>
+                              <p:cond delay="0"/>
+                            </p:stCondLst>
+                            <p:childTnLst>
+                              <p:par>
+                                <p:cTn id="22" presetID="10" presetClass="entr" presetSubtype="0" fill="hold" nodeType="clickEffect">
+                                  <p:stCondLst>
+                                    <p:cond delay="0"/>
+                                  </p:stCondLst>
+                                  <p:childTnLst>
+                                    <p:set>
+                                      <p:cBhvr>
+                                        <p:cTn id="23" dur="1" fill="hold">
+                                          <p:stCondLst>
+                                            <p:cond delay="0"/>
+                                          </p:stCondLst>
+                                        </p:cTn>
+                                        <p:tgtEl>
+                                          <p:spTgt spid="6"/>
+                                        </p:tgtEl>
+                                        <p:attrNameLst>
+                                          <p:attrName>style.visibility</p:attrName>
+                                        </p:attrNameLst>
+                                      </p:cBhvr>
+                                      <p:to>
+                                        <p:strVal val="visible"/>
+                                      </p:to>
+                                    </p:set>
+                                    <p:animEffect transition="in" filter="fade">
+                                      <p:cBhvr>
+                                        <p:cTn id="24" dur="500"/>
+                                        <p:tgtEl>
+                                          <p:spTgt spid="6"/>
+                                        </p:tgtEl>
+                                      </p:cBhvr>
+                                    </p:animEffect>
+                                  </p:childTnLst>
+                                </p:cTn>
+                              </p:par>
+                              <p:par>
+                                <p:cTn id="25" presetID="10" presetClass="entr" presetSubtype="0" fill="hold" nodeType="withEffect">
+                                  <p:stCondLst>
+                                    <p:cond delay="0"/>
+                                  </p:stCondLst>
+                                  <p:childTnLst>
+                                    <p:set>
+                                      <p:cBhvr>
+                                        <p:cTn id="26" dur="1" fill="hold">
+                                          <p:stCondLst>
+                                            <p:cond delay="0"/>
+                                          </p:stCondLst>
+                                        </p:cTn>
+                                        <p:tgtEl>
+                                          <p:spTgt spid="7"/>
+                                        </p:tgtEl>
+                                        <p:attrNameLst>
+                                          <p:attrName>style.visibility</p:attrName>
+                                        </p:attrNameLst>
+                                      </p:cBhvr>
+                                      <p:to>
+                                        <p:strVal val="visible"/>
+                                      </p:to>
+                                    </p:set>
+                                    <p:animEffect transition="in" filter="fade">
+                                      <p:cBhvr>
+                                        <p:cTn id="27" dur="500"/>
+                                        <p:tgtEl>
+                                          <p:spTgt spid="7"/>
+                                        </p:tgtEl>
+                                      </p:cBhvr>
+                                    </p:animEffect>
+                                  </p:childTnLst>
+                                </p:cTn>
+                              </p:par>
+                              <p:par>
+                                <p:cTn id="28" presetID="10" presetClass="entr" presetSubtype="0" fill="hold" grpId="0" nodeType="withEffect">
+                                  <p:stCondLst>
+                                    <p:cond delay="0"/>
+                                  </p:stCondLst>
+                                  <p:childTnLst>
+                                    <p:set>
+                                      <p:cBhvr>
+                                        <p:cTn id="29" dur="1" fill="hold">
+                                          <p:stCondLst>
+                                            <p:cond delay="0"/>
+                                          </p:stCondLst>
+                                        </p:cTn>
+                                        <p:tgtEl>
+                                          <p:spTgt spid="14"/>
+                                        </p:tgtEl>
+                                        <p:attrNameLst>
+                                          <p:attrName>style.visibility</p:attrName>
+                                        </p:attrNameLst>
+                                      </p:cBhvr>
+                                      <p:to>
+                                        <p:strVal val="visible"/>
+                                      </p:to>
+                                    </p:set>
+                                    <p:animEffect transition="in" filter="fade">
+                                      <p:cBhvr>
+                                        <p:cTn id="30" dur="500"/>
+                                        <p:tgtEl>
+                                          <p:spTgt spid="14"/>
+                                        </p:tgtEl>
+                                      </p:cBhvr>
+                                    </p:animEffect>
+                                  </p:childTnLst>
+                                </p:cTn>
+                              </p:par>
+                              <p:par>
+                                <p:cTn id="31" presetID="10" presetClass="entr" presetSubtype="0" fill="hold" grpId="0" nodeType="withEffect">
+                                  <p:stCondLst>
+                                    <p:cond delay="0"/>
+                                  </p:stCondLst>
+                                  <p:childTnLst>
+                                    <p:set>
+                                      <p:cBhvr>
+                                        <p:cTn id="32" dur="1" fill="hold">
+                                          <p:stCondLst>
+                                            <p:cond delay="0"/>
+                                          </p:stCondLst>
+                                        </p:cTn>
+                                        <p:tgtEl>
+                                          <p:spTgt spid="21"/>
+                                        </p:tgtEl>
+                                        <p:attrNameLst>
+                                          <p:attrName>style.visibility</p:attrName>
+                                        </p:attrNameLst>
+                                      </p:cBhvr>
+                                      <p:to>
+                                        <p:strVal val="visible"/>
+                                      </p:to>
+                                    </p:set>
+                                    <p:animEffect transition="in" filter="fade">
+                                      <p:cBhvr>
+                                        <p:cTn id="33" dur="500"/>
+                                        <p:tgtEl>
+                                          <p:spTgt spid="21"/>
+                                        </p:tgtEl>
+                                      </p:cBhvr>
+                                    </p:animEffect>
+                                  </p:childTnLst>
+                                </p:cTn>
+                              </p:par>
+                              <p:par>
+                                <p:cTn id="34" presetID="10" presetClass="entr" presetSubtype="0" fill="hold" grpId="0" nodeType="withEffect">
+                                  <p:stCondLst>
+                                    <p:cond delay="0"/>
+                                  </p:stCondLst>
+                                  <p:childTnLst>
+                                    <p:set>
+                                      <p:cBhvr>
+                                        <p:cTn id="35" dur="1" fill="hold">
+                                          <p:stCondLst>
+                                            <p:cond delay="0"/>
+                                          </p:stCondLst>
+                                        </p:cTn>
+                                        <p:tgtEl>
+                                          <p:spTgt spid="22"/>
+                                        </p:tgtEl>
+                                        <p:attrNameLst>
+                                          <p:attrName>style.visibility</p:attrName>
+                                        </p:attrNameLst>
+                                      </p:cBhvr>
+                                      <p:to>
+                                        <p:strVal val="visible"/>
+                                      </p:to>
+                                    </p:set>
+                                    <p:animEffect transition="in" filter="fade">
+                                      <p:cBhvr>
+                                        <p:cTn id="36" dur="500"/>
+                                        <p:tgtEl>
+                                          <p:spTgt spid="22"/>
+                                        </p:tgtEl>
+                                      </p:cBhvr>
+                                    </p:animEffect>
+                                  </p:childTnLst>
+                                </p:cTn>
+                              </p:par>
+                              <p:par>
+                                <p:cTn id="37" presetID="10" presetClass="entr" presetSubtype="0" fill="hold" grpId="0" nodeType="withEffect">
+                                  <p:stCondLst>
+                                    <p:cond delay="0"/>
+                                  </p:stCondLst>
+                                  <p:childTnLst>
+                                    <p:set>
+                                      <p:cBhvr>
+                                        <p:cTn id="38" dur="1" fill="hold">
+                                          <p:stCondLst>
+                                            <p:cond delay="0"/>
+                                          </p:stCondLst>
+                                        </p:cTn>
+                                        <p:tgtEl>
+                                          <p:spTgt spid="15"/>
+                                        </p:tgtEl>
+                                        <p:attrNameLst>
+                                          <p:attrName>style.visibility</p:attrName>
+                                        </p:attrNameLst>
+                                      </p:cBhvr>
+                                      <p:to>
+                                        <p:strVal val="visible"/>
+                                      </p:to>
+                                    </p:set>
+                                    <p:animEffect transition="in" filter="fade">
+                                      <p:cBhvr>
+                                        <p:cTn id="39" dur="500"/>
+                                        <p:tgtEl>
+                                          <p:spTgt spid="15"/>
+                                        </p:tgtEl>
+                                      </p:cBhvr>
+                                    </p:animEffect>
+                                  </p:childTnLst>
+                                </p:cTn>
+                              </p:par>
+                            </p:childTnLst>
+                          </p:cTn>
+                        </p:par>
+                      </p:childTnLst>
+                    </p:cTn>
+                  </p:par>
+                  <p:par>
+                    <p:cTn id="40" fill="hold">
+                      <p:stCondLst>
+                        <p:cond delay="indefinite"/>
+                      </p:stCondLst>
+                      <p:childTnLst>
+                        <p:par>
+                          <p:cTn id="41" fill="hold">
+                            <p:stCondLst>
+                              <p:cond delay="0"/>
+                            </p:stCondLst>
+                            <p:childTnLst>
+                              <p:par>
+                                <p:cTn id="42" presetID="10" presetClass="entr" presetSubtype="0" fill="hold" grpId="0" nodeType="clickEffect">
+                                  <p:stCondLst>
+                                    <p:cond delay="0"/>
+                                  </p:stCondLst>
+                                  <p:childTnLst>
+                                    <p:set>
+                                      <p:cBhvr>
+                                        <p:cTn id="43" dur="1" fill="hold">
+                                          <p:stCondLst>
+                                            <p:cond delay="0"/>
+                                          </p:stCondLst>
+                                        </p:cTn>
+                                        <p:tgtEl>
+                                          <p:spTgt spid="19"/>
+                                        </p:tgtEl>
+                                        <p:attrNameLst>
+                                          <p:attrName>style.visibility</p:attrName>
+                                        </p:attrNameLst>
+                                      </p:cBhvr>
+                                      <p:to>
+                                        <p:strVal val="visible"/>
+                                      </p:to>
+                                    </p:set>
+                                    <p:animEffect transition="in" filter="fade">
+                                      <p:cBhvr>
+                                        <p:cTn id="44" dur="500"/>
+                                        <p:tgtEl>
+                                          <p:spTgt spid="19"/>
+                                        </p:tgtEl>
+                                      </p:cBhvr>
+                                    </p:animEffect>
+                                  </p:childTnLst>
+                                </p:cTn>
+                              </p:par>
+                              <p:par>
+                                <p:cTn id="45" presetID="10" presetClass="entr" presetSubtype="0" fill="hold" grpId="0" nodeType="withEffect">
+                                  <p:stCondLst>
+                                    <p:cond delay="0"/>
+                                  </p:stCondLst>
+                                  <p:childTnLst>
+                                    <p:set>
+                                      <p:cBhvr>
+                                        <p:cTn id="46" dur="1" fill="hold">
+                                          <p:stCondLst>
+                                            <p:cond delay="0"/>
+                                          </p:stCondLst>
+                                        </p:cTn>
+                                        <p:tgtEl>
+                                          <p:spTgt spid="13"/>
+                                        </p:tgtEl>
+                                        <p:attrNameLst>
+                                          <p:attrName>style.visibility</p:attrName>
+                                        </p:attrNameLst>
+                                      </p:cBhvr>
+                                      <p:to>
+                                        <p:strVal val="visible"/>
+                                      </p:to>
+                                    </p:set>
+                                    <p:animEffect transition="in" filter="fade">
+                                      <p:cBhvr>
+                                        <p:cTn id="47" dur="500"/>
+                                        <p:tgtEl>
+                                          <p:spTgt spid="13"/>
+                                        </p:tgtEl>
+                                      </p:cBhvr>
+                                    </p:animEffect>
+                                  </p:childTnLst>
+                                </p:cTn>
+                              </p:par>
+                            </p:childTnLst>
+                          </p:cTn>
+                        </p:par>
+                      </p:childTnLst>
+                    </p:cTn>
+                  </p:par>
+                </p:childTnLst>
+              </p:cTn>
+              <p:prevCondLst>
+                <p:cond evt="onPrev" delay="0">
+                  <p:tgtEl>
+                    <p:sldTgt/>
+                  </p:tgtEl>
+                </p:cond>
+              </p:prevCondLst>
+              <p:nextCondLst>
+                <p:cond evt="onNext" delay="0">
+                  <p:tgtEl>
+                    <p:sldTgt/>
+                  </p:tgtEl>
+                </p:cond>
+              </p:nextCondLst>
+            </p:seq>
+          </p:childTnLst>
+        </p:cTn>
+      </p:par>
+    </p:tnLst>
+    <p:bldLst>
+      <p:bldP spid="4" grpId="0" animBg="1"/>
+      <p:bldP spid="13" grpId="0" animBg="1"/>
+      <p:bldP spid="14" grpId="0" animBg="1"/>
+      <p:bldP spid="15" grpId="0" animBg="1"/>
+      <p:bldP spid="19" grpId="0"/>
+      <p:bldP spid="20" grpId="0"/>
+      <p:bldP spid="21" grpId="0"/>
+      <p:bldP spid="22" grpId="0"/>
+    </p:bldLst>
+  </p:timing>
 </p:sld>
 </file>
 
@@ -13729,7 +19168,7 @@
         </p:nvSpPr>
         <p:spPr>
           <a:xfrm>
-            <a:off x="136263" y="107576"/>
+            <a:off x="136262" y="107576"/>
             <a:ext cx="11919473" cy="6642848"/>
           </a:xfrm>
           <a:prstGeom prst="roundRect">
@@ -13929,77 +19368,6 @@
           </a:p>
         </p:txBody>
       </p:sp>
-      <p:sp>
-        <p:nvSpPr>
-          <p:cNvPr id="3" name="Subtitle 2">
-            <a:extLst>
-              <a:ext uri="{FF2B5EF4-FFF2-40B4-BE49-F238E27FC236}">
-                <a16:creationId xmlns:a16="http://schemas.microsoft.com/office/drawing/2014/main" id="{FC446B2D-F94A-2F94-9904-6D62ADA65C8F}"/>
-              </a:ext>
-            </a:extLst>
-          </p:cNvPr>
-          <p:cNvSpPr>
-            <a:spLocks noGrp="1"/>
-          </p:cNvSpPr>
-          <p:nvPr>
-            <p:ph type="subTitle" idx="1"/>
-          </p:nvPr>
-        </p:nvSpPr>
-        <p:spPr>
-          <a:xfrm>
-            <a:off x="1159136" y="789946"/>
-            <a:ext cx="9601200" cy="2212434"/>
-          </a:xfrm>
-        </p:spPr>
-        <p:txBody>
-          <a:bodyPr>
-            <a:normAutofit/>
-          </a:bodyPr>
-          <a:lstStyle/>
-          <a:p>
-            <a:pPr marL="342900" indent="-342900" algn="l">
-              <a:lnSpc>
-                <a:spcPct val="200000"/>
-              </a:lnSpc>
-              <a:buFont typeface="Wingdings" panose="05000000000000000000" pitchFamily="2" charset="2"/>
-              <a:buChar char="§"/>
-            </a:pPr>
-            <a:r>
-              <a:rPr lang="it-IT" dirty="0">
-                <a:latin typeface="Times New Roman" panose="02020603050405020304" pitchFamily="18" charset="0"/>
-                <a:cs typeface="Times New Roman" panose="02020603050405020304" pitchFamily="18" charset="0"/>
-              </a:rPr>
-              <a:t>Alcuni elementi grafici necessitano di aggiornamenti tempestivi</a:t>
-            </a:r>
-          </a:p>
-          <a:p>
-            <a:pPr marL="342900" indent="-342900" algn="l">
-              <a:lnSpc>
-                <a:spcPct val="200000"/>
-              </a:lnSpc>
-              <a:buFont typeface="Wingdings" panose="05000000000000000000" pitchFamily="2" charset="2"/>
-              <a:buChar char="§"/>
-            </a:pPr>
-            <a:endParaRPr lang="it-IT" dirty="0">
-              <a:latin typeface="Times New Roman" panose="02020603050405020304" pitchFamily="18" charset="0"/>
-              <a:cs typeface="Times New Roman" panose="02020603050405020304" pitchFamily="18" charset="0"/>
-            </a:endParaRPr>
-          </a:p>
-          <a:p>
-            <a:pPr marL="342900" indent="-342900" algn="l">
-              <a:lnSpc>
-                <a:spcPct val="200000"/>
-              </a:lnSpc>
-              <a:buFont typeface="Wingdings" panose="05000000000000000000" pitchFamily="2" charset="2"/>
-              <a:buChar char="§"/>
-            </a:pPr>
-            <a:endParaRPr lang="it-IT" dirty="0">
-              <a:latin typeface="Times New Roman" panose="02020603050405020304" pitchFamily="18" charset="0"/>
-              <a:cs typeface="Times New Roman" panose="02020603050405020304" pitchFamily="18" charset="0"/>
-            </a:endParaRPr>
-          </a:p>
-        </p:txBody>
-      </p:sp>
       <p:pic>
         <p:nvPicPr>
           <p:cNvPr id="5" name="Picture 4">
@@ -14021,7 +19389,7 @@
         </p:blipFill>
         <p:spPr>
           <a:xfrm>
-            <a:off x="2518869" y="1502065"/>
+            <a:off x="2518869" y="1665593"/>
             <a:ext cx="7154261" cy="1322789"/>
           </a:xfrm>
           <a:prstGeom prst="roundRect">
@@ -14064,7 +19432,7 @@
         </p:blipFill>
         <p:spPr>
           <a:xfrm>
-            <a:off x="5482452" y="3039389"/>
+            <a:off x="5482452" y="3057145"/>
             <a:ext cx="5068168" cy="3564898"/>
           </a:xfrm>
           <a:prstGeom prst="rect">
@@ -14072,6 +19440,87 @@
           </a:prstGeom>
         </p:spPr>
       </p:pic>
+      <p:sp>
+        <p:nvSpPr>
+          <p:cNvPr id="6" name="Rectangle: Rounded Corners 5">
+            <a:extLst>
+              <a:ext uri="{FF2B5EF4-FFF2-40B4-BE49-F238E27FC236}">
+                <a16:creationId xmlns:a16="http://schemas.microsoft.com/office/drawing/2014/main" id="{5EC03B89-23AA-C895-EDDB-C11F50F9441F}"/>
+              </a:ext>
+            </a:extLst>
+          </p:cNvPr>
+          <p:cNvSpPr/>
+          <p:nvPr/>
+        </p:nvSpPr>
+        <p:spPr>
+          <a:xfrm>
+            <a:off x="1159134" y="3918051"/>
+            <a:ext cx="5863103" cy="1220451"/>
+          </a:xfrm>
+          <a:prstGeom prst="roundRect">
+            <a:avLst/>
+          </a:prstGeom>
+          <a:solidFill>
+            <a:schemeClr val="bg1"/>
+          </a:solidFill>
+          <a:ln>
+            <a:noFill/>
+          </a:ln>
+        </p:spPr>
+        <p:style>
+          <a:lnRef idx="2">
+            <a:schemeClr val="accent1">
+              <a:shade val="15000"/>
+            </a:schemeClr>
+          </a:lnRef>
+          <a:fillRef idx="1">
+            <a:schemeClr val="accent1"/>
+          </a:fillRef>
+          <a:effectRef idx="0">
+            <a:schemeClr val="accent1"/>
+          </a:effectRef>
+          <a:fontRef idx="minor">
+            <a:schemeClr val="lt1"/>
+          </a:fontRef>
+        </p:style>
+        <p:txBody>
+          <a:bodyPr rtlCol="0" anchor="ctr"/>
+          <a:lstStyle/>
+          <a:p>
+            <a:pPr marL="0" marR="0" lvl="0" indent="0" algn="ctr" defTabSz="914400" rtl="0" eaLnBrk="1" fontAlgn="auto" latinLnBrk="0" hangingPunct="1">
+              <a:lnSpc>
+                <a:spcPct val="100000"/>
+              </a:lnSpc>
+              <a:spcBef>
+                <a:spcPts val="0"/>
+              </a:spcBef>
+              <a:spcAft>
+                <a:spcPts val="0"/>
+              </a:spcAft>
+              <a:buClrTx/>
+              <a:buSzTx/>
+              <a:buFontTx/>
+              <a:buNone/>
+              <a:tabLst/>
+              <a:defRPr/>
+            </a:pPr>
+            <a:endParaRPr kumimoji="0" lang="it-IT" sz="1800" b="0" i="0" u="none" strike="noStrike" kern="1200" cap="none" spc="0" normalizeH="0" baseline="0" noProof="0">
+              <a:ln>
+                <a:noFill/>
+              </a:ln>
+              <a:solidFill>
+                <a:prstClr val="white"/>
+              </a:solidFill>
+              <a:effectLst/>
+              <a:uLnTx/>
+              <a:uFillTx/>
+              <a:latin typeface="Calibri" panose="020F0502020204030204"/>
+              <a:ea typeface="+mn-ea"/>
+              <a:cs typeface="+mn-cs"/>
+            </a:endParaRPr>
+          </a:p>
+        </p:txBody>
+      </p:sp>
       <p:sp>
         <p:nvSpPr>
           <p:cNvPr id="9" name="Subtitle 2">
@@ -14088,8 +19537,8 @@
         </p:nvSpPr>
         <p:spPr>
           <a:xfrm>
-            <a:off x="1159135" y="3874670"/>
-            <a:ext cx="5594089" cy="2764255"/>
+            <a:off x="1159135" y="3968944"/>
+            <a:ext cx="5863101" cy="1232342"/>
           </a:xfrm>
           <a:prstGeom prst="rect">
             <a:avLst/>
@@ -14097,7 +19546,7 @@
         </p:spPr>
         <p:txBody>
           <a:bodyPr vert="horz" lIns="91440" tIns="45720" rIns="91440" bIns="45720" rtlCol="0">
-            <a:normAutofit/>
+            <a:normAutofit fontScale="77500" lnSpcReduction="20000"/>
           </a:bodyPr>
           <a:lstStyle>
             <a:lvl1pPr marL="0" indent="0" algn="ctr" defTabSz="914400" rtl="0" eaLnBrk="1" latinLnBrk="0" hangingPunct="1">
@@ -14272,13 +19721,137 @@
               <a:buChar char="§"/>
             </a:pPr>
             <a:r>
-              <a:rPr lang="it-IT" dirty="0">
+              <a:rPr lang="it-IT" sz="3100" dirty="0">
                 <a:latin typeface="Times New Roman" panose="02020603050405020304" pitchFamily="18" charset="0"/>
                 <a:cs typeface="Times New Roman" panose="02020603050405020304" pitchFamily="18" charset="0"/>
               </a:rPr>
-              <a:t>Una coda con priorità permette di gestire le comunicazioni e gli aggiornamenti delle componenti grafiche</a:t>
+              <a:t>Una </a:t>
             </a:r>
-          </a:p>
+            <a:r>
+              <a:rPr lang="it-IT" sz="3100" b="1" dirty="0">
+                <a:latin typeface="Times New Roman" panose="02020603050405020304" pitchFamily="18" charset="0"/>
+                <a:cs typeface="Times New Roman" panose="02020603050405020304" pitchFamily="18" charset="0"/>
+              </a:rPr>
+              <a:t>coda di priorità </a:t>
+            </a:r>
+            <a:r>
+              <a:rPr lang="it-IT" sz="3100" dirty="0">
+                <a:latin typeface="Times New Roman" panose="02020603050405020304" pitchFamily="18" charset="0"/>
+                <a:cs typeface="Times New Roman" panose="02020603050405020304" pitchFamily="18" charset="0"/>
+              </a:rPr>
+              <a:t>permette di gestire le comunicazioni e gli aggiornamenti delle componenti grafiche</a:t>
+            </a:r>
+          </a:p>
+        </p:txBody>
+      </p:sp>
+      <p:sp>
+        <p:nvSpPr>
+          <p:cNvPr id="4" name="Rectangle: Rounded Corners 3">
+            <a:extLst>
+              <a:ext uri="{FF2B5EF4-FFF2-40B4-BE49-F238E27FC236}">
+                <a16:creationId xmlns:a16="http://schemas.microsoft.com/office/drawing/2014/main" id="{59FE2E9D-74CF-CE81-55BB-51E23D076BAE}"/>
+              </a:ext>
+            </a:extLst>
+          </p:cNvPr>
+          <p:cNvSpPr/>
+          <p:nvPr/>
+        </p:nvSpPr>
+        <p:spPr>
+          <a:xfrm>
+            <a:off x="1159135" y="1011120"/>
+            <a:ext cx="9227739" cy="595148"/>
+          </a:xfrm>
+          <a:prstGeom prst="roundRect">
+            <a:avLst/>
+          </a:prstGeom>
+          <a:solidFill>
+            <a:schemeClr val="bg1"/>
+          </a:solidFill>
+          <a:ln>
+            <a:noFill/>
+          </a:ln>
+        </p:spPr>
+        <p:style>
+          <a:lnRef idx="2">
+            <a:schemeClr val="accent1">
+              <a:shade val="15000"/>
+            </a:schemeClr>
+          </a:lnRef>
+          <a:fillRef idx="1">
+            <a:schemeClr val="accent1"/>
+          </a:fillRef>
+          <a:effectRef idx="0">
+            <a:schemeClr val="accent1"/>
+          </a:effectRef>
+          <a:fontRef idx="minor">
+            <a:schemeClr val="lt1"/>
+          </a:fontRef>
+        </p:style>
+        <p:txBody>
+          <a:bodyPr rtlCol="0" anchor="ctr"/>
+          <a:lstStyle/>
+          <a:p>
+            <a:pPr marL="0" marR="0" lvl="0" indent="0" algn="ctr" defTabSz="914400" rtl="0" eaLnBrk="1" fontAlgn="auto" latinLnBrk="0" hangingPunct="1">
+              <a:lnSpc>
+                <a:spcPct val="100000"/>
+              </a:lnSpc>
+              <a:spcBef>
+                <a:spcPts val="0"/>
+              </a:spcBef>
+              <a:spcAft>
+                <a:spcPts val="0"/>
+              </a:spcAft>
+              <a:buClrTx/>
+              <a:buSzTx/>
+              <a:buFontTx/>
+              <a:buNone/>
+              <a:tabLst/>
+              <a:defRPr/>
+            </a:pPr>
+            <a:endParaRPr kumimoji="0" lang="it-IT" sz="1800" b="0" i="0" u="none" strike="noStrike" kern="1200" cap="none" spc="0" normalizeH="0" baseline="0" noProof="0">
+              <a:ln>
+                <a:noFill/>
+              </a:ln>
+              <a:solidFill>
+                <a:prstClr val="white"/>
+              </a:solidFill>
+              <a:effectLst/>
+              <a:uLnTx/>
+              <a:uFillTx/>
+              <a:latin typeface="Calibri" panose="020F0502020204030204"/>
+              <a:ea typeface="+mn-ea"/>
+              <a:cs typeface="+mn-cs"/>
+            </a:endParaRPr>
+          </a:p>
+        </p:txBody>
+      </p:sp>
+      <p:sp>
+        <p:nvSpPr>
+          <p:cNvPr id="3" name="Subtitle 2">
+            <a:extLst>
+              <a:ext uri="{FF2B5EF4-FFF2-40B4-BE49-F238E27FC236}">
+                <a16:creationId xmlns:a16="http://schemas.microsoft.com/office/drawing/2014/main" id="{FC446B2D-F94A-2F94-9904-6D62ADA65C8F}"/>
+              </a:ext>
+            </a:extLst>
+          </p:cNvPr>
+          <p:cNvSpPr>
+            <a:spLocks noGrp="1"/>
+          </p:cNvSpPr>
+          <p:nvPr>
+            <p:ph type="subTitle" idx="1"/>
+          </p:nvPr>
+        </p:nvSpPr>
+        <p:spPr>
+          <a:xfrm>
+            <a:off x="1159135" y="789946"/>
+            <a:ext cx="9601201" cy="929553"/>
+          </a:xfrm>
+        </p:spPr>
+        <p:txBody>
+          <a:bodyPr>
+            <a:normAutofit fontScale="92500"/>
+          </a:bodyPr>
+          <a:lstStyle/>
           <a:p>
             <a:pPr marL="342900" indent="-342900" algn="l">
               <a:lnSpc>
@@ -14287,7 +19860,21 @@
               <a:buFont typeface="Wingdings" panose="05000000000000000000" pitchFamily="2" charset="2"/>
               <a:buChar char="§"/>
             </a:pPr>
-            <a:endParaRPr lang="it-IT" dirty="0">
+            <a:r>
+              <a:rPr lang="it-IT" sz="2800" dirty="0">
+                <a:latin typeface="Times New Roman" panose="02020603050405020304" pitchFamily="18" charset="0"/>
+                <a:cs typeface="Times New Roman" panose="02020603050405020304" pitchFamily="18" charset="0"/>
+              </a:rPr>
+              <a:t>Alcuni elementi grafici necessitano di </a:t>
+            </a:r>
+            <a:r>
+              <a:rPr lang="it-IT" sz="2800" b="1" dirty="0">
+                <a:latin typeface="Times New Roman" panose="02020603050405020304" pitchFamily="18" charset="0"/>
+                <a:cs typeface="Times New Roman" panose="02020603050405020304" pitchFamily="18" charset="0"/>
+              </a:rPr>
+              <a:t>aggiornamenti tempestivi</a:t>
+            </a:r>
+            <a:endParaRPr lang="it-IT" b="1" dirty="0">
               <a:latin typeface="Times New Roman" panose="02020603050405020304" pitchFamily="18" charset="0"/>
               <a:cs typeface="Times New Roman" panose="02020603050405020304" pitchFamily="18" charset="0"/>
             </a:endParaRPr>
@@ -14354,7 +19941,7 @@
                                     </p:set>
                                     <p:animEffect transition="in" filter="fade">
                                       <p:cBhvr>
-                                        <p:cTn id="7" dur="300"/>
+                                        <p:cTn id="7" dur="500"/>
                                         <p:tgtEl>
                                           <p:spTgt spid="3">
                                             <p:txEl>
@@ -14367,24 +19954,59 @@
                                   </p:childTnLst>
                                 </p:cTn>
                               </p:par>
-                            </p:childTnLst>
-                          </p:cTn>
-                        </p:par>
-                        <p:par>
-                          <p:cTn id="8" fill="hold">
-                            <p:stCondLst>
-                              <p:cond delay="300"/>
-                            </p:stCondLst>
-                            <p:childTnLst>
                               <p:par>
-                                <p:cTn id="9" presetID="10" presetClass="entr" presetSubtype="0" fill="hold" nodeType="afterEffect">
+                                <p:cTn id="8" presetID="10" presetClass="entr" presetSubtype="0" fill="hold" grpId="0" nodeType="withEffect">
                                   <p:stCondLst>
                                     <p:cond delay="0"/>
                                   </p:stCondLst>
                                   <p:childTnLst>
                                     <p:set>
                                       <p:cBhvr>
-                                        <p:cTn id="10" dur="1" fill="hold">
+                                        <p:cTn id="9" dur="1" fill="hold">
+                                          <p:stCondLst>
+                                            <p:cond delay="0"/>
+                                          </p:stCondLst>
+                                        </p:cTn>
+                                        <p:tgtEl>
+                                          <p:spTgt spid="4"/>
+                                        </p:tgtEl>
+                                        <p:attrNameLst>
+                                          <p:attrName>style.visibility</p:attrName>
+                                        </p:attrNameLst>
+                                      </p:cBhvr>
+                                      <p:to>
+                                        <p:strVal val="visible"/>
+                                      </p:to>
+                                    </p:set>
+                                    <p:animEffect transition="in" filter="fade">
+                                      <p:cBhvr>
+                                        <p:cTn id="10" dur="300"/>
+                                        <p:tgtEl>
+                                          <p:spTgt spid="4"/>
+                                        </p:tgtEl>
+                                      </p:cBhvr>
+                                    </p:animEffect>
+                                  </p:childTnLst>
+                                </p:cTn>
+                              </p:par>
+                            </p:childTnLst>
+                          </p:cTn>
+                        </p:par>
+                        <p:par>
+                          <p:cTn id="11" fill="hold">
+                            <p:stCondLst>
+                              <p:cond delay="500"/>
+                            </p:stCondLst>
+                            <p:childTnLst>
+                              <p:par>
+                                <p:cTn id="12" presetID="10" presetClass="entr" presetSubtype="0" fill="hold" nodeType="afterEffect">
+                                  <p:stCondLst>
+                                    <p:cond delay="0"/>
+                                  </p:stCondLst>
+                                  <p:childTnLst>
+                                    <p:set>
+                                      <p:cBhvr>
+                                        <p:cTn id="13" dur="1" fill="hold">
                                           <p:stCondLst>
                                             <p:cond delay="0"/>
                                           </p:stCondLst>
@@ -14402,7 +20024,7 @@
                                     </p:set>
                                     <p:animEffect transition="in" filter="fade">
                                       <p:cBhvr>
-                                        <p:cTn id="11" dur="300"/>
+                                        <p:cTn id="14" dur="300"/>
                                         <p:tgtEl>
                                           <p:spTgt spid="5"/>
                                         </p:tgtEl>
@@ -14418,26 +20040,26 @@
                     </p:cTn>
                   </p:par>
                   <p:par>
-                    <p:cTn id="12" fill="hold">
+                    <p:cTn id="15" fill="hold">
                       <p:stCondLst>
                         <p:cond delay="indefinite"/>
                       </p:stCondLst>
                       <p:childTnLst>
                         <p:par>
-                          <p:cTn id="13" fill="hold">
+                          <p:cTn id="16" fill="hold">
                             <p:stCondLst>
                               <p:cond delay="0"/>
                             </p:stCondLst>
                             <p:childTnLst>
                               <p:par>
-                                <p:cTn id="14" presetID="10" presetClass="entr" presetSubtype="0" fill="hold" nodeType="clickEffect">
+                                <p:cTn id="17" presetID="10" presetClass="entr" presetSubtype="0" fill="hold" nodeType="clickEffect">
                                   <p:stCondLst>
                                     <p:cond delay="0"/>
                                   </p:stCondLst>
                                   <p:childTnLst>
                                     <p:set>
                                       <p:cBhvr>
-                                        <p:cTn id="15" dur="1" fill="hold">
+                                        <p:cTn id="18" dur="1" fill="hold">
                                           <p:stCondLst>
                                             <p:cond delay="0"/>
                                           </p:stCondLst>
@@ -14459,7 +20081,7 @@
                                     </p:set>
                                     <p:animEffect transition="in" filter="fade">
                                       <p:cBhvr>
-                                        <p:cTn id="16" dur="300"/>
+                                        <p:cTn id="19" dur="500"/>
                                         <p:tgtEl>
                                           <p:spTgt spid="9">
                                             <p:txEl>
@@ -14472,24 +20094,59 @@
                                   </p:childTnLst>
                                 </p:cTn>
                               </p:par>
-                            </p:childTnLst>
-                          </p:cTn>
-                        </p:par>
-                        <p:par>
-                          <p:cTn id="17" fill="hold">
-                            <p:stCondLst>
-                              <p:cond delay="300"/>
-                            </p:stCondLst>
-                            <p:childTnLst>
                               <p:par>
-                                <p:cTn id="18" presetID="10" presetClass="entr" presetSubtype="0" fill="hold" nodeType="afterEffect">
+                                <p:cTn id="20" presetID="10" presetClass="entr" presetSubtype="0" fill="hold" grpId="0" nodeType="withEffect">
                                   <p:stCondLst>
                                     <p:cond delay="0"/>
                                   </p:stCondLst>
                                   <p:childTnLst>
                                     <p:set>
                                       <p:cBhvr>
-                                        <p:cTn id="19" dur="1" fill="hold">
+                                        <p:cTn id="21" dur="1" fill="hold">
+                                          <p:stCondLst>
+                                            <p:cond delay="0"/>
+                                          </p:stCondLst>
+                                        </p:cTn>
+                                        <p:tgtEl>
+                                          <p:spTgt spid="6"/>
+                                        </p:tgtEl>
+                                        <p:attrNameLst>
+                                          <p:attrName>style.visibility</p:attrName>
+                                        </p:attrNameLst>
+                                      </p:cBhvr>
+                                      <p:to>
+                                        <p:strVal val="visible"/>
+                                      </p:to>
+                                    </p:set>
+                                    <p:animEffect transition="in" filter="fade">
+                                      <p:cBhvr>
+                                        <p:cTn id="22" dur="300"/>
+                                        <p:tgtEl>
+                                          <p:spTgt spid="6"/>
+                                        </p:tgtEl>
+                                      </p:cBhvr>
+                                    </p:animEffect>
+                                  </p:childTnLst>
+                                </p:cTn>
+                              </p:par>
+                            </p:childTnLst>
+                          </p:cTn>
+                        </p:par>
+                        <p:par>
+                          <p:cTn id="23" fill="hold">
+                            <p:stCondLst>
+                              <p:cond delay="500"/>
+                            </p:stCondLst>
+                            <p:childTnLst>
+                              <p:par>
+                                <p:cTn id="24" presetID="10" presetClass="entr" presetSubtype="0" fill="hold" nodeType="afterEffect">
+                                  <p:stCondLst>
+                                    <p:cond delay="0"/>
+                                  </p:stCondLst>
+                                  <p:childTnLst>
+                                    <p:set>
+                                      <p:cBhvr>
+                                        <p:cTn id="25" dur="1" fill="hold">
                                           <p:stCondLst>
                                             <p:cond delay="0"/>
                                           </p:stCondLst>
@@ -14507,7 +20164,7 @@
                                     </p:set>
                                     <p:animEffect transition="in" filter="fade">
                                       <p:cBhvr>
-                                        <p:cTn id="20" dur="300"/>
+                                        <p:cTn id="26" dur="300"/>
                                         <p:tgtEl>
                                           <p:spTgt spid="7"/>
                                         </p:tgtEl>
@@ -14543,6 +20200,10 @@
         </p:cTn>
       </p:par>
     </p:tnLst>
+    <p:bldLst>
+      <p:bldP spid="6" grpId="0" animBg="1"/>
+      <p:bldP spid="4" grpId="0" animBg="1"/>
+    </p:bldLst>
   </p:timing>
 </p:sld>
 </file>
@@ -14688,8 +20349,8 @@
         </p:nvSpPr>
         <p:spPr>
           <a:xfrm>
-            <a:off x="3906175" y="253713"/>
-            <a:ext cx="4403324" cy="536232"/>
+            <a:off x="4678533" y="253713"/>
+            <a:ext cx="2849732" cy="536232"/>
           </a:xfrm>
           <a:prstGeom prst="roundRect">
             <a:avLst/>
@@ -14794,7 +20455,7 @@
                 <a:ea typeface="Cambria Math" panose="02040503050406030204" pitchFamily="18" charset="0"/>
                 <a:cs typeface="Times New Roman" panose="02020603050405020304" pitchFamily="18" charset="0"/>
               </a:rPr>
-              <a:t>Task e pattern Command</a:t>
+              <a:t>Coda di priorità</a:t>
             </a:r>
           </a:p>
         </p:txBody>
@@ -14804,7 +20465,7 @@
           <p:cNvPr id="4" name="Rectangle: Rounded Corners 3">
             <a:extLst>
               <a:ext uri="{FF2B5EF4-FFF2-40B4-BE49-F238E27FC236}">
-                <a16:creationId xmlns:a16="http://schemas.microsoft.com/office/drawing/2014/main" id="{39069EAF-C6D0-D2ED-3676-DEF790ECF923}"/>
+                <a16:creationId xmlns:a16="http://schemas.microsoft.com/office/drawing/2014/main" id="{59FE2E9D-74CF-CE81-55BB-51E23D076BAE}"/>
               </a:ext>
             </a:extLst>
           </p:cNvPr>
@@ -14813,21 +20474,17 @@
         </p:nvSpPr>
         <p:spPr>
           <a:xfrm>
-            <a:off x="6387942" y="928537"/>
-            <a:ext cx="5223033" cy="3668356"/>
+            <a:off x="965747" y="877632"/>
+            <a:ext cx="10275303" cy="1744544"/>
           </a:xfrm>
           <a:prstGeom prst="roundRect">
-            <a:avLst>
-              <a:gd name="adj" fmla="val 4135"/>
-            </a:avLst>
+            <a:avLst/>
           </a:prstGeom>
           <a:solidFill>
             <a:schemeClr val="bg1"/>
           </a:solidFill>
-          <a:ln w="28575">
-            <a:solidFill>
-              <a:srgbClr val="56517E"/>
-            </a:solidFill>
+          <a:ln>
+            <a:noFill/>
           </a:ln>
         </p:spPr>
         <p:style>
@@ -14850,60 +20507,169 @@
           <a:bodyPr rtlCol="0" anchor="ctr"/>
           <a:lstStyle/>
           <a:p>
-            <a:pPr algn="ctr">
-              <a:lnSpc>
-                <a:spcPct val="150000"/>
-              </a:lnSpc>
+            <a:pPr>
               <a:defRPr/>
             </a:pPr>
             <a:r>
-              <a:rPr lang="en-US" sz="2100" dirty="0">
-                <a:solidFill>
-                  <a:schemeClr val="tx1"/>
-                </a:solidFill>
-                <a:effectLst/>
-                <a:latin typeface="Times New Roman" panose="02020603050405020304" pitchFamily="18" charset="0"/>
-                <a:ea typeface="Times New Roman" panose="02020603050405020304" pitchFamily="18" charset="0"/>
-              </a:rPr>
-              <a:t>“</a:t>
-            </a:r>
-            <a:r>
-              <a:rPr lang="en-US" sz="2100" i="1" dirty="0">
-                <a:solidFill>
-                  <a:schemeClr val="tx1"/>
-                </a:solidFill>
-                <a:effectLst/>
-                <a:latin typeface="Times New Roman" panose="02020603050405020304" pitchFamily="18" charset="0"/>
-                <a:ea typeface="Times New Roman" panose="02020603050405020304" pitchFamily="18" charset="0"/>
-              </a:rPr>
-              <a:t>The Command pattern suggests that GUI objects shouldn’t send […] requests directly. Instead, […] should extract all of the request details, such as the object being called, the name of the method and the list of arguments into a separate command class with a single method that triggers this request</a:t>
-            </a:r>
-            <a:r>
-              <a:rPr lang="en-US" sz="2100" i="1" dirty="0">
+              <a:rPr lang="it-IT" sz="2800" dirty="0">
                 <a:solidFill>
                   <a:schemeClr val="tx1"/>
                 </a:solidFill>
                 <a:latin typeface="Times New Roman" panose="02020603050405020304" pitchFamily="18" charset="0"/>
-                <a:ea typeface="Times New Roman" panose="02020603050405020304" pitchFamily="18" charset="0"/>
+                <a:cs typeface="Times New Roman" panose="02020603050405020304" pitchFamily="18" charset="0"/>
               </a:rPr>
-              <a:t>”</a:t>
+              <a:t>La coda deve poter discriminare tra tre diverse tipologie di compiti:</a:t>
             </a:r>
-            <a:endParaRPr lang="it-IT" sz="2100" dirty="0">
-              <a:solidFill>
-                <a:schemeClr val="tx1"/>
-              </a:solidFill>
-              <a:latin typeface="Times New Roman" panose="02020603050405020304" pitchFamily="18" charset="0"/>
-              <a:cs typeface="Times New Roman" panose="02020603050405020304" pitchFamily="18" charset="0"/>
-            </a:endParaRPr>
+          </a:p>
+          <a:p>
+            <a:pPr marL="285750" indent="-285750">
+              <a:buFont typeface="Wingdings" panose="05000000000000000000" pitchFamily="2" charset="2"/>
+              <a:buChar char="§"/>
+              <a:defRPr/>
+            </a:pPr>
+            <a:r>
+              <a:rPr lang="it-IT" sz="2800" dirty="0">
+                <a:solidFill>
+                  <a:srgbClr val="7FB265"/>
+                </a:solidFill>
+                <a:latin typeface="Times New Roman" panose="02020603050405020304" pitchFamily="18" charset="0"/>
+                <a:cs typeface="Times New Roman" panose="02020603050405020304" pitchFamily="18" charset="0"/>
+              </a:rPr>
+              <a:t>Ad alta priorità </a:t>
+            </a:r>
+            <a:r>
+              <a:rPr lang="it-IT" sz="2800" dirty="0">
+                <a:solidFill>
+                  <a:schemeClr val="tx1"/>
+                </a:solidFill>
+                <a:latin typeface="Times New Roman" panose="02020603050405020304" pitchFamily="18" charset="0"/>
+                <a:cs typeface="Times New Roman" panose="02020603050405020304" pitchFamily="18" charset="0"/>
+              </a:rPr>
+              <a:t>(</a:t>
+            </a:r>
+            <a:r>
+              <a:rPr lang="el-GR" sz="2800" dirty="0">
+                <a:solidFill>
+                  <a:srgbClr val="7FB265"/>
+                </a:solidFill>
+                <a:latin typeface="Times New Roman" panose="02020603050405020304" pitchFamily="18" charset="0"/>
+                <a:cs typeface="Times New Roman" panose="02020603050405020304" pitchFamily="18" charset="0"/>
+              </a:rPr>
+              <a:t>α</a:t>
+            </a:r>
+            <a:r>
+              <a:rPr lang="it-IT" sz="2800" dirty="0">
+                <a:solidFill>
+                  <a:schemeClr val="tx1"/>
+                </a:solidFill>
+                <a:latin typeface="Times New Roman" panose="02020603050405020304" pitchFamily="18" charset="0"/>
+                <a:cs typeface="Times New Roman" panose="02020603050405020304" pitchFamily="18" charset="0"/>
+              </a:rPr>
+              <a:t>)</a:t>
+            </a:r>
+          </a:p>
+          <a:p>
+            <a:pPr marL="285750" indent="-285750">
+              <a:buFont typeface="Wingdings" panose="05000000000000000000" pitchFamily="2" charset="2"/>
+              <a:buChar char="§"/>
+              <a:defRPr/>
+            </a:pPr>
+            <a:r>
+              <a:rPr lang="it-IT" sz="2800" dirty="0">
+                <a:solidFill>
+                  <a:srgbClr val="B64F4B"/>
+                </a:solidFill>
+                <a:latin typeface="Times New Roman" panose="02020603050405020304" pitchFamily="18" charset="0"/>
+                <a:cs typeface="Times New Roman" panose="02020603050405020304" pitchFamily="18" charset="0"/>
+              </a:rPr>
+              <a:t>A priorità normale </a:t>
+            </a:r>
+            <a:r>
+              <a:rPr lang="it-IT" sz="2800" dirty="0">
+                <a:solidFill>
+                  <a:schemeClr val="tx1"/>
+                </a:solidFill>
+                <a:latin typeface="Times New Roman" panose="02020603050405020304" pitchFamily="18" charset="0"/>
+                <a:cs typeface="Times New Roman" panose="02020603050405020304" pitchFamily="18" charset="0"/>
+              </a:rPr>
+              <a:t>(</a:t>
+            </a:r>
+            <a:r>
+              <a:rPr lang="el-GR" sz="2800" dirty="0">
+                <a:solidFill>
+                  <a:srgbClr val="B64F4B"/>
+                </a:solidFill>
+                <a:latin typeface="Times New Roman" panose="02020603050405020304" pitchFamily="18" charset="0"/>
+                <a:cs typeface="Times New Roman" panose="02020603050405020304" pitchFamily="18" charset="0"/>
+              </a:rPr>
+              <a:t>β</a:t>
+            </a:r>
+            <a:r>
+              <a:rPr lang="it-IT" sz="2800" dirty="0">
+                <a:solidFill>
+                  <a:schemeClr val="tx1"/>
+                </a:solidFill>
+                <a:latin typeface="Times New Roman" panose="02020603050405020304" pitchFamily="18" charset="0"/>
+                <a:cs typeface="Times New Roman" panose="02020603050405020304" pitchFamily="18" charset="0"/>
+              </a:rPr>
+              <a:t>)</a:t>
+            </a:r>
+          </a:p>
+          <a:p>
+            <a:pPr marL="285750" indent="-285750">
+              <a:buFont typeface="Wingdings" panose="05000000000000000000" pitchFamily="2" charset="2"/>
+              <a:buChar char="§"/>
+              <a:defRPr/>
+            </a:pPr>
+            <a:r>
+              <a:rPr lang="it-IT" sz="2800" dirty="0">
+                <a:solidFill>
+                  <a:srgbClr val="6A8DC0"/>
+                </a:solidFill>
+                <a:latin typeface="Times New Roman" panose="02020603050405020304" pitchFamily="18" charset="0"/>
+                <a:cs typeface="Times New Roman" panose="02020603050405020304" pitchFamily="18" charset="0"/>
+              </a:rPr>
+              <a:t>Immediati </a:t>
+            </a:r>
+            <a:r>
+              <a:rPr lang="it-IT" sz="2800" dirty="0">
+                <a:solidFill>
+                  <a:schemeClr val="tx1"/>
+                </a:solidFill>
+                <a:latin typeface="Times New Roman" panose="02020603050405020304" pitchFamily="18" charset="0"/>
+                <a:cs typeface="Times New Roman" panose="02020603050405020304" pitchFamily="18" charset="0"/>
+              </a:rPr>
+              <a:t>(</a:t>
+            </a:r>
+            <a:r>
+              <a:rPr lang="el-GR" sz="2800" dirty="0">
+                <a:solidFill>
+                  <a:srgbClr val="6A8DC0"/>
+                </a:solidFill>
+                <a:latin typeface="Times New Roman" panose="02020603050405020304" pitchFamily="18" charset="0"/>
+                <a:cs typeface="Times New Roman" panose="02020603050405020304" pitchFamily="18" charset="0"/>
+              </a:rPr>
+              <a:t>γ</a:t>
+            </a:r>
+            <a:r>
+              <a:rPr lang="it-IT" sz="2800" dirty="0">
+                <a:solidFill>
+                  <a:schemeClr val="tx1"/>
+                </a:solidFill>
+                <a:latin typeface="Times New Roman" panose="02020603050405020304" pitchFamily="18" charset="0"/>
+                <a:cs typeface="Times New Roman" panose="02020603050405020304" pitchFamily="18" charset="0"/>
+              </a:rPr>
+              <a:t>)</a:t>
+            </a:r>
           </a:p>
         </p:txBody>
       </p:sp>
       <p:pic>
         <p:nvPicPr>
-          <p:cNvPr id="22" name="Picture 21" descr="A blue and white sign with white letters&#10;&#10;Description automatically generated">
+          <p:cNvPr id="18" name="Picture 17" descr="A screenshot of a computer&#10;&#10;Description automatically generated">
             <a:extLst>
               <a:ext uri="{FF2B5EF4-FFF2-40B4-BE49-F238E27FC236}">
-                <a16:creationId xmlns:a16="http://schemas.microsoft.com/office/drawing/2014/main" id="{9D24B1CB-2778-222C-37AD-2188ED219EE5}"/>
+                <a16:creationId xmlns:a16="http://schemas.microsoft.com/office/drawing/2014/main" id="{B46F7289-5009-F275-C8F1-972FE0998D47}"/>
               </a:ext>
             </a:extLst>
           </p:cNvPr>
@@ -14912,113 +20678,15 @@
           </p:cNvPicPr>
           <p:nvPr/>
         </p:nvPicPr>
-        <p:blipFill>
+        <p:blipFill rotWithShape="1">
           <a:blip r:embed="rId3"/>
-          <a:stretch>
-            <a:fillRect/>
-          </a:stretch>
+          <a:srcRect r="89145"/>
+          <a:stretch/>
         </p:blipFill>
         <p:spPr>
           <a:xfrm>
-            <a:off x="3906175" y="4983484"/>
-            <a:ext cx="3893178" cy="852353"/>
-          </a:xfrm>
-          <a:prstGeom prst="rect">
-            <a:avLst/>
-          </a:prstGeom>
-        </p:spPr>
-      </p:pic>
-      <p:pic>
-        <p:nvPicPr>
-          <p:cNvPr id="24" name="Picture 23" descr="A blue and white sign&#10;&#10;Description automatically generated">
-            <a:extLst>
-              <a:ext uri="{FF2B5EF4-FFF2-40B4-BE49-F238E27FC236}">
-                <a16:creationId xmlns:a16="http://schemas.microsoft.com/office/drawing/2014/main" id="{F3D96991-DB4C-CA11-D314-7D2AEBA28790}"/>
-              </a:ext>
-            </a:extLst>
-          </p:cNvPr>
-          <p:cNvPicPr>
-            <a:picLocks noChangeAspect="1"/>
-          </p:cNvPicPr>
-          <p:nvPr/>
-        </p:nvPicPr>
-        <p:blipFill>
-          <a:blip r:embed="rId4"/>
-          <a:stretch>
-            <a:fillRect/>
-          </a:stretch>
-        </p:blipFill>
-        <p:spPr>
-          <a:xfrm>
-            <a:off x="3906176" y="5874604"/>
-            <a:ext cx="3893178" cy="766211"/>
-          </a:xfrm>
-          <a:prstGeom prst="rect">
-            <a:avLst/>
-          </a:prstGeom>
-        </p:spPr>
-      </p:pic>
-      <p:pic>
-        <p:nvPicPr>
-          <p:cNvPr id="31" name="Picture 30" descr="A purple arrow pointing to the left&#10;&#10;Description automatically generated">
-            <a:extLst>
-              <a:ext uri="{FF2B5EF4-FFF2-40B4-BE49-F238E27FC236}">
-                <a16:creationId xmlns:a16="http://schemas.microsoft.com/office/drawing/2014/main" id="{74BBD8DF-E9B0-4C05-3B30-65ABBBFEDA10}"/>
-              </a:ext>
-            </a:extLst>
-          </p:cNvPr>
-          <p:cNvPicPr>
-            <a:picLocks noChangeAspect="1"/>
-          </p:cNvPicPr>
-          <p:nvPr/>
-        </p:nvPicPr>
-        <p:blipFill>
-          <a:blip r:embed="rId5"/>
-          <a:stretch>
-            <a:fillRect/>
-          </a:stretch>
-        </p:blipFill>
-        <p:spPr>
-          <a:xfrm>
-            <a:off x="1421486" y="2534307"/>
-            <a:ext cx="2569881" cy="3916008"/>
-          </a:xfrm>
-          <a:prstGeom prst="rect">
-            <a:avLst/>
-          </a:prstGeom>
-          <a:effectLst>
-            <a:outerShdw blurRad="50800" dist="50800" dir="5400000" algn="ctr" rotWithShape="0">
-              <a:srgbClr val="000000">
-                <a:alpha val="30000"/>
-              </a:srgbClr>
-            </a:outerShdw>
-          </a:effectLst>
-        </p:spPr>
-      </p:pic>
-      <p:pic>
-        <p:nvPicPr>
-          <p:cNvPr id="12" name="Picture 11" descr="A diagram of a task&#10;&#10;Description automatically generated">
-            <a:extLst>
-              <a:ext uri="{FF2B5EF4-FFF2-40B4-BE49-F238E27FC236}">
-                <a16:creationId xmlns:a16="http://schemas.microsoft.com/office/drawing/2014/main" id="{0CDB1E7D-6CA8-0EEE-6B16-A246D9174957}"/>
-              </a:ext>
-            </a:extLst>
-          </p:cNvPr>
-          <p:cNvPicPr>
-            <a:picLocks noChangeAspect="1"/>
-          </p:cNvPicPr>
-          <p:nvPr/>
-        </p:nvPicPr>
-        <p:blipFill>
-          <a:blip r:embed="rId6"/>
-          <a:stretch>
-            <a:fillRect/>
-          </a:stretch>
-        </p:blipFill>
-        <p:spPr>
-          <a:xfrm>
-            <a:off x="835286" y="960794"/>
-            <a:ext cx="5416393" cy="3916007"/>
+            <a:off x="1575361" y="2733675"/>
+            <a:ext cx="981408" cy="3870612"/>
           </a:xfrm>
           <a:prstGeom prst="rect">
             <a:avLst/>
@@ -15028,7 +20696,7 @@
     </p:spTree>
     <p:extLst>
       <p:ext uri="{BB962C8B-B14F-4D97-AF65-F5344CB8AC3E}">
-        <p14:creationId xmlns:p14="http://schemas.microsoft.com/office/powerpoint/2010/main" val="2792087886"/>
+        <p14:creationId xmlns:p14="http://schemas.microsoft.com/office/powerpoint/2010/main" val="2466375901"/>
       </p:ext>
     </p:extLst>
   </p:cSld>
@@ -15047,6 +20715,9 @@
                     <p:cTn id="3" fill="hold">
                       <p:stCondLst>
                         <p:cond delay="indefinite"/>
+                        <p:cond evt="onBegin" delay="0">
+                          <p:tn val="2"/>
+                        </p:cond>
                       </p:stCondLst>
                       <p:childTnLst>
                         <p:par>
@@ -15056,7 +20727,7 @@
                             </p:stCondLst>
                             <p:childTnLst>
                               <p:par>
-                                <p:cTn id="5" presetID="1" presetClass="entr" presetSubtype="0" fill="hold" grpId="0" nodeType="clickEffect">
+                                <p:cTn id="5" presetID="10" presetClass="entr" presetSubtype="0" fill="hold" grpId="0" nodeType="withEffect">
                                   <p:stCondLst>
                                     <p:cond delay="0"/>
                                   </p:stCondLst>
@@ -15079,91 +20750,11 @@
                                         <p:strVal val="visible"/>
                                       </p:to>
                                     </p:set>
-                                  </p:childTnLst>
-                                </p:cTn>
-                              </p:par>
-                            </p:childTnLst>
-                          </p:cTn>
-                        </p:par>
-                      </p:childTnLst>
-                    </p:cTn>
-                  </p:par>
-                  <p:par>
-                    <p:cTn id="7" fill="hold">
-                      <p:stCondLst>
-                        <p:cond delay="indefinite"/>
-                      </p:stCondLst>
-                      <p:childTnLst>
-                        <p:par>
-                          <p:cTn id="8" fill="hold">
-                            <p:stCondLst>
-                              <p:cond delay="0"/>
-                            </p:stCondLst>
-                            <p:childTnLst>
-                              <p:par>
-                                <p:cTn id="9" presetID="10" presetClass="entr" presetSubtype="0" fill="hold" nodeType="clickEffect">
-                                  <p:stCondLst>
-                                    <p:cond delay="0"/>
-                                  </p:stCondLst>
-                                  <p:childTnLst>
-                                    <p:set>
-                                      <p:cBhvr>
-                                        <p:cTn id="10" dur="1" fill="hold">
-                                          <p:stCondLst>
-                                            <p:cond delay="0"/>
-                                          </p:stCondLst>
-                                        </p:cTn>
-                                        <p:tgtEl>
-                                          <p:spTgt spid="31"/>
-                                        </p:tgtEl>
-                                        <p:attrNameLst>
-                                          <p:attrName>style.visibility</p:attrName>
-                                        </p:attrNameLst>
-                                      </p:cBhvr>
-                                      <p:to>
-                                        <p:strVal val="visible"/>
-                                      </p:to>
-                                    </p:set>
                                     <p:animEffect transition="in" filter="fade">
                                       <p:cBhvr>
-                                        <p:cTn id="11" dur="500"/>
+                                        <p:cTn id="7" dur="300"/>
                                         <p:tgtEl>
-                                          <p:spTgt spid="31"/>
-                                        </p:tgtEl>
-                                      </p:cBhvr>
-                                    </p:animEffect>
-                                  </p:childTnLst>
-                                </p:cTn>
-                              </p:par>
-                              <p:par>
-                                <p:cTn id="12" presetID="10" presetClass="entr" presetSubtype="0" fill="hold" nodeType="withEffect">
-                                  <p:stCondLst>
-                                    <p:cond delay="0"/>
-                                  </p:stCondLst>
-                                  <p:childTnLst>
-                                    <p:set>
-                                      <p:cBhvr>
-                                        <p:cTn id="13" dur="1" fill="hold">
-                                          <p:stCondLst>
-                                            <p:cond delay="0"/>
-                                          </p:stCondLst>
-                                        </p:cTn>
-                                        <p:tgtEl>
-                                          <p:spTgt spid="22"/>
-                                        </p:tgtEl>
-                                        <p:attrNameLst>
-                                          <p:attrName>style.visibility</p:attrName>
-                                        </p:attrNameLst>
-                                      </p:cBhvr>
-                                      <p:to>
-                                        <p:strVal val="visible"/>
-                                      </p:to>
-                                    </p:set>
-                                    <p:animEffect transition="in" filter="fade">
-                                      <p:cBhvr>
-                                        <p:cTn id="14" dur="500"/>
-                                        <p:tgtEl>
-                                          <p:spTgt spid="22"/>
+                                          <p:spTgt spid="4"/>
                                         </p:tgtEl>
                                       </p:cBhvr>
                                     </p:animEffect>
@@ -15177,32 +20768,36 @@
                     </p:cTn>
                   </p:par>
                   <p:par>
-                    <p:cTn id="15" fill="hold">
+                    <p:cTn id="8" fill="hold">
                       <p:stCondLst>
                         <p:cond delay="indefinite"/>
                       </p:stCondLst>
                       <p:childTnLst>
                         <p:par>
-                          <p:cTn id="16" fill="hold">
+                          <p:cTn id="9" fill="hold">
                             <p:stCondLst>
                               <p:cond delay="0"/>
                             </p:stCondLst>
                             <p:childTnLst>
                               <p:par>
-                                <p:cTn id="17" presetID="10" presetClass="entr" presetSubtype="0" fill="hold" nodeType="clickEffect">
+                                <p:cTn id="10" presetID="10" presetClass="entr" presetSubtype="0" fill="hold" nodeType="clickEffect">
                                   <p:stCondLst>
                                     <p:cond delay="0"/>
                                   </p:stCondLst>
                                   <p:childTnLst>
                                     <p:set>
                                       <p:cBhvr>
-                                        <p:cTn id="18" dur="1" fill="hold">
+                                        <p:cTn id="11" dur="1" fill="hold">
                                           <p:stCondLst>
                                             <p:cond delay="0"/>
                                           </p:stCondLst>
                                         </p:cTn>
                                         <p:tgtEl>
-                                          <p:spTgt spid="24"/>
+                                          <p:spTgt spid="4">
+                                            <p:txEl>
+                                              <p:pRg st="1" end="1"/>
+                                            </p:txEl>
+                                          </p:spTgt>
                                         </p:tgtEl>
                                         <p:attrNameLst>
                                           <p:attrName>style.visibility</p:attrName>
@@ -15214,9 +20809,188 @@
                                     </p:set>
                                     <p:animEffect transition="in" filter="fade">
                                       <p:cBhvr>
-                                        <p:cTn id="19" dur="500"/>
+                                        <p:cTn id="12" dur="500"/>
                                         <p:tgtEl>
-                                          <p:spTgt spid="24"/>
+                                          <p:spTgt spid="4">
+                                            <p:txEl>
+                                              <p:pRg st="1" end="1"/>
+                                            </p:txEl>
+                                          </p:spTgt>
+                                        </p:tgtEl>
+                                      </p:cBhvr>
+                                    </p:animEffect>
+                                  </p:childTnLst>
+                                </p:cTn>
+                              </p:par>
+                            </p:childTnLst>
+                          </p:cTn>
+                        </p:par>
+                      </p:childTnLst>
+                    </p:cTn>
+                  </p:par>
+                  <p:par>
+                    <p:cTn id="13" fill="hold">
+                      <p:stCondLst>
+                        <p:cond delay="indefinite"/>
+                      </p:stCondLst>
+                      <p:childTnLst>
+                        <p:par>
+                          <p:cTn id="14" fill="hold">
+                            <p:stCondLst>
+                              <p:cond delay="0"/>
+                            </p:stCondLst>
+                            <p:childTnLst>
+                              <p:par>
+                                <p:cTn id="15" presetID="10" presetClass="entr" presetSubtype="0" fill="hold" nodeType="clickEffect">
+                                  <p:stCondLst>
+                                    <p:cond delay="0"/>
+                                  </p:stCondLst>
+                                  <p:childTnLst>
+                                    <p:set>
+                                      <p:cBhvr>
+                                        <p:cTn id="16" dur="1" fill="hold">
+                                          <p:stCondLst>
+                                            <p:cond delay="0"/>
+                                          </p:stCondLst>
+                                        </p:cTn>
+                                        <p:tgtEl>
+                                          <p:spTgt spid="4">
+                                            <p:txEl>
+                                              <p:pRg st="2" end="2"/>
+                                            </p:txEl>
+                                          </p:spTgt>
+                                        </p:tgtEl>
+                                        <p:attrNameLst>
+                                          <p:attrName>style.visibility</p:attrName>
+                                        </p:attrNameLst>
+                                      </p:cBhvr>
+                                      <p:to>
+                                        <p:strVal val="visible"/>
+                                      </p:to>
+                                    </p:set>
+                                    <p:animEffect transition="in" filter="fade">
+                                      <p:cBhvr>
+                                        <p:cTn id="17" dur="500"/>
+                                        <p:tgtEl>
+                                          <p:spTgt spid="4">
+                                            <p:txEl>
+                                              <p:pRg st="2" end="2"/>
+                                            </p:txEl>
+                                          </p:spTgt>
+                                        </p:tgtEl>
+                                      </p:cBhvr>
+                                    </p:animEffect>
+                                  </p:childTnLst>
+                                </p:cTn>
+                              </p:par>
+                            </p:childTnLst>
+                          </p:cTn>
+                        </p:par>
+                      </p:childTnLst>
+                    </p:cTn>
+                  </p:par>
+                  <p:par>
+                    <p:cTn id="18" fill="hold">
+                      <p:stCondLst>
+                        <p:cond delay="indefinite"/>
+                      </p:stCondLst>
+                      <p:childTnLst>
+                        <p:par>
+                          <p:cTn id="19" fill="hold">
+                            <p:stCondLst>
+                              <p:cond delay="0"/>
+                            </p:stCondLst>
+                            <p:childTnLst>
+                              <p:par>
+                                <p:cTn id="20" presetID="10" presetClass="entr" presetSubtype="0" fill="hold" nodeType="clickEffect">
+                                  <p:stCondLst>
+                                    <p:cond delay="0"/>
+                                  </p:stCondLst>
+                                  <p:childTnLst>
+                                    <p:set>
+                                      <p:cBhvr>
+                                        <p:cTn id="21" dur="1" fill="hold">
+                                          <p:stCondLst>
+                                            <p:cond delay="0"/>
+                                          </p:stCondLst>
+                                        </p:cTn>
+                                        <p:tgtEl>
+                                          <p:spTgt spid="4">
+                                            <p:txEl>
+                                              <p:pRg st="3" end="3"/>
+                                            </p:txEl>
+                                          </p:spTgt>
+                                        </p:tgtEl>
+                                        <p:attrNameLst>
+                                          <p:attrName>style.visibility</p:attrName>
+                                        </p:attrNameLst>
+                                      </p:cBhvr>
+                                      <p:to>
+                                        <p:strVal val="visible"/>
+                                      </p:to>
+                                    </p:set>
+                                    <p:animEffect transition="in" filter="fade">
+                                      <p:cBhvr>
+                                        <p:cTn id="22" dur="500"/>
+                                        <p:tgtEl>
+                                          <p:spTgt spid="4">
+                                            <p:txEl>
+                                              <p:pRg st="3" end="3"/>
+                                            </p:txEl>
+                                          </p:spTgt>
+                                        </p:tgtEl>
+                                      </p:cBhvr>
+                                    </p:animEffect>
+                                  </p:childTnLst>
+                                </p:cTn>
+                              </p:par>
+                            </p:childTnLst>
+                          </p:cTn>
+                        </p:par>
+                      </p:childTnLst>
+                    </p:cTn>
+                  </p:par>
+                  <p:par>
+                    <p:cTn id="23" fill="hold">
+                      <p:stCondLst>
+                        <p:cond delay="indefinite"/>
+                      </p:stCondLst>
+                      <p:childTnLst>
+                        <p:par>
+                          <p:cTn id="24" fill="hold">
+                            <p:stCondLst>
+                              <p:cond delay="0"/>
+                            </p:stCondLst>
+                            <p:childTnLst>
+                              <p:par>
+                                <p:cTn id="25" presetID="10" presetClass="entr" presetSubtype="0" fill="hold" nodeType="clickEffect">
+                                  <p:stCondLst>
+                                    <p:cond delay="0"/>
+                                  </p:stCondLst>
+                                  <p:childTnLst>
+                                    <p:set>
+                                      <p:cBhvr>
+                                        <p:cTn id="26" dur="1" fill="hold">
+                                          <p:stCondLst>
+                                            <p:cond delay="0"/>
+                                          </p:stCondLst>
+                                        </p:cTn>
+                                        <p:tgtEl>
+                                          <p:spTgt spid="18"/>
+                                        </p:tgtEl>
+                                        <p:attrNameLst>
+                                          <p:attrName>style.visibility</p:attrName>
+                                        </p:attrNameLst>
+                                      </p:cBhvr>
+                                      <p:to>
+                                        <p:strVal val="visible"/>
+                                      </p:to>
+                                    </p:set>
+                                    <p:animEffect transition="in" filter="fade">
+                                      <p:cBhvr>
+                                        <p:cTn id="27" dur="500"/>
+                                        <p:tgtEl>
+                                          <p:spTgt spid="18"/>
                                         </p:tgtEl>
                                       </p:cBhvr>
                                     </p:animEffect>
@@ -15260,27 +21034,6 @@
 <file path=ppt/slides/slide8.xml><?xml version="1.0" encoding="utf-8"?>
 <p:sld xmlns:a="http://schemas.openxmlformats.org/drawingml/2006/main" xmlns:r="http://schemas.openxmlformats.org/officeDocument/2006/relationships" xmlns:p="http://schemas.openxmlformats.org/presentationml/2006/main">
   <p:cSld>
-    <p:bg>
-      <p:bgPr>
-        <a:gradFill>
-          <a:gsLst>
-            <a:gs pos="0">
-              <a:schemeClr val="accent6">
-                <a:lumMod val="40000"/>
-                <a:lumOff val="60000"/>
-              </a:schemeClr>
-            </a:gs>
-            <a:gs pos="100000">
-              <a:schemeClr val="accent6">
-                <a:lumMod val="75000"/>
-              </a:schemeClr>
-            </a:gs>
-          </a:gsLst>
-          <a:lin ang="8100000" scaled="1"/>
-        </a:gradFill>
-        <a:effectLst/>
-      </p:bgPr>
-    </p:bg>
     <p:spTree>
       <p:nvGrpSpPr>
         <p:cNvPr id="1" name=""/>
@@ -15398,8 +21151,8 @@
         </p:nvSpPr>
         <p:spPr>
           <a:xfrm>
-            <a:off x="4048125" y="253713"/>
-            <a:ext cx="4067175" cy="536232"/>
+            <a:off x="4678533" y="253713"/>
+            <a:ext cx="2849732" cy="536232"/>
           </a:xfrm>
           <a:prstGeom prst="roundRect">
             <a:avLst/>
@@ -15504,133 +21257,263 @@
                 <a:ea typeface="Cambria Math" panose="02040503050406030204" pitchFamily="18" charset="0"/>
                 <a:cs typeface="Times New Roman" panose="02020603050405020304" pitchFamily="18" charset="0"/>
               </a:rPr>
-              <a:t>Aggiornamento grafico</a:t>
+              <a:t>Coda di priorità</a:t>
             </a:r>
           </a:p>
         </p:txBody>
       </p:sp>
       <p:sp>
         <p:nvSpPr>
-          <p:cNvPr id="3" name="Subtitle 2">
+          <p:cNvPr id="4" name="Rectangle: Rounded Corners 3">
             <a:extLst>
               <a:ext uri="{FF2B5EF4-FFF2-40B4-BE49-F238E27FC236}">
-                <a16:creationId xmlns:a16="http://schemas.microsoft.com/office/drawing/2014/main" id="{FC446B2D-F94A-2F94-9904-6D62ADA65C8F}"/>
+                <a16:creationId xmlns:a16="http://schemas.microsoft.com/office/drawing/2014/main" id="{59FE2E9D-74CF-CE81-55BB-51E23D076BAE}"/>
               </a:ext>
             </a:extLst>
           </p:cNvPr>
-          <p:cNvSpPr>
-            <a:spLocks noGrp="1"/>
-          </p:cNvSpPr>
-          <p:nvPr>
-            <p:ph type="subTitle" idx="1"/>
-          </p:nvPr>
+          <p:cNvSpPr/>
+          <p:nvPr/>
         </p:nvSpPr>
         <p:spPr>
           <a:xfrm>
-            <a:off x="1159136" y="1141768"/>
-            <a:ext cx="9601200" cy="5497157"/>
+            <a:off x="965747" y="877632"/>
+            <a:ext cx="10275303" cy="1744544"/>
           </a:xfrm>
+          <a:prstGeom prst="roundRect">
+            <a:avLst/>
+          </a:prstGeom>
+          <a:solidFill>
+            <a:schemeClr val="bg1"/>
+          </a:solidFill>
+          <a:ln>
+            <a:noFill/>
+          </a:ln>
         </p:spPr>
+        <p:style>
+          <a:lnRef idx="2">
+            <a:schemeClr val="accent1">
+              <a:shade val="15000"/>
+            </a:schemeClr>
+          </a:lnRef>
+          <a:fillRef idx="1">
+            <a:schemeClr val="accent1"/>
+          </a:fillRef>
+          <a:effectRef idx="0">
+            <a:schemeClr val="accent1"/>
+          </a:effectRef>
+          <a:fontRef idx="minor">
+            <a:schemeClr val="lt1"/>
+          </a:fontRef>
+        </p:style>
         <p:txBody>
-          <a:bodyPr>
-            <a:normAutofit/>
-          </a:bodyPr>
+          <a:bodyPr rtlCol="0" anchor="ctr"/>
           <a:lstStyle/>
           <a:p>
-            <a:pPr algn="l">
-              <a:lnSpc>
-                <a:spcPct val="200000"/>
-              </a:lnSpc>
+            <a:pPr>
+              <a:defRPr/>
             </a:pPr>
             <a:r>
-              <a:rPr lang="it-IT" dirty="0">
+              <a:rPr lang="it-IT" sz="2800" dirty="0">
+                <a:solidFill>
+                  <a:schemeClr val="tx1"/>
+                </a:solidFill>
                 <a:latin typeface="Times New Roman" panose="02020603050405020304" pitchFamily="18" charset="0"/>
                 <a:cs typeface="Times New Roman" panose="02020603050405020304" pitchFamily="18" charset="0"/>
               </a:rPr>
-              <a:t>Funzione </a:t>
+              <a:t>La coda deve poter discriminare tra tre diverse tipologie di compiti:</a:t>
             </a:r>
+          </a:p>
+          <a:p>
+            <a:pPr marL="285750" indent="-285750">
+              <a:buFont typeface="Wingdings" panose="05000000000000000000" pitchFamily="2" charset="2"/>
+              <a:buChar char="§"/>
+              <a:defRPr/>
+            </a:pPr>
             <a:r>
-              <a:rPr lang="it-IT" dirty="0" err="1">
+              <a:rPr lang="it-IT" sz="2800" dirty="0">
+                <a:solidFill>
+                  <a:srgbClr val="7FB265"/>
+                </a:solidFill>
                 <a:latin typeface="Times New Roman" panose="02020603050405020304" pitchFamily="18" charset="0"/>
                 <a:cs typeface="Times New Roman" panose="02020603050405020304" pitchFamily="18" charset="0"/>
               </a:rPr>
-              <a:t>update_object</a:t>
+              <a:t>Ad alta priorità </a:t>
             </a:r>
             <a:r>
-              <a:rPr lang="it-IT" dirty="0">
+              <a:rPr lang="it-IT" sz="2800" dirty="0">
+                <a:solidFill>
+                  <a:schemeClr val="tx1"/>
+                </a:solidFill>
                 <a:latin typeface="Times New Roman" panose="02020603050405020304" pitchFamily="18" charset="0"/>
                 <a:cs typeface="Times New Roman" panose="02020603050405020304" pitchFamily="18" charset="0"/>
               </a:rPr>
-              <a:t> + </a:t>
+              <a:t>(</a:t>
             </a:r>
             <a:r>
-              <a:rPr lang="it-IT" dirty="0" err="1">
+              <a:rPr lang="el-GR" sz="2800" dirty="0">
+                <a:solidFill>
+                  <a:srgbClr val="7FB265"/>
+                </a:solidFill>
                 <a:latin typeface="Times New Roman" panose="02020603050405020304" pitchFamily="18" charset="0"/>
                 <a:cs typeface="Times New Roman" panose="02020603050405020304" pitchFamily="18" charset="0"/>
               </a:rPr>
-              <a:t>reference_objects</a:t>
+              <a:t>α</a:t>
             </a:r>
             <a:r>
-              <a:rPr lang="it-IT" dirty="0">
+              <a:rPr lang="it-IT" sz="2800" dirty="0">
+                <a:solidFill>
+                  <a:schemeClr val="tx1"/>
+                </a:solidFill>
                 <a:latin typeface="Times New Roman" panose="02020603050405020304" pitchFamily="18" charset="0"/>
                 <a:cs typeface="Times New Roman" panose="02020603050405020304" pitchFamily="18" charset="0"/>
               </a:rPr>
-              <a:t> + success + </a:t>
+              <a:t>)</a:t>
             </a:r>
+          </a:p>
+          <a:p>
+            <a:pPr marL="285750" indent="-285750">
+              <a:buFont typeface="Wingdings" panose="05000000000000000000" pitchFamily="2" charset="2"/>
+              <a:buChar char="§"/>
+              <a:defRPr/>
+            </a:pPr>
             <a:r>
-              <a:rPr lang="it-IT" dirty="0" err="1">
+              <a:rPr lang="it-IT" sz="2800" dirty="0">
+                <a:solidFill>
+                  <a:srgbClr val="B64F4B"/>
+                </a:solidFill>
                 <a:latin typeface="Times New Roman" panose="02020603050405020304" pitchFamily="18" charset="0"/>
                 <a:cs typeface="Times New Roman" panose="02020603050405020304" pitchFamily="18" charset="0"/>
               </a:rPr>
-              <a:t>failure</a:t>
+              <a:t>A priorità normale </a:t>
             </a:r>
             <a:r>
-              <a:rPr lang="it-IT" dirty="0">
+              <a:rPr lang="it-IT" sz="2800" dirty="0">
+                <a:solidFill>
+                  <a:schemeClr val="tx1"/>
+                </a:solidFill>
                 <a:latin typeface="Times New Roman" panose="02020603050405020304" pitchFamily="18" charset="0"/>
                 <a:cs typeface="Times New Roman" panose="02020603050405020304" pitchFamily="18" charset="0"/>
               </a:rPr>
-              <a:t> + funzioni parziali</a:t>
+              <a:t>(</a:t>
+            </a:r>
+            <a:r>
+              <a:rPr lang="el-GR" sz="2800" dirty="0">
+                <a:solidFill>
+                  <a:srgbClr val="B64F4B"/>
+                </a:solidFill>
+                <a:latin typeface="Times New Roman" panose="02020603050405020304" pitchFamily="18" charset="0"/>
+                <a:cs typeface="Times New Roman" panose="02020603050405020304" pitchFamily="18" charset="0"/>
+              </a:rPr>
+              <a:t>β</a:t>
+            </a:r>
+            <a:r>
+              <a:rPr lang="it-IT" sz="2800" dirty="0">
+                <a:solidFill>
+                  <a:schemeClr val="tx1"/>
+                </a:solidFill>
+                <a:latin typeface="Times New Roman" panose="02020603050405020304" pitchFamily="18" charset="0"/>
+                <a:cs typeface="Times New Roman" panose="02020603050405020304" pitchFamily="18" charset="0"/>
+              </a:rPr>
+              <a:t>)</a:t>
+            </a:r>
+          </a:p>
+          <a:p>
+            <a:pPr marL="285750" indent="-285750">
+              <a:buFont typeface="Wingdings" panose="05000000000000000000" pitchFamily="2" charset="2"/>
+              <a:buChar char="§"/>
+              <a:defRPr/>
+            </a:pPr>
+            <a:r>
+              <a:rPr lang="it-IT" sz="2800" dirty="0">
+                <a:solidFill>
+                  <a:srgbClr val="6A8DC0"/>
+                </a:solidFill>
+                <a:latin typeface="Times New Roman" panose="02020603050405020304" pitchFamily="18" charset="0"/>
+                <a:cs typeface="Times New Roman" panose="02020603050405020304" pitchFamily="18" charset="0"/>
+              </a:rPr>
+              <a:t>Immediati </a:t>
+            </a:r>
+            <a:r>
+              <a:rPr lang="it-IT" sz="2800" dirty="0">
+                <a:solidFill>
+                  <a:schemeClr val="tx1"/>
+                </a:solidFill>
+                <a:latin typeface="Times New Roman" panose="02020603050405020304" pitchFamily="18" charset="0"/>
+                <a:cs typeface="Times New Roman" panose="02020603050405020304" pitchFamily="18" charset="0"/>
+              </a:rPr>
+              <a:t>(</a:t>
+            </a:r>
+            <a:r>
+              <a:rPr lang="el-GR" sz="2800" dirty="0">
+                <a:solidFill>
+                  <a:srgbClr val="6A8DC0"/>
+                </a:solidFill>
+                <a:latin typeface="Times New Roman" panose="02020603050405020304" pitchFamily="18" charset="0"/>
+                <a:cs typeface="Times New Roman" panose="02020603050405020304" pitchFamily="18" charset="0"/>
+              </a:rPr>
+              <a:t>γ</a:t>
+            </a:r>
+            <a:r>
+              <a:rPr lang="it-IT" sz="2800" dirty="0">
+                <a:solidFill>
+                  <a:schemeClr val="tx1"/>
+                </a:solidFill>
+                <a:latin typeface="Times New Roman" panose="02020603050405020304" pitchFamily="18" charset="0"/>
+                <a:cs typeface="Times New Roman" panose="02020603050405020304" pitchFamily="18" charset="0"/>
+              </a:rPr>
+              <a:t>)</a:t>
             </a:r>
           </a:p>
         </p:txBody>
       </p:sp>
+      <p:pic>
+        <p:nvPicPr>
+          <p:cNvPr id="18" name="Picture 17" descr="A screenshot of a computer&#10;&#10;Description automatically generated">
+            <a:extLst>
+              <a:ext uri="{FF2B5EF4-FFF2-40B4-BE49-F238E27FC236}">
+                <a16:creationId xmlns:a16="http://schemas.microsoft.com/office/drawing/2014/main" id="{B46F7289-5009-F275-C8F1-972FE0998D47}"/>
+              </a:ext>
+            </a:extLst>
+          </p:cNvPr>
+          <p:cNvPicPr>
+            <a:picLocks noChangeAspect="1"/>
+          </p:cNvPicPr>
+          <p:nvPr/>
+        </p:nvPicPr>
+        <p:blipFill rotWithShape="1">
+          <a:blip r:embed="rId3"/>
+          <a:srcRect r="71176"/>
+          <a:stretch/>
+        </p:blipFill>
+        <p:spPr>
+          <a:xfrm>
+            <a:off x="1575361" y="2733675"/>
+            <a:ext cx="2606022" cy="3870612"/>
+          </a:xfrm>
+          <a:prstGeom prst="rect">
+            <a:avLst/>
+          </a:prstGeom>
+        </p:spPr>
+      </p:pic>
     </p:spTree>
     <p:extLst>
       <p:ext uri="{BB962C8B-B14F-4D97-AF65-F5344CB8AC3E}">
-        <p14:creationId xmlns:p14="http://schemas.microsoft.com/office/powerpoint/2010/main" val="3567311335"/>
+        <p14:creationId xmlns:p14="http://schemas.microsoft.com/office/powerpoint/2010/main" val="614715189"/>
       </p:ext>
     </p:extLst>
   </p:cSld>
   <p:clrMapOvr>
     <a:masterClrMapping/>
   </p:clrMapOvr>
+  <p:transition spd="slow">
+    <p:wipe/>
+  </p:transition>
 </p:sld>
 </file>
 
 <file path=ppt/slides/slide9.xml><?xml version="1.0" encoding="utf-8"?>
 <p:sld xmlns:a="http://schemas.openxmlformats.org/drawingml/2006/main" xmlns:r="http://schemas.openxmlformats.org/officeDocument/2006/relationships" xmlns:p="http://schemas.openxmlformats.org/presentationml/2006/main">
   <p:cSld>
-    <p:bg>
-      <p:bgPr>
-        <a:gradFill>
-          <a:gsLst>
-            <a:gs pos="0">
-              <a:schemeClr val="accent6">
-                <a:lumMod val="40000"/>
-                <a:lumOff val="60000"/>
-              </a:schemeClr>
-            </a:gs>
-            <a:gs pos="100000">
-              <a:schemeClr val="accent6">
-                <a:lumMod val="75000"/>
-              </a:schemeClr>
-            </a:gs>
-          </a:gsLst>
-          <a:lin ang="8100000" scaled="1"/>
-        </a:gradFill>
-        <a:effectLst/>
-      </p:bgPr>
-    </p:bg>
     <p:spTree>
       <p:nvGrpSpPr>
         <p:cNvPr id="1" name=""/>
@@ -15748,8 +21631,8 @@
         </p:nvSpPr>
         <p:spPr>
           <a:xfrm>
-            <a:off x="4722919" y="253713"/>
-            <a:ext cx="2752079" cy="536232"/>
+            <a:off x="4678533" y="253713"/>
+            <a:ext cx="2849732" cy="536232"/>
           </a:xfrm>
           <a:prstGeom prst="roundRect">
             <a:avLst/>
@@ -15854,57 +21737,362 @@
                 <a:ea typeface="Cambria Math" panose="02040503050406030204" pitchFamily="18" charset="0"/>
                 <a:cs typeface="Times New Roman" panose="02020603050405020304" pitchFamily="18" charset="0"/>
               </a:rPr>
-              <a:t>Gestione utenti</a:t>
+              <a:t>Coda di priorità</a:t>
             </a:r>
           </a:p>
         </p:txBody>
       </p:sp>
       <p:sp>
         <p:nvSpPr>
-          <p:cNvPr id="3" name="Subtitle 2">
+          <p:cNvPr id="4" name="Rectangle: Rounded Corners 3">
             <a:extLst>
               <a:ext uri="{FF2B5EF4-FFF2-40B4-BE49-F238E27FC236}">
-                <a16:creationId xmlns:a16="http://schemas.microsoft.com/office/drawing/2014/main" id="{FC446B2D-F94A-2F94-9904-6D62ADA65C8F}"/>
+                <a16:creationId xmlns:a16="http://schemas.microsoft.com/office/drawing/2014/main" id="{59FE2E9D-74CF-CE81-55BB-51E23D076BAE}"/>
               </a:ext>
             </a:extLst>
           </p:cNvPr>
-          <p:cNvSpPr>
-            <a:spLocks noGrp="1"/>
-          </p:cNvSpPr>
-          <p:nvPr>
-            <p:ph type="subTitle" idx="1"/>
-          </p:nvPr>
+          <p:cNvSpPr/>
+          <p:nvPr/>
         </p:nvSpPr>
         <p:spPr>
           <a:xfrm>
-            <a:off x="1159136" y="1141768"/>
-            <a:ext cx="9601200" cy="5497157"/>
+            <a:off x="965747" y="877632"/>
+            <a:ext cx="10275303" cy="1744544"/>
           </a:xfrm>
+          <a:prstGeom prst="roundRect">
+            <a:avLst/>
+          </a:prstGeom>
+          <a:solidFill>
+            <a:schemeClr val="bg1"/>
+          </a:solidFill>
+          <a:ln>
+            <a:noFill/>
+          </a:ln>
         </p:spPr>
+        <p:style>
+          <a:lnRef idx="2">
+            <a:schemeClr val="accent1">
+              <a:shade val="15000"/>
+            </a:schemeClr>
+          </a:lnRef>
+          <a:fillRef idx="1">
+            <a:schemeClr val="accent1"/>
+          </a:fillRef>
+          <a:effectRef idx="0">
+            <a:schemeClr val="accent1"/>
+          </a:effectRef>
+          <a:fontRef idx="minor">
+            <a:schemeClr val="lt1"/>
+          </a:fontRef>
+        </p:style>
         <p:txBody>
-          <a:bodyPr>
-            <a:normAutofit/>
-          </a:bodyPr>
+          <a:bodyPr rtlCol="0" anchor="ctr"/>
           <a:lstStyle/>
           <a:p>
-            <a:pPr algn="l">
+            <a:pPr marL="0" marR="0" lvl="0" indent="0" algn="l" defTabSz="914400" rtl="0" eaLnBrk="1" fontAlgn="auto" latinLnBrk="0" hangingPunct="1">
               <a:lnSpc>
-                <a:spcPct val="200000"/>
+                <a:spcPct val="100000"/>
               </a:lnSpc>
+              <a:spcBef>
+                <a:spcPts val="0"/>
+              </a:spcBef>
+              <a:spcAft>
+                <a:spcPts val="0"/>
+              </a:spcAft>
+              <a:buClrTx/>
+              <a:buSzTx/>
+              <a:buFontTx/>
+              <a:buNone/>
+              <a:tabLst/>
+              <a:defRPr/>
             </a:pPr>
-            <a:endParaRPr lang="it-IT" dirty="0">
-              <a:latin typeface="Times New Roman" panose="02020603050405020304" pitchFamily="18" charset="0"/>
-              <a:cs typeface="Times New Roman" panose="02020603050405020304" pitchFamily="18" charset="0"/>
-            </a:endParaRPr>
+            <a:r>
+              <a:rPr kumimoji="0" lang="it-IT" sz="2800" b="0" i="0" u="none" strike="noStrike" kern="1200" cap="none" spc="0" normalizeH="0" baseline="0" noProof="0" dirty="0">
+                <a:ln>
+                  <a:noFill/>
+                </a:ln>
+                <a:solidFill>
+                  <a:prstClr val="black"/>
+                </a:solidFill>
+                <a:effectLst/>
+                <a:uLnTx/>
+                <a:uFillTx/>
+                <a:latin typeface="Times New Roman" panose="02020603050405020304" pitchFamily="18" charset="0"/>
+                <a:ea typeface="+mn-ea"/>
+                <a:cs typeface="Times New Roman" panose="02020603050405020304" pitchFamily="18" charset="0"/>
+              </a:rPr>
+              <a:t>La coda deve poter discriminare tra tre diverse tipologie di compiti:</a:t>
+            </a:r>
+          </a:p>
+          <a:p>
+            <a:pPr marL="285750" marR="0" lvl="0" indent="-285750" algn="l" defTabSz="914400" rtl="0" eaLnBrk="1" fontAlgn="auto" latinLnBrk="0" hangingPunct="1">
+              <a:lnSpc>
+                <a:spcPct val="100000"/>
+              </a:lnSpc>
+              <a:spcBef>
+                <a:spcPts val="0"/>
+              </a:spcBef>
+              <a:spcAft>
+                <a:spcPts val="0"/>
+              </a:spcAft>
+              <a:buClrTx/>
+              <a:buSzTx/>
+              <a:buFont typeface="Wingdings" panose="05000000000000000000" pitchFamily="2" charset="2"/>
+              <a:buChar char="§"/>
+              <a:tabLst/>
+              <a:defRPr/>
+            </a:pPr>
+            <a:r>
+              <a:rPr kumimoji="0" lang="it-IT" sz="2800" b="0" i="0" u="none" strike="noStrike" kern="1200" cap="none" spc="0" normalizeH="0" baseline="0" noProof="0" dirty="0">
+                <a:ln>
+                  <a:noFill/>
+                </a:ln>
+                <a:solidFill>
+                  <a:srgbClr val="7FB265"/>
+                </a:solidFill>
+                <a:effectLst/>
+                <a:uLnTx/>
+                <a:uFillTx/>
+                <a:latin typeface="Times New Roman" panose="02020603050405020304" pitchFamily="18" charset="0"/>
+                <a:ea typeface="+mn-ea"/>
+                <a:cs typeface="Times New Roman" panose="02020603050405020304" pitchFamily="18" charset="0"/>
+              </a:rPr>
+              <a:t>Ad alta priorità </a:t>
+            </a:r>
+            <a:r>
+              <a:rPr kumimoji="0" lang="it-IT" sz="2800" b="0" i="0" u="none" strike="noStrike" kern="1200" cap="none" spc="0" normalizeH="0" baseline="0" noProof="0" dirty="0">
+                <a:ln>
+                  <a:noFill/>
+                </a:ln>
+                <a:solidFill>
+                  <a:prstClr val="black"/>
+                </a:solidFill>
+                <a:effectLst/>
+                <a:uLnTx/>
+                <a:uFillTx/>
+                <a:latin typeface="Times New Roman" panose="02020603050405020304" pitchFamily="18" charset="0"/>
+                <a:ea typeface="+mn-ea"/>
+                <a:cs typeface="Times New Roman" panose="02020603050405020304" pitchFamily="18" charset="0"/>
+              </a:rPr>
+              <a:t>(</a:t>
+            </a:r>
+            <a:r>
+              <a:rPr kumimoji="0" lang="el-GR" sz="2800" b="0" i="0" u="none" strike="noStrike" kern="1200" cap="none" spc="0" normalizeH="0" baseline="0" noProof="0" dirty="0">
+                <a:ln>
+                  <a:noFill/>
+                </a:ln>
+                <a:solidFill>
+                  <a:srgbClr val="7FB265"/>
+                </a:solidFill>
+                <a:effectLst/>
+                <a:uLnTx/>
+                <a:uFillTx/>
+                <a:latin typeface="Times New Roman" panose="02020603050405020304" pitchFamily="18" charset="0"/>
+                <a:ea typeface="+mn-ea"/>
+                <a:cs typeface="Times New Roman" panose="02020603050405020304" pitchFamily="18" charset="0"/>
+              </a:rPr>
+              <a:t>α</a:t>
+            </a:r>
+            <a:r>
+              <a:rPr kumimoji="0" lang="it-IT" sz="2800" b="0" i="0" u="none" strike="noStrike" kern="1200" cap="none" spc="0" normalizeH="0" baseline="0" noProof="0" dirty="0">
+                <a:ln>
+                  <a:noFill/>
+                </a:ln>
+                <a:solidFill>
+                  <a:prstClr val="black"/>
+                </a:solidFill>
+                <a:effectLst/>
+                <a:uLnTx/>
+                <a:uFillTx/>
+                <a:latin typeface="Times New Roman" panose="02020603050405020304" pitchFamily="18" charset="0"/>
+                <a:ea typeface="+mn-ea"/>
+                <a:cs typeface="Times New Roman" panose="02020603050405020304" pitchFamily="18" charset="0"/>
+              </a:rPr>
+              <a:t>)</a:t>
+            </a:r>
+          </a:p>
+          <a:p>
+            <a:pPr marL="285750" marR="0" lvl="0" indent="-285750" algn="l" defTabSz="914400" rtl="0" eaLnBrk="1" fontAlgn="auto" latinLnBrk="0" hangingPunct="1">
+              <a:lnSpc>
+                <a:spcPct val="100000"/>
+              </a:lnSpc>
+              <a:spcBef>
+                <a:spcPts val="0"/>
+              </a:spcBef>
+              <a:spcAft>
+                <a:spcPts val="0"/>
+              </a:spcAft>
+              <a:buClrTx/>
+              <a:buSzTx/>
+              <a:buFont typeface="Wingdings" panose="05000000000000000000" pitchFamily="2" charset="2"/>
+              <a:buChar char="§"/>
+              <a:tabLst/>
+              <a:defRPr/>
+            </a:pPr>
+            <a:r>
+              <a:rPr kumimoji="0" lang="it-IT" sz="2800" b="0" i="0" u="none" strike="noStrike" kern="1200" cap="none" spc="0" normalizeH="0" baseline="0" noProof="0" dirty="0">
+                <a:ln>
+                  <a:noFill/>
+                </a:ln>
+                <a:solidFill>
+                  <a:srgbClr val="B64F4B"/>
+                </a:solidFill>
+                <a:effectLst/>
+                <a:uLnTx/>
+                <a:uFillTx/>
+                <a:latin typeface="Times New Roman" panose="02020603050405020304" pitchFamily="18" charset="0"/>
+                <a:ea typeface="+mn-ea"/>
+                <a:cs typeface="Times New Roman" panose="02020603050405020304" pitchFamily="18" charset="0"/>
+              </a:rPr>
+              <a:t>A priorità normale </a:t>
+            </a:r>
+            <a:r>
+              <a:rPr kumimoji="0" lang="it-IT" sz="2800" b="0" i="0" u="none" strike="noStrike" kern="1200" cap="none" spc="0" normalizeH="0" baseline="0" noProof="0" dirty="0">
+                <a:ln>
+                  <a:noFill/>
+                </a:ln>
+                <a:solidFill>
+                  <a:prstClr val="black"/>
+                </a:solidFill>
+                <a:effectLst/>
+                <a:uLnTx/>
+                <a:uFillTx/>
+                <a:latin typeface="Times New Roman" panose="02020603050405020304" pitchFamily="18" charset="0"/>
+                <a:ea typeface="+mn-ea"/>
+                <a:cs typeface="Times New Roman" panose="02020603050405020304" pitchFamily="18" charset="0"/>
+              </a:rPr>
+              <a:t>(</a:t>
+            </a:r>
+            <a:r>
+              <a:rPr kumimoji="0" lang="el-GR" sz="2800" b="0" i="0" u="none" strike="noStrike" kern="1200" cap="none" spc="0" normalizeH="0" baseline="0" noProof="0" dirty="0">
+                <a:ln>
+                  <a:noFill/>
+                </a:ln>
+                <a:solidFill>
+                  <a:srgbClr val="B64F4B"/>
+                </a:solidFill>
+                <a:effectLst/>
+                <a:uLnTx/>
+                <a:uFillTx/>
+                <a:latin typeface="Times New Roman" panose="02020603050405020304" pitchFamily="18" charset="0"/>
+                <a:ea typeface="+mn-ea"/>
+                <a:cs typeface="Times New Roman" panose="02020603050405020304" pitchFamily="18" charset="0"/>
+              </a:rPr>
+              <a:t>β</a:t>
+            </a:r>
+            <a:r>
+              <a:rPr kumimoji="0" lang="it-IT" sz="2800" b="0" i="0" u="none" strike="noStrike" kern="1200" cap="none" spc="0" normalizeH="0" baseline="0" noProof="0" dirty="0">
+                <a:ln>
+                  <a:noFill/>
+                </a:ln>
+                <a:solidFill>
+                  <a:prstClr val="black"/>
+                </a:solidFill>
+                <a:effectLst/>
+                <a:uLnTx/>
+                <a:uFillTx/>
+                <a:latin typeface="Times New Roman" panose="02020603050405020304" pitchFamily="18" charset="0"/>
+                <a:ea typeface="+mn-ea"/>
+                <a:cs typeface="Times New Roman" panose="02020603050405020304" pitchFamily="18" charset="0"/>
+              </a:rPr>
+              <a:t>)</a:t>
+            </a:r>
+          </a:p>
+          <a:p>
+            <a:pPr marL="285750" marR="0" lvl="0" indent="-285750" algn="l" defTabSz="914400" rtl="0" eaLnBrk="1" fontAlgn="auto" latinLnBrk="0" hangingPunct="1">
+              <a:lnSpc>
+                <a:spcPct val="100000"/>
+              </a:lnSpc>
+              <a:spcBef>
+                <a:spcPts val="0"/>
+              </a:spcBef>
+              <a:spcAft>
+                <a:spcPts val="0"/>
+              </a:spcAft>
+              <a:buClrTx/>
+              <a:buSzTx/>
+              <a:buFont typeface="Wingdings" panose="05000000000000000000" pitchFamily="2" charset="2"/>
+              <a:buChar char="§"/>
+              <a:tabLst/>
+              <a:defRPr/>
+            </a:pPr>
+            <a:r>
+              <a:rPr kumimoji="0" lang="it-IT" sz="2800" b="0" i="0" u="none" strike="noStrike" kern="1200" cap="none" spc="0" normalizeH="0" baseline="0" noProof="0" dirty="0">
+                <a:ln>
+                  <a:noFill/>
+                </a:ln>
+                <a:solidFill>
+                  <a:srgbClr val="6A8DC0"/>
+                </a:solidFill>
+                <a:effectLst/>
+                <a:uLnTx/>
+                <a:uFillTx/>
+                <a:latin typeface="Times New Roman" panose="02020603050405020304" pitchFamily="18" charset="0"/>
+                <a:ea typeface="+mn-ea"/>
+                <a:cs typeface="Times New Roman" panose="02020603050405020304" pitchFamily="18" charset="0"/>
+              </a:rPr>
+              <a:t>Immediati </a:t>
+            </a:r>
+            <a:r>
+              <a:rPr kumimoji="0" lang="it-IT" sz="2800" b="0" i="0" u="none" strike="noStrike" kern="1200" cap="none" spc="0" normalizeH="0" baseline="0" noProof="0" dirty="0">
+                <a:ln>
+                  <a:noFill/>
+                </a:ln>
+                <a:solidFill>
+                  <a:prstClr val="black"/>
+                </a:solidFill>
+                <a:effectLst/>
+                <a:uLnTx/>
+                <a:uFillTx/>
+                <a:latin typeface="Times New Roman" panose="02020603050405020304" pitchFamily="18" charset="0"/>
+                <a:ea typeface="+mn-ea"/>
+                <a:cs typeface="Times New Roman" panose="02020603050405020304" pitchFamily="18" charset="0"/>
+              </a:rPr>
+              <a:t>(</a:t>
+            </a:r>
+            <a:r>
+              <a:rPr kumimoji="0" lang="el-GR" sz="2800" b="0" i="0" u="none" strike="noStrike" kern="1200" cap="none" spc="0" normalizeH="0" baseline="0" noProof="0" dirty="0">
+                <a:ln>
+                  <a:noFill/>
+                </a:ln>
+                <a:solidFill>
+                  <a:srgbClr val="6A8DC0"/>
+                </a:solidFill>
+                <a:effectLst/>
+                <a:uLnTx/>
+                <a:uFillTx/>
+                <a:latin typeface="Times New Roman" panose="02020603050405020304" pitchFamily="18" charset="0"/>
+                <a:ea typeface="+mn-ea"/>
+                <a:cs typeface="Times New Roman" panose="02020603050405020304" pitchFamily="18" charset="0"/>
+              </a:rPr>
+              <a:t>γ</a:t>
+            </a:r>
+            <a:r>
+              <a:rPr kumimoji="0" lang="it-IT" sz="2800" b="0" i="0" u="none" strike="noStrike" kern="1200" cap="none" spc="0" normalizeH="0" baseline="0" noProof="0" dirty="0">
+                <a:ln>
+                  <a:noFill/>
+                </a:ln>
+                <a:solidFill>
+                  <a:prstClr val="black"/>
+                </a:solidFill>
+                <a:effectLst/>
+                <a:uLnTx/>
+                <a:uFillTx/>
+                <a:latin typeface="Times New Roman" panose="02020603050405020304" pitchFamily="18" charset="0"/>
+                <a:ea typeface="+mn-ea"/>
+                <a:cs typeface="Times New Roman" panose="02020603050405020304" pitchFamily="18" charset="0"/>
+              </a:rPr>
+              <a:t>)</a:t>
+            </a:r>
           </a:p>
         </p:txBody>
       </p:sp>
       <p:pic>
         <p:nvPicPr>
-          <p:cNvPr id="5" name="Picture 4" descr="A screenshot of a computer code&#10;&#10;Description automatically generated">
+          <p:cNvPr id="18" name="Picture 17" descr="A screenshot of a computer&#10;&#10;Description automatically generated">
             <a:extLst>
               <a:ext uri="{FF2B5EF4-FFF2-40B4-BE49-F238E27FC236}">
-                <a16:creationId xmlns:a16="http://schemas.microsoft.com/office/drawing/2014/main" id="{6637A2EA-86A3-7E84-C49D-5153FEA12FE6}"/>
+                <a16:creationId xmlns:a16="http://schemas.microsoft.com/office/drawing/2014/main" id="{B46F7289-5009-F275-C8F1-972FE0998D47}"/>
               </a:ext>
             </a:extLst>
           </p:cNvPr>
@@ -15913,16 +22101,15 @@
           </p:cNvPicPr>
           <p:nvPr/>
         </p:nvPicPr>
-        <p:blipFill>
+        <p:blipFill rotWithShape="1">
           <a:blip r:embed="rId3"/>
-          <a:stretch>
-            <a:fillRect/>
-          </a:stretch>
+          <a:srcRect r="53404"/>
+          <a:stretch/>
         </p:blipFill>
         <p:spPr>
           <a:xfrm>
-            <a:off x="2350372" y="4864027"/>
-            <a:ext cx="7218727" cy="1220432"/>
+            <a:off x="1575361" y="2733675"/>
+            <a:ext cx="4212880" cy="3870612"/>
           </a:xfrm>
           <a:prstGeom prst="rect">
             <a:avLst/>
@@ -15932,13 +22119,16 @@
     </p:spTree>
     <p:extLst>
       <p:ext uri="{BB962C8B-B14F-4D97-AF65-F5344CB8AC3E}">
-        <p14:creationId xmlns:p14="http://schemas.microsoft.com/office/powerpoint/2010/main" val="3307964588"/>
+        <p14:creationId xmlns:p14="http://schemas.microsoft.com/office/powerpoint/2010/main" val="1368988357"/>
       </p:ext>
     </p:extLst>
   </p:cSld>
   <p:clrMapOvr>
     <a:masterClrMapping/>
   </p:clrMapOvr>
+  <p:transition spd="slow">
+    <p:wipe/>
+  </p:transition>
 </p:sld>
 </file>
 

--- a/Presentazione_Tesi_Triennale_Informatica_Unimore_2022_2023_Enrico_Marras_152336.pptx
+++ b/Presentazione_Tesi_Triennale_Informatica_Unimore_2022_2023_Enrico_Marras_152336.pptx
@@ -22,10 +22,10 @@
     <p:sldId id="282" r:id="rId13"/>
     <p:sldId id="267" r:id="rId14"/>
     <p:sldId id="276" r:id="rId15"/>
-    <p:sldId id="266" r:id="rId16"/>
-    <p:sldId id="268" r:id="rId17"/>
-    <p:sldId id="269" r:id="rId18"/>
-    <p:sldId id="270" r:id="rId19"/>
+    <p:sldId id="268" r:id="rId16"/>
+    <p:sldId id="269" r:id="rId17"/>
+    <p:sldId id="270" r:id="rId18"/>
+    <p:sldId id="266" r:id="rId19"/>
     <p:sldId id="271" r:id="rId20"/>
     <p:sldId id="274" r:id="rId21"/>
     <p:sldId id="273" r:id="rId22"/>
@@ -3364,7 +3364,7 @@
     </p:spTree>
     <p:extLst>
       <p:ext uri="{BB962C8B-B14F-4D97-AF65-F5344CB8AC3E}">
-        <p14:creationId xmlns:p14="http://schemas.microsoft.com/office/powerpoint/2010/main" val="2521252642"/>
+        <p14:creationId xmlns:p14="http://schemas.microsoft.com/office/powerpoint/2010/main" val="2582981024"/>
       </p:ext>
     </p:extLst>
   </p:cSld>
@@ -3508,7 +3508,7 @@
     </p:spTree>
     <p:extLst>
       <p:ext uri="{BB962C8B-B14F-4D97-AF65-F5344CB8AC3E}">
-        <p14:creationId xmlns:p14="http://schemas.microsoft.com/office/powerpoint/2010/main" val="2582981024"/>
+        <p14:creationId xmlns:p14="http://schemas.microsoft.com/office/powerpoint/2010/main" val="1246304949"/>
       </p:ext>
     </p:extLst>
   </p:cSld>
@@ -3652,7 +3652,7 @@
     </p:spTree>
     <p:extLst>
       <p:ext uri="{BB962C8B-B14F-4D97-AF65-F5344CB8AC3E}">
-        <p14:creationId xmlns:p14="http://schemas.microsoft.com/office/powerpoint/2010/main" val="1246304949"/>
+        <p14:creationId xmlns:p14="http://schemas.microsoft.com/office/powerpoint/2010/main" val="1407339084"/>
       </p:ext>
     </p:extLst>
   </p:cSld>
@@ -3796,7 +3796,7 @@
     </p:spTree>
     <p:extLst>
       <p:ext uri="{BB962C8B-B14F-4D97-AF65-F5344CB8AC3E}">
-        <p14:creationId xmlns:p14="http://schemas.microsoft.com/office/powerpoint/2010/main" val="1407339084"/>
+        <p14:creationId xmlns:p14="http://schemas.microsoft.com/office/powerpoint/2010/main" val="2521252642"/>
       </p:ext>
     </p:extLst>
   </p:cSld>
@@ -11876,7 +11876,7 @@
         </p:nvSpPr>
         <p:spPr>
           <a:xfrm>
-            <a:off x="136263" y="107576"/>
+            <a:off x="121975" y="86594"/>
             <a:ext cx="11919473" cy="6642848"/>
           </a:xfrm>
           <a:prstGeom prst="roundRect">
@@ -12078,35 +12078,670 @@
       </p:sp>
       <p:sp>
         <p:nvSpPr>
-          <p:cNvPr id="3" name="Subtitle 2">
+          <p:cNvPr id="5" name="Rectangle: Rounded Corners 4">
             <a:extLst>
               <a:ext uri="{FF2B5EF4-FFF2-40B4-BE49-F238E27FC236}">
-                <a16:creationId xmlns:a16="http://schemas.microsoft.com/office/drawing/2014/main" id="{FC446B2D-F94A-2F94-9904-6D62ADA65C8F}"/>
+                <a16:creationId xmlns:a16="http://schemas.microsoft.com/office/drawing/2014/main" id="{0D40987A-B3CB-58C3-3C99-7CC50081AC82}"/>
               </a:ext>
             </a:extLst>
           </p:cNvPr>
-          <p:cNvSpPr>
-            <a:spLocks noGrp="1"/>
-          </p:cNvSpPr>
-          <p:nvPr>
-            <p:ph type="subTitle" idx="1"/>
-          </p:nvPr>
+          <p:cNvSpPr/>
+          <p:nvPr/>
         </p:nvSpPr>
         <p:spPr>
           <a:xfrm>
-            <a:off x="2121408" y="3493008"/>
-            <a:ext cx="8638928" cy="3145917"/>
+            <a:off x="1045714" y="898614"/>
+            <a:ext cx="9847188" cy="2621053"/>
           </a:xfrm>
+          <a:prstGeom prst="roundRect">
+            <a:avLst/>
+          </a:prstGeom>
+          <a:solidFill>
+            <a:schemeClr val="bg1"/>
+          </a:solidFill>
+          <a:ln>
+            <a:noFill/>
+          </a:ln>
+        </p:spPr>
+        <p:style>
+          <a:lnRef idx="2">
+            <a:schemeClr val="accent1">
+              <a:shade val="15000"/>
+            </a:schemeClr>
+          </a:lnRef>
+          <a:fillRef idx="1">
+            <a:schemeClr val="accent1"/>
+          </a:fillRef>
+          <a:effectRef idx="0">
+            <a:schemeClr val="accent1"/>
+          </a:effectRef>
+          <a:fontRef idx="minor">
+            <a:schemeClr val="lt1"/>
+          </a:fontRef>
+        </p:style>
+        <p:txBody>
+          <a:bodyPr rtlCol="0" anchor="ctr"/>
+          <a:lstStyle/>
+          <a:p>
+            <a:pPr marL="0" marR="0" lvl="0" indent="0" algn="ctr" defTabSz="914400" rtl="0" eaLnBrk="1" fontAlgn="auto" latinLnBrk="0" hangingPunct="1">
+              <a:lnSpc>
+                <a:spcPct val="100000"/>
+              </a:lnSpc>
+              <a:spcBef>
+                <a:spcPts val="0"/>
+              </a:spcBef>
+              <a:spcAft>
+                <a:spcPts val="0"/>
+              </a:spcAft>
+              <a:buClrTx/>
+              <a:buSzTx/>
+              <a:buFontTx/>
+              <a:buNone/>
+              <a:tabLst/>
+              <a:defRPr/>
+            </a:pPr>
+            <a:endParaRPr kumimoji="0" lang="it-IT" sz="1800" b="0" i="0" u="none" strike="noStrike" kern="1200" cap="none" spc="0" normalizeH="0" baseline="0" noProof="0">
+              <a:ln>
+                <a:noFill/>
+              </a:ln>
+              <a:solidFill>
+                <a:prstClr val="white"/>
+              </a:solidFill>
+              <a:effectLst/>
+              <a:uLnTx/>
+              <a:uFillTx/>
+              <a:latin typeface="Calibri" panose="020F0502020204030204"/>
+              <a:ea typeface="+mn-ea"/>
+              <a:cs typeface="+mn-cs"/>
+            </a:endParaRPr>
+          </a:p>
+        </p:txBody>
+      </p:sp>
+      <mc:AlternateContent xmlns:mc="http://schemas.openxmlformats.org/markup-compatibility/2006">
+        <mc:Choice xmlns:a14="http://schemas.microsoft.com/office/drawing/2010/main" Requires="a14">
+          <p:sp>
+            <p:nvSpPr>
+              <p:cNvPr id="3" name="Subtitle 2">
+                <a:extLst>
+                  <a:ext uri="{FF2B5EF4-FFF2-40B4-BE49-F238E27FC236}">
+                    <a16:creationId xmlns:a16="http://schemas.microsoft.com/office/drawing/2014/main" id="{FC446B2D-F94A-2F94-9904-6D62ADA65C8F}"/>
+                  </a:ext>
+                </a:extLst>
+              </p:cNvPr>
+              <p:cNvSpPr>
+                <a:spLocks noGrp="1"/>
+              </p:cNvSpPr>
+              <p:nvPr>
+                <p:ph type="subTitle" idx="1"/>
+              </p:nvPr>
+            </p:nvSpPr>
+            <p:spPr>
+              <a:xfrm>
+                <a:off x="1146003" y="1020464"/>
+                <a:ext cx="10000284" cy="2377351"/>
+              </a:xfrm>
+            </p:spPr>
+            <p:txBody>
+              <a:bodyPr>
+                <a:normAutofit fontScale="92500" lnSpcReduction="10000"/>
+              </a:bodyPr>
+              <a:lstStyle/>
+              <a:p>
+                <a:pPr algn="l">
+                  <a:lnSpc>
+                    <a:spcPct val="120000"/>
+                  </a:lnSpc>
+                </a:pPr>
+                <a:r>
+                  <a:rPr lang="it-IT" dirty="0">
+                    <a:latin typeface="Times New Roman" panose="02020603050405020304" pitchFamily="18" charset="0"/>
+                    <a:cs typeface="Times New Roman" panose="02020603050405020304" pitchFamily="18" charset="0"/>
+                  </a:rPr>
+                  <a:t>La funzione </a:t>
+                </a:r>
+                <a:r>
+                  <a:rPr lang="it-IT" b="1" dirty="0" err="1">
+                    <a:solidFill>
+                      <a:srgbClr val="7030A0"/>
+                    </a:solidFill>
+                    <a:latin typeface="Times New Roman" panose="02020603050405020304" pitchFamily="18" charset="0"/>
+                    <a:cs typeface="Times New Roman" panose="02020603050405020304" pitchFamily="18" charset="0"/>
+                  </a:rPr>
+                  <a:t>update_object</a:t>
+                </a:r>
+                <a:r>
+                  <a:rPr lang="it-IT" b="1" dirty="0">
+                    <a:solidFill>
+                      <a:srgbClr val="7030A0"/>
+                    </a:solidFill>
+                    <a:latin typeface="Times New Roman" panose="02020603050405020304" pitchFamily="18" charset="0"/>
+                    <a:cs typeface="Times New Roman" panose="02020603050405020304" pitchFamily="18" charset="0"/>
+                  </a:rPr>
+                  <a:t> </a:t>
+                </a:r>
+                <a:r>
+                  <a:rPr lang="it-IT" dirty="0">
+                    <a:latin typeface="Times New Roman" panose="02020603050405020304" pitchFamily="18" charset="0"/>
+                    <a:cs typeface="Times New Roman" panose="02020603050405020304" pitchFamily="18" charset="0"/>
+                  </a:rPr>
+                  <a:t>utilizza tre elementi per generalizzare l’aggiornamento delle componenti grafiche:</a:t>
+                </a:r>
+              </a:p>
+              <a:p>
+                <a:pPr marL="342900" indent="-342900" algn="l">
+                  <a:lnSpc>
+                    <a:spcPct val="120000"/>
+                  </a:lnSpc>
+                  <a:buFont typeface="Wingdings" panose="05000000000000000000" pitchFamily="2" charset="2"/>
+                  <a:buChar char="§"/>
+                </a:pPr>
+                <a:r>
+                  <a:rPr lang="it-IT" b="1" dirty="0" err="1">
+                    <a:latin typeface="Times New Roman" panose="02020603050405020304" pitchFamily="18" charset="0"/>
+                    <a:cs typeface="Times New Roman" panose="02020603050405020304" pitchFamily="18" charset="0"/>
+                  </a:rPr>
+                  <a:t>object_references</a:t>
+                </a:r>
+                <a:r>
+                  <a:rPr lang="it-IT" b="1" dirty="0">
+                    <a:latin typeface="Times New Roman" panose="02020603050405020304" pitchFamily="18" charset="0"/>
+                    <a:cs typeface="Times New Roman" panose="02020603050405020304" pitchFamily="18" charset="0"/>
+                  </a:rPr>
+                  <a:t> </a:t>
+                </a:r>
+                <a14:m>
+                  <m:oMath xmlns:m="http://schemas.openxmlformats.org/officeDocument/2006/math">
+                    <m:r>
+                      <a:rPr lang="it-IT" b="1" i="1" smtClean="0">
+                        <a:latin typeface="Cambria Math" panose="02040503050406030204" pitchFamily="18" charset="0"/>
+                        <a:ea typeface="Cambria Math" panose="02040503050406030204" pitchFamily="18" charset="0"/>
+                        <a:cs typeface="Times New Roman" panose="02020603050405020304" pitchFamily="18" charset="0"/>
+                      </a:rPr>
+                      <m:t>→</m:t>
+                    </m:r>
+                  </m:oMath>
+                </a14:m>
+                <a:r>
+                  <a:rPr lang="it-IT" b="1" dirty="0">
+                    <a:latin typeface="Times New Roman" panose="02020603050405020304" pitchFamily="18" charset="0"/>
+                    <a:cs typeface="Times New Roman" panose="02020603050405020304" pitchFamily="18" charset="0"/>
+                  </a:rPr>
+                  <a:t> </a:t>
+                </a:r>
+                <a:r>
+                  <a:rPr lang="it-IT" dirty="0">
+                    <a:latin typeface="Times New Roman" panose="02020603050405020304" pitchFamily="18" charset="0"/>
+                    <a:cs typeface="Times New Roman" panose="02020603050405020304" pitchFamily="18" charset="0"/>
+                  </a:rPr>
+                  <a:t>riferimenti agli elementi da aggiornare</a:t>
+                </a:r>
+              </a:p>
+              <a:p>
+                <a:pPr marL="342900" indent="-342900" algn="l">
+                  <a:lnSpc>
+                    <a:spcPct val="120000"/>
+                  </a:lnSpc>
+                  <a:buFont typeface="Wingdings" panose="05000000000000000000" pitchFamily="2" charset="2"/>
+                  <a:buChar char="§"/>
+                </a:pPr>
+                <a:r>
+                  <a:rPr lang="it-IT" b="1" dirty="0">
+                    <a:latin typeface="Times New Roman" panose="02020603050405020304" pitchFamily="18" charset="0"/>
+                    <a:cs typeface="Times New Roman" panose="02020603050405020304" pitchFamily="18" charset="0"/>
+                  </a:rPr>
+                  <a:t>success </a:t>
+                </a:r>
+                <a14:m>
+                  <m:oMath xmlns:m="http://schemas.openxmlformats.org/officeDocument/2006/math">
+                    <m:r>
+                      <a:rPr lang="it-IT" b="1" i="1" smtClean="0">
+                        <a:latin typeface="Cambria Math" panose="02040503050406030204" pitchFamily="18" charset="0"/>
+                        <a:ea typeface="Cambria Math" panose="02040503050406030204" pitchFamily="18" charset="0"/>
+                        <a:cs typeface="Times New Roman" panose="02020603050405020304" pitchFamily="18" charset="0"/>
+                      </a:rPr>
+                      <m:t>→</m:t>
+                    </m:r>
+                  </m:oMath>
+                </a14:m>
+                <a:r>
+                  <a:rPr lang="it-IT" b="1" dirty="0">
+                    <a:latin typeface="Times New Roman" panose="02020603050405020304" pitchFamily="18" charset="0"/>
+                    <a:cs typeface="Times New Roman" panose="02020603050405020304" pitchFamily="18" charset="0"/>
+                  </a:rPr>
+                  <a:t> </a:t>
+                </a:r>
+                <a:r>
+                  <a:rPr lang="it-IT" dirty="0">
+                    <a:latin typeface="Times New Roman" panose="02020603050405020304" pitchFamily="18" charset="0"/>
+                    <a:cs typeface="Times New Roman" panose="02020603050405020304" pitchFamily="18" charset="0"/>
+                  </a:rPr>
+                  <a:t>comportamenti degli oggetti in caso di </a:t>
+                </a:r>
+                <a:r>
+                  <a:rPr lang="it-IT" b="1" dirty="0">
+                    <a:latin typeface="Times New Roman" panose="02020603050405020304" pitchFamily="18" charset="0"/>
+                    <a:cs typeface="Times New Roman" panose="02020603050405020304" pitchFamily="18" charset="0"/>
+                  </a:rPr>
+                  <a:t>successo</a:t>
+                </a:r>
+                <a:r>
+                  <a:rPr lang="it-IT" dirty="0">
+                    <a:latin typeface="Times New Roman" panose="02020603050405020304" pitchFamily="18" charset="0"/>
+                    <a:cs typeface="Times New Roman" panose="02020603050405020304" pitchFamily="18" charset="0"/>
+                  </a:rPr>
+                  <a:t> nella comunicazione</a:t>
+                </a:r>
+              </a:p>
+              <a:p>
+                <a:pPr marL="342900" indent="-342900" algn="l">
+                  <a:lnSpc>
+                    <a:spcPct val="120000"/>
+                  </a:lnSpc>
+                  <a:buFont typeface="Wingdings" panose="05000000000000000000" pitchFamily="2" charset="2"/>
+                  <a:buChar char="§"/>
+                </a:pPr>
+                <a:r>
+                  <a:rPr lang="it-IT" b="1" dirty="0" err="1">
+                    <a:latin typeface="Times New Roman" panose="02020603050405020304" pitchFamily="18" charset="0"/>
+                    <a:cs typeface="Times New Roman" panose="02020603050405020304" pitchFamily="18" charset="0"/>
+                  </a:rPr>
+                  <a:t>failure</a:t>
+                </a:r>
+                <a:r>
+                  <a:rPr lang="it-IT" b="1" dirty="0">
+                    <a:latin typeface="Times New Roman" panose="02020603050405020304" pitchFamily="18" charset="0"/>
+                    <a:cs typeface="Times New Roman" panose="02020603050405020304" pitchFamily="18" charset="0"/>
+                  </a:rPr>
+                  <a:t> </a:t>
+                </a:r>
+                <a14:m>
+                  <m:oMath xmlns:m="http://schemas.openxmlformats.org/officeDocument/2006/math">
+                    <m:r>
+                      <a:rPr lang="it-IT" b="1" i="1" smtClean="0">
+                        <a:latin typeface="Cambria Math" panose="02040503050406030204" pitchFamily="18" charset="0"/>
+                        <a:ea typeface="Cambria Math" panose="02040503050406030204" pitchFamily="18" charset="0"/>
+                        <a:cs typeface="Times New Roman" panose="02020603050405020304" pitchFamily="18" charset="0"/>
+                      </a:rPr>
+                      <m:t>→</m:t>
+                    </m:r>
+                  </m:oMath>
+                </a14:m>
+                <a:r>
+                  <a:rPr lang="it-IT" b="1" dirty="0">
+                    <a:latin typeface="Times New Roman" panose="02020603050405020304" pitchFamily="18" charset="0"/>
+                    <a:cs typeface="Times New Roman" panose="02020603050405020304" pitchFamily="18" charset="0"/>
+                  </a:rPr>
+                  <a:t> </a:t>
+                </a:r>
+                <a:r>
+                  <a:rPr lang="it-IT" dirty="0">
+                    <a:latin typeface="Times New Roman" panose="02020603050405020304" pitchFamily="18" charset="0"/>
+                    <a:cs typeface="Times New Roman" panose="02020603050405020304" pitchFamily="18" charset="0"/>
+                  </a:rPr>
+                  <a:t>comportamenti degli oggetti in caso di </a:t>
+                </a:r>
+                <a:r>
+                  <a:rPr lang="it-IT" b="1" dirty="0">
+                    <a:latin typeface="Times New Roman" panose="02020603050405020304" pitchFamily="18" charset="0"/>
+                    <a:cs typeface="Times New Roman" panose="02020603050405020304" pitchFamily="18" charset="0"/>
+                  </a:rPr>
+                  <a:t>fallimento</a:t>
+                </a:r>
+                <a:r>
+                  <a:rPr lang="it-IT" dirty="0">
+                    <a:latin typeface="Times New Roman" panose="02020603050405020304" pitchFamily="18" charset="0"/>
+                    <a:cs typeface="Times New Roman" panose="02020603050405020304" pitchFamily="18" charset="0"/>
+                  </a:rPr>
+                  <a:t> della comunicazione</a:t>
+                </a:r>
+              </a:p>
+              <a:p>
+                <a:pPr marL="342900" indent="-342900" algn="l">
+                  <a:lnSpc>
+                    <a:spcPct val="120000"/>
+                  </a:lnSpc>
+                  <a:buFont typeface="Wingdings" panose="05000000000000000000" pitchFamily="2" charset="2"/>
+                  <a:buChar char="§"/>
+                </a:pPr>
+                <a:endParaRPr lang="it-IT" b="1" dirty="0">
+                  <a:latin typeface="Times New Roman" panose="02020603050405020304" pitchFamily="18" charset="0"/>
+                  <a:cs typeface="Times New Roman" panose="02020603050405020304" pitchFamily="18" charset="0"/>
+                </a:endParaRPr>
+              </a:p>
+              <a:p>
+                <a:pPr algn="l">
+                  <a:lnSpc>
+                    <a:spcPct val="120000"/>
+                  </a:lnSpc>
+                </a:pPr>
+                <a:endParaRPr lang="it-IT" b="1" dirty="0">
+                  <a:latin typeface="Times New Roman" panose="02020603050405020304" pitchFamily="18" charset="0"/>
+                  <a:cs typeface="Times New Roman" panose="02020603050405020304" pitchFamily="18" charset="0"/>
+                </a:endParaRPr>
+              </a:p>
+            </p:txBody>
+          </p:sp>
+        </mc:Choice>
+        <mc:Fallback>
+          <p:sp>
+            <p:nvSpPr>
+              <p:cNvPr id="3" name="Subtitle 2">
+                <a:extLst>
+                  <a:ext uri="{FF2B5EF4-FFF2-40B4-BE49-F238E27FC236}">
+                    <a16:creationId xmlns:a16="http://schemas.microsoft.com/office/drawing/2014/main" id="{FC446B2D-F94A-2F94-9904-6D62ADA65C8F}"/>
+                  </a:ext>
+                </a:extLst>
+              </p:cNvPr>
+              <p:cNvSpPr>
+                <a:spLocks noGrp="1" noRot="1" noChangeAspect="1" noMove="1" noResize="1" noEditPoints="1" noAdjustHandles="1" noChangeArrowheads="1" noChangeShapeType="1" noTextEdit="1"/>
+              </p:cNvSpPr>
+              <p:nvPr>
+                <p:ph type="subTitle" idx="1"/>
+              </p:nvPr>
+            </p:nvSpPr>
+            <p:spPr>
+              <a:xfrm>
+                <a:off x="1146003" y="1020464"/>
+                <a:ext cx="10000284" cy="2377351"/>
+              </a:xfrm>
+              <a:blipFill>
+                <a:blip r:embed="rId3"/>
+                <a:stretch>
+                  <a:fillRect l="-793" t="-1282" b="-1795"/>
+                </a:stretch>
+              </a:blipFill>
+            </p:spPr>
+            <p:txBody>
+              <a:bodyPr/>
+              <a:lstStyle/>
+              <a:p>
+                <a:r>
+                  <a:rPr lang="it-IT">
+                    <a:noFill/>
+                  </a:rPr>
+                  <a:t> </a:t>
+                </a:r>
+              </a:p>
+            </p:txBody>
+          </p:sp>
+        </mc:Fallback>
+      </mc:AlternateContent>
+      <p:sp>
+        <p:nvSpPr>
+          <p:cNvPr id="13" name="Rectangle: Rounded Corners 12">
+            <a:extLst>
+              <a:ext uri="{FF2B5EF4-FFF2-40B4-BE49-F238E27FC236}">
+                <a16:creationId xmlns:a16="http://schemas.microsoft.com/office/drawing/2014/main" id="{354055A4-F2B4-EFD3-B3EB-E8A233A6A161}"/>
+              </a:ext>
+            </a:extLst>
+          </p:cNvPr>
+          <p:cNvSpPr/>
+          <p:nvPr/>
+        </p:nvSpPr>
+        <p:spPr>
+          <a:xfrm>
+            <a:off x="1146003" y="3725701"/>
+            <a:ext cx="5272552" cy="536232"/>
+          </a:xfrm>
+          <a:prstGeom prst="roundRect">
+            <a:avLst/>
+          </a:prstGeom>
+          <a:solidFill>
+            <a:schemeClr val="bg1"/>
+          </a:solidFill>
+          <a:ln>
+            <a:noFill/>
+          </a:ln>
+        </p:spPr>
+        <p:style>
+          <a:lnRef idx="2">
+            <a:schemeClr val="accent1">
+              <a:shade val="15000"/>
+            </a:schemeClr>
+          </a:lnRef>
+          <a:fillRef idx="1">
+            <a:schemeClr val="accent1"/>
+          </a:fillRef>
+          <a:effectRef idx="0">
+            <a:schemeClr val="accent1"/>
+          </a:effectRef>
+          <a:fontRef idx="minor">
+            <a:schemeClr val="lt1"/>
+          </a:fontRef>
+        </p:style>
+        <p:txBody>
+          <a:bodyPr rtlCol="0" anchor="ctr"/>
+          <a:lstStyle/>
+          <a:p>
+            <a:pPr marL="0" marR="0" lvl="0" indent="0" algn="ctr" defTabSz="914400" rtl="0" eaLnBrk="1" fontAlgn="auto" latinLnBrk="0" hangingPunct="1">
+              <a:lnSpc>
+                <a:spcPct val="100000"/>
+              </a:lnSpc>
+              <a:spcBef>
+                <a:spcPts val="0"/>
+              </a:spcBef>
+              <a:spcAft>
+                <a:spcPts val="0"/>
+              </a:spcAft>
+              <a:buClrTx/>
+              <a:buSzTx/>
+              <a:buFontTx/>
+              <a:buNone/>
+              <a:tabLst/>
+              <a:defRPr/>
+            </a:pPr>
+            <a:endParaRPr kumimoji="0" lang="it-IT" sz="1800" b="0" i="0" u="none" strike="noStrike" kern="1200" cap="none" spc="0" normalizeH="0" baseline="0" noProof="0">
+              <a:ln>
+                <a:noFill/>
+              </a:ln>
+              <a:solidFill>
+                <a:prstClr val="white"/>
+              </a:solidFill>
+              <a:effectLst/>
+              <a:uLnTx/>
+              <a:uFillTx/>
+              <a:latin typeface="Calibri" panose="020F0502020204030204"/>
+              <a:ea typeface="+mn-ea"/>
+              <a:cs typeface="+mn-cs"/>
+            </a:endParaRPr>
+          </a:p>
+        </p:txBody>
+      </p:sp>
+      <p:sp>
+        <p:nvSpPr>
+          <p:cNvPr id="9" name="Subtitle 2">
+            <a:extLst>
+              <a:ext uri="{FF2B5EF4-FFF2-40B4-BE49-F238E27FC236}">
+                <a16:creationId xmlns:a16="http://schemas.microsoft.com/office/drawing/2014/main" id="{70A4F2C8-37A5-C4BA-7E5B-D1D3D2EB9420}"/>
+              </a:ext>
+            </a:extLst>
+          </p:cNvPr>
+          <p:cNvSpPr txBox="1">
+            <a:spLocks/>
+          </p:cNvSpPr>
+          <p:nvPr/>
+        </p:nvSpPr>
+        <p:spPr>
+          <a:xfrm>
+            <a:off x="1146003" y="3734870"/>
+            <a:ext cx="10353676" cy="486958"/>
+          </a:xfrm>
+          <a:prstGeom prst="rect">
+            <a:avLst/>
+          </a:prstGeom>
         </p:spPr>
         <p:txBody>
-          <a:bodyPr>
-            <a:normAutofit/>
+          <a:bodyPr vert="horz" lIns="91440" tIns="45720" rIns="91440" bIns="45720" rtlCol="0">
+            <a:normAutofit lnSpcReduction="10000"/>
           </a:bodyPr>
-          <a:lstStyle/>
+          <a:lstStyle>
+            <a:lvl1pPr marL="0" indent="0" algn="ctr" defTabSz="914400" rtl="0" eaLnBrk="1" latinLnBrk="0" hangingPunct="1">
+              <a:lnSpc>
+                <a:spcPct val="90000"/>
+              </a:lnSpc>
+              <a:spcBef>
+                <a:spcPts val="1000"/>
+              </a:spcBef>
+              <a:buFont typeface="Arial" panose="020B0604020202020204" pitchFamily="34" charset="0"/>
+              <a:buNone/>
+              <a:defRPr sz="2400" kern="1200">
+                <a:solidFill>
+                  <a:schemeClr val="tx1"/>
+                </a:solidFill>
+                <a:latin typeface="+mn-lt"/>
+                <a:ea typeface="+mn-ea"/>
+                <a:cs typeface="+mn-cs"/>
+              </a:defRPr>
+            </a:lvl1pPr>
+            <a:lvl2pPr marL="457200" indent="0" algn="ctr" defTabSz="914400" rtl="0" eaLnBrk="1" latinLnBrk="0" hangingPunct="1">
+              <a:lnSpc>
+                <a:spcPct val="90000"/>
+              </a:lnSpc>
+              <a:spcBef>
+                <a:spcPts val="500"/>
+              </a:spcBef>
+              <a:buFont typeface="Arial" panose="020B0604020202020204" pitchFamily="34" charset="0"/>
+              <a:buNone/>
+              <a:defRPr sz="2000" kern="1200">
+                <a:solidFill>
+                  <a:schemeClr val="tx1"/>
+                </a:solidFill>
+                <a:latin typeface="+mn-lt"/>
+                <a:ea typeface="+mn-ea"/>
+                <a:cs typeface="+mn-cs"/>
+              </a:defRPr>
+            </a:lvl2pPr>
+            <a:lvl3pPr marL="914400" indent="0" algn="ctr" defTabSz="914400" rtl="0" eaLnBrk="1" latinLnBrk="0" hangingPunct="1">
+              <a:lnSpc>
+                <a:spcPct val="90000"/>
+              </a:lnSpc>
+              <a:spcBef>
+                <a:spcPts val="500"/>
+              </a:spcBef>
+              <a:buFont typeface="Arial" panose="020B0604020202020204" pitchFamily="34" charset="0"/>
+              <a:buNone/>
+              <a:defRPr sz="1800" kern="1200">
+                <a:solidFill>
+                  <a:schemeClr val="tx1"/>
+                </a:solidFill>
+                <a:latin typeface="+mn-lt"/>
+                <a:ea typeface="+mn-ea"/>
+                <a:cs typeface="+mn-cs"/>
+              </a:defRPr>
+            </a:lvl3pPr>
+            <a:lvl4pPr marL="1371600" indent="0" algn="ctr" defTabSz="914400" rtl="0" eaLnBrk="1" latinLnBrk="0" hangingPunct="1">
+              <a:lnSpc>
+                <a:spcPct val="90000"/>
+              </a:lnSpc>
+              <a:spcBef>
+                <a:spcPts val="500"/>
+              </a:spcBef>
+              <a:buFont typeface="Arial" panose="020B0604020202020204" pitchFamily="34" charset="0"/>
+              <a:buNone/>
+              <a:defRPr sz="1600" kern="1200">
+                <a:solidFill>
+                  <a:schemeClr val="tx1"/>
+                </a:solidFill>
+                <a:latin typeface="+mn-lt"/>
+                <a:ea typeface="+mn-ea"/>
+                <a:cs typeface="+mn-cs"/>
+              </a:defRPr>
+            </a:lvl4pPr>
+            <a:lvl5pPr marL="1828800" indent="0" algn="ctr" defTabSz="914400" rtl="0" eaLnBrk="1" latinLnBrk="0" hangingPunct="1">
+              <a:lnSpc>
+                <a:spcPct val="90000"/>
+              </a:lnSpc>
+              <a:spcBef>
+                <a:spcPts val="500"/>
+              </a:spcBef>
+              <a:buFont typeface="Arial" panose="020B0604020202020204" pitchFamily="34" charset="0"/>
+              <a:buNone/>
+              <a:defRPr sz="1600" kern="1200">
+                <a:solidFill>
+                  <a:schemeClr val="tx1"/>
+                </a:solidFill>
+                <a:latin typeface="+mn-lt"/>
+                <a:ea typeface="+mn-ea"/>
+                <a:cs typeface="+mn-cs"/>
+              </a:defRPr>
+            </a:lvl5pPr>
+            <a:lvl6pPr marL="2286000" indent="0" algn="ctr" defTabSz="914400" rtl="0" eaLnBrk="1" latinLnBrk="0" hangingPunct="1">
+              <a:lnSpc>
+                <a:spcPct val="90000"/>
+              </a:lnSpc>
+              <a:spcBef>
+                <a:spcPts val="500"/>
+              </a:spcBef>
+              <a:buFont typeface="Arial" panose="020B0604020202020204" pitchFamily="34" charset="0"/>
+              <a:buNone/>
+              <a:defRPr sz="1600" kern="1200">
+                <a:solidFill>
+                  <a:schemeClr val="tx1"/>
+                </a:solidFill>
+                <a:latin typeface="+mn-lt"/>
+                <a:ea typeface="+mn-ea"/>
+                <a:cs typeface="+mn-cs"/>
+              </a:defRPr>
+            </a:lvl6pPr>
+            <a:lvl7pPr marL="2743200" indent="0" algn="ctr" defTabSz="914400" rtl="0" eaLnBrk="1" latinLnBrk="0" hangingPunct="1">
+              <a:lnSpc>
+                <a:spcPct val="90000"/>
+              </a:lnSpc>
+              <a:spcBef>
+                <a:spcPts val="500"/>
+              </a:spcBef>
+              <a:buFont typeface="Arial" panose="020B0604020202020204" pitchFamily="34" charset="0"/>
+              <a:buNone/>
+              <a:defRPr sz="1600" kern="1200">
+                <a:solidFill>
+                  <a:schemeClr val="tx1"/>
+                </a:solidFill>
+                <a:latin typeface="+mn-lt"/>
+                <a:ea typeface="+mn-ea"/>
+                <a:cs typeface="+mn-cs"/>
+              </a:defRPr>
+            </a:lvl7pPr>
+            <a:lvl8pPr marL="3200400" indent="0" algn="ctr" defTabSz="914400" rtl="0" eaLnBrk="1" latinLnBrk="0" hangingPunct="1">
+              <a:lnSpc>
+                <a:spcPct val="90000"/>
+              </a:lnSpc>
+              <a:spcBef>
+                <a:spcPts val="500"/>
+              </a:spcBef>
+              <a:buFont typeface="Arial" panose="020B0604020202020204" pitchFamily="34" charset="0"/>
+              <a:buNone/>
+              <a:defRPr sz="1600" kern="1200">
+                <a:solidFill>
+                  <a:schemeClr val="tx1"/>
+                </a:solidFill>
+                <a:latin typeface="+mn-lt"/>
+                <a:ea typeface="+mn-ea"/>
+                <a:cs typeface="+mn-cs"/>
+              </a:defRPr>
+            </a:lvl8pPr>
+            <a:lvl9pPr marL="3657600" indent="0" algn="ctr" defTabSz="914400" rtl="0" eaLnBrk="1" latinLnBrk="0" hangingPunct="1">
+              <a:lnSpc>
+                <a:spcPct val="90000"/>
+              </a:lnSpc>
+              <a:spcBef>
+                <a:spcPts val="500"/>
+              </a:spcBef>
+              <a:buFont typeface="Arial" panose="020B0604020202020204" pitchFamily="34" charset="0"/>
+              <a:buNone/>
+              <a:defRPr sz="1600" kern="1200">
+                <a:solidFill>
+                  <a:schemeClr val="tx1"/>
+                </a:solidFill>
+                <a:latin typeface="+mn-lt"/>
+                <a:ea typeface="+mn-ea"/>
+                <a:cs typeface="+mn-cs"/>
+              </a:defRPr>
+            </a:lvl9pPr>
+          </a:lstStyle>
           <a:p>
             <a:pPr algn="l">
               <a:lnSpc>
-                <a:spcPct val="200000"/>
+                <a:spcPct val="120000"/>
               </a:lnSpc>
             </a:pPr>
             <a:r>
@@ -12114,38 +12749,24 @@
                 <a:latin typeface="Times New Roman" panose="02020603050405020304" pitchFamily="18" charset="0"/>
                 <a:cs typeface="Times New Roman" panose="02020603050405020304" pitchFamily="18" charset="0"/>
               </a:rPr>
-              <a:t>Funzione </a:t>
+              <a:t>Contenuto dei dizionari </a:t>
             </a:r>
             <a:r>
-              <a:rPr lang="it-IT" dirty="0" err="1">
+              <a:rPr lang="it-IT" b="1" dirty="0">
                 <a:latin typeface="Times New Roman" panose="02020603050405020304" pitchFamily="18" charset="0"/>
                 <a:cs typeface="Times New Roman" panose="02020603050405020304" pitchFamily="18" charset="0"/>
               </a:rPr>
-              <a:t>update_object</a:t>
+              <a:t>success</a:t>
             </a:r>
             <a:r>
               <a:rPr lang="it-IT" dirty="0">
                 <a:latin typeface="Times New Roman" panose="02020603050405020304" pitchFamily="18" charset="0"/>
                 <a:cs typeface="Times New Roman" panose="02020603050405020304" pitchFamily="18" charset="0"/>
               </a:rPr>
-              <a:t> + </a:t>
+              <a:t> e </a:t>
             </a:r>
             <a:r>
-              <a:rPr lang="it-IT" dirty="0" err="1">
-                <a:latin typeface="Times New Roman" panose="02020603050405020304" pitchFamily="18" charset="0"/>
-                <a:cs typeface="Times New Roman" panose="02020603050405020304" pitchFamily="18" charset="0"/>
-              </a:rPr>
-              <a:t>reference_objects</a:t>
-            </a:r>
-            <a:r>
-              <a:rPr lang="it-IT" dirty="0">
-                <a:latin typeface="Times New Roman" panose="02020603050405020304" pitchFamily="18" charset="0"/>
-                <a:cs typeface="Times New Roman" panose="02020603050405020304" pitchFamily="18" charset="0"/>
-              </a:rPr>
-              <a:t> + success + </a:t>
-            </a:r>
-            <a:r>
-              <a:rPr lang="it-IT" dirty="0" err="1">
+              <a:rPr lang="it-IT" b="1" dirty="0" err="1">
                 <a:latin typeface="Times New Roman" panose="02020603050405020304" pitchFamily="18" charset="0"/>
                 <a:cs typeface="Times New Roman" panose="02020603050405020304" pitchFamily="18" charset="0"/>
               </a:rPr>
@@ -12156,17 +12777,21 @@
                 <a:latin typeface="Times New Roman" panose="02020603050405020304" pitchFamily="18" charset="0"/>
                 <a:cs typeface="Times New Roman" panose="02020603050405020304" pitchFamily="18" charset="0"/>
               </a:rPr>
-              <a:t> + funzioni parziali</a:t>
+              <a:t>:</a:t>
             </a:r>
+            <a:endParaRPr lang="it-IT" b="1" dirty="0">
+              <a:latin typeface="Times New Roman" panose="02020603050405020304" pitchFamily="18" charset="0"/>
+              <a:cs typeface="Times New Roman" panose="02020603050405020304" pitchFamily="18" charset="0"/>
+            </a:endParaRPr>
           </a:p>
         </p:txBody>
       </p:sp>
       <p:pic>
         <p:nvPicPr>
-          <p:cNvPr id="4" name="Picture 3" descr="A blue and white sign&#10;&#10;Description automatically generated">
+          <p:cNvPr id="12" name="Picture 11" descr="A screen shot of a computer program&#10;&#10;Description automatically generated">
             <a:extLst>
               <a:ext uri="{FF2B5EF4-FFF2-40B4-BE49-F238E27FC236}">
-                <a16:creationId xmlns:a16="http://schemas.microsoft.com/office/drawing/2014/main" id="{77279B7E-E8CD-3EE8-E614-9039687E22ED}"/>
+                <a16:creationId xmlns:a16="http://schemas.microsoft.com/office/drawing/2014/main" id="{56DF2E3D-C9FE-0D25-5A7D-95AA8C6DC9A4}"/>
               </a:ext>
             </a:extLst>
           </p:cNvPr>
@@ -12175,20 +12800,32 @@
           </p:cNvPicPr>
           <p:nvPr/>
         </p:nvPicPr>
-        <p:blipFill>
-          <a:blip r:embed="rId3"/>
-          <a:stretch>
-            <a:fillRect/>
-          </a:stretch>
+        <p:blipFill rotWithShape="1">
+          <a:blip r:embed="rId4"/>
+          <a:srcRect b="63791"/>
+          <a:stretch/>
         </p:blipFill>
         <p:spPr>
           <a:xfrm>
-            <a:off x="458888" y="1351453"/>
-            <a:ext cx="3893178" cy="766211"/>
+            <a:off x="688708" y="4343682"/>
+            <a:ext cx="10786003" cy="2228047"/>
           </a:xfrm>
-          <a:prstGeom prst="rect">
-            <a:avLst/>
+          <a:prstGeom prst="roundRect">
+            <a:avLst>
+              <a:gd name="adj" fmla="val 8594"/>
+            </a:avLst>
           </a:prstGeom>
+          <a:solidFill>
+            <a:srgbClr val="FFFFFF">
+              <a:shade val="85000"/>
+            </a:srgbClr>
+          </a:solidFill>
+          <a:ln>
+            <a:noFill/>
+          </a:ln>
+          <a:effectLst>
+            <a:reflection blurRad="12700" stA="0" endPos="28000" dist="5000" dir="5400000" sy="-100000" algn="bl" rotWithShape="0"/>
+          </a:effectLst>
         </p:spPr>
       </p:pic>
     </p:spTree>
@@ -12222,7 +12859,7 @@
                             </p:stCondLst>
                             <p:childTnLst>
                               <p:par>
-                                <p:cTn id="5" presetID="10" presetClass="entr" presetSubtype="0" fill="hold" nodeType="clickEffect">
+                                <p:cTn id="5" presetID="10" presetClass="entr" presetSubtype="0" fill="hold" grpId="0" nodeType="clickEffect">
                                   <p:stCondLst>
                                     <p:cond delay="0"/>
                                   </p:stCondLst>
@@ -12235,7 +12872,7 @@
                                           </p:stCondLst>
                                         </p:cTn>
                                         <p:tgtEl>
-                                          <p:spTgt spid="4"/>
+                                          <p:spTgt spid="5"/>
                                         </p:tgtEl>
                                         <p:attrNameLst>
                                           <p:attrName>style.visibility</p:attrName>
@@ -12247,9 +12884,384 @@
                                     </p:set>
                                     <p:animEffect transition="in" filter="fade">
                                       <p:cBhvr>
-                                        <p:cTn id="7" dur="500"/>
+                                        <p:cTn id="7" dur="300"/>
                                         <p:tgtEl>
-                                          <p:spTgt spid="4"/>
+                                          <p:spTgt spid="5"/>
+                                        </p:tgtEl>
+                                      </p:cBhvr>
+                                    </p:animEffect>
+                                  </p:childTnLst>
+                                </p:cTn>
+                              </p:par>
+                            </p:childTnLst>
+                          </p:cTn>
+                        </p:par>
+                        <p:par>
+                          <p:cTn id="8" fill="hold">
+                            <p:stCondLst>
+                              <p:cond delay="300"/>
+                            </p:stCondLst>
+                            <p:childTnLst>
+                              <p:par>
+                                <p:cTn id="9" presetID="10" presetClass="entr" presetSubtype="0" fill="hold" nodeType="afterEffect">
+                                  <p:stCondLst>
+                                    <p:cond delay="0"/>
+                                  </p:stCondLst>
+                                  <p:childTnLst>
+                                    <p:set>
+                                      <p:cBhvr>
+                                        <p:cTn id="10" dur="1" fill="hold">
+                                          <p:stCondLst>
+                                            <p:cond delay="0"/>
+                                          </p:stCondLst>
+                                        </p:cTn>
+                                        <p:tgtEl>
+                                          <p:spTgt spid="3">
+                                            <p:txEl>
+                                              <p:pRg st="0" end="0"/>
+                                            </p:txEl>
+                                          </p:spTgt>
+                                        </p:tgtEl>
+                                        <p:attrNameLst>
+                                          <p:attrName>style.visibility</p:attrName>
+                                        </p:attrNameLst>
+                                      </p:cBhvr>
+                                      <p:to>
+                                        <p:strVal val="visible"/>
+                                      </p:to>
+                                    </p:set>
+                                    <p:animEffect transition="in" filter="fade">
+                                      <p:cBhvr>
+                                        <p:cTn id="11" dur="300"/>
+                                        <p:tgtEl>
+                                          <p:spTgt spid="3">
+                                            <p:txEl>
+                                              <p:pRg st="0" end="0"/>
+                                            </p:txEl>
+                                          </p:spTgt>
+                                        </p:tgtEl>
+                                      </p:cBhvr>
+                                    </p:animEffect>
+                                  </p:childTnLst>
+                                </p:cTn>
+                              </p:par>
+                            </p:childTnLst>
+                          </p:cTn>
+                        </p:par>
+                      </p:childTnLst>
+                    </p:cTn>
+                  </p:par>
+                  <p:par>
+                    <p:cTn id="12" fill="hold">
+                      <p:stCondLst>
+                        <p:cond delay="indefinite"/>
+                      </p:stCondLst>
+                      <p:childTnLst>
+                        <p:par>
+                          <p:cTn id="13" fill="hold">
+                            <p:stCondLst>
+                              <p:cond delay="0"/>
+                            </p:stCondLst>
+                            <p:childTnLst>
+                              <p:par>
+                                <p:cTn id="14" presetID="10" presetClass="entr" presetSubtype="0" fill="hold" nodeType="clickEffect">
+                                  <p:stCondLst>
+                                    <p:cond delay="0"/>
+                                  </p:stCondLst>
+                                  <p:childTnLst>
+                                    <p:set>
+                                      <p:cBhvr>
+                                        <p:cTn id="15" dur="1" fill="hold">
+                                          <p:stCondLst>
+                                            <p:cond delay="0"/>
+                                          </p:stCondLst>
+                                        </p:cTn>
+                                        <p:tgtEl>
+                                          <p:spTgt spid="3">
+                                            <p:txEl>
+                                              <p:pRg st="1" end="1"/>
+                                            </p:txEl>
+                                          </p:spTgt>
+                                        </p:tgtEl>
+                                        <p:attrNameLst>
+                                          <p:attrName>style.visibility</p:attrName>
+                                        </p:attrNameLst>
+                                      </p:cBhvr>
+                                      <p:to>
+                                        <p:strVal val="visible"/>
+                                      </p:to>
+                                    </p:set>
+                                    <p:animEffect transition="in" filter="fade">
+                                      <p:cBhvr>
+                                        <p:cTn id="16" dur="300"/>
+                                        <p:tgtEl>
+                                          <p:spTgt spid="3">
+                                            <p:txEl>
+                                              <p:pRg st="1" end="1"/>
+                                            </p:txEl>
+                                          </p:spTgt>
+                                        </p:tgtEl>
+                                      </p:cBhvr>
+                                    </p:animEffect>
+                                  </p:childTnLst>
+                                </p:cTn>
+                              </p:par>
+                            </p:childTnLst>
+                          </p:cTn>
+                        </p:par>
+                      </p:childTnLst>
+                    </p:cTn>
+                  </p:par>
+                  <p:par>
+                    <p:cTn id="17" fill="hold">
+                      <p:stCondLst>
+                        <p:cond delay="indefinite"/>
+                      </p:stCondLst>
+                      <p:childTnLst>
+                        <p:par>
+                          <p:cTn id="18" fill="hold">
+                            <p:stCondLst>
+                              <p:cond delay="0"/>
+                            </p:stCondLst>
+                            <p:childTnLst>
+                              <p:par>
+                                <p:cTn id="19" presetID="10" presetClass="entr" presetSubtype="0" fill="hold" nodeType="clickEffect">
+                                  <p:stCondLst>
+                                    <p:cond delay="0"/>
+                                  </p:stCondLst>
+                                  <p:childTnLst>
+                                    <p:set>
+                                      <p:cBhvr>
+                                        <p:cTn id="20" dur="1" fill="hold">
+                                          <p:stCondLst>
+                                            <p:cond delay="0"/>
+                                          </p:stCondLst>
+                                        </p:cTn>
+                                        <p:tgtEl>
+                                          <p:spTgt spid="3">
+                                            <p:txEl>
+                                              <p:pRg st="2" end="2"/>
+                                            </p:txEl>
+                                          </p:spTgt>
+                                        </p:tgtEl>
+                                        <p:attrNameLst>
+                                          <p:attrName>style.visibility</p:attrName>
+                                        </p:attrNameLst>
+                                      </p:cBhvr>
+                                      <p:to>
+                                        <p:strVal val="visible"/>
+                                      </p:to>
+                                    </p:set>
+                                    <p:animEffect transition="in" filter="fade">
+                                      <p:cBhvr>
+                                        <p:cTn id="21" dur="300"/>
+                                        <p:tgtEl>
+                                          <p:spTgt spid="3">
+                                            <p:txEl>
+                                              <p:pRg st="2" end="2"/>
+                                            </p:txEl>
+                                          </p:spTgt>
+                                        </p:tgtEl>
+                                      </p:cBhvr>
+                                    </p:animEffect>
+                                  </p:childTnLst>
+                                </p:cTn>
+                              </p:par>
+                            </p:childTnLst>
+                          </p:cTn>
+                        </p:par>
+                        <p:par>
+                          <p:cTn id="22" fill="hold">
+                            <p:stCondLst>
+                              <p:cond delay="300"/>
+                            </p:stCondLst>
+                            <p:childTnLst>
+                              <p:par>
+                                <p:cTn id="23" presetID="10" presetClass="entr" presetSubtype="0" fill="hold" nodeType="afterEffect">
+                                  <p:stCondLst>
+                                    <p:cond delay="0"/>
+                                  </p:stCondLst>
+                                  <p:childTnLst>
+                                    <p:set>
+                                      <p:cBhvr>
+                                        <p:cTn id="24" dur="1" fill="hold">
+                                          <p:stCondLst>
+                                            <p:cond delay="0"/>
+                                          </p:stCondLst>
+                                        </p:cTn>
+                                        <p:tgtEl>
+                                          <p:spTgt spid="3">
+                                            <p:txEl>
+                                              <p:pRg st="3" end="3"/>
+                                            </p:txEl>
+                                          </p:spTgt>
+                                        </p:tgtEl>
+                                        <p:attrNameLst>
+                                          <p:attrName>style.visibility</p:attrName>
+                                        </p:attrNameLst>
+                                      </p:cBhvr>
+                                      <p:to>
+                                        <p:strVal val="visible"/>
+                                      </p:to>
+                                    </p:set>
+                                    <p:animEffect transition="in" filter="fade">
+                                      <p:cBhvr>
+                                        <p:cTn id="25" dur="300"/>
+                                        <p:tgtEl>
+                                          <p:spTgt spid="3">
+                                            <p:txEl>
+                                              <p:pRg st="3" end="3"/>
+                                            </p:txEl>
+                                          </p:spTgt>
+                                        </p:tgtEl>
+                                      </p:cBhvr>
+                                    </p:animEffect>
+                                  </p:childTnLst>
+                                </p:cTn>
+                              </p:par>
+                            </p:childTnLst>
+                          </p:cTn>
+                        </p:par>
+                      </p:childTnLst>
+                    </p:cTn>
+                  </p:par>
+                  <p:par>
+                    <p:cTn id="26" fill="hold">
+                      <p:stCondLst>
+                        <p:cond delay="indefinite"/>
+                      </p:stCondLst>
+                      <p:childTnLst>
+                        <p:par>
+                          <p:cTn id="27" fill="hold">
+                            <p:stCondLst>
+                              <p:cond delay="0"/>
+                            </p:stCondLst>
+                            <p:childTnLst>
+                              <p:par>
+                                <p:cTn id="28" presetID="10" presetClass="entr" presetSubtype="0" fill="hold" grpId="0" nodeType="clickEffect">
+                                  <p:stCondLst>
+                                    <p:cond delay="0"/>
+                                  </p:stCondLst>
+                                  <p:childTnLst>
+                                    <p:set>
+                                      <p:cBhvr>
+                                        <p:cTn id="29" dur="1" fill="hold">
+                                          <p:stCondLst>
+                                            <p:cond delay="0"/>
+                                          </p:stCondLst>
+                                        </p:cTn>
+                                        <p:tgtEl>
+                                          <p:spTgt spid="13"/>
+                                        </p:tgtEl>
+                                        <p:attrNameLst>
+                                          <p:attrName>style.visibility</p:attrName>
+                                        </p:attrNameLst>
+                                      </p:cBhvr>
+                                      <p:to>
+                                        <p:strVal val="visible"/>
+                                      </p:to>
+                                    </p:set>
+                                    <p:animEffect transition="in" filter="fade">
+                                      <p:cBhvr>
+                                        <p:cTn id="30" dur="300"/>
+                                        <p:tgtEl>
+                                          <p:spTgt spid="13"/>
+                                        </p:tgtEl>
+                                      </p:cBhvr>
+                                    </p:animEffect>
+                                  </p:childTnLst>
+                                </p:cTn>
+                              </p:par>
+                            </p:childTnLst>
+                          </p:cTn>
+                        </p:par>
+                        <p:par>
+                          <p:cTn id="31" fill="hold">
+                            <p:stCondLst>
+                              <p:cond delay="300"/>
+                            </p:stCondLst>
+                            <p:childTnLst>
+                              <p:par>
+                                <p:cTn id="32" presetID="10" presetClass="entr" presetSubtype="0" fill="hold" nodeType="afterEffect">
+                                  <p:stCondLst>
+                                    <p:cond delay="0"/>
+                                  </p:stCondLst>
+                                  <p:childTnLst>
+                                    <p:set>
+                                      <p:cBhvr>
+                                        <p:cTn id="33" dur="1" fill="hold">
+                                          <p:stCondLst>
+                                            <p:cond delay="0"/>
+                                          </p:stCondLst>
+                                        </p:cTn>
+                                        <p:tgtEl>
+                                          <p:spTgt spid="9">
+                                            <p:txEl>
+                                              <p:pRg st="0" end="0"/>
+                                            </p:txEl>
+                                          </p:spTgt>
+                                        </p:tgtEl>
+                                        <p:attrNameLst>
+                                          <p:attrName>style.visibility</p:attrName>
+                                        </p:attrNameLst>
+                                      </p:cBhvr>
+                                      <p:to>
+                                        <p:strVal val="visible"/>
+                                      </p:to>
+                                    </p:set>
+                                    <p:animEffect transition="in" filter="fade">
+                                      <p:cBhvr>
+                                        <p:cTn id="34" dur="300"/>
+                                        <p:tgtEl>
+                                          <p:spTgt spid="9">
+                                            <p:txEl>
+                                              <p:pRg st="0" end="0"/>
+                                            </p:txEl>
+                                          </p:spTgt>
+                                        </p:tgtEl>
+                                      </p:cBhvr>
+                                    </p:animEffect>
+                                  </p:childTnLst>
+                                </p:cTn>
+                              </p:par>
+                            </p:childTnLst>
+                          </p:cTn>
+                        </p:par>
+                        <p:par>
+                          <p:cTn id="35" fill="hold">
+                            <p:stCondLst>
+                              <p:cond delay="600"/>
+                            </p:stCondLst>
+                            <p:childTnLst>
+                              <p:par>
+                                <p:cTn id="36" presetID="10" presetClass="entr" presetSubtype="0" fill="hold" nodeType="afterEffect">
+                                  <p:stCondLst>
+                                    <p:cond delay="0"/>
+                                  </p:stCondLst>
+                                  <p:childTnLst>
+                                    <p:set>
+                                      <p:cBhvr>
+                                        <p:cTn id="37" dur="1" fill="hold">
+                                          <p:stCondLst>
+                                            <p:cond delay="0"/>
+                                          </p:stCondLst>
+                                        </p:cTn>
+                                        <p:tgtEl>
+                                          <p:spTgt spid="12"/>
+                                        </p:tgtEl>
+                                        <p:attrNameLst>
+                                          <p:attrName>style.visibility</p:attrName>
+                                        </p:attrNameLst>
+                                      </p:cBhvr>
+                                      <p:to>
+                                        <p:strVal val="visible"/>
+                                      </p:to>
+                                    </p:set>
+                                    <p:animEffect transition="in" filter="fade">
+                                      <p:cBhvr>
+                                        <p:cTn id="38" dur="300"/>
+                                        <p:tgtEl>
+                                          <p:spTgt spid="12"/>
                                         </p:tgtEl>
                                       </p:cBhvr>
                                     </p:animEffect>
@@ -12283,6 +13295,10 @@
         </p:cTn>
       </p:par>
     </p:tnLst>
+    <p:bldLst>
+      <p:bldP spid="5" grpId="0" animBg="1"/>
+      <p:bldP spid="13" grpId="0" animBg="1"/>
+    </p:bldLst>
   </p:timing>
 </p:sld>
 </file>
@@ -12428,8 +13444,8 @@
         </p:nvSpPr>
         <p:spPr>
           <a:xfrm>
-            <a:off x="4722919" y="253713"/>
-            <a:ext cx="2752079" cy="536232"/>
+            <a:off x="3790765" y="253713"/>
+            <a:ext cx="4634144" cy="536232"/>
           </a:xfrm>
           <a:prstGeom prst="roundRect">
             <a:avLst/>
@@ -12534,7 +13550,7 @@
                 <a:ea typeface="Cambria Math" panose="02040503050406030204" pitchFamily="18" charset="0"/>
                 <a:cs typeface="Times New Roman" panose="02020603050405020304" pitchFamily="18" charset="0"/>
               </a:rPr>
-              <a:t>Gestione utenti</a:t>
+              <a:t>Letture di multipli registri</a:t>
             </a:r>
           </a:p>
         </p:txBody>
@@ -12572,6 +13588,20 @@
                 <a:spcPct val="200000"/>
               </a:lnSpc>
             </a:pPr>
+            <a:r>
+              <a:rPr lang="it-IT" dirty="0">
+                <a:latin typeface="Times New Roman" panose="02020603050405020304" pitchFamily="18" charset="0"/>
+                <a:cs typeface="Times New Roman" panose="02020603050405020304" pitchFamily="18" charset="0"/>
+              </a:rPr>
+              <a:t>+ </a:t>
+            </a:r>
+            <a:r>
+              <a:rPr lang="it-IT" dirty="0" err="1">
+                <a:latin typeface="Times New Roman" panose="02020603050405020304" pitchFamily="18" charset="0"/>
+                <a:cs typeface="Times New Roman" panose="02020603050405020304" pitchFamily="18" charset="0"/>
+              </a:rPr>
+              <a:t>caching</a:t>
+            </a:r>
             <a:endParaRPr lang="it-IT" dirty="0">
               <a:latin typeface="Times New Roman" panose="02020603050405020304" pitchFamily="18" charset="0"/>
               <a:cs typeface="Times New Roman" panose="02020603050405020304" pitchFamily="18" charset="0"/>
@@ -12579,40 +13609,10 @@
           </a:p>
         </p:txBody>
       </p:sp>
-      <p:pic>
-        <p:nvPicPr>
-          <p:cNvPr id="5" name="Picture 4" descr="A screenshot of a computer code&#10;&#10;Description automatically generated">
-            <a:extLst>
-              <a:ext uri="{FF2B5EF4-FFF2-40B4-BE49-F238E27FC236}">
-                <a16:creationId xmlns:a16="http://schemas.microsoft.com/office/drawing/2014/main" id="{6637A2EA-86A3-7E84-C49D-5153FEA12FE6}"/>
-              </a:ext>
-            </a:extLst>
-          </p:cNvPr>
-          <p:cNvPicPr>
-            <a:picLocks noChangeAspect="1"/>
-          </p:cNvPicPr>
-          <p:nvPr/>
-        </p:nvPicPr>
-        <p:blipFill>
-          <a:blip r:embed="rId3"/>
-          <a:stretch>
-            <a:fillRect/>
-          </a:stretch>
-        </p:blipFill>
-        <p:spPr>
-          <a:xfrm>
-            <a:off x="2350372" y="4864027"/>
-            <a:ext cx="7218727" cy="1220432"/>
-          </a:xfrm>
-          <a:prstGeom prst="rect">
-            <a:avLst/>
-          </a:prstGeom>
-        </p:spPr>
-      </p:pic>
     </p:spTree>
     <p:extLst>
       <p:ext uri="{BB962C8B-B14F-4D97-AF65-F5344CB8AC3E}">
-        <p14:creationId xmlns:p14="http://schemas.microsoft.com/office/powerpoint/2010/main" val="3307964588"/>
+        <p14:creationId xmlns:p14="http://schemas.microsoft.com/office/powerpoint/2010/main" val="2722363685"/>
       </p:ext>
     </p:extLst>
   </p:cSld>
@@ -12763,8 +13763,8 @@
         </p:nvSpPr>
         <p:spPr>
           <a:xfrm>
-            <a:off x="3790765" y="253713"/>
-            <a:ext cx="4634144" cy="536232"/>
+            <a:off x="3071674" y="253713"/>
+            <a:ext cx="6063448" cy="536232"/>
           </a:xfrm>
           <a:prstGeom prst="roundRect">
             <a:avLst/>
@@ -12869,7 +13869,7 @@
                 <a:ea typeface="Cambria Math" panose="02040503050406030204" pitchFamily="18" charset="0"/>
                 <a:cs typeface="Times New Roman" panose="02020603050405020304" pitchFamily="18" charset="0"/>
               </a:rPr>
-              <a:t>Letture di multipli registri</a:t>
+              <a:t>Gestione degli slave irraggiungibili</a:t>
             </a:r>
           </a:p>
         </p:txBody>
@@ -12907,20 +13907,6 @@
                 <a:spcPct val="200000"/>
               </a:lnSpc>
             </a:pPr>
-            <a:r>
-              <a:rPr lang="it-IT" dirty="0">
-                <a:latin typeface="Times New Roman" panose="02020603050405020304" pitchFamily="18" charset="0"/>
-                <a:cs typeface="Times New Roman" panose="02020603050405020304" pitchFamily="18" charset="0"/>
-              </a:rPr>
-              <a:t>+ </a:t>
-            </a:r>
-            <a:r>
-              <a:rPr lang="it-IT" dirty="0" err="1">
-                <a:latin typeface="Times New Roman" panose="02020603050405020304" pitchFamily="18" charset="0"/>
-                <a:cs typeface="Times New Roman" panose="02020603050405020304" pitchFamily="18" charset="0"/>
-              </a:rPr>
-              <a:t>caching</a:t>
-            </a:r>
             <a:endParaRPr lang="it-IT" dirty="0">
               <a:latin typeface="Times New Roman" panose="02020603050405020304" pitchFamily="18" charset="0"/>
               <a:cs typeface="Times New Roman" panose="02020603050405020304" pitchFamily="18" charset="0"/>
@@ -12931,7 +13917,7 @@
     </p:spTree>
     <p:extLst>
       <p:ext uri="{BB962C8B-B14F-4D97-AF65-F5344CB8AC3E}">
-        <p14:creationId xmlns:p14="http://schemas.microsoft.com/office/powerpoint/2010/main" val="2722363685"/>
+        <p14:creationId xmlns:p14="http://schemas.microsoft.com/office/powerpoint/2010/main" val="1289288216"/>
       </p:ext>
     </p:extLst>
   </p:cSld>
@@ -13082,8 +14068,8 @@
         </p:nvSpPr>
         <p:spPr>
           <a:xfrm>
-            <a:off x="3071674" y="253713"/>
-            <a:ext cx="6063448" cy="536232"/>
+            <a:off x="3941685" y="253713"/>
+            <a:ext cx="4341181" cy="536232"/>
           </a:xfrm>
           <a:prstGeom prst="roundRect">
             <a:avLst/>
@@ -13188,7 +14174,7 @@
                 <a:ea typeface="Cambria Math" panose="02040503050406030204" pitchFamily="18" charset="0"/>
                 <a:cs typeface="Times New Roman" panose="02020603050405020304" pitchFamily="18" charset="0"/>
               </a:rPr>
-              <a:t>Gestione degli slave irraggiungibili</a:t>
+              <a:t>Comportamenti selettivi</a:t>
             </a:r>
           </a:p>
         </p:txBody>
@@ -13236,7 +14222,7 @@
     </p:spTree>
     <p:extLst>
       <p:ext uri="{BB962C8B-B14F-4D97-AF65-F5344CB8AC3E}">
-        <p14:creationId xmlns:p14="http://schemas.microsoft.com/office/powerpoint/2010/main" val="1289288216"/>
+        <p14:creationId xmlns:p14="http://schemas.microsoft.com/office/powerpoint/2010/main" val="4042482017"/>
       </p:ext>
     </p:extLst>
   </p:cSld>
@@ -13387,8 +14373,8 @@
         </p:nvSpPr>
         <p:spPr>
           <a:xfrm>
-            <a:off x="3941685" y="253713"/>
-            <a:ext cx="4341181" cy="536232"/>
+            <a:off x="4722919" y="253713"/>
+            <a:ext cx="2752079" cy="536232"/>
           </a:xfrm>
           <a:prstGeom prst="roundRect">
             <a:avLst/>
@@ -13493,7 +14479,7 @@
                 <a:ea typeface="Cambria Math" panose="02040503050406030204" pitchFamily="18" charset="0"/>
                 <a:cs typeface="Times New Roman" panose="02020603050405020304" pitchFamily="18" charset="0"/>
               </a:rPr>
-              <a:t>Comportamenti selettivi</a:t>
+              <a:t>Gestione utenti</a:t>
             </a:r>
           </a:p>
         </p:txBody>
@@ -13538,10 +14524,40 @@
           </a:p>
         </p:txBody>
       </p:sp>
+      <p:pic>
+        <p:nvPicPr>
+          <p:cNvPr id="5" name="Picture 4" descr="A screenshot of a computer code&#10;&#10;Description automatically generated">
+            <a:extLst>
+              <a:ext uri="{FF2B5EF4-FFF2-40B4-BE49-F238E27FC236}">
+                <a16:creationId xmlns:a16="http://schemas.microsoft.com/office/drawing/2014/main" id="{6637A2EA-86A3-7E84-C49D-5153FEA12FE6}"/>
+              </a:ext>
+            </a:extLst>
+          </p:cNvPr>
+          <p:cNvPicPr>
+            <a:picLocks noChangeAspect="1"/>
+          </p:cNvPicPr>
+          <p:nvPr/>
+        </p:nvPicPr>
+        <p:blipFill>
+          <a:blip r:embed="rId3"/>
+          <a:stretch>
+            <a:fillRect/>
+          </a:stretch>
+        </p:blipFill>
+        <p:spPr>
+          <a:xfrm>
+            <a:off x="2350372" y="4864027"/>
+            <a:ext cx="7218727" cy="1220432"/>
+          </a:xfrm>
+          <a:prstGeom prst="rect">
+            <a:avLst/>
+          </a:prstGeom>
+        </p:spPr>
+      </p:pic>
     </p:spTree>
     <p:extLst>
       <p:ext uri="{BB962C8B-B14F-4D97-AF65-F5344CB8AC3E}">
-        <p14:creationId xmlns:p14="http://schemas.microsoft.com/office/powerpoint/2010/main" val="4042482017"/>
+        <p14:creationId xmlns:p14="http://schemas.microsoft.com/office/powerpoint/2010/main" val="3307964588"/>
       </p:ext>
     </p:extLst>
   </p:cSld>
@@ -14279,42 +15295,6 @@
           </a:p>
         </p:txBody>
       </p:sp>
-      <p:sp>
-        <p:nvSpPr>
-          <p:cNvPr id="3" name="Subtitle 2">
-            <a:extLst>
-              <a:ext uri="{FF2B5EF4-FFF2-40B4-BE49-F238E27FC236}">
-                <a16:creationId xmlns:a16="http://schemas.microsoft.com/office/drawing/2014/main" id="{FC446B2D-F94A-2F94-9904-6D62ADA65C8F}"/>
-              </a:ext>
-            </a:extLst>
-          </p:cNvPr>
-          <p:cNvSpPr>
-            <a:spLocks noGrp="1"/>
-          </p:cNvSpPr>
-          <p:nvPr>
-            <p:ph type="subTitle" idx="1"/>
-          </p:nvPr>
-        </p:nvSpPr>
-        <p:spPr>
-          <a:xfrm>
-            <a:off x="1524000" y="1140311"/>
-            <a:ext cx="9144000" cy="5497157"/>
-          </a:xfrm>
-        </p:spPr>
-        <p:txBody>
-          <a:bodyPr>
-            <a:normAutofit/>
-          </a:bodyPr>
-          <a:lstStyle/>
-          <a:p>
-            <a:pPr algn="l"/>
-            <a:endParaRPr lang="it-IT" dirty="0">
-              <a:latin typeface="Times New Roman" panose="02020603050405020304" pitchFamily="18" charset="0"/>
-              <a:cs typeface="Times New Roman" panose="02020603050405020304" pitchFamily="18" charset="0"/>
-            </a:endParaRPr>
-          </a:p>
-        </p:txBody>
-      </p:sp>
       <p:pic>
         <p:nvPicPr>
           <p:cNvPr id="18" name="Picture 17" descr="A screenshot of a computer&#10;&#10;Description automatically generated">
@@ -14337,8 +15317,8 @@
         </p:blipFill>
         <p:spPr>
           <a:xfrm>
-            <a:off x="936136" y="851858"/>
-            <a:ext cx="10319728" cy="5802015"/>
+            <a:off x="903303" y="826625"/>
+            <a:ext cx="10385394" cy="5838934"/>
           </a:xfrm>
           <a:prstGeom prst="roundRect">
             <a:avLst>
@@ -14358,6 +15338,246 @@
           </a:effectLst>
         </p:spPr>
       </p:pic>
+      <p:sp>
+        <p:nvSpPr>
+          <p:cNvPr id="4" name="Rectangle: Rounded Corners 3">
+            <a:extLst>
+              <a:ext uri="{FF2B5EF4-FFF2-40B4-BE49-F238E27FC236}">
+                <a16:creationId xmlns:a16="http://schemas.microsoft.com/office/drawing/2014/main" id="{07DE871D-6684-01BC-D1FE-C7EF680FDC43}"/>
+              </a:ext>
+            </a:extLst>
+          </p:cNvPr>
+          <p:cNvSpPr/>
+          <p:nvPr/>
+        </p:nvSpPr>
+        <p:spPr>
+          <a:xfrm>
+            <a:off x="303703" y="1460049"/>
+            <a:ext cx="2950309" cy="4522349"/>
+          </a:xfrm>
+          <a:prstGeom prst="roundRect">
+            <a:avLst>
+              <a:gd name="adj" fmla="val 4732"/>
+            </a:avLst>
+          </a:prstGeom>
+          <a:solidFill>
+            <a:schemeClr val="bg1"/>
+          </a:solidFill>
+          <a:ln w="28575">
+            <a:solidFill>
+              <a:schemeClr val="tx1"/>
+            </a:solidFill>
+          </a:ln>
+        </p:spPr>
+        <p:style>
+          <a:lnRef idx="2">
+            <a:schemeClr val="accent1">
+              <a:shade val="15000"/>
+            </a:schemeClr>
+          </a:lnRef>
+          <a:fillRef idx="1">
+            <a:schemeClr val="accent1"/>
+          </a:fillRef>
+          <a:effectRef idx="0">
+            <a:schemeClr val="accent1"/>
+          </a:effectRef>
+          <a:fontRef idx="minor">
+            <a:schemeClr val="lt1"/>
+          </a:fontRef>
+        </p:style>
+        <p:txBody>
+          <a:bodyPr rtlCol="0" anchor="ctr"/>
+          <a:lstStyle/>
+          <a:p>
+            <a:pPr lvl="0" hangingPunct="0"/>
+            <a:r>
+              <a:rPr lang="it-IT" b="1" dirty="0">
+                <a:solidFill>
+                  <a:schemeClr val="tx1"/>
+                </a:solidFill>
+                <a:effectLst/>
+                <a:latin typeface="Times New Roman" panose="02020603050405020304" pitchFamily="18" charset="0"/>
+                <a:ea typeface="Times New Roman" panose="02020603050405020304" pitchFamily="18" charset="0"/>
+                <a:cs typeface="Times New Roman" panose="02020603050405020304" pitchFamily="18" charset="0"/>
+              </a:rPr>
+              <a:t>Funzionalità del software:</a:t>
+            </a:r>
+          </a:p>
+          <a:p>
+            <a:pPr lvl="0" hangingPunct="0"/>
+            <a:endParaRPr lang="it-IT" b="1" dirty="0">
+              <a:solidFill>
+                <a:schemeClr val="tx1"/>
+              </a:solidFill>
+              <a:effectLst/>
+              <a:latin typeface="Times New Roman" panose="02020603050405020304" pitchFamily="18" charset="0"/>
+              <a:ea typeface="Times New Roman" panose="02020603050405020304" pitchFamily="18" charset="0"/>
+              <a:cs typeface="Times New Roman" panose="02020603050405020304" pitchFamily="18" charset="0"/>
+            </a:endParaRPr>
+          </a:p>
+          <a:p>
+            <a:pPr marL="342900" lvl="0" indent="-342900" hangingPunct="0">
+              <a:buFont typeface="Wingdings" panose="05000000000000000000" pitchFamily="2" charset="2"/>
+              <a:buChar char="§"/>
+            </a:pPr>
+            <a:r>
+              <a:rPr lang="it-IT" sz="1600" dirty="0">
+                <a:solidFill>
+                  <a:schemeClr val="tx1"/>
+                </a:solidFill>
+                <a:effectLst/>
+                <a:latin typeface="Times New Roman" panose="02020603050405020304" pitchFamily="18" charset="0"/>
+                <a:ea typeface="Times New Roman" panose="02020603050405020304" pitchFamily="18" charset="0"/>
+                <a:cs typeface="Times New Roman" panose="02020603050405020304" pitchFamily="18" charset="0"/>
+              </a:rPr>
+              <a:t>Monitoraggio input/output e della comunicazione</a:t>
+            </a:r>
+          </a:p>
+          <a:p>
+            <a:pPr marL="342900" lvl="0" indent="-342900" hangingPunct="0">
+              <a:buFont typeface="Wingdings" panose="05000000000000000000" pitchFamily="2" charset="2"/>
+              <a:buChar char="§"/>
+            </a:pPr>
+            <a:endParaRPr lang="it-IT" sz="1600" dirty="0">
+              <a:solidFill>
+                <a:schemeClr val="tx1"/>
+              </a:solidFill>
+              <a:effectLst/>
+              <a:latin typeface="Arial" panose="020B0604020202020204" pitchFamily="34" charset="0"/>
+              <a:ea typeface="Times New Roman" panose="02020603050405020304" pitchFamily="18" charset="0"/>
+              <a:cs typeface="Times New Roman" panose="02020603050405020304" pitchFamily="18" charset="0"/>
+            </a:endParaRPr>
+          </a:p>
+          <a:p>
+            <a:pPr marL="342900" lvl="0" indent="-342900" hangingPunct="0">
+              <a:buFont typeface="Wingdings" panose="05000000000000000000" pitchFamily="2" charset="2"/>
+              <a:buChar char="§"/>
+            </a:pPr>
+            <a:r>
+              <a:rPr lang="it-IT" sz="1600" dirty="0">
+                <a:solidFill>
+                  <a:schemeClr val="tx1"/>
+                </a:solidFill>
+                <a:effectLst/>
+                <a:latin typeface="Times New Roman" panose="02020603050405020304" pitchFamily="18" charset="0"/>
+                <a:ea typeface="Times New Roman" panose="02020603050405020304" pitchFamily="18" charset="0"/>
+                <a:cs typeface="Times New Roman" panose="02020603050405020304" pitchFamily="18" charset="0"/>
+              </a:rPr>
+              <a:t>Visualizzazione eventi in tempo reale</a:t>
+            </a:r>
+          </a:p>
+          <a:p>
+            <a:pPr marL="342900" lvl="0" indent="-342900" hangingPunct="0">
+              <a:buFont typeface="Wingdings" panose="05000000000000000000" pitchFamily="2" charset="2"/>
+              <a:buChar char="§"/>
+            </a:pPr>
+            <a:endParaRPr lang="it-IT" sz="1600" dirty="0">
+              <a:solidFill>
+                <a:schemeClr val="tx1"/>
+              </a:solidFill>
+              <a:effectLst/>
+              <a:latin typeface="Arial" panose="020B0604020202020204" pitchFamily="34" charset="0"/>
+              <a:ea typeface="Times New Roman" panose="02020603050405020304" pitchFamily="18" charset="0"/>
+              <a:cs typeface="Times New Roman" panose="02020603050405020304" pitchFamily="18" charset="0"/>
+            </a:endParaRPr>
+          </a:p>
+          <a:p>
+            <a:pPr marL="342900" lvl="0" indent="-342900" hangingPunct="0">
+              <a:buFont typeface="Wingdings" panose="05000000000000000000" pitchFamily="2" charset="2"/>
+              <a:buChar char="§"/>
+            </a:pPr>
+            <a:r>
+              <a:rPr lang="it-IT" sz="1600" dirty="0">
+                <a:solidFill>
+                  <a:schemeClr val="tx1"/>
+                </a:solidFill>
+                <a:effectLst/>
+                <a:latin typeface="Times New Roman" panose="02020603050405020304" pitchFamily="18" charset="0"/>
+                <a:ea typeface="Times New Roman" panose="02020603050405020304" pitchFamily="18" charset="0"/>
+                <a:cs typeface="Times New Roman" panose="02020603050405020304" pitchFamily="18" charset="0"/>
+              </a:rPr>
+              <a:t>Attuazione di movimenti manuali</a:t>
+            </a:r>
+          </a:p>
+          <a:p>
+            <a:pPr marL="342900" lvl="0" indent="-342900" hangingPunct="0">
+              <a:buFont typeface="Wingdings" panose="05000000000000000000" pitchFamily="2" charset="2"/>
+              <a:buChar char="§"/>
+            </a:pPr>
+            <a:endParaRPr lang="it-IT" sz="1600" dirty="0">
+              <a:solidFill>
+                <a:schemeClr val="tx1"/>
+              </a:solidFill>
+              <a:effectLst/>
+              <a:latin typeface="Times New Roman" panose="02020603050405020304" pitchFamily="18" charset="0"/>
+              <a:ea typeface="Times New Roman" panose="02020603050405020304" pitchFamily="18" charset="0"/>
+              <a:cs typeface="Times New Roman" panose="02020603050405020304" pitchFamily="18" charset="0"/>
+            </a:endParaRPr>
+          </a:p>
+          <a:p>
+            <a:pPr marL="342900" lvl="0" indent="-342900" hangingPunct="0">
+              <a:buFont typeface="Wingdings" panose="05000000000000000000" pitchFamily="2" charset="2"/>
+              <a:buChar char="§"/>
+            </a:pPr>
+            <a:r>
+              <a:rPr lang="it-IT" sz="1600" dirty="0">
+                <a:solidFill>
+                  <a:schemeClr val="tx1"/>
+                </a:solidFill>
+                <a:latin typeface="Times New Roman" panose="02020603050405020304" pitchFamily="18" charset="0"/>
+                <a:ea typeface="Times New Roman" panose="02020603050405020304" pitchFamily="18" charset="0"/>
+                <a:cs typeface="Times New Roman" panose="02020603050405020304" pitchFamily="18" charset="0"/>
+              </a:rPr>
+              <a:t>Gestione </a:t>
+            </a:r>
+            <a:r>
+              <a:rPr lang="it-IT" sz="1600" dirty="0">
+                <a:solidFill>
+                  <a:schemeClr val="tx1"/>
+                </a:solidFill>
+                <a:effectLst/>
+                <a:latin typeface="Times New Roman" panose="02020603050405020304" pitchFamily="18" charset="0"/>
+                <a:ea typeface="Times New Roman" panose="02020603050405020304" pitchFamily="18" charset="0"/>
+                <a:cs typeface="Times New Roman" panose="02020603050405020304" pitchFamily="18" charset="0"/>
+              </a:rPr>
+              <a:t>di programmi automatici di lavoro</a:t>
+            </a:r>
+          </a:p>
+          <a:p>
+            <a:pPr marL="342900" lvl="0" indent="-342900" hangingPunct="0">
+              <a:buFont typeface="Wingdings" panose="05000000000000000000" pitchFamily="2" charset="2"/>
+              <a:buChar char="§"/>
+            </a:pPr>
+            <a:endParaRPr lang="it-IT" sz="1600" dirty="0">
+              <a:solidFill>
+                <a:schemeClr val="tx1"/>
+              </a:solidFill>
+              <a:effectLst/>
+              <a:latin typeface="Times New Roman" panose="02020603050405020304" pitchFamily="18" charset="0"/>
+              <a:ea typeface="Times New Roman" panose="02020603050405020304" pitchFamily="18" charset="0"/>
+              <a:cs typeface="Times New Roman" panose="02020603050405020304" pitchFamily="18" charset="0"/>
+            </a:endParaRPr>
+          </a:p>
+          <a:p>
+            <a:pPr marL="342900" indent="-342900" hangingPunct="0">
+              <a:buFont typeface="Wingdings" panose="05000000000000000000" pitchFamily="2" charset="2"/>
+              <a:buChar char="§"/>
+            </a:pPr>
+            <a:r>
+              <a:rPr lang="it-IT" sz="1600" dirty="0">
+                <a:solidFill>
+                  <a:schemeClr val="tx1"/>
+                </a:solidFill>
+                <a:effectLst/>
+                <a:latin typeface="Times New Roman" panose="02020603050405020304" pitchFamily="18" charset="0"/>
+                <a:ea typeface="Times New Roman" panose="02020603050405020304" pitchFamily="18" charset="0"/>
+                <a:cs typeface="Times New Roman" panose="02020603050405020304" pitchFamily="18" charset="0"/>
+              </a:rPr>
+              <a:t>Gestione di diversi profili utente</a:t>
+            </a:r>
+          </a:p>
+        </p:txBody>
+      </p:sp>
     </p:spTree>
     <p:extLst>
       <p:ext uri="{BB962C8B-B14F-4D97-AF65-F5344CB8AC3E}">
@@ -14429,6 +15649,420 @@
                       </p:childTnLst>
                     </p:cTn>
                   </p:par>
+                  <p:par>
+                    <p:cTn id="8" fill="hold">
+                      <p:stCondLst>
+                        <p:cond delay="indefinite"/>
+                      </p:stCondLst>
+                      <p:childTnLst>
+                        <p:par>
+                          <p:cTn id="9" fill="hold">
+                            <p:stCondLst>
+                              <p:cond delay="0"/>
+                            </p:stCondLst>
+                            <p:childTnLst>
+                              <p:par>
+                                <p:cTn id="10" presetID="6" presetClass="emph" presetSubtype="0" fill="hold" nodeType="clickEffect">
+                                  <p:stCondLst>
+                                    <p:cond delay="0"/>
+                                  </p:stCondLst>
+                                  <p:childTnLst>
+                                    <p:animScale>
+                                      <p:cBhvr>
+                                        <p:cTn id="11" dur="500" fill="hold"/>
+                                        <p:tgtEl>
+                                          <p:spTgt spid="18"/>
+                                        </p:tgtEl>
+                                      </p:cBhvr>
+                                      <p:by x="80000" y="80000"/>
+                                    </p:animScale>
+                                  </p:childTnLst>
+                                </p:cTn>
+                              </p:par>
+                              <p:par>
+                                <p:cTn id="12" presetID="63" presetClass="path" presetSubtype="0" accel="50000" decel="50000" fill="hold" nodeType="withEffect">
+                                  <p:stCondLst>
+                                    <p:cond delay="0"/>
+                                  </p:stCondLst>
+                                  <p:childTnLst>
+                                    <p:animMotion origin="layout" path="M 0 3.7037E-6 L 0.12891 -0.09746 " pathEditMode="relative" rAng="0" ptsTypes="AA">
+                                      <p:cBhvr>
+                                        <p:cTn id="13" dur="500" fill="hold"/>
+                                        <p:tgtEl>
+                                          <p:spTgt spid="18"/>
+                                        </p:tgtEl>
+                                        <p:attrNameLst>
+                                          <p:attrName>ppt_x</p:attrName>
+                                          <p:attrName>ppt_y</p:attrName>
+                                        </p:attrNameLst>
+                                      </p:cBhvr>
+                                      <p:rCtr x="6445" y="-4884"/>
+                                    </p:animMotion>
+                                  </p:childTnLst>
+                                </p:cTn>
+                              </p:par>
+                            </p:childTnLst>
+                          </p:cTn>
+                        </p:par>
+                        <p:par>
+                          <p:cTn id="14" fill="hold">
+                            <p:stCondLst>
+                              <p:cond delay="500"/>
+                            </p:stCondLst>
+                            <p:childTnLst>
+                              <p:par>
+                                <p:cTn id="15" presetID="10" presetClass="entr" presetSubtype="0" fill="hold" grpId="0" nodeType="afterEffect">
+                                  <p:stCondLst>
+                                    <p:cond delay="0"/>
+                                  </p:stCondLst>
+                                  <p:childTnLst>
+                                    <p:set>
+                                      <p:cBhvr>
+                                        <p:cTn id="16" dur="1" fill="hold">
+                                          <p:stCondLst>
+                                            <p:cond delay="0"/>
+                                          </p:stCondLst>
+                                        </p:cTn>
+                                        <p:tgtEl>
+                                          <p:spTgt spid="4"/>
+                                        </p:tgtEl>
+                                        <p:attrNameLst>
+                                          <p:attrName>style.visibility</p:attrName>
+                                        </p:attrNameLst>
+                                      </p:cBhvr>
+                                      <p:to>
+                                        <p:strVal val="visible"/>
+                                      </p:to>
+                                    </p:set>
+                                    <p:animEffect transition="in" filter="fade">
+                                      <p:cBhvr>
+                                        <p:cTn id="17" dur="300"/>
+                                        <p:tgtEl>
+                                          <p:spTgt spid="4"/>
+                                        </p:tgtEl>
+                                      </p:cBhvr>
+                                    </p:animEffect>
+                                  </p:childTnLst>
+                                </p:cTn>
+                              </p:par>
+                            </p:childTnLst>
+                          </p:cTn>
+                        </p:par>
+                        <p:par>
+                          <p:cTn id="18" fill="hold">
+                            <p:stCondLst>
+                              <p:cond delay="800"/>
+                            </p:stCondLst>
+                            <p:childTnLst>
+                              <p:par>
+                                <p:cTn id="19" presetID="10" presetClass="entr" presetSubtype="0" fill="hold" nodeType="afterEffect">
+                                  <p:stCondLst>
+                                    <p:cond delay="0"/>
+                                  </p:stCondLst>
+                                  <p:childTnLst>
+                                    <p:set>
+                                      <p:cBhvr>
+                                        <p:cTn id="20" dur="1" fill="hold">
+                                          <p:stCondLst>
+                                            <p:cond delay="0"/>
+                                          </p:stCondLst>
+                                        </p:cTn>
+                                        <p:tgtEl>
+                                          <p:spTgt spid="4">
+                                            <p:txEl>
+                                              <p:pRg st="0" end="0"/>
+                                            </p:txEl>
+                                          </p:spTgt>
+                                        </p:tgtEl>
+                                        <p:attrNameLst>
+                                          <p:attrName>style.visibility</p:attrName>
+                                        </p:attrNameLst>
+                                      </p:cBhvr>
+                                      <p:to>
+                                        <p:strVal val="visible"/>
+                                      </p:to>
+                                    </p:set>
+                                    <p:animEffect transition="in" filter="fade">
+                                      <p:cBhvr>
+                                        <p:cTn id="21" dur="100"/>
+                                        <p:tgtEl>
+                                          <p:spTgt spid="4">
+                                            <p:txEl>
+                                              <p:pRg st="0" end="0"/>
+                                            </p:txEl>
+                                          </p:spTgt>
+                                        </p:tgtEl>
+                                      </p:cBhvr>
+                                    </p:animEffect>
+                                  </p:childTnLst>
+                                </p:cTn>
+                              </p:par>
+                            </p:childTnLst>
+                          </p:cTn>
+                        </p:par>
+                        <p:par>
+                          <p:cTn id="22" fill="hold">
+                            <p:stCondLst>
+                              <p:cond delay="900"/>
+                            </p:stCondLst>
+                            <p:childTnLst>
+                              <p:par>
+                                <p:cTn id="23" presetID="10" presetClass="entr" presetSubtype="0" fill="hold" nodeType="afterEffect">
+                                  <p:stCondLst>
+                                    <p:cond delay="0"/>
+                                  </p:stCondLst>
+                                  <p:childTnLst>
+                                    <p:set>
+                                      <p:cBhvr>
+                                        <p:cTn id="24" dur="1" fill="hold">
+                                          <p:stCondLst>
+                                            <p:cond delay="0"/>
+                                          </p:stCondLst>
+                                        </p:cTn>
+                                        <p:tgtEl>
+                                          <p:spTgt spid="4">
+                                            <p:txEl>
+                                              <p:pRg st="2" end="2"/>
+                                            </p:txEl>
+                                          </p:spTgt>
+                                        </p:tgtEl>
+                                        <p:attrNameLst>
+                                          <p:attrName>style.visibility</p:attrName>
+                                        </p:attrNameLst>
+                                      </p:cBhvr>
+                                      <p:to>
+                                        <p:strVal val="visible"/>
+                                      </p:to>
+                                    </p:set>
+                                    <p:animEffect transition="in" filter="fade">
+                                      <p:cBhvr>
+                                        <p:cTn id="25" dur="100"/>
+                                        <p:tgtEl>
+                                          <p:spTgt spid="4">
+                                            <p:txEl>
+                                              <p:pRg st="2" end="2"/>
+                                            </p:txEl>
+                                          </p:spTgt>
+                                        </p:tgtEl>
+                                      </p:cBhvr>
+                                    </p:animEffect>
+                                  </p:childTnLst>
+                                </p:cTn>
+                              </p:par>
+                            </p:childTnLst>
+                          </p:cTn>
+                        </p:par>
+                        <p:par>
+                          <p:cTn id="26" fill="hold">
+                            <p:stCondLst>
+                              <p:cond delay="1000"/>
+                            </p:stCondLst>
+                            <p:childTnLst>
+                              <p:par>
+                                <p:cTn id="27" presetID="10" presetClass="entr" presetSubtype="0" fill="hold" nodeType="afterEffect">
+                                  <p:stCondLst>
+                                    <p:cond delay="0"/>
+                                  </p:stCondLst>
+                                  <p:childTnLst>
+                                    <p:set>
+                                      <p:cBhvr>
+                                        <p:cTn id="28" dur="1" fill="hold">
+                                          <p:stCondLst>
+                                            <p:cond delay="0"/>
+                                          </p:stCondLst>
+                                        </p:cTn>
+                                        <p:tgtEl>
+                                          <p:spTgt spid="4">
+                                            <p:txEl>
+                                              <p:pRg st="4" end="4"/>
+                                            </p:txEl>
+                                          </p:spTgt>
+                                        </p:tgtEl>
+                                        <p:attrNameLst>
+                                          <p:attrName>style.visibility</p:attrName>
+                                        </p:attrNameLst>
+                                      </p:cBhvr>
+                                      <p:to>
+                                        <p:strVal val="visible"/>
+                                      </p:to>
+                                    </p:set>
+                                    <p:animEffect transition="in" filter="fade">
+                                      <p:cBhvr>
+                                        <p:cTn id="29" dur="100"/>
+                                        <p:tgtEl>
+                                          <p:spTgt spid="4">
+                                            <p:txEl>
+                                              <p:pRg st="4" end="4"/>
+                                            </p:txEl>
+                                          </p:spTgt>
+                                        </p:tgtEl>
+                                      </p:cBhvr>
+                                    </p:animEffect>
+                                  </p:childTnLst>
+                                </p:cTn>
+                              </p:par>
+                            </p:childTnLst>
+                          </p:cTn>
+                        </p:par>
+                        <p:par>
+                          <p:cTn id="30" fill="hold">
+                            <p:stCondLst>
+                              <p:cond delay="1100"/>
+                            </p:stCondLst>
+                            <p:childTnLst>
+                              <p:par>
+                                <p:cTn id="31" presetID="10" presetClass="entr" presetSubtype="0" fill="hold" nodeType="afterEffect">
+                                  <p:stCondLst>
+                                    <p:cond delay="0"/>
+                                  </p:stCondLst>
+                                  <p:childTnLst>
+                                    <p:set>
+                                      <p:cBhvr>
+                                        <p:cTn id="32" dur="1" fill="hold">
+                                          <p:stCondLst>
+                                            <p:cond delay="0"/>
+                                          </p:stCondLst>
+                                        </p:cTn>
+                                        <p:tgtEl>
+                                          <p:spTgt spid="4">
+                                            <p:txEl>
+                                              <p:pRg st="6" end="6"/>
+                                            </p:txEl>
+                                          </p:spTgt>
+                                        </p:tgtEl>
+                                        <p:attrNameLst>
+                                          <p:attrName>style.visibility</p:attrName>
+                                        </p:attrNameLst>
+                                      </p:cBhvr>
+                                      <p:to>
+                                        <p:strVal val="visible"/>
+                                      </p:to>
+                                    </p:set>
+                                    <p:animEffect transition="in" filter="fade">
+                                      <p:cBhvr>
+                                        <p:cTn id="33" dur="100"/>
+                                        <p:tgtEl>
+                                          <p:spTgt spid="4">
+                                            <p:txEl>
+                                              <p:pRg st="6" end="6"/>
+                                            </p:txEl>
+                                          </p:spTgt>
+                                        </p:tgtEl>
+                                      </p:cBhvr>
+                                    </p:animEffect>
+                                  </p:childTnLst>
+                                </p:cTn>
+                              </p:par>
+                            </p:childTnLst>
+                          </p:cTn>
+                        </p:par>
+                        <p:par>
+                          <p:cTn id="34" fill="hold">
+                            <p:stCondLst>
+                              <p:cond delay="1200"/>
+                            </p:stCondLst>
+                            <p:childTnLst>
+                              <p:par>
+                                <p:cTn id="35" presetID="10" presetClass="entr" presetSubtype="0" fill="hold" nodeType="afterEffect">
+                                  <p:stCondLst>
+                                    <p:cond delay="0"/>
+                                  </p:stCondLst>
+                                  <p:childTnLst>
+                                    <p:set>
+                                      <p:cBhvr>
+                                        <p:cTn id="36" dur="1" fill="hold">
+                                          <p:stCondLst>
+                                            <p:cond delay="0"/>
+                                          </p:stCondLst>
+                                        </p:cTn>
+                                        <p:tgtEl>
+                                          <p:spTgt spid="4">
+                                            <p:txEl>
+                                              <p:pRg st="8" end="8"/>
+                                            </p:txEl>
+                                          </p:spTgt>
+                                        </p:tgtEl>
+                                        <p:attrNameLst>
+                                          <p:attrName>style.visibility</p:attrName>
+                                        </p:attrNameLst>
+                                      </p:cBhvr>
+                                      <p:to>
+                                        <p:strVal val="visible"/>
+                                      </p:to>
+                                    </p:set>
+                                    <p:animEffect transition="in" filter="fade">
+                                      <p:cBhvr>
+                                        <p:cTn id="37" dur="100"/>
+                                        <p:tgtEl>
+                                          <p:spTgt spid="4">
+                                            <p:txEl>
+                                              <p:pRg st="8" end="8"/>
+                                            </p:txEl>
+                                          </p:spTgt>
+                                        </p:tgtEl>
+                                      </p:cBhvr>
+                                    </p:animEffect>
+                                  </p:childTnLst>
+                                </p:cTn>
+                              </p:par>
+                            </p:childTnLst>
+                          </p:cTn>
+                        </p:par>
+                        <p:par>
+                          <p:cTn id="38" fill="hold">
+                            <p:stCondLst>
+                              <p:cond delay="1300"/>
+                            </p:stCondLst>
+                            <p:childTnLst>
+                              <p:par>
+                                <p:cTn id="39" presetID="10" presetClass="entr" presetSubtype="0" fill="hold" nodeType="afterEffect">
+                                  <p:stCondLst>
+                                    <p:cond delay="0"/>
+                                  </p:stCondLst>
+                                  <p:childTnLst>
+                                    <p:set>
+                                      <p:cBhvr>
+                                        <p:cTn id="40" dur="1" fill="hold">
+                                          <p:stCondLst>
+                                            <p:cond delay="0"/>
+                                          </p:stCondLst>
+                                        </p:cTn>
+                                        <p:tgtEl>
+                                          <p:spTgt spid="4">
+                                            <p:txEl>
+                                              <p:pRg st="10" end="10"/>
+                                            </p:txEl>
+                                          </p:spTgt>
+                                        </p:tgtEl>
+                                        <p:attrNameLst>
+                                          <p:attrName>style.visibility</p:attrName>
+                                        </p:attrNameLst>
+                                      </p:cBhvr>
+                                      <p:to>
+                                        <p:strVal val="visible"/>
+                                      </p:to>
+                                    </p:set>
+                                    <p:animEffect transition="in" filter="fade">
+                                      <p:cBhvr>
+                                        <p:cTn id="41" dur="100"/>
+                                        <p:tgtEl>
+                                          <p:spTgt spid="4">
+                                            <p:txEl>
+                                              <p:pRg st="10" end="10"/>
+                                            </p:txEl>
+                                          </p:spTgt>
+                                        </p:tgtEl>
+                                      </p:cBhvr>
+                                    </p:animEffect>
+                                  </p:childTnLst>
+                                </p:cTn>
+                              </p:par>
+                            </p:childTnLst>
+                          </p:cTn>
+                        </p:par>
+                      </p:childTnLst>
+                    </p:cTn>
+                  </p:par>
                 </p:childTnLst>
               </p:cTn>
               <p:prevCondLst>
@@ -14450,6 +16084,9 @@
         </p:cTn>
       </p:par>
     </p:tnLst>
+    <p:bldLst>
+      <p:bldP spid="4" grpId="0" animBg="1"/>
+    </p:bldLst>
   </p:timing>
 </p:sld>
 </file>
@@ -15837,173 +17474,6 @@
           </a:p>
         </p:txBody>
       </p:sp>
-      <p:sp>
-        <p:nvSpPr>
-          <p:cNvPr id="3" name="Subtitle 2">
-            <a:extLst>
-              <a:ext uri="{FF2B5EF4-FFF2-40B4-BE49-F238E27FC236}">
-                <a16:creationId xmlns:a16="http://schemas.microsoft.com/office/drawing/2014/main" id="{FC446B2D-F94A-2F94-9904-6D62ADA65C8F}"/>
-              </a:ext>
-            </a:extLst>
-          </p:cNvPr>
-          <p:cNvSpPr>
-            <a:spLocks noGrp="1"/>
-          </p:cNvSpPr>
-          <p:nvPr>
-            <p:ph type="subTitle" idx="1"/>
-          </p:nvPr>
-        </p:nvSpPr>
-        <p:spPr>
-          <a:xfrm>
-            <a:off x="1323468" y="877633"/>
-            <a:ext cx="9477882" cy="4503992"/>
-          </a:xfrm>
-        </p:spPr>
-        <p:txBody>
-          <a:bodyPr>
-            <a:normAutofit/>
-          </a:bodyPr>
-          <a:lstStyle/>
-          <a:p>
-            <a:pPr marL="342900" indent="-342900" algn="l">
-              <a:buFont typeface="Wingdings" panose="05000000000000000000" pitchFamily="2" charset="2"/>
-              <a:buChar char="§"/>
-            </a:pPr>
-            <a:r>
-              <a:rPr lang="it-IT" dirty="0">
-                <a:latin typeface="Times New Roman" panose="02020603050405020304" pitchFamily="18" charset="0"/>
-                <a:cs typeface="Times New Roman" panose="02020603050405020304" pitchFamily="18" charset="0"/>
-              </a:rPr>
-              <a:t>Architettura di tipo </a:t>
-            </a:r>
-            <a:r>
-              <a:rPr lang="it-IT" b="1" dirty="0">
-                <a:latin typeface="Times New Roman" panose="02020603050405020304" pitchFamily="18" charset="0"/>
-                <a:cs typeface="Times New Roman" panose="02020603050405020304" pitchFamily="18" charset="0"/>
-              </a:rPr>
-              <a:t>Master-Slave</a:t>
-            </a:r>
-          </a:p>
-          <a:p>
-            <a:pPr marL="342900" indent="-342900" algn="l">
-              <a:buFont typeface="Wingdings" panose="05000000000000000000" pitchFamily="2" charset="2"/>
-              <a:buChar char="§"/>
-            </a:pPr>
-            <a:endParaRPr lang="it-IT" dirty="0">
-              <a:latin typeface="Times New Roman" panose="02020603050405020304" pitchFamily="18" charset="0"/>
-              <a:cs typeface="Times New Roman" panose="02020603050405020304" pitchFamily="18" charset="0"/>
-            </a:endParaRPr>
-          </a:p>
-          <a:p>
-            <a:pPr marL="342900" indent="-342900" algn="l">
-              <a:buFont typeface="Wingdings" panose="05000000000000000000" pitchFamily="2" charset="2"/>
-              <a:buChar char="§"/>
-            </a:pPr>
-            <a:endParaRPr lang="it-IT" dirty="0">
-              <a:latin typeface="Times New Roman" panose="02020603050405020304" pitchFamily="18" charset="0"/>
-              <a:cs typeface="Times New Roman" panose="02020603050405020304" pitchFamily="18" charset="0"/>
-            </a:endParaRPr>
-          </a:p>
-          <a:p>
-            <a:pPr marL="342900" indent="-342900" algn="l">
-              <a:buFont typeface="Wingdings" panose="05000000000000000000" pitchFamily="2" charset="2"/>
-              <a:buChar char="§"/>
-            </a:pPr>
-            <a:endParaRPr lang="it-IT" dirty="0">
-              <a:latin typeface="Times New Roman" panose="02020603050405020304" pitchFamily="18" charset="0"/>
-              <a:cs typeface="Times New Roman" panose="02020603050405020304" pitchFamily="18" charset="0"/>
-            </a:endParaRPr>
-          </a:p>
-          <a:p>
-            <a:pPr marL="342900" indent="-342900" algn="l">
-              <a:buFont typeface="Wingdings" panose="05000000000000000000" pitchFamily="2" charset="2"/>
-              <a:buChar char="§"/>
-            </a:pPr>
-            <a:endParaRPr lang="it-IT" dirty="0">
-              <a:latin typeface="Times New Roman" panose="02020603050405020304" pitchFamily="18" charset="0"/>
-              <a:cs typeface="Times New Roman" panose="02020603050405020304" pitchFamily="18" charset="0"/>
-            </a:endParaRPr>
-          </a:p>
-          <a:p>
-            <a:pPr marL="342900" indent="-342900" algn="l">
-              <a:buFont typeface="Wingdings" panose="05000000000000000000" pitchFamily="2" charset="2"/>
-              <a:buChar char="§"/>
-            </a:pPr>
-            <a:endParaRPr lang="it-IT" dirty="0">
-              <a:latin typeface="Times New Roman" panose="02020603050405020304" pitchFamily="18" charset="0"/>
-              <a:cs typeface="Times New Roman" panose="02020603050405020304" pitchFamily="18" charset="0"/>
-            </a:endParaRPr>
-          </a:p>
-          <a:p>
-            <a:pPr marL="342900" indent="-342900" algn="l">
-              <a:buFont typeface="Wingdings" panose="05000000000000000000" pitchFamily="2" charset="2"/>
-              <a:buChar char="§"/>
-            </a:pPr>
-            <a:endParaRPr lang="it-IT" dirty="0">
-              <a:latin typeface="Times New Roman" panose="02020603050405020304" pitchFamily="18" charset="0"/>
-              <a:cs typeface="Times New Roman" panose="02020603050405020304" pitchFamily="18" charset="0"/>
-            </a:endParaRPr>
-          </a:p>
-          <a:p>
-            <a:pPr marL="342900" indent="-342900" algn="l">
-              <a:buFont typeface="Wingdings" panose="05000000000000000000" pitchFamily="2" charset="2"/>
-              <a:buChar char="§"/>
-            </a:pPr>
-            <a:r>
-              <a:rPr lang="it-IT" dirty="0">
-                <a:latin typeface="Times New Roman" panose="02020603050405020304" pitchFamily="18" charset="0"/>
-                <a:cs typeface="Times New Roman" panose="02020603050405020304" pitchFamily="18" charset="0"/>
-              </a:rPr>
-              <a:t>Frame del </a:t>
-            </a:r>
-            <a:r>
-              <a:rPr lang="it-IT" b="1" dirty="0">
-                <a:latin typeface="Times New Roman" panose="02020603050405020304" pitchFamily="18" charset="0"/>
-                <a:cs typeface="Times New Roman" panose="02020603050405020304" pitchFamily="18" charset="0"/>
-              </a:rPr>
-              <a:t>protocollo </a:t>
-            </a:r>
-            <a:r>
-              <a:rPr lang="it-IT" b="1" dirty="0" err="1">
-                <a:latin typeface="Times New Roman" panose="02020603050405020304" pitchFamily="18" charset="0"/>
-                <a:cs typeface="Times New Roman" panose="02020603050405020304" pitchFamily="18" charset="0"/>
-              </a:rPr>
-              <a:t>Modbus</a:t>
-            </a:r>
-            <a:r>
-              <a:rPr lang="it-IT" dirty="0">
-                <a:latin typeface="Times New Roman" panose="02020603050405020304" pitchFamily="18" charset="0"/>
-                <a:cs typeface="Times New Roman" panose="02020603050405020304" pitchFamily="18" charset="0"/>
-              </a:rPr>
-              <a:t> in modalità </a:t>
-            </a:r>
-            <a:r>
-              <a:rPr lang="it-IT" i="1" dirty="0">
-                <a:latin typeface="Times New Roman" panose="02020603050405020304" pitchFamily="18" charset="0"/>
-                <a:cs typeface="Times New Roman" panose="02020603050405020304" pitchFamily="18" charset="0"/>
-              </a:rPr>
-              <a:t>Remote Terminal Unit </a:t>
-            </a:r>
-            <a:r>
-              <a:rPr lang="it-IT" dirty="0">
-                <a:latin typeface="Times New Roman" panose="02020603050405020304" pitchFamily="18" charset="0"/>
-                <a:cs typeface="Times New Roman" panose="02020603050405020304" pitchFamily="18" charset="0"/>
-              </a:rPr>
-              <a:t>(RTU)</a:t>
-            </a:r>
-          </a:p>
-          <a:p>
-            <a:pPr marL="342900" indent="-342900" algn="l">
-              <a:buFont typeface="Wingdings" panose="05000000000000000000" pitchFamily="2" charset="2"/>
-              <a:buChar char="§"/>
-            </a:pPr>
-            <a:endParaRPr lang="it-IT" dirty="0">
-              <a:latin typeface="Times New Roman" panose="02020603050405020304" pitchFamily="18" charset="0"/>
-              <a:cs typeface="Times New Roman" panose="02020603050405020304" pitchFamily="18" charset="0"/>
-            </a:endParaRPr>
-          </a:p>
-        </p:txBody>
-      </p:sp>
       <p:pic>
         <p:nvPicPr>
           <p:cNvPr id="4" name="Picture 3" descr="A grey metal cabinet with electronic devices&#10;&#10;Description automatically generated with medium confidence">
@@ -16031,8 +17501,8 @@
         </p:blipFill>
         <p:spPr>
           <a:xfrm>
-            <a:off x="7110334" y="1139765"/>
-            <a:ext cx="3691130" cy="2805966"/>
+            <a:off x="7252780" y="1358093"/>
+            <a:ext cx="3915052" cy="2976190"/>
           </a:xfrm>
           <a:prstGeom prst="roundRect">
             <a:avLst>
@@ -16074,8 +17544,8 @@
         </p:blipFill>
         <p:spPr>
           <a:xfrm>
-            <a:off x="1400176" y="1292878"/>
-            <a:ext cx="5658682" cy="2652853"/>
+            <a:off x="1024168" y="1401296"/>
+            <a:ext cx="6164066" cy="2889783"/>
           </a:xfrm>
           <a:prstGeom prst="roundRect">
             <a:avLst>
@@ -16122,8 +17592,8 @@
         </p:blipFill>
         <p:spPr>
           <a:xfrm>
-            <a:off x="1323696" y="4568721"/>
-            <a:ext cx="9477882" cy="1738749"/>
+            <a:off x="1881223" y="4906182"/>
+            <a:ext cx="8429554" cy="1546430"/>
           </a:xfrm>
           <a:prstGeom prst="roundRect">
             <a:avLst>
@@ -16143,6 +17613,248 @@
           </a:effectLst>
         </p:spPr>
       </p:pic>
+      <p:sp>
+        <p:nvSpPr>
+          <p:cNvPr id="10" name="Rectangle: Rounded Corners 9">
+            <a:extLst>
+              <a:ext uri="{FF2B5EF4-FFF2-40B4-BE49-F238E27FC236}">
+                <a16:creationId xmlns:a16="http://schemas.microsoft.com/office/drawing/2014/main" id="{A3A9D702-E547-01D5-7CA2-3DB08697A41E}"/>
+              </a:ext>
+            </a:extLst>
+          </p:cNvPr>
+          <p:cNvSpPr/>
+          <p:nvPr/>
+        </p:nvSpPr>
+        <p:spPr>
+          <a:xfrm>
+            <a:off x="1400175" y="877632"/>
+            <a:ext cx="7834359" cy="402222"/>
+          </a:xfrm>
+          <a:prstGeom prst="roundRect">
+            <a:avLst/>
+          </a:prstGeom>
+          <a:solidFill>
+            <a:schemeClr val="bg1"/>
+          </a:solidFill>
+          <a:ln w="28575">
+            <a:solidFill>
+              <a:schemeClr val="tx1"/>
+            </a:solidFill>
+          </a:ln>
+        </p:spPr>
+        <p:style>
+          <a:lnRef idx="2">
+            <a:schemeClr val="accent1">
+              <a:shade val="15000"/>
+            </a:schemeClr>
+          </a:lnRef>
+          <a:fillRef idx="1">
+            <a:schemeClr val="accent1"/>
+          </a:fillRef>
+          <a:effectRef idx="0">
+            <a:schemeClr val="accent1"/>
+          </a:effectRef>
+          <a:fontRef idx="minor">
+            <a:schemeClr val="lt1"/>
+          </a:fontRef>
+        </p:style>
+        <p:txBody>
+          <a:bodyPr rtlCol="0" anchor="ctr"/>
+          <a:lstStyle/>
+          <a:p>
+            <a:pPr marL="285750" indent="-285750">
+              <a:buFont typeface="Wingdings" panose="05000000000000000000" pitchFamily="2" charset="2"/>
+              <a:buChar char="§"/>
+            </a:pPr>
+            <a:r>
+              <a:rPr lang="it-IT" dirty="0">
+                <a:solidFill>
+                  <a:schemeClr val="tx1"/>
+                </a:solidFill>
+                <a:latin typeface="Times New Roman" panose="02020603050405020304" pitchFamily="18" charset="0"/>
+                <a:cs typeface="Times New Roman" panose="02020603050405020304" pitchFamily="18" charset="0"/>
+              </a:rPr>
+              <a:t>Architettura di tipo </a:t>
+            </a:r>
+            <a:r>
+              <a:rPr lang="it-IT" b="1" dirty="0">
+                <a:solidFill>
+                  <a:schemeClr val="tx1"/>
+                </a:solidFill>
+                <a:latin typeface="Times New Roman" panose="02020603050405020304" pitchFamily="18" charset="0"/>
+                <a:cs typeface="Times New Roman" panose="02020603050405020304" pitchFamily="18" charset="0"/>
+              </a:rPr>
+              <a:t>Master-Slave </a:t>
+            </a:r>
+            <a:r>
+              <a:rPr lang="it-IT" dirty="0">
+                <a:solidFill>
+                  <a:schemeClr val="tx1"/>
+                </a:solidFill>
+                <a:latin typeface="Times New Roman" panose="02020603050405020304" pitchFamily="18" charset="0"/>
+                <a:cs typeface="Times New Roman" panose="02020603050405020304" pitchFamily="18" charset="0"/>
+              </a:rPr>
+              <a:t>su</a:t>
+            </a:r>
+            <a:r>
+              <a:rPr lang="it-IT" b="1" dirty="0">
+                <a:solidFill>
+                  <a:schemeClr val="tx1"/>
+                </a:solidFill>
+                <a:latin typeface="Times New Roman" panose="02020603050405020304" pitchFamily="18" charset="0"/>
+                <a:cs typeface="Times New Roman" panose="02020603050405020304" pitchFamily="18" charset="0"/>
+              </a:rPr>
+              <a:t> bus </a:t>
+            </a:r>
+            <a:r>
+              <a:rPr lang="it-IT" dirty="0">
+                <a:solidFill>
+                  <a:schemeClr val="tx1"/>
+                </a:solidFill>
+                <a:latin typeface="Times New Roman" panose="02020603050405020304" pitchFamily="18" charset="0"/>
+                <a:cs typeface="Times New Roman" panose="02020603050405020304" pitchFamily="18" charset="0"/>
+              </a:rPr>
+              <a:t>con mezzo comunicativo </a:t>
+            </a:r>
+            <a:r>
+              <a:rPr lang="it-IT" b="1" dirty="0" err="1">
+                <a:solidFill>
+                  <a:schemeClr val="tx1"/>
+                </a:solidFill>
+                <a:latin typeface="Times New Roman" panose="02020603050405020304" pitchFamily="18" charset="0"/>
+                <a:cs typeface="Times New Roman" panose="02020603050405020304" pitchFamily="18" charset="0"/>
+              </a:rPr>
+              <a:t>half</a:t>
+            </a:r>
+            <a:r>
+              <a:rPr lang="it-IT" b="1" dirty="0">
+                <a:solidFill>
+                  <a:schemeClr val="tx1"/>
+                </a:solidFill>
+                <a:latin typeface="Times New Roman" panose="02020603050405020304" pitchFamily="18" charset="0"/>
+                <a:cs typeface="Times New Roman" panose="02020603050405020304" pitchFamily="18" charset="0"/>
+              </a:rPr>
+              <a:t>-duplex</a:t>
+            </a:r>
+          </a:p>
+        </p:txBody>
+      </p:sp>
+      <p:sp>
+        <p:nvSpPr>
+          <p:cNvPr id="11" name="Rectangle: Rounded Corners 10">
+            <a:extLst>
+              <a:ext uri="{FF2B5EF4-FFF2-40B4-BE49-F238E27FC236}">
+                <a16:creationId xmlns:a16="http://schemas.microsoft.com/office/drawing/2014/main" id="{E8E41AFF-F962-850C-5614-7C23D271A056}"/>
+              </a:ext>
+            </a:extLst>
+          </p:cNvPr>
+          <p:cNvSpPr/>
+          <p:nvPr/>
+        </p:nvSpPr>
+        <p:spPr>
+          <a:xfrm>
+            <a:off x="1400176" y="4388796"/>
+            <a:ext cx="7264431" cy="439147"/>
+          </a:xfrm>
+          <a:prstGeom prst="roundRect">
+            <a:avLst/>
+          </a:prstGeom>
+          <a:solidFill>
+            <a:schemeClr val="bg1"/>
+          </a:solidFill>
+          <a:ln w="28575">
+            <a:solidFill>
+              <a:schemeClr val="tx1"/>
+            </a:solidFill>
+          </a:ln>
+        </p:spPr>
+        <p:style>
+          <a:lnRef idx="2">
+            <a:schemeClr val="accent1">
+              <a:shade val="15000"/>
+            </a:schemeClr>
+          </a:lnRef>
+          <a:fillRef idx="1">
+            <a:schemeClr val="accent1"/>
+          </a:fillRef>
+          <a:effectRef idx="0">
+            <a:schemeClr val="accent1"/>
+          </a:effectRef>
+          <a:fontRef idx="minor">
+            <a:schemeClr val="lt1"/>
+          </a:fontRef>
+        </p:style>
+        <p:txBody>
+          <a:bodyPr rtlCol="0" anchor="ctr"/>
+          <a:lstStyle/>
+          <a:p>
+            <a:pPr marL="342900" indent="-342900" algn="l">
+              <a:buFont typeface="Wingdings" panose="05000000000000000000" pitchFamily="2" charset="2"/>
+              <a:buChar char="§"/>
+            </a:pPr>
+            <a:r>
+              <a:rPr lang="it-IT" dirty="0">
+                <a:solidFill>
+                  <a:schemeClr val="tx1"/>
+                </a:solidFill>
+                <a:latin typeface="Times New Roman" panose="02020603050405020304" pitchFamily="18" charset="0"/>
+                <a:cs typeface="Times New Roman" panose="02020603050405020304" pitchFamily="18" charset="0"/>
+              </a:rPr>
+              <a:t>Frame del </a:t>
+            </a:r>
+            <a:r>
+              <a:rPr lang="it-IT" b="1" dirty="0">
+                <a:solidFill>
+                  <a:schemeClr val="tx1"/>
+                </a:solidFill>
+                <a:latin typeface="Times New Roman" panose="02020603050405020304" pitchFamily="18" charset="0"/>
+                <a:cs typeface="Times New Roman" panose="02020603050405020304" pitchFamily="18" charset="0"/>
+              </a:rPr>
+              <a:t>protocollo </a:t>
+            </a:r>
+            <a:r>
+              <a:rPr lang="it-IT" b="1" dirty="0" err="1">
+                <a:solidFill>
+                  <a:schemeClr val="tx1"/>
+                </a:solidFill>
+                <a:latin typeface="Times New Roman" panose="02020603050405020304" pitchFamily="18" charset="0"/>
+                <a:cs typeface="Times New Roman" panose="02020603050405020304" pitchFamily="18" charset="0"/>
+              </a:rPr>
+              <a:t>Modbus</a:t>
+            </a:r>
+            <a:r>
+              <a:rPr lang="it-IT" dirty="0">
+                <a:solidFill>
+                  <a:schemeClr val="tx1"/>
+                </a:solidFill>
+                <a:latin typeface="Times New Roman" panose="02020603050405020304" pitchFamily="18" charset="0"/>
+                <a:cs typeface="Times New Roman" panose="02020603050405020304" pitchFamily="18" charset="0"/>
+              </a:rPr>
+              <a:t> in modalità </a:t>
+            </a:r>
+            <a:r>
+              <a:rPr lang="it-IT" i="1" dirty="0">
+                <a:solidFill>
+                  <a:schemeClr val="tx1"/>
+                </a:solidFill>
+                <a:latin typeface="Times New Roman" panose="02020603050405020304" pitchFamily="18" charset="0"/>
+                <a:cs typeface="Times New Roman" panose="02020603050405020304" pitchFamily="18" charset="0"/>
+              </a:rPr>
+              <a:t>Remote Terminal Unit </a:t>
+            </a:r>
+            <a:r>
+              <a:rPr lang="it-IT" dirty="0">
+                <a:solidFill>
+                  <a:schemeClr val="tx1"/>
+                </a:solidFill>
+                <a:latin typeface="Times New Roman" panose="02020603050405020304" pitchFamily="18" charset="0"/>
+                <a:cs typeface="Times New Roman" panose="02020603050405020304" pitchFamily="18" charset="0"/>
+              </a:rPr>
+              <a:t>(RTU)</a:t>
+            </a:r>
+          </a:p>
+        </p:txBody>
+      </p:sp>
     </p:spTree>
     <p:extLst>
       <p:ext uri="{BB962C8B-B14F-4D97-AF65-F5344CB8AC3E}">
@@ -16174,7 +17886,7 @@
                             </p:stCondLst>
                             <p:childTnLst>
                               <p:par>
-                                <p:cTn id="5" presetID="10" presetClass="entr" presetSubtype="0" fill="hold" nodeType="clickEffect">
+                                <p:cTn id="5" presetID="10" presetClass="entr" presetSubtype="0" fill="hold" grpId="0" nodeType="clickEffect">
                                   <p:stCondLst>
                                     <p:cond delay="0"/>
                                   </p:stCondLst>
@@ -16187,11 +17899,7 @@
                                           </p:stCondLst>
                                         </p:cTn>
                                         <p:tgtEl>
-                                          <p:spTgt spid="3">
-                                            <p:txEl>
-                                              <p:pRg st="0" end="0"/>
-                                            </p:txEl>
-                                          </p:spTgt>
+                                          <p:spTgt spid="10"/>
                                         </p:tgtEl>
                                         <p:attrNameLst>
                                           <p:attrName>style.visibility</p:attrName>
@@ -16205,11 +17913,7 @@
                                       <p:cBhvr>
                                         <p:cTn id="7" dur="300"/>
                                         <p:tgtEl>
-                                          <p:spTgt spid="3">
-                                            <p:txEl>
-                                              <p:pRg st="0" end="0"/>
-                                            </p:txEl>
-                                          </p:spTgt>
+                                          <p:spTgt spid="10"/>
                                         </p:tgtEl>
                                       </p:cBhvr>
                                     </p:animEffect>
@@ -16295,7 +17999,7 @@
                                     </p:set>
                                     <p:animEffect transition="in" filter="fade">
                                       <p:cBhvr>
-                                        <p:cTn id="15" dur="300"/>
+                                        <p:cTn id="15" dur="500"/>
                                         <p:tgtEl>
                                           <p:spTgt spid="4"/>
                                         </p:tgtEl>
@@ -16323,7 +18027,7 @@
                             </p:stCondLst>
                             <p:childTnLst>
                               <p:par>
-                                <p:cTn id="18" presetID="10" presetClass="entr" presetSubtype="0" fill="hold" nodeType="clickEffect">
+                                <p:cTn id="18" presetID="10" presetClass="entr" presetSubtype="0" fill="hold" grpId="0" nodeType="clickEffect">
                                   <p:stCondLst>
                                     <p:cond delay="0"/>
                                   </p:stCondLst>
@@ -16336,11 +18040,7 @@
                                           </p:stCondLst>
                                         </p:cTn>
                                         <p:tgtEl>
-                                          <p:spTgt spid="3">
-                                            <p:txEl>
-                                              <p:pRg st="7" end="7"/>
-                                            </p:txEl>
-                                          </p:spTgt>
+                                          <p:spTgt spid="11"/>
                                         </p:tgtEl>
                                         <p:attrNameLst>
                                           <p:attrName>style.visibility</p:attrName>
@@ -16354,11 +18054,7 @@
                                       <p:cBhvr>
                                         <p:cTn id="20" dur="300"/>
                                         <p:tgtEl>
-                                          <p:spTgt spid="3">
-                                            <p:txEl>
-                                              <p:pRg st="7" end="7"/>
-                                            </p:txEl>
-                                          </p:spTgt>
+                                          <p:spTgt spid="11"/>
                                         </p:tgtEl>
                                       </p:cBhvr>
                                     </p:animEffect>
@@ -16436,6 +18132,10 @@
         </p:cTn>
       </p:par>
     </p:tnLst>
+    <p:bldLst>
+      <p:bldP spid="10" grpId="0" animBg="1"/>
+      <p:bldP spid="11" grpId="0" animBg="1"/>
+    </p:bldLst>
   </p:timing>
 </p:sld>
 </file>
@@ -16717,8 +18417,10 @@
           <a:solidFill>
             <a:schemeClr val="bg1"/>
           </a:solidFill>
-          <a:ln>
-            <a:noFill/>
+          <a:ln w="28575">
+            <a:solidFill>
+              <a:schemeClr val="tx1"/>
+            </a:solidFill>
           </a:ln>
         </p:spPr>
         <p:style>
@@ -16800,8 +18502,10 @@
           <a:solidFill>
             <a:schemeClr val="bg1"/>
           </a:solidFill>
-          <a:ln>
-            <a:noFill/>
+          <a:ln w="28575">
+            <a:solidFill>
+              <a:schemeClr val="tx1"/>
+            </a:solidFill>
           </a:ln>
         </p:spPr>
         <p:style>
@@ -17675,7 +19379,7 @@
         </p:nvSpPr>
         <p:spPr>
           <a:xfrm>
-            <a:off x="136263" y="-38561"/>
+            <a:off x="131085" y="107576"/>
             <a:ext cx="11919473" cy="6642848"/>
           </a:xfrm>
           <a:prstGeom prst="roundRect">
@@ -17900,8 +19604,10 @@
           <a:solidFill>
             <a:schemeClr val="bg1"/>
           </a:solidFill>
-          <a:ln>
-            <a:noFill/>
+          <a:ln w="28575">
+            <a:solidFill>
+              <a:schemeClr val="tx1"/>
+            </a:solidFill>
           </a:ln>
         </p:spPr>
         <p:style>
@@ -17975,8 +19681,10 @@
           <a:solidFill>
             <a:schemeClr val="bg1"/>
           </a:solidFill>
-          <a:ln>
-            <a:noFill/>
+          <a:ln w="28575">
+            <a:solidFill>
+              <a:schemeClr val="tx1"/>
+            </a:solidFill>
           </a:ln>
         </p:spPr>
         <p:style>
@@ -18167,8 +19875,10 @@
           <a:solidFill>
             <a:schemeClr val="bg1"/>
           </a:solidFill>
-          <a:ln>
-            <a:noFill/>
+          <a:ln w="28575">
+            <a:solidFill>
+              <a:schemeClr val="tx1"/>
+            </a:solidFill>
           </a:ln>
         </p:spPr>
         <p:style>
@@ -18239,8 +19949,10 @@
           <a:solidFill>
             <a:schemeClr val="bg1"/>
           </a:solidFill>
-          <a:ln>
-            <a:noFill/>
+          <a:ln w="28575">
+            <a:solidFill>
+              <a:schemeClr val="tx1"/>
+            </a:solidFill>
           </a:ln>
         </p:spPr>
         <p:style>
@@ -18282,6 +19994,89 @@
               </a:solidFill>
               <a:latin typeface="Times New Roman" panose="02020603050405020304" pitchFamily="18" charset="0"/>
               <a:cs typeface="Times New Roman" panose="02020603050405020304" pitchFamily="18" charset="0"/>
+            </a:endParaRPr>
+          </a:p>
+        </p:txBody>
+      </p:sp>
+      <p:sp>
+        <p:nvSpPr>
+          <p:cNvPr id="3" name="Rectangle: Rounded Corners 2">
+            <a:extLst>
+              <a:ext uri="{FF2B5EF4-FFF2-40B4-BE49-F238E27FC236}">
+                <a16:creationId xmlns:a16="http://schemas.microsoft.com/office/drawing/2014/main" id="{17939F41-F80D-3B08-4635-1EC16DE1F298}"/>
+              </a:ext>
+            </a:extLst>
+          </p:cNvPr>
+          <p:cNvSpPr/>
+          <p:nvPr/>
+        </p:nvSpPr>
+        <p:spPr>
+          <a:xfrm>
+            <a:off x="649550" y="1125122"/>
+            <a:ext cx="10882544" cy="536232"/>
+          </a:xfrm>
+          <a:prstGeom prst="roundRect">
+            <a:avLst/>
+          </a:prstGeom>
+          <a:solidFill>
+            <a:schemeClr val="bg1"/>
+          </a:solidFill>
+          <a:ln w="28575">
+            <a:solidFill>
+              <a:schemeClr val="tx1"/>
+            </a:solidFill>
+          </a:ln>
+        </p:spPr>
+        <p:style>
+          <a:lnRef idx="2">
+            <a:schemeClr val="accent1">
+              <a:shade val="15000"/>
+            </a:schemeClr>
+          </a:lnRef>
+          <a:fillRef idx="1">
+            <a:schemeClr val="accent1"/>
+          </a:fillRef>
+          <a:effectRef idx="0">
+            <a:schemeClr val="accent1"/>
+          </a:effectRef>
+          <a:fontRef idx="minor">
+            <a:schemeClr val="lt1"/>
+          </a:fontRef>
+        </p:style>
+        <p:txBody>
+          <a:bodyPr rtlCol="0" anchor="ctr"/>
+          <a:lstStyle/>
+          <a:p>
+            <a:pPr marL="0" marR="0" lvl="0" indent="0" algn="ctr" defTabSz="914400" rtl="0" eaLnBrk="1" fontAlgn="auto" latinLnBrk="0" hangingPunct="1">
+              <a:lnSpc>
+                <a:spcPct val="100000"/>
+              </a:lnSpc>
+              <a:spcBef>
+                <a:spcPts val="0"/>
+              </a:spcBef>
+              <a:spcAft>
+                <a:spcPts val="0"/>
+              </a:spcAft>
+              <a:buClrTx/>
+              <a:buSzTx/>
+              <a:buFontTx/>
+              <a:buNone/>
+              <a:tabLst/>
+              <a:defRPr/>
+            </a:pPr>
+            <a:endParaRPr kumimoji="0" lang="it-IT" sz="1800" b="0" i="0" u="none" strike="noStrike" kern="1200" cap="none" spc="0" normalizeH="0" baseline="0" noProof="0">
+              <a:ln>
+                <a:noFill/>
+              </a:ln>
+              <a:solidFill>
+                <a:prstClr val="white"/>
+              </a:solidFill>
+              <a:effectLst/>
+              <a:uLnTx/>
+              <a:uFillTx/>
+              <a:latin typeface="Calibri" panose="020F0502020204030204"/>
+              <a:ea typeface="+mn-ea"/>
+              <a:cs typeface="+mn-cs"/>
             </a:endParaRPr>
           </a:p>
         </p:txBody>
@@ -18433,7 +20228,7 @@
         </p:nvSpPr>
         <p:spPr>
           <a:xfrm>
-            <a:off x="1109039" y="2737881"/>
+            <a:off x="1109039" y="2702369"/>
             <a:ext cx="3650020" cy="400110"/>
           </a:xfrm>
           <a:prstGeom prst="rect">
@@ -18573,9 +20368,6 @@
                     <p:cTn id="3" fill="hold">
                       <p:stCondLst>
                         <p:cond delay="indefinite"/>
-                        <p:cond evt="onBegin" delay="0">
-                          <p:tn val="2"/>
-                        </p:cond>
                       </p:stCondLst>
                       <p:childTnLst>
                         <p:par>
@@ -18585,7 +20377,7 @@
                             </p:stCondLst>
                             <p:childTnLst>
                               <p:par>
-                                <p:cTn id="5" presetID="10" presetClass="entr" presetSubtype="0" fill="hold" nodeType="afterEffect">
+                                <p:cTn id="5" presetID="10" presetClass="entr" presetSubtype="0" fill="hold" grpId="0" nodeType="clickEffect">
                                   <p:stCondLst>
                                     <p:cond delay="0"/>
                                   </p:stCondLst>
@@ -18598,11 +20390,7 @@
                                           </p:stCondLst>
                                         </p:cTn>
                                         <p:tgtEl>
-                                          <p:spTgt spid="16">
-                                            <p:txEl>
-                                              <p:pRg st="0" end="0"/>
-                                            </p:txEl>
-                                          </p:spTgt>
+                                          <p:spTgt spid="3"/>
                                         </p:tgtEl>
                                         <p:attrNameLst>
                                           <p:attrName>style.visibility</p:attrName>
@@ -18616,11 +20404,7 @@
                                       <p:cBhvr>
                                         <p:cTn id="7" dur="300"/>
                                         <p:tgtEl>
-                                          <p:spTgt spid="16">
-                                            <p:txEl>
-                                              <p:pRg st="0" end="0"/>
-                                            </p:txEl>
-                                          </p:spTgt>
+                                          <p:spTgt spid="3"/>
                                         </p:tgtEl>
                                       </p:cBhvr>
                                     </p:animEffect>
@@ -18650,6 +20434,49 @@
                                           </p:stCondLst>
                                         </p:cTn>
                                         <p:tgtEl>
+                                          <p:spTgt spid="16">
+                                            <p:txEl>
+                                              <p:pRg st="0" end="0"/>
+                                            </p:txEl>
+                                          </p:spTgt>
+                                        </p:tgtEl>
+                                        <p:attrNameLst>
+                                          <p:attrName>style.visibility</p:attrName>
+                                        </p:attrNameLst>
+                                      </p:cBhvr>
+                                      <p:to>
+                                        <p:strVal val="visible"/>
+                                      </p:to>
+                                    </p:set>
+                                    <p:animEffect transition="in" filter="fade">
+                                      <p:cBhvr>
+                                        <p:cTn id="11" dur="300"/>
+                                        <p:tgtEl>
+                                          <p:spTgt spid="16">
+                                            <p:txEl>
+                                              <p:pRg st="0" end="0"/>
+                                            </p:txEl>
+                                          </p:spTgt>
+                                        </p:tgtEl>
+                                      </p:cBhvr>
+                                    </p:animEffect>
+                                  </p:childTnLst>
+                                </p:cTn>
+                              </p:par>
+                              <p:par>
+                                <p:cTn id="12" presetID="10" presetClass="entr" presetSubtype="0" fill="hold" nodeType="withEffect">
+                                  <p:stCondLst>
+                                    <p:cond delay="0"/>
+                                  </p:stCondLst>
+                                  <p:childTnLst>
+                                    <p:set>
+                                      <p:cBhvr>
+                                        <p:cTn id="13" dur="1" fill="hold">
+                                          <p:stCondLst>
+                                            <p:cond delay="0"/>
+                                          </p:stCondLst>
+                                        </p:cTn>
+                                        <p:tgtEl>
                                           <p:spTgt spid="17"/>
                                         </p:tgtEl>
                                         <p:attrNameLst>
@@ -18662,7 +20489,7 @@
                                     </p:set>
                                     <p:animEffect transition="in" filter="fade">
                                       <p:cBhvr>
-                                        <p:cTn id="11" dur="300"/>
+                                        <p:cTn id="14" dur="300"/>
                                         <p:tgtEl>
                                           <p:spTgt spid="17"/>
                                         </p:tgtEl>
@@ -18678,26 +20505,26 @@
                     </p:cTn>
                   </p:par>
                   <p:par>
-                    <p:cTn id="12" fill="hold">
+                    <p:cTn id="15" fill="hold">
                       <p:stCondLst>
                         <p:cond delay="indefinite"/>
                       </p:stCondLst>
                       <p:childTnLst>
                         <p:par>
-                          <p:cTn id="13" fill="hold">
+                          <p:cTn id="16" fill="hold">
                             <p:stCondLst>
                               <p:cond delay="0"/>
                             </p:stCondLst>
                             <p:childTnLst>
                               <p:par>
-                                <p:cTn id="14" presetID="10" presetClass="entr" presetSubtype="0" fill="hold" grpId="0" nodeType="clickEffect">
+                                <p:cTn id="17" presetID="10" presetClass="entr" presetSubtype="0" fill="hold" grpId="0" nodeType="clickEffect">
                                   <p:stCondLst>
                                     <p:cond delay="0"/>
                                   </p:stCondLst>
                                   <p:childTnLst>
                                     <p:set>
                                       <p:cBhvr>
-                                        <p:cTn id="15" dur="1" fill="hold">
+                                        <p:cTn id="18" dur="1" fill="hold">
                                           <p:stCondLst>
                                             <p:cond delay="0"/>
                                           </p:stCondLst>
@@ -18715,7 +20542,7 @@
                                     </p:set>
                                     <p:animEffect transition="in" filter="fade">
                                       <p:cBhvr>
-                                        <p:cTn id="16" dur="500"/>
+                                        <p:cTn id="19" dur="500"/>
                                         <p:tgtEl>
                                           <p:spTgt spid="4"/>
                                         </p:tgtEl>
@@ -18725,14 +20552,14 @@
                                 </p:cTn>
                               </p:par>
                               <p:par>
-                                <p:cTn id="17" presetID="10" presetClass="entr" presetSubtype="0" fill="hold" grpId="0" nodeType="withEffect">
+                                <p:cTn id="20" presetID="10" presetClass="entr" presetSubtype="0" fill="hold" grpId="0" nodeType="withEffect">
                                   <p:stCondLst>
                                     <p:cond delay="0"/>
                                   </p:stCondLst>
                                   <p:childTnLst>
                                     <p:set>
                                       <p:cBhvr>
-                                        <p:cTn id="18" dur="1" fill="hold">
+                                        <p:cTn id="21" dur="1" fill="hold">
                                           <p:stCondLst>
                                             <p:cond delay="0"/>
                                           </p:stCondLst>
@@ -18750,7 +20577,7 @@
                                     </p:set>
                                     <p:animEffect transition="in" filter="fade">
                                       <p:cBhvr>
-                                        <p:cTn id="19" dur="500"/>
+                                        <p:cTn id="22" dur="500"/>
                                         <p:tgtEl>
                                           <p:spTgt spid="20"/>
                                         </p:tgtEl>
@@ -18766,26 +20593,26 @@
                     </p:cTn>
                   </p:par>
                   <p:par>
-                    <p:cTn id="20" fill="hold">
+                    <p:cTn id="23" fill="hold">
                       <p:stCondLst>
                         <p:cond delay="indefinite"/>
                       </p:stCondLst>
                       <p:childTnLst>
                         <p:par>
-                          <p:cTn id="21" fill="hold">
+                          <p:cTn id="24" fill="hold">
                             <p:stCondLst>
                               <p:cond delay="0"/>
                             </p:stCondLst>
                             <p:childTnLst>
                               <p:par>
-                                <p:cTn id="22" presetID="10" presetClass="entr" presetSubtype="0" fill="hold" nodeType="clickEffect">
+                                <p:cTn id="25" presetID="10" presetClass="entr" presetSubtype="0" fill="hold" nodeType="clickEffect">
                                   <p:stCondLst>
                                     <p:cond delay="0"/>
                                   </p:stCondLst>
                                   <p:childTnLst>
                                     <p:set>
                                       <p:cBhvr>
-                                        <p:cTn id="23" dur="1" fill="hold">
+                                        <p:cTn id="26" dur="1" fill="hold">
                                           <p:stCondLst>
                                             <p:cond delay="0"/>
                                           </p:stCondLst>
@@ -18803,7 +20630,7 @@
                                     </p:set>
                                     <p:animEffect transition="in" filter="fade">
                                       <p:cBhvr>
-                                        <p:cTn id="24" dur="500"/>
+                                        <p:cTn id="27" dur="500"/>
                                         <p:tgtEl>
                                           <p:spTgt spid="6"/>
                                         </p:tgtEl>
@@ -18813,14 +20640,14 @@
                                 </p:cTn>
                               </p:par>
                               <p:par>
-                                <p:cTn id="25" presetID="10" presetClass="entr" presetSubtype="0" fill="hold" nodeType="withEffect">
+                                <p:cTn id="28" presetID="10" presetClass="entr" presetSubtype="0" fill="hold" nodeType="withEffect">
                                   <p:stCondLst>
                                     <p:cond delay="0"/>
                                   </p:stCondLst>
                                   <p:childTnLst>
                                     <p:set>
                                       <p:cBhvr>
-                                        <p:cTn id="26" dur="1" fill="hold">
+                                        <p:cTn id="29" dur="1" fill="hold">
                                           <p:stCondLst>
                                             <p:cond delay="0"/>
                                           </p:stCondLst>
@@ -18838,44 +20665,9 @@
                                     </p:set>
                                     <p:animEffect transition="in" filter="fade">
                                       <p:cBhvr>
-                                        <p:cTn id="27" dur="500"/>
+                                        <p:cTn id="30" dur="500"/>
                                         <p:tgtEl>
                                           <p:spTgt spid="7"/>
-                                        </p:tgtEl>
-                                      </p:cBhvr>
-                                    </p:animEffect>
-                                  </p:childTnLst>
-                                </p:cTn>
-                              </p:par>
-                              <p:par>
-                                <p:cTn id="28" presetID="10" presetClass="entr" presetSubtype="0" fill="hold" grpId="0" nodeType="withEffect">
-                                  <p:stCondLst>
-                                    <p:cond delay="0"/>
-                                  </p:stCondLst>
-                                  <p:childTnLst>
-                                    <p:set>
-                                      <p:cBhvr>
-                                        <p:cTn id="29" dur="1" fill="hold">
-                                          <p:stCondLst>
-                                            <p:cond delay="0"/>
-                                          </p:stCondLst>
-                                        </p:cTn>
-                                        <p:tgtEl>
-                                          <p:spTgt spid="14"/>
-                                        </p:tgtEl>
-                                        <p:attrNameLst>
-                                          <p:attrName>style.visibility</p:attrName>
-                                        </p:attrNameLst>
-                                      </p:cBhvr>
-                                      <p:to>
-                                        <p:strVal val="visible"/>
-                                      </p:to>
-                                    </p:set>
-                                    <p:animEffect transition="in" filter="fade">
-                                      <p:cBhvr>
-                                        <p:cTn id="30" dur="500"/>
-                                        <p:tgtEl>
-                                          <p:spTgt spid="14"/>
                                         </p:tgtEl>
                                       </p:cBhvr>
                                     </p:animEffect>
@@ -18896,7 +20688,7 @@
                                           </p:stCondLst>
                                         </p:cTn>
                                         <p:tgtEl>
-                                          <p:spTgt spid="21"/>
+                                          <p:spTgt spid="14"/>
                                         </p:tgtEl>
                                         <p:attrNameLst>
                                           <p:attrName>style.visibility</p:attrName>
@@ -18910,7 +20702,7 @@
                                       <p:cBhvr>
                                         <p:cTn id="33" dur="500"/>
                                         <p:tgtEl>
-                                          <p:spTgt spid="21"/>
+                                          <p:spTgt spid="14"/>
                                         </p:tgtEl>
                                       </p:cBhvr>
                                     </p:animEffect>
@@ -18931,7 +20723,7 @@
                                           </p:stCondLst>
                                         </p:cTn>
                                         <p:tgtEl>
-                                          <p:spTgt spid="22"/>
+                                          <p:spTgt spid="21"/>
                                         </p:tgtEl>
                                         <p:attrNameLst>
                                           <p:attrName>style.visibility</p:attrName>
@@ -18945,7 +20737,7 @@
                                       <p:cBhvr>
                                         <p:cTn id="36" dur="500"/>
                                         <p:tgtEl>
-                                          <p:spTgt spid="22"/>
+                                          <p:spTgt spid="21"/>
                                         </p:tgtEl>
                                       </p:cBhvr>
                                     </p:animEffect>
@@ -18966,6 +20758,41 @@
                                           </p:stCondLst>
                                         </p:cTn>
                                         <p:tgtEl>
+                                          <p:spTgt spid="22"/>
+                                        </p:tgtEl>
+                                        <p:attrNameLst>
+                                          <p:attrName>style.visibility</p:attrName>
+                                        </p:attrNameLst>
+                                      </p:cBhvr>
+                                      <p:to>
+                                        <p:strVal val="visible"/>
+                                      </p:to>
+                                    </p:set>
+                                    <p:animEffect transition="in" filter="fade">
+                                      <p:cBhvr>
+                                        <p:cTn id="39" dur="500"/>
+                                        <p:tgtEl>
+                                          <p:spTgt spid="22"/>
+                                        </p:tgtEl>
+                                      </p:cBhvr>
+                                    </p:animEffect>
+                                  </p:childTnLst>
+                                </p:cTn>
+                              </p:par>
+                              <p:par>
+                                <p:cTn id="40" presetID="10" presetClass="entr" presetSubtype="0" fill="hold" grpId="0" nodeType="withEffect">
+                                  <p:stCondLst>
+                                    <p:cond delay="0"/>
+                                  </p:stCondLst>
+                                  <p:childTnLst>
+                                    <p:set>
+                                      <p:cBhvr>
+                                        <p:cTn id="41" dur="1" fill="hold">
+                                          <p:stCondLst>
+                                            <p:cond delay="0"/>
+                                          </p:stCondLst>
+                                        </p:cTn>
+                                        <p:tgtEl>
                                           <p:spTgt spid="15"/>
                                         </p:tgtEl>
                                         <p:attrNameLst>
@@ -18978,7 +20805,7 @@
                                     </p:set>
                                     <p:animEffect transition="in" filter="fade">
                                       <p:cBhvr>
-                                        <p:cTn id="39" dur="500"/>
+                                        <p:cTn id="42" dur="500"/>
                                         <p:tgtEl>
                                           <p:spTgt spid="15"/>
                                         </p:tgtEl>
@@ -18994,26 +20821,26 @@
                     </p:cTn>
                   </p:par>
                   <p:par>
-                    <p:cTn id="40" fill="hold">
+                    <p:cTn id="43" fill="hold">
                       <p:stCondLst>
                         <p:cond delay="indefinite"/>
                       </p:stCondLst>
                       <p:childTnLst>
                         <p:par>
-                          <p:cTn id="41" fill="hold">
+                          <p:cTn id="44" fill="hold">
                             <p:stCondLst>
                               <p:cond delay="0"/>
                             </p:stCondLst>
                             <p:childTnLst>
                               <p:par>
-                                <p:cTn id="42" presetID="10" presetClass="entr" presetSubtype="0" fill="hold" grpId="0" nodeType="clickEffect">
+                                <p:cTn id="45" presetID="10" presetClass="entr" presetSubtype="0" fill="hold" grpId="0" nodeType="clickEffect">
                                   <p:stCondLst>
                                     <p:cond delay="0"/>
                                   </p:stCondLst>
                                   <p:childTnLst>
                                     <p:set>
                                       <p:cBhvr>
-                                        <p:cTn id="43" dur="1" fill="hold">
+                                        <p:cTn id="46" dur="1" fill="hold">
                                           <p:stCondLst>
                                             <p:cond delay="0"/>
                                           </p:stCondLst>
@@ -19031,7 +20858,7 @@
                                     </p:set>
                                     <p:animEffect transition="in" filter="fade">
                                       <p:cBhvr>
-                                        <p:cTn id="44" dur="500"/>
+                                        <p:cTn id="47" dur="500"/>
                                         <p:tgtEl>
                                           <p:spTgt spid="19"/>
                                         </p:tgtEl>
@@ -19041,14 +20868,14 @@
                                 </p:cTn>
                               </p:par>
                               <p:par>
-                                <p:cTn id="45" presetID="10" presetClass="entr" presetSubtype="0" fill="hold" grpId="0" nodeType="withEffect">
+                                <p:cTn id="48" presetID="10" presetClass="entr" presetSubtype="0" fill="hold" grpId="0" nodeType="withEffect">
                                   <p:stCondLst>
                                     <p:cond delay="0"/>
                                   </p:stCondLst>
                                   <p:childTnLst>
                                     <p:set>
                                       <p:cBhvr>
-                                        <p:cTn id="46" dur="1" fill="hold">
+                                        <p:cTn id="49" dur="1" fill="hold">
                                           <p:stCondLst>
                                             <p:cond delay="0"/>
                                           </p:stCondLst>
@@ -19066,7 +20893,7 @@
                                     </p:set>
                                     <p:animEffect transition="in" filter="fade">
                                       <p:cBhvr>
-                                        <p:cTn id="47" dur="500"/>
+                                        <p:cTn id="50" dur="500"/>
                                         <p:tgtEl>
                                           <p:spTgt spid="13"/>
                                         </p:tgtEl>
@@ -19107,6 +20934,7 @@
       <p:bldP spid="13" grpId="0" animBg="1"/>
       <p:bldP spid="14" grpId="0" animBg="1"/>
       <p:bldP spid="15" grpId="0" animBg="1"/>
+      <p:bldP spid="3" grpId="0" animBg="1"/>
       <p:bldP spid="19" grpId="0"/>
       <p:bldP spid="20" grpId="0"/>
       <p:bldP spid="21" grpId="0"/>
@@ -19454,8 +21282,8 @@
         </p:nvSpPr>
         <p:spPr>
           <a:xfrm>
-            <a:off x="1159134" y="3918051"/>
-            <a:ext cx="5863103" cy="1220451"/>
+            <a:off x="1258708" y="3918220"/>
+            <a:ext cx="5568221" cy="1220451"/>
           </a:xfrm>
           <a:prstGeom prst="roundRect">
             <a:avLst/>
@@ -19463,8 +21291,10 @@
           <a:solidFill>
             <a:schemeClr val="bg1"/>
           </a:solidFill>
-          <a:ln>
-            <a:noFill/>
+          <a:ln w="28575">
+            <a:solidFill>
+              <a:schemeClr val="tx1"/>
+            </a:solidFill>
           </a:ln>
         </p:spPr>
         <p:style>
@@ -19537,8 +21367,8 @@
         </p:nvSpPr>
         <p:spPr>
           <a:xfrm>
-            <a:off x="1159135" y="3968944"/>
-            <a:ext cx="5863101" cy="1232342"/>
+            <a:off x="1295399" y="3970351"/>
+            <a:ext cx="5531530" cy="1232342"/>
           </a:xfrm>
           <a:prstGeom prst="rect">
             <a:avLst/>
@@ -19758,8 +21588,8 @@
         </p:nvSpPr>
         <p:spPr>
           <a:xfrm>
-            <a:off x="1159135" y="1011120"/>
-            <a:ext cx="9227739" cy="595148"/>
+            <a:off x="1295397" y="1007661"/>
+            <a:ext cx="9227742" cy="595148"/>
           </a:xfrm>
           <a:prstGeom prst="roundRect">
             <a:avLst/>
@@ -19767,8 +21597,10 @@
           <a:solidFill>
             <a:schemeClr val="bg1"/>
           </a:solidFill>
-          <a:ln>
-            <a:noFill/>
+          <a:ln w="28575">
+            <a:solidFill>
+              <a:schemeClr val="tx1"/>
+            </a:solidFill>
           </a:ln>
         </p:spPr>
         <p:style>
@@ -19843,7 +21675,7 @@
         </p:nvSpPr>
         <p:spPr>
           <a:xfrm>
-            <a:off x="1159135" y="789946"/>
+            <a:off x="1295397" y="789777"/>
             <a:ext cx="9601201" cy="929553"/>
           </a:xfrm>
         </p:spPr>

--- a/Presentazione_Tesi_Triennale_Informatica_Unimore_2022_2023_Enrico_Marras_152336.pptx
+++ b/Presentazione_Tesi_Triennale_Informatica_Unimore_2022_2023_Enrico_Marras_152336.pptx
@@ -5,7 +5,7 @@
     <p:sldMasterId id="2147483648" r:id="rId1"/>
   </p:sldMasterIdLst>
   <p:notesMasterIdLst>
-    <p:notesMasterId r:id="rId24"/>
+    <p:notesMasterId r:id="rId27"/>
   </p:notesMasterIdLst>
   <p:sldIdLst>
     <p:sldId id="256" r:id="rId2"/>
@@ -25,11 +25,14 @@
     <p:sldId id="268" r:id="rId16"/>
     <p:sldId id="269" r:id="rId17"/>
     <p:sldId id="270" r:id="rId18"/>
-    <p:sldId id="266" r:id="rId19"/>
-    <p:sldId id="271" r:id="rId20"/>
-    <p:sldId id="274" r:id="rId21"/>
-    <p:sldId id="273" r:id="rId22"/>
-    <p:sldId id="272" r:id="rId23"/>
+    <p:sldId id="283" r:id="rId19"/>
+    <p:sldId id="266" r:id="rId20"/>
+    <p:sldId id="271" r:id="rId21"/>
+    <p:sldId id="284" r:id="rId22"/>
+    <p:sldId id="274" r:id="rId23"/>
+    <p:sldId id="285" r:id="rId24"/>
+    <p:sldId id="286" r:id="rId25"/>
+    <p:sldId id="272" r:id="rId26"/>
   </p:sldIdLst>
   <p:sldSz cx="12192000" cy="6858000"/>
   <p:notesSz cx="6858000" cy="9144000"/>
@@ -137,6 +140,1004 @@
 </file>
 
 <file path=ppt/charts/chart1.xml><?xml version="1.0" encoding="utf-8"?>
+<c:chartSpace xmlns:c="http://schemas.openxmlformats.org/drawingml/2006/chart" xmlns:a="http://schemas.openxmlformats.org/drawingml/2006/main" xmlns:r="http://schemas.openxmlformats.org/officeDocument/2006/relationships" xmlns:c16r2="http://schemas.microsoft.com/office/drawing/2015/06/chart">
+  <c:date1904 val="0"/>
+  <c:lang val="en-US"/>
+  <c:roundedCorners val="0"/>
+  <mc:AlternateContent xmlns:mc="http://schemas.openxmlformats.org/markup-compatibility/2006">
+    <mc:Choice xmlns:c14="http://schemas.microsoft.com/office/drawing/2007/8/2/chart" Requires="c14">
+      <c14:style val="102"/>
+    </mc:Choice>
+    <mc:Fallback>
+      <c:style val="2"/>
+    </mc:Fallback>
+  </mc:AlternateContent>
+  <c:chart>
+    <c:autoTitleDeleted val="1"/>
+    <c:plotArea>
+      <c:layout>
+        <c:manualLayout>
+          <c:layoutTarget val="inner"/>
+          <c:xMode val="edge"/>
+          <c:yMode val="edge"/>
+          <c:x val="9.5484134783182947E-2"/>
+          <c:y val="3.4182431528661648E-2"/>
+          <c:w val="0.8786548178480158"/>
+          <c:h val="0.73067256167961514"/>
+        </c:manualLayout>
+      </c:layout>
+      <c:lineChart>
+        <c:grouping val="standard"/>
+        <c:varyColors val="0"/>
+        <c:ser>
+          <c:idx val="0"/>
+          <c:order val="0"/>
+          <c:tx>
+            <c:strRef>
+              <c:f>Sheet1!$A$1</c:f>
+              <c:strCache>
+                <c:ptCount val="1"/>
+                <c:pt idx="0">
+                  <c:v>Runtime read_register</c:v>
+                </c:pt>
+              </c:strCache>
+            </c:strRef>
+          </c:tx>
+          <c:spPr>
+            <a:ln w="53975" cap="rnd">
+              <a:solidFill>
+                <a:schemeClr val="accent1"/>
+              </a:solidFill>
+              <a:round/>
+            </a:ln>
+            <a:effectLst/>
+          </c:spPr>
+          <c:marker>
+            <c:symbol val="none"/>
+          </c:marker>
+          <c:val>
+            <c:numRef>
+              <c:f>Sheet1!$A$2:$A$41</c:f>
+              <c:numCache>
+                <c:formatCode>General</c:formatCode>
+                <c:ptCount val="40"/>
+                <c:pt idx="0">
+                  <c:v>0.15511440000000201</c:v>
+                </c:pt>
+                <c:pt idx="1">
+                  <c:v>0.34365190000016799</c:v>
+                </c:pt>
+                <c:pt idx="2">
+                  <c:v>0.51479169999993202</c:v>
+                </c:pt>
+                <c:pt idx="3">
+                  <c:v>0.68775819999973398</c:v>
+                </c:pt>
+                <c:pt idx="4">
+                  <c:v>0.827787899999748</c:v>
+                </c:pt>
+                <c:pt idx="5" formatCode="#,##0.00000000000000">
+                  <c:v>1.0618158000002</c:v>
+                </c:pt>
+                <c:pt idx="6" formatCode="#,##0.00000000000000">
+                  <c:v>1.17172459999983</c:v>
+                </c:pt>
+                <c:pt idx="7" formatCode="#,##0.00000000000000">
+                  <c:v>1.3587766999999</c:v>
+                </c:pt>
+                <c:pt idx="8" formatCode="#,##0.00000000000000">
+                  <c:v>1.5156690000003401</c:v>
+                </c:pt>
+                <c:pt idx="9" formatCode="#,##0.00000000000000">
+                  <c:v>1.6887416999998</c:v>
+                </c:pt>
+                <c:pt idx="10" formatCode="#,##0.00000000000000">
+                  <c:v>1.8907306000000901</c:v>
+                </c:pt>
+                <c:pt idx="11" formatCode="#,##0.00000000000000">
+                  <c:v>2.04576929999984</c:v>
+                </c:pt>
+                <c:pt idx="12" formatCode="#,##0.00000000000000">
+                  <c:v>2.2346992000002501</c:v>
+                </c:pt>
+                <c:pt idx="13" formatCode="#,##0.00000000000000">
+                  <c:v>2.3756909999997302</c:v>
+                </c:pt>
+                <c:pt idx="14" formatCode="#,##0.00000000000000">
+                  <c:v>2.6087136999999498</c:v>
+                </c:pt>
+                <c:pt idx="15" formatCode="#,##0.00000000000000">
+                  <c:v>2.70275149999997</c:v>
+                </c:pt>
+                <c:pt idx="16" formatCode="#,##0.00000000000000">
+                  <c:v>2.8898690999999399</c:v>
+                </c:pt>
+                <c:pt idx="17" formatCode="#,##0.00000000000000">
+                  <c:v>3.0715816000001701</c:v>
+                </c:pt>
+                <c:pt idx="18" formatCode="#,##0.00000000000000">
+                  <c:v>3.2177418999999601</c:v>
+                </c:pt>
+                <c:pt idx="19" formatCode="#,##0.00000000000000">
+                  <c:v>3.3907043999997701</c:v>
+                </c:pt>
+                <c:pt idx="20" formatCode="#,##0.00000000000000">
+                  <c:v>3.5527326999999702</c:v>
+                </c:pt>
+                <c:pt idx="21" formatCode="#,##0.00000000000000">
+                  <c:v>3.7177350000001699</c:v>
+                </c:pt>
+                <c:pt idx="22" formatCode="#,##0.00000000000000">
+                  <c:v>3.8907105999996898</c:v>
+                </c:pt>
+                <c:pt idx="23" formatCode="#,##0.00000000000000">
+                  <c:v>4.1417289999999403</c:v>
+                </c:pt>
+                <c:pt idx="24" formatCode="#,##0.00000000000000">
+                  <c:v>4.1867142999999398</c:v>
+                </c:pt>
+                <c:pt idx="25" formatCode="#,##0.00000000000000">
+                  <c:v>4.4047478999996201</c:v>
+                </c:pt>
+                <c:pt idx="26" formatCode="#,##0.00000000000000">
+                  <c:v>4.57764700000007</c:v>
+                </c:pt>
+                <c:pt idx="27" formatCode="#,##0.00000000000000">
+                  <c:v>4.7217440000003901</c:v>
+                </c:pt>
+                <c:pt idx="28" formatCode="#,##0.00000000000000">
+                  <c:v>4.92071940000005</c:v>
+                </c:pt>
+                <c:pt idx="29" formatCode="#,##0.00000000000000">
+                  <c:v>5.1087195999998496</c:v>
+                </c:pt>
+                <c:pt idx="30" formatCode="#,##0.00000000000000">
+                  <c:v>5.2337267999996504</c:v>
+                </c:pt>
+                <c:pt idx="31" formatCode="#,##0.00000000000000">
+                  <c:v>5.3586783999999099</c:v>
+                </c:pt>
+                <c:pt idx="32" formatCode="#,##0.00000000000000">
+                  <c:v>5.5616877999996097</c:v>
+                </c:pt>
+                <c:pt idx="33" formatCode="#,##0.00000000000000">
+                  <c:v>5.7176963000001697</c:v>
+                </c:pt>
+                <c:pt idx="34" formatCode="#,##0.00000000000000">
+                  <c:v>5.8897065999999496</c:v>
+                </c:pt>
+                <c:pt idx="35" formatCode="#,##0.00000000000000">
+                  <c:v>6.0327179000000797</c:v>
+                </c:pt>
+                <c:pt idx="36" formatCode="#,##0.00000000000000">
+                  <c:v>6.2967329000002703</c:v>
+                </c:pt>
+                <c:pt idx="37" formatCode="#,##0.00000000000000">
+                  <c:v>6.43672160000005</c:v>
+                </c:pt>
+                <c:pt idx="38" formatCode="#,##0.00000000000000">
+                  <c:v>6.6116253000000098</c:v>
+                </c:pt>
+                <c:pt idx="39" formatCode="#,##0.00000000000000">
+                  <c:v>6.7986541000000198</c:v>
+                </c:pt>
+              </c:numCache>
+            </c:numRef>
+          </c:val>
+          <c:smooth val="0"/>
+          <c:extLst>
+            <c:ext xmlns:c16="http://schemas.microsoft.com/office/drawing/2014/chart" uri="{C3380CC4-5D6E-409C-BE32-E72D297353CC}">
+              <c16:uniqueId val="{00000000-6E77-44D9-92B5-1D655318483E}"/>
+            </c:ext>
+          </c:extLst>
+        </c:ser>
+        <c:ser>
+          <c:idx val="1"/>
+          <c:order val="1"/>
+          <c:tx>
+            <c:strRef>
+              <c:f>Sheet1!$B$1</c:f>
+              <c:strCache>
+                <c:ptCount val="1"/>
+                <c:pt idx="0">
+                  <c:v>Runtime read_registers</c:v>
+                </c:pt>
+              </c:strCache>
+            </c:strRef>
+          </c:tx>
+          <c:spPr>
+            <a:ln w="53975" cap="rnd" cmpd="sng">
+              <a:solidFill>
+                <a:srgbClr val="FFC000"/>
+              </a:solidFill>
+              <a:round/>
+            </a:ln>
+            <a:effectLst/>
+          </c:spPr>
+          <c:marker>
+            <c:symbol val="none"/>
+          </c:marker>
+          <c:val>
+            <c:numRef>
+              <c:f>Sheet1!$B$2:$B$41</c:f>
+              <c:numCache>
+                <c:formatCode>General</c:formatCode>
+                <c:ptCount val="40"/>
+                <c:pt idx="0">
+                  <c:v>0.13796159999992499</c:v>
+                </c:pt>
+                <c:pt idx="1">
+                  <c:v>0.13973450000003099</c:v>
+                </c:pt>
+                <c:pt idx="2">
+                  <c:v>0.14077559999986899</c:v>
+                </c:pt>
+                <c:pt idx="3">
+                  <c:v>0.140763200000037</c:v>
+                </c:pt>
+                <c:pt idx="4">
+                  <c:v>0.14076509999995299</c:v>
+                </c:pt>
+                <c:pt idx="5">
+                  <c:v>0.138768400000117</c:v>
+                </c:pt>
+                <c:pt idx="6">
+                  <c:v>0.14078060000019799</c:v>
+                </c:pt>
+                <c:pt idx="7">
+                  <c:v>0.14078360000030399</c:v>
+                </c:pt>
+                <c:pt idx="8">
+                  <c:v>0.139748600000075</c:v>
+                </c:pt>
+                <c:pt idx="9">
+                  <c:v>0.14078449999988099</c:v>
+                </c:pt>
+                <c:pt idx="10">
+                  <c:v>0.140750099999877</c:v>
+                </c:pt>
+                <c:pt idx="11">
+                  <c:v>0.14071259999991501</c:v>
+                </c:pt>
+                <c:pt idx="12">
+                  <c:v>0.14074330000039401</c:v>
+                </c:pt>
+                <c:pt idx="13">
+                  <c:v>0.14081010000017999</c:v>
+                </c:pt>
+                <c:pt idx="14">
+                  <c:v>0.139775399999962</c:v>
+                </c:pt>
+                <c:pt idx="15">
+                  <c:v>0.14076329999988901</c:v>
+                </c:pt>
+                <c:pt idx="16">
+                  <c:v>0.140776600000208</c:v>
+                </c:pt>
+                <c:pt idx="17">
+                  <c:v>0.14076610000029099</c:v>
+                </c:pt>
+                <c:pt idx="18">
+                  <c:v>0.14047779999964399</c:v>
+                </c:pt>
+                <c:pt idx="19">
+                  <c:v>0.14017039999998801</c:v>
+                </c:pt>
+                <c:pt idx="20">
+                  <c:v>0.14075490000004701</c:v>
+                </c:pt>
+                <c:pt idx="21">
+                  <c:v>0.18776189999971299</c:v>
+                </c:pt>
+                <c:pt idx="22">
+                  <c:v>0.140766500000154</c:v>
+                </c:pt>
+                <c:pt idx="23">
+                  <c:v>0.140771800000038</c:v>
+                </c:pt>
+                <c:pt idx="24">
+                  <c:v>0.13945310000008199</c:v>
+                </c:pt>
+                <c:pt idx="25">
+                  <c:v>0.14117720000012901</c:v>
+                </c:pt>
+                <c:pt idx="26">
+                  <c:v>0.14050189999988999</c:v>
+                </c:pt>
+                <c:pt idx="27">
+                  <c:v>0.14083769999979001</c:v>
+                </c:pt>
+                <c:pt idx="28">
+                  <c:v>0.14099790000000201</c:v>
+                </c:pt>
+                <c:pt idx="29">
+                  <c:v>0.139860600000247</c:v>
+                </c:pt>
+                <c:pt idx="30">
+                  <c:v>0.13860500000143999</c:v>
+                </c:pt>
+                <c:pt idx="31">
+                  <c:v>0.141154200000073</c:v>
+                </c:pt>
+                <c:pt idx="32">
+                  <c:v>0.141671099999712</c:v>
+                </c:pt>
+                <c:pt idx="33">
+                  <c:v>0.13986789999989899</c:v>
+                </c:pt>
+                <c:pt idx="34">
+                  <c:v>0.14106159999982901</c:v>
+                </c:pt>
+                <c:pt idx="35">
+                  <c:v>0.13947419999976701</c:v>
+                </c:pt>
+                <c:pt idx="36">
+                  <c:v>0.14074940000000399</c:v>
+                </c:pt>
+                <c:pt idx="37">
+                  <c:v>0.14079450000008301</c:v>
+                </c:pt>
+                <c:pt idx="38">
+                  <c:v>0.140772400000059</c:v>
+                </c:pt>
+                <c:pt idx="39">
+                  <c:v>0.140352800000073</c:v>
+                </c:pt>
+              </c:numCache>
+            </c:numRef>
+          </c:val>
+          <c:smooth val="0"/>
+          <c:extLst>
+            <c:ext xmlns:c16="http://schemas.microsoft.com/office/drawing/2014/chart" uri="{C3380CC4-5D6E-409C-BE32-E72D297353CC}">
+              <c16:uniqueId val="{00000001-6E77-44D9-92B5-1D655318483E}"/>
+            </c:ext>
+          </c:extLst>
+        </c:ser>
+        <c:ser>
+          <c:idx val="2"/>
+          <c:order val="2"/>
+          <c:tx>
+            <c:strRef>
+              <c:f>Sheet1!$C$1</c:f>
+              <c:strCache>
+                <c:ptCount val="1"/>
+                <c:pt idx="0">
+                  <c:v>Runtime write_registers</c:v>
+                </c:pt>
+              </c:strCache>
+            </c:strRef>
+          </c:tx>
+          <c:spPr>
+            <a:ln w="28575" cap="rnd">
+              <a:solidFill>
+                <a:schemeClr val="accent3"/>
+              </a:solidFill>
+              <a:round/>
+            </a:ln>
+            <a:effectLst/>
+          </c:spPr>
+          <c:marker>
+            <c:symbol val="none"/>
+          </c:marker>
+          <c:val>
+            <c:numRef>
+              <c:f>Sheet1!$C$2:$C$41</c:f>
+              <c:numCache>
+                <c:formatCode>General</c:formatCode>
+                <c:ptCount val="40"/>
+                <c:pt idx="0">
+                  <c:v>0.16075150000006</c:v>
+                </c:pt>
+                <c:pt idx="1">
+                  <c:v>0.34372010000015502</c:v>
+                </c:pt>
+                <c:pt idx="2">
+                  <c:v>0.51469729999962499</c:v>
+                </c:pt>
+                <c:pt idx="3">
+                  <c:v>0.68769829999973797</c:v>
+                </c:pt>
+                <c:pt idx="4">
+                  <c:v>0.82774729999982799</c:v>
+                </c:pt>
+                <c:pt idx="5">
+                  <c:v>1.0307509999997799</c:v>
+                </c:pt>
+                <c:pt idx="6">
+                  <c:v>1.2027185000001701</c:v>
+                </c:pt>
+                <c:pt idx="7">
+                  <c:v>1.3747656999998901</c:v>
+                </c:pt>
+                <c:pt idx="8">
+                  <c:v>1.5307672999997499</c:v>
+                </c:pt>
+                <c:pt idx="9">
+                  <c:v>1.72373259999994</c:v>
+                </c:pt>
+                <c:pt idx="10">
+                  <c:v>1.87474849999989</c:v>
+                </c:pt>
+                <c:pt idx="11">
+                  <c:v>2.0307413000000398</c:v>
+                </c:pt>
+                <c:pt idx="12">
+                  <c:v>2.18768850000014</c:v>
+                </c:pt>
+                <c:pt idx="13">
+                  <c:v>2.3898000000003701</c:v>
+                </c:pt>
+                <c:pt idx="14">
+                  <c:v>2.5517308000003101</c:v>
+                </c:pt>
+                <c:pt idx="15">
+                  <c:v>2.73367539999981</c:v>
+                </c:pt>
+                <c:pt idx="16">
+                  <c:v>2.9019230999997401</c:v>
+                </c:pt>
+                <c:pt idx="17">
+                  <c:v>3.1936066999996902</c:v>
+                </c:pt>
+                <c:pt idx="18">
+                  <c:v>3.24868520000018</c:v>
+                </c:pt>
+                <c:pt idx="19">
+                  <c:v>3.4377518000001102</c:v>
+                </c:pt>
+                <c:pt idx="20">
+                  <c:v>3.5847979999998598</c:v>
+                </c:pt>
+                <c:pt idx="21">
+                  <c:v>3.73467059999984</c:v>
+                </c:pt>
+                <c:pt idx="22">
+                  <c:v>3.9367134000003698</c:v>
+                </c:pt>
+                <c:pt idx="23">
+                  <c:v>4.1557361000000101</c:v>
+                </c:pt>
+                <c:pt idx="24">
+                  <c:v>4.24969910000027</c:v>
+                </c:pt>
+                <c:pt idx="25">
+                  <c:v>4.4527169000002598</c:v>
+                </c:pt>
+                <c:pt idx="26">
+                  <c:v>4.5927363000000696</c:v>
+                </c:pt>
+                <c:pt idx="27">
+                  <c:v>4.7188031000000503</c:v>
+                </c:pt>
+                <c:pt idx="28">
+                  <c:v>4.9366478000001699</c:v>
+                </c:pt>
+                <c:pt idx="29">
+                  <c:v>5.1107231999999296</c:v>
+                </c:pt>
+                <c:pt idx="30">
+                  <c:v>5.2657104999998401</c:v>
+                </c:pt>
+                <c:pt idx="31">
+                  <c:v>5.5516881000003098</c:v>
+                </c:pt>
+                <c:pt idx="32">
+                  <c:v>5.5457660000001798</c:v>
+                </c:pt>
+                <c:pt idx="33">
+                  <c:v>5.8186744999998101</c:v>
+                </c:pt>
+                <c:pt idx="34">
+                  <c:v>5.9527180999998501</c:v>
+                </c:pt>
+                <c:pt idx="35">
+                  <c:v>6.2487085999996399</c:v>
+                </c:pt>
+                <c:pt idx="36">
+                  <c:v>6.2876820000001299</c:v>
+                </c:pt>
+                <c:pt idx="37">
+                  <c:v>6.4986835999998203</c:v>
+                </c:pt>
+                <c:pt idx="38">
+                  <c:v>6.6537259999999998</c:v>
+                </c:pt>
+                <c:pt idx="39">
+                  <c:v>6.7996973999997801</c:v>
+                </c:pt>
+              </c:numCache>
+            </c:numRef>
+          </c:val>
+          <c:smooth val="0"/>
+          <c:extLst>
+            <c:ext xmlns:c16="http://schemas.microsoft.com/office/drawing/2014/chart" uri="{C3380CC4-5D6E-409C-BE32-E72D297353CC}">
+              <c16:uniqueId val="{00000002-6E77-44D9-92B5-1D655318483E}"/>
+            </c:ext>
+          </c:extLst>
+        </c:ser>
+        <c:ser>
+          <c:idx val="3"/>
+          <c:order val="3"/>
+          <c:tx>
+            <c:strRef>
+              <c:f>Sheet1!$D$1</c:f>
+              <c:strCache>
+                <c:ptCount val="1"/>
+                <c:pt idx="0">
+                  <c:v>Runtime write_registers</c:v>
+                </c:pt>
+              </c:strCache>
+            </c:strRef>
+          </c:tx>
+          <c:spPr>
+            <a:ln w="28575" cap="rnd">
+              <a:solidFill>
+                <a:schemeClr val="accent6"/>
+              </a:solidFill>
+              <a:round/>
+            </a:ln>
+            <a:effectLst/>
+          </c:spPr>
+          <c:marker>
+            <c:symbol val="none"/>
+          </c:marker>
+          <c:val>
+            <c:numRef>
+              <c:f>Sheet1!$D$2:$D$41</c:f>
+              <c:numCache>
+                <c:formatCode>General</c:formatCode>
+                <c:ptCount val="40"/>
+                <c:pt idx="0">
+                  <c:v>0.141161600000032</c:v>
+                </c:pt>
+                <c:pt idx="1">
+                  <c:v>0.13978600000018501</c:v>
+                </c:pt>
+                <c:pt idx="2">
+                  <c:v>0.14076929999964699</c:v>
+                </c:pt>
+                <c:pt idx="3">
+                  <c:v>0.140808699999979</c:v>
+                </c:pt>
+                <c:pt idx="4">
+                  <c:v>0.139808500000071</c:v>
+                </c:pt>
+                <c:pt idx="5">
+                  <c:v>0.14076219999969899</c:v>
+                </c:pt>
+                <c:pt idx="6">
+                  <c:v>0.14078470000004001</c:v>
+                </c:pt>
+                <c:pt idx="7">
+                  <c:v>0.13980979999996601</c:v>
+                </c:pt>
+                <c:pt idx="8">
+                  <c:v>0.14077530000031399</c:v>
+                </c:pt>
+                <c:pt idx="9">
+                  <c:v>0.13982420000001999</c:v>
+                </c:pt>
+                <c:pt idx="10">
+                  <c:v>0.14072780000014901</c:v>
+                </c:pt>
+                <c:pt idx="11">
+                  <c:v>0.14081089999990501</c:v>
+                </c:pt>
+                <c:pt idx="12">
+                  <c:v>0.139881999999943</c:v>
+                </c:pt>
+                <c:pt idx="13">
+                  <c:v>0.14057899999988799</c:v>
+                </c:pt>
+                <c:pt idx="14">
+                  <c:v>0.14000609999993599</c:v>
+                </c:pt>
+                <c:pt idx="15">
+                  <c:v>0.140782200000103</c:v>
+                </c:pt>
+                <c:pt idx="16">
+                  <c:v>0.14079579999997799</c:v>
+                </c:pt>
+                <c:pt idx="17">
+                  <c:v>0.13977159999967601</c:v>
+                </c:pt>
+                <c:pt idx="18">
+                  <c:v>0.14077530000031399</c:v>
+                </c:pt>
+                <c:pt idx="19">
+                  <c:v>0.14079660000015701</c:v>
+                </c:pt>
+                <c:pt idx="20">
+                  <c:v>0.13974070000040201</c:v>
+                </c:pt>
+                <c:pt idx="21">
+                  <c:v>0.14088949999995701</c:v>
+                </c:pt>
+                <c:pt idx="22">
+                  <c:v>0.13977429999977101</c:v>
+                </c:pt>
+                <c:pt idx="23">
+                  <c:v>0.187745400000039</c:v>
+                </c:pt>
+                <c:pt idx="24">
+                  <c:v>0.13978029999998301</c:v>
+                </c:pt>
+                <c:pt idx="25">
+                  <c:v>0.14073740000003401</c:v>
+                </c:pt>
+                <c:pt idx="26">
+                  <c:v>0.14075979999961399</c:v>
+                </c:pt>
+                <c:pt idx="27">
+                  <c:v>0.15580050000016801</c:v>
+                </c:pt>
+                <c:pt idx="28">
+                  <c:v>0.140770299999985</c:v>
+                </c:pt>
+                <c:pt idx="29">
+                  <c:v>0.13975979999986499</c:v>
+                </c:pt>
+                <c:pt idx="30">
+                  <c:v>0.167755599999763</c:v>
+                </c:pt>
+                <c:pt idx="31">
+                  <c:v>0.14971250000007699</c:v>
+                </c:pt>
+                <c:pt idx="32">
+                  <c:v>0.139793600000302</c:v>
+                </c:pt>
+                <c:pt idx="33">
+                  <c:v>0.140745899999728</c:v>
+                </c:pt>
+                <c:pt idx="34">
+                  <c:v>0.17175660000020701</c:v>
+                </c:pt>
+                <c:pt idx="35">
+                  <c:v>0.155729499999779</c:v>
+                </c:pt>
+                <c:pt idx="36">
+                  <c:v>0.139816200000041</c:v>
+                </c:pt>
+                <c:pt idx="37">
+                  <c:v>0.14073619999999201</c:v>
+                </c:pt>
+                <c:pt idx="38">
+                  <c:v>0.140763200000037</c:v>
+                </c:pt>
+                <c:pt idx="39">
+                  <c:v>0.155763400000068</c:v>
+                </c:pt>
+              </c:numCache>
+            </c:numRef>
+          </c:val>
+          <c:smooth val="0"/>
+          <c:extLst>
+            <c:ext xmlns:c16="http://schemas.microsoft.com/office/drawing/2014/chart" uri="{C3380CC4-5D6E-409C-BE32-E72D297353CC}">
+              <c16:uniqueId val="{00000003-6E77-44D9-92B5-1D655318483E}"/>
+            </c:ext>
+          </c:extLst>
+        </c:ser>
+        <c:dLbls>
+          <c:showLegendKey val="0"/>
+          <c:showVal val="0"/>
+          <c:showCatName val="0"/>
+          <c:showSerName val="0"/>
+          <c:showPercent val="0"/>
+          <c:showBubbleSize val="0"/>
+        </c:dLbls>
+        <c:smooth val="0"/>
+        <c:axId val="1334258576"/>
+        <c:axId val="1178233120"/>
+      </c:lineChart>
+      <c:catAx>
+        <c:axId val="1334258576"/>
+        <c:scaling>
+          <c:orientation val="minMax"/>
+        </c:scaling>
+        <c:delete val="0"/>
+        <c:axPos val="b"/>
+        <c:title>
+          <c:tx>
+            <c:rich>
+              <a:bodyPr rot="0" spcFirstLastPara="1" vertOverflow="ellipsis" vert="horz" wrap="square" anchor="ctr" anchorCtr="1"/>
+              <a:lstStyle/>
+              <a:p>
+                <a:pPr>
+                  <a:defRPr sz="1600" b="0" i="0" u="none" strike="noStrike" kern="1200" baseline="0">
+                    <a:solidFill>
+                      <a:schemeClr val="tx1">
+                        <a:lumMod val="65000"/>
+                        <a:lumOff val="35000"/>
+                      </a:schemeClr>
+                    </a:solidFill>
+                    <a:latin typeface="Times New Roman" panose="02020603050405020304" pitchFamily="18" charset="0"/>
+                    <a:ea typeface="+mn-ea"/>
+                    <a:cs typeface="Times New Roman" panose="02020603050405020304" pitchFamily="18" charset="0"/>
+                  </a:defRPr>
+                </a:pPr>
+                <a:r>
+                  <a:rPr lang="it-IT" sz="1600"/>
+                  <a:t>Numero di registri</a:t>
+                </a:r>
+              </a:p>
+            </c:rich>
+          </c:tx>
+          <c:layout>
+            <c:manualLayout>
+              <c:xMode val="edge"/>
+              <c:yMode val="edge"/>
+              <c:x val="0.407998266798003"/>
+              <c:y val="0.81973805629718055"/>
+            </c:manualLayout>
+          </c:layout>
+          <c:overlay val="0"/>
+          <c:spPr>
+            <a:noFill/>
+            <a:ln>
+              <a:noFill/>
+            </a:ln>
+            <a:effectLst/>
+          </c:spPr>
+          <c:txPr>
+            <a:bodyPr rot="0" spcFirstLastPara="1" vertOverflow="ellipsis" vert="horz" wrap="square" anchor="ctr" anchorCtr="1"/>
+            <a:lstStyle/>
+            <a:p>
+              <a:pPr>
+                <a:defRPr sz="1600" b="0" i="0" u="none" strike="noStrike" kern="1200" baseline="0">
+                  <a:solidFill>
+                    <a:schemeClr val="tx1">
+                      <a:lumMod val="65000"/>
+                      <a:lumOff val="35000"/>
+                    </a:schemeClr>
+                  </a:solidFill>
+                  <a:latin typeface="Times New Roman" panose="02020603050405020304" pitchFamily="18" charset="0"/>
+                  <a:ea typeface="+mn-ea"/>
+                  <a:cs typeface="Times New Roman" panose="02020603050405020304" pitchFamily="18" charset="0"/>
+                </a:defRPr>
+              </a:pPr>
+              <a:endParaRPr lang="it-IT"/>
+            </a:p>
+          </c:txPr>
+        </c:title>
+        <c:numFmt formatCode="#,##0" sourceLinked="0"/>
+        <c:majorTickMark val="none"/>
+        <c:minorTickMark val="none"/>
+        <c:tickLblPos val="nextTo"/>
+        <c:spPr>
+          <a:noFill/>
+          <a:ln w="9525" cap="flat" cmpd="sng" algn="ctr">
+            <a:solidFill>
+              <a:schemeClr val="tx1">
+                <a:lumMod val="15000"/>
+                <a:lumOff val="85000"/>
+              </a:schemeClr>
+            </a:solidFill>
+            <a:round/>
+          </a:ln>
+          <a:effectLst/>
+        </c:spPr>
+        <c:txPr>
+          <a:bodyPr rot="-60000000" spcFirstLastPara="1" vertOverflow="ellipsis" vert="horz" wrap="square" anchor="ctr" anchorCtr="1"/>
+          <a:lstStyle/>
+          <a:p>
+            <a:pPr>
+              <a:defRPr sz="900" b="0" i="0" u="none" strike="noStrike" kern="1200" baseline="0">
+                <a:solidFill>
+                  <a:schemeClr val="tx1">
+                    <a:lumMod val="65000"/>
+                    <a:lumOff val="35000"/>
+                  </a:schemeClr>
+                </a:solidFill>
+                <a:latin typeface="Times New Roman" panose="02020603050405020304" pitchFamily="18" charset="0"/>
+                <a:ea typeface="+mn-ea"/>
+                <a:cs typeface="Times New Roman" panose="02020603050405020304" pitchFamily="18" charset="0"/>
+              </a:defRPr>
+            </a:pPr>
+            <a:endParaRPr lang="it-IT"/>
+          </a:p>
+        </c:txPr>
+        <c:crossAx val="1178233120"/>
+        <c:crosses val="autoZero"/>
+        <c:auto val="1"/>
+        <c:lblAlgn val="ctr"/>
+        <c:lblOffset val="100"/>
+        <c:tickLblSkip val="3"/>
+        <c:noMultiLvlLbl val="0"/>
+      </c:catAx>
+      <c:valAx>
+        <c:axId val="1178233120"/>
+        <c:scaling>
+          <c:orientation val="minMax"/>
+        </c:scaling>
+        <c:delete val="0"/>
+        <c:axPos val="l"/>
+        <c:majorGridlines>
+          <c:spPr>
+            <a:ln w="9525" cap="flat" cmpd="sng" algn="ctr">
+              <a:solidFill>
+                <a:schemeClr val="tx1">
+                  <a:lumMod val="15000"/>
+                  <a:lumOff val="85000"/>
+                </a:schemeClr>
+              </a:solidFill>
+              <a:round/>
+            </a:ln>
+            <a:effectLst/>
+          </c:spPr>
+        </c:majorGridlines>
+        <c:title>
+          <c:tx>
+            <c:rich>
+              <a:bodyPr rot="-5400000" spcFirstLastPara="1" vertOverflow="ellipsis" vert="horz" wrap="square" anchor="ctr" anchorCtr="1"/>
+              <a:lstStyle/>
+              <a:p>
+                <a:pPr>
+                  <a:defRPr sz="1600" b="0" i="0" u="none" strike="noStrike" kern="1200" baseline="0">
+                    <a:solidFill>
+                      <a:schemeClr val="tx1">
+                        <a:lumMod val="65000"/>
+                        <a:lumOff val="35000"/>
+                      </a:schemeClr>
+                    </a:solidFill>
+                    <a:latin typeface="Times New Roman" panose="02020603050405020304" pitchFamily="18" charset="0"/>
+                    <a:ea typeface="+mn-ea"/>
+                    <a:cs typeface="Times New Roman" panose="02020603050405020304" pitchFamily="18" charset="0"/>
+                  </a:defRPr>
+                </a:pPr>
+                <a:r>
+                  <a:rPr lang="it-IT" sz="1600"/>
+                  <a:t>Secondi</a:t>
+                </a:r>
+              </a:p>
+            </c:rich>
+          </c:tx>
+          <c:overlay val="0"/>
+          <c:spPr>
+            <a:noFill/>
+            <a:ln>
+              <a:noFill/>
+            </a:ln>
+            <a:effectLst/>
+          </c:spPr>
+          <c:txPr>
+            <a:bodyPr rot="-5400000" spcFirstLastPara="1" vertOverflow="ellipsis" vert="horz" wrap="square" anchor="ctr" anchorCtr="1"/>
+            <a:lstStyle/>
+            <a:p>
+              <a:pPr>
+                <a:defRPr sz="1600" b="0" i="0" u="none" strike="noStrike" kern="1200" baseline="0">
+                  <a:solidFill>
+                    <a:schemeClr val="tx1">
+                      <a:lumMod val="65000"/>
+                      <a:lumOff val="35000"/>
+                    </a:schemeClr>
+                  </a:solidFill>
+                  <a:latin typeface="Times New Roman" panose="02020603050405020304" pitchFamily="18" charset="0"/>
+                  <a:ea typeface="+mn-ea"/>
+                  <a:cs typeface="Times New Roman" panose="02020603050405020304" pitchFamily="18" charset="0"/>
+                </a:defRPr>
+              </a:pPr>
+              <a:endParaRPr lang="it-IT"/>
+            </a:p>
+          </c:txPr>
+        </c:title>
+        <c:numFmt formatCode="General" sourceLinked="1"/>
+        <c:majorTickMark val="none"/>
+        <c:minorTickMark val="none"/>
+        <c:tickLblPos val="nextTo"/>
+        <c:spPr>
+          <a:noFill/>
+          <a:ln>
+            <a:noFill/>
+          </a:ln>
+          <a:effectLst/>
+        </c:spPr>
+        <c:txPr>
+          <a:bodyPr rot="-60000000" spcFirstLastPara="1" vertOverflow="ellipsis" vert="horz" wrap="square" anchor="ctr" anchorCtr="1"/>
+          <a:lstStyle/>
+          <a:p>
+            <a:pPr>
+              <a:defRPr sz="900" b="0" i="0" u="none" strike="noStrike" kern="1200" baseline="0">
+                <a:solidFill>
+                  <a:schemeClr val="tx1">
+                    <a:lumMod val="65000"/>
+                    <a:lumOff val="35000"/>
+                  </a:schemeClr>
+                </a:solidFill>
+                <a:latin typeface="Times New Roman" panose="02020603050405020304" pitchFamily="18" charset="0"/>
+                <a:ea typeface="+mn-ea"/>
+                <a:cs typeface="Times New Roman" panose="02020603050405020304" pitchFamily="18" charset="0"/>
+              </a:defRPr>
+            </a:pPr>
+            <a:endParaRPr lang="it-IT"/>
+          </a:p>
+        </c:txPr>
+        <c:crossAx val="1334258576"/>
+        <c:crosses val="autoZero"/>
+        <c:crossBetween val="between"/>
+      </c:valAx>
+      <c:spPr>
+        <a:noFill/>
+        <a:ln>
+          <a:noFill/>
+        </a:ln>
+        <a:effectLst/>
+      </c:spPr>
+    </c:plotArea>
+    <c:legend>
+      <c:legendPos val="b"/>
+      <c:layout>
+        <c:manualLayout>
+          <c:xMode val="edge"/>
+          <c:yMode val="edge"/>
+          <c:x val="0"/>
+          <c:y val="0.86241287721809878"/>
+          <c:w val="1"/>
+          <c:h val="0.1325330595637268"/>
+        </c:manualLayout>
+      </c:layout>
+      <c:overlay val="0"/>
+      <c:spPr>
+        <a:noFill/>
+        <a:ln>
+          <a:noFill/>
+        </a:ln>
+        <a:effectLst/>
+      </c:spPr>
+      <c:txPr>
+        <a:bodyPr rot="0" spcFirstLastPara="1" vertOverflow="ellipsis" vert="horz" wrap="square" anchor="ctr" anchorCtr="1"/>
+        <a:lstStyle/>
+        <a:p>
+          <a:pPr>
+            <a:defRPr sz="1400" b="0" i="0" u="none" strike="noStrike" kern="1200" baseline="0">
+              <a:solidFill>
+                <a:schemeClr val="tx1">
+                  <a:lumMod val="65000"/>
+                  <a:lumOff val="35000"/>
+                </a:schemeClr>
+              </a:solidFill>
+              <a:latin typeface="Times New Roman" panose="02020603050405020304" pitchFamily="18" charset="0"/>
+              <a:ea typeface="+mn-ea"/>
+              <a:cs typeface="Times New Roman" panose="02020603050405020304" pitchFamily="18" charset="0"/>
+            </a:defRPr>
+          </a:pPr>
+          <a:endParaRPr lang="it-IT"/>
+        </a:p>
+      </c:txPr>
+    </c:legend>
+    <c:plotVisOnly val="1"/>
+    <c:dispBlanksAs val="gap"/>
+    <c:showDLblsOverMax val="0"/>
+  </c:chart>
+  <c:spPr>
+    <a:solidFill>
+      <a:schemeClr val="bg1"/>
+    </a:solidFill>
+    <a:ln w="9525" cap="flat" cmpd="sng" algn="ctr">
+      <a:noFill/>
+      <a:round/>
+    </a:ln>
+    <a:effectLst/>
+  </c:spPr>
+  <c:txPr>
+    <a:bodyPr/>
+    <a:lstStyle/>
+    <a:p>
+      <a:pPr>
+        <a:defRPr>
+          <a:latin typeface="Times New Roman" panose="02020603050405020304" pitchFamily="18" charset="0"/>
+          <a:cs typeface="Times New Roman" panose="02020603050405020304" pitchFamily="18" charset="0"/>
+        </a:defRPr>
+      </a:pPr>
+      <a:endParaRPr lang="it-IT"/>
+    </a:p>
+  </c:txPr>
+  <c:externalData r:id="rId3">
+    <c:autoUpdate val="0"/>
+  </c:externalData>
+</c:chartSpace>
+</file>
+
+<file path=ppt/charts/chart2.xml><?xml version="1.0" encoding="utf-8"?>
 <c:chartSpace xmlns:c="http://schemas.openxmlformats.org/drawingml/2006/chart" xmlns:a="http://schemas.openxmlformats.org/drawingml/2006/main" xmlns:r="http://schemas.openxmlformats.org/officeDocument/2006/relationships" xmlns:c16r2="http://schemas.microsoft.com/office/drawing/2015/06/chart">
   <c:date1904 val="0"/>
   <c:lang val="en-US"/>
@@ -421,8 +1422,8 @@
             <c:manualLayout>
               <c:xMode val="edge"/>
               <c:yMode val="edge"/>
-              <c:x val="0.46671297976416787"/>
-              <c:y val="0.8139396484381366"/>
+              <c:x val="0.46671295949599639"/>
+              <c:y val="0.83536012863544107"/>
             </c:manualLayout>
           </c:layout>
           <c:overlay val="0"/>
@@ -473,7 +1474,7 @@
           <a:lstStyle/>
           <a:p>
             <a:pPr>
-              <a:defRPr sz="900" b="0" i="0" u="none" strike="noStrike" kern="1200" baseline="0">
+              <a:defRPr sz="1200" b="0" i="0" u="none" strike="noStrike" kern="1200" baseline="0">
                 <a:solidFill>
                   <a:schemeClr val="tx2"/>
                 </a:solidFill>
@@ -578,7 +1579,7 @@
           <a:lstStyle/>
           <a:p>
             <a:pPr>
-              <a:defRPr sz="900" b="0" i="0" u="none" strike="noStrike" kern="1200" baseline="0">
+              <a:defRPr sz="1200" b="0" i="0" u="none" strike="noStrike" kern="1200" baseline="0">
                 <a:solidFill>
                   <a:schemeClr val="tx2"/>
                 </a:solidFill>
@@ -663,7 +1664,7 @@
 </c:chartSpace>
 </file>
 
-<file path=ppt/charts/chart2.xml><?xml version="1.0" encoding="utf-8"?>
+<file path=ppt/charts/chart3.xml><?xml version="1.0" encoding="utf-8"?>
 <c:chartSpace xmlns:c="http://schemas.openxmlformats.org/drawingml/2006/chart" xmlns:a="http://schemas.openxmlformats.org/drawingml/2006/main" xmlns:r="http://schemas.openxmlformats.org/officeDocument/2006/relationships" xmlns:c16r2="http://schemas.microsoft.com/office/drawing/2015/06/chart">
   <c:date1904 val="0"/>
   <c:lang val="en-US"/>
@@ -964,7 +1965,7 @@
           <a:lstStyle/>
           <a:p>
             <a:pPr>
-              <a:defRPr sz="1200" b="0" i="0" u="none" strike="noStrike" kern="1200" baseline="0">
+              <a:defRPr sz="1300" b="0" i="0" u="none" strike="noStrike" kern="1200" baseline="0">
                 <a:solidFill>
                   <a:schemeClr val="tx1">
                     <a:lumMod val="50000"/>
@@ -1014,7 +2015,7 @@
               <a:lstStyle/>
               <a:p>
                 <a:pPr>
-                  <a:defRPr sz="1100" b="0" i="0" u="none" strike="noStrike" kern="1200" cap="all" baseline="0">
+                  <a:defRPr sz="1600" b="0" i="0" u="none" strike="noStrike" kern="1200" cap="all" baseline="0">
                     <a:solidFill>
                       <a:schemeClr val="tx1">
                         <a:lumMod val="50000"/>
@@ -1027,10 +2028,10 @@
                   </a:defRPr>
                 </a:pPr>
                 <a:r>
-                  <a:rPr lang="it-IT" sz="1100" cap="none" dirty="0"/>
+                  <a:rPr lang="it-IT" sz="1600" cap="none" dirty="0"/>
                   <a:t>Secondi</a:t>
                 </a:r>
-                <a:endParaRPr lang="it-IT" sz="1100" dirty="0"/>
+                <a:endParaRPr lang="it-IT" sz="1600" dirty="0"/>
               </a:p>
             </c:rich>
           </c:tx>
@@ -1038,8 +2039,8 @@
             <c:manualLayout>
               <c:xMode val="edge"/>
               <c:yMode val="edge"/>
-              <c:x val="0.54320896268705932"/>
-              <c:y val="0.81593758600165123"/>
+              <c:x val="0.54320892630180884"/>
+              <c:y val="0.83590620066792876"/>
             </c:manualLayout>
           </c:layout>
           <c:overlay val="0"/>
@@ -1055,7 +2056,7 @@
             <a:lstStyle/>
             <a:p>
               <a:pPr>
-                <a:defRPr sz="1100" b="0" i="0" u="none" strike="noStrike" kern="1200" cap="all" baseline="0">
+                <a:defRPr sz="1600" b="0" i="0" u="none" strike="noStrike" kern="1200" cap="all" baseline="0">
                   <a:solidFill>
                     <a:schemeClr val="tx1">
                       <a:lumMod val="50000"/>
@@ -1087,7 +2088,7 @@
           <a:lstStyle/>
           <a:p>
             <a:pPr>
-              <a:defRPr sz="900" b="0" i="0" u="none" strike="noStrike" kern="1200" baseline="0">
+              <a:defRPr sz="1200" b="0" i="0" u="none" strike="noStrike" kern="1200" baseline="0">
                 <a:solidFill>
                   <a:schemeClr val="tx1">
                     <a:lumMod val="50000"/>
@@ -1227,7 +2228,563 @@
 </cs:colorStyle>
 </file>
 
+<file path=ppt/charts/colors3.xml><?xml version="1.0" encoding="utf-8"?>
+<cs:colorStyle xmlns:cs="http://schemas.microsoft.com/office/drawing/2012/chartStyle" xmlns:a="http://schemas.openxmlformats.org/drawingml/2006/main" meth="cycle" id="10">
+  <a:schemeClr val="accent1"/>
+  <a:schemeClr val="accent2"/>
+  <a:schemeClr val="accent3"/>
+  <a:schemeClr val="accent4"/>
+  <a:schemeClr val="accent5"/>
+  <a:schemeClr val="accent6"/>
+  <cs:variation/>
+  <cs:variation>
+    <a:lumMod val="60000"/>
+  </cs:variation>
+  <cs:variation>
+    <a:lumMod val="80000"/>
+    <a:lumOff val="20000"/>
+  </cs:variation>
+  <cs:variation>
+    <a:lumMod val="80000"/>
+  </cs:variation>
+  <cs:variation>
+    <a:lumMod val="60000"/>
+    <a:lumOff val="40000"/>
+  </cs:variation>
+  <cs:variation>
+    <a:lumMod val="50000"/>
+  </cs:variation>
+  <cs:variation>
+    <a:lumMod val="70000"/>
+    <a:lumOff val="30000"/>
+  </cs:variation>
+  <cs:variation>
+    <a:lumMod val="70000"/>
+  </cs:variation>
+  <cs:variation>
+    <a:lumMod val="50000"/>
+    <a:lumOff val="50000"/>
+  </cs:variation>
+</cs:colorStyle>
+</file>
+
 <file path=ppt/charts/style1.xml><?xml version="1.0" encoding="utf-8"?>
+<cs:chartStyle xmlns:cs="http://schemas.microsoft.com/office/drawing/2012/chartStyle" xmlns:a="http://schemas.openxmlformats.org/drawingml/2006/main" id="227">
+  <cs:axisTitle>
+    <cs:lnRef idx="0"/>
+    <cs:fillRef idx="0"/>
+    <cs:effectRef idx="0"/>
+    <cs:fontRef idx="minor">
+      <a:schemeClr val="tx1">
+        <a:lumMod val="65000"/>
+        <a:lumOff val="35000"/>
+      </a:schemeClr>
+    </cs:fontRef>
+    <cs:defRPr sz="1000" kern="1200"/>
+  </cs:axisTitle>
+  <cs:categoryAxis>
+    <cs:lnRef idx="0"/>
+    <cs:fillRef idx="0"/>
+    <cs:effectRef idx="0"/>
+    <cs:fontRef idx="minor">
+      <a:schemeClr val="tx1">
+        <a:lumMod val="65000"/>
+        <a:lumOff val="35000"/>
+      </a:schemeClr>
+    </cs:fontRef>
+    <cs:spPr>
+      <a:ln w="9525" cap="flat" cmpd="sng" algn="ctr">
+        <a:solidFill>
+          <a:schemeClr val="tx1">
+            <a:lumMod val="15000"/>
+            <a:lumOff val="85000"/>
+          </a:schemeClr>
+        </a:solidFill>
+        <a:round/>
+      </a:ln>
+    </cs:spPr>
+    <cs:defRPr sz="900" kern="1200"/>
+  </cs:categoryAxis>
+  <cs:chartArea mods="allowNoFillOverride allowNoLineOverride">
+    <cs:lnRef idx="0"/>
+    <cs:fillRef idx="0"/>
+    <cs:effectRef idx="0"/>
+    <cs:fontRef idx="minor">
+      <a:schemeClr val="tx1"/>
+    </cs:fontRef>
+    <cs:spPr>
+      <a:solidFill>
+        <a:schemeClr val="bg1"/>
+      </a:solidFill>
+      <a:ln w="9525" cap="flat" cmpd="sng" algn="ctr">
+        <a:solidFill>
+          <a:schemeClr val="tx1">
+            <a:lumMod val="15000"/>
+            <a:lumOff val="85000"/>
+          </a:schemeClr>
+        </a:solidFill>
+        <a:round/>
+      </a:ln>
+    </cs:spPr>
+    <cs:defRPr sz="1000" kern="1200"/>
+  </cs:chartArea>
+  <cs:dataLabel>
+    <cs:lnRef idx="0"/>
+    <cs:fillRef idx="0"/>
+    <cs:effectRef idx="0"/>
+    <cs:fontRef idx="minor">
+      <a:schemeClr val="tx1">
+        <a:lumMod val="75000"/>
+        <a:lumOff val="25000"/>
+      </a:schemeClr>
+    </cs:fontRef>
+    <cs:defRPr sz="900" kern="1200"/>
+  </cs:dataLabel>
+  <cs:dataLabelCallout>
+    <cs:lnRef idx="0"/>
+    <cs:fillRef idx="0"/>
+    <cs:effectRef idx="0"/>
+    <cs:fontRef idx="minor">
+      <a:schemeClr val="dk1">
+        <a:lumMod val="65000"/>
+        <a:lumOff val="35000"/>
+      </a:schemeClr>
+    </cs:fontRef>
+    <cs:spPr>
+      <a:solidFill>
+        <a:schemeClr val="lt1"/>
+      </a:solidFill>
+      <a:ln>
+        <a:solidFill>
+          <a:schemeClr val="dk1">
+            <a:lumMod val="25000"/>
+            <a:lumOff val="75000"/>
+          </a:schemeClr>
+        </a:solidFill>
+      </a:ln>
+    </cs:spPr>
+    <cs:defRPr sz="900" kern="1200"/>
+    <cs:bodyPr rot="0" spcFirstLastPara="1" vertOverflow="clip" horzOverflow="clip" vert="horz" wrap="square" lIns="36576" tIns="18288" rIns="36576" bIns="18288" anchor="ctr" anchorCtr="1">
+      <a:spAutoFit/>
+    </cs:bodyPr>
+  </cs:dataLabelCallout>
+  <cs:dataPoint>
+    <cs:lnRef idx="0"/>
+    <cs:fillRef idx="1">
+      <cs:styleClr val="auto"/>
+    </cs:fillRef>
+    <cs:effectRef idx="0"/>
+    <cs:fontRef idx="minor">
+      <a:schemeClr val="tx1"/>
+    </cs:fontRef>
+    <cs:spPr>
+      <a:solidFill>
+        <a:schemeClr val="phClr"/>
+      </a:solidFill>
+    </cs:spPr>
+  </cs:dataPoint>
+  <cs:dataPoint3D>
+    <cs:lnRef idx="0"/>
+    <cs:fillRef idx="1">
+      <cs:styleClr val="auto"/>
+    </cs:fillRef>
+    <cs:effectRef idx="0"/>
+    <cs:fontRef idx="minor">
+      <a:schemeClr val="tx1"/>
+    </cs:fontRef>
+    <cs:spPr>
+      <a:solidFill>
+        <a:schemeClr val="phClr"/>
+      </a:solidFill>
+    </cs:spPr>
+  </cs:dataPoint3D>
+  <cs:dataPointLine>
+    <cs:lnRef idx="0">
+      <cs:styleClr val="auto"/>
+    </cs:lnRef>
+    <cs:fillRef idx="1"/>
+    <cs:effectRef idx="0"/>
+    <cs:fontRef idx="minor">
+      <a:schemeClr val="tx1"/>
+    </cs:fontRef>
+    <cs:spPr>
+      <a:ln w="28575" cap="rnd">
+        <a:solidFill>
+          <a:schemeClr val="phClr"/>
+        </a:solidFill>
+        <a:round/>
+      </a:ln>
+    </cs:spPr>
+  </cs:dataPointLine>
+  <cs:dataPointMarker>
+    <cs:lnRef idx="0">
+      <cs:styleClr val="auto"/>
+    </cs:lnRef>
+    <cs:fillRef idx="1">
+      <cs:styleClr val="auto"/>
+    </cs:fillRef>
+    <cs:effectRef idx="0"/>
+    <cs:fontRef idx="minor">
+      <a:schemeClr val="tx1"/>
+    </cs:fontRef>
+    <cs:spPr>
+      <a:solidFill>
+        <a:schemeClr val="phClr"/>
+      </a:solidFill>
+      <a:ln w="9525">
+        <a:solidFill>
+          <a:schemeClr val="phClr"/>
+        </a:solidFill>
+      </a:ln>
+    </cs:spPr>
+  </cs:dataPointMarker>
+  <cs:dataPointMarkerLayout symbol="circle" size="5"/>
+  <cs:dataPointWireframe>
+    <cs:lnRef idx="0">
+      <cs:styleClr val="auto"/>
+    </cs:lnRef>
+    <cs:fillRef idx="1"/>
+    <cs:effectRef idx="0"/>
+    <cs:fontRef idx="minor">
+      <a:schemeClr val="tx1"/>
+    </cs:fontRef>
+    <cs:spPr>
+      <a:ln w="9525" cap="rnd">
+        <a:solidFill>
+          <a:schemeClr val="phClr"/>
+        </a:solidFill>
+        <a:round/>
+      </a:ln>
+    </cs:spPr>
+  </cs:dataPointWireframe>
+  <cs:dataTable>
+    <cs:lnRef idx="0"/>
+    <cs:fillRef idx="0"/>
+    <cs:effectRef idx="0"/>
+    <cs:fontRef idx="minor">
+      <a:schemeClr val="tx1">
+        <a:lumMod val="65000"/>
+        <a:lumOff val="35000"/>
+      </a:schemeClr>
+    </cs:fontRef>
+    <cs:spPr>
+      <a:noFill/>
+      <a:ln w="9525" cap="flat" cmpd="sng" algn="ctr">
+        <a:solidFill>
+          <a:schemeClr val="tx1">
+            <a:lumMod val="15000"/>
+            <a:lumOff val="85000"/>
+          </a:schemeClr>
+        </a:solidFill>
+        <a:round/>
+      </a:ln>
+    </cs:spPr>
+    <cs:defRPr sz="900" kern="1200"/>
+  </cs:dataTable>
+  <cs:downBar>
+    <cs:lnRef idx="0"/>
+    <cs:fillRef idx="0"/>
+    <cs:effectRef idx="0"/>
+    <cs:fontRef idx="minor">
+      <a:schemeClr val="dk1"/>
+    </cs:fontRef>
+    <cs:spPr>
+      <a:solidFill>
+        <a:schemeClr val="dk1">
+          <a:lumMod val="65000"/>
+          <a:lumOff val="35000"/>
+        </a:schemeClr>
+      </a:solidFill>
+      <a:ln w="9525">
+        <a:solidFill>
+          <a:schemeClr val="tx1">
+            <a:lumMod val="65000"/>
+            <a:lumOff val="35000"/>
+          </a:schemeClr>
+        </a:solidFill>
+      </a:ln>
+    </cs:spPr>
+  </cs:downBar>
+  <cs:dropLine>
+    <cs:lnRef idx="0"/>
+    <cs:fillRef idx="0"/>
+    <cs:effectRef idx="0"/>
+    <cs:fontRef idx="minor">
+      <a:schemeClr val="tx1"/>
+    </cs:fontRef>
+    <cs:spPr>
+      <a:ln w="9525" cap="flat" cmpd="sng" algn="ctr">
+        <a:solidFill>
+          <a:schemeClr val="tx1">
+            <a:lumMod val="35000"/>
+            <a:lumOff val="65000"/>
+          </a:schemeClr>
+        </a:solidFill>
+        <a:round/>
+      </a:ln>
+    </cs:spPr>
+  </cs:dropLine>
+  <cs:errorBar>
+    <cs:lnRef idx="0"/>
+    <cs:fillRef idx="0"/>
+    <cs:effectRef idx="0"/>
+    <cs:fontRef idx="minor">
+      <a:schemeClr val="tx1"/>
+    </cs:fontRef>
+    <cs:spPr>
+      <a:ln w="9525" cap="flat" cmpd="sng" algn="ctr">
+        <a:solidFill>
+          <a:schemeClr val="tx1">
+            <a:lumMod val="65000"/>
+            <a:lumOff val="35000"/>
+          </a:schemeClr>
+        </a:solidFill>
+        <a:round/>
+      </a:ln>
+    </cs:spPr>
+  </cs:errorBar>
+  <cs:floor>
+    <cs:lnRef idx="0"/>
+    <cs:fillRef idx="0"/>
+    <cs:effectRef idx="0"/>
+    <cs:fontRef idx="minor">
+      <a:schemeClr val="tx1"/>
+    </cs:fontRef>
+    <cs:spPr>
+      <a:noFill/>
+      <a:ln>
+        <a:noFill/>
+      </a:ln>
+    </cs:spPr>
+  </cs:floor>
+  <cs:gridlineMajor>
+    <cs:lnRef idx="0"/>
+    <cs:fillRef idx="0"/>
+    <cs:effectRef idx="0"/>
+    <cs:fontRef idx="minor">
+      <a:schemeClr val="tx1"/>
+    </cs:fontRef>
+    <cs:spPr>
+      <a:ln w="9525" cap="flat" cmpd="sng" algn="ctr">
+        <a:solidFill>
+          <a:schemeClr val="tx1">
+            <a:lumMod val="15000"/>
+            <a:lumOff val="85000"/>
+          </a:schemeClr>
+        </a:solidFill>
+        <a:round/>
+      </a:ln>
+    </cs:spPr>
+  </cs:gridlineMajor>
+  <cs:gridlineMinor>
+    <cs:lnRef idx="0"/>
+    <cs:fillRef idx="0"/>
+    <cs:effectRef idx="0"/>
+    <cs:fontRef idx="minor">
+      <a:schemeClr val="tx1"/>
+    </cs:fontRef>
+    <cs:spPr>
+      <a:ln w="9525" cap="flat" cmpd="sng" algn="ctr">
+        <a:solidFill>
+          <a:schemeClr val="tx1">
+            <a:lumMod val="5000"/>
+            <a:lumOff val="95000"/>
+          </a:schemeClr>
+        </a:solidFill>
+        <a:round/>
+      </a:ln>
+    </cs:spPr>
+  </cs:gridlineMinor>
+  <cs:hiLoLine>
+    <cs:lnRef idx="0"/>
+    <cs:fillRef idx="0"/>
+    <cs:effectRef idx="0"/>
+    <cs:fontRef idx="minor">
+      <a:schemeClr val="tx1"/>
+    </cs:fontRef>
+    <cs:spPr>
+      <a:ln w="9525" cap="flat" cmpd="sng" algn="ctr">
+        <a:solidFill>
+          <a:schemeClr val="tx1">
+            <a:lumMod val="75000"/>
+            <a:lumOff val="25000"/>
+          </a:schemeClr>
+        </a:solidFill>
+        <a:round/>
+      </a:ln>
+    </cs:spPr>
+  </cs:hiLoLine>
+  <cs:leaderLine>
+    <cs:lnRef idx="0"/>
+    <cs:fillRef idx="0"/>
+    <cs:effectRef idx="0"/>
+    <cs:fontRef idx="minor">
+      <a:schemeClr val="tx1"/>
+    </cs:fontRef>
+    <cs:spPr>
+      <a:ln w="9525" cap="flat" cmpd="sng" algn="ctr">
+        <a:solidFill>
+          <a:schemeClr val="tx1">
+            <a:lumMod val="35000"/>
+            <a:lumOff val="65000"/>
+          </a:schemeClr>
+        </a:solidFill>
+        <a:round/>
+      </a:ln>
+    </cs:spPr>
+  </cs:leaderLine>
+  <cs:legend>
+    <cs:lnRef idx="0"/>
+    <cs:fillRef idx="0"/>
+    <cs:effectRef idx="0"/>
+    <cs:fontRef idx="minor">
+      <a:schemeClr val="tx1">
+        <a:lumMod val="65000"/>
+        <a:lumOff val="35000"/>
+      </a:schemeClr>
+    </cs:fontRef>
+    <cs:defRPr sz="900" kern="1200"/>
+  </cs:legend>
+  <cs:plotArea mods="allowNoFillOverride allowNoLineOverride">
+    <cs:lnRef idx="0"/>
+    <cs:fillRef idx="0"/>
+    <cs:effectRef idx="0"/>
+    <cs:fontRef idx="minor">
+      <a:schemeClr val="tx1"/>
+    </cs:fontRef>
+  </cs:plotArea>
+  <cs:plotArea3D mods="allowNoFillOverride allowNoLineOverride">
+    <cs:lnRef idx="0"/>
+    <cs:fillRef idx="0"/>
+    <cs:effectRef idx="0"/>
+    <cs:fontRef idx="minor">
+      <a:schemeClr val="tx1"/>
+    </cs:fontRef>
+  </cs:plotArea3D>
+  <cs:seriesAxis>
+    <cs:lnRef idx="0"/>
+    <cs:fillRef idx="0"/>
+    <cs:effectRef idx="0"/>
+    <cs:fontRef idx="minor">
+      <a:schemeClr val="tx1">
+        <a:lumMod val="65000"/>
+        <a:lumOff val="35000"/>
+      </a:schemeClr>
+    </cs:fontRef>
+    <cs:defRPr sz="900" kern="1200"/>
+  </cs:seriesAxis>
+  <cs:seriesLine>
+    <cs:lnRef idx="0"/>
+    <cs:fillRef idx="0"/>
+    <cs:effectRef idx="0"/>
+    <cs:fontRef idx="minor">
+      <a:schemeClr val="tx1"/>
+    </cs:fontRef>
+    <cs:spPr>
+      <a:ln w="9525" cap="flat" cmpd="sng" algn="ctr">
+        <a:solidFill>
+          <a:schemeClr val="tx1">
+            <a:lumMod val="35000"/>
+            <a:lumOff val="65000"/>
+          </a:schemeClr>
+        </a:solidFill>
+        <a:round/>
+      </a:ln>
+    </cs:spPr>
+  </cs:seriesLine>
+  <cs:title>
+    <cs:lnRef idx="0"/>
+    <cs:fillRef idx="0"/>
+    <cs:effectRef idx="0"/>
+    <cs:fontRef idx="minor">
+      <a:schemeClr val="tx1">
+        <a:lumMod val="65000"/>
+        <a:lumOff val="35000"/>
+      </a:schemeClr>
+    </cs:fontRef>
+    <cs:defRPr sz="1400" b="0" kern="1200" spc="0" baseline="0"/>
+  </cs:title>
+  <cs:trendline>
+    <cs:lnRef idx="0">
+      <cs:styleClr val="auto"/>
+    </cs:lnRef>
+    <cs:fillRef idx="0"/>
+    <cs:effectRef idx="0"/>
+    <cs:fontRef idx="minor">
+      <a:schemeClr val="tx1"/>
+    </cs:fontRef>
+    <cs:spPr>
+      <a:ln w="19050" cap="rnd">
+        <a:solidFill>
+          <a:schemeClr val="phClr"/>
+        </a:solidFill>
+        <a:prstDash val="sysDot"/>
+      </a:ln>
+    </cs:spPr>
+  </cs:trendline>
+  <cs:trendlineLabel>
+    <cs:lnRef idx="0"/>
+    <cs:fillRef idx="0"/>
+    <cs:effectRef idx="0"/>
+    <cs:fontRef idx="minor">
+      <a:schemeClr val="tx1">
+        <a:lumMod val="65000"/>
+        <a:lumOff val="35000"/>
+      </a:schemeClr>
+    </cs:fontRef>
+    <cs:defRPr sz="900" kern="1200"/>
+  </cs:trendlineLabel>
+  <cs:upBar>
+    <cs:lnRef idx="0"/>
+    <cs:fillRef idx="0"/>
+    <cs:effectRef idx="0"/>
+    <cs:fontRef idx="minor">
+      <a:schemeClr val="dk1"/>
+    </cs:fontRef>
+    <cs:spPr>
+      <a:solidFill>
+        <a:schemeClr val="lt1"/>
+      </a:solidFill>
+      <a:ln w="9525">
+        <a:solidFill>
+          <a:schemeClr val="tx1">
+            <a:lumMod val="15000"/>
+            <a:lumOff val="85000"/>
+          </a:schemeClr>
+        </a:solidFill>
+      </a:ln>
+    </cs:spPr>
+  </cs:upBar>
+  <cs:valueAxis>
+    <cs:lnRef idx="0"/>
+    <cs:fillRef idx="0"/>
+    <cs:effectRef idx="0"/>
+    <cs:fontRef idx="minor">
+      <a:schemeClr val="tx1">
+        <a:lumMod val="65000"/>
+        <a:lumOff val="35000"/>
+      </a:schemeClr>
+    </cs:fontRef>
+    <cs:defRPr sz="900" kern="1200"/>
+  </cs:valueAxis>
+  <cs:wall>
+    <cs:lnRef idx="0"/>
+    <cs:fillRef idx="0"/>
+    <cs:effectRef idx="0"/>
+    <cs:fontRef idx="minor">
+      <a:schemeClr val="tx1"/>
+    </cs:fontRef>
+    <cs:spPr>
+      <a:noFill/>
+      <a:ln>
+        <a:noFill/>
+      </a:ln>
+    </cs:spPr>
+  </cs:wall>
+</cs:chartStyle>
+</file>
+
+<file path=ppt/charts/style2.xml><?xml version="1.0" encoding="utf-8"?>
 <cs:chartStyle xmlns:cs="http://schemas.microsoft.com/office/drawing/2012/chartStyle" xmlns:a="http://schemas.openxmlformats.org/drawingml/2006/main" id="231">
   <cs:axisTitle>
     <cs:lnRef idx="0"/>
@@ -1695,7 +3252,7 @@
 </cs:chartStyle>
 </file>
 
-<file path=ppt/charts/style2.xml><?xml version="1.0" encoding="utf-8"?>
+<file path=ppt/charts/style3.xml><?xml version="1.0" encoding="utf-8"?>
 <cs:chartStyle xmlns:cs="http://schemas.microsoft.com/office/drawing/2012/chartStyle" xmlns:a="http://schemas.openxmlformats.org/drawingml/2006/main" id="219">
   <cs:axisTitle>
     <cs:lnRef idx="0"/>
@@ -2302,7 +3859,7 @@
           <a:p>
             <a:fld id="{5A380E97-91F5-47EA-9D04-C3513F44CB51}" type="datetimeFigureOut">
               <a:rPr lang="it-IT" smtClean="0"/>
-              <a:t>14/10/2023</a:t>
+              <a:t>15/10/2023</a:t>
             </a:fld>
             <a:endParaRPr lang="it-IT"/>
           </a:p>
@@ -3796,7 +5353,7 @@
     </p:spTree>
     <p:extLst>
       <p:ext uri="{BB962C8B-B14F-4D97-AF65-F5344CB8AC3E}">
-        <p14:creationId xmlns:p14="http://schemas.microsoft.com/office/powerpoint/2010/main" val="2521252642"/>
+        <p14:creationId xmlns:p14="http://schemas.microsoft.com/office/powerpoint/2010/main" val="3475001465"/>
       </p:ext>
     </p:extLst>
   </p:cSld>
@@ -3940,7 +5497,7 @@
     </p:spTree>
     <p:extLst>
       <p:ext uri="{BB962C8B-B14F-4D97-AF65-F5344CB8AC3E}">
-        <p14:creationId xmlns:p14="http://schemas.microsoft.com/office/powerpoint/2010/main" val="1724870212"/>
+        <p14:creationId xmlns:p14="http://schemas.microsoft.com/office/powerpoint/2010/main" val="2521252642"/>
       </p:ext>
     </p:extLst>
   </p:cSld>
@@ -4084,7 +5641,7 @@
     </p:spTree>
     <p:extLst>
       <p:ext uri="{BB962C8B-B14F-4D97-AF65-F5344CB8AC3E}">
-        <p14:creationId xmlns:p14="http://schemas.microsoft.com/office/powerpoint/2010/main" val="2121086211"/>
+        <p14:creationId xmlns:p14="http://schemas.microsoft.com/office/powerpoint/2010/main" val="1724870212"/>
       </p:ext>
     </p:extLst>
   </p:cSld>
@@ -4372,7 +5929,7 @@
     </p:spTree>
     <p:extLst>
       <p:ext uri="{BB962C8B-B14F-4D97-AF65-F5344CB8AC3E}">
-        <p14:creationId xmlns:p14="http://schemas.microsoft.com/office/powerpoint/2010/main" val="3077338936"/>
+        <p14:creationId xmlns:p14="http://schemas.microsoft.com/office/powerpoint/2010/main" val="505399425"/>
       </p:ext>
     </p:extLst>
   </p:cSld>
@@ -4516,6 +6073,438 @@
     </p:spTree>
     <p:extLst>
       <p:ext uri="{BB962C8B-B14F-4D97-AF65-F5344CB8AC3E}">
+        <p14:creationId xmlns:p14="http://schemas.microsoft.com/office/powerpoint/2010/main" val="2121086211"/>
+      </p:ext>
+    </p:extLst>
+  </p:cSld>
+  <p:clrMapOvr>
+    <a:masterClrMapping/>
+  </p:clrMapOvr>
+</p:notes>
+</file>
+
+<file path=ppt/notesSlides/notesSlide22.xml><?xml version="1.0" encoding="utf-8"?>
+<p:notes xmlns:a="http://schemas.openxmlformats.org/drawingml/2006/main" xmlns:r="http://schemas.openxmlformats.org/officeDocument/2006/relationships" xmlns:p="http://schemas.openxmlformats.org/presentationml/2006/main">
+  <p:cSld>
+    <p:spTree>
+      <p:nvGrpSpPr>
+        <p:cNvPr id="1" name=""/>
+        <p:cNvGrpSpPr/>
+        <p:nvPr/>
+      </p:nvGrpSpPr>
+      <p:grpSpPr>
+        <a:xfrm>
+          <a:off x="0" y="0"/>
+          <a:ext cx="0" cy="0"/>
+          <a:chOff x="0" y="0"/>
+          <a:chExt cx="0" cy="0"/>
+        </a:xfrm>
+      </p:grpSpPr>
+      <p:sp>
+        <p:nvSpPr>
+          <p:cNvPr id="2" name="Slide Image Placeholder 1"/>
+          <p:cNvSpPr>
+            <a:spLocks noGrp="1" noRot="1" noChangeAspect="1"/>
+          </p:cNvSpPr>
+          <p:nvPr>
+            <p:ph type="sldImg"/>
+          </p:nvPr>
+        </p:nvSpPr>
+        <p:spPr/>
+      </p:sp>
+      <p:sp>
+        <p:nvSpPr>
+          <p:cNvPr id="3" name="Notes Placeholder 2"/>
+          <p:cNvSpPr>
+            <a:spLocks noGrp="1"/>
+          </p:cNvSpPr>
+          <p:nvPr>
+            <p:ph type="body" idx="1"/>
+          </p:nvPr>
+        </p:nvSpPr>
+        <p:spPr/>
+        <p:txBody>
+          <a:bodyPr/>
+          <a:lstStyle/>
+          <a:p>
+            <a:endParaRPr lang="it-IT" dirty="0"/>
+          </a:p>
+        </p:txBody>
+      </p:sp>
+      <p:sp>
+        <p:nvSpPr>
+          <p:cNvPr id="4" name="Slide Number Placeholder 3"/>
+          <p:cNvSpPr>
+            <a:spLocks noGrp="1"/>
+          </p:cNvSpPr>
+          <p:nvPr>
+            <p:ph type="sldNum" sz="quarter" idx="5"/>
+          </p:nvPr>
+        </p:nvSpPr>
+        <p:spPr/>
+        <p:txBody>
+          <a:bodyPr/>
+          <a:lstStyle/>
+          <a:p>
+            <a:pPr marL="0" marR="0" lvl="0" indent="0" algn="r" defTabSz="914400" rtl="0" eaLnBrk="1" fontAlgn="auto" latinLnBrk="0" hangingPunct="1">
+              <a:lnSpc>
+                <a:spcPct val="100000"/>
+              </a:lnSpc>
+              <a:spcBef>
+                <a:spcPts val="0"/>
+              </a:spcBef>
+              <a:spcAft>
+                <a:spcPts val="0"/>
+              </a:spcAft>
+              <a:buClrTx/>
+              <a:buSzTx/>
+              <a:buFontTx/>
+              <a:buNone/>
+              <a:tabLst/>
+              <a:defRPr/>
+            </a:pPr>
+            <a:fld id="{D2114AE1-B372-4C50-AF80-98AA322DCCC6}" type="slidenum">
+              <a:rPr kumimoji="0" lang="it-IT" sz="1200" b="0" i="0" u="none" strike="noStrike" kern="1200" cap="none" spc="0" normalizeH="0" baseline="0" noProof="0" smtClean="0">
+                <a:ln>
+                  <a:noFill/>
+                </a:ln>
+                <a:solidFill>
+                  <a:prstClr val="black"/>
+                </a:solidFill>
+                <a:effectLst/>
+                <a:uLnTx/>
+                <a:uFillTx/>
+                <a:latin typeface="Calibri" panose="020F0502020204030204"/>
+                <a:ea typeface="+mn-ea"/>
+                <a:cs typeface="+mn-cs"/>
+              </a:rPr>
+              <a:pPr marL="0" marR="0" lvl="0" indent="0" algn="r" defTabSz="914400" rtl="0" eaLnBrk="1" fontAlgn="auto" latinLnBrk="0" hangingPunct="1">
+                <a:lnSpc>
+                  <a:spcPct val="100000"/>
+                </a:lnSpc>
+                <a:spcBef>
+                  <a:spcPts val="0"/>
+                </a:spcBef>
+                <a:spcAft>
+                  <a:spcPts val="0"/>
+                </a:spcAft>
+                <a:buClrTx/>
+                <a:buSzTx/>
+                <a:buFontTx/>
+                <a:buNone/>
+                <a:tabLst/>
+                <a:defRPr/>
+              </a:pPr>
+              <a:t>23</a:t>
+            </a:fld>
+            <a:endParaRPr kumimoji="0" lang="it-IT" sz="1200" b="0" i="0" u="none" strike="noStrike" kern="1200" cap="none" spc="0" normalizeH="0" baseline="0" noProof="0">
+              <a:ln>
+                <a:noFill/>
+              </a:ln>
+              <a:solidFill>
+                <a:prstClr val="black"/>
+              </a:solidFill>
+              <a:effectLst/>
+              <a:uLnTx/>
+              <a:uFillTx/>
+              <a:latin typeface="Calibri" panose="020F0502020204030204"/>
+              <a:ea typeface="+mn-ea"/>
+              <a:cs typeface="+mn-cs"/>
+            </a:endParaRPr>
+          </a:p>
+        </p:txBody>
+      </p:sp>
+    </p:spTree>
+    <p:extLst>
+      <p:ext uri="{BB962C8B-B14F-4D97-AF65-F5344CB8AC3E}">
+        <p14:creationId xmlns:p14="http://schemas.microsoft.com/office/powerpoint/2010/main" val="3236551705"/>
+      </p:ext>
+    </p:extLst>
+  </p:cSld>
+  <p:clrMapOvr>
+    <a:masterClrMapping/>
+  </p:clrMapOvr>
+</p:notes>
+</file>
+
+<file path=ppt/notesSlides/notesSlide23.xml><?xml version="1.0" encoding="utf-8"?>
+<p:notes xmlns:a="http://schemas.openxmlformats.org/drawingml/2006/main" xmlns:r="http://schemas.openxmlformats.org/officeDocument/2006/relationships" xmlns:p="http://schemas.openxmlformats.org/presentationml/2006/main">
+  <p:cSld>
+    <p:spTree>
+      <p:nvGrpSpPr>
+        <p:cNvPr id="1" name=""/>
+        <p:cNvGrpSpPr/>
+        <p:nvPr/>
+      </p:nvGrpSpPr>
+      <p:grpSpPr>
+        <a:xfrm>
+          <a:off x="0" y="0"/>
+          <a:ext cx="0" cy="0"/>
+          <a:chOff x="0" y="0"/>
+          <a:chExt cx="0" cy="0"/>
+        </a:xfrm>
+      </p:grpSpPr>
+      <p:sp>
+        <p:nvSpPr>
+          <p:cNvPr id="2" name="Slide Image Placeholder 1"/>
+          <p:cNvSpPr>
+            <a:spLocks noGrp="1" noRot="1" noChangeAspect="1"/>
+          </p:cNvSpPr>
+          <p:nvPr>
+            <p:ph type="sldImg"/>
+          </p:nvPr>
+        </p:nvSpPr>
+        <p:spPr/>
+      </p:sp>
+      <p:sp>
+        <p:nvSpPr>
+          <p:cNvPr id="3" name="Notes Placeholder 2"/>
+          <p:cNvSpPr>
+            <a:spLocks noGrp="1"/>
+          </p:cNvSpPr>
+          <p:nvPr>
+            <p:ph type="body" idx="1"/>
+          </p:nvPr>
+        </p:nvSpPr>
+        <p:spPr/>
+        <p:txBody>
+          <a:bodyPr/>
+          <a:lstStyle/>
+          <a:p>
+            <a:endParaRPr lang="it-IT" dirty="0"/>
+          </a:p>
+        </p:txBody>
+      </p:sp>
+      <p:sp>
+        <p:nvSpPr>
+          <p:cNvPr id="4" name="Slide Number Placeholder 3"/>
+          <p:cNvSpPr>
+            <a:spLocks noGrp="1"/>
+          </p:cNvSpPr>
+          <p:nvPr>
+            <p:ph type="sldNum" sz="quarter" idx="5"/>
+          </p:nvPr>
+        </p:nvSpPr>
+        <p:spPr/>
+        <p:txBody>
+          <a:bodyPr/>
+          <a:lstStyle/>
+          <a:p>
+            <a:pPr marL="0" marR="0" lvl="0" indent="0" algn="r" defTabSz="914400" rtl="0" eaLnBrk="1" fontAlgn="auto" latinLnBrk="0" hangingPunct="1">
+              <a:lnSpc>
+                <a:spcPct val="100000"/>
+              </a:lnSpc>
+              <a:spcBef>
+                <a:spcPts val="0"/>
+              </a:spcBef>
+              <a:spcAft>
+                <a:spcPts val="0"/>
+              </a:spcAft>
+              <a:buClrTx/>
+              <a:buSzTx/>
+              <a:buFontTx/>
+              <a:buNone/>
+              <a:tabLst/>
+              <a:defRPr/>
+            </a:pPr>
+            <a:fld id="{D2114AE1-B372-4C50-AF80-98AA322DCCC6}" type="slidenum">
+              <a:rPr kumimoji="0" lang="it-IT" sz="1200" b="0" i="0" u="none" strike="noStrike" kern="1200" cap="none" spc="0" normalizeH="0" baseline="0" noProof="0" smtClean="0">
+                <a:ln>
+                  <a:noFill/>
+                </a:ln>
+                <a:solidFill>
+                  <a:prstClr val="black"/>
+                </a:solidFill>
+                <a:effectLst/>
+                <a:uLnTx/>
+                <a:uFillTx/>
+                <a:latin typeface="Calibri" panose="020F0502020204030204"/>
+                <a:ea typeface="+mn-ea"/>
+                <a:cs typeface="+mn-cs"/>
+              </a:rPr>
+              <a:pPr marL="0" marR="0" lvl="0" indent="0" algn="r" defTabSz="914400" rtl="0" eaLnBrk="1" fontAlgn="auto" latinLnBrk="0" hangingPunct="1">
+                <a:lnSpc>
+                  <a:spcPct val="100000"/>
+                </a:lnSpc>
+                <a:spcBef>
+                  <a:spcPts val="0"/>
+                </a:spcBef>
+                <a:spcAft>
+                  <a:spcPts val="0"/>
+                </a:spcAft>
+                <a:buClrTx/>
+                <a:buSzTx/>
+                <a:buFontTx/>
+                <a:buNone/>
+                <a:tabLst/>
+                <a:defRPr/>
+              </a:pPr>
+              <a:t>24</a:t>
+            </a:fld>
+            <a:endParaRPr kumimoji="0" lang="it-IT" sz="1200" b="0" i="0" u="none" strike="noStrike" kern="1200" cap="none" spc="0" normalizeH="0" baseline="0" noProof="0">
+              <a:ln>
+                <a:noFill/>
+              </a:ln>
+              <a:solidFill>
+                <a:prstClr val="black"/>
+              </a:solidFill>
+              <a:effectLst/>
+              <a:uLnTx/>
+              <a:uFillTx/>
+              <a:latin typeface="Calibri" panose="020F0502020204030204"/>
+              <a:ea typeface="+mn-ea"/>
+              <a:cs typeface="+mn-cs"/>
+            </a:endParaRPr>
+          </a:p>
+        </p:txBody>
+      </p:sp>
+    </p:spTree>
+    <p:extLst>
+      <p:ext uri="{BB962C8B-B14F-4D97-AF65-F5344CB8AC3E}">
+        <p14:creationId xmlns:p14="http://schemas.microsoft.com/office/powerpoint/2010/main" val="3615466969"/>
+      </p:ext>
+    </p:extLst>
+  </p:cSld>
+  <p:clrMapOvr>
+    <a:masterClrMapping/>
+  </p:clrMapOvr>
+</p:notes>
+</file>
+
+<file path=ppt/notesSlides/notesSlide24.xml><?xml version="1.0" encoding="utf-8"?>
+<p:notes xmlns:a="http://schemas.openxmlformats.org/drawingml/2006/main" xmlns:r="http://schemas.openxmlformats.org/officeDocument/2006/relationships" xmlns:p="http://schemas.openxmlformats.org/presentationml/2006/main">
+  <p:cSld>
+    <p:spTree>
+      <p:nvGrpSpPr>
+        <p:cNvPr id="1" name=""/>
+        <p:cNvGrpSpPr/>
+        <p:nvPr/>
+      </p:nvGrpSpPr>
+      <p:grpSpPr>
+        <a:xfrm>
+          <a:off x="0" y="0"/>
+          <a:ext cx="0" cy="0"/>
+          <a:chOff x="0" y="0"/>
+          <a:chExt cx="0" cy="0"/>
+        </a:xfrm>
+      </p:grpSpPr>
+      <p:sp>
+        <p:nvSpPr>
+          <p:cNvPr id="2" name="Slide Image Placeholder 1"/>
+          <p:cNvSpPr>
+            <a:spLocks noGrp="1" noRot="1" noChangeAspect="1"/>
+          </p:cNvSpPr>
+          <p:nvPr>
+            <p:ph type="sldImg"/>
+          </p:nvPr>
+        </p:nvSpPr>
+        <p:spPr/>
+      </p:sp>
+      <p:sp>
+        <p:nvSpPr>
+          <p:cNvPr id="3" name="Notes Placeholder 2"/>
+          <p:cNvSpPr>
+            <a:spLocks noGrp="1"/>
+          </p:cNvSpPr>
+          <p:nvPr>
+            <p:ph type="body" idx="1"/>
+          </p:nvPr>
+        </p:nvSpPr>
+        <p:spPr/>
+        <p:txBody>
+          <a:bodyPr/>
+          <a:lstStyle/>
+          <a:p>
+            <a:endParaRPr lang="it-IT" dirty="0"/>
+          </a:p>
+        </p:txBody>
+      </p:sp>
+      <p:sp>
+        <p:nvSpPr>
+          <p:cNvPr id="4" name="Slide Number Placeholder 3"/>
+          <p:cNvSpPr>
+            <a:spLocks noGrp="1"/>
+          </p:cNvSpPr>
+          <p:nvPr>
+            <p:ph type="sldNum" sz="quarter" idx="5"/>
+          </p:nvPr>
+        </p:nvSpPr>
+        <p:spPr/>
+        <p:txBody>
+          <a:bodyPr/>
+          <a:lstStyle/>
+          <a:p>
+            <a:pPr marL="0" marR="0" lvl="0" indent="0" algn="r" defTabSz="914400" rtl="0" eaLnBrk="1" fontAlgn="auto" latinLnBrk="0" hangingPunct="1">
+              <a:lnSpc>
+                <a:spcPct val="100000"/>
+              </a:lnSpc>
+              <a:spcBef>
+                <a:spcPts val="0"/>
+              </a:spcBef>
+              <a:spcAft>
+                <a:spcPts val="0"/>
+              </a:spcAft>
+              <a:buClrTx/>
+              <a:buSzTx/>
+              <a:buFontTx/>
+              <a:buNone/>
+              <a:tabLst/>
+              <a:defRPr/>
+            </a:pPr>
+            <a:fld id="{D2114AE1-B372-4C50-AF80-98AA322DCCC6}" type="slidenum">
+              <a:rPr kumimoji="0" lang="it-IT" sz="1200" b="0" i="0" u="none" strike="noStrike" kern="1200" cap="none" spc="0" normalizeH="0" baseline="0" noProof="0" smtClean="0">
+                <a:ln>
+                  <a:noFill/>
+                </a:ln>
+                <a:solidFill>
+                  <a:prstClr val="black"/>
+                </a:solidFill>
+                <a:effectLst/>
+                <a:uLnTx/>
+                <a:uFillTx/>
+                <a:latin typeface="Calibri" panose="020F0502020204030204"/>
+                <a:ea typeface="+mn-ea"/>
+                <a:cs typeface="+mn-cs"/>
+              </a:rPr>
+              <a:pPr marL="0" marR="0" lvl="0" indent="0" algn="r" defTabSz="914400" rtl="0" eaLnBrk="1" fontAlgn="auto" latinLnBrk="0" hangingPunct="1">
+                <a:lnSpc>
+                  <a:spcPct val="100000"/>
+                </a:lnSpc>
+                <a:spcBef>
+                  <a:spcPts val="0"/>
+                </a:spcBef>
+                <a:spcAft>
+                  <a:spcPts val="0"/>
+                </a:spcAft>
+                <a:buClrTx/>
+                <a:buSzTx/>
+                <a:buFontTx/>
+                <a:buNone/>
+                <a:tabLst/>
+                <a:defRPr/>
+              </a:pPr>
+              <a:t>25</a:t>
+            </a:fld>
+            <a:endParaRPr kumimoji="0" lang="it-IT" sz="1200" b="0" i="0" u="none" strike="noStrike" kern="1200" cap="none" spc="0" normalizeH="0" baseline="0" noProof="0">
+              <a:ln>
+                <a:noFill/>
+              </a:ln>
+              <a:solidFill>
+                <a:prstClr val="black"/>
+              </a:solidFill>
+              <a:effectLst/>
+              <a:uLnTx/>
+              <a:uFillTx/>
+              <a:latin typeface="Calibri" panose="020F0502020204030204"/>
+              <a:ea typeface="+mn-ea"/>
+              <a:cs typeface="+mn-cs"/>
+            </a:endParaRPr>
+          </a:p>
+        </p:txBody>
+      </p:sp>
+    </p:spTree>
+    <p:extLst>
+      <p:ext uri="{BB962C8B-B14F-4D97-AF65-F5344CB8AC3E}">
         <p14:creationId xmlns:p14="http://schemas.microsoft.com/office/powerpoint/2010/main" val="2081459818"/>
       </p:ext>
     </p:extLst>
@@ -5683,7 +7672,7 @@
           <a:p>
             <a:fld id="{D55E9482-D5C2-4AB3-BBE2-3386C30CEF8D}" type="datetimeFigureOut">
               <a:rPr lang="it-IT" smtClean="0"/>
-              <a:t>14/10/2023</a:t>
+              <a:t>15/10/2023</a:t>
             </a:fld>
             <a:endParaRPr lang="it-IT"/>
           </a:p>
@@ -5883,7 +7872,7 @@
           <a:p>
             <a:fld id="{D55E9482-D5C2-4AB3-BBE2-3386C30CEF8D}" type="datetimeFigureOut">
               <a:rPr lang="it-IT" smtClean="0"/>
-              <a:t>14/10/2023</a:t>
+              <a:t>15/10/2023</a:t>
             </a:fld>
             <a:endParaRPr lang="it-IT"/>
           </a:p>
@@ -6093,7 +8082,7 @@
           <a:p>
             <a:fld id="{D55E9482-D5C2-4AB3-BBE2-3386C30CEF8D}" type="datetimeFigureOut">
               <a:rPr lang="it-IT" smtClean="0"/>
-              <a:t>14/10/2023</a:t>
+              <a:t>15/10/2023</a:t>
             </a:fld>
             <a:endParaRPr lang="it-IT"/>
           </a:p>
@@ -6293,7 +8282,7 @@
           <a:p>
             <a:fld id="{D55E9482-D5C2-4AB3-BBE2-3386C30CEF8D}" type="datetimeFigureOut">
               <a:rPr lang="it-IT" smtClean="0"/>
-              <a:t>14/10/2023</a:t>
+              <a:t>15/10/2023</a:t>
             </a:fld>
             <a:endParaRPr lang="it-IT"/>
           </a:p>
@@ -6569,7 +8558,7 @@
           <a:p>
             <a:fld id="{D55E9482-D5C2-4AB3-BBE2-3386C30CEF8D}" type="datetimeFigureOut">
               <a:rPr lang="it-IT" smtClean="0"/>
-              <a:t>14/10/2023</a:t>
+              <a:t>15/10/2023</a:t>
             </a:fld>
             <a:endParaRPr lang="it-IT"/>
           </a:p>
@@ -6837,7 +8826,7 @@
           <a:p>
             <a:fld id="{D55E9482-D5C2-4AB3-BBE2-3386C30CEF8D}" type="datetimeFigureOut">
               <a:rPr lang="it-IT" smtClean="0"/>
-              <a:t>14/10/2023</a:t>
+              <a:t>15/10/2023</a:t>
             </a:fld>
             <a:endParaRPr lang="it-IT"/>
           </a:p>
@@ -7252,7 +9241,7 @@
           <a:p>
             <a:fld id="{D55E9482-D5C2-4AB3-BBE2-3386C30CEF8D}" type="datetimeFigureOut">
               <a:rPr lang="it-IT" smtClean="0"/>
-              <a:t>14/10/2023</a:t>
+              <a:t>15/10/2023</a:t>
             </a:fld>
             <a:endParaRPr lang="it-IT"/>
           </a:p>
@@ -7394,7 +9383,7 @@
           <a:p>
             <a:fld id="{D55E9482-D5C2-4AB3-BBE2-3386C30CEF8D}" type="datetimeFigureOut">
               <a:rPr lang="it-IT" smtClean="0"/>
-              <a:t>14/10/2023</a:t>
+              <a:t>15/10/2023</a:t>
             </a:fld>
             <a:endParaRPr lang="it-IT"/>
           </a:p>
@@ -7507,7 +9496,7 @@
           <a:p>
             <a:fld id="{D55E9482-D5C2-4AB3-BBE2-3386C30CEF8D}" type="datetimeFigureOut">
               <a:rPr lang="it-IT" smtClean="0"/>
-              <a:t>14/10/2023</a:t>
+              <a:t>15/10/2023</a:t>
             </a:fld>
             <a:endParaRPr lang="it-IT"/>
           </a:p>
@@ -7820,7 +9809,7 @@
           <a:p>
             <a:fld id="{D55E9482-D5C2-4AB3-BBE2-3386C30CEF8D}" type="datetimeFigureOut">
               <a:rPr lang="it-IT" smtClean="0"/>
-              <a:t>14/10/2023</a:t>
+              <a:t>15/10/2023</a:t>
             </a:fld>
             <a:endParaRPr lang="it-IT"/>
           </a:p>
@@ -8109,7 +10098,7 @@
           <a:p>
             <a:fld id="{D55E9482-D5C2-4AB3-BBE2-3386C30CEF8D}" type="datetimeFigureOut">
               <a:rPr lang="it-IT" smtClean="0"/>
-              <a:t>14/10/2023</a:t>
+              <a:t>15/10/2023</a:t>
             </a:fld>
             <a:endParaRPr lang="it-IT"/>
           </a:p>
@@ -8352,7 +10341,7 @@
           <a:p>
             <a:fld id="{D55E9482-D5C2-4AB3-BBE2-3386C30CEF8D}" type="datetimeFigureOut">
               <a:rPr lang="it-IT" smtClean="0"/>
-              <a:t>14/10/2023</a:t>
+              <a:t>15/10/2023</a:t>
             </a:fld>
             <a:endParaRPr lang="it-IT"/>
           </a:p>
@@ -9443,8 +11432,10 @@
           <a:solidFill>
             <a:schemeClr val="bg1"/>
           </a:solidFill>
-          <a:ln>
-            <a:noFill/>
+          <a:ln w="28575">
+            <a:solidFill>
+              <a:schemeClr val="tx1"/>
+            </a:solidFill>
           </a:ln>
         </p:spPr>
         <p:style>
@@ -10064,8 +12055,10 @@
           <a:solidFill>
             <a:schemeClr val="bg1"/>
           </a:solidFill>
-          <a:ln>
-            <a:noFill/>
+          <a:ln w="28575">
+            <a:solidFill>
+              <a:schemeClr val="tx1"/>
+            </a:solidFill>
           </a:ln>
         </p:spPr>
         <p:style>
@@ -10685,8 +12678,10 @@
           <a:solidFill>
             <a:schemeClr val="bg1"/>
           </a:solidFill>
-          <a:ln>
-            <a:noFill/>
+          <a:ln w="28575">
+            <a:solidFill>
+              <a:schemeClr val="tx1"/>
+            </a:solidFill>
           </a:ln>
         </p:spPr>
         <p:style>
@@ -12099,8 +14094,10 @@
           <a:solidFill>
             <a:schemeClr val="bg1"/>
           </a:solidFill>
-          <a:ln>
-            <a:noFill/>
+          <a:ln w="28575">
+            <a:solidFill>
+              <a:schemeClr val="tx1"/>
+            </a:solidFill>
           </a:ln>
         </p:spPr>
         <p:style>
@@ -12157,8 +14154,8 @@
           </a:p>
         </p:txBody>
       </p:sp>
-      <mc:AlternateContent xmlns:mc="http://schemas.openxmlformats.org/markup-compatibility/2006">
-        <mc:Choice xmlns:a14="http://schemas.microsoft.com/office/drawing/2010/main" Requires="a14">
+      <mc:AlternateContent xmlns:mc="http://schemas.openxmlformats.org/markup-compatibility/2006" xmlns:a14="http://schemas.microsoft.com/office/drawing/2010/main">
+        <mc:Choice Requires="a14">
           <p:sp>
             <p:nvSpPr>
               <p:cNvPr id="3" name="Subtitle 2">
@@ -12422,7 +14419,7 @@
             </p:txBody>
           </p:sp>
         </mc:Choice>
-        <mc:Fallback>
+        <mc:Fallback xmlns="">
           <p:sp>
             <p:nvSpPr>
               <p:cNvPr id="3" name="Subtitle 2">
@@ -12489,8 +14486,10 @@
           <a:solidFill>
             <a:schemeClr val="bg1"/>
           </a:solidFill>
-          <a:ln>
-            <a:noFill/>
+          <a:ln w="28575">
+            <a:solidFill>
+              <a:schemeClr val="tx1"/>
+            </a:solidFill>
           </a:ln>
         </p:spPr>
         <p:style>
@@ -13555,57 +15554,201 @@
           </a:p>
         </p:txBody>
       </p:sp>
-      <p:sp>
-        <p:nvSpPr>
-          <p:cNvPr id="3" name="Subtitle 2">
+      <p:graphicFrame>
+        <p:nvGraphicFramePr>
+          <p:cNvPr id="4" name="Chart 3">
             <a:extLst>
               <a:ext uri="{FF2B5EF4-FFF2-40B4-BE49-F238E27FC236}">
-                <a16:creationId xmlns:a16="http://schemas.microsoft.com/office/drawing/2014/main" id="{FC446B2D-F94A-2F94-9904-6D62ADA65C8F}"/>
+                <a16:creationId xmlns:a16="http://schemas.microsoft.com/office/drawing/2014/main" id="{D38FF3F9-465A-3732-0087-56E18D035409}"/>
               </a:ext>
             </a:extLst>
           </p:cNvPr>
-          <p:cNvSpPr>
-            <a:spLocks noGrp="1"/>
-          </p:cNvSpPr>
+          <p:cNvGraphicFramePr/>
           <p:nvPr>
-            <p:ph type="subTitle" idx="1"/>
+            <p:extLst>
+              <p:ext uri="{D42A27DB-BD31-4B8C-83A1-F6EECF244321}">
+                <p14:modId xmlns:p14="http://schemas.microsoft.com/office/powerpoint/2010/main" val="3131436737"/>
+              </p:ext>
+            </p:extLst>
           </p:nvPr>
+        </p:nvGraphicFramePr>
+        <p:xfrm>
+          <a:off x="982065" y="2436775"/>
+          <a:ext cx="10251546" cy="4141806"/>
+        </p:xfrm>
+        <a:graphic>
+          <a:graphicData uri="http://schemas.openxmlformats.org/drawingml/2006/chart">
+            <c:chart xmlns:c="http://schemas.openxmlformats.org/drawingml/2006/chart" xmlns:r="http://schemas.openxmlformats.org/officeDocument/2006/relationships" r:id="rId3"/>
+          </a:graphicData>
+        </a:graphic>
+      </p:graphicFrame>
+      <p:sp>
+        <p:nvSpPr>
+          <p:cNvPr id="5" name="Rectangle: Rounded Corners 4">
+            <a:extLst>
+              <a:ext uri="{FF2B5EF4-FFF2-40B4-BE49-F238E27FC236}">
+                <a16:creationId xmlns:a16="http://schemas.microsoft.com/office/drawing/2014/main" id="{9F984FDE-FFEF-BA04-0100-8C853BFA7C16}"/>
+              </a:ext>
+            </a:extLst>
+          </p:cNvPr>
+          <p:cNvSpPr/>
+          <p:nvPr/>
         </p:nvSpPr>
         <p:spPr>
           <a:xfrm>
-            <a:off x="1159136" y="1141768"/>
-            <a:ext cx="9601200" cy="5497157"/>
+            <a:off x="970226" y="1025238"/>
+            <a:ext cx="10251545" cy="536232"/>
           </a:xfrm>
+          <a:prstGeom prst="roundRect">
+            <a:avLst/>
+          </a:prstGeom>
+          <a:solidFill>
+            <a:schemeClr val="bg1"/>
+          </a:solidFill>
+          <a:ln w="28575">
+            <a:solidFill>
+              <a:schemeClr val="tx1"/>
+            </a:solidFill>
+          </a:ln>
         </p:spPr>
+        <p:style>
+          <a:lnRef idx="2">
+            <a:schemeClr val="accent1">
+              <a:shade val="15000"/>
+            </a:schemeClr>
+          </a:lnRef>
+          <a:fillRef idx="1">
+            <a:schemeClr val="accent1"/>
+          </a:fillRef>
+          <a:effectRef idx="0">
+            <a:schemeClr val="accent1"/>
+          </a:effectRef>
+          <a:fontRef idx="minor">
+            <a:schemeClr val="lt1"/>
+          </a:fontRef>
+        </p:style>
         <p:txBody>
-          <a:bodyPr>
-            <a:normAutofit/>
-          </a:bodyPr>
+          <a:bodyPr rtlCol="0" anchor="ctr"/>
           <a:lstStyle/>
           <a:p>
-            <a:pPr algn="l">
+            <a:pPr marL="0" marR="0" lvl="0" indent="0" algn="ctr" defTabSz="914400" rtl="0" eaLnBrk="1" fontAlgn="auto" latinLnBrk="0" hangingPunct="1">
               <a:lnSpc>
-                <a:spcPct val="200000"/>
+                <a:spcPct val="100000"/>
               </a:lnSpc>
+              <a:spcBef>
+                <a:spcPts val="0"/>
+              </a:spcBef>
+              <a:spcAft>
+                <a:spcPts val="0"/>
+              </a:spcAft>
+              <a:buClrTx/>
+              <a:buSzTx/>
+              <a:buFontTx/>
+              <a:buNone/>
+              <a:tabLst/>
+              <a:defRPr/>
             </a:pPr>
             <a:r>
-              <a:rPr lang="it-IT" dirty="0">
+              <a:rPr kumimoji="0" lang="it-IT" sz="2200" b="0" i="0" u="none" strike="noStrike" kern="1200" cap="none" spc="0" normalizeH="0" baseline="0" noProof="0" dirty="0">
+                <a:ln>
+                  <a:noFill/>
+                </a:ln>
+                <a:solidFill>
+                  <a:schemeClr val="tx1"/>
+                </a:solidFill>
+                <a:effectLst/>
+                <a:uLnTx/>
+                <a:uFillTx/>
                 <a:latin typeface="Times New Roman" panose="02020603050405020304" pitchFamily="18" charset="0"/>
                 <a:cs typeface="Times New Roman" panose="02020603050405020304" pitchFamily="18" charset="0"/>
               </a:rPr>
-              <a:t>+ </a:t>
+              <a:t>Per vincoli architetturali, non è possibile interrogare più di 40 registri per comunicazione</a:t>
             </a:r>
+          </a:p>
+        </p:txBody>
+      </p:sp>
+      <p:sp>
+        <p:nvSpPr>
+          <p:cNvPr id="6" name="Rectangle: Rounded Corners 5">
+            <a:extLst>
+              <a:ext uri="{FF2B5EF4-FFF2-40B4-BE49-F238E27FC236}">
+                <a16:creationId xmlns:a16="http://schemas.microsoft.com/office/drawing/2014/main" id="{FA7E678C-42F9-E7BE-33D8-AE65B7E9558D}"/>
+              </a:ext>
+            </a:extLst>
+          </p:cNvPr>
+          <p:cNvSpPr/>
+          <p:nvPr/>
+        </p:nvSpPr>
+        <p:spPr>
+          <a:xfrm>
+            <a:off x="982065" y="1819628"/>
+            <a:ext cx="10251545" cy="536232"/>
+          </a:xfrm>
+          <a:prstGeom prst="roundRect">
+            <a:avLst/>
+          </a:prstGeom>
+          <a:solidFill>
+            <a:schemeClr val="bg1"/>
+          </a:solidFill>
+          <a:ln w="28575">
+            <a:solidFill>
+              <a:schemeClr val="tx1"/>
+            </a:solidFill>
+          </a:ln>
+        </p:spPr>
+        <p:style>
+          <a:lnRef idx="2">
+            <a:schemeClr val="accent1">
+              <a:shade val="15000"/>
+            </a:schemeClr>
+          </a:lnRef>
+          <a:fillRef idx="1">
+            <a:schemeClr val="accent1"/>
+          </a:fillRef>
+          <a:effectRef idx="0">
+            <a:schemeClr val="accent1"/>
+          </a:effectRef>
+          <a:fontRef idx="minor">
+            <a:schemeClr val="lt1"/>
+          </a:fontRef>
+        </p:style>
+        <p:txBody>
+          <a:bodyPr rtlCol="0" anchor="ctr"/>
+          <a:lstStyle/>
+          <a:p>
+            <a:pPr marL="0" marR="0" lvl="0" indent="0" algn="ctr" defTabSz="914400" rtl="0" eaLnBrk="1" fontAlgn="auto" latinLnBrk="0" hangingPunct="1">
+              <a:lnSpc>
+                <a:spcPct val="100000"/>
+              </a:lnSpc>
+              <a:spcBef>
+                <a:spcPts val="0"/>
+              </a:spcBef>
+              <a:spcAft>
+                <a:spcPts val="0"/>
+              </a:spcAft>
+              <a:buClrTx/>
+              <a:buSzTx/>
+              <a:buFontTx/>
+              <a:buNone/>
+              <a:tabLst/>
+              <a:defRPr/>
+            </a:pPr>
             <a:r>
-              <a:rPr lang="it-IT" dirty="0" err="1">
+              <a:rPr kumimoji="0" lang="it-IT" sz="2200" b="0" i="0" u="none" strike="noStrike" kern="1200" cap="none" spc="0" normalizeH="0" baseline="0" noProof="0" dirty="0">
+                <a:ln>
+                  <a:noFill/>
+                </a:ln>
+                <a:solidFill>
+                  <a:schemeClr val="tx1"/>
+                </a:solidFill>
+                <a:effectLst/>
+                <a:uLnTx/>
+                <a:uFillTx/>
                 <a:latin typeface="Times New Roman" panose="02020603050405020304" pitchFamily="18" charset="0"/>
                 <a:cs typeface="Times New Roman" panose="02020603050405020304" pitchFamily="18" charset="0"/>
               </a:rPr>
-              <a:t>caching</a:t>
+              <a:t>Quando possibile, è sempre più conveniente interrogare più registri contemporaneamente</a:t>
             </a:r>
-            <a:endParaRPr lang="it-IT" dirty="0">
-              <a:latin typeface="Times New Roman" panose="02020603050405020304" pitchFamily="18" charset="0"/>
-              <a:cs typeface="Times New Roman" panose="02020603050405020304" pitchFamily="18" charset="0"/>
-            </a:endParaRPr>
           </a:p>
         </p:txBody>
       </p:sp>
@@ -13619,6 +15762,193 @@
   <p:clrMapOvr>
     <a:masterClrMapping/>
   </p:clrMapOvr>
+  <p:timing>
+    <p:tnLst>
+      <p:par>
+        <p:cTn id="1" dur="indefinite" restart="never" nodeType="tmRoot">
+          <p:childTnLst>
+            <p:seq concurrent="1" nextAc="seek">
+              <p:cTn id="2" dur="indefinite" nodeType="mainSeq">
+                <p:childTnLst>
+                  <p:par>
+                    <p:cTn id="3" fill="hold">
+                      <p:stCondLst>
+                        <p:cond delay="indefinite"/>
+                      </p:stCondLst>
+                      <p:childTnLst>
+                        <p:par>
+                          <p:cTn id="4" fill="hold">
+                            <p:stCondLst>
+                              <p:cond delay="0"/>
+                            </p:stCondLst>
+                            <p:childTnLst>
+                              <p:par>
+                                <p:cTn id="5" presetID="10" presetClass="entr" presetSubtype="0" fill="hold" grpId="0" nodeType="clickEffect">
+                                  <p:stCondLst>
+                                    <p:cond delay="0"/>
+                                  </p:stCondLst>
+                                  <p:childTnLst>
+                                    <p:set>
+                                      <p:cBhvr>
+                                        <p:cTn id="6" dur="1" fill="hold">
+                                          <p:stCondLst>
+                                            <p:cond delay="0"/>
+                                          </p:stCondLst>
+                                        </p:cTn>
+                                        <p:tgtEl>
+                                          <p:spTgt spid="5"/>
+                                        </p:tgtEl>
+                                        <p:attrNameLst>
+                                          <p:attrName>style.visibility</p:attrName>
+                                        </p:attrNameLst>
+                                      </p:cBhvr>
+                                      <p:to>
+                                        <p:strVal val="visible"/>
+                                      </p:to>
+                                    </p:set>
+                                    <p:animEffect transition="in" filter="fade">
+                                      <p:cBhvr>
+                                        <p:cTn id="7" dur="300"/>
+                                        <p:tgtEl>
+                                          <p:spTgt spid="5"/>
+                                        </p:tgtEl>
+                                      </p:cBhvr>
+                                    </p:animEffect>
+                                  </p:childTnLst>
+                                </p:cTn>
+                              </p:par>
+                            </p:childTnLst>
+                          </p:cTn>
+                        </p:par>
+                      </p:childTnLst>
+                    </p:cTn>
+                  </p:par>
+                  <p:par>
+                    <p:cTn id="8" fill="hold">
+                      <p:stCondLst>
+                        <p:cond delay="indefinite"/>
+                      </p:stCondLst>
+                      <p:childTnLst>
+                        <p:par>
+                          <p:cTn id="9" fill="hold">
+                            <p:stCondLst>
+                              <p:cond delay="0"/>
+                            </p:stCondLst>
+                            <p:childTnLst>
+                              <p:par>
+                                <p:cTn id="10" presetID="10" presetClass="entr" presetSubtype="0" fill="hold" grpId="0" nodeType="clickEffect">
+                                  <p:stCondLst>
+                                    <p:cond delay="0"/>
+                                  </p:stCondLst>
+                                  <p:childTnLst>
+                                    <p:set>
+                                      <p:cBhvr>
+                                        <p:cTn id="11" dur="1" fill="hold">
+                                          <p:stCondLst>
+                                            <p:cond delay="0"/>
+                                          </p:stCondLst>
+                                        </p:cTn>
+                                        <p:tgtEl>
+                                          <p:spTgt spid="6"/>
+                                        </p:tgtEl>
+                                        <p:attrNameLst>
+                                          <p:attrName>style.visibility</p:attrName>
+                                        </p:attrNameLst>
+                                      </p:cBhvr>
+                                      <p:to>
+                                        <p:strVal val="visible"/>
+                                      </p:to>
+                                    </p:set>
+                                    <p:animEffect transition="in" filter="fade">
+                                      <p:cBhvr>
+                                        <p:cTn id="12" dur="300"/>
+                                        <p:tgtEl>
+                                          <p:spTgt spid="6"/>
+                                        </p:tgtEl>
+                                      </p:cBhvr>
+                                    </p:animEffect>
+                                  </p:childTnLst>
+                                </p:cTn>
+                              </p:par>
+                            </p:childTnLst>
+                          </p:cTn>
+                        </p:par>
+                        <p:par>
+                          <p:cTn id="13" fill="hold">
+                            <p:stCondLst>
+                              <p:cond delay="300"/>
+                            </p:stCondLst>
+                            <p:childTnLst>
+                              <p:par>
+                                <p:cTn id="14" presetID="10" presetClass="entr" presetSubtype="0" fill="hold" grpId="0" nodeType="afterEffect">
+                                  <p:stCondLst>
+                                    <p:cond delay="0"/>
+                                  </p:stCondLst>
+                                  <p:childTnLst>
+                                    <p:set>
+                                      <p:cBhvr>
+                                        <p:cTn id="15" dur="1" fill="hold">
+                                          <p:stCondLst>
+                                            <p:cond delay="0"/>
+                                          </p:stCondLst>
+                                        </p:cTn>
+                                        <p:tgtEl>
+                                          <p:spTgt spid="4"/>
+                                        </p:tgtEl>
+                                        <p:attrNameLst>
+                                          <p:attrName>style.visibility</p:attrName>
+                                        </p:attrNameLst>
+                                      </p:cBhvr>
+                                      <p:to>
+                                        <p:strVal val="visible"/>
+                                      </p:to>
+                                    </p:set>
+                                    <p:animEffect transition="in" filter="fade">
+                                      <p:cBhvr>
+                                        <p:cTn id="16" dur="300"/>
+                                        <p:tgtEl>
+                                          <p:spTgt spid="4"/>
+                                        </p:tgtEl>
+                                      </p:cBhvr>
+                                    </p:animEffect>
+                                  </p:childTnLst>
+                                </p:cTn>
+                              </p:par>
+                            </p:childTnLst>
+                          </p:cTn>
+                        </p:par>
+                      </p:childTnLst>
+                    </p:cTn>
+                  </p:par>
+                </p:childTnLst>
+              </p:cTn>
+              <p:prevCondLst>
+                <p:cond evt="onPrev" delay="0">
+                  <p:tgtEl>
+                    <p:sldTgt/>
+                  </p:tgtEl>
+                </p:cond>
+              </p:prevCondLst>
+              <p:nextCondLst>
+                <p:cond evt="onNext" delay="0">
+                  <p:tgtEl>
+                    <p:sldTgt/>
+                  </p:tgtEl>
+                </p:cond>
+              </p:nextCondLst>
+            </p:seq>
+          </p:childTnLst>
+        </p:cTn>
+      </p:par>
+    </p:tnLst>
+    <p:bldLst>
+      <p:bldGraphic spid="4" grpId="0">
+        <p:bldAsOne/>
+      </p:bldGraphic>
+      <p:bldP spid="5" grpId="0" animBg="1"/>
+      <p:bldP spid="6" grpId="0" animBg="1"/>
+    </p:bldLst>
+  </p:timing>
 </p:sld>
 </file>
 
@@ -13876,41 +16206,118 @@
       </p:sp>
       <p:sp>
         <p:nvSpPr>
-          <p:cNvPr id="3" name="Subtitle 2">
+          <p:cNvPr id="4" name="Rectangle: Rounded Corners 3">
             <a:extLst>
               <a:ext uri="{FF2B5EF4-FFF2-40B4-BE49-F238E27FC236}">
-                <a16:creationId xmlns:a16="http://schemas.microsoft.com/office/drawing/2014/main" id="{FC446B2D-F94A-2F94-9904-6D62ADA65C8F}"/>
+                <a16:creationId xmlns:a16="http://schemas.microsoft.com/office/drawing/2014/main" id="{BEB0C534-5332-1FE7-EC0A-0AB9E73A6A40}"/>
               </a:ext>
             </a:extLst>
           </p:cNvPr>
-          <p:cNvSpPr>
-            <a:spLocks noGrp="1"/>
-          </p:cNvSpPr>
-          <p:nvPr>
-            <p:ph type="subTitle" idx="1"/>
-          </p:nvPr>
+          <p:cNvSpPr/>
+          <p:nvPr/>
         </p:nvSpPr>
         <p:spPr>
           <a:xfrm>
-            <a:off x="1159136" y="1141768"/>
-            <a:ext cx="9601200" cy="5497157"/>
+            <a:off x="932786" y="1234788"/>
+            <a:ext cx="10326425" cy="1184562"/>
           </a:xfrm>
+          <a:prstGeom prst="roundRect">
+            <a:avLst/>
+          </a:prstGeom>
+          <a:solidFill>
+            <a:schemeClr val="bg1"/>
+          </a:solidFill>
+          <a:ln w="28575">
+            <a:solidFill>
+              <a:schemeClr val="tx1"/>
+            </a:solidFill>
+          </a:ln>
         </p:spPr>
+        <p:style>
+          <a:lnRef idx="2">
+            <a:schemeClr val="accent1">
+              <a:shade val="15000"/>
+            </a:schemeClr>
+          </a:lnRef>
+          <a:fillRef idx="1">
+            <a:schemeClr val="accent1"/>
+          </a:fillRef>
+          <a:effectRef idx="0">
+            <a:schemeClr val="accent1"/>
+          </a:effectRef>
+          <a:fontRef idx="minor">
+            <a:schemeClr val="lt1"/>
+          </a:fontRef>
+        </p:style>
         <p:txBody>
-          <a:bodyPr>
-            <a:normAutofit/>
-          </a:bodyPr>
+          <a:bodyPr rtlCol="0" anchor="ctr"/>
           <a:lstStyle/>
           <a:p>
-            <a:pPr algn="l">
+            <a:pPr marL="0" marR="0" lvl="0" indent="0" defTabSz="914400" rtl="0" eaLnBrk="1" fontAlgn="auto" latinLnBrk="0" hangingPunct="1">
               <a:lnSpc>
-                <a:spcPct val="200000"/>
+                <a:spcPct val="100000"/>
               </a:lnSpc>
+              <a:spcBef>
+                <a:spcPts val="0"/>
+              </a:spcBef>
+              <a:spcAft>
+                <a:spcPts val="0"/>
+              </a:spcAft>
+              <a:buClrTx/>
+              <a:buSzTx/>
+              <a:buFontTx/>
+              <a:buNone/>
+              <a:tabLst/>
+              <a:defRPr/>
             </a:pPr>
-            <a:endParaRPr lang="it-IT" dirty="0">
-              <a:latin typeface="Times New Roman" panose="02020603050405020304" pitchFamily="18" charset="0"/>
-              <a:cs typeface="Times New Roman" panose="02020603050405020304" pitchFamily="18" charset="0"/>
-            </a:endParaRPr>
+            <a:r>
+              <a:rPr kumimoji="0" lang="it-IT" sz="2200" b="0" i="0" u="none" strike="noStrike" kern="1200" cap="none" spc="0" normalizeH="0" baseline="0" noProof="0" dirty="0">
+                <a:ln>
+                  <a:noFill/>
+                </a:ln>
+                <a:solidFill>
+                  <a:schemeClr val="tx1"/>
+                </a:solidFill>
+                <a:effectLst/>
+                <a:uLnTx/>
+                <a:uFillTx/>
+                <a:latin typeface="Times New Roman" panose="02020603050405020304" pitchFamily="18" charset="0"/>
+                <a:cs typeface="Times New Roman" panose="02020603050405020304" pitchFamily="18" charset="0"/>
+              </a:rPr>
+              <a:t>Se il </a:t>
+            </a:r>
+            <a:r>
+              <a:rPr kumimoji="0" lang="it-IT" sz="2200" b="1" i="0" u="none" strike="noStrike" kern="1200" cap="none" spc="0" normalizeH="0" baseline="0" noProof="0" dirty="0" err="1">
+                <a:ln>
+                  <a:noFill/>
+                </a:ln>
+                <a:solidFill>
+                  <a:schemeClr val="tx1"/>
+                </a:solidFill>
+                <a:effectLst/>
+                <a:uLnTx/>
+                <a:uFillTx/>
+                <a:latin typeface="Times New Roman" panose="02020603050405020304" pitchFamily="18" charset="0"/>
+                <a:cs typeface="Times New Roman" panose="02020603050405020304" pitchFamily="18" charset="0"/>
+              </a:rPr>
+              <a:t>timeout</a:t>
+            </a:r>
+            <a:r>
+              <a:rPr kumimoji="0" lang="it-IT" sz="2200" b="0" i="0" u="none" strike="noStrike" kern="1200" cap="none" spc="0" normalizeH="0" baseline="0" noProof="0" dirty="0">
+                <a:ln>
+                  <a:noFill/>
+                </a:ln>
+                <a:solidFill>
+                  <a:schemeClr val="tx1"/>
+                </a:solidFill>
+                <a:effectLst/>
+                <a:uLnTx/>
+                <a:uFillTx/>
+                <a:latin typeface="Times New Roman" panose="02020603050405020304" pitchFamily="18" charset="0"/>
+                <a:cs typeface="Times New Roman" panose="02020603050405020304" pitchFamily="18" charset="0"/>
+              </a:rPr>
+              <a:t> per le comunicazioni è stato scelto idoneamente, si potrebbero considerare tutti gli slave che non rispondono entro il limite di tempo come temporaneamente irraggiungibili, ignorando tutti i loro Task almeno una volta</a:t>
+            </a:r>
           </a:p>
         </p:txBody>
       </p:sp>
@@ -14047,9 +16454,8 @@
               <a:effectLst/>
               <a:uLnTx/>
               <a:uFillTx/>
-              <a:latin typeface="Calibri" panose="020F0502020204030204"/>
-              <a:ea typeface="+mn-ea"/>
-              <a:cs typeface="+mn-cs"/>
+              <a:latin typeface="Times New Roman" panose="02020603050405020304" pitchFamily="18" charset="0"/>
+              <a:cs typeface="Times New Roman" panose="02020603050405020304" pitchFamily="18" charset="0"/>
             </a:endParaRPr>
           </a:p>
         </p:txBody>
@@ -14181,41 +16587,376 @@
       </p:sp>
       <p:sp>
         <p:nvSpPr>
-          <p:cNvPr id="3" name="Subtitle 2">
+          <p:cNvPr id="4" name="Rectangle: Rounded Corners 3">
             <a:extLst>
               <a:ext uri="{FF2B5EF4-FFF2-40B4-BE49-F238E27FC236}">
-                <a16:creationId xmlns:a16="http://schemas.microsoft.com/office/drawing/2014/main" id="{FC446B2D-F94A-2F94-9904-6D62ADA65C8F}"/>
+                <a16:creationId xmlns:a16="http://schemas.microsoft.com/office/drawing/2014/main" id="{3DA8952B-6D35-690E-80DA-D4920D3FC6B7}"/>
               </a:ext>
             </a:extLst>
           </p:cNvPr>
-          <p:cNvSpPr>
-            <a:spLocks noGrp="1"/>
-          </p:cNvSpPr>
-          <p:nvPr>
-            <p:ph type="subTitle" idx="1"/>
-          </p:nvPr>
+          <p:cNvSpPr/>
+          <p:nvPr/>
         </p:nvSpPr>
         <p:spPr>
           <a:xfrm>
-            <a:off x="1159136" y="1141768"/>
-            <a:ext cx="9601200" cy="5497157"/>
+            <a:off x="932786" y="1234788"/>
+            <a:ext cx="10326425" cy="746412"/>
           </a:xfrm>
+          <a:prstGeom prst="roundRect">
+            <a:avLst/>
+          </a:prstGeom>
+          <a:solidFill>
+            <a:schemeClr val="bg1"/>
+          </a:solidFill>
+          <a:ln w="28575">
+            <a:solidFill>
+              <a:schemeClr val="tx1"/>
+            </a:solidFill>
+          </a:ln>
         </p:spPr>
+        <p:style>
+          <a:lnRef idx="2">
+            <a:schemeClr val="accent1">
+              <a:shade val="15000"/>
+            </a:schemeClr>
+          </a:lnRef>
+          <a:fillRef idx="1">
+            <a:schemeClr val="accent1"/>
+          </a:fillRef>
+          <a:effectRef idx="0">
+            <a:schemeClr val="accent1"/>
+          </a:effectRef>
+          <a:fontRef idx="minor">
+            <a:schemeClr val="lt1"/>
+          </a:fontRef>
+        </p:style>
         <p:txBody>
-          <a:bodyPr>
-            <a:normAutofit/>
-          </a:bodyPr>
+          <a:bodyPr rtlCol="0" anchor="ctr"/>
           <a:lstStyle/>
           <a:p>
-            <a:pPr algn="l">
+            <a:pPr marL="0" marR="0" lvl="0" indent="0" defTabSz="914400" rtl="0" eaLnBrk="1" fontAlgn="auto" latinLnBrk="0" hangingPunct="1">
               <a:lnSpc>
-                <a:spcPct val="200000"/>
+                <a:spcPct val="100000"/>
               </a:lnSpc>
+              <a:spcBef>
+                <a:spcPts val="0"/>
+              </a:spcBef>
+              <a:spcAft>
+                <a:spcPts val="0"/>
+              </a:spcAft>
+              <a:buClrTx/>
+              <a:buSzTx/>
+              <a:buFontTx/>
+              <a:buNone/>
+              <a:tabLst/>
+              <a:defRPr/>
             </a:pPr>
-            <a:endParaRPr lang="it-IT" dirty="0">
+            <a:r>
+              <a:rPr lang="it-IT" sz="2200" dirty="0">
+                <a:solidFill>
+                  <a:schemeClr val="tx1"/>
+                </a:solidFill>
+                <a:latin typeface="Times New Roman" panose="02020603050405020304" pitchFamily="18" charset="0"/>
+                <a:cs typeface="Times New Roman" panose="02020603050405020304" pitchFamily="18" charset="0"/>
+              </a:rPr>
+              <a:t>Ridurre l’uso del mezzo trasmissivo eseguendo solo i Task corrispondenti all’interfaccia correntemente visualizzata</a:t>
+            </a:r>
+            <a:endParaRPr kumimoji="0" lang="it-IT" sz="2200" b="0" i="0" u="none" strike="noStrike" kern="1200" cap="none" spc="0" normalizeH="0" baseline="0" noProof="0" dirty="0">
+              <a:ln>
+                <a:noFill/>
+              </a:ln>
+              <a:solidFill>
+                <a:schemeClr val="tx1"/>
+              </a:solidFill>
+              <a:effectLst/>
+              <a:uLnTx/>
+              <a:uFillTx/>
               <a:latin typeface="Times New Roman" panose="02020603050405020304" pitchFamily="18" charset="0"/>
               <a:cs typeface="Times New Roman" panose="02020603050405020304" pitchFamily="18" charset="0"/>
             </a:endParaRPr>
+          </a:p>
+        </p:txBody>
+      </p:sp>
+      <p:pic>
+        <p:nvPicPr>
+          <p:cNvPr id="13" name="Picture 12" descr="A screenshot of a computer&#10;&#10;Description automatically generated">
+            <a:extLst>
+              <a:ext uri="{FF2B5EF4-FFF2-40B4-BE49-F238E27FC236}">
+                <a16:creationId xmlns:a16="http://schemas.microsoft.com/office/drawing/2014/main" id="{440852D1-FD0A-79EB-1B2F-40F6D42F702F}"/>
+              </a:ext>
+            </a:extLst>
+          </p:cNvPr>
+          <p:cNvPicPr>
+            <a:picLocks noChangeAspect="1"/>
+          </p:cNvPicPr>
+          <p:nvPr/>
+        </p:nvPicPr>
+        <p:blipFill>
+          <a:blip r:embed="rId3"/>
+          <a:stretch>
+            <a:fillRect/>
+          </a:stretch>
+        </p:blipFill>
+        <p:spPr>
+          <a:xfrm>
+            <a:off x="932786" y="2790840"/>
+            <a:ext cx="5443590" cy="3659102"/>
+          </a:xfrm>
+          <a:prstGeom prst="rect">
+            <a:avLst/>
+          </a:prstGeom>
+        </p:spPr>
+      </p:pic>
+      <p:cxnSp>
+        <p:nvCxnSpPr>
+          <p:cNvPr id="15" name="Straight Arrow Connector 14">
+            <a:extLst>
+              <a:ext uri="{FF2B5EF4-FFF2-40B4-BE49-F238E27FC236}">
+                <a16:creationId xmlns:a16="http://schemas.microsoft.com/office/drawing/2014/main" id="{050C8FF9-F5C0-56F4-0782-9F6CFC1BD951}"/>
+              </a:ext>
+            </a:extLst>
+          </p:cNvPr>
+          <p:cNvCxnSpPr>
+            <a:cxnSpLocks/>
+          </p:cNvCxnSpPr>
+          <p:nvPr/>
+        </p:nvCxnSpPr>
+        <p:spPr>
+          <a:xfrm flipV="1">
+            <a:off x="2788305" y="3074796"/>
+            <a:ext cx="1171852" cy="1062198"/>
+          </a:xfrm>
+          <a:prstGeom prst="straightConnector1">
+            <a:avLst/>
+          </a:prstGeom>
+          <a:ln w="57150">
+            <a:solidFill>
+              <a:srgbClr val="56517E"/>
+            </a:solidFill>
+            <a:tailEnd type="triangle"/>
+          </a:ln>
+        </p:spPr>
+        <p:style>
+          <a:lnRef idx="1">
+            <a:schemeClr val="accent1"/>
+          </a:lnRef>
+          <a:fillRef idx="0">
+            <a:schemeClr val="accent1"/>
+          </a:fillRef>
+          <a:effectRef idx="0">
+            <a:schemeClr val="accent1"/>
+          </a:effectRef>
+          <a:fontRef idx="minor">
+            <a:schemeClr val="tx1"/>
+          </a:fontRef>
+        </p:style>
+      </p:cxnSp>
+      <p:pic>
+        <p:nvPicPr>
+          <p:cNvPr id="25" name="Picture 24" descr="A screenshot of a computer&#10;&#10;Description automatically generated">
+            <a:extLst>
+              <a:ext uri="{FF2B5EF4-FFF2-40B4-BE49-F238E27FC236}">
+                <a16:creationId xmlns:a16="http://schemas.microsoft.com/office/drawing/2014/main" id="{C2E53FF9-7138-2A4C-2459-57F2247AD818}"/>
+              </a:ext>
+            </a:extLst>
+          </p:cNvPr>
+          <p:cNvPicPr>
+            <a:picLocks noChangeAspect="1"/>
+          </p:cNvPicPr>
+          <p:nvPr/>
+        </p:nvPicPr>
+        <p:blipFill>
+          <a:blip r:embed="rId4"/>
+          <a:stretch>
+            <a:fillRect/>
+          </a:stretch>
+        </p:blipFill>
+        <p:spPr>
+          <a:xfrm>
+            <a:off x="6823206" y="2665234"/>
+            <a:ext cx="3885330" cy="2184432"/>
+          </a:xfrm>
+          <a:prstGeom prst="rect">
+            <a:avLst/>
+          </a:prstGeom>
+          <a:ln>
+            <a:noFill/>
+          </a:ln>
+          <a:effectLst>
+            <a:outerShdw blurRad="292100" dist="139700" dir="2700000" algn="tl" rotWithShape="0">
+              <a:srgbClr val="333333">
+                <a:alpha val="65000"/>
+              </a:srgbClr>
+            </a:outerShdw>
+          </a:effectLst>
+        </p:spPr>
+      </p:pic>
+      <p:pic>
+        <p:nvPicPr>
+          <p:cNvPr id="7" name="Graphic 6" descr="User with solid fill">
+            <a:extLst>
+              <a:ext uri="{FF2B5EF4-FFF2-40B4-BE49-F238E27FC236}">
+                <a16:creationId xmlns:a16="http://schemas.microsoft.com/office/drawing/2014/main" id="{399FA6D6-4B5C-E791-7606-CCD920C6280E}"/>
+              </a:ext>
+            </a:extLst>
+          </p:cNvPr>
+          <p:cNvPicPr>
+            <a:picLocks noChangeAspect="1"/>
+          </p:cNvPicPr>
+          <p:nvPr/>
+        </p:nvPicPr>
+        <p:blipFill>
+          <a:blip r:embed="rId5">
+            <a:extLst>
+              <a:ext uri="{96DAC541-7B7A-43D3-8B79-37D633B846F1}">
+                <asvg:svgBlip xmlns:asvg="http://schemas.microsoft.com/office/drawing/2016/SVG/main" r:embed="rId6"/>
+              </a:ext>
+            </a:extLst>
+          </a:blip>
+          <a:stretch>
+            <a:fillRect/>
+          </a:stretch>
+        </p:blipFill>
+        <p:spPr>
+          <a:xfrm>
+            <a:off x="10331736" y="4192766"/>
+            <a:ext cx="1713043" cy="1713043"/>
+          </a:xfrm>
+          <a:prstGeom prst="rect">
+            <a:avLst/>
+          </a:prstGeom>
+        </p:spPr>
+      </p:pic>
+      <p:cxnSp>
+        <p:nvCxnSpPr>
+          <p:cNvPr id="27" name="Connector: Curved 26">
+            <a:extLst>
+              <a:ext uri="{FF2B5EF4-FFF2-40B4-BE49-F238E27FC236}">
+                <a16:creationId xmlns:a16="http://schemas.microsoft.com/office/drawing/2014/main" id="{2867E284-95C5-82D3-0A53-DD164014890A}"/>
+              </a:ext>
+            </a:extLst>
+          </p:cNvPr>
+          <p:cNvCxnSpPr>
+            <a:cxnSpLocks/>
+            <a:endCxn id="25" idx="2"/>
+          </p:cNvCxnSpPr>
+          <p:nvPr/>
+        </p:nvCxnSpPr>
+        <p:spPr>
+          <a:xfrm rot="10800000">
+            <a:off x="8765871" y="4849666"/>
+            <a:ext cx="1807434" cy="773546"/>
+          </a:xfrm>
+          <a:prstGeom prst="curvedConnector2">
+            <a:avLst/>
+          </a:prstGeom>
+          <a:ln w="57150">
+            <a:solidFill>
+              <a:srgbClr val="56517E"/>
+            </a:solidFill>
+            <a:tailEnd type="triangle"/>
+          </a:ln>
+        </p:spPr>
+        <p:style>
+          <a:lnRef idx="1">
+            <a:schemeClr val="accent1"/>
+          </a:lnRef>
+          <a:fillRef idx="0">
+            <a:schemeClr val="accent1"/>
+          </a:fillRef>
+          <a:effectRef idx="0">
+            <a:schemeClr val="accent1"/>
+          </a:effectRef>
+          <a:fontRef idx="minor">
+            <a:schemeClr val="tx1"/>
+          </a:fontRef>
+        </p:style>
+      </p:cxnSp>
+      <p:sp>
+        <p:nvSpPr>
+          <p:cNvPr id="32" name="TextBox 31">
+            <a:extLst>
+              <a:ext uri="{FF2B5EF4-FFF2-40B4-BE49-F238E27FC236}">
+                <a16:creationId xmlns:a16="http://schemas.microsoft.com/office/drawing/2014/main" id="{1EAECA75-DF18-C078-0E30-21E02F9F2969}"/>
+              </a:ext>
+            </a:extLst>
+          </p:cNvPr>
+          <p:cNvSpPr txBox="1"/>
+          <p:nvPr/>
+        </p:nvSpPr>
+        <p:spPr>
+          <a:xfrm>
+            <a:off x="6923285" y="2275638"/>
+            <a:ext cx="3650020" cy="400110"/>
+          </a:xfrm>
+          <a:prstGeom prst="rect">
+            <a:avLst/>
+          </a:prstGeom>
+          <a:noFill/>
+        </p:spPr>
+        <p:txBody>
+          <a:bodyPr wrap="square" rtlCol="0">
+            <a:spAutoFit/>
+          </a:bodyPr>
+          <a:lstStyle/>
+          <a:p>
+            <a:pPr algn="ctr"/>
+            <a:r>
+              <a:rPr lang="it-IT" sz="2000" dirty="0">
+                <a:solidFill>
+                  <a:schemeClr val="accent2">
+                    <a:lumMod val="50000"/>
+                  </a:schemeClr>
+                </a:solidFill>
+                <a:latin typeface="Times New Roman" panose="02020603050405020304" pitchFamily="18" charset="0"/>
+                <a:cs typeface="Times New Roman" panose="02020603050405020304" pitchFamily="18" charset="0"/>
+              </a:rPr>
+              <a:t>Interfaccia "Diagnosi 1"</a:t>
+            </a:r>
+          </a:p>
+        </p:txBody>
+      </p:sp>
+      <p:sp>
+        <p:nvSpPr>
+          <p:cNvPr id="33" name="TextBox 32">
+            <a:extLst>
+              <a:ext uri="{FF2B5EF4-FFF2-40B4-BE49-F238E27FC236}">
+                <a16:creationId xmlns:a16="http://schemas.microsoft.com/office/drawing/2014/main" id="{7DA53E58-F89C-6D8F-EF3E-2032E807D2F0}"/>
+              </a:ext>
+            </a:extLst>
+          </p:cNvPr>
+          <p:cNvSpPr txBox="1"/>
+          <p:nvPr/>
+        </p:nvSpPr>
+        <p:spPr>
+          <a:xfrm>
+            <a:off x="8059896" y="5727951"/>
+            <a:ext cx="3650020" cy="400110"/>
+          </a:xfrm>
+          <a:prstGeom prst="rect">
+            <a:avLst/>
+          </a:prstGeom>
+          <a:noFill/>
+        </p:spPr>
+        <p:txBody>
+          <a:bodyPr wrap="square" rtlCol="0">
+            <a:spAutoFit/>
+          </a:bodyPr>
+          <a:lstStyle/>
+          <a:p>
+            <a:pPr algn="ctr"/>
+            <a:r>
+              <a:rPr lang="it-IT" sz="2000" dirty="0">
+                <a:solidFill>
+                  <a:schemeClr val="accent2">
+                    <a:lumMod val="50000"/>
+                  </a:schemeClr>
+                </a:solidFill>
+                <a:latin typeface="Times New Roman" panose="02020603050405020304" pitchFamily="18" charset="0"/>
+                <a:cs typeface="Times New Roman" panose="02020603050405020304" pitchFamily="18" charset="0"/>
+              </a:rPr>
+              <a:t>Richiesta interfaccia "Diagnosi 2"</a:t>
+            </a:r>
           </a:p>
         </p:txBody>
       </p:sp>
@@ -14229,6 +16970,393 @@
   <p:clrMapOvr>
     <a:masterClrMapping/>
   </p:clrMapOvr>
+  <p:timing>
+    <p:tnLst>
+      <p:par>
+        <p:cTn id="1" dur="indefinite" restart="never" nodeType="tmRoot">
+          <p:childTnLst>
+            <p:seq concurrent="1" nextAc="seek">
+              <p:cTn id="2" dur="indefinite" nodeType="mainSeq">
+                <p:childTnLst>
+                  <p:par>
+                    <p:cTn id="3" fill="hold">
+                      <p:stCondLst>
+                        <p:cond delay="indefinite"/>
+                      </p:stCondLst>
+                      <p:childTnLst>
+                        <p:par>
+                          <p:cTn id="4" fill="hold">
+                            <p:stCondLst>
+                              <p:cond delay="0"/>
+                            </p:stCondLst>
+                            <p:childTnLst>
+                              <p:par>
+                                <p:cTn id="5" presetID="10" presetClass="entr" presetSubtype="0" fill="hold" grpId="0" nodeType="clickEffect">
+                                  <p:stCondLst>
+                                    <p:cond delay="0"/>
+                                  </p:stCondLst>
+                                  <p:childTnLst>
+                                    <p:set>
+                                      <p:cBhvr>
+                                        <p:cTn id="6" dur="1" fill="hold">
+                                          <p:stCondLst>
+                                            <p:cond delay="0"/>
+                                          </p:stCondLst>
+                                        </p:cTn>
+                                        <p:tgtEl>
+                                          <p:spTgt spid="4"/>
+                                        </p:tgtEl>
+                                        <p:attrNameLst>
+                                          <p:attrName>style.visibility</p:attrName>
+                                        </p:attrNameLst>
+                                      </p:cBhvr>
+                                      <p:to>
+                                        <p:strVal val="visible"/>
+                                      </p:to>
+                                    </p:set>
+                                    <p:animEffect transition="in" filter="fade">
+                                      <p:cBhvr>
+                                        <p:cTn id="7" dur="500"/>
+                                        <p:tgtEl>
+                                          <p:spTgt spid="4"/>
+                                        </p:tgtEl>
+                                      </p:cBhvr>
+                                    </p:animEffect>
+                                  </p:childTnLst>
+                                </p:cTn>
+                              </p:par>
+                            </p:childTnLst>
+                          </p:cTn>
+                        </p:par>
+                      </p:childTnLst>
+                    </p:cTn>
+                  </p:par>
+                  <p:par>
+                    <p:cTn id="8" fill="hold">
+                      <p:stCondLst>
+                        <p:cond delay="indefinite"/>
+                      </p:stCondLst>
+                      <p:childTnLst>
+                        <p:par>
+                          <p:cTn id="9" fill="hold">
+                            <p:stCondLst>
+                              <p:cond delay="0"/>
+                            </p:stCondLst>
+                            <p:childTnLst>
+                              <p:par>
+                                <p:cTn id="10" presetID="10" presetClass="entr" presetSubtype="0" fill="hold" nodeType="clickEffect">
+                                  <p:stCondLst>
+                                    <p:cond delay="0"/>
+                                  </p:stCondLst>
+                                  <p:childTnLst>
+                                    <p:set>
+                                      <p:cBhvr>
+                                        <p:cTn id="11" dur="1" fill="hold">
+                                          <p:stCondLst>
+                                            <p:cond delay="0"/>
+                                          </p:stCondLst>
+                                        </p:cTn>
+                                        <p:tgtEl>
+                                          <p:spTgt spid="13"/>
+                                        </p:tgtEl>
+                                        <p:attrNameLst>
+                                          <p:attrName>style.visibility</p:attrName>
+                                        </p:attrNameLst>
+                                      </p:cBhvr>
+                                      <p:to>
+                                        <p:strVal val="visible"/>
+                                      </p:to>
+                                    </p:set>
+                                    <p:animEffect transition="in" filter="fade">
+                                      <p:cBhvr>
+                                        <p:cTn id="12" dur="500"/>
+                                        <p:tgtEl>
+                                          <p:spTgt spid="13"/>
+                                        </p:tgtEl>
+                                      </p:cBhvr>
+                                    </p:animEffect>
+                                  </p:childTnLst>
+                                </p:cTn>
+                              </p:par>
+                              <p:par>
+                                <p:cTn id="13" presetID="10" presetClass="entr" presetSubtype="0" fill="hold" nodeType="withEffect">
+                                  <p:stCondLst>
+                                    <p:cond delay="0"/>
+                                  </p:stCondLst>
+                                  <p:childTnLst>
+                                    <p:set>
+                                      <p:cBhvr>
+                                        <p:cTn id="14" dur="1" fill="hold">
+                                          <p:stCondLst>
+                                            <p:cond delay="0"/>
+                                          </p:stCondLst>
+                                        </p:cTn>
+                                        <p:tgtEl>
+                                          <p:spTgt spid="15"/>
+                                        </p:tgtEl>
+                                        <p:attrNameLst>
+                                          <p:attrName>style.visibility</p:attrName>
+                                        </p:attrNameLst>
+                                      </p:cBhvr>
+                                      <p:to>
+                                        <p:strVal val="visible"/>
+                                      </p:to>
+                                    </p:set>
+                                    <p:animEffect transition="in" filter="fade">
+                                      <p:cBhvr>
+                                        <p:cTn id="15" dur="500"/>
+                                        <p:tgtEl>
+                                          <p:spTgt spid="15"/>
+                                        </p:tgtEl>
+                                      </p:cBhvr>
+                                    </p:animEffect>
+                                  </p:childTnLst>
+                                </p:cTn>
+                              </p:par>
+                            </p:childTnLst>
+                          </p:cTn>
+                        </p:par>
+                      </p:childTnLst>
+                    </p:cTn>
+                  </p:par>
+                  <p:par>
+                    <p:cTn id="16" fill="hold">
+                      <p:stCondLst>
+                        <p:cond delay="indefinite"/>
+                      </p:stCondLst>
+                      <p:childTnLst>
+                        <p:par>
+                          <p:cTn id="17" fill="hold">
+                            <p:stCondLst>
+                              <p:cond delay="0"/>
+                            </p:stCondLst>
+                            <p:childTnLst>
+                              <p:par>
+                                <p:cTn id="18" presetID="10" presetClass="entr" presetSubtype="0" fill="hold" grpId="0" nodeType="clickEffect">
+                                  <p:stCondLst>
+                                    <p:cond delay="0"/>
+                                  </p:stCondLst>
+                                  <p:childTnLst>
+                                    <p:set>
+                                      <p:cBhvr>
+                                        <p:cTn id="19" dur="1" fill="hold">
+                                          <p:stCondLst>
+                                            <p:cond delay="0"/>
+                                          </p:stCondLst>
+                                        </p:cTn>
+                                        <p:tgtEl>
+                                          <p:spTgt spid="32"/>
+                                        </p:tgtEl>
+                                        <p:attrNameLst>
+                                          <p:attrName>style.visibility</p:attrName>
+                                        </p:attrNameLst>
+                                      </p:cBhvr>
+                                      <p:to>
+                                        <p:strVal val="visible"/>
+                                      </p:to>
+                                    </p:set>
+                                    <p:animEffect transition="in" filter="fade">
+                                      <p:cBhvr>
+                                        <p:cTn id="20" dur="500"/>
+                                        <p:tgtEl>
+                                          <p:spTgt spid="32"/>
+                                        </p:tgtEl>
+                                      </p:cBhvr>
+                                    </p:animEffect>
+                                  </p:childTnLst>
+                                </p:cTn>
+                              </p:par>
+                              <p:par>
+                                <p:cTn id="21" presetID="10" presetClass="entr" presetSubtype="0" fill="hold" nodeType="withEffect">
+                                  <p:stCondLst>
+                                    <p:cond delay="0"/>
+                                  </p:stCondLst>
+                                  <p:childTnLst>
+                                    <p:set>
+                                      <p:cBhvr>
+                                        <p:cTn id="22" dur="1" fill="hold">
+                                          <p:stCondLst>
+                                            <p:cond delay="0"/>
+                                          </p:stCondLst>
+                                        </p:cTn>
+                                        <p:tgtEl>
+                                          <p:spTgt spid="25"/>
+                                        </p:tgtEl>
+                                        <p:attrNameLst>
+                                          <p:attrName>style.visibility</p:attrName>
+                                        </p:attrNameLst>
+                                      </p:cBhvr>
+                                      <p:to>
+                                        <p:strVal val="visible"/>
+                                      </p:to>
+                                    </p:set>
+                                    <p:animEffect transition="in" filter="fade">
+                                      <p:cBhvr>
+                                        <p:cTn id="23" dur="500"/>
+                                        <p:tgtEl>
+                                          <p:spTgt spid="25"/>
+                                        </p:tgtEl>
+                                      </p:cBhvr>
+                                    </p:animEffect>
+                                  </p:childTnLst>
+                                </p:cTn>
+                              </p:par>
+                              <p:par>
+                                <p:cTn id="24" presetID="10" presetClass="entr" presetSubtype="0" fill="hold" nodeType="withEffect">
+                                  <p:stCondLst>
+                                    <p:cond delay="0"/>
+                                  </p:stCondLst>
+                                  <p:childTnLst>
+                                    <p:set>
+                                      <p:cBhvr>
+                                        <p:cTn id="25" dur="1" fill="hold">
+                                          <p:stCondLst>
+                                            <p:cond delay="0"/>
+                                          </p:stCondLst>
+                                        </p:cTn>
+                                        <p:tgtEl>
+                                          <p:spTgt spid="7"/>
+                                        </p:tgtEl>
+                                        <p:attrNameLst>
+                                          <p:attrName>style.visibility</p:attrName>
+                                        </p:attrNameLst>
+                                      </p:cBhvr>
+                                      <p:to>
+                                        <p:strVal val="visible"/>
+                                      </p:to>
+                                    </p:set>
+                                    <p:animEffect transition="in" filter="fade">
+                                      <p:cBhvr>
+                                        <p:cTn id="26" dur="500"/>
+                                        <p:tgtEl>
+                                          <p:spTgt spid="7"/>
+                                        </p:tgtEl>
+                                      </p:cBhvr>
+                                    </p:animEffect>
+                                  </p:childTnLst>
+                                </p:cTn>
+                              </p:par>
+                            </p:childTnLst>
+                          </p:cTn>
+                        </p:par>
+                      </p:childTnLst>
+                    </p:cTn>
+                  </p:par>
+                  <p:par>
+                    <p:cTn id="27" fill="hold">
+                      <p:stCondLst>
+                        <p:cond delay="indefinite"/>
+                      </p:stCondLst>
+                      <p:childTnLst>
+                        <p:par>
+                          <p:cTn id="28" fill="hold">
+                            <p:stCondLst>
+                              <p:cond delay="0"/>
+                            </p:stCondLst>
+                            <p:childTnLst>
+                              <p:par>
+                                <p:cTn id="29" presetID="10" presetClass="entr" presetSubtype="0" fill="hold" grpId="0" nodeType="clickEffect">
+                                  <p:stCondLst>
+                                    <p:cond delay="0"/>
+                                  </p:stCondLst>
+                                  <p:childTnLst>
+                                    <p:set>
+                                      <p:cBhvr>
+                                        <p:cTn id="30" dur="1" fill="hold">
+                                          <p:stCondLst>
+                                            <p:cond delay="0"/>
+                                          </p:stCondLst>
+                                        </p:cTn>
+                                        <p:tgtEl>
+                                          <p:spTgt spid="33"/>
+                                        </p:tgtEl>
+                                        <p:attrNameLst>
+                                          <p:attrName>style.visibility</p:attrName>
+                                        </p:attrNameLst>
+                                      </p:cBhvr>
+                                      <p:to>
+                                        <p:strVal val="visible"/>
+                                      </p:to>
+                                    </p:set>
+                                    <p:animEffect transition="in" filter="fade">
+                                      <p:cBhvr>
+                                        <p:cTn id="31" dur="500"/>
+                                        <p:tgtEl>
+                                          <p:spTgt spid="33"/>
+                                        </p:tgtEl>
+                                      </p:cBhvr>
+                                    </p:animEffect>
+                                  </p:childTnLst>
+                                </p:cTn>
+                              </p:par>
+                              <p:par>
+                                <p:cTn id="32" presetID="10" presetClass="entr" presetSubtype="0" fill="hold" nodeType="withEffect">
+                                  <p:stCondLst>
+                                    <p:cond delay="0"/>
+                                  </p:stCondLst>
+                                  <p:childTnLst>
+                                    <p:set>
+                                      <p:cBhvr>
+                                        <p:cTn id="33" dur="1" fill="hold">
+                                          <p:stCondLst>
+                                            <p:cond delay="0"/>
+                                          </p:stCondLst>
+                                        </p:cTn>
+                                        <p:tgtEl>
+                                          <p:spTgt spid="27"/>
+                                        </p:tgtEl>
+                                        <p:attrNameLst>
+                                          <p:attrName>style.visibility</p:attrName>
+                                        </p:attrNameLst>
+                                      </p:cBhvr>
+                                      <p:to>
+                                        <p:strVal val="visible"/>
+                                      </p:to>
+                                    </p:set>
+                                    <p:animEffect transition="in" filter="fade">
+                                      <p:cBhvr>
+                                        <p:cTn id="34" dur="500"/>
+                                        <p:tgtEl>
+                                          <p:spTgt spid="27"/>
+                                        </p:tgtEl>
+                                      </p:cBhvr>
+                                    </p:animEffect>
+                                  </p:childTnLst>
+                                </p:cTn>
+                              </p:par>
+                            </p:childTnLst>
+                          </p:cTn>
+                        </p:par>
+                      </p:childTnLst>
+                    </p:cTn>
+                  </p:par>
+                </p:childTnLst>
+              </p:cTn>
+              <p:prevCondLst>
+                <p:cond evt="onPrev" delay="0">
+                  <p:tgtEl>
+                    <p:sldTgt/>
+                  </p:tgtEl>
+                </p:cond>
+              </p:prevCondLst>
+              <p:nextCondLst>
+                <p:cond evt="onNext" delay="0">
+                  <p:tgtEl>
+                    <p:sldTgt/>
+                  </p:tgtEl>
+                </p:cond>
+              </p:nextCondLst>
+            </p:seq>
+          </p:childTnLst>
+        </p:cTn>
+      </p:par>
+    </p:tnLst>
+    <p:bldLst>
+      <p:bldP spid="4" grpId="0" animBg="1"/>
+      <p:bldP spid="32" grpId="0"/>
+      <p:bldP spid="33" grpId="0"/>
+    </p:bldLst>
+  </p:timing>
 </p:sld>
 </file>
 
@@ -14352,9 +17480,9 @@
               <a:effectLst/>
               <a:uLnTx/>
               <a:uFillTx/>
-              <a:latin typeface="Calibri" panose="020F0502020204030204"/>
+              <a:latin typeface="Times New Roman" panose="02020603050405020304" pitchFamily="18" charset="0"/>
               <a:ea typeface="+mn-ea"/>
-              <a:cs typeface="+mn-cs"/>
+              <a:cs typeface="Times New Roman" panose="02020603050405020304" pitchFamily="18" charset="0"/>
             </a:endParaRPr>
           </a:p>
         </p:txBody>
@@ -14373,8 +17501,8 @@
         </p:nvSpPr>
         <p:spPr>
           <a:xfrm>
-            <a:off x="4722919" y="253713"/>
-            <a:ext cx="2752079" cy="536232"/>
+            <a:off x="3941685" y="253713"/>
+            <a:ext cx="4341181" cy="536232"/>
           </a:xfrm>
           <a:prstGeom prst="roundRect">
             <a:avLst/>
@@ -14479,57 +17607,103 @@
                 <a:ea typeface="Cambria Math" panose="02040503050406030204" pitchFamily="18" charset="0"/>
                 <a:cs typeface="Times New Roman" panose="02020603050405020304" pitchFamily="18" charset="0"/>
               </a:rPr>
-              <a:t>Gestione utenti</a:t>
+              <a:t>Comportamenti selettivi</a:t>
             </a:r>
           </a:p>
         </p:txBody>
       </p:sp>
       <p:sp>
         <p:nvSpPr>
-          <p:cNvPr id="3" name="Subtitle 2">
+          <p:cNvPr id="4" name="Rectangle: Rounded Corners 3">
             <a:extLst>
               <a:ext uri="{FF2B5EF4-FFF2-40B4-BE49-F238E27FC236}">
-                <a16:creationId xmlns:a16="http://schemas.microsoft.com/office/drawing/2014/main" id="{FC446B2D-F94A-2F94-9904-6D62ADA65C8F}"/>
+                <a16:creationId xmlns:a16="http://schemas.microsoft.com/office/drawing/2014/main" id="{3DA8952B-6D35-690E-80DA-D4920D3FC6B7}"/>
               </a:ext>
             </a:extLst>
           </p:cNvPr>
-          <p:cNvSpPr>
-            <a:spLocks noGrp="1"/>
-          </p:cNvSpPr>
-          <p:nvPr>
-            <p:ph type="subTitle" idx="1"/>
-          </p:nvPr>
+          <p:cNvSpPr/>
+          <p:nvPr/>
         </p:nvSpPr>
         <p:spPr>
           <a:xfrm>
-            <a:off x="1159136" y="1141768"/>
-            <a:ext cx="9601200" cy="5497157"/>
+            <a:off x="932786" y="1234788"/>
+            <a:ext cx="10326425" cy="746412"/>
           </a:xfrm>
+          <a:prstGeom prst="roundRect">
+            <a:avLst/>
+          </a:prstGeom>
+          <a:solidFill>
+            <a:schemeClr val="bg1"/>
+          </a:solidFill>
+          <a:ln w="28575">
+            <a:solidFill>
+              <a:schemeClr val="tx1"/>
+            </a:solidFill>
+          </a:ln>
         </p:spPr>
+        <p:style>
+          <a:lnRef idx="2">
+            <a:schemeClr val="accent1">
+              <a:shade val="15000"/>
+            </a:schemeClr>
+          </a:lnRef>
+          <a:fillRef idx="1">
+            <a:schemeClr val="accent1"/>
+          </a:fillRef>
+          <a:effectRef idx="0">
+            <a:schemeClr val="accent1"/>
+          </a:effectRef>
+          <a:fontRef idx="minor">
+            <a:schemeClr val="lt1"/>
+          </a:fontRef>
+        </p:style>
         <p:txBody>
-          <a:bodyPr>
-            <a:normAutofit/>
-          </a:bodyPr>
+          <a:bodyPr rtlCol="0" anchor="ctr"/>
           <a:lstStyle/>
           <a:p>
-            <a:pPr algn="l">
+            <a:pPr marL="0" marR="0" lvl="0" indent="0" algn="l" defTabSz="914400" rtl="0" eaLnBrk="1" fontAlgn="auto" latinLnBrk="0" hangingPunct="1">
               <a:lnSpc>
-                <a:spcPct val="200000"/>
+                <a:spcPct val="100000"/>
               </a:lnSpc>
+              <a:spcBef>
+                <a:spcPts val="0"/>
+              </a:spcBef>
+              <a:spcAft>
+                <a:spcPts val="0"/>
+              </a:spcAft>
+              <a:buClrTx/>
+              <a:buSzTx/>
+              <a:buFontTx/>
+              <a:buNone/>
+              <a:tabLst/>
+              <a:defRPr/>
             </a:pPr>
-            <a:endParaRPr lang="it-IT" dirty="0">
-              <a:latin typeface="Times New Roman" panose="02020603050405020304" pitchFamily="18" charset="0"/>
-              <a:cs typeface="Times New Roman" panose="02020603050405020304" pitchFamily="18" charset="0"/>
-            </a:endParaRPr>
+            <a:r>
+              <a:rPr kumimoji="0" lang="it-IT" sz="2200" b="0" i="0" u="none" strike="noStrike" kern="1200" cap="none" spc="0" normalizeH="0" baseline="0" noProof="0" dirty="0">
+                <a:ln>
+                  <a:noFill/>
+                </a:ln>
+                <a:solidFill>
+                  <a:prstClr val="black"/>
+                </a:solidFill>
+                <a:effectLst/>
+                <a:uLnTx/>
+                <a:uFillTx/>
+                <a:latin typeface="Times New Roman" panose="02020603050405020304" pitchFamily="18" charset="0"/>
+                <a:ea typeface="+mn-ea"/>
+                <a:cs typeface="Times New Roman" panose="02020603050405020304" pitchFamily="18" charset="0"/>
+              </a:rPr>
+              <a:t>Ridurre l’uso del mezzo trasmissivo eseguendo solo i Task corrispondenti all’interfaccia correntemente visualizzata</a:t>
+            </a:r>
           </a:p>
         </p:txBody>
       </p:sp>
       <p:pic>
         <p:nvPicPr>
-          <p:cNvPr id="5" name="Picture 4" descr="A screenshot of a computer code&#10;&#10;Description automatically generated">
+          <p:cNvPr id="13" name="Picture 12" descr="A screenshot of a computer&#10;&#10;Description automatically generated">
             <a:extLst>
               <a:ext uri="{FF2B5EF4-FFF2-40B4-BE49-F238E27FC236}">
-                <a16:creationId xmlns:a16="http://schemas.microsoft.com/office/drawing/2014/main" id="{6637A2EA-86A3-7E84-C49D-5153FEA12FE6}"/>
+                <a16:creationId xmlns:a16="http://schemas.microsoft.com/office/drawing/2014/main" id="{440852D1-FD0A-79EB-1B2F-40F6D42F702F}"/>
               </a:ext>
             </a:extLst>
           </p:cNvPr>
@@ -14546,24 +17720,343 @@
         </p:blipFill>
         <p:spPr>
           <a:xfrm>
-            <a:off x="2350372" y="4864027"/>
-            <a:ext cx="7218727" cy="1220432"/>
+            <a:off x="932786" y="2790840"/>
+            <a:ext cx="5443590" cy="3659102"/>
           </a:xfrm>
           <a:prstGeom prst="rect">
             <a:avLst/>
           </a:prstGeom>
         </p:spPr>
       </p:pic>
+      <p:cxnSp>
+        <p:nvCxnSpPr>
+          <p:cNvPr id="15" name="Straight Arrow Connector 14">
+            <a:extLst>
+              <a:ext uri="{FF2B5EF4-FFF2-40B4-BE49-F238E27FC236}">
+                <a16:creationId xmlns:a16="http://schemas.microsoft.com/office/drawing/2014/main" id="{050C8FF9-F5C0-56F4-0782-9F6CFC1BD951}"/>
+              </a:ext>
+            </a:extLst>
+          </p:cNvPr>
+          <p:cNvCxnSpPr>
+            <a:cxnSpLocks/>
+          </p:cNvCxnSpPr>
+          <p:nvPr/>
+        </p:nvCxnSpPr>
+        <p:spPr>
+          <a:xfrm>
+            <a:off x="2788305" y="4136994"/>
+            <a:ext cx="1171852" cy="0"/>
+          </a:xfrm>
+          <a:prstGeom prst="straightConnector1">
+            <a:avLst/>
+          </a:prstGeom>
+          <a:ln w="57150">
+            <a:solidFill>
+              <a:srgbClr val="56517E"/>
+            </a:solidFill>
+            <a:tailEnd type="triangle"/>
+          </a:ln>
+        </p:spPr>
+        <p:style>
+          <a:lnRef idx="1">
+            <a:schemeClr val="accent1"/>
+          </a:lnRef>
+          <a:fillRef idx="0">
+            <a:schemeClr val="accent1"/>
+          </a:fillRef>
+          <a:effectRef idx="0">
+            <a:schemeClr val="accent1"/>
+          </a:effectRef>
+          <a:fontRef idx="minor">
+            <a:schemeClr val="tx1"/>
+          </a:fontRef>
+        </p:style>
+      </p:cxnSp>
+      <p:pic>
+        <p:nvPicPr>
+          <p:cNvPr id="25" name="Picture 24">
+            <a:extLst>
+              <a:ext uri="{FF2B5EF4-FFF2-40B4-BE49-F238E27FC236}">
+                <a16:creationId xmlns:a16="http://schemas.microsoft.com/office/drawing/2014/main" id="{C2E53FF9-7138-2A4C-2459-57F2247AD818}"/>
+              </a:ext>
+            </a:extLst>
+          </p:cNvPr>
+          <p:cNvPicPr>
+            <a:picLocks noChangeAspect="1"/>
+          </p:cNvPicPr>
+          <p:nvPr/>
+        </p:nvPicPr>
+        <p:blipFill>
+          <a:blip r:embed="rId4"/>
+          <a:srcRect/>
+          <a:stretch/>
+        </p:blipFill>
+        <p:spPr>
+          <a:xfrm>
+            <a:off x="6824628" y="2665234"/>
+            <a:ext cx="3882486" cy="2184432"/>
+          </a:xfrm>
+          <a:prstGeom prst="rect">
+            <a:avLst/>
+          </a:prstGeom>
+          <a:ln>
+            <a:noFill/>
+          </a:ln>
+          <a:effectLst>
+            <a:outerShdw blurRad="292100" dist="139700" dir="2700000" algn="tl" rotWithShape="0">
+              <a:srgbClr val="333333">
+                <a:alpha val="65000"/>
+              </a:srgbClr>
+            </a:outerShdw>
+          </a:effectLst>
+        </p:spPr>
+      </p:pic>
+      <p:pic>
+        <p:nvPicPr>
+          <p:cNvPr id="7" name="Graphic 6" descr="User with solid fill">
+            <a:extLst>
+              <a:ext uri="{FF2B5EF4-FFF2-40B4-BE49-F238E27FC236}">
+                <a16:creationId xmlns:a16="http://schemas.microsoft.com/office/drawing/2014/main" id="{399FA6D6-4B5C-E791-7606-CCD920C6280E}"/>
+              </a:ext>
+            </a:extLst>
+          </p:cNvPr>
+          <p:cNvPicPr>
+            <a:picLocks noChangeAspect="1"/>
+          </p:cNvPicPr>
+          <p:nvPr/>
+        </p:nvPicPr>
+        <p:blipFill>
+          <a:blip r:embed="rId5">
+            <a:extLst>
+              <a:ext uri="{96DAC541-7B7A-43D3-8B79-37D633B846F1}">
+                <asvg:svgBlip xmlns:asvg="http://schemas.microsoft.com/office/drawing/2016/SVG/main" r:embed="rId6"/>
+              </a:ext>
+            </a:extLst>
+          </a:blip>
+          <a:stretch>
+            <a:fillRect/>
+          </a:stretch>
+        </p:blipFill>
+        <p:spPr>
+          <a:xfrm>
+            <a:off x="10331736" y="4192766"/>
+            <a:ext cx="1713043" cy="1713043"/>
+          </a:xfrm>
+          <a:prstGeom prst="rect">
+            <a:avLst/>
+          </a:prstGeom>
+        </p:spPr>
+      </p:pic>
+      <p:sp>
+        <p:nvSpPr>
+          <p:cNvPr id="32" name="TextBox 31">
+            <a:extLst>
+              <a:ext uri="{FF2B5EF4-FFF2-40B4-BE49-F238E27FC236}">
+                <a16:creationId xmlns:a16="http://schemas.microsoft.com/office/drawing/2014/main" id="{1EAECA75-DF18-C078-0E30-21E02F9F2969}"/>
+              </a:ext>
+            </a:extLst>
+          </p:cNvPr>
+          <p:cNvSpPr txBox="1"/>
+          <p:nvPr/>
+        </p:nvSpPr>
+        <p:spPr>
+          <a:xfrm>
+            <a:off x="6923285" y="2275638"/>
+            <a:ext cx="3650020" cy="400110"/>
+          </a:xfrm>
+          <a:prstGeom prst="rect">
+            <a:avLst/>
+          </a:prstGeom>
+          <a:noFill/>
+        </p:spPr>
+        <p:txBody>
+          <a:bodyPr wrap="square" rtlCol="0">
+            <a:spAutoFit/>
+          </a:bodyPr>
+          <a:lstStyle/>
+          <a:p>
+            <a:pPr marL="0" marR="0" lvl="0" indent="0" algn="ctr" defTabSz="914400" rtl="0" eaLnBrk="1" fontAlgn="auto" latinLnBrk="0" hangingPunct="1">
+              <a:lnSpc>
+                <a:spcPct val="100000"/>
+              </a:lnSpc>
+              <a:spcBef>
+                <a:spcPts val="0"/>
+              </a:spcBef>
+              <a:spcAft>
+                <a:spcPts val="0"/>
+              </a:spcAft>
+              <a:buClrTx/>
+              <a:buSzTx/>
+              <a:buFontTx/>
+              <a:buNone/>
+              <a:tabLst/>
+              <a:defRPr/>
+            </a:pPr>
+            <a:r>
+              <a:rPr kumimoji="0" lang="it-IT" sz="2000" b="0" i="0" u="none" strike="noStrike" kern="1200" cap="none" spc="0" normalizeH="0" baseline="0" noProof="0" dirty="0">
+                <a:ln>
+                  <a:noFill/>
+                </a:ln>
+                <a:solidFill>
+                  <a:srgbClr val="ED7D31">
+                    <a:lumMod val="50000"/>
+                  </a:srgbClr>
+                </a:solidFill>
+                <a:effectLst/>
+                <a:uLnTx/>
+                <a:uFillTx/>
+                <a:latin typeface="Times New Roman" panose="02020603050405020304" pitchFamily="18" charset="0"/>
+                <a:ea typeface="+mn-ea"/>
+                <a:cs typeface="Times New Roman" panose="02020603050405020304" pitchFamily="18" charset="0"/>
+              </a:rPr>
+              <a:t>Interfaccia "Diagnosi 2"</a:t>
+            </a:r>
+          </a:p>
+        </p:txBody>
+      </p:sp>
     </p:spTree>
     <p:extLst>
       <p:ext uri="{BB962C8B-B14F-4D97-AF65-F5344CB8AC3E}">
-        <p14:creationId xmlns:p14="http://schemas.microsoft.com/office/powerpoint/2010/main" val="3307964588"/>
+        <p14:creationId xmlns:p14="http://schemas.microsoft.com/office/powerpoint/2010/main" val="2240789017"/>
       </p:ext>
     </p:extLst>
   </p:cSld>
   <p:clrMapOvr>
     <a:masterClrMapping/>
   </p:clrMapOvr>
+  <mc:AlternateContent xmlns:mc="http://schemas.openxmlformats.org/markup-compatibility/2006">
+    <mc:Choice xmlns:p14="http://schemas.microsoft.com/office/powerpoint/2010/main" Requires="p14">
+      <p:transition spd="med" p14:dur="700">
+        <p:fade/>
+      </p:transition>
+    </mc:Choice>
+    <mc:Fallback>
+      <p:transition spd="med">
+        <p:fade/>
+      </p:transition>
+    </mc:Fallback>
+  </mc:AlternateContent>
+  <p:timing>
+    <p:tnLst>
+      <p:par>
+        <p:cTn id="1" dur="indefinite" restart="never" nodeType="tmRoot">
+          <p:childTnLst>
+            <p:seq concurrent="1" nextAc="seek">
+              <p:cTn id="2" dur="indefinite" nodeType="mainSeq">
+                <p:childTnLst>
+                  <p:par>
+                    <p:cTn id="3" fill="hold">
+                      <p:stCondLst>
+                        <p:cond delay="indefinite"/>
+                        <p:cond evt="onBegin" delay="0">
+                          <p:tn val="2"/>
+                        </p:cond>
+                      </p:stCondLst>
+                      <p:childTnLst>
+                        <p:par>
+                          <p:cTn id="4" fill="hold">
+                            <p:stCondLst>
+                              <p:cond delay="0"/>
+                            </p:stCondLst>
+                            <p:childTnLst>
+                              <p:par>
+                                <p:cTn id="5" presetID="10" presetClass="entr" presetSubtype="0" fill="hold" nodeType="withEffect">
+                                  <p:stCondLst>
+                                    <p:cond delay="0"/>
+                                  </p:stCondLst>
+                                  <p:childTnLst>
+                                    <p:set>
+                                      <p:cBhvr>
+                                        <p:cTn id="6" dur="1" fill="hold">
+                                          <p:stCondLst>
+                                            <p:cond delay="0"/>
+                                          </p:stCondLst>
+                                        </p:cTn>
+                                        <p:tgtEl>
+                                          <p:spTgt spid="25"/>
+                                        </p:tgtEl>
+                                        <p:attrNameLst>
+                                          <p:attrName>style.visibility</p:attrName>
+                                        </p:attrNameLst>
+                                      </p:cBhvr>
+                                      <p:to>
+                                        <p:strVal val="visible"/>
+                                      </p:to>
+                                    </p:set>
+                                    <p:animEffect transition="in" filter="fade">
+                                      <p:cBhvr>
+                                        <p:cTn id="7" dur="500"/>
+                                        <p:tgtEl>
+                                          <p:spTgt spid="25"/>
+                                        </p:tgtEl>
+                                      </p:cBhvr>
+                                    </p:animEffect>
+                                  </p:childTnLst>
+                                </p:cTn>
+                              </p:par>
+                              <p:par>
+                                <p:cTn id="8" presetID="10" presetClass="entr" presetSubtype="0" fill="hold" nodeType="withEffect">
+                                  <p:stCondLst>
+                                    <p:cond delay="0"/>
+                                  </p:stCondLst>
+                                  <p:childTnLst>
+                                    <p:set>
+                                      <p:cBhvr>
+                                        <p:cTn id="9" dur="1" fill="hold">
+                                          <p:stCondLst>
+                                            <p:cond delay="0"/>
+                                          </p:stCondLst>
+                                        </p:cTn>
+                                        <p:tgtEl>
+                                          <p:spTgt spid="7"/>
+                                        </p:tgtEl>
+                                        <p:attrNameLst>
+                                          <p:attrName>style.visibility</p:attrName>
+                                        </p:attrNameLst>
+                                      </p:cBhvr>
+                                      <p:to>
+                                        <p:strVal val="visible"/>
+                                      </p:to>
+                                    </p:set>
+                                    <p:animEffect transition="in" filter="fade">
+                                      <p:cBhvr>
+                                        <p:cTn id="10" dur="500"/>
+                                        <p:tgtEl>
+                                          <p:spTgt spid="7"/>
+                                        </p:tgtEl>
+                                      </p:cBhvr>
+                                    </p:animEffect>
+                                  </p:childTnLst>
+                                </p:cTn>
+                              </p:par>
+                            </p:childTnLst>
+                          </p:cTn>
+                        </p:par>
+                      </p:childTnLst>
+                    </p:cTn>
+                  </p:par>
+                </p:childTnLst>
+              </p:cTn>
+              <p:prevCondLst>
+                <p:cond evt="onPrev" delay="0">
+                  <p:tgtEl>
+                    <p:sldTgt/>
+                  </p:tgtEl>
+                </p:cond>
+              </p:prevCondLst>
+              <p:nextCondLst>
+                <p:cond evt="onNext" delay="0">
+                  <p:tgtEl>
+                    <p:sldTgt/>
+                  </p:tgtEl>
+                </p:cond>
+              </p:nextCondLst>
+            </p:seq>
+          </p:childTnLst>
+        </p:cTn>
+      </p:par>
+    </p:tnLst>
+  </p:timing>
 </p:sld>
 </file>
 
@@ -14708,8 +18201,8 @@
         </p:nvSpPr>
         <p:spPr>
           <a:xfrm>
-            <a:off x="4492101" y="253713"/>
-            <a:ext cx="3213716" cy="536232"/>
+            <a:off x="4722919" y="253713"/>
+            <a:ext cx="2752079" cy="536232"/>
           </a:xfrm>
           <a:prstGeom prst="roundRect">
             <a:avLst/>
@@ -14814,7 +18307,7 @@
                 <a:ea typeface="Cambria Math" panose="02040503050406030204" pitchFamily="18" charset="0"/>
                 <a:cs typeface="Times New Roman" panose="02020603050405020304" pitchFamily="18" charset="0"/>
               </a:rPr>
-              <a:t>Risultati ottenuti</a:t>
+              <a:t>Gestione utenti</a:t>
             </a:r>
           </a:p>
         </p:txBody>
@@ -14859,216 +18352,46 @@
           </a:p>
         </p:txBody>
       </p:sp>
-      <p:graphicFrame>
-        <p:nvGraphicFramePr>
-          <p:cNvPr id="4" name="Chart 3">
+      <p:pic>
+        <p:nvPicPr>
+          <p:cNvPr id="5" name="Picture 4" descr="A screenshot of a computer code&#10;&#10;Description automatically generated">
             <a:extLst>
               <a:ext uri="{FF2B5EF4-FFF2-40B4-BE49-F238E27FC236}">
-                <a16:creationId xmlns:a16="http://schemas.microsoft.com/office/drawing/2014/main" id="{B2E7BEBD-EAB7-1AAB-6BAA-84C75C558318}"/>
+                <a16:creationId xmlns:a16="http://schemas.microsoft.com/office/drawing/2014/main" id="{6637A2EA-86A3-7E84-C49D-5153FEA12FE6}"/>
               </a:ext>
             </a:extLst>
           </p:cNvPr>
-          <p:cNvGraphicFramePr/>
-          <p:nvPr>
-            <p:extLst>
-              <p:ext uri="{D42A27DB-BD31-4B8C-83A1-F6EECF244321}">
-                <p14:modId xmlns:p14="http://schemas.microsoft.com/office/powerpoint/2010/main" val="3371284583"/>
-              </p:ext>
-            </p:extLst>
-          </p:nvPr>
-        </p:nvGraphicFramePr>
-        <p:xfrm>
-          <a:off x="1159135" y="1014684"/>
-          <a:ext cx="9601199" cy="3557340"/>
-        </p:xfrm>
-        <a:graphic>
-          <a:graphicData uri="http://schemas.openxmlformats.org/drawingml/2006/chart">
-            <c:chart xmlns:c="http://schemas.openxmlformats.org/drawingml/2006/chart" xmlns:r="http://schemas.openxmlformats.org/officeDocument/2006/relationships" r:id="rId3"/>
-          </a:graphicData>
-        </a:graphic>
-      </p:graphicFrame>
-      <p:graphicFrame>
-        <p:nvGraphicFramePr>
-          <p:cNvPr id="5" name="Chart 4">
-            <a:extLst>
-              <a:ext uri="{FF2B5EF4-FFF2-40B4-BE49-F238E27FC236}">
-                <a16:creationId xmlns:a16="http://schemas.microsoft.com/office/drawing/2014/main" id="{BAE0486B-E2E0-7345-7538-25A789DF212E}"/>
-              </a:ext>
-            </a:extLst>
-          </p:cNvPr>
-          <p:cNvGraphicFramePr/>
-          <p:nvPr>
-            <p:extLst>
-              <p:ext uri="{D42A27DB-BD31-4B8C-83A1-F6EECF244321}">
-                <p14:modId xmlns:p14="http://schemas.microsoft.com/office/powerpoint/2010/main" val="1460179505"/>
-              </p:ext>
-            </p:extLst>
-          </p:nvPr>
-        </p:nvGraphicFramePr>
-        <p:xfrm>
-          <a:off x="1159135" y="4696299"/>
-          <a:ext cx="9601199" cy="1907988"/>
-        </p:xfrm>
-        <a:graphic>
-          <a:graphicData uri="http://schemas.openxmlformats.org/drawingml/2006/chart">
-            <c:chart xmlns:c="http://schemas.openxmlformats.org/drawingml/2006/chart" xmlns:r="http://schemas.openxmlformats.org/officeDocument/2006/relationships" r:id="rId4"/>
-          </a:graphicData>
-        </a:graphic>
-      </p:graphicFrame>
+          <p:cNvPicPr>
+            <a:picLocks noChangeAspect="1"/>
+          </p:cNvPicPr>
+          <p:nvPr/>
+        </p:nvPicPr>
+        <p:blipFill>
+          <a:blip r:embed="rId3"/>
+          <a:stretch>
+            <a:fillRect/>
+          </a:stretch>
+        </p:blipFill>
+        <p:spPr>
+          <a:xfrm>
+            <a:off x="1961018" y="4676775"/>
+            <a:ext cx="8269964" cy="1398159"/>
+          </a:xfrm>
+          <a:prstGeom prst="rect">
+            <a:avLst/>
+          </a:prstGeom>
+        </p:spPr>
+      </p:pic>
     </p:spTree>
     <p:extLst>
       <p:ext uri="{BB962C8B-B14F-4D97-AF65-F5344CB8AC3E}">
-        <p14:creationId xmlns:p14="http://schemas.microsoft.com/office/powerpoint/2010/main" val="288775268"/>
+        <p14:creationId xmlns:p14="http://schemas.microsoft.com/office/powerpoint/2010/main" val="3307964588"/>
       </p:ext>
     </p:extLst>
   </p:cSld>
   <p:clrMapOvr>
     <a:masterClrMapping/>
   </p:clrMapOvr>
-  <p:timing>
-    <p:tnLst>
-      <p:par>
-        <p:cTn id="1" dur="indefinite" restart="never" nodeType="tmRoot">
-          <p:childTnLst>
-            <p:seq concurrent="1" nextAc="seek">
-              <p:cTn id="2" dur="indefinite" nodeType="mainSeq">
-                <p:childTnLst>
-                  <p:par>
-                    <p:cTn id="3" fill="hold">
-                      <p:stCondLst>
-                        <p:cond delay="indefinite"/>
-                      </p:stCondLst>
-                      <p:childTnLst>
-                        <p:par>
-                          <p:cTn id="4" fill="hold">
-                            <p:stCondLst>
-                              <p:cond delay="0"/>
-                            </p:stCondLst>
-                            <p:childTnLst>
-                              <p:par>
-                                <p:cTn id="5" presetID="10" presetClass="entr" presetSubtype="0" fill="hold" grpId="0" nodeType="clickEffect">
-                                  <p:stCondLst>
-                                    <p:cond delay="0"/>
-                                  </p:stCondLst>
-                                  <p:childTnLst>
-                                    <p:set>
-                                      <p:cBhvr>
-                                        <p:cTn id="6" dur="1" fill="hold">
-                                          <p:stCondLst>
-                                            <p:cond delay="0"/>
-                                          </p:stCondLst>
-                                        </p:cTn>
-                                        <p:tgtEl>
-                                          <p:spTgt spid="4"/>
-                                        </p:tgtEl>
-                                        <p:attrNameLst>
-                                          <p:attrName>style.visibility</p:attrName>
-                                        </p:attrNameLst>
-                                      </p:cBhvr>
-                                      <p:to>
-                                        <p:strVal val="visible"/>
-                                      </p:to>
-                                    </p:set>
-                                    <p:animEffect transition="in" filter="fade">
-                                      <p:cBhvr>
-                                        <p:cTn id="7" dur="500"/>
-                                        <p:tgtEl>
-                                          <p:spTgt spid="4"/>
-                                        </p:tgtEl>
-                                      </p:cBhvr>
-                                    </p:animEffect>
-                                  </p:childTnLst>
-                                </p:cTn>
-                              </p:par>
-                            </p:childTnLst>
-                          </p:cTn>
-                        </p:par>
-                      </p:childTnLst>
-                    </p:cTn>
-                  </p:par>
-                  <p:par>
-                    <p:cTn id="8" fill="hold">
-                      <p:stCondLst>
-                        <p:cond delay="indefinite"/>
-                      </p:stCondLst>
-                      <p:childTnLst>
-                        <p:par>
-                          <p:cTn id="9" fill="hold">
-                            <p:stCondLst>
-                              <p:cond delay="0"/>
-                            </p:stCondLst>
-                            <p:childTnLst>
-                              <p:par>
-                                <p:cTn id="10" presetID="10" presetClass="entr" presetSubtype="0" fill="hold" grpId="0" nodeType="clickEffect">
-                                  <p:stCondLst>
-                                    <p:cond delay="0"/>
-                                  </p:stCondLst>
-                                  <p:childTnLst>
-                                    <p:set>
-                                      <p:cBhvr>
-                                        <p:cTn id="11" dur="1" fill="hold">
-                                          <p:stCondLst>
-                                            <p:cond delay="0"/>
-                                          </p:stCondLst>
-                                        </p:cTn>
-                                        <p:tgtEl>
-                                          <p:spTgt spid="5"/>
-                                        </p:tgtEl>
-                                        <p:attrNameLst>
-                                          <p:attrName>style.visibility</p:attrName>
-                                        </p:attrNameLst>
-                                      </p:cBhvr>
-                                      <p:to>
-                                        <p:strVal val="visible"/>
-                                      </p:to>
-                                    </p:set>
-                                    <p:animEffect transition="in" filter="fade">
-                                      <p:cBhvr>
-                                        <p:cTn id="12" dur="500"/>
-                                        <p:tgtEl>
-                                          <p:spTgt spid="5"/>
-                                        </p:tgtEl>
-                                      </p:cBhvr>
-                                    </p:animEffect>
-                                  </p:childTnLst>
-                                </p:cTn>
-                              </p:par>
-                            </p:childTnLst>
-                          </p:cTn>
-                        </p:par>
-                      </p:childTnLst>
-                    </p:cTn>
-                  </p:par>
-                </p:childTnLst>
-              </p:cTn>
-              <p:prevCondLst>
-                <p:cond evt="onPrev" delay="0">
-                  <p:tgtEl>
-                    <p:sldTgt/>
-                  </p:tgtEl>
-                </p:cond>
-              </p:prevCondLst>
-              <p:nextCondLst>
-                <p:cond evt="onNext" delay="0">
-                  <p:tgtEl>
-                    <p:sldTgt/>
-                  </p:tgtEl>
-                </p:cond>
-              </p:nextCondLst>
-            </p:seq>
-          </p:childTnLst>
-        </p:cTn>
-      </p:par>
-    </p:tnLst>
-    <p:bldLst>
-      <p:bldGraphic spid="4" grpId="0">
-        <p:bldAsOne/>
-      </p:bldGraphic>
-      <p:bldGraphic spid="5" grpId="0">
-        <p:bldAsOne/>
-      </p:bldGraphic>
-    </p:bldLst>
-  </p:timing>
 </p:sld>
 </file>
 
@@ -15421,7 +18744,7 @@
               <a:buChar char="§"/>
             </a:pPr>
             <a:r>
-              <a:rPr lang="it-IT" sz="1600" dirty="0">
+              <a:rPr lang="it-IT" sz="1700" dirty="0">
                 <a:solidFill>
                   <a:schemeClr val="tx1"/>
                 </a:solidFill>
@@ -15438,7 +18761,7 @@
               <a:buFont typeface="Wingdings" panose="05000000000000000000" pitchFamily="2" charset="2"/>
               <a:buChar char="§"/>
             </a:pPr>
-            <a:endParaRPr lang="it-IT" sz="1600" dirty="0">
+            <a:endParaRPr lang="it-IT" sz="1700" dirty="0">
               <a:solidFill>
                 <a:schemeClr val="tx1"/>
               </a:solidFill>
@@ -15454,7 +18777,7 @@
               <a:buChar char="§"/>
             </a:pPr>
             <a:r>
-              <a:rPr lang="it-IT" sz="1600" dirty="0">
+              <a:rPr lang="it-IT" sz="1700" dirty="0">
                 <a:solidFill>
                   <a:schemeClr val="tx1"/>
                 </a:solidFill>
@@ -15471,7 +18794,7 @@
               <a:buFont typeface="Wingdings" panose="05000000000000000000" pitchFamily="2" charset="2"/>
               <a:buChar char="§"/>
             </a:pPr>
-            <a:endParaRPr lang="it-IT" sz="1600" dirty="0">
+            <a:endParaRPr lang="it-IT" sz="1700" dirty="0">
               <a:solidFill>
                 <a:schemeClr val="tx1"/>
               </a:solidFill>
@@ -15487,7 +18810,7 @@
               <a:buChar char="§"/>
             </a:pPr>
             <a:r>
-              <a:rPr lang="it-IT" sz="1600" dirty="0">
+              <a:rPr lang="it-IT" sz="1700" dirty="0">
                 <a:solidFill>
                   <a:schemeClr val="tx1"/>
                 </a:solidFill>
@@ -15504,7 +18827,7 @@
               <a:buFont typeface="Wingdings" panose="05000000000000000000" pitchFamily="2" charset="2"/>
               <a:buChar char="§"/>
             </a:pPr>
-            <a:endParaRPr lang="it-IT" sz="1600" dirty="0">
+            <a:endParaRPr lang="it-IT" sz="1700" dirty="0">
               <a:solidFill>
                 <a:schemeClr val="tx1"/>
               </a:solidFill>
@@ -15520,7 +18843,7 @@
               <a:buChar char="§"/>
             </a:pPr>
             <a:r>
-              <a:rPr lang="it-IT" sz="1600" dirty="0">
+              <a:rPr lang="it-IT" sz="1700" dirty="0">
                 <a:solidFill>
                   <a:schemeClr val="tx1"/>
                 </a:solidFill>
@@ -15531,7 +18854,7 @@
               <a:t>Gestione </a:t>
             </a:r>
             <a:r>
-              <a:rPr lang="it-IT" sz="1600" dirty="0">
+              <a:rPr lang="it-IT" sz="1700" dirty="0">
                 <a:solidFill>
                   <a:schemeClr val="tx1"/>
                 </a:solidFill>
@@ -15548,7 +18871,7 @@
               <a:buFont typeface="Wingdings" panose="05000000000000000000" pitchFamily="2" charset="2"/>
               <a:buChar char="§"/>
             </a:pPr>
-            <a:endParaRPr lang="it-IT" sz="1600" dirty="0">
+            <a:endParaRPr lang="it-IT" sz="1700" dirty="0">
               <a:solidFill>
                 <a:schemeClr val="tx1"/>
               </a:solidFill>
@@ -15564,7 +18887,7 @@
               <a:buChar char="§"/>
             </a:pPr>
             <a:r>
-              <a:rPr lang="it-IT" sz="1600" dirty="0">
+              <a:rPr lang="it-IT" sz="1700" dirty="0">
                 <a:solidFill>
                   <a:schemeClr val="tx1"/>
                 </a:solidFill>
@@ -16383,70 +19706,66 @@
           </a:p>
         </p:txBody>
       </p:sp>
-      <p:pic>
-        <p:nvPicPr>
-          <p:cNvPr id="5" name="Picture 4" descr="A computer screen shot of a computer&#10;&#10;Description automatically generated">
+      <p:graphicFrame>
+        <p:nvGraphicFramePr>
+          <p:cNvPr id="4" name="Chart 3">
             <a:extLst>
               <a:ext uri="{FF2B5EF4-FFF2-40B4-BE49-F238E27FC236}">
-                <a16:creationId xmlns:a16="http://schemas.microsoft.com/office/drawing/2014/main" id="{3812DE40-5AF8-7D6E-7A08-B24D8EBC1394}"/>
+                <a16:creationId xmlns:a16="http://schemas.microsoft.com/office/drawing/2014/main" id="{B2E7BEBD-EAB7-1AAB-6BAA-84C75C558318}"/>
               </a:ext>
             </a:extLst>
           </p:cNvPr>
-          <p:cNvPicPr>
-            <a:picLocks noChangeAspect="1"/>
-          </p:cNvPicPr>
-          <p:nvPr/>
-        </p:nvPicPr>
-        <p:blipFill>
-          <a:blip r:embed="rId3"/>
-          <a:stretch>
-            <a:fillRect/>
-          </a:stretch>
-        </p:blipFill>
-        <p:spPr>
-          <a:xfrm>
-            <a:off x="302276" y="912051"/>
-            <a:ext cx="9516426" cy="5346463"/>
-          </a:xfrm>
-          <a:prstGeom prst="rect">
-            <a:avLst/>
-          </a:prstGeom>
-        </p:spPr>
-      </p:pic>
-      <p:pic>
-        <p:nvPicPr>
-          <p:cNvPr id="7" name="Picture 6" descr="A screenshot of a computer&#10;&#10;Description automatically generated">
+          <p:cNvGraphicFramePr/>
+          <p:nvPr>
+            <p:extLst>
+              <p:ext uri="{D42A27DB-BD31-4B8C-83A1-F6EECF244321}">
+                <p14:modId xmlns:p14="http://schemas.microsoft.com/office/powerpoint/2010/main" val="2655519638"/>
+              </p:ext>
+            </p:extLst>
+          </p:nvPr>
+        </p:nvGraphicFramePr>
+        <p:xfrm>
+          <a:off x="1159135" y="1014684"/>
+          <a:ext cx="9601199" cy="3557340"/>
+        </p:xfrm>
+        <a:graphic>
+          <a:graphicData uri="http://schemas.openxmlformats.org/drawingml/2006/chart">
+            <c:chart xmlns:c="http://schemas.openxmlformats.org/drawingml/2006/chart" xmlns:r="http://schemas.openxmlformats.org/officeDocument/2006/relationships" r:id="rId3"/>
+          </a:graphicData>
+        </a:graphic>
+      </p:graphicFrame>
+      <p:graphicFrame>
+        <p:nvGraphicFramePr>
+          <p:cNvPr id="5" name="Chart 4">
             <a:extLst>
               <a:ext uri="{FF2B5EF4-FFF2-40B4-BE49-F238E27FC236}">
-                <a16:creationId xmlns:a16="http://schemas.microsoft.com/office/drawing/2014/main" id="{1C9B805D-CBC1-0451-39AE-BF2E24808158}"/>
+                <a16:creationId xmlns:a16="http://schemas.microsoft.com/office/drawing/2014/main" id="{BAE0486B-E2E0-7345-7538-25A789DF212E}"/>
               </a:ext>
             </a:extLst>
           </p:cNvPr>
-          <p:cNvPicPr>
-            <a:picLocks noChangeAspect="1"/>
-          </p:cNvPicPr>
-          <p:nvPr/>
-        </p:nvPicPr>
-        <p:blipFill>
-          <a:blip r:embed="rId4"/>
-          <a:stretch>
-            <a:fillRect/>
-          </a:stretch>
-        </p:blipFill>
-        <p:spPr>
-          <a:xfrm>
-            <a:off x="1287262" y="1128790"/>
-            <a:ext cx="10568890" cy="5510136"/>
-          </a:xfrm>
-          <a:prstGeom prst="rect">
-            <a:avLst/>
-          </a:prstGeom>
-        </p:spPr>
-      </p:pic>
+          <p:cNvGraphicFramePr/>
+          <p:nvPr>
+            <p:extLst>
+              <p:ext uri="{D42A27DB-BD31-4B8C-83A1-F6EECF244321}">
+                <p14:modId xmlns:p14="http://schemas.microsoft.com/office/powerpoint/2010/main" val="2106981346"/>
+              </p:ext>
+            </p:extLst>
+          </p:nvPr>
+        </p:nvGraphicFramePr>
+        <p:xfrm>
+          <a:off x="1159135" y="4696299"/>
+          <a:ext cx="9601199" cy="1907988"/>
+        </p:xfrm>
+        <a:graphic>
+          <a:graphicData uri="http://schemas.openxmlformats.org/drawingml/2006/chart">
+            <c:chart xmlns:c="http://schemas.openxmlformats.org/drawingml/2006/chart" xmlns:r="http://schemas.openxmlformats.org/officeDocument/2006/relationships" r:id="rId4"/>
+          </a:graphicData>
+        </a:graphic>
+      </p:graphicFrame>
     </p:spTree>
     <p:extLst>
       <p:ext uri="{BB962C8B-B14F-4D97-AF65-F5344CB8AC3E}">
-        <p14:creationId xmlns:p14="http://schemas.microsoft.com/office/powerpoint/2010/main" val="1192033070"/>
+        <p14:creationId xmlns:p14="http://schemas.microsoft.com/office/powerpoint/2010/main" val="288775268"/>
       </p:ext>
     </p:extLst>
   </p:cSld>
@@ -16474,7 +19793,7 @@
                             </p:stCondLst>
                             <p:childTnLst>
                               <p:par>
-                                <p:cTn id="5" presetID="10" presetClass="entr" presetSubtype="0" fill="hold" nodeType="clickEffect">
+                                <p:cTn id="5" presetID="10" presetClass="entr" presetSubtype="0" fill="hold" grpId="0" nodeType="clickEffect">
                                   <p:stCondLst>
                                     <p:cond delay="0"/>
                                   </p:stCondLst>
@@ -16487,7 +19806,7 @@
                                           </p:stCondLst>
                                         </p:cTn>
                                         <p:tgtEl>
-                                          <p:spTgt spid="7"/>
+                                          <p:spTgt spid="4"/>
                                         </p:tgtEl>
                                         <p:attrNameLst>
                                           <p:attrName>style.visibility</p:attrName>
@@ -16501,7 +19820,60 @@
                                       <p:cBhvr>
                                         <p:cTn id="7" dur="500"/>
                                         <p:tgtEl>
-                                          <p:spTgt spid="7"/>
+                                          <p:spTgt spid="4"/>
+                                        </p:tgtEl>
+                                      </p:cBhvr>
+                                    </p:animEffect>
+                                  </p:childTnLst>
+                                </p:cTn>
+                              </p:par>
+                            </p:childTnLst>
+                          </p:cTn>
+                        </p:par>
+                      </p:childTnLst>
+                    </p:cTn>
+                  </p:par>
+                  <p:par>
+                    <p:cTn id="8" fill="hold">
+                      <p:stCondLst>
+                        <p:cond delay="indefinite"/>
+                      </p:stCondLst>
+                      <p:childTnLst>
+                        <p:par>
+                          <p:cTn id="9" fill="hold">
+                            <p:stCondLst>
+                              <p:cond delay="0"/>
+                            </p:stCondLst>
+                            <p:childTnLst>
+                              <p:par>
+                                <p:cTn id="10" presetID="10" presetClass="entr" presetSubtype="0" fill="hold" grpId="0" nodeType="clickEffect">
+                                  <p:stCondLst>
+                                    <p:cond delay="0"/>
+                                  </p:stCondLst>
+                                  <p:childTnLst>
+                                    <p:set>
+                                      <p:cBhvr>
+                                        <p:cTn id="11" dur="1" fill="hold">
+                                          <p:stCondLst>
+                                            <p:cond delay="0"/>
+                                          </p:stCondLst>
+                                        </p:cTn>
+                                        <p:tgtEl>
+                                          <p:spTgt spid="5"/>
+                                        </p:tgtEl>
+                                        <p:attrNameLst>
+                                          <p:attrName>style.visibility</p:attrName>
+                                        </p:attrNameLst>
+                                      </p:cBhvr>
+                                      <p:to>
+                                        <p:strVal val="visible"/>
+                                      </p:to>
+                                    </p:set>
+                                    <p:animEffect transition="in" filter="fade">
+                                      <p:cBhvr>
+                                        <p:cTn id="12" dur="500"/>
+                                        <p:tgtEl>
+                                          <p:spTgt spid="5"/>
                                         </p:tgtEl>
                                       </p:cBhvr>
                                     </p:animEffect>
@@ -16535,6 +19907,14 @@
         </p:cTn>
       </p:par>
     </p:tnLst>
+    <p:bldLst>
+      <p:bldGraphic spid="4" grpId="0">
+        <p:bldAsOne/>
+      </p:bldGraphic>
+      <p:bldGraphic spid="5" grpId="0">
+        <p:bldAsOne/>
+      </p:bldGraphic>
+    </p:bldLst>
   </p:timing>
 </p:sld>
 </file>
@@ -16542,27 +19922,6 @@
 <file path=ppt/slides/slide21.xml><?xml version="1.0" encoding="utf-8"?>
 <p:sld xmlns:a="http://schemas.openxmlformats.org/drawingml/2006/main" xmlns:r="http://schemas.openxmlformats.org/officeDocument/2006/relationships" xmlns:p="http://schemas.openxmlformats.org/presentationml/2006/main">
   <p:cSld>
-    <p:bg>
-      <p:bgPr>
-        <a:gradFill>
-          <a:gsLst>
-            <a:gs pos="0">
-              <a:schemeClr val="accent6">
-                <a:lumMod val="40000"/>
-                <a:lumOff val="60000"/>
-              </a:schemeClr>
-            </a:gs>
-            <a:gs pos="100000">
-              <a:schemeClr val="accent6">
-                <a:lumMod val="75000"/>
-              </a:schemeClr>
-            </a:gs>
-          </a:gsLst>
-          <a:lin ang="8100000" scaled="1"/>
-        </a:gradFill>
-        <a:effectLst/>
-      </p:bgPr>
-    </p:bg>
     <p:spTree>
       <p:nvGrpSpPr>
         <p:cNvPr id="1" name=""/>
@@ -16833,10 +20192,10 @@
       </p:sp>
       <p:pic>
         <p:nvPicPr>
-          <p:cNvPr id="5" name="Picture 4" descr="A screenshot of a computer&#10;&#10;Description automatically generated">
+          <p:cNvPr id="5" name="Picture 4" descr="A computer screen shot of a computer&#10;&#10;Description automatically generated">
             <a:extLst>
               <a:ext uri="{FF2B5EF4-FFF2-40B4-BE49-F238E27FC236}">
-                <a16:creationId xmlns:a16="http://schemas.microsoft.com/office/drawing/2014/main" id="{E5FF3EBB-8E5A-E7FD-72B4-8D1525571A5D}"/>
+                <a16:creationId xmlns:a16="http://schemas.microsoft.com/office/drawing/2014/main" id="{3812DE40-5AF8-7D6E-7A08-B24D8EBC1394}"/>
               </a:ext>
             </a:extLst>
           </p:cNvPr>
@@ -16853,136 +20212,37 @@
         </p:blipFill>
         <p:spPr>
           <a:xfrm>
-            <a:off x="304249" y="913144"/>
-            <a:ext cx="9507954" cy="5345615"/>
+            <a:off x="949879" y="856599"/>
+            <a:ext cx="10292239" cy="5782326"/>
           </a:xfrm>
-          <a:prstGeom prst="rect">
-            <a:avLst/>
+          <a:prstGeom prst="roundRect">
+            <a:avLst>
+              <a:gd name="adj" fmla="val 1017"/>
+            </a:avLst>
           </a:prstGeom>
-        </p:spPr>
-      </p:pic>
-      <p:pic>
-        <p:nvPicPr>
-          <p:cNvPr id="6" name="Picture 5">
-            <a:extLst>
-              <a:ext uri="{FF2B5EF4-FFF2-40B4-BE49-F238E27FC236}">
-                <a16:creationId xmlns:a16="http://schemas.microsoft.com/office/drawing/2014/main" id="{1590A061-E907-E8DB-01D0-4979A8E848B1}"/>
-              </a:ext>
-            </a:extLst>
-          </p:cNvPr>
-          <p:cNvPicPr>
-            <a:picLocks noChangeAspect="1"/>
-          </p:cNvPicPr>
-          <p:nvPr/>
-        </p:nvPicPr>
-        <p:blipFill>
-          <a:blip r:embed="rId4"/>
-          <a:srcRect/>
-          <a:stretch/>
-        </p:blipFill>
-        <p:spPr>
-          <a:xfrm>
-            <a:off x="1287262" y="1128791"/>
-            <a:ext cx="10568890" cy="5510134"/>
-          </a:xfrm>
-          <a:prstGeom prst="rect">
-            <a:avLst/>
-          </a:prstGeom>
+          <a:solidFill>
+            <a:srgbClr val="FFFFFF">
+              <a:shade val="85000"/>
+            </a:srgbClr>
+          </a:solidFill>
+          <a:ln>
+            <a:noFill/>
+          </a:ln>
+          <a:effectLst>
+            <a:reflection blurRad="12700" stA="0" endPos="28000" dist="5000" dir="5400000" sy="-100000" algn="bl" rotWithShape="0"/>
+          </a:effectLst>
         </p:spPr>
       </p:pic>
     </p:spTree>
     <p:extLst>
       <p:ext uri="{BB962C8B-B14F-4D97-AF65-F5344CB8AC3E}">
-        <p14:creationId xmlns:p14="http://schemas.microsoft.com/office/powerpoint/2010/main" val="248646150"/>
+        <p14:creationId xmlns:p14="http://schemas.microsoft.com/office/powerpoint/2010/main" val="3108685320"/>
       </p:ext>
     </p:extLst>
   </p:cSld>
   <p:clrMapOvr>
     <a:masterClrMapping/>
   </p:clrMapOvr>
-  <p:timing>
-    <p:tnLst>
-      <p:par>
-        <p:cTn id="1" dur="indefinite" restart="never" nodeType="tmRoot">
-          <p:childTnLst>
-            <p:seq concurrent="1" nextAc="seek">
-              <p:cTn id="2" dur="indefinite" nodeType="mainSeq">
-                <p:childTnLst>
-                  <p:par>
-                    <p:cTn id="3" fill="hold">
-                      <p:stCondLst>
-                        <p:cond delay="indefinite"/>
-                      </p:stCondLst>
-                      <p:childTnLst>
-                        <p:par>
-                          <p:cTn id="4" fill="hold">
-                            <p:stCondLst>
-                              <p:cond delay="0"/>
-                            </p:stCondLst>
-                            <p:childTnLst>
-                              <p:par>
-                                <p:cTn id="5" presetID="10" presetClass="entr" presetSubtype="0" fill="hold" nodeType="clickEffect">
-                                  <p:stCondLst>
-                                    <p:cond delay="0"/>
-                                  </p:stCondLst>
-                                  <p:childTnLst>
-                                    <p:set>
-                                      <p:cBhvr>
-                                        <p:cTn id="6" dur="1" fill="hold">
-                                          <p:stCondLst>
-                                            <p:cond delay="0"/>
-                                          </p:stCondLst>
-                                        </p:cTn>
-                                        <p:tgtEl>
-                                          <p:spTgt spid="6"/>
-                                        </p:tgtEl>
-                                        <p:attrNameLst>
-                                          <p:attrName>style.visibility</p:attrName>
-                                        </p:attrNameLst>
-                                      </p:cBhvr>
-                                      <p:to>
-                                        <p:strVal val="visible"/>
-                                      </p:to>
-                                    </p:set>
-                                    <p:animEffect transition="in" filter="fade">
-                                      <p:cBhvr>
-                                        <p:cTn id="7" dur="500"/>
-                                        <p:tgtEl>
-                                          <p:spTgt spid="6"/>
-                                        </p:tgtEl>
-                                      </p:cBhvr>
-                                    </p:animEffect>
-                                  </p:childTnLst>
-                                </p:cTn>
-                              </p:par>
-                            </p:childTnLst>
-                          </p:cTn>
-                        </p:par>
-                      </p:childTnLst>
-                    </p:cTn>
-                  </p:par>
-                </p:childTnLst>
-              </p:cTn>
-              <p:prevCondLst>
-                <p:cond evt="onPrev" delay="0">
-                  <p:tgtEl>
-                    <p:sldTgt/>
-                  </p:tgtEl>
-                </p:cond>
-              </p:prevCondLst>
-              <p:nextCondLst>
-                <p:cond evt="onNext" delay="0">
-                  <p:tgtEl>
-                    <p:sldTgt/>
-                  </p:tgtEl>
-                </p:cond>
-              </p:nextCondLst>
-            </p:seq>
-          </p:childTnLst>
-        </p:cTn>
-      </p:par>
-    </p:tnLst>
-  </p:timing>
 </p:sld>
 </file>
 
@@ -17127,8 +20387,8 @@
         </p:nvSpPr>
         <p:spPr>
           <a:xfrm>
-            <a:off x="2388093" y="2849731"/>
-            <a:ext cx="7421731" cy="852797"/>
+            <a:off x="4492101" y="253713"/>
+            <a:ext cx="3213716" cy="536232"/>
           </a:xfrm>
           <a:prstGeom prst="roundRect">
             <a:avLst/>
@@ -17212,13 +20472,13 @@
         </p:nvSpPr>
         <p:spPr>
           <a:xfrm>
-            <a:off x="0" y="3155471"/>
+            <a:off x="0" y="219075"/>
             <a:ext cx="12192000" cy="547058"/>
           </a:xfrm>
         </p:spPr>
         <p:txBody>
           <a:bodyPr>
-            <a:noAutofit/>
+            <a:normAutofit fontScale="90000"/>
           </a:bodyPr>
           <a:lstStyle/>
           <a:p>
@@ -17228,13 +20488,1004 @@
               </a:tabLst>
             </a:pPr>
             <a:r>
-              <a:rPr lang="it-IT" dirty="0">
+              <a:rPr lang="it-IT" sz="3600" dirty="0">
+                <a:latin typeface="Cambria Math" panose="02040503050406030204" pitchFamily="18" charset="0"/>
+                <a:ea typeface="Cambria Math" panose="02040503050406030204" pitchFamily="18" charset="0"/>
+                <a:cs typeface="Times New Roman" panose="02020603050405020304" pitchFamily="18" charset="0"/>
+              </a:rPr>
+              <a:t>Risultati ottenuti</a:t>
+            </a:r>
+          </a:p>
+        </p:txBody>
+      </p:sp>
+      <p:sp>
+        <p:nvSpPr>
+          <p:cNvPr id="3" name="Subtitle 2">
+            <a:extLst>
+              <a:ext uri="{FF2B5EF4-FFF2-40B4-BE49-F238E27FC236}">
+                <a16:creationId xmlns:a16="http://schemas.microsoft.com/office/drawing/2014/main" id="{FC446B2D-F94A-2F94-9904-6D62ADA65C8F}"/>
+              </a:ext>
+            </a:extLst>
+          </p:cNvPr>
+          <p:cNvSpPr>
+            <a:spLocks noGrp="1"/>
+          </p:cNvSpPr>
+          <p:nvPr>
+            <p:ph type="subTitle" idx="1"/>
+          </p:nvPr>
+        </p:nvSpPr>
+        <p:spPr>
+          <a:xfrm>
+            <a:off x="1159136" y="1141768"/>
+            <a:ext cx="9601200" cy="5497157"/>
+          </a:xfrm>
+        </p:spPr>
+        <p:txBody>
+          <a:bodyPr>
+            <a:normAutofit/>
+          </a:bodyPr>
+          <a:lstStyle/>
+          <a:p>
+            <a:pPr algn="l">
+              <a:lnSpc>
+                <a:spcPct val="200000"/>
+              </a:lnSpc>
+            </a:pPr>
+            <a:endParaRPr lang="it-IT" dirty="0">
+              <a:latin typeface="Times New Roman" panose="02020603050405020304" pitchFamily="18" charset="0"/>
+              <a:cs typeface="Times New Roman" panose="02020603050405020304" pitchFamily="18" charset="0"/>
+            </a:endParaRPr>
+          </a:p>
+        </p:txBody>
+      </p:sp>
+      <p:pic>
+        <p:nvPicPr>
+          <p:cNvPr id="7" name="Picture 6" descr="A screenshot of a computer&#10;&#10;Description automatically generated">
+            <a:extLst>
+              <a:ext uri="{FF2B5EF4-FFF2-40B4-BE49-F238E27FC236}">
+                <a16:creationId xmlns:a16="http://schemas.microsoft.com/office/drawing/2014/main" id="{1C9B805D-CBC1-0451-39AE-BF2E24808158}"/>
+              </a:ext>
+            </a:extLst>
+          </p:cNvPr>
+          <p:cNvPicPr>
+            <a:picLocks noChangeAspect="1"/>
+          </p:cNvPicPr>
+          <p:nvPr/>
+        </p:nvPicPr>
+        <p:blipFill>
+          <a:blip r:embed="rId3"/>
+          <a:stretch>
+            <a:fillRect/>
+          </a:stretch>
+        </p:blipFill>
+        <p:spPr>
+          <a:xfrm>
+            <a:off x="620089" y="894508"/>
+            <a:ext cx="10951821" cy="5709779"/>
+          </a:xfrm>
+          <a:prstGeom prst="roundRect">
+            <a:avLst>
+              <a:gd name="adj" fmla="val 753"/>
+            </a:avLst>
+          </a:prstGeom>
+          <a:solidFill>
+            <a:srgbClr val="FFFFFF">
+              <a:shade val="85000"/>
+            </a:srgbClr>
+          </a:solidFill>
+          <a:ln>
+            <a:noFill/>
+          </a:ln>
+          <a:effectLst>
+            <a:reflection blurRad="12700" stA="0" endPos="28000" dist="5000" dir="5400000" sy="-100000" algn="bl" rotWithShape="0"/>
+          </a:effectLst>
+        </p:spPr>
+      </p:pic>
+    </p:spTree>
+    <p:extLst>
+      <p:ext uri="{BB962C8B-B14F-4D97-AF65-F5344CB8AC3E}">
+        <p14:creationId xmlns:p14="http://schemas.microsoft.com/office/powerpoint/2010/main" val="1192033070"/>
+      </p:ext>
+    </p:extLst>
+  </p:cSld>
+  <p:clrMapOvr>
+    <a:masterClrMapping/>
+  </p:clrMapOvr>
+  <mc:AlternateContent xmlns:mc="http://schemas.openxmlformats.org/markup-compatibility/2006">
+    <mc:Choice xmlns:p159="http://schemas.microsoft.com/office/powerpoint/2015/09/main" Requires="p159">
+      <p:transition xmlns:p14="http://schemas.microsoft.com/office/powerpoint/2010/main" spd="slow" p14:dur="2000">
+        <p159:morph option="byObject"/>
+      </p:transition>
+    </mc:Choice>
+    <mc:Fallback>
+      <p:transition spd="slow">
+        <p:fade/>
+      </p:transition>
+    </mc:Fallback>
+  </mc:AlternateContent>
+</p:sld>
+</file>
+
+<file path=ppt/slides/slide23.xml><?xml version="1.0" encoding="utf-8"?>
+<p:sld xmlns:a="http://schemas.openxmlformats.org/drawingml/2006/main" xmlns:r="http://schemas.openxmlformats.org/officeDocument/2006/relationships" xmlns:p="http://schemas.openxmlformats.org/presentationml/2006/main">
+  <p:cSld>
+    <p:spTree>
+      <p:nvGrpSpPr>
+        <p:cNvPr id="1" name=""/>
+        <p:cNvGrpSpPr/>
+        <p:nvPr/>
+      </p:nvGrpSpPr>
+      <p:grpSpPr>
+        <a:xfrm>
+          <a:off x="0" y="0"/>
+          <a:ext cx="0" cy="0"/>
+          <a:chOff x="0" y="0"/>
+          <a:chExt cx="0" cy="0"/>
+        </a:xfrm>
+      </p:grpSpPr>
+      <p:sp>
+        <p:nvSpPr>
+          <p:cNvPr id="8" name="Rectangle: Rounded Corners 7">
+            <a:extLst>
+              <a:ext uri="{FF2B5EF4-FFF2-40B4-BE49-F238E27FC236}">
+                <a16:creationId xmlns:a16="http://schemas.microsoft.com/office/drawing/2014/main" id="{7BB0D57C-96FC-342D-E8C0-5E4D36FCC075}"/>
+              </a:ext>
+            </a:extLst>
+          </p:cNvPr>
+          <p:cNvSpPr/>
+          <p:nvPr/>
+        </p:nvSpPr>
+        <p:spPr>
+          <a:xfrm>
+            <a:off x="136263" y="107576"/>
+            <a:ext cx="11919473" cy="6642848"/>
+          </a:xfrm>
+          <a:prstGeom prst="roundRect">
+            <a:avLst>
+              <a:gd name="adj" fmla="val 1768"/>
+            </a:avLst>
+          </a:prstGeom>
+          <a:solidFill>
+            <a:schemeClr val="accent2">
+              <a:lumMod val="20000"/>
+              <a:lumOff val="80000"/>
+            </a:schemeClr>
+          </a:solidFill>
+          <a:ln>
+            <a:noFill/>
+          </a:ln>
+          <a:effectLst>
+            <a:softEdge rad="0"/>
+          </a:effectLst>
+        </p:spPr>
+        <p:style>
+          <a:lnRef idx="2">
+            <a:schemeClr val="accent1">
+              <a:shade val="15000"/>
+            </a:schemeClr>
+          </a:lnRef>
+          <a:fillRef idx="1">
+            <a:schemeClr val="accent1"/>
+          </a:fillRef>
+          <a:effectRef idx="0">
+            <a:schemeClr val="accent1"/>
+          </a:effectRef>
+          <a:fontRef idx="minor">
+            <a:schemeClr val="lt1"/>
+          </a:fontRef>
+        </p:style>
+        <p:txBody>
+          <a:bodyPr rtlCol="0" anchor="ctr"/>
+          <a:lstStyle/>
+          <a:p>
+            <a:pPr marL="0" marR="0" lvl="0" indent="0" algn="ctr" defTabSz="914400" rtl="0" eaLnBrk="1" fontAlgn="auto" latinLnBrk="0" hangingPunct="1">
+              <a:lnSpc>
+                <a:spcPct val="100000"/>
+              </a:lnSpc>
+              <a:spcBef>
+                <a:spcPts val="0"/>
+              </a:spcBef>
+              <a:spcAft>
+                <a:spcPts val="0"/>
+              </a:spcAft>
+              <a:buClrTx/>
+              <a:buSzTx/>
+              <a:buFontTx/>
+              <a:buNone/>
+              <a:tabLst/>
+              <a:defRPr/>
+            </a:pPr>
+            <a:endParaRPr kumimoji="0" lang="it-IT" sz="1800" b="0" i="0" u="none" strike="noStrike" kern="1200" cap="none" spc="0" normalizeH="0" baseline="0" noProof="0" dirty="0">
+              <a:ln>
+                <a:noFill/>
+              </a:ln>
+              <a:solidFill>
+                <a:prstClr val="white"/>
+              </a:solidFill>
+              <a:effectLst/>
+              <a:uLnTx/>
+              <a:uFillTx/>
+              <a:latin typeface="Calibri" panose="020F0502020204030204"/>
+              <a:ea typeface="+mn-ea"/>
+              <a:cs typeface="+mn-cs"/>
+            </a:endParaRPr>
+          </a:p>
+        </p:txBody>
+      </p:sp>
+      <p:sp>
+        <p:nvSpPr>
+          <p:cNvPr id="10" name="Rectangle: Rounded Corners 9">
+            <a:extLst>
+              <a:ext uri="{FF2B5EF4-FFF2-40B4-BE49-F238E27FC236}">
+                <a16:creationId xmlns:a16="http://schemas.microsoft.com/office/drawing/2014/main" id="{353FC021-9E12-A48E-6ABA-58B63D78E973}"/>
+              </a:ext>
+            </a:extLst>
+          </p:cNvPr>
+          <p:cNvSpPr/>
+          <p:nvPr/>
+        </p:nvSpPr>
+        <p:spPr>
+          <a:xfrm>
+            <a:off x="4492101" y="253713"/>
+            <a:ext cx="3213716" cy="536232"/>
+          </a:xfrm>
+          <a:prstGeom prst="roundRect">
+            <a:avLst/>
+          </a:prstGeom>
+          <a:solidFill>
+            <a:schemeClr val="bg1"/>
+          </a:solidFill>
+          <a:ln>
+            <a:noFill/>
+          </a:ln>
+        </p:spPr>
+        <p:style>
+          <a:lnRef idx="2">
+            <a:schemeClr val="accent1">
+              <a:shade val="15000"/>
+            </a:schemeClr>
+          </a:lnRef>
+          <a:fillRef idx="1">
+            <a:schemeClr val="accent1"/>
+          </a:fillRef>
+          <a:effectRef idx="0">
+            <a:schemeClr val="accent1"/>
+          </a:effectRef>
+          <a:fontRef idx="minor">
+            <a:schemeClr val="lt1"/>
+          </a:fontRef>
+        </p:style>
+        <p:txBody>
+          <a:bodyPr rtlCol="0" anchor="ctr"/>
+          <a:lstStyle/>
+          <a:p>
+            <a:pPr marL="0" marR="0" lvl="0" indent="0" algn="ctr" defTabSz="914400" rtl="0" eaLnBrk="1" fontAlgn="auto" latinLnBrk="0" hangingPunct="1">
+              <a:lnSpc>
+                <a:spcPct val="100000"/>
+              </a:lnSpc>
+              <a:spcBef>
+                <a:spcPts val="0"/>
+              </a:spcBef>
+              <a:spcAft>
+                <a:spcPts val="0"/>
+              </a:spcAft>
+              <a:buClrTx/>
+              <a:buSzTx/>
+              <a:buFontTx/>
+              <a:buNone/>
+              <a:tabLst/>
+              <a:defRPr/>
+            </a:pPr>
+            <a:endParaRPr kumimoji="0" lang="it-IT" sz="1800" b="0" i="0" u="none" strike="noStrike" kern="1200" cap="none" spc="0" normalizeH="0" baseline="0" noProof="0">
+              <a:ln>
+                <a:noFill/>
+              </a:ln>
+              <a:solidFill>
+                <a:prstClr val="white"/>
+              </a:solidFill>
+              <a:effectLst/>
+              <a:uLnTx/>
+              <a:uFillTx/>
+              <a:latin typeface="Calibri" panose="020F0502020204030204"/>
+              <a:ea typeface="+mn-ea"/>
+              <a:cs typeface="+mn-cs"/>
+            </a:endParaRPr>
+          </a:p>
+        </p:txBody>
+      </p:sp>
+      <p:sp>
+        <p:nvSpPr>
+          <p:cNvPr id="2" name="Title 1">
+            <a:extLst>
+              <a:ext uri="{FF2B5EF4-FFF2-40B4-BE49-F238E27FC236}">
+                <a16:creationId xmlns:a16="http://schemas.microsoft.com/office/drawing/2014/main" id="{29FD1FBB-B73F-521A-0195-23D08646B2BD}"/>
+              </a:ext>
+            </a:extLst>
+          </p:cNvPr>
+          <p:cNvSpPr>
+            <a:spLocks noGrp="1"/>
+          </p:cNvSpPr>
+          <p:nvPr>
+            <p:ph type="ctrTitle"/>
+          </p:nvPr>
+        </p:nvSpPr>
+        <p:spPr>
+          <a:xfrm>
+            <a:off x="0" y="219075"/>
+            <a:ext cx="12192000" cy="547058"/>
+          </a:xfrm>
+        </p:spPr>
+        <p:txBody>
+          <a:bodyPr>
+            <a:normAutofit fontScale="90000"/>
+          </a:bodyPr>
+          <a:lstStyle/>
+          <a:p>
+            <a:pPr hangingPunct="0">
+              <a:tabLst>
+                <a:tab pos="7496175" algn="r"/>
+              </a:tabLst>
+            </a:pPr>
+            <a:r>
+              <a:rPr lang="it-IT" sz="3600" dirty="0">
+                <a:latin typeface="Cambria Math" panose="02040503050406030204" pitchFamily="18" charset="0"/>
+                <a:ea typeface="Cambria Math" panose="02040503050406030204" pitchFamily="18" charset="0"/>
+                <a:cs typeface="Times New Roman" panose="02020603050405020304" pitchFamily="18" charset="0"/>
+              </a:rPr>
+              <a:t>Risultati ottenuti</a:t>
+            </a:r>
+          </a:p>
+        </p:txBody>
+      </p:sp>
+      <p:sp>
+        <p:nvSpPr>
+          <p:cNvPr id="3" name="Subtitle 2">
+            <a:extLst>
+              <a:ext uri="{FF2B5EF4-FFF2-40B4-BE49-F238E27FC236}">
+                <a16:creationId xmlns:a16="http://schemas.microsoft.com/office/drawing/2014/main" id="{FC446B2D-F94A-2F94-9904-6D62ADA65C8F}"/>
+              </a:ext>
+            </a:extLst>
+          </p:cNvPr>
+          <p:cNvSpPr>
+            <a:spLocks noGrp="1"/>
+          </p:cNvSpPr>
+          <p:nvPr>
+            <p:ph type="subTitle" idx="1"/>
+          </p:nvPr>
+        </p:nvSpPr>
+        <p:spPr>
+          <a:xfrm>
+            <a:off x="1159136" y="1141768"/>
+            <a:ext cx="9601200" cy="5497157"/>
+          </a:xfrm>
+        </p:spPr>
+        <p:txBody>
+          <a:bodyPr>
+            <a:normAutofit/>
+          </a:bodyPr>
+          <a:lstStyle/>
+          <a:p>
+            <a:pPr algn="l">
+              <a:lnSpc>
+                <a:spcPct val="200000"/>
+              </a:lnSpc>
+            </a:pPr>
+            <a:endParaRPr lang="it-IT" dirty="0">
+              <a:latin typeface="Times New Roman" panose="02020603050405020304" pitchFamily="18" charset="0"/>
+              <a:cs typeface="Times New Roman" panose="02020603050405020304" pitchFamily="18" charset="0"/>
+            </a:endParaRPr>
+          </a:p>
+        </p:txBody>
+      </p:sp>
+      <p:pic>
+        <p:nvPicPr>
+          <p:cNvPr id="5" name="Picture 4">
+            <a:extLst>
+              <a:ext uri="{FF2B5EF4-FFF2-40B4-BE49-F238E27FC236}">
+                <a16:creationId xmlns:a16="http://schemas.microsoft.com/office/drawing/2014/main" id="{3812DE40-5AF8-7D6E-7A08-B24D8EBC1394}"/>
+              </a:ext>
+            </a:extLst>
+          </p:cNvPr>
+          <p:cNvPicPr>
+            <a:picLocks noChangeAspect="1"/>
+          </p:cNvPicPr>
+          <p:nvPr/>
+        </p:nvPicPr>
+        <p:blipFill>
+          <a:blip r:embed="rId3"/>
+          <a:srcRect/>
+          <a:stretch/>
+        </p:blipFill>
+        <p:spPr>
+          <a:xfrm>
+            <a:off x="953644" y="856599"/>
+            <a:ext cx="10284709" cy="5782326"/>
+          </a:xfrm>
+          <a:prstGeom prst="roundRect">
+            <a:avLst>
+              <a:gd name="adj" fmla="val 1017"/>
+            </a:avLst>
+          </a:prstGeom>
+          <a:solidFill>
+            <a:srgbClr val="FFFFFF">
+              <a:shade val="85000"/>
+            </a:srgbClr>
+          </a:solidFill>
+          <a:ln>
+            <a:noFill/>
+          </a:ln>
+          <a:effectLst>
+            <a:reflection blurRad="12700" stA="0" endPos="28000" dist="5000" dir="5400000" sy="-100000" algn="bl" rotWithShape="0"/>
+          </a:effectLst>
+        </p:spPr>
+      </p:pic>
+    </p:spTree>
+    <p:extLst>
+      <p:ext uri="{BB962C8B-B14F-4D97-AF65-F5344CB8AC3E}">
+        <p14:creationId xmlns:p14="http://schemas.microsoft.com/office/powerpoint/2010/main" val="826783920"/>
+      </p:ext>
+    </p:extLst>
+  </p:cSld>
+  <p:clrMapOvr>
+    <a:masterClrMapping/>
+  </p:clrMapOvr>
+</p:sld>
+</file>
+
+<file path=ppt/slides/slide24.xml><?xml version="1.0" encoding="utf-8"?>
+<p:sld xmlns:a="http://schemas.openxmlformats.org/drawingml/2006/main" xmlns:r="http://schemas.openxmlformats.org/officeDocument/2006/relationships" xmlns:p="http://schemas.openxmlformats.org/presentationml/2006/main">
+  <p:cSld>
+    <p:spTree>
+      <p:nvGrpSpPr>
+        <p:cNvPr id="1" name=""/>
+        <p:cNvGrpSpPr/>
+        <p:nvPr/>
+      </p:nvGrpSpPr>
+      <p:grpSpPr>
+        <a:xfrm>
+          <a:off x="0" y="0"/>
+          <a:ext cx="0" cy="0"/>
+          <a:chOff x="0" y="0"/>
+          <a:chExt cx="0" cy="0"/>
+        </a:xfrm>
+      </p:grpSpPr>
+      <p:sp>
+        <p:nvSpPr>
+          <p:cNvPr id="8" name="Rectangle: Rounded Corners 7">
+            <a:extLst>
+              <a:ext uri="{FF2B5EF4-FFF2-40B4-BE49-F238E27FC236}">
+                <a16:creationId xmlns:a16="http://schemas.microsoft.com/office/drawing/2014/main" id="{7BB0D57C-96FC-342D-E8C0-5E4D36FCC075}"/>
+              </a:ext>
+            </a:extLst>
+          </p:cNvPr>
+          <p:cNvSpPr/>
+          <p:nvPr/>
+        </p:nvSpPr>
+        <p:spPr>
+          <a:xfrm>
+            <a:off x="136263" y="107576"/>
+            <a:ext cx="11919473" cy="6642848"/>
+          </a:xfrm>
+          <a:prstGeom prst="roundRect">
+            <a:avLst>
+              <a:gd name="adj" fmla="val 1768"/>
+            </a:avLst>
+          </a:prstGeom>
+          <a:solidFill>
+            <a:schemeClr val="accent2">
+              <a:lumMod val="20000"/>
+              <a:lumOff val="80000"/>
+            </a:schemeClr>
+          </a:solidFill>
+          <a:ln>
+            <a:noFill/>
+          </a:ln>
+          <a:effectLst>
+            <a:softEdge rad="0"/>
+          </a:effectLst>
+        </p:spPr>
+        <p:style>
+          <a:lnRef idx="2">
+            <a:schemeClr val="accent1">
+              <a:shade val="15000"/>
+            </a:schemeClr>
+          </a:lnRef>
+          <a:fillRef idx="1">
+            <a:schemeClr val="accent1"/>
+          </a:fillRef>
+          <a:effectRef idx="0">
+            <a:schemeClr val="accent1"/>
+          </a:effectRef>
+          <a:fontRef idx="minor">
+            <a:schemeClr val="lt1"/>
+          </a:fontRef>
+        </p:style>
+        <p:txBody>
+          <a:bodyPr rtlCol="0" anchor="ctr"/>
+          <a:lstStyle/>
+          <a:p>
+            <a:pPr marL="0" marR="0" lvl="0" indent="0" algn="ctr" defTabSz="914400" rtl="0" eaLnBrk="1" fontAlgn="auto" latinLnBrk="0" hangingPunct="1">
+              <a:lnSpc>
+                <a:spcPct val="100000"/>
+              </a:lnSpc>
+              <a:spcBef>
+                <a:spcPts val="0"/>
+              </a:spcBef>
+              <a:spcAft>
+                <a:spcPts val="0"/>
+              </a:spcAft>
+              <a:buClrTx/>
+              <a:buSzTx/>
+              <a:buFontTx/>
+              <a:buNone/>
+              <a:tabLst/>
+              <a:defRPr/>
+            </a:pPr>
+            <a:endParaRPr kumimoji="0" lang="it-IT" sz="1800" b="0" i="0" u="none" strike="noStrike" kern="1200" cap="none" spc="0" normalizeH="0" baseline="0" noProof="0" dirty="0">
+              <a:ln>
+                <a:noFill/>
+              </a:ln>
+              <a:solidFill>
+                <a:prstClr val="white"/>
+              </a:solidFill>
+              <a:effectLst/>
+              <a:uLnTx/>
+              <a:uFillTx/>
+              <a:latin typeface="Calibri" panose="020F0502020204030204"/>
+              <a:ea typeface="+mn-ea"/>
+              <a:cs typeface="+mn-cs"/>
+            </a:endParaRPr>
+          </a:p>
+        </p:txBody>
+      </p:sp>
+      <p:sp>
+        <p:nvSpPr>
+          <p:cNvPr id="10" name="Rectangle: Rounded Corners 9">
+            <a:extLst>
+              <a:ext uri="{FF2B5EF4-FFF2-40B4-BE49-F238E27FC236}">
+                <a16:creationId xmlns:a16="http://schemas.microsoft.com/office/drawing/2014/main" id="{353FC021-9E12-A48E-6ABA-58B63D78E973}"/>
+              </a:ext>
+            </a:extLst>
+          </p:cNvPr>
+          <p:cNvSpPr/>
+          <p:nvPr/>
+        </p:nvSpPr>
+        <p:spPr>
+          <a:xfrm>
+            <a:off x="4492101" y="253713"/>
+            <a:ext cx="3213716" cy="536232"/>
+          </a:xfrm>
+          <a:prstGeom prst="roundRect">
+            <a:avLst/>
+          </a:prstGeom>
+          <a:solidFill>
+            <a:schemeClr val="bg1"/>
+          </a:solidFill>
+          <a:ln>
+            <a:noFill/>
+          </a:ln>
+        </p:spPr>
+        <p:style>
+          <a:lnRef idx="2">
+            <a:schemeClr val="accent1">
+              <a:shade val="15000"/>
+            </a:schemeClr>
+          </a:lnRef>
+          <a:fillRef idx="1">
+            <a:schemeClr val="accent1"/>
+          </a:fillRef>
+          <a:effectRef idx="0">
+            <a:schemeClr val="accent1"/>
+          </a:effectRef>
+          <a:fontRef idx="minor">
+            <a:schemeClr val="lt1"/>
+          </a:fontRef>
+        </p:style>
+        <p:txBody>
+          <a:bodyPr rtlCol="0" anchor="ctr"/>
+          <a:lstStyle/>
+          <a:p>
+            <a:pPr marL="0" marR="0" lvl="0" indent="0" algn="ctr" defTabSz="914400" rtl="0" eaLnBrk="1" fontAlgn="auto" latinLnBrk="0" hangingPunct="1">
+              <a:lnSpc>
+                <a:spcPct val="100000"/>
+              </a:lnSpc>
+              <a:spcBef>
+                <a:spcPts val="0"/>
+              </a:spcBef>
+              <a:spcAft>
+                <a:spcPts val="0"/>
+              </a:spcAft>
+              <a:buClrTx/>
+              <a:buSzTx/>
+              <a:buFontTx/>
+              <a:buNone/>
+              <a:tabLst/>
+              <a:defRPr/>
+            </a:pPr>
+            <a:endParaRPr kumimoji="0" lang="it-IT" sz="1800" b="0" i="0" u="none" strike="noStrike" kern="1200" cap="none" spc="0" normalizeH="0" baseline="0" noProof="0">
+              <a:ln>
+                <a:noFill/>
+              </a:ln>
+              <a:solidFill>
+                <a:prstClr val="white"/>
+              </a:solidFill>
+              <a:effectLst/>
+              <a:uLnTx/>
+              <a:uFillTx/>
+              <a:latin typeface="Calibri" panose="020F0502020204030204"/>
+              <a:ea typeface="+mn-ea"/>
+              <a:cs typeface="+mn-cs"/>
+            </a:endParaRPr>
+          </a:p>
+        </p:txBody>
+      </p:sp>
+      <p:sp>
+        <p:nvSpPr>
+          <p:cNvPr id="2" name="Title 1">
+            <a:extLst>
+              <a:ext uri="{FF2B5EF4-FFF2-40B4-BE49-F238E27FC236}">
+                <a16:creationId xmlns:a16="http://schemas.microsoft.com/office/drawing/2014/main" id="{29FD1FBB-B73F-521A-0195-23D08646B2BD}"/>
+              </a:ext>
+            </a:extLst>
+          </p:cNvPr>
+          <p:cNvSpPr>
+            <a:spLocks noGrp="1"/>
+          </p:cNvSpPr>
+          <p:nvPr>
+            <p:ph type="ctrTitle"/>
+          </p:nvPr>
+        </p:nvSpPr>
+        <p:spPr>
+          <a:xfrm>
+            <a:off x="0" y="219075"/>
+            <a:ext cx="12192000" cy="547058"/>
+          </a:xfrm>
+        </p:spPr>
+        <p:txBody>
+          <a:bodyPr>
+            <a:normAutofit fontScale="90000"/>
+          </a:bodyPr>
+          <a:lstStyle/>
+          <a:p>
+            <a:pPr hangingPunct="0">
+              <a:tabLst>
+                <a:tab pos="7496175" algn="r"/>
+              </a:tabLst>
+            </a:pPr>
+            <a:r>
+              <a:rPr lang="it-IT" sz="3600" dirty="0">
+                <a:latin typeface="Cambria Math" panose="02040503050406030204" pitchFamily="18" charset="0"/>
+                <a:ea typeface="Cambria Math" panose="02040503050406030204" pitchFamily="18" charset="0"/>
+                <a:cs typeface="Times New Roman" panose="02020603050405020304" pitchFamily="18" charset="0"/>
+              </a:rPr>
+              <a:t>Risultati ottenuti</a:t>
+            </a:r>
+          </a:p>
+        </p:txBody>
+      </p:sp>
+      <p:sp>
+        <p:nvSpPr>
+          <p:cNvPr id="3" name="Subtitle 2">
+            <a:extLst>
+              <a:ext uri="{FF2B5EF4-FFF2-40B4-BE49-F238E27FC236}">
+                <a16:creationId xmlns:a16="http://schemas.microsoft.com/office/drawing/2014/main" id="{FC446B2D-F94A-2F94-9904-6D62ADA65C8F}"/>
+              </a:ext>
+            </a:extLst>
+          </p:cNvPr>
+          <p:cNvSpPr>
+            <a:spLocks noGrp="1"/>
+          </p:cNvSpPr>
+          <p:nvPr>
+            <p:ph type="subTitle" idx="1"/>
+          </p:nvPr>
+        </p:nvSpPr>
+        <p:spPr>
+          <a:xfrm>
+            <a:off x="1159136" y="1141768"/>
+            <a:ext cx="9601200" cy="5497157"/>
+          </a:xfrm>
+        </p:spPr>
+        <p:txBody>
+          <a:bodyPr>
+            <a:normAutofit/>
+          </a:bodyPr>
+          <a:lstStyle/>
+          <a:p>
+            <a:pPr algn="l">
+              <a:lnSpc>
+                <a:spcPct val="200000"/>
+              </a:lnSpc>
+            </a:pPr>
+            <a:endParaRPr lang="it-IT" dirty="0">
+              <a:latin typeface="Times New Roman" panose="02020603050405020304" pitchFamily="18" charset="0"/>
+              <a:cs typeface="Times New Roman" panose="02020603050405020304" pitchFamily="18" charset="0"/>
+            </a:endParaRPr>
+          </a:p>
+        </p:txBody>
+      </p:sp>
+      <p:pic>
+        <p:nvPicPr>
+          <p:cNvPr id="7" name="Picture 6">
+            <a:extLst>
+              <a:ext uri="{FF2B5EF4-FFF2-40B4-BE49-F238E27FC236}">
+                <a16:creationId xmlns:a16="http://schemas.microsoft.com/office/drawing/2014/main" id="{1C9B805D-CBC1-0451-39AE-BF2E24808158}"/>
+              </a:ext>
+            </a:extLst>
+          </p:cNvPr>
+          <p:cNvPicPr>
+            <a:picLocks noChangeAspect="1"/>
+          </p:cNvPicPr>
+          <p:nvPr/>
+        </p:nvPicPr>
+        <p:blipFill>
+          <a:blip r:embed="rId3"/>
+          <a:srcRect/>
+          <a:stretch/>
+        </p:blipFill>
+        <p:spPr>
+          <a:xfrm>
+            <a:off x="620089" y="894509"/>
+            <a:ext cx="10951821" cy="5709777"/>
+          </a:xfrm>
+          <a:prstGeom prst="roundRect">
+            <a:avLst>
+              <a:gd name="adj" fmla="val 753"/>
+            </a:avLst>
+          </a:prstGeom>
+          <a:solidFill>
+            <a:srgbClr val="FFFFFF">
+              <a:shade val="85000"/>
+            </a:srgbClr>
+          </a:solidFill>
+          <a:ln>
+            <a:noFill/>
+          </a:ln>
+          <a:effectLst>
+            <a:reflection blurRad="12700" stA="0" endPos="28000" dist="5000" dir="5400000" sy="-100000" algn="bl" rotWithShape="0"/>
+          </a:effectLst>
+        </p:spPr>
+      </p:pic>
+    </p:spTree>
+    <p:extLst>
+      <p:ext uri="{BB962C8B-B14F-4D97-AF65-F5344CB8AC3E}">
+        <p14:creationId xmlns:p14="http://schemas.microsoft.com/office/powerpoint/2010/main" val="3804425154"/>
+      </p:ext>
+    </p:extLst>
+  </p:cSld>
+  <p:clrMapOvr>
+    <a:masterClrMapping/>
+  </p:clrMapOvr>
+  <mc:AlternateContent xmlns:mc="http://schemas.openxmlformats.org/markup-compatibility/2006">
+    <mc:Choice xmlns:p159="http://schemas.microsoft.com/office/powerpoint/2015/09/main" Requires="p159">
+      <p:transition xmlns:p14="http://schemas.microsoft.com/office/powerpoint/2010/main" spd="slow" p14:dur="2000">
+        <p159:morph option="byObject"/>
+      </p:transition>
+    </mc:Choice>
+    <mc:Fallback>
+      <p:transition spd="slow">
+        <p:fade/>
+      </p:transition>
+    </mc:Fallback>
+  </mc:AlternateContent>
+</p:sld>
+</file>
+
+<file path=ppt/slides/slide25.xml><?xml version="1.0" encoding="utf-8"?>
+<p:sld xmlns:a="http://schemas.openxmlformats.org/drawingml/2006/main" xmlns:r="http://schemas.openxmlformats.org/officeDocument/2006/relationships" xmlns:p="http://schemas.openxmlformats.org/presentationml/2006/main">
+  <p:cSld>
+    <p:bg>
+      <p:bgPr>
+        <a:gradFill>
+          <a:gsLst>
+            <a:gs pos="0">
+              <a:schemeClr val="accent6">
+                <a:lumMod val="40000"/>
+                <a:lumOff val="60000"/>
+              </a:schemeClr>
+            </a:gs>
+            <a:gs pos="100000">
+              <a:schemeClr val="accent6">
+                <a:lumMod val="75000"/>
+              </a:schemeClr>
+            </a:gs>
+          </a:gsLst>
+          <a:lin ang="8100000" scaled="1"/>
+        </a:gradFill>
+        <a:effectLst/>
+      </p:bgPr>
+    </p:bg>
+    <p:spTree>
+      <p:nvGrpSpPr>
+        <p:cNvPr id="1" name=""/>
+        <p:cNvGrpSpPr/>
+        <p:nvPr/>
+      </p:nvGrpSpPr>
+      <p:grpSpPr>
+        <a:xfrm>
+          <a:off x="0" y="0"/>
+          <a:ext cx="0" cy="0"/>
+          <a:chOff x="0" y="0"/>
+          <a:chExt cx="0" cy="0"/>
+        </a:xfrm>
+      </p:grpSpPr>
+      <p:sp>
+        <p:nvSpPr>
+          <p:cNvPr id="8" name="Rectangle: Rounded Corners 7">
+            <a:extLst>
+              <a:ext uri="{FF2B5EF4-FFF2-40B4-BE49-F238E27FC236}">
+                <a16:creationId xmlns:a16="http://schemas.microsoft.com/office/drawing/2014/main" id="{7BB0D57C-96FC-342D-E8C0-5E4D36FCC075}"/>
+              </a:ext>
+            </a:extLst>
+          </p:cNvPr>
+          <p:cNvSpPr/>
+          <p:nvPr/>
+        </p:nvSpPr>
+        <p:spPr>
+          <a:xfrm>
+            <a:off x="136263" y="107576"/>
+            <a:ext cx="11919473" cy="6642848"/>
+          </a:xfrm>
+          <a:prstGeom prst="roundRect">
+            <a:avLst>
+              <a:gd name="adj" fmla="val 1768"/>
+            </a:avLst>
+          </a:prstGeom>
+          <a:solidFill>
+            <a:schemeClr val="accent2">
+              <a:lumMod val="20000"/>
+              <a:lumOff val="80000"/>
+            </a:schemeClr>
+          </a:solidFill>
+          <a:ln>
+            <a:noFill/>
+          </a:ln>
+          <a:effectLst>
+            <a:softEdge rad="0"/>
+          </a:effectLst>
+        </p:spPr>
+        <p:style>
+          <a:lnRef idx="2">
+            <a:schemeClr val="accent1">
+              <a:shade val="15000"/>
+            </a:schemeClr>
+          </a:lnRef>
+          <a:fillRef idx="1">
+            <a:schemeClr val="accent1"/>
+          </a:fillRef>
+          <a:effectRef idx="0">
+            <a:schemeClr val="accent1"/>
+          </a:effectRef>
+          <a:fontRef idx="minor">
+            <a:schemeClr val="lt1"/>
+          </a:fontRef>
+        </p:style>
+        <p:txBody>
+          <a:bodyPr rtlCol="0" anchor="ctr"/>
+          <a:lstStyle/>
+          <a:p>
+            <a:pPr marL="0" marR="0" lvl="0" indent="0" algn="ctr" defTabSz="914400" rtl="0" eaLnBrk="1" fontAlgn="auto" latinLnBrk="0" hangingPunct="1">
+              <a:lnSpc>
+                <a:spcPct val="100000"/>
+              </a:lnSpc>
+              <a:spcBef>
+                <a:spcPts val="0"/>
+              </a:spcBef>
+              <a:spcAft>
+                <a:spcPts val="0"/>
+              </a:spcAft>
+              <a:buClrTx/>
+              <a:buSzTx/>
+              <a:buFontTx/>
+              <a:buNone/>
+              <a:tabLst/>
+              <a:defRPr/>
+            </a:pPr>
+            <a:endParaRPr kumimoji="0" lang="it-IT" sz="1800" b="0" i="0" u="none" strike="noStrike" kern="1200" cap="none" spc="0" normalizeH="0" baseline="0" noProof="0" dirty="0">
+              <a:ln>
+                <a:noFill/>
+              </a:ln>
+              <a:solidFill>
+                <a:prstClr val="white"/>
+              </a:solidFill>
+              <a:effectLst/>
+              <a:uLnTx/>
+              <a:uFillTx/>
+              <a:latin typeface="Calibri" panose="020F0502020204030204"/>
+              <a:ea typeface="+mn-ea"/>
+              <a:cs typeface="+mn-cs"/>
+            </a:endParaRPr>
+          </a:p>
+        </p:txBody>
+      </p:sp>
+      <p:sp>
+        <p:nvSpPr>
+          <p:cNvPr id="10" name="Rectangle: Rounded Corners 9">
+            <a:extLst>
+              <a:ext uri="{FF2B5EF4-FFF2-40B4-BE49-F238E27FC236}">
+                <a16:creationId xmlns:a16="http://schemas.microsoft.com/office/drawing/2014/main" id="{353FC021-9E12-A48E-6ABA-58B63D78E973}"/>
+              </a:ext>
+            </a:extLst>
+          </p:cNvPr>
+          <p:cNvSpPr/>
+          <p:nvPr/>
+        </p:nvSpPr>
+        <p:spPr>
+          <a:xfrm>
+            <a:off x="770237" y="2553920"/>
+            <a:ext cx="10651524" cy="1750160"/>
+          </a:xfrm>
+          <a:prstGeom prst="roundRect">
+            <a:avLst/>
+          </a:prstGeom>
+          <a:solidFill>
+            <a:schemeClr val="bg1"/>
+          </a:solidFill>
+          <a:ln>
+            <a:noFill/>
+          </a:ln>
+        </p:spPr>
+        <p:style>
+          <a:lnRef idx="2">
+            <a:schemeClr val="accent1">
+              <a:shade val="15000"/>
+            </a:schemeClr>
+          </a:lnRef>
+          <a:fillRef idx="1">
+            <a:schemeClr val="accent1"/>
+          </a:fillRef>
+          <a:effectRef idx="0">
+            <a:schemeClr val="accent1"/>
+          </a:effectRef>
+          <a:fontRef idx="minor">
+            <a:schemeClr val="lt1"/>
+          </a:fontRef>
+        </p:style>
+        <p:txBody>
+          <a:bodyPr rtlCol="0" anchor="ctr"/>
+          <a:lstStyle/>
+          <a:p>
+            <a:pPr marL="0" marR="0" lvl="0" indent="0" algn="ctr" defTabSz="914400" rtl="0" eaLnBrk="1" fontAlgn="auto" latinLnBrk="0" hangingPunct="1">
+              <a:lnSpc>
+                <a:spcPct val="100000"/>
+              </a:lnSpc>
+              <a:spcBef>
+                <a:spcPts val="0"/>
+              </a:spcBef>
+              <a:spcAft>
+                <a:spcPts val="0"/>
+              </a:spcAft>
+              <a:buClrTx/>
+              <a:buSzTx/>
+              <a:buFontTx/>
+              <a:buNone/>
+              <a:tabLst/>
+              <a:defRPr/>
+            </a:pPr>
+            <a:r>
+              <a:rPr lang="it-IT" sz="8000" dirty="0">
+                <a:solidFill>
+                  <a:schemeClr val="tx1"/>
+                </a:solidFill>
                 <a:latin typeface="Cambria Math" panose="02040503050406030204" pitchFamily="18" charset="0"/>
                 <a:ea typeface="Cambria Math" panose="02040503050406030204" pitchFamily="18" charset="0"/>
                 <a:cs typeface="Times New Roman" panose="02020603050405020304" pitchFamily="18" charset="0"/>
               </a:rPr>
               <a:t>Grazie per l’attenzione</a:t>
             </a:r>
+            <a:endParaRPr kumimoji="0" lang="it-IT" sz="8000" b="0" i="0" u="none" strike="noStrike" kern="1200" cap="none" spc="0" normalizeH="0" baseline="0" noProof="0" dirty="0">
+              <a:ln>
+                <a:noFill/>
+              </a:ln>
+              <a:solidFill>
+                <a:schemeClr val="tx1"/>
+              </a:solidFill>
+              <a:effectLst/>
+              <a:uLnTx/>
+              <a:uFillTx/>
+              <a:latin typeface="Calibri" panose="020F0502020204030204"/>
+              <a:ea typeface="+mn-ea"/>
+              <a:cs typeface="+mn-cs"/>
+            </a:endParaRPr>
           </a:p>
         </p:txBody>
       </p:sp>
@@ -20131,45 +24382,6 @@
           </a:p>
         </p:txBody>
       </p:sp>
-      <p:cxnSp>
-        <p:nvCxnSpPr>
-          <p:cNvPr id="17" name="Straight Connector 16">
-            <a:extLst>
-              <a:ext uri="{FF2B5EF4-FFF2-40B4-BE49-F238E27FC236}">
-                <a16:creationId xmlns:a16="http://schemas.microsoft.com/office/drawing/2014/main" id="{5457FE98-1172-8434-A191-F65898A9DBEF}"/>
-              </a:ext>
-            </a:extLst>
-          </p:cNvPr>
-          <p:cNvCxnSpPr>
-            <a:cxnSpLocks/>
-          </p:cNvCxnSpPr>
-          <p:nvPr/>
-        </p:nvCxnSpPr>
-        <p:spPr>
-          <a:xfrm>
-            <a:off x="265253" y="1749356"/>
-            <a:ext cx="11661494" cy="0"/>
-          </a:xfrm>
-          <a:prstGeom prst="line">
-            <a:avLst/>
-          </a:prstGeom>
-          <a:ln w="19050"/>
-        </p:spPr>
-        <p:style>
-          <a:lnRef idx="1">
-            <a:schemeClr val="dk1"/>
-          </a:lnRef>
-          <a:fillRef idx="0">
-            <a:schemeClr val="dk1"/>
-          </a:fillRef>
-          <a:effectRef idx="0">
-            <a:schemeClr val="dk1"/>
-          </a:effectRef>
-          <a:fontRef idx="minor">
-            <a:schemeClr val="tx1"/>
-          </a:fontRef>
-        </p:style>
-      </p:cxnSp>
       <p:sp>
         <p:nvSpPr>
           <p:cNvPr id="19" name="TextBox 18">
@@ -20214,6 +24426,45 @@
           </a:p>
         </p:txBody>
       </p:sp>
+      <p:cxnSp>
+        <p:nvCxnSpPr>
+          <p:cNvPr id="17" name="Straight Connector 16">
+            <a:extLst>
+              <a:ext uri="{FF2B5EF4-FFF2-40B4-BE49-F238E27FC236}">
+                <a16:creationId xmlns:a16="http://schemas.microsoft.com/office/drawing/2014/main" id="{5457FE98-1172-8434-A191-F65898A9DBEF}"/>
+              </a:ext>
+            </a:extLst>
+          </p:cNvPr>
+          <p:cNvCxnSpPr>
+            <a:cxnSpLocks/>
+          </p:cNvCxnSpPr>
+          <p:nvPr/>
+        </p:nvCxnSpPr>
+        <p:spPr>
+          <a:xfrm>
+            <a:off x="436605" y="1774070"/>
+            <a:ext cx="11318790" cy="0"/>
+          </a:xfrm>
+          <a:prstGeom prst="line">
+            <a:avLst/>
+          </a:prstGeom>
+          <a:ln w="19050"/>
+        </p:spPr>
+        <p:style>
+          <a:lnRef idx="1">
+            <a:schemeClr val="dk1"/>
+          </a:lnRef>
+          <a:fillRef idx="0">
+            <a:schemeClr val="dk1"/>
+          </a:fillRef>
+          <a:effectRef idx="0">
+            <a:schemeClr val="dk1"/>
+          </a:effectRef>
+          <a:fontRef idx="minor">
+            <a:schemeClr val="tx1"/>
+          </a:fontRef>
+        </p:style>
+      </p:cxnSp>
       <p:sp>
         <p:nvSpPr>
           <p:cNvPr id="20" name="TextBox 19">
@@ -22315,8 +26566,10 @@
           <a:solidFill>
             <a:schemeClr val="bg1"/>
           </a:solidFill>
-          <a:ln>
-            <a:noFill/>
+          <a:ln w="28575">
+            <a:solidFill>
+              <a:schemeClr val="tx1"/>
+            </a:solidFill>
           </a:ln>
         </p:spPr>
         <p:style>
@@ -23117,8 +27370,10 @@
           <a:solidFill>
             <a:schemeClr val="bg1"/>
           </a:solidFill>
-          <a:ln>
-            <a:noFill/>
+          <a:ln w="28575">
+            <a:solidFill>
+              <a:schemeClr val="tx1"/>
+            </a:solidFill>
           </a:ln>
         </p:spPr>
         <p:style>
@@ -23597,8 +27852,10 @@
           <a:solidFill>
             <a:schemeClr val="bg1"/>
           </a:solidFill>
-          <a:ln>
-            <a:noFill/>
+          <a:ln w="28575">
+            <a:solidFill>
+              <a:schemeClr val="tx1"/>
+            </a:solidFill>
           </a:ln>
         </p:spPr>
         <p:style>

--- a/Presentazione_Tesi_Triennale_Informatica_Unimore_2022_2023_Enrico_Marras_152336.pptx
+++ b/Presentazione_Tesi_Triennale_Informatica_Unimore_2022_2023_Enrico_Marras_152336.pptx
@@ -5,7 +5,7 @@
     <p:sldMasterId id="2147483648" r:id="rId1"/>
   </p:sldMasterIdLst>
   <p:notesMasterIdLst>
-    <p:notesMasterId r:id="rId27"/>
+    <p:notesMasterId r:id="rId28"/>
   </p:notesMasterIdLst>
   <p:sldIdLst>
     <p:sldId id="256" r:id="rId2"/>
@@ -27,12 +27,13 @@
     <p:sldId id="270" r:id="rId18"/>
     <p:sldId id="283" r:id="rId19"/>
     <p:sldId id="266" r:id="rId20"/>
-    <p:sldId id="271" r:id="rId21"/>
-    <p:sldId id="284" r:id="rId22"/>
-    <p:sldId id="274" r:id="rId23"/>
-    <p:sldId id="285" r:id="rId24"/>
-    <p:sldId id="286" r:id="rId25"/>
-    <p:sldId id="272" r:id="rId26"/>
+    <p:sldId id="287" r:id="rId21"/>
+    <p:sldId id="271" r:id="rId22"/>
+    <p:sldId id="284" r:id="rId23"/>
+    <p:sldId id="274" r:id="rId24"/>
+    <p:sldId id="285" r:id="rId25"/>
+    <p:sldId id="286" r:id="rId26"/>
+    <p:sldId id="272" r:id="rId27"/>
   </p:sldIdLst>
   <p:sldSz cx="12192000" cy="6858000"/>
   <p:notesSz cx="6858000" cy="9144000"/>
@@ -1274,6 +1275,431 @@
             </c:ext>
           </c:extLst>
         </c:ser>
+        <c:dLbls>
+          <c:showLegendKey val="0"/>
+          <c:showVal val="0"/>
+          <c:showCatName val="0"/>
+          <c:showSerName val="0"/>
+          <c:showPercent val="0"/>
+          <c:showBubbleSize val="0"/>
+        </c:dLbls>
+        <c:smooth val="0"/>
+        <c:axId val="1527741247"/>
+        <c:axId val="1689843311"/>
+      </c:lineChart>
+      <c:catAx>
+        <c:axId val="1527741247"/>
+        <c:scaling>
+          <c:orientation val="minMax"/>
+        </c:scaling>
+        <c:delete val="0"/>
+        <c:axPos val="b"/>
+        <c:title>
+          <c:tx>
+            <c:rich>
+              <a:bodyPr rot="0" spcFirstLastPara="1" vertOverflow="ellipsis" vert="horz" wrap="square" anchor="ctr" anchorCtr="1"/>
+              <a:lstStyle/>
+              <a:p>
+                <a:pPr>
+                  <a:defRPr sz="1400" b="1" i="0" u="none" strike="noStrike" kern="1200" baseline="0">
+                    <a:solidFill>
+                      <a:schemeClr val="tx2"/>
+                    </a:solidFill>
+                    <a:latin typeface="Times New Roman" panose="02020603050405020304" pitchFamily="18" charset="0"/>
+                    <a:ea typeface="+mn-ea"/>
+                    <a:cs typeface="Times New Roman" panose="02020603050405020304" pitchFamily="18" charset="0"/>
+                  </a:defRPr>
+                </a:pPr>
+                <a:r>
+                  <a:rPr lang="it-IT" sz="1400" b="0"/>
+                  <a:t>Campionamenti</a:t>
+                </a:r>
+              </a:p>
+            </c:rich>
+          </c:tx>
+          <c:layout>
+            <c:manualLayout>
+              <c:xMode val="edge"/>
+              <c:yMode val="edge"/>
+              <c:x val="0.46671295949599639"/>
+              <c:y val="0.83536012863544107"/>
+            </c:manualLayout>
+          </c:layout>
+          <c:overlay val="0"/>
+          <c:spPr>
+            <a:noFill/>
+            <a:ln>
+              <a:noFill/>
+            </a:ln>
+            <a:effectLst/>
+          </c:spPr>
+          <c:txPr>
+            <a:bodyPr rot="0" spcFirstLastPara="1" vertOverflow="ellipsis" vert="horz" wrap="square" anchor="ctr" anchorCtr="1"/>
+            <a:lstStyle/>
+            <a:p>
+              <a:pPr>
+                <a:defRPr sz="1400" b="1" i="0" u="none" strike="noStrike" kern="1200" baseline="0">
+                  <a:solidFill>
+                    <a:schemeClr val="tx2"/>
+                  </a:solidFill>
+                  <a:latin typeface="Times New Roman" panose="02020603050405020304" pitchFamily="18" charset="0"/>
+                  <a:ea typeface="+mn-ea"/>
+                  <a:cs typeface="Times New Roman" panose="02020603050405020304" pitchFamily="18" charset="0"/>
+                </a:defRPr>
+              </a:pPr>
+              <a:endParaRPr lang="it-IT"/>
+            </a:p>
+          </c:txPr>
+        </c:title>
+        <c:numFmt formatCode="General" sourceLinked="1"/>
+        <c:majorTickMark val="out"/>
+        <c:minorTickMark val="none"/>
+        <c:tickLblPos val="nextTo"/>
+        <c:spPr>
+          <a:noFill/>
+          <a:ln w="9525" cap="flat" cmpd="sng" algn="ctr">
+            <a:solidFill>
+              <a:schemeClr val="tx2">
+                <a:lumMod val="15000"/>
+                <a:lumOff val="85000"/>
+              </a:schemeClr>
+            </a:solidFill>
+            <a:round/>
+          </a:ln>
+          <a:effectLst/>
+        </c:spPr>
+        <c:txPr>
+          <a:bodyPr rot="-60000000" spcFirstLastPara="1" vertOverflow="ellipsis" vert="horz" wrap="square" anchor="ctr" anchorCtr="1"/>
+          <a:lstStyle/>
+          <a:p>
+            <a:pPr>
+              <a:defRPr sz="1200" b="0" i="0" u="none" strike="noStrike" kern="1200" baseline="0">
+                <a:solidFill>
+                  <a:schemeClr val="tx2"/>
+                </a:solidFill>
+                <a:latin typeface="Times New Roman" panose="02020603050405020304" pitchFamily="18" charset="0"/>
+                <a:ea typeface="+mn-ea"/>
+                <a:cs typeface="Times New Roman" panose="02020603050405020304" pitchFamily="18" charset="0"/>
+              </a:defRPr>
+            </a:pPr>
+            <a:endParaRPr lang="it-IT"/>
+          </a:p>
+        </c:txPr>
+        <c:crossAx val="1689843311"/>
+        <c:crosses val="autoZero"/>
+        <c:auto val="1"/>
+        <c:lblAlgn val="ctr"/>
+        <c:lblOffset val="100"/>
+        <c:noMultiLvlLbl val="0"/>
+      </c:catAx>
+      <c:valAx>
+        <c:axId val="1689843311"/>
+        <c:scaling>
+          <c:orientation val="minMax"/>
+        </c:scaling>
+        <c:delete val="0"/>
+        <c:axPos val="l"/>
+        <c:majorGridlines>
+          <c:spPr>
+            <a:ln w="9525" cap="flat" cmpd="sng" algn="ctr">
+              <a:solidFill>
+                <a:schemeClr val="tx2">
+                  <a:lumMod val="15000"/>
+                  <a:lumOff val="85000"/>
+                </a:schemeClr>
+              </a:solidFill>
+              <a:round/>
+            </a:ln>
+            <a:effectLst/>
+          </c:spPr>
+        </c:majorGridlines>
+        <c:title>
+          <c:tx>
+            <c:rich>
+              <a:bodyPr rot="-5400000" spcFirstLastPara="1" vertOverflow="ellipsis" vert="horz" wrap="square" anchor="ctr" anchorCtr="1"/>
+              <a:lstStyle/>
+              <a:p>
+                <a:pPr>
+                  <a:defRPr sz="1600" b="1" i="0" u="none" strike="noStrike" kern="1200" baseline="0">
+                    <a:solidFill>
+                      <a:schemeClr val="tx2"/>
+                    </a:solidFill>
+                    <a:latin typeface="Times New Roman" panose="02020603050405020304" pitchFamily="18" charset="0"/>
+                    <a:ea typeface="+mn-ea"/>
+                    <a:cs typeface="Times New Roman" panose="02020603050405020304" pitchFamily="18" charset="0"/>
+                  </a:defRPr>
+                </a:pPr>
+                <a:r>
+                  <a:rPr lang="it-IT" sz="1600" b="0"/>
+                  <a:t>Secondi</a:t>
+                </a:r>
+              </a:p>
+            </c:rich>
+          </c:tx>
+          <c:overlay val="0"/>
+          <c:spPr>
+            <a:noFill/>
+            <a:ln>
+              <a:noFill/>
+            </a:ln>
+            <a:effectLst/>
+          </c:spPr>
+          <c:txPr>
+            <a:bodyPr rot="-5400000" spcFirstLastPara="1" vertOverflow="ellipsis" vert="horz" wrap="square" anchor="ctr" anchorCtr="1"/>
+            <a:lstStyle/>
+            <a:p>
+              <a:pPr>
+                <a:defRPr sz="1600" b="1" i="0" u="none" strike="noStrike" kern="1200" baseline="0">
+                  <a:solidFill>
+                    <a:schemeClr val="tx2"/>
+                  </a:solidFill>
+                  <a:latin typeface="Times New Roman" panose="02020603050405020304" pitchFamily="18" charset="0"/>
+                  <a:ea typeface="+mn-ea"/>
+                  <a:cs typeface="Times New Roman" panose="02020603050405020304" pitchFamily="18" charset="0"/>
+                </a:defRPr>
+              </a:pPr>
+              <a:endParaRPr lang="it-IT"/>
+            </a:p>
+          </c:txPr>
+        </c:title>
+        <c:numFmt formatCode="0" sourceLinked="0"/>
+        <c:majorTickMark val="none"/>
+        <c:minorTickMark val="none"/>
+        <c:tickLblPos val="nextTo"/>
+        <c:spPr>
+          <a:noFill/>
+          <a:ln>
+            <a:noFill/>
+          </a:ln>
+          <a:effectLst/>
+        </c:spPr>
+        <c:txPr>
+          <a:bodyPr rot="-60000000" spcFirstLastPara="1" vertOverflow="ellipsis" vert="horz" wrap="square" anchor="ctr" anchorCtr="1"/>
+          <a:lstStyle/>
+          <a:p>
+            <a:pPr>
+              <a:defRPr sz="1200" b="0" i="0" u="none" strike="noStrike" kern="1200" baseline="0">
+                <a:solidFill>
+                  <a:schemeClr val="tx2"/>
+                </a:solidFill>
+                <a:latin typeface="Times New Roman" panose="02020603050405020304" pitchFamily="18" charset="0"/>
+                <a:ea typeface="+mn-ea"/>
+                <a:cs typeface="Times New Roman" panose="02020603050405020304" pitchFamily="18" charset="0"/>
+              </a:defRPr>
+            </a:pPr>
+            <a:endParaRPr lang="it-IT"/>
+          </a:p>
+        </c:txPr>
+        <c:crossAx val="1527741247"/>
+        <c:crosses val="autoZero"/>
+        <c:crossBetween val="between"/>
+      </c:valAx>
+      <c:spPr>
+        <a:noFill/>
+        <a:ln>
+          <a:noFill/>
+        </a:ln>
+        <a:effectLst/>
+      </c:spPr>
+    </c:plotArea>
+    <c:legend>
+      <c:legendPos val="b"/>
+      <c:overlay val="0"/>
+      <c:spPr>
+        <a:noFill/>
+        <a:ln>
+          <a:noFill/>
+        </a:ln>
+        <a:effectLst/>
+      </c:spPr>
+      <c:txPr>
+        <a:bodyPr rot="0" spcFirstLastPara="1" vertOverflow="ellipsis" vert="horz" wrap="square" anchor="ctr" anchorCtr="1"/>
+        <a:lstStyle/>
+        <a:p>
+          <a:pPr>
+            <a:defRPr sz="1200" b="0" i="0" u="none" strike="noStrike" kern="1200" baseline="0">
+              <a:solidFill>
+                <a:schemeClr val="tx2"/>
+              </a:solidFill>
+              <a:latin typeface="Times New Roman" panose="02020603050405020304" pitchFamily="18" charset="0"/>
+              <a:ea typeface="+mn-ea"/>
+              <a:cs typeface="Times New Roman" panose="02020603050405020304" pitchFamily="18" charset="0"/>
+            </a:defRPr>
+          </a:pPr>
+          <a:endParaRPr lang="it-IT"/>
+        </a:p>
+      </c:txPr>
+    </c:legend>
+    <c:plotVisOnly val="1"/>
+    <c:dispBlanksAs val="gap"/>
+    <c:showDLblsOverMax val="0"/>
+  </c:chart>
+  <c:spPr>
+    <a:solidFill>
+      <a:schemeClr val="bg1"/>
+    </a:solidFill>
+    <a:ln w="9525" cap="flat" cmpd="sng" algn="ctr">
+      <a:noFill/>
+      <a:round/>
+    </a:ln>
+    <a:effectLst/>
+  </c:spPr>
+  <c:txPr>
+    <a:bodyPr/>
+    <a:lstStyle/>
+    <a:p>
+      <a:pPr>
+        <a:defRPr>
+          <a:latin typeface="Times New Roman" panose="02020603050405020304" pitchFamily="18" charset="0"/>
+          <a:cs typeface="Times New Roman" panose="02020603050405020304" pitchFamily="18" charset="0"/>
+        </a:defRPr>
+      </a:pPr>
+      <a:endParaRPr lang="it-IT"/>
+    </a:p>
+  </c:txPr>
+  <c:externalData r:id="rId4">
+    <c:autoUpdate val="0"/>
+  </c:externalData>
+</c:chartSpace>
+</file>
+
+<file path=ppt/charts/chart3.xml><?xml version="1.0" encoding="utf-8"?>
+<c:chartSpace xmlns:c="http://schemas.openxmlformats.org/drawingml/2006/chart" xmlns:a="http://schemas.openxmlformats.org/drawingml/2006/main" xmlns:r="http://schemas.openxmlformats.org/officeDocument/2006/relationships" xmlns:c16r2="http://schemas.microsoft.com/office/drawing/2015/06/chart">
+  <c:date1904 val="0"/>
+  <c:lang val="en-US"/>
+  <c:roundedCorners val="0"/>
+  <mc:AlternateContent xmlns:mc="http://schemas.openxmlformats.org/markup-compatibility/2006">
+    <mc:Choice xmlns:c14="http://schemas.microsoft.com/office/drawing/2007/8/2/chart" Requires="c14">
+      <c14:style val="102"/>
+    </mc:Choice>
+    <mc:Fallback>
+      <c:style val="2"/>
+    </mc:Fallback>
+  </mc:AlternateContent>
+  <c:clrMapOvr bg1="lt1" tx1="dk1" bg2="lt2" tx2="dk2" accent1="accent1" accent2="accent2" accent3="accent3" accent4="accent4" accent5="accent5" accent6="accent6" hlink="hlink" folHlink="folHlink"/>
+  <c:chart>
+    <c:autoTitleDeleted val="1"/>
+    <c:plotArea>
+      <c:layout>
+        <c:manualLayout>
+          <c:layoutTarget val="inner"/>
+          <c:xMode val="edge"/>
+          <c:yMode val="edge"/>
+          <c:x val="9.217807067638116E-2"/>
+          <c:y val="5.0925972777412336E-2"/>
+          <c:w val="0.88139547421437181"/>
+          <c:h val="0.71536966798383761"/>
+        </c:manualLayout>
+      </c:layout>
+      <c:lineChart>
+        <c:grouping val="standard"/>
+        <c:varyColors val="0"/>
+        <c:ser>
+          <c:idx val="0"/>
+          <c:order val="0"/>
+          <c:tx>
+            <c:strRef>
+              <c:f>Sheet1!$A$1</c:f>
+              <c:strCache>
+                <c:ptCount val="1"/>
+                <c:pt idx="0">
+                  <c:v>Software originale</c:v>
+                </c:pt>
+              </c:strCache>
+            </c:strRef>
+          </c:tx>
+          <c:spPr>
+            <a:ln w="25400" cap="rnd">
+              <a:solidFill>
+                <a:srgbClr val="FF4B4B"/>
+              </a:solidFill>
+              <a:prstDash val="solid"/>
+              <a:round/>
+            </a:ln>
+            <a:effectLst>
+              <a:glow>
+                <a:schemeClr val="accent1">
+                  <a:alpha val="40000"/>
+                </a:schemeClr>
+              </a:glow>
+            </a:effectLst>
+          </c:spPr>
+          <c:marker>
+            <c:symbol val="none"/>
+          </c:marker>
+          <c:val>
+            <c:numRef>
+              <c:f>Sheet1!$A$2:$A$20</c:f>
+              <c:numCache>
+                <c:formatCode>0.00</c:formatCode>
+                <c:ptCount val="19"/>
+                <c:pt idx="0">
+                  <c:v>6.92</c:v>
+                </c:pt>
+                <c:pt idx="1">
+                  <c:v>5.38</c:v>
+                </c:pt>
+                <c:pt idx="2">
+                  <c:v>5.81</c:v>
+                </c:pt>
+                <c:pt idx="3">
+                  <c:v>6.61</c:v>
+                </c:pt>
+                <c:pt idx="4">
+                  <c:v>12.87</c:v>
+                </c:pt>
+                <c:pt idx="5">
+                  <c:v>6.48</c:v>
+                </c:pt>
+                <c:pt idx="6">
+                  <c:v>6.42</c:v>
+                </c:pt>
+                <c:pt idx="7">
+                  <c:v>5.98</c:v>
+                </c:pt>
+                <c:pt idx="8">
+                  <c:v>5.79</c:v>
+                </c:pt>
+                <c:pt idx="9">
+                  <c:v>11.54</c:v>
+                </c:pt>
+                <c:pt idx="10">
+                  <c:v>6.32</c:v>
+                </c:pt>
+                <c:pt idx="11">
+                  <c:v>6.94</c:v>
+                </c:pt>
+                <c:pt idx="12">
+                  <c:v>5.52</c:v>
+                </c:pt>
+                <c:pt idx="13">
+                  <c:v>6.52</c:v>
+                </c:pt>
+                <c:pt idx="14">
+                  <c:v>5.91</c:v>
+                </c:pt>
+                <c:pt idx="15">
+                  <c:v>7.13</c:v>
+                </c:pt>
+                <c:pt idx="16">
+                  <c:v>6.28</c:v>
+                </c:pt>
+                <c:pt idx="17">
+                  <c:v>12.26</c:v>
+                </c:pt>
+                <c:pt idx="18">
+                  <c:v>5.62</c:v>
+                </c:pt>
+              </c:numCache>
+            </c:numRef>
+          </c:val>
+          <c:smooth val="0"/>
+          <c:extLst>
+            <c:ext xmlns:c16="http://schemas.microsoft.com/office/drawing/2014/chart" uri="{C3380CC4-5D6E-409C-BE32-E72D297353CC}">
+              <c16:uniqueId val="{00000000-72A7-412A-B95B-5CF86AF62D58}"/>
+            </c:ext>
+          </c:extLst>
+        </c:ser>
         <c:ser>
           <c:idx val="1"/>
           <c:order val="1"/>
@@ -1664,7 +2090,7 @@
 </c:chartSpace>
 </file>
 
-<file path=ppt/charts/chart3.xml><?xml version="1.0" encoding="utf-8"?>
+<file path=ppt/charts/chart4.xml><?xml version="1.0" encoding="utf-8"?>
 <c:chartSpace xmlns:c="http://schemas.openxmlformats.org/drawingml/2006/chart" xmlns:a="http://schemas.openxmlformats.org/drawingml/2006/main" xmlns:r="http://schemas.openxmlformats.org/officeDocument/2006/relationships" xmlns:c16r2="http://schemas.microsoft.com/office/drawing/2015/06/chart">
   <c:date1904 val="0"/>
   <c:lang val="en-US"/>
@@ -2229,6 +2655,46 @@
 </file>
 
 <file path=ppt/charts/colors3.xml><?xml version="1.0" encoding="utf-8"?>
+<cs:colorStyle xmlns:cs="http://schemas.microsoft.com/office/drawing/2012/chartStyle" xmlns:a="http://schemas.openxmlformats.org/drawingml/2006/main" meth="cycle" id="10">
+  <a:schemeClr val="accent1"/>
+  <a:schemeClr val="accent2"/>
+  <a:schemeClr val="accent3"/>
+  <a:schemeClr val="accent4"/>
+  <a:schemeClr val="accent5"/>
+  <a:schemeClr val="accent6"/>
+  <cs:variation/>
+  <cs:variation>
+    <a:lumMod val="60000"/>
+  </cs:variation>
+  <cs:variation>
+    <a:lumMod val="80000"/>
+    <a:lumOff val="20000"/>
+  </cs:variation>
+  <cs:variation>
+    <a:lumMod val="80000"/>
+  </cs:variation>
+  <cs:variation>
+    <a:lumMod val="60000"/>
+    <a:lumOff val="40000"/>
+  </cs:variation>
+  <cs:variation>
+    <a:lumMod val="50000"/>
+  </cs:variation>
+  <cs:variation>
+    <a:lumMod val="70000"/>
+    <a:lumOff val="30000"/>
+  </cs:variation>
+  <cs:variation>
+    <a:lumMod val="70000"/>
+  </cs:variation>
+  <cs:variation>
+    <a:lumMod val="50000"/>
+    <a:lumOff val="50000"/>
+  </cs:variation>
+</cs:colorStyle>
+</file>
+
+<file path=ppt/charts/colors4.xml><?xml version="1.0" encoding="utf-8"?>
 <cs:colorStyle xmlns:cs="http://schemas.microsoft.com/office/drawing/2012/chartStyle" xmlns:a="http://schemas.openxmlformats.org/drawingml/2006/main" meth="cycle" id="10">
   <a:schemeClr val="accent1"/>
   <a:schemeClr val="accent2"/>
@@ -3253,6 +3719,474 @@
 </file>
 
 <file path=ppt/charts/style3.xml><?xml version="1.0" encoding="utf-8"?>
+<cs:chartStyle xmlns:cs="http://schemas.microsoft.com/office/drawing/2012/chartStyle" xmlns:a="http://schemas.openxmlformats.org/drawingml/2006/main" id="231">
+  <cs:axisTitle>
+    <cs:lnRef idx="0"/>
+    <cs:fillRef idx="0"/>
+    <cs:effectRef idx="0"/>
+    <cs:fontRef idx="minor">
+      <a:schemeClr val="tx2"/>
+    </cs:fontRef>
+    <cs:defRPr sz="900" b="1" kern="1200"/>
+  </cs:axisTitle>
+  <cs:categoryAxis>
+    <cs:lnRef idx="0"/>
+    <cs:fillRef idx="0"/>
+    <cs:effectRef idx="0"/>
+    <cs:fontRef idx="minor">
+      <a:schemeClr val="tx2"/>
+    </cs:fontRef>
+    <cs:spPr>
+      <a:ln w="9525" cap="flat" cmpd="sng" algn="ctr">
+        <a:solidFill>
+          <a:schemeClr val="tx2">
+            <a:lumMod val="15000"/>
+            <a:lumOff val="85000"/>
+          </a:schemeClr>
+        </a:solidFill>
+        <a:round/>
+      </a:ln>
+    </cs:spPr>
+    <cs:defRPr sz="900" kern="1200"/>
+  </cs:categoryAxis>
+  <cs:chartArea mods="allowNoFillOverride allowNoLineOverride">
+    <cs:lnRef idx="0"/>
+    <cs:fillRef idx="0"/>
+    <cs:effectRef idx="0"/>
+    <cs:fontRef idx="minor">
+      <a:schemeClr val="tx2"/>
+    </cs:fontRef>
+    <cs:spPr>
+      <a:solidFill>
+        <a:schemeClr val="bg1"/>
+      </a:solidFill>
+      <a:ln w="9525" cap="flat" cmpd="sng" algn="ctr">
+        <a:solidFill>
+          <a:schemeClr val="tx2">
+            <a:lumMod val="15000"/>
+            <a:lumOff val="85000"/>
+          </a:schemeClr>
+        </a:solidFill>
+        <a:round/>
+      </a:ln>
+    </cs:spPr>
+    <cs:defRPr sz="900" kern="1200"/>
+  </cs:chartArea>
+  <cs:dataLabel>
+    <cs:lnRef idx="0"/>
+    <cs:fillRef idx="0"/>
+    <cs:effectRef idx="0"/>
+    <cs:fontRef idx="minor">
+      <a:schemeClr val="tx2"/>
+    </cs:fontRef>
+    <cs:defRPr sz="900" kern="1200"/>
+  </cs:dataLabel>
+  <cs:dataLabelCallout>
+    <cs:lnRef idx="0"/>
+    <cs:fillRef idx="0"/>
+    <cs:effectRef idx="0"/>
+    <cs:fontRef idx="minor">
+      <a:schemeClr val="dk2">
+        <a:lumMod val="75000"/>
+      </a:schemeClr>
+    </cs:fontRef>
+    <cs:spPr>
+      <a:solidFill>
+        <a:schemeClr val="lt1"/>
+      </a:solidFill>
+      <a:ln>
+        <a:solidFill>
+          <a:schemeClr val="dk1">
+            <a:lumMod val="25000"/>
+            <a:lumOff val="75000"/>
+          </a:schemeClr>
+        </a:solidFill>
+      </a:ln>
+    </cs:spPr>
+    <cs:defRPr sz="900" kern="1200"/>
+    <cs:bodyPr rot="0" spcFirstLastPara="1" vertOverflow="clip" horzOverflow="clip" vert="horz" wrap="square" lIns="36576" tIns="18288" rIns="36576" bIns="18288" anchor="ctr" anchorCtr="1">
+      <a:spAutoFit/>
+    </cs:bodyPr>
+  </cs:dataLabelCallout>
+  <cs:dataPoint>
+    <cs:lnRef idx="0"/>
+    <cs:fillRef idx="3">
+      <cs:styleClr val="auto"/>
+    </cs:fillRef>
+    <cs:effectRef idx="2"/>
+    <cs:fontRef idx="minor">
+      <a:schemeClr val="tx2"/>
+    </cs:fontRef>
+  </cs:dataPoint>
+  <cs:dataPoint3D>
+    <cs:lnRef idx="0"/>
+    <cs:fillRef idx="3">
+      <cs:styleClr val="auto"/>
+    </cs:fillRef>
+    <cs:effectRef idx="2"/>
+    <cs:fontRef idx="minor">
+      <a:schemeClr val="tx2"/>
+    </cs:fontRef>
+  </cs:dataPoint3D>
+  <cs:dataPointLine>
+    <cs:lnRef idx="0">
+      <cs:styleClr val="auto"/>
+    </cs:lnRef>
+    <cs:fillRef idx="3"/>
+    <cs:effectRef idx="2"/>
+    <cs:fontRef idx="minor">
+      <a:schemeClr val="tx2"/>
+    </cs:fontRef>
+    <cs:spPr>
+      <a:ln w="31750" cap="rnd">
+        <a:solidFill>
+          <a:schemeClr val="phClr"/>
+        </a:solidFill>
+        <a:round/>
+      </a:ln>
+    </cs:spPr>
+  </cs:dataPointLine>
+  <cs:dataPointMarker>
+    <cs:lnRef idx="0"/>
+    <cs:fillRef idx="3">
+      <cs:styleClr val="auto"/>
+    </cs:fillRef>
+    <cs:effectRef idx="2"/>
+    <cs:fontRef idx="minor">
+      <a:schemeClr val="tx2"/>
+    </cs:fontRef>
+    <cs:spPr>
+      <a:ln w="12700">
+        <a:solidFill>
+          <a:schemeClr val="lt2"/>
+        </a:solidFill>
+        <a:round/>
+      </a:ln>
+    </cs:spPr>
+  </cs:dataPointMarker>
+  <cs:dataPointMarkerLayout symbol="circle" size="6"/>
+  <cs:dataPointWireframe>
+    <cs:lnRef idx="0">
+      <cs:styleClr val="auto"/>
+    </cs:lnRef>
+    <cs:fillRef idx="3"/>
+    <cs:effectRef idx="2"/>
+    <cs:fontRef idx="minor">
+      <a:schemeClr val="tx2"/>
+    </cs:fontRef>
+    <cs:spPr>
+      <a:ln w="9525" cap="rnd">
+        <a:solidFill>
+          <a:schemeClr val="phClr"/>
+        </a:solidFill>
+        <a:round/>
+      </a:ln>
+    </cs:spPr>
+  </cs:dataPointWireframe>
+  <cs:dataTable>
+    <cs:lnRef idx="0"/>
+    <cs:fillRef idx="0"/>
+    <cs:effectRef idx="0"/>
+    <cs:fontRef idx="minor">
+      <a:schemeClr val="tx2"/>
+    </cs:fontRef>
+    <cs:spPr>
+      <a:ln w="9525">
+        <a:solidFill>
+          <a:schemeClr val="tx2">
+            <a:lumMod val="15000"/>
+            <a:lumOff val="85000"/>
+          </a:schemeClr>
+        </a:solidFill>
+      </a:ln>
+    </cs:spPr>
+    <cs:defRPr sz="900" kern="1200"/>
+  </cs:dataTable>
+  <cs:downBar>
+    <cs:lnRef idx="0"/>
+    <cs:fillRef idx="0"/>
+    <cs:effectRef idx="0"/>
+    <cs:fontRef idx="minor">
+      <a:schemeClr val="dk1"/>
+    </cs:fontRef>
+    <cs:spPr>
+      <a:solidFill>
+        <a:schemeClr val="dk1">
+          <a:lumMod val="65000"/>
+          <a:lumOff val="35000"/>
+        </a:schemeClr>
+      </a:solidFill>
+      <a:ln w="9525">
+        <a:solidFill>
+          <a:schemeClr val="tx1">
+            <a:lumMod val="65000"/>
+            <a:lumOff val="35000"/>
+          </a:schemeClr>
+        </a:solidFill>
+      </a:ln>
+    </cs:spPr>
+  </cs:downBar>
+  <cs:dropLine>
+    <cs:lnRef idx="0"/>
+    <cs:fillRef idx="0"/>
+    <cs:effectRef idx="0"/>
+    <cs:fontRef idx="minor">
+      <a:schemeClr val="tx2"/>
+    </cs:fontRef>
+    <cs:spPr>
+      <a:ln w="9525">
+        <a:solidFill>
+          <a:schemeClr val="tx2">
+            <a:lumMod val="60000"/>
+            <a:lumOff val="40000"/>
+          </a:schemeClr>
+        </a:solidFill>
+        <a:prstDash val="dash"/>
+      </a:ln>
+    </cs:spPr>
+  </cs:dropLine>
+  <cs:errorBar>
+    <cs:lnRef idx="0"/>
+    <cs:fillRef idx="0"/>
+    <cs:effectRef idx="0"/>
+    <cs:fontRef idx="minor">
+      <a:schemeClr val="tx2"/>
+    </cs:fontRef>
+    <cs:spPr>
+      <a:ln w="9525">
+        <a:solidFill>
+          <a:schemeClr val="tx2">
+            <a:lumMod val="75000"/>
+          </a:schemeClr>
+        </a:solidFill>
+        <a:round/>
+      </a:ln>
+    </cs:spPr>
+  </cs:errorBar>
+  <cs:floor>
+    <cs:lnRef idx="0"/>
+    <cs:fillRef idx="0"/>
+    <cs:effectRef idx="0"/>
+    <cs:fontRef idx="minor">
+      <a:schemeClr val="tx2"/>
+    </cs:fontRef>
+  </cs:floor>
+  <cs:gridlineMajor>
+    <cs:lnRef idx="0"/>
+    <cs:fillRef idx="0"/>
+    <cs:effectRef idx="0"/>
+    <cs:fontRef idx="minor">
+      <a:schemeClr val="tx2"/>
+    </cs:fontRef>
+    <cs:spPr>
+      <a:ln w="9525" cap="flat" cmpd="sng" algn="ctr">
+        <a:solidFill>
+          <a:schemeClr val="tx2">
+            <a:lumMod val="15000"/>
+            <a:lumOff val="85000"/>
+          </a:schemeClr>
+        </a:solidFill>
+        <a:round/>
+      </a:ln>
+    </cs:spPr>
+  </cs:gridlineMajor>
+  <cs:gridlineMinor>
+    <cs:lnRef idx="0"/>
+    <cs:fillRef idx="0"/>
+    <cs:effectRef idx="0"/>
+    <cs:fontRef idx="minor">
+      <a:schemeClr val="tx2"/>
+    </cs:fontRef>
+    <cs:spPr>
+      <a:ln>
+        <a:solidFill>
+          <a:schemeClr val="tx2">
+            <a:lumMod val="5000"/>
+            <a:lumOff val="95000"/>
+          </a:schemeClr>
+        </a:solidFill>
+      </a:ln>
+    </cs:spPr>
+  </cs:gridlineMinor>
+  <cs:hiLoLine>
+    <cs:lnRef idx="0"/>
+    <cs:fillRef idx="0"/>
+    <cs:effectRef idx="0"/>
+    <cs:fontRef idx="minor">
+      <a:schemeClr val="tx2"/>
+    </cs:fontRef>
+    <cs:spPr>
+      <a:ln w="9525">
+        <a:solidFill>
+          <a:schemeClr val="tx2">
+            <a:lumMod val="60000"/>
+            <a:lumOff val="40000"/>
+          </a:schemeClr>
+        </a:solidFill>
+        <a:prstDash val="dash"/>
+      </a:ln>
+    </cs:spPr>
+  </cs:hiLoLine>
+  <cs:leaderLine>
+    <cs:lnRef idx="0"/>
+    <cs:fillRef idx="0"/>
+    <cs:effectRef idx="0"/>
+    <cs:fontRef idx="minor">
+      <a:schemeClr val="tx2"/>
+    </cs:fontRef>
+    <cs:spPr>
+      <a:ln w="9525">
+        <a:solidFill>
+          <a:schemeClr val="tx2">
+            <a:lumMod val="35000"/>
+            <a:lumOff val="65000"/>
+          </a:schemeClr>
+        </a:solidFill>
+      </a:ln>
+    </cs:spPr>
+  </cs:leaderLine>
+  <cs:legend>
+    <cs:lnRef idx="0"/>
+    <cs:fillRef idx="0"/>
+    <cs:effectRef idx="0"/>
+    <cs:fontRef idx="minor">
+      <a:schemeClr val="tx2"/>
+    </cs:fontRef>
+    <cs:defRPr sz="900" kern="1200"/>
+  </cs:legend>
+  <cs:plotArea>
+    <cs:lnRef idx="0"/>
+    <cs:fillRef idx="0"/>
+    <cs:effectRef idx="0"/>
+    <cs:fontRef idx="minor">
+      <a:schemeClr val="tx2"/>
+    </cs:fontRef>
+  </cs:plotArea>
+  <cs:plotArea3D>
+    <cs:lnRef idx="0"/>
+    <cs:fillRef idx="0"/>
+    <cs:effectRef idx="0"/>
+    <cs:fontRef idx="minor">
+      <a:schemeClr val="tx2"/>
+    </cs:fontRef>
+  </cs:plotArea3D>
+  <cs:seriesAxis>
+    <cs:lnRef idx="0"/>
+    <cs:fillRef idx="0"/>
+    <cs:effectRef idx="0"/>
+    <cs:fontRef idx="minor">
+      <a:schemeClr val="tx2"/>
+    </cs:fontRef>
+    <cs:spPr>
+      <a:ln w="9525" cap="flat" cmpd="sng" algn="ctr">
+        <a:solidFill>
+          <a:schemeClr val="tx2">
+            <a:lumMod val="15000"/>
+            <a:lumOff val="85000"/>
+          </a:schemeClr>
+        </a:solidFill>
+        <a:round/>
+      </a:ln>
+    </cs:spPr>
+    <cs:defRPr sz="900" kern="1200"/>
+  </cs:seriesAxis>
+  <cs:seriesLine>
+    <cs:lnRef idx="0"/>
+    <cs:fillRef idx="0"/>
+    <cs:effectRef idx="0"/>
+    <cs:fontRef idx="minor">
+      <a:schemeClr val="tx2"/>
+    </cs:fontRef>
+    <cs:spPr>
+      <a:ln w="9525">
+        <a:solidFill>
+          <a:schemeClr val="tx2">
+            <a:lumMod val="60000"/>
+            <a:lumOff val="40000"/>
+          </a:schemeClr>
+        </a:solidFill>
+        <a:prstDash val="dash"/>
+      </a:ln>
+    </cs:spPr>
+  </cs:seriesLine>
+  <cs:title>
+    <cs:lnRef idx="0"/>
+    <cs:fillRef idx="0"/>
+    <cs:effectRef idx="0"/>
+    <cs:fontRef idx="minor">
+      <a:schemeClr val="tx2"/>
+    </cs:fontRef>
+    <cs:defRPr sz="1600" b="1" kern="1200"/>
+  </cs:title>
+  <cs:trendline>
+    <cs:lnRef idx="0">
+      <cs:styleClr val="auto"/>
+    </cs:lnRef>
+    <cs:fillRef idx="0"/>
+    <cs:effectRef idx="0"/>
+    <cs:fontRef idx="minor">
+      <a:schemeClr val="tx2"/>
+    </cs:fontRef>
+    <cs:spPr>
+      <a:ln w="19050" cap="rnd">
+        <a:solidFill>
+          <a:schemeClr val="phClr"/>
+        </a:solidFill>
+        <a:prstDash val="sysDash"/>
+      </a:ln>
+    </cs:spPr>
+  </cs:trendline>
+  <cs:trendlineLabel>
+    <cs:lnRef idx="0"/>
+    <cs:fillRef idx="0"/>
+    <cs:effectRef idx="0"/>
+    <cs:fontRef idx="minor">
+      <a:schemeClr val="tx2"/>
+    </cs:fontRef>
+    <cs:defRPr sz="900" kern="1200"/>
+  </cs:trendlineLabel>
+  <cs:upBar>
+    <cs:lnRef idx="0"/>
+    <cs:fillRef idx="0"/>
+    <cs:effectRef idx="0"/>
+    <cs:fontRef idx="minor">
+      <a:schemeClr val="tx2"/>
+    </cs:fontRef>
+    <cs:spPr>
+      <a:solidFill>
+        <a:schemeClr val="lt1"/>
+      </a:solidFill>
+      <a:ln w="9525">
+        <a:solidFill>
+          <a:schemeClr val="tx1">
+            <a:lumMod val="15000"/>
+            <a:lumOff val="85000"/>
+          </a:schemeClr>
+        </a:solidFill>
+      </a:ln>
+    </cs:spPr>
+  </cs:upBar>
+  <cs:valueAxis>
+    <cs:lnRef idx="0"/>
+    <cs:fillRef idx="0"/>
+    <cs:effectRef idx="0"/>
+    <cs:fontRef idx="minor">
+      <a:schemeClr val="tx2"/>
+    </cs:fontRef>
+    <cs:defRPr sz="900" kern="1200"/>
+  </cs:valueAxis>
+  <cs:wall>
+    <cs:lnRef idx="0"/>
+    <cs:fillRef idx="0"/>
+    <cs:effectRef idx="0"/>
+    <cs:fontRef idx="minor">
+      <a:schemeClr val="tx2"/>
+    </cs:fontRef>
+  </cs:wall>
+</cs:chartStyle>
+</file>
+
+<file path=ppt/charts/style4.xml><?xml version="1.0" encoding="utf-8"?>
 <cs:chartStyle xmlns:cs="http://schemas.microsoft.com/office/drawing/2012/chartStyle" xmlns:a="http://schemas.openxmlformats.org/drawingml/2006/main" id="219">
   <cs:axisTitle>
     <cs:lnRef idx="0"/>
@@ -3859,7 +4793,7 @@
           <a:p>
             <a:fld id="{5A380E97-91F5-47EA-9D04-C3513F44CB51}" type="datetimeFigureOut">
               <a:rPr lang="it-IT" smtClean="0"/>
-              <a:t>15/10/2023</a:t>
+              <a:t>16/10/2023</a:t>
             </a:fld>
             <a:endParaRPr lang="it-IT"/>
           </a:p>
@@ -5641,7 +6575,7 @@
     </p:spTree>
     <p:extLst>
       <p:ext uri="{BB962C8B-B14F-4D97-AF65-F5344CB8AC3E}">
-        <p14:creationId xmlns:p14="http://schemas.microsoft.com/office/powerpoint/2010/main" val="1724870212"/>
+        <p14:creationId xmlns:p14="http://schemas.microsoft.com/office/powerpoint/2010/main" val="2900343034"/>
       </p:ext>
     </p:extLst>
   </p:cSld>
@@ -5929,7 +6863,7 @@
     </p:spTree>
     <p:extLst>
       <p:ext uri="{BB962C8B-B14F-4D97-AF65-F5344CB8AC3E}">
-        <p14:creationId xmlns:p14="http://schemas.microsoft.com/office/powerpoint/2010/main" val="505399425"/>
+        <p14:creationId xmlns:p14="http://schemas.microsoft.com/office/powerpoint/2010/main" val="1724870212"/>
       </p:ext>
     </p:extLst>
   </p:cSld>
@@ -6073,7 +7007,7 @@
     </p:spTree>
     <p:extLst>
       <p:ext uri="{BB962C8B-B14F-4D97-AF65-F5344CB8AC3E}">
-        <p14:creationId xmlns:p14="http://schemas.microsoft.com/office/powerpoint/2010/main" val="2121086211"/>
+        <p14:creationId xmlns:p14="http://schemas.microsoft.com/office/powerpoint/2010/main" val="505399425"/>
       </p:ext>
     </p:extLst>
   </p:cSld>
@@ -6217,7 +7151,7 @@
     </p:spTree>
     <p:extLst>
       <p:ext uri="{BB962C8B-B14F-4D97-AF65-F5344CB8AC3E}">
-        <p14:creationId xmlns:p14="http://schemas.microsoft.com/office/powerpoint/2010/main" val="3236551705"/>
+        <p14:creationId xmlns:p14="http://schemas.microsoft.com/office/powerpoint/2010/main" val="2121086211"/>
       </p:ext>
     </p:extLst>
   </p:cSld>
@@ -6361,7 +7295,7 @@
     </p:spTree>
     <p:extLst>
       <p:ext uri="{BB962C8B-B14F-4D97-AF65-F5344CB8AC3E}">
-        <p14:creationId xmlns:p14="http://schemas.microsoft.com/office/powerpoint/2010/main" val="3615466969"/>
+        <p14:creationId xmlns:p14="http://schemas.microsoft.com/office/powerpoint/2010/main" val="3236551705"/>
       </p:ext>
     </p:extLst>
   </p:cSld>
@@ -6505,6 +7439,150 @@
     </p:spTree>
     <p:extLst>
       <p:ext uri="{BB962C8B-B14F-4D97-AF65-F5344CB8AC3E}">
+        <p14:creationId xmlns:p14="http://schemas.microsoft.com/office/powerpoint/2010/main" val="3615466969"/>
+      </p:ext>
+    </p:extLst>
+  </p:cSld>
+  <p:clrMapOvr>
+    <a:masterClrMapping/>
+  </p:clrMapOvr>
+</p:notes>
+</file>
+
+<file path=ppt/notesSlides/notesSlide25.xml><?xml version="1.0" encoding="utf-8"?>
+<p:notes xmlns:a="http://schemas.openxmlformats.org/drawingml/2006/main" xmlns:r="http://schemas.openxmlformats.org/officeDocument/2006/relationships" xmlns:p="http://schemas.openxmlformats.org/presentationml/2006/main">
+  <p:cSld>
+    <p:spTree>
+      <p:nvGrpSpPr>
+        <p:cNvPr id="1" name=""/>
+        <p:cNvGrpSpPr/>
+        <p:nvPr/>
+      </p:nvGrpSpPr>
+      <p:grpSpPr>
+        <a:xfrm>
+          <a:off x="0" y="0"/>
+          <a:ext cx="0" cy="0"/>
+          <a:chOff x="0" y="0"/>
+          <a:chExt cx="0" cy="0"/>
+        </a:xfrm>
+      </p:grpSpPr>
+      <p:sp>
+        <p:nvSpPr>
+          <p:cNvPr id="2" name="Slide Image Placeholder 1"/>
+          <p:cNvSpPr>
+            <a:spLocks noGrp="1" noRot="1" noChangeAspect="1"/>
+          </p:cNvSpPr>
+          <p:nvPr>
+            <p:ph type="sldImg"/>
+          </p:nvPr>
+        </p:nvSpPr>
+        <p:spPr/>
+      </p:sp>
+      <p:sp>
+        <p:nvSpPr>
+          <p:cNvPr id="3" name="Notes Placeholder 2"/>
+          <p:cNvSpPr>
+            <a:spLocks noGrp="1"/>
+          </p:cNvSpPr>
+          <p:nvPr>
+            <p:ph type="body" idx="1"/>
+          </p:nvPr>
+        </p:nvSpPr>
+        <p:spPr/>
+        <p:txBody>
+          <a:bodyPr/>
+          <a:lstStyle/>
+          <a:p>
+            <a:endParaRPr lang="it-IT" dirty="0"/>
+          </a:p>
+        </p:txBody>
+      </p:sp>
+      <p:sp>
+        <p:nvSpPr>
+          <p:cNvPr id="4" name="Slide Number Placeholder 3"/>
+          <p:cNvSpPr>
+            <a:spLocks noGrp="1"/>
+          </p:cNvSpPr>
+          <p:nvPr>
+            <p:ph type="sldNum" sz="quarter" idx="5"/>
+          </p:nvPr>
+        </p:nvSpPr>
+        <p:spPr/>
+        <p:txBody>
+          <a:bodyPr/>
+          <a:lstStyle/>
+          <a:p>
+            <a:pPr marL="0" marR="0" lvl="0" indent="0" algn="r" defTabSz="914400" rtl="0" eaLnBrk="1" fontAlgn="auto" latinLnBrk="0" hangingPunct="1">
+              <a:lnSpc>
+                <a:spcPct val="100000"/>
+              </a:lnSpc>
+              <a:spcBef>
+                <a:spcPts val="0"/>
+              </a:spcBef>
+              <a:spcAft>
+                <a:spcPts val="0"/>
+              </a:spcAft>
+              <a:buClrTx/>
+              <a:buSzTx/>
+              <a:buFontTx/>
+              <a:buNone/>
+              <a:tabLst/>
+              <a:defRPr/>
+            </a:pPr>
+            <a:fld id="{D2114AE1-B372-4C50-AF80-98AA322DCCC6}" type="slidenum">
+              <a:rPr kumimoji="0" lang="it-IT" sz="1200" b="0" i="0" u="none" strike="noStrike" kern="1200" cap="none" spc="0" normalizeH="0" baseline="0" noProof="0" smtClean="0">
+                <a:ln>
+                  <a:noFill/>
+                </a:ln>
+                <a:solidFill>
+                  <a:prstClr val="black"/>
+                </a:solidFill>
+                <a:effectLst/>
+                <a:uLnTx/>
+                <a:uFillTx/>
+                <a:latin typeface="Calibri" panose="020F0502020204030204"/>
+                <a:ea typeface="+mn-ea"/>
+                <a:cs typeface="+mn-cs"/>
+              </a:rPr>
+              <a:pPr marL="0" marR="0" lvl="0" indent="0" algn="r" defTabSz="914400" rtl="0" eaLnBrk="1" fontAlgn="auto" latinLnBrk="0" hangingPunct="1">
+                <a:lnSpc>
+                  <a:spcPct val="100000"/>
+                </a:lnSpc>
+                <a:spcBef>
+                  <a:spcPts val="0"/>
+                </a:spcBef>
+                <a:spcAft>
+                  <a:spcPts val="0"/>
+                </a:spcAft>
+                <a:buClrTx/>
+                <a:buSzTx/>
+                <a:buFontTx/>
+                <a:buNone/>
+                <a:tabLst/>
+                <a:defRPr/>
+              </a:pPr>
+              <a:t>26</a:t>
+            </a:fld>
+            <a:endParaRPr kumimoji="0" lang="it-IT" sz="1200" b="0" i="0" u="none" strike="noStrike" kern="1200" cap="none" spc="0" normalizeH="0" baseline="0" noProof="0">
+              <a:ln>
+                <a:noFill/>
+              </a:ln>
+              <a:solidFill>
+                <a:prstClr val="black"/>
+              </a:solidFill>
+              <a:effectLst/>
+              <a:uLnTx/>
+              <a:uFillTx/>
+              <a:latin typeface="Calibri" panose="020F0502020204030204"/>
+              <a:ea typeface="+mn-ea"/>
+              <a:cs typeface="+mn-cs"/>
+            </a:endParaRPr>
+          </a:p>
+        </p:txBody>
+      </p:sp>
+    </p:spTree>
+    <p:extLst>
+      <p:ext uri="{BB962C8B-B14F-4D97-AF65-F5344CB8AC3E}">
         <p14:creationId xmlns:p14="http://schemas.microsoft.com/office/powerpoint/2010/main" val="2081459818"/>
       </p:ext>
     </p:extLst>
@@ -7672,7 +8750,7 @@
           <a:p>
             <a:fld id="{D55E9482-D5C2-4AB3-BBE2-3386C30CEF8D}" type="datetimeFigureOut">
               <a:rPr lang="it-IT" smtClean="0"/>
-              <a:t>15/10/2023</a:t>
+              <a:t>16/10/2023</a:t>
             </a:fld>
             <a:endParaRPr lang="it-IT"/>
           </a:p>
@@ -7872,7 +8950,7 @@
           <a:p>
             <a:fld id="{D55E9482-D5C2-4AB3-BBE2-3386C30CEF8D}" type="datetimeFigureOut">
               <a:rPr lang="it-IT" smtClean="0"/>
-              <a:t>15/10/2023</a:t>
+              <a:t>16/10/2023</a:t>
             </a:fld>
             <a:endParaRPr lang="it-IT"/>
           </a:p>
@@ -8082,7 +9160,7 @@
           <a:p>
             <a:fld id="{D55E9482-D5C2-4AB3-BBE2-3386C30CEF8D}" type="datetimeFigureOut">
               <a:rPr lang="it-IT" smtClean="0"/>
-              <a:t>15/10/2023</a:t>
+              <a:t>16/10/2023</a:t>
             </a:fld>
             <a:endParaRPr lang="it-IT"/>
           </a:p>
@@ -8282,7 +9360,7 @@
           <a:p>
             <a:fld id="{D55E9482-D5C2-4AB3-BBE2-3386C30CEF8D}" type="datetimeFigureOut">
               <a:rPr lang="it-IT" smtClean="0"/>
-              <a:t>15/10/2023</a:t>
+              <a:t>16/10/2023</a:t>
             </a:fld>
             <a:endParaRPr lang="it-IT"/>
           </a:p>
@@ -8558,7 +9636,7 @@
           <a:p>
             <a:fld id="{D55E9482-D5C2-4AB3-BBE2-3386C30CEF8D}" type="datetimeFigureOut">
               <a:rPr lang="it-IT" smtClean="0"/>
-              <a:t>15/10/2023</a:t>
+              <a:t>16/10/2023</a:t>
             </a:fld>
             <a:endParaRPr lang="it-IT"/>
           </a:p>
@@ -8826,7 +9904,7 @@
           <a:p>
             <a:fld id="{D55E9482-D5C2-4AB3-BBE2-3386C30CEF8D}" type="datetimeFigureOut">
               <a:rPr lang="it-IT" smtClean="0"/>
-              <a:t>15/10/2023</a:t>
+              <a:t>16/10/2023</a:t>
             </a:fld>
             <a:endParaRPr lang="it-IT"/>
           </a:p>
@@ -9241,7 +10319,7 @@
           <a:p>
             <a:fld id="{D55E9482-D5C2-4AB3-BBE2-3386C30CEF8D}" type="datetimeFigureOut">
               <a:rPr lang="it-IT" smtClean="0"/>
-              <a:t>15/10/2023</a:t>
+              <a:t>16/10/2023</a:t>
             </a:fld>
             <a:endParaRPr lang="it-IT"/>
           </a:p>
@@ -9383,7 +10461,7 @@
           <a:p>
             <a:fld id="{D55E9482-D5C2-4AB3-BBE2-3386C30CEF8D}" type="datetimeFigureOut">
               <a:rPr lang="it-IT" smtClean="0"/>
-              <a:t>15/10/2023</a:t>
+              <a:t>16/10/2023</a:t>
             </a:fld>
             <a:endParaRPr lang="it-IT"/>
           </a:p>
@@ -9496,7 +10574,7 @@
           <a:p>
             <a:fld id="{D55E9482-D5C2-4AB3-BBE2-3386C30CEF8D}" type="datetimeFigureOut">
               <a:rPr lang="it-IT" smtClean="0"/>
-              <a:t>15/10/2023</a:t>
+              <a:t>16/10/2023</a:t>
             </a:fld>
             <a:endParaRPr lang="it-IT"/>
           </a:p>
@@ -9809,7 +10887,7 @@
           <a:p>
             <a:fld id="{D55E9482-D5C2-4AB3-BBE2-3386C30CEF8D}" type="datetimeFigureOut">
               <a:rPr lang="it-IT" smtClean="0"/>
-              <a:t>15/10/2023</a:t>
+              <a:t>16/10/2023</a:t>
             </a:fld>
             <a:endParaRPr lang="it-IT"/>
           </a:p>
@@ -10098,7 +11176,7 @@
           <a:p>
             <a:fld id="{D55E9482-D5C2-4AB3-BBE2-3386C30CEF8D}" type="datetimeFigureOut">
               <a:rPr lang="it-IT" smtClean="0"/>
-              <a:t>15/10/2023</a:t>
+              <a:t>16/10/2023</a:t>
             </a:fld>
             <a:endParaRPr lang="it-IT"/>
           </a:p>
@@ -10175,9 +11253,26 @@
 <p:sldMaster xmlns:a="http://schemas.openxmlformats.org/drawingml/2006/main" xmlns:r="http://schemas.openxmlformats.org/officeDocument/2006/relationships" xmlns:p="http://schemas.openxmlformats.org/presentationml/2006/main">
   <p:cSld>
     <p:bg>
-      <p:bgRef idx="1001">
-        <a:schemeClr val="bg1"/>
-      </p:bgRef>
+      <p:bgPr>
+        <a:gradFill flip="none" rotWithShape="1">
+          <a:gsLst>
+            <a:gs pos="0">
+              <a:schemeClr val="accent6">
+                <a:lumMod val="40000"/>
+                <a:lumOff val="60000"/>
+              </a:schemeClr>
+            </a:gs>
+            <a:gs pos="100000">
+              <a:schemeClr val="accent6">
+                <a:lumMod val="75000"/>
+              </a:schemeClr>
+            </a:gs>
+          </a:gsLst>
+          <a:lin ang="8100000" scaled="1"/>
+          <a:tileRect/>
+        </a:gradFill>
+        <a:effectLst/>
+      </p:bgPr>
     </p:bg>
     <p:spTree>
       <p:nvGrpSpPr>
@@ -10341,7 +11436,7 @@
           <a:p>
             <a:fld id="{D55E9482-D5C2-4AB3-BBE2-3386C30CEF8D}" type="datetimeFigureOut">
               <a:rPr lang="it-IT" smtClean="0"/>
-              <a:t>15/10/2023</a:t>
+              <a:t>16/10/2023</a:t>
             </a:fld>
             <a:endParaRPr lang="it-IT"/>
           </a:p>
@@ -10744,27 +11839,6 @@
 <file path=ppt/slides/slide1.xml><?xml version="1.0" encoding="utf-8"?>
 <p:sld xmlns:a="http://schemas.openxmlformats.org/drawingml/2006/main" xmlns:r="http://schemas.openxmlformats.org/officeDocument/2006/relationships" xmlns:p="http://schemas.openxmlformats.org/presentationml/2006/main">
   <p:cSld>
-    <p:bg>
-      <p:bgPr>
-        <a:gradFill>
-          <a:gsLst>
-            <a:gs pos="0">
-              <a:schemeClr val="accent6">
-                <a:lumMod val="40000"/>
-                <a:lumOff val="60000"/>
-              </a:schemeClr>
-            </a:gs>
-            <a:gs pos="100000">
-              <a:schemeClr val="accent6">
-                <a:lumMod val="75000"/>
-              </a:schemeClr>
-            </a:gs>
-          </a:gsLst>
-          <a:lin ang="8100000" scaled="1"/>
-        </a:gradFill>
-        <a:effectLst/>
-      </p:bgPr>
-    </p:bg>
     <p:spTree>
       <p:nvGrpSpPr>
         <p:cNvPr id="1" name=""/>
@@ -11526,7 +12600,7 @@
                 <a:ea typeface="+mn-ea"/>
                 <a:cs typeface="Times New Roman" panose="02020603050405020304" pitchFamily="18" charset="0"/>
               </a:rPr>
-              <a:t>Ad alta priorità </a:t>
+              <a:t>Periodici ad alta priorità </a:t>
             </a:r>
             <a:r>
               <a:rPr kumimoji="0" lang="it-IT" sz="2800" b="0" i="0" u="none" strike="noStrike" kern="1200" cap="none" spc="0" normalizeH="0" baseline="0" noProof="0" dirty="0">
@@ -11613,7 +12687,7 @@
                 <a:ea typeface="+mn-ea"/>
                 <a:cs typeface="Times New Roman" panose="02020603050405020304" pitchFamily="18" charset="0"/>
               </a:rPr>
-              <a:t>A priorità normale </a:t>
+              <a:t>Periodici a priorità normale </a:t>
             </a:r>
             <a:r>
               <a:rPr kumimoji="0" lang="it-IT" sz="2800" b="0" i="0" u="none" strike="noStrike" kern="1200" cap="none" spc="0" normalizeH="0" baseline="0" noProof="0" dirty="0">
@@ -12149,7 +13223,7 @@
                 <a:ea typeface="+mn-ea"/>
                 <a:cs typeface="Times New Roman" panose="02020603050405020304" pitchFamily="18" charset="0"/>
               </a:rPr>
-              <a:t>Ad alta priorità </a:t>
+              <a:t>Periodici ad alta priorità </a:t>
             </a:r>
             <a:r>
               <a:rPr kumimoji="0" lang="it-IT" sz="2800" b="0" i="0" u="none" strike="noStrike" kern="1200" cap="none" spc="0" normalizeH="0" baseline="0" noProof="0" dirty="0">
@@ -12236,7 +13310,7 @@
                 <a:ea typeface="+mn-ea"/>
                 <a:cs typeface="Times New Roman" panose="02020603050405020304" pitchFamily="18" charset="0"/>
               </a:rPr>
-              <a:t>A priorità normale </a:t>
+              <a:t>Periodici a priorità normale </a:t>
             </a:r>
             <a:r>
               <a:rPr kumimoji="0" lang="it-IT" sz="2800" b="0" i="0" u="none" strike="noStrike" kern="1200" cap="none" spc="0" normalizeH="0" baseline="0" noProof="0" dirty="0">
@@ -12772,7 +13846,7 @@
                 <a:ea typeface="+mn-ea"/>
                 <a:cs typeface="Times New Roman" panose="02020603050405020304" pitchFamily="18" charset="0"/>
               </a:rPr>
-              <a:t>Ad alta priorità </a:t>
+              <a:t>Periodici ad alta priorità </a:t>
             </a:r>
             <a:r>
               <a:rPr kumimoji="0" lang="it-IT" sz="2800" b="0" i="0" u="none" strike="noStrike" kern="1200" cap="none" spc="0" normalizeH="0" baseline="0" noProof="0" dirty="0">
@@ -12859,7 +13933,7 @@
                 <a:ea typeface="+mn-ea"/>
                 <a:cs typeface="Times New Roman" panose="02020603050405020304" pitchFamily="18" charset="0"/>
               </a:rPr>
-              <a:t>A priorità normale </a:t>
+              <a:t>Periodici a priorità normale</a:t>
             </a:r>
             <a:r>
               <a:rPr kumimoji="0" lang="it-IT" sz="2800" b="0" i="0" u="none" strike="noStrike" kern="1200" cap="none" spc="0" normalizeH="0" baseline="0" noProof="0" dirty="0">
@@ -13051,27 +14125,6 @@
 <file path=ppt/slides/slide13.xml><?xml version="1.0" encoding="utf-8"?>
 <p:sld xmlns:a="http://schemas.openxmlformats.org/drawingml/2006/main" xmlns:r="http://schemas.openxmlformats.org/officeDocument/2006/relationships" xmlns:p="http://schemas.openxmlformats.org/presentationml/2006/main">
   <p:cSld>
-    <p:bg>
-      <p:bgPr>
-        <a:gradFill>
-          <a:gsLst>
-            <a:gs pos="0">
-              <a:schemeClr val="accent6">
-                <a:lumMod val="40000"/>
-                <a:lumOff val="60000"/>
-              </a:schemeClr>
-            </a:gs>
-            <a:gs pos="100000">
-              <a:schemeClr val="accent6">
-                <a:lumMod val="75000"/>
-              </a:schemeClr>
-            </a:gs>
-          </a:gsLst>
-          <a:lin ang="8100000" scaled="1"/>
-        </a:gradFill>
-        <a:effectLst/>
-      </p:bgPr>
-    </p:bg>
     <p:spTree>
       <p:nvGrpSpPr>
         <p:cNvPr id="1" name=""/>
@@ -13498,7 +14551,7 @@
       </p:pic>
       <p:pic>
         <p:nvPicPr>
-          <p:cNvPr id="12" name="Picture 11" descr="A diagram of a task&#10;&#10;Description automatically generated">
+          <p:cNvPr id="12" name="Picture 11">
             <a:extLst>
               <a:ext uri="{FF2B5EF4-FFF2-40B4-BE49-F238E27FC236}">
                 <a16:creationId xmlns:a16="http://schemas.microsoft.com/office/drawing/2014/main" id="{0CDB1E7D-6CA8-0EEE-6B16-A246D9174957}"/>
@@ -13512,14 +14565,13 @@
         </p:nvPicPr>
         <p:blipFill>
           <a:blip r:embed="rId6"/>
-          <a:stretch>
-            <a:fillRect/>
-          </a:stretch>
+          <a:srcRect/>
+          <a:stretch/>
         </p:blipFill>
         <p:spPr>
           <a:xfrm>
             <a:off x="835286" y="960794"/>
-            <a:ext cx="5416393" cy="3916007"/>
+            <a:ext cx="5416392" cy="3916007"/>
           </a:xfrm>
           <a:prstGeom prst="rect">
             <a:avLst/>
@@ -13822,27 +14874,6 @@
 <file path=ppt/slides/slide14.xml><?xml version="1.0" encoding="utf-8"?>
 <p:sld xmlns:a="http://schemas.openxmlformats.org/drawingml/2006/main" xmlns:r="http://schemas.openxmlformats.org/officeDocument/2006/relationships" xmlns:p="http://schemas.openxmlformats.org/presentationml/2006/main">
   <p:cSld>
-    <p:bg>
-      <p:bgPr>
-        <a:gradFill>
-          <a:gsLst>
-            <a:gs pos="0">
-              <a:schemeClr val="accent6">
-                <a:lumMod val="40000"/>
-                <a:lumOff val="60000"/>
-              </a:schemeClr>
-            </a:gs>
-            <a:gs pos="100000">
-              <a:schemeClr val="accent6">
-                <a:lumMod val="75000"/>
-              </a:schemeClr>
-            </a:gs>
-          </a:gsLst>
-          <a:lin ang="8100000" scaled="1"/>
-        </a:gradFill>
-        <a:effectLst/>
-      </p:bgPr>
-    </p:bg>
     <p:spTree>
       <p:nvGrpSpPr>
         <p:cNvPr id="1" name=""/>
@@ -15305,27 +16336,6 @@
 <file path=ppt/slides/slide15.xml><?xml version="1.0" encoding="utf-8"?>
 <p:sld xmlns:a="http://schemas.openxmlformats.org/drawingml/2006/main" xmlns:r="http://schemas.openxmlformats.org/officeDocument/2006/relationships" xmlns:p="http://schemas.openxmlformats.org/presentationml/2006/main">
   <p:cSld>
-    <p:bg>
-      <p:bgPr>
-        <a:gradFill>
-          <a:gsLst>
-            <a:gs pos="0">
-              <a:schemeClr val="accent6">
-                <a:lumMod val="40000"/>
-                <a:lumOff val="60000"/>
-              </a:schemeClr>
-            </a:gs>
-            <a:gs pos="100000">
-              <a:schemeClr val="accent6">
-                <a:lumMod val="75000"/>
-              </a:schemeClr>
-            </a:gs>
-          </a:gsLst>
-          <a:lin ang="8100000" scaled="1"/>
-        </a:gradFill>
-        <a:effectLst/>
-      </p:bgPr>
-    </p:bg>
     <p:spTree>
       <p:nvGrpSpPr>
         <p:cNvPr id="1" name=""/>
@@ -15955,27 +16965,6 @@
 <file path=ppt/slides/slide16.xml><?xml version="1.0" encoding="utf-8"?>
 <p:sld xmlns:a="http://schemas.openxmlformats.org/drawingml/2006/main" xmlns:r="http://schemas.openxmlformats.org/officeDocument/2006/relationships" xmlns:p="http://schemas.openxmlformats.org/presentationml/2006/main">
   <p:cSld>
-    <p:bg>
-      <p:bgPr>
-        <a:gradFill>
-          <a:gsLst>
-            <a:gs pos="0">
-              <a:schemeClr val="accent6">
-                <a:lumMod val="40000"/>
-                <a:lumOff val="60000"/>
-              </a:schemeClr>
-            </a:gs>
-            <a:gs pos="100000">
-              <a:schemeClr val="accent6">
-                <a:lumMod val="75000"/>
-              </a:schemeClr>
-            </a:gs>
-          </a:gsLst>
-          <a:lin ang="8100000" scaled="1"/>
-        </a:gradFill>
-        <a:effectLst/>
-      </p:bgPr>
-    </p:bg>
     <p:spTree>
       <p:nvGrpSpPr>
         <p:cNvPr id="1" name=""/>
@@ -16337,27 +17326,6 @@
 <file path=ppt/slides/slide17.xml><?xml version="1.0" encoding="utf-8"?>
 <p:sld xmlns:a="http://schemas.openxmlformats.org/drawingml/2006/main" xmlns:r="http://schemas.openxmlformats.org/officeDocument/2006/relationships" xmlns:p="http://schemas.openxmlformats.org/presentationml/2006/main">
   <p:cSld>
-    <p:bg>
-      <p:bgPr>
-        <a:gradFill>
-          <a:gsLst>
-            <a:gs pos="0">
-              <a:schemeClr val="accent6">
-                <a:lumMod val="40000"/>
-                <a:lumOff val="60000"/>
-              </a:schemeClr>
-            </a:gs>
-            <a:gs pos="100000">
-              <a:schemeClr val="accent6">
-                <a:lumMod val="75000"/>
-              </a:schemeClr>
-            </a:gs>
-          </a:gsLst>
-          <a:lin ang="8100000" scaled="1"/>
-        </a:gradFill>
-        <a:effectLst/>
-      </p:bgPr>
-    </p:bg>
     <p:spTree>
       <p:nvGrpSpPr>
         <p:cNvPr id="1" name=""/>
@@ -17363,27 +18331,6 @@
 <file path=ppt/slides/slide18.xml><?xml version="1.0" encoding="utf-8"?>
 <p:sld xmlns:a="http://schemas.openxmlformats.org/drawingml/2006/main" xmlns:r="http://schemas.openxmlformats.org/officeDocument/2006/relationships" xmlns:p="http://schemas.openxmlformats.org/presentationml/2006/main">
   <p:cSld>
-    <p:bg>
-      <p:bgPr>
-        <a:gradFill>
-          <a:gsLst>
-            <a:gs pos="0">
-              <a:schemeClr val="accent6">
-                <a:lumMod val="40000"/>
-                <a:lumOff val="60000"/>
-              </a:schemeClr>
-            </a:gs>
-            <a:gs pos="100000">
-              <a:schemeClr val="accent6">
-                <a:lumMod val="75000"/>
-              </a:schemeClr>
-            </a:gs>
-          </a:gsLst>
-          <a:lin ang="8100000" scaled="1"/>
-        </a:gradFill>
-        <a:effectLst/>
-      </p:bgPr>
-    </p:bg>
     <p:spTree>
       <p:nvGrpSpPr>
         <p:cNvPr id="1" name=""/>
@@ -17924,13 +18871,13 @@
   <p:clrMapOvr>
     <a:masterClrMapping/>
   </p:clrMapOvr>
-  <mc:AlternateContent xmlns:mc="http://schemas.openxmlformats.org/markup-compatibility/2006">
-    <mc:Choice xmlns:p14="http://schemas.microsoft.com/office/powerpoint/2010/main" Requires="p14">
+  <mc:AlternateContent xmlns:mc="http://schemas.openxmlformats.org/markup-compatibility/2006" xmlns:p14="http://schemas.microsoft.com/office/powerpoint/2010/main">
+    <mc:Choice Requires="p14">
       <p:transition spd="med" p14:dur="700">
         <p:fade/>
       </p:transition>
     </mc:Choice>
-    <mc:Fallback>
+    <mc:Fallback xmlns="">
       <p:transition spd="med">
         <p:fade/>
       </p:transition>
@@ -18063,27 +19010,6 @@
 <file path=ppt/slides/slide19.xml><?xml version="1.0" encoding="utf-8"?>
 <p:sld xmlns:a="http://schemas.openxmlformats.org/drawingml/2006/main" xmlns:r="http://schemas.openxmlformats.org/officeDocument/2006/relationships" xmlns:p="http://schemas.openxmlformats.org/presentationml/2006/main">
   <p:cSld>
-    <p:bg>
-      <p:bgPr>
-        <a:gradFill>
-          <a:gsLst>
-            <a:gs pos="0">
-              <a:schemeClr val="accent6">
-                <a:lumMod val="40000"/>
-                <a:lumOff val="60000"/>
-              </a:schemeClr>
-            </a:gs>
-            <a:gs pos="100000">
-              <a:schemeClr val="accent6">
-                <a:lumMod val="75000"/>
-              </a:schemeClr>
-            </a:gs>
-          </a:gsLst>
-          <a:lin ang="8100000" scaled="1"/>
-        </a:gradFill>
-        <a:effectLst/>
-      </p:bgPr>
-    </p:bg>
     <p:spTree>
       <p:nvGrpSpPr>
         <p:cNvPr id="1" name=""/>
@@ -18312,46 +19238,6 @@
           </a:p>
         </p:txBody>
       </p:sp>
-      <p:sp>
-        <p:nvSpPr>
-          <p:cNvPr id="3" name="Subtitle 2">
-            <a:extLst>
-              <a:ext uri="{FF2B5EF4-FFF2-40B4-BE49-F238E27FC236}">
-                <a16:creationId xmlns:a16="http://schemas.microsoft.com/office/drawing/2014/main" id="{FC446B2D-F94A-2F94-9904-6D62ADA65C8F}"/>
-              </a:ext>
-            </a:extLst>
-          </p:cNvPr>
-          <p:cNvSpPr>
-            <a:spLocks noGrp="1"/>
-          </p:cNvSpPr>
-          <p:nvPr>
-            <p:ph type="subTitle" idx="1"/>
-          </p:nvPr>
-        </p:nvSpPr>
-        <p:spPr>
-          <a:xfrm>
-            <a:off x="1159136" y="1141768"/>
-            <a:ext cx="9601200" cy="5497157"/>
-          </a:xfrm>
-        </p:spPr>
-        <p:txBody>
-          <a:bodyPr>
-            <a:normAutofit/>
-          </a:bodyPr>
-          <a:lstStyle/>
-          <a:p>
-            <a:pPr algn="l">
-              <a:lnSpc>
-                <a:spcPct val="200000"/>
-              </a:lnSpc>
-            </a:pPr>
-            <a:endParaRPr lang="it-IT" dirty="0">
-              <a:latin typeface="Times New Roman" panose="02020603050405020304" pitchFamily="18" charset="0"/>
-              <a:cs typeface="Times New Roman" panose="02020603050405020304" pitchFamily="18" charset="0"/>
-            </a:endParaRPr>
-          </a:p>
-        </p:txBody>
-      </p:sp>
       <p:pic>
         <p:nvPicPr>
           <p:cNvPr id="5" name="Picture 4" descr="A screenshot of a computer code&#10;&#10;Description automatically generated">
@@ -18374,14 +19260,210 @@
         </p:blipFill>
         <p:spPr>
           <a:xfrm>
-            <a:off x="1961018" y="4676775"/>
-            <a:ext cx="8269964" cy="1398159"/>
+            <a:off x="749720" y="4278900"/>
+            <a:ext cx="10692557" cy="1807734"/>
+          </a:xfrm>
+          <a:prstGeom prst="roundRect">
+            <a:avLst>
+              <a:gd name="adj" fmla="val 2442"/>
+            </a:avLst>
+          </a:prstGeom>
+          <a:solidFill>
+            <a:srgbClr val="FFFFFF">
+              <a:shade val="85000"/>
+            </a:srgbClr>
+          </a:solidFill>
+          <a:ln>
+            <a:noFill/>
+          </a:ln>
+          <a:effectLst>
+            <a:outerShdw blurRad="50800" dist="50800" dir="5400000" algn="ctr" rotWithShape="0">
+              <a:srgbClr val="000000">
+                <a:alpha val="36000"/>
+              </a:srgbClr>
+            </a:outerShdw>
+            <a:reflection blurRad="12700" stA="0" endPos="28000" dist="5000" dir="5400000" sy="-100000" algn="bl" rotWithShape="0"/>
+          </a:effectLst>
+        </p:spPr>
+      </p:pic>
+      <p:pic>
+        <p:nvPicPr>
+          <p:cNvPr id="6" name="Picture 5">
+            <a:extLst>
+              <a:ext uri="{FF2B5EF4-FFF2-40B4-BE49-F238E27FC236}">
+                <a16:creationId xmlns:a16="http://schemas.microsoft.com/office/drawing/2014/main" id="{947C81BD-AC36-AEB4-CE01-F51688A46AD0}"/>
+              </a:ext>
+            </a:extLst>
+          </p:cNvPr>
+          <p:cNvPicPr>
+            <a:picLocks noChangeAspect="1"/>
+          </p:cNvPicPr>
+          <p:nvPr/>
+        </p:nvPicPr>
+        <p:blipFill>
+          <a:blip r:embed="rId4"/>
+          <a:stretch>
+            <a:fillRect/>
+          </a:stretch>
+        </p:blipFill>
+        <p:spPr>
+          <a:xfrm>
+            <a:off x="2532360" y="1503445"/>
+            <a:ext cx="7126824" cy="1949936"/>
+          </a:xfrm>
+          <a:prstGeom prst="roundRect">
+            <a:avLst>
+              <a:gd name="adj" fmla="val 3962"/>
+            </a:avLst>
+          </a:prstGeom>
+          <a:solidFill>
+            <a:srgbClr val="FFFFFF">
+              <a:shade val="85000"/>
+            </a:srgbClr>
+          </a:solidFill>
+          <a:ln>
+            <a:noFill/>
+          </a:ln>
+          <a:effectLst>
+            <a:outerShdw blurRad="50800" dist="50800" dir="5400000" algn="ctr" rotWithShape="0">
+              <a:srgbClr val="000000">
+                <a:alpha val="28000"/>
+              </a:srgbClr>
+            </a:outerShdw>
+            <a:reflection blurRad="12700" stA="0" endPos="28000" dist="5000" dir="5400000" sy="-100000" algn="bl" rotWithShape="0"/>
+          </a:effectLst>
+        </p:spPr>
+      </p:pic>
+      <p:cxnSp>
+        <p:nvCxnSpPr>
+          <p:cNvPr id="7" name="Straight Arrow Connector 6">
+            <a:extLst>
+              <a:ext uri="{FF2B5EF4-FFF2-40B4-BE49-F238E27FC236}">
+                <a16:creationId xmlns:a16="http://schemas.microsoft.com/office/drawing/2014/main" id="{F91A57FF-C095-021B-5AB2-0CEC55DC1645}"/>
+              </a:ext>
+            </a:extLst>
+          </p:cNvPr>
+          <p:cNvCxnSpPr>
+            <a:cxnSpLocks/>
+          </p:cNvCxnSpPr>
+          <p:nvPr/>
+        </p:nvCxnSpPr>
+        <p:spPr>
+          <a:xfrm>
+            <a:off x="6095772" y="3583459"/>
+            <a:ext cx="228" cy="661574"/>
+          </a:xfrm>
+          <a:prstGeom prst="straightConnector1">
+            <a:avLst/>
+          </a:prstGeom>
+          <a:ln w="76200">
+            <a:solidFill>
+              <a:srgbClr val="56517E"/>
+            </a:solidFill>
+            <a:tailEnd type="triangle"/>
+          </a:ln>
+        </p:spPr>
+        <p:style>
+          <a:lnRef idx="1">
+            <a:schemeClr val="accent1"/>
+          </a:lnRef>
+          <a:fillRef idx="0">
+            <a:schemeClr val="accent1"/>
+          </a:fillRef>
+          <a:effectRef idx="0">
+            <a:schemeClr val="accent1"/>
+          </a:effectRef>
+          <a:fontRef idx="minor">
+            <a:schemeClr val="tx1"/>
+          </a:fontRef>
+        </p:style>
+      </p:cxnSp>
+      <p:sp>
+        <p:nvSpPr>
+          <p:cNvPr id="11" name="TextBox 10">
+            <a:extLst>
+              <a:ext uri="{FF2B5EF4-FFF2-40B4-BE49-F238E27FC236}">
+                <a16:creationId xmlns:a16="http://schemas.microsoft.com/office/drawing/2014/main" id="{C6A82DDC-8F02-B692-974D-2BFDF81BC9AA}"/>
+              </a:ext>
+            </a:extLst>
+          </p:cNvPr>
+          <p:cNvSpPr txBox="1"/>
+          <p:nvPr/>
+        </p:nvSpPr>
+        <p:spPr>
+          <a:xfrm>
+            <a:off x="2532360" y="1103335"/>
+            <a:ext cx="6265651" cy="400110"/>
           </a:xfrm>
           <a:prstGeom prst="rect">
             <a:avLst/>
           </a:prstGeom>
+          <a:noFill/>
         </p:spPr>
-      </p:pic>
+        <p:txBody>
+          <a:bodyPr wrap="square" rtlCol="0">
+            <a:spAutoFit/>
+          </a:bodyPr>
+          <a:lstStyle/>
+          <a:p>
+            <a:r>
+              <a:rPr lang="it-IT" sz="2000" dirty="0">
+                <a:solidFill>
+                  <a:schemeClr val="accent2">
+                    <a:lumMod val="50000"/>
+                  </a:schemeClr>
+                </a:solidFill>
+                <a:latin typeface="Times New Roman" panose="02020603050405020304" pitchFamily="18" charset="0"/>
+                <a:cs typeface="Times New Roman" panose="02020603050405020304" pitchFamily="18" charset="0"/>
+              </a:rPr>
+              <a:t>Dati sensibili degli utenti in chiaro</a:t>
+            </a:r>
+          </a:p>
+        </p:txBody>
+      </p:sp>
+      <p:sp>
+        <p:nvSpPr>
+          <p:cNvPr id="13" name="TextBox 12">
+            <a:extLst>
+              <a:ext uri="{FF2B5EF4-FFF2-40B4-BE49-F238E27FC236}">
+                <a16:creationId xmlns:a16="http://schemas.microsoft.com/office/drawing/2014/main" id="{5AD41940-5F17-E476-9B16-103FD69FC7B2}"/>
+              </a:ext>
+            </a:extLst>
+          </p:cNvPr>
+          <p:cNvSpPr txBox="1"/>
+          <p:nvPr/>
+        </p:nvSpPr>
+        <p:spPr>
+          <a:xfrm>
+            <a:off x="749720" y="3902602"/>
+            <a:ext cx="4761801" cy="400110"/>
+          </a:xfrm>
+          <a:prstGeom prst="rect">
+            <a:avLst/>
+          </a:prstGeom>
+          <a:noFill/>
+        </p:spPr>
+        <p:txBody>
+          <a:bodyPr wrap="square" rtlCol="0">
+            <a:spAutoFit/>
+          </a:bodyPr>
+          <a:lstStyle/>
+          <a:p>
+            <a:r>
+              <a:rPr lang="it-IT" sz="2000" dirty="0">
+                <a:solidFill>
+                  <a:schemeClr val="accent2">
+                    <a:lumMod val="50000"/>
+                  </a:schemeClr>
+                </a:solidFill>
+                <a:latin typeface="Times New Roman" panose="02020603050405020304" pitchFamily="18" charset="0"/>
+                <a:cs typeface="Times New Roman" panose="02020603050405020304" pitchFamily="18" charset="0"/>
+              </a:rPr>
+              <a:t>Dati sensibili degli utenti occultati</a:t>
+            </a:r>
+          </a:p>
+        </p:txBody>
+      </p:sp>
     </p:spTree>
     <p:extLst>
       <p:ext uri="{BB962C8B-B14F-4D97-AF65-F5344CB8AC3E}">
@@ -18392,33 +19474,266 @@
   <p:clrMapOvr>
     <a:masterClrMapping/>
   </p:clrMapOvr>
+  <p:timing>
+    <p:tnLst>
+      <p:par>
+        <p:cTn id="1" dur="indefinite" restart="never" nodeType="tmRoot">
+          <p:childTnLst>
+            <p:seq concurrent="1" nextAc="seek">
+              <p:cTn id="2" dur="indefinite" nodeType="mainSeq">
+                <p:childTnLst>
+                  <p:par>
+                    <p:cTn id="3" fill="hold">
+                      <p:stCondLst>
+                        <p:cond delay="indefinite"/>
+                      </p:stCondLst>
+                      <p:childTnLst>
+                        <p:par>
+                          <p:cTn id="4" fill="hold">
+                            <p:stCondLst>
+                              <p:cond delay="0"/>
+                            </p:stCondLst>
+                            <p:childTnLst>
+                              <p:par>
+                                <p:cTn id="5" presetID="10" presetClass="entr" presetSubtype="0" fill="hold" nodeType="clickEffect">
+                                  <p:stCondLst>
+                                    <p:cond delay="0"/>
+                                  </p:stCondLst>
+                                  <p:childTnLst>
+                                    <p:set>
+                                      <p:cBhvr>
+                                        <p:cTn id="6" dur="1" fill="hold">
+                                          <p:stCondLst>
+                                            <p:cond delay="0"/>
+                                          </p:stCondLst>
+                                        </p:cTn>
+                                        <p:tgtEl>
+                                          <p:spTgt spid="6"/>
+                                        </p:tgtEl>
+                                        <p:attrNameLst>
+                                          <p:attrName>style.visibility</p:attrName>
+                                        </p:attrNameLst>
+                                      </p:cBhvr>
+                                      <p:to>
+                                        <p:strVal val="visible"/>
+                                      </p:to>
+                                    </p:set>
+                                    <p:animEffect transition="in" filter="fade">
+                                      <p:cBhvr>
+                                        <p:cTn id="7" dur="300"/>
+                                        <p:tgtEl>
+                                          <p:spTgt spid="6"/>
+                                        </p:tgtEl>
+                                      </p:cBhvr>
+                                    </p:animEffect>
+                                  </p:childTnLst>
+                                </p:cTn>
+                              </p:par>
+                              <p:par>
+                                <p:cTn id="8" presetID="10" presetClass="entr" presetSubtype="0" fill="hold" grpId="0" nodeType="withEffect">
+                                  <p:stCondLst>
+                                    <p:cond delay="0"/>
+                                  </p:stCondLst>
+                                  <p:childTnLst>
+                                    <p:set>
+                                      <p:cBhvr>
+                                        <p:cTn id="9" dur="1" fill="hold">
+                                          <p:stCondLst>
+                                            <p:cond delay="0"/>
+                                          </p:stCondLst>
+                                        </p:cTn>
+                                        <p:tgtEl>
+                                          <p:spTgt spid="11"/>
+                                        </p:tgtEl>
+                                        <p:attrNameLst>
+                                          <p:attrName>style.visibility</p:attrName>
+                                        </p:attrNameLst>
+                                      </p:cBhvr>
+                                      <p:to>
+                                        <p:strVal val="visible"/>
+                                      </p:to>
+                                    </p:set>
+                                    <p:animEffect transition="in" filter="fade">
+                                      <p:cBhvr>
+                                        <p:cTn id="10" dur="500"/>
+                                        <p:tgtEl>
+                                          <p:spTgt spid="11"/>
+                                        </p:tgtEl>
+                                      </p:cBhvr>
+                                    </p:animEffect>
+                                  </p:childTnLst>
+                                </p:cTn>
+                              </p:par>
+                            </p:childTnLst>
+                          </p:cTn>
+                        </p:par>
+                      </p:childTnLst>
+                    </p:cTn>
+                  </p:par>
+                  <p:par>
+                    <p:cTn id="11" fill="hold">
+                      <p:stCondLst>
+                        <p:cond delay="indefinite"/>
+                      </p:stCondLst>
+                      <p:childTnLst>
+                        <p:par>
+                          <p:cTn id="12" fill="hold">
+                            <p:stCondLst>
+                              <p:cond delay="0"/>
+                            </p:stCondLst>
+                            <p:childTnLst>
+                              <p:par>
+                                <p:cTn id="13" presetID="10" presetClass="entr" presetSubtype="0" fill="hold" nodeType="clickEffect">
+                                  <p:stCondLst>
+                                    <p:cond delay="0"/>
+                                  </p:stCondLst>
+                                  <p:childTnLst>
+                                    <p:set>
+                                      <p:cBhvr>
+                                        <p:cTn id="14" dur="1" fill="hold">
+                                          <p:stCondLst>
+                                            <p:cond delay="0"/>
+                                          </p:stCondLst>
+                                        </p:cTn>
+                                        <p:tgtEl>
+                                          <p:spTgt spid="7"/>
+                                        </p:tgtEl>
+                                        <p:attrNameLst>
+                                          <p:attrName>style.visibility</p:attrName>
+                                        </p:attrNameLst>
+                                      </p:cBhvr>
+                                      <p:to>
+                                        <p:strVal val="visible"/>
+                                      </p:to>
+                                    </p:set>
+                                    <p:animEffect transition="in" filter="fade">
+                                      <p:cBhvr>
+                                        <p:cTn id="15" dur="300"/>
+                                        <p:tgtEl>
+                                          <p:spTgt spid="7"/>
+                                        </p:tgtEl>
+                                      </p:cBhvr>
+                                    </p:animEffect>
+                                  </p:childTnLst>
+                                </p:cTn>
+                              </p:par>
+                            </p:childTnLst>
+                          </p:cTn>
+                        </p:par>
+                        <p:par>
+                          <p:cTn id="16" fill="hold">
+                            <p:stCondLst>
+                              <p:cond delay="300"/>
+                            </p:stCondLst>
+                            <p:childTnLst>
+                              <p:par>
+                                <p:cTn id="17" presetID="10" presetClass="entr" presetSubtype="0" fill="hold" nodeType="afterEffect">
+                                  <p:stCondLst>
+                                    <p:cond delay="0"/>
+                                  </p:stCondLst>
+                                  <p:childTnLst>
+                                    <p:set>
+                                      <p:cBhvr>
+                                        <p:cTn id="18" dur="1" fill="hold">
+                                          <p:stCondLst>
+                                            <p:cond delay="0"/>
+                                          </p:stCondLst>
+                                        </p:cTn>
+                                        <p:tgtEl>
+                                          <p:spTgt spid="5"/>
+                                        </p:tgtEl>
+                                        <p:attrNameLst>
+                                          <p:attrName>style.visibility</p:attrName>
+                                        </p:attrNameLst>
+                                      </p:cBhvr>
+                                      <p:to>
+                                        <p:strVal val="visible"/>
+                                      </p:to>
+                                    </p:set>
+                                    <p:animEffect transition="in" filter="fade">
+                                      <p:cBhvr>
+                                        <p:cTn id="19" dur="300"/>
+                                        <p:tgtEl>
+                                          <p:spTgt spid="5"/>
+                                        </p:tgtEl>
+                                      </p:cBhvr>
+                                    </p:animEffect>
+                                  </p:childTnLst>
+                                </p:cTn>
+                              </p:par>
+                              <p:par>
+                                <p:cTn id="20" presetID="10" presetClass="entr" presetSubtype="0" fill="hold" grpId="0" nodeType="withEffect">
+                                  <p:stCondLst>
+                                    <p:cond delay="0"/>
+                                  </p:stCondLst>
+                                  <p:childTnLst>
+                                    <p:set>
+                                      <p:cBhvr>
+                                        <p:cTn id="21" dur="1" fill="hold">
+                                          <p:stCondLst>
+                                            <p:cond delay="0"/>
+                                          </p:stCondLst>
+                                        </p:cTn>
+                                        <p:tgtEl>
+                                          <p:spTgt spid="13"/>
+                                        </p:tgtEl>
+                                        <p:attrNameLst>
+                                          <p:attrName>style.visibility</p:attrName>
+                                        </p:attrNameLst>
+                                      </p:cBhvr>
+                                      <p:to>
+                                        <p:strVal val="visible"/>
+                                      </p:to>
+                                    </p:set>
+                                    <p:animEffect transition="in" filter="fade">
+                                      <p:cBhvr>
+                                        <p:cTn id="22" dur="500"/>
+                                        <p:tgtEl>
+                                          <p:spTgt spid="13"/>
+                                        </p:tgtEl>
+                                      </p:cBhvr>
+                                    </p:animEffect>
+                                  </p:childTnLst>
+                                </p:cTn>
+                              </p:par>
+                            </p:childTnLst>
+                          </p:cTn>
+                        </p:par>
+                      </p:childTnLst>
+                    </p:cTn>
+                  </p:par>
+                </p:childTnLst>
+              </p:cTn>
+              <p:prevCondLst>
+                <p:cond evt="onPrev" delay="0">
+                  <p:tgtEl>
+                    <p:sldTgt/>
+                  </p:tgtEl>
+                </p:cond>
+              </p:prevCondLst>
+              <p:nextCondLst>
+                <p:cond evt="onNext" delay="0">
+                  <p:tgtEl>
+                    <p:sldTgt/>
+                  </p:tgtEl>
+                </p:cond>
+              </p:nextCondLst>
+            </p:seq>
+          </p:childTnLst>
+        </p:cTn>
+      </p:par>
+    </p:tnLst>
+    <p:bldLst>
+      <p:bldP spid="11" grpId="0"/>
+      <p:bldP spid="13" grpId="0"/>
+    </p:bldLst>
+  </p:timing>
 </p:sld>
 </file>
 
 <file path=ppt/slides/slide2.xml><?xml version="1.0" encoding="utf-8"?>
 <p:sld xmlns:a="http://schemas.openxmlformats.org/drawingml/2006/main" xmlns:r="http://schemas.openxmlformats.org/officeDocument/2006/relationships" xmlns:p="http://schemas.openxmlformats.org/presentationml/2006/main">
   <p:cSld>
-    <p:bg>
-      <p:bgPr>
-        <a:gradFill>
-          <a:gsLst>
-            <a:gs pos="0">
-              <a:schemeClr val="accent6">
-                <a:lumMod val="40000"/>
-                <a:lumOff val="60000"/>
-              </a:schemeClr>
-            </a:gs>
-            <a:gs pos="100000">
-              <a:schemeClr val="accent6">
-                <a:lumMod val="75000"/>
-              </a:schemeClr>
-            </a:gs>
-          </a:gsLst>
-          <a:lin ang="8100000" scaled="1"/>
-        </a:gradFill>
-        <a:effectLst/>
-      </p:bgPr>
-    </p:bg>
     <p:spTree>
       <p:nvGrpSpPr>
         <p:cNvPr id="1" name=""/>
@@ -19417,27 +20732,6 @@
 <file path=ppt/slides/slide20.xml><?xml version="1.0" encoding="utf-8"?>
 <p:sld xmlns:a="http://schemas.openxmlformats.org/drawingml/2006/main" xmlns:r="http://schemas.openxmlformats.org/officeDocument/2006/relationships" xmlns:p="http://schemas.openxmlformats.org/presentationml/2006/main">
   <p:cSld>
-    <p:bg>
-      <p:bgPr>
-        <a:gradFill>
-          <a:gsLst>
-            <a:gs pos="0">
-              <a:schemeClr val="accent6">
-                <a:lumMod val="40000"/>
-                <a:lumOff val="60000"/>
-              </a:schemeClr>
-            </a:gs>
-            <a:gs pos="100000">
-              <a:schemeClr val="accent6">
-                <a:lumMod val="75000"/>
-              </a:schemeClr>
-            </a:gs>
-          </a:gsLst>
-          <a:lin ang="8100000" scaled="1"/>
-        </a:gradFill>
-        <a:effectLst/>
-      </p:bgPr>
-    </p:bg>
     <p:spTree>
       <p:nvGrpSpPr>
         <p:cNvPr id="1" name=""/>
@@ -19716,10 +21010,404 @@
             </a:extLst>
           </p:cNvPr>
           <p:cNvGraphicFramePr/>
+          <p:nvPr/>
+        </p:nvGraphicFramePr>
+        <p:xfrm>
+          <a:off x="1159135" y="1014684"/>
+          <a:ext cx="9601199" cy="3557340"/>
+        </p:xfrm>
+        <a:graphic>
+          <a:graphicData uri="http://schemas.openxmlformats.org/drawingml/2006/chart">
+            <c:chart xmlns:c="http://schemas.openxmlformats.org/drawingml/2006/chart" xmlns:r="http://schemas.openxmlformats.org/officeDocument/2006/relationships" r:id="rId3"/>
+          </a:graphicData>
+        </a:graphic>
+      </p:graphicFrame>
+    </p:spTree>
+    <p:extLst>
+      <p:ext uri="{BB962C8B-B14F-4D97-AF65-F5344CB8AC3E}">
+        <p14:creationId xmlns:p14="http://schemas.microsoft.com/office/powerpoint/2010/main" val="611650588"/>
+      </p:ext>
+    </p:extLst>
+  </p:cSld>
+  <p:clrMapOvr>
+    <a:masterClrMapping/>
+  </p:clrMapOvr>
+  <p:timing>
+    <p:tnLst>
+      <p:par>
+        <p:cTn id="1" dur="indefinite" restart="never" nodeType="tmRoot">
+          <p:childTnLst>
+            <p:seq concurrent="1" nextAc="seek">
+              <p:cTn id="2" dur="indefinite" nodeType="mainSeq">
+                <p:childTnLst>
+                  <p:par>
+                    <p:cTn id="3" fill="hold">
+                      <p:stCondLst>
+                        <p:cond delay="indefinite"/>
+                      </p:stCondLst>
+                      <p:childTnLst>
+                        <p:par>
+                          <p:cTn id="4" fill="hold">
+                            <p:stCondLst>
+                              <p:cond delay="0"/>
+                            </p:stCondLst>
+                            <p:childTnLst>
+                              <p:par>
+                                <p:cTn id="5" presetID="10" presetClass="entr" presetSubtype="0" fill="hold" grpId="0" nodeType="clickEffect">
+                                  <p:stCondLst>
+                                    <p:cond delay="0"/>
+                                  </p:stCondLst>
+                                  <p:childTnLst>
+                                    <p:set>
+                                      <p:cBhvr>
+                                        <p:cTn id="6" dur="1" fill="hold">
+                                          <p:stCondLst>
+                                            <p:cond delay="0"/>
+                                          </p:stCondLst>
+                                        </p:cTn>
+                                        <p:tgtEl>
+                                          <p:spTgt spid="4"/>
+                                        </p:tgtEl>
+                                        <p:attrNameLst>
+                                          <p:attrName>style.visibility</p:attrName>
+                                        </p:attrNameLst>
+                                      </p:cBhvr>
+                                      <p:to>
+                                        <p:strVal val="visible"/>
+                                      </p:to>
+                                    </p:set>
+                                    <p:animEffect transition="in" filter="fade">
+                                      <p:cBhvr>
+                                        <p:cTn id="7" dur="500"/>
+                                        <p:tgtEl>
+                                          <p:spTgt spid="4"/>
+                                        </p:tgtEl>
+                                      </p:cBhvr>
+                                    </p:animEffect>
+                                  </p:childTnLst>
+                                </p:cTn>
+                              </p:par>
+                            </p:childTnLst>
+                          </p:cTn>
+                        </p:par>
+                      </p:childTnLst>
+                    </p:cTn>
+                  </p:par>
+                </p:childTnLst>
+              </p:cTn>
+              <p:prevCondLst>
+                <p:cond evt="onPrev" delay="0">
+                  <p:tgtEl>
+                    <p:sldTgt/>
+                  </p:tgtEl>
+                </p:cond>
+              </p:prevCondLst>
+              <p:nextCondLst>
+                <p:cond evt="onNext" delay="0">
+                  <p:tgtEl>
+                    <p:sldTgt/>
+                  </p:tgtEl>
+                </p:cond>
+              </p:nextCondLst>
+            </p:seq>
+          </p:childTnLst>
+        </p:cTn>
+      </p:par>
+    </p:tnLst>
+    <p:bldLst>
+      <p:bldGraphic spid="4" grpId="0">
+        <p:bldAsOne/>
+      </p:bldGraphic>
+    </p:bldLst>
+  </p:timing>
+</p:sld>
+</file>
+
+<file path=ppt/slides/slide21.xml><?xml version="1.0" encoding="utf-8"?>
+<p:sld xmlns:a="http://schemas.openxmlformats.org/drawingml/2006/main" xmlns:r="http://schemas.openxmlformats.org/officeDocument/2006/relationships" xmlns:p="http://schemas.openxmlformats.org/presentationml/2006/main">
+  <p:cSld>
+    <p:spTree>
+      <p:nvGrpSpPr>
+        <p:cNvPr id="1" name=""/>
+        <p:cNvGrpSpPr/>
+        <p:nvPr/>
+      </p:nvGrpSpPr>
+      <p:grpSpPr>
+        <a:xfrm>
+          <a:off x="0" y="0"/>
+          <a:ext cx="0" cy="0"/>
+          <a:chOff x="0" y="0"/>
+          <a:chExt cx="0" cy="0"/>
+        </a:xfrm>
+      </p:grpSpPr>
+      <p:sp>
+        <p:nvSpPr>
+          <p:cNvPr id="8" name="Rectangle: Rounded Corners 7">
+            <a:extLst>
+              <a:ext uri="{FF2B5EF4-FFF2-40B4-BE49-F238E27FC236}">
+                <a16:creationId xmlns:a16="http://schemas.microsoft.com/office/drawing/2014/main" id="{7BB0D57C-96FC-342D-E8C0-5E4D36FCC075}"/>
+              </a:ext>
+            </a:extLst>
+          </p:cNvPr>
+          <p:cNvSpPr/>
+          <p:nvPr/>
+        </p:nvSpPr>
+        <p:spPr>
+          <a:xfrm>
+            <a:off x="136263" y="107576"/>
+            <a:ext cx="11919473" cy="6642848"/>
+          </a:xfrm>
+          <a:prstGeom prst="roundRect">
+            <a:avLst>
+              <a:gd name="adj" fmla="val 1768"/>
+            </a:avLst>
+          </a:prstGeom>
+          <a:solidFill>
+            <a:schemeClr val="accent2">
+              <a:lumMod val="20000"/>
+              <a:lumOff val="80000"/>
+            </a:schemeClr>
+          </a:solidFill>
+          <a:ln>
+            <a:noFill/>
+          </a:ln>
+          <a:effectLst>
+            <a:softEdge rad="0"/>
+          </a:effectLst>
+        </p:spPr>
+        <p:style>
+          <a:lnRef idx="2">
+            <a:schemeClr val="accent1">
+              <a:shade val="15000"/>
+            </a:schemeClr>
+          </a:lnRef>
+          <a:fillRef idx="1">
+            <a:schemeClr val="accent1"/>
+          </a:fillRef>
+          <a:effectRef idx="0">
+            <a:schemeClr val="accent1"/>
+          </a:effectRef>
+          <a:fontRef idx="minor">
+            <a:schemeClr val="lt1"/>
+          </a:fontRef>
+        </p:style>
+        <p:txBody>
+          <a:bodyPr rtlCol="0" anchor="ctr"/>
+          <a:lstStyle/>
+          <a:p>
+            <a:pPr marL="0" marR="0" lvl="0" indent="0" algn="ctr" defTabSz="914400" rtl="0" eaLnBrk="1" fontAlgn="auto" latinLnBrk="0" hangingPunct="1">
+              <a:lnSpc>
+                <a:spcPct val="100000"/>
+              </a:lnSpc>
+              <a:spcBef>
+                <a:spcPts val="0"/>
+              </a:spcBef>
+              <a:spcAft>
+                <a:spcPts val="0"/>
+              </a:spcAft>
+              <a:buClrTx/>
+              <a:buSzTx/>
+              <a:buFontTx/>
+              <a:buNone/>
+              <a:tabLst/>
+              <a:defRPr/>
+            </a:pPr>
+            <a:endParaRPr kumimoji="0" lang="it-IT" sz="1800" b="0" i="0" u="none" strike="noStrike" kern="1200" cap="none" spc="0" normalizeH="0" baseline="0" noProof="0" dirty="0">
+              <a:ln>
+                <a:noFill/>
+              </a:ln>
+              <a:solidFill>
+                <a:prstClr val="white"/>
+              </a:solidFill>
+              <a:effectLst/>
+              <a:uLnTx/>
+              <a:uFillTx/>
+              <a:latin typeface="Calibri" panose="020F0502020204030204"/>
+              <a:ea typeface="+mn-ea"/>
+              <a:cs typeface="+mn-cs"/>
+            </a:endParaRPr>
+          </a:p>
+        </p:txBody>
+      </p:sp>
+      <p:sp>
+        <p:nvSpPr>
+          <p:cNvPr id="10" name="Rectangle: Rounded Corners 9">
+            <a:extLst>
+              <a:ext uri="{FF2B5EF4-FFF2-40B4-BE49-F238E27FC236}">
+                <a16:creationId xmlns:a16="http://schemas.microsoft.com/office/drawing/2014/main" id="{353FC021-9E12-A48E-6ABA-58B63D78E973}"/>
+              </a:ext>
+            </a:extLst>
+          </p:cNvPr>
+          <p:cNvSpPr/>
+          <p:nvPr/>
+        </p:nvSpPr>
+        <p:spPr>
+          <a:xfrm>
+            <a:off x="4492101" y="253713"/>
+            <a:ext cx="3213716" cy="536232"/>
+          </a:xfrm>
+          <a:prstGeom prst="roundRect">
+            <a:avLst/>
+          </a:prstGeom>
+          <a:solidFill>
+            <a:schemeClr val="bg1"/>
+          </a:solidFill>
+          <a:ln>
+            <a:noFill/>
+          </a:ln>
+        </p:spPr>
+        <p:style>
+          <a:lnRef idx="2">
+            <a:schemeClr val="accent1">
+              <a:shade val="15000"/>
+            </a:schemeClr>
+          </a:lnRef>
+          <a:fillRef idx="1">
+            <a:schemeClr val="accent1"/>
+          </a:fillRef>
+          <a:effectRef idx="0">
+            <a:schemeClr val="accent1"/>
+          </a:effectRef>
+          <a:fontRef idx="minor">
+            <a:schemeClr val="lt1"/>
+          </a:fontRef>
+        </p:style>
+        <p:txBody>
+          <a:bodyPr rtlCol="0" anchor="ctr"/>
+          <a:lstStyle/>
+          <a:p>
+            <a:pPr marL="0" marR="0" lvl="0" indent="0" algn="ctr" defTabSz="914400" rtl="0" eaLnBrk="1" fontAlgn="auto" latinLnBrk="0" hangingPunct="1">
+              <a:lnSpc>
+                <a:spcPct val="100000"/>
+              </a:lnSpc>
+              <a:spcBef>
+                <a:spcPts val="0"/>
+              </a:spcBef>
+              <a:spcAft>
+                <a:spcPts val="0"/>
+              </a:spcAft>
+              <a:buClrTx/>
+              <a:buSzTx/>
+              <a:buFontTx/>
+              <a:buNone/>
+              <a:tabLst/>
+              <a:defRPr/>
+            </a:pPr>
+            <a:endParaRPr kumimoji="0" lang="it-IT" sz="1800" b="0" i="0" u="none" strike="noStrike" kern="1200" cap="none" spc="0" normalizeH="0" baseline="0" noProof="0">
+              <a:ln>
+                <a:noFill/>
+              </a:ln>
+              <a:solidFill>
+                <a:prstClr val="white"/>
+              </a:solidFill>
+              <a:effectLst/>
+              <a:uLnTx/>
+              <a:uFillTx/>
+              <a:latin typeface="Calibri" panose="020F0502020204030204"/>
+              <a:ea typeface="+mn-ea"/>
+              <a:cs typeface="+mn-cs"/>
+            </a:endParaRPr>
+          </a:p>
+        </p:txBody>
+      </p:sp>
+      <p:sp>
+        <p:nvSpPr>
+          <p:cNvPr id="2" name="Title 1">
+            <a:extLst>
+              <a:ext uri="{FF2B5EF4-FFF2-40B4-BE49-F238E27FC236}">
+                <a16:creationId xmlns:a16="http://schemas.microsoft.com/office/drawing/2014/main" id="{29FD1FBB-B73F-521A-0195-23D08646B2BD}"/>
+              </a:ext>
+            </a:extLst>
+          </p:cNvPr>
+          <p:cNvSpPr>
+            <a:spLocks noGrp="1"/>
+          </p:cNvSpPr>
+          <p:nvPr>
+            <p:ph type="ctrTitle"/>
+          </p:nvPr>
+        </p:nvSpPr>
+        <p:spPr>
+          <a:xfrm>
+            <a:off x="0" y="219075"/>
+            <a:ext cx="12192000" cy="547058"/>
+          </a:xfrm>
+        </p:spPr>
+        <p:txBody>
+          <a:bodyPr>
+            <a:normAutofit fontScale="90000"/>
+          </a:bodyPr>
+          <a:lstStyle/>
+          <a:p>
+            <a:pPr hangingPunct="0">
+              <a:tabLst>
+                <a:tab pos="7496175" algn="r"/>
+              </a:tabLst>
+            </a:pPr>
+            <a:r>
+              <a:rPr lang="it-IT" sz="3600" dirty="0">
+                <a:latin typeface="Cambria Math" panose="02040503050406030204" pitchFamily="18" charset="0"/>
+                <a:ea typeface="Cambria Math" panose="02040503050406030204" pitchFamily="18" charset="0"/>
+                <a:cs typeface="Times New Roman" panose="02020603050405020304" pitchFamily="18" charset="0"/>
+              </a:rPr>
+              <a:t>Risultati ottenuti</a:t>
+            </a:r>
+          </a:p>
+        </p:txBody>
+      </p:sp>
+      <p:sp>
+        <p:nvSpPr>
+          <p:cNvPr id="3" name="Subtitle 2">
+            <a:extLst>
+              <a:ext uri="{FF2B5EF4-FFF2-40B4-BE49-F238E27FC236}">
+                <a16:creationId xmlns:a16="http://schemas.microsoft.com/office/drawing/2014/main" id="{FC446B2D-F94A-2F94-9904-6D62ADA65C8F}"/>
+              </a:ext>
+            </a:extLst>
+          </p:cNvPr>
+          <p:cNvSpPr>
+            <a:spLocks noGrp="1"/>
+          </p:cNvSpPr>
+          <p:nvPr>
+            <p:ph type="subTitle" idx="1"/>
+          </p:nvPr>
+        </p:nvSpPr>
+        <p:spPr>
+          <a:xfrm>
+            <a:off x="1159136" y="1141768"/>
+            <a:ext cx="9601200" cy="5497157"/>
+          </a:xfrm>
+        </p:spPr>
+        <p:txBody>
+          <a:bodyPr>
+            <a:normAutofit/>
+          </a:bodyPr>
+          <a:lstStyle/>
+          <a:p>
+            <a:pPr algn="l">
+              <a:lnSpc>
+                <a:spcPct val="200000"/>
+              </a:lnSpc>
+            </a:pPr>
+            <a:endParaRPr lang="it-IT" dirty="0">
+              <a:latin typeface="Times New Roman" panose="02020603050405020304" pitchFamily="18" charset="0"/>
+              <a:cs typeface="Times New Roman" panose="02020603050405020304" pitchFamily="18" charset="0"/>
+            </a:endParaRPr>
+          </a:p>
+        </p:txBody>
+      </p:sp>
+      <p:graphicFrame>
+        <p:nvGraphicFramePr>
+          <p:cNvPr id="4" name="Chart 3">
+            <a:extLst>
+              <a:ext uri="{FF2B5EF4-FFF2-40B4-BE49-F238E27FC236}">
+                <a16:creationId xmlns:a16="http://schemas.microsoft.com/office/drawing/2014/main" id="{B2E7BEBD-EAB7-1AAB-6BAA-84C75C558318}"/>
+              </a:ext>
+            </a:extLst>
+          </p:cNvPr>
+          <p:cNvGraphicFramePr/>
           <p:nvPr>
             <p:extLst>
               <p:ext uri="{D42A27DB-BD31-4B8C-83A1-F6EECF244321}">
-                <p14:modId xmlns:p14="http://schemas.microsoft.com/office/powerpoint/2010/main" val="2655519638"/>
+                <p14:modId xmlns:p14="http://schemas.microsoft.com/office/powerpoint/2010/main" val="2219420121"/>
               </p:ext>
             </p:extLst>
           </p:nvPr>
@@ -19806,7 +21494,7 @@
                                           </p:stCondLst>
                                         </p:cTn>
                                         <p:tgtEl>
-                                          <p:spTgt spid="4"/>
+                                          <p:spTgt spid="5"/>
                                         </p:tgtEl>
                                         <p:attrNameLst>
                                           <p:attrName>style.visibility</p:attrName>
@@ -19819,59 +21507,6 @@
                                     <p:animEffect transition="in" filter="fade">
                                       <p:cBhvr>
                                         <p:cTn id="7" dur="500"/>
-                                        <p:tgtEl>
-                                          <p:spTgt spid="4"/>
-                                        </p:tgtEl>
-                                      </p:cBhvr>
-                                    </p:animEffect>
-                                  </p:childTnLst>
-                                </p:cTn>
-                              </p:par>
-                            </p:childTnLst>
-                          </p:cTn>
-                        </p:par>
-                      </p:childTnLst>
-                    </p:cTn>
-                  </p:par>
-                  <p:par>
-                    <p:cTn id="8" fill="hold">
-                      <p:stCondLst>
-                        <p:cond delay="indefinite"/>
-                      </p:stCondLst>
-                      <p:childTnLst>
-                        <p:par>
-                          <p:cTn id="9" fill="hold">
-                            <p:stCondLst>
-                              <p:cond delay="0"/>
-                            </p:stCondLst>
-                            <p:childTnLst>
-                              <p:par>
-                                <p:cTn id="10" presetID="10" presetClass="entr" presetSubtype="0" fill="hold" grpId="0" nodeType="clickEffect">
-                                  <p:stCondLst>
-                                    <p:cond delay="0"/>
-                                  </p:stCondLst>
-                                  <p:childTnLst>
-                                    <p:set>
-                                      <p:cBhvr>
-                                        <p:cTn id="11" dur="1" fill="hold">
-                                          <p:stCondLst>
-                                            <p:cond delay="0"/>
-                                          </p:stCondLst>
-                                        </p:cTn>
-                                        <p:tgtEl>
-                                          <p:spTgt spid="5"/>
-                                        </p:tgtEl>
-                                        <p:attrNameLst>
-                                          <p:attrName>style.visibility</p:attrName>
-                                        </p:attrNameLst>
-                                      </p:cBhvr>
-                                      <p:to>
-                                        <p:strVal val="visible"/>
-                                      </p:to>
-                                    </p:set>
-                                    <p:animEffect transition="in" filter="fade">
-                                      <p:cBhvr>
-                                        <p:cTn id="12" dur="500"/>
                                         <p:tgtEl>
                                           <p:spTgt spid="5"/>
                                         </p:tgtEl>
@@ -19908,9 +21543,6 @@
       </p:par>
     </p:tnLst>
     <p:bldLst>
-      <p:bldGraphic spid="4" grpId="0">
-        <p:bldAsOne/>
-      </p:bldGraphic>
       <p:bldGraphic spid="5" grpId="0">
         <p:bldAsOne/>
       </p:bldGraphic>
@@ -19919,7 +21551,7 @@
 </p:sld>
 </file>
 
-<file path=ppt/slides/slide21.xml><?xml version="1.0" encoding="utf-8"?>
+<file path=ppt/slides/slide22.xml><?xml version="1.0" encoding="utf-8"?>
 <p:sld xmlns:a="http://schemas.openxmlformats.org/drawingml/2006/main" xmlns:r="http://schemas.openxmlformats.org/officeDocument/2006/relationships" xmlns:p="http://schemas.openxmlformats.org/presentationml/2006/main">
   <p:cSld>
     <p:spTree>
@@ -20243,366 +21875,6 @@
   <p:clrMapOvr>
     <a:masterClrMapping/>
   </p:clrMapOvr>
-</p:sld>
-</file>
-
-<file path=ppt/slides/slide22.xml><?xml version="1.0" encoding="utf-8"?>
-<p:sld xmlns:a="http://schemas.openxmlformats.org/drawingml/2006/main" xmlns:r="http://schemas.openxmlformats.org/officeDocument/2006/relationships" xmlns:p="http://schemas.openxmlformats.org/presentationml/2006/main">
-  <p:cSld>
-    <p:bg>
-      <p:bgPr>
-        <a:gradFill>
-          <a:gsLst>
-            <a:gs pos="0">
-              <a:schemeClr val="accent6">
-                <a:lumMod val="40000"/>
-                <a:lumOff val="60000"/>
-              </a:schemeClr>
-            </a:gs>
-            <a:gs pos="100000">
-              <a:schemeClr val="accent6">
-                <a:lumMod val="75000"/>
-              </a:schemeClr>
-            </a:gs>
-          </a:gsLst>
-          <a:lin ang="8100000" scaled="1"/>
-        </a:gradFill>
-        <a:effectLst/>
-      </p:bgPr>
-    </p:bg>
-    <p:spTree>
-      <p:nvGrpSpPr>
-        <p:cNvPr id="1" name=""/>
-        <p:cNvGrpSpPr/>
-        <p:nvPr/>
-      </p:nvGrpSpPr>
-      <p:grpSpPr>
-        <a:xfrm>
-          <a:off x="0" y="0"/>
-          <a:ext cx="0" cy="0"/>
-          <a:chOff x="0" y="0"/>
-          <a:chExt cx="0" cy="0"/>
-        </a:xfrm>
-      </p:grpSpPr>
-      <p:sp>
-        <p:nvSpPr>
-          <p:cNvPr id="8" name="Rectangle: Rounded Corners 7">
-            <a:extLst>
-              <a:ext uri="{FF2B5EF4-FFF2-40B4-BE49-F238E27FC236}">
-                <a16:creationId xmlns:a16="http://schemas.microsoft.com/office/drawing/2014/main" id="{7BB0D57C-96FC-342D-E8C0-5E4D36FCC075}"/>
-              </a:ext>
-            </a:extLst>
-          </p:cNvPr>
-          <p:cNvSpPr/>
-          <p:nvPr/>
-        </p:nvSpPr>
-        <p:spPr>
-          <a:xfrm>
-            <a:off x="136263" y="107576"/>
-            <a:ext cx="11919473" cy="6642848"/>
-          </a:xfrm>
-          <a:prstGeom prst="roundRect">
-            <a:avLst>
-              <a:gd name="adj" fmla="val 1768"/>
-            </a:avLst>
-          </a:prstGeom>
-          <a:solidFill>
-            <a:schemeClr val="accent2">
-              <a:lumMod val="20000"/>
-              <a:lumOff val="80000"/>
-            </a:schemeClr>
-          </a:solidFill>
-          <a:ln>
-            <a:noFill/>
-          </a:ln>
-          <a:effectLst>
-            <a:softEdge rad="0"/>
-          </a:effectLst>
-        </p:spPr>
-        <p:style>
-          <a:lnRef idx="2">
-            <a:schemeClr val="accent1">
-              <a:shade val="15000"/>
-            </a:schemeClr>
-          </a:lnRef>
-          <a:fillRef idx="1">
-            <a:schemeClr val="accent1"/>
-          </a:fillRef>
-          <a:effectRef idx="0">
-            <a:schemeClr val="accent1"/>
-          </a:effectRef>
-          <a:fontRef idx="minor">
-            <a:schemeClr val="lt1"/>
-          </a:fontRef>
-        </p:style>
-        <p:txBody>
-          <a:bodyPr rtlCol="0" anchor="ctr"/>
-          <a:lstStyle/>
-          <a:p>
-            <a:pPr marL="0" marR="0" lvl="0" indent="0" algn="ctr" defTabSz="914400" rtl="0" eaLnBrk="1" fontAlgn="auto" latinLnBrk="0" hangingPunct="1">
-              <a:lnSpc>
-                <a:spcPct val="100000"/>
-              </a:lnSpc>
-              <a:spcBef>
-                <a:spcPts val="0"/>
-              </a:spcBef>
-              <a:spcAft>
-                <a:spcPts val="0"/>
-              </a:spcAft>
-              <a:buClrTx/>
-              <a:buSzTx/>
-              <a:buFontTx/>
-              <a:buNone/>
-              <a:tabLst/>
-              <a:defRPr/>
-            </a:pPr>
-            <a:endParaRPr kumimoji="0" lang="it-IT" sz="1800" b="0" i="0" u="none" strike="noStrike" kern="1200" cap="none" spc="0" normalizeH="0" baseline="0" noProof="0" dirty="0">
-              <a:ln>
-                <a:noFill/>
-              </a:ln>
-              <a:solidFill>
-                <a:prstClr val="white"/>
-              </a:solidFill>
-              <a:effectLst/>
-              <a:uLnTx/>
-              <a:uFillTx/>
-              <a:latin typeface="Calibri" panose="020F0502020204030204"/>
-              <a:ea typeface="+mn-ea"/>
-              <a:cs typeface="+mn-cs"/>
-            </a:endParaRPr>
-          </a:p>
-        </p:txBody>
-      </p:sp>
-      <p:sp>
-        <p:nvSpPr>
-          <p:cNvPr id="10" name="Rectangle: Rounded Corners 9">
-            <a:extLst>
-              <a:ext uri="{FF2B5EF4-FFF2-40B4-BE49-F238E27FC236}">
-                <a16:creationId xmlns:a16="http://schemas.microsoft.com/office/drawing/2014/main" id="{353FC021-9E12-A48E-6ABA-58B63D78E973}"/>
-              </a:ext>
-            </a:extLst>
-          </p:cNvPr>
-          <p:cNvSpPr/>
-          <p:nvPr/>
-        </p:nvSpPr>
-        <p:spPr>
-          <a:xfrm>
-            <a:off x="4492101" y="253713"/>
-            <a:ext cx="3213716" cy="536232"/>
-          </a:xfrm>
-          <a:prstGeom prst="roundRect">
-            <a:avLst/>
-          </a:prstGeom>
-          <a:solidFill>
-            <a:schemeClr val="bg1"/>
-          </a:solidFill>
-          <a:ln>
-            <a:noFill/>
-          </a:ln>
-        </p:spPr>
-        <p:style>
-          <a:lnRef idx="2">
-            <a:schemeClr val="accent1">
-              <a:shade val="15000"/>
-            </a:schemeClr>
-          </a:lnRef>
-          <a:fillRef idx="1">
-            <a:schemeClr val="accent1"/>
-          </a:fillRef>
-          <a:effectRef idx="0">
-            <a:schemeClr val="accent1"/>
-          </a:effectRef>
-          <a:fontRef idx="minor">
-            <a:schemeClr val="lt1"/>
-          </a:fontRef>
-        </p:style>
-        <p:txBody>
-          <a:bodyPr rtlCol="0" anchor="ctr"/>
-          <a:lstStyle/>
-          <a:p>
-            <a:pPr marL="0" marR="0" lvl="0" indent="0" algn="ctr" defTabSz="914400" rtl="0" eaLnBrk="1" fontAlgn="auto" latinLnBrk="0" hangingPunct="1">
-              <a:lnSpc>
-                <a:spcPct val="100000"/>
-              </a:lnSpc>
-              <a:spcBef>
-                <a:spcPts val="0"/>
-              </a:spcBef>
-              <a:spcAft>
-                <a:spcPts val="0"/>
-              </a:spcAft>
-              <a:buClrTx/>
-              <a:buSzTx/>
-              <a:buFontTx/>
-              <a:buNone/>
-              <a:tabLst/>
-              <a:defRPr/>
-            </a:pPr>
-            <a:endParaRPr kumimoji="0" lang="it-IT" sz="1800" b="0" i="0" u="none" strike="noStrike" kern="1200" cap="none" spc="0" normalizeH="0" baseline="0" noProof="0">
-              <a:ln>
-                <a:noFill/>
-              </a:ln>
-              <a:solidFill>
-                <a:prstClr val="white"/>
-              </a:solidFill>
-              <a:effectLst/>
-              <a:uLnTx/>
-              <a:uFillTx/>
-              <a:latin typeface="Calibri" panose="020F0502020204030204"/>
-              <a:ea typeface="+mn-ea"/>
-              <a:cs typeface="+mn-cs"/>
-            </a:endParaRPr>
-          </a:p>
-        </p:txBody>
-      </p:sp>
-      <p:sp>
-        <p:nvSpPr>
-          <p:cNvPr id="2" name="Title 1">
-            <a:extLst>
-              <a:ext uri="{FF2B5EF4-FFF2-40B4-BE49-F238E27FC236}">
-                <a16:creationId xmlns:a16="http://schemas.microsoft.com/office/drawing/2014/main" id="{29FD1FBB-B73F-521A-0195-23D08646B2BD}"/>
-              </a:ext>
-            </a:extLst>
-          </p:cNvPr>
-          <p:cNvSpPr>
-            <a:spLocks noGrp="1"/>
-          </p:cNvSpPr>
-          <p:nvPr>
-            <p:ph type="ctrTitle"/>
-          </p:nvPr>
-        </p:nvSpPr>
-        <p:spPr>
-          <a:xfrm>
-            <a:off x="0" y="219075"/>
-            <a:ext cx="12192000" cy="547058"/>
-          </a:xfrm>
-        </p:spPr>
-        <p:txBody>
-          <a:bodyPr>
-            <a:normAutofit fontScale="90000"/>
-          </a:bodyPr>
-          <a:lstStyle/>
-          <a:p>
-            <a:pPr hangingPunct="0">
-              <a:tabLst>
-                <a:tab pos="7496175" algn="r"/>
-              </a:tabLst>
-            </a:pPr>
-            <a:r>
-              <a:rPr lang="it-IT" sz="3600" dirty="0">
-                <a:latin typeface="Cambria Math" panose="02040503050406030204" pitchFamily="18" charset="0"/>
-                <a:ea typeface="Cambria Math" panose="02040503050406030204" pitchFamily="18" charset="0"/>
-                <a:cs typeface="Times New Roman" panose="02020603050405020304" pitchFamily="18" charset="0"/>
-              </a:rPr>
-              <a:t>Risultati ottenuti</a:t>
-            </a:r>
-          </a:p>
-        </p:txBody>
-      </p:sp>
-      <p:sp>
-        <p:nvSpPr>
-          <p:cNvPr id="3" name="Subtitle 2">
-            <a:extLst>
-              <a:ext uri="{FF2B5EF4-FFF2-40B4-BE49-F238E27FC236}">
-                <a16:creationId xmlns:a16="http://schemas.microsoft.com/office/drawing/2014/main" id="{FC446B2D-F94A-2F94-9904-6D62ADA65C8F}"/>
-              </a:ext>
-            </a:extLst>
-          </p:cNvPr>
-          <p:cNvSpPr>
-            <a:spLocks noGrp="1"/>
-          </p:cNvSpPr>
-          <p:nvPr>
-            <p:ph type="subTitle" idx="1"/>
-          </p:nvPr>
-        </p:nvSpPr>
-        <p:spPr>
-          <a:xfrm>
-            <a:off x="1159136" y="1141768"/>
-            <a:ext cx="9601200" cy="5497157"/>
-          </a:xfrm>
-        </p:spPr>
-        <p:txBody>
-          <a:bodyPr>
-            <a:normAutofit/>
-          </a:bodyPr>
-          <a:lstStyle/>
-          <a:p>
-            <a:pPr algn="l">
-              <a:lnSpc>
-                <a:spcPct val="200000"/>
-              </a:lnSpc>
-            </a:pPr>
-            <a:endParaRPr lang="it-IT" dirty="0">
-              <a:latin typeface="Times New Roman" panose="02020603050405020304" pitchFamily="18" charset="0"/>
-              <a:cs typeface="Times New Roman" panose="02020603050405020304" pitchFamily="18" charset="0"/>
-            </a:endParaRPr>
-          </a:p>
-        </p:txBody>
-      </p:sp>
-      <p:pic>
-        <p:nvPicPr>
-          <p:cNvPr id="7" name="Picture 6" descr="A screenshot of a computer&#10;&#10;Description automatically generated">
-            <a:extLst>
-              <a:ext uri="{FF2B5EF4-FFF2-40B4-BE49-F238E27FC236}">
-                <a16:creationId xmlns:a16="http://schemas.microsoft.com/office/drawing/2014/main" id="{1C9B805D-CBC1-0451-39AE-BF2E24808158}"/>
-              </a:ext>
-            </a:extLst>
-          </p:cNvPr>
-          <p:cNvPicPr>
-            <a:picLocks noChangeAspect="1"/>
-          </p:cNvPicPr>
-          <p:nvPr/>
-        </p:nvPicPr>
-        <p:blipFill>
-          <a:blip r:embed="rId3"/>
-          <a:stretch>
-            <a:fillRect/>
-          </a:stretch>
-        </p:blipFill>
-        <p:spPr>
-          <a:xfrm>
-            <a:off x="620089" y="894508"/>
-            <a:ext cx="10951821" cy="5709779"/>
-          </a:xfrm>
-          <a:prstGeom prst="roundRect">
-            <a:avLst>
-              <a:gd name="adj" fmla="val 753"/>
-            </a:avLst>
-          </a:prstGeom>
-          <a:solidFill>
-            <a:srgbClr val="FFFFFF">
-              <a:shade val="85000"/>
-            </a:srgbClr>
-          </a:solidFill>
-          <a:ln>
-            <a:noFill/>
-          </a:ln>
-          <a:effectLst>
-            <a:reflection blurRad="12700" stA="0" endPos="28000" dist="5000" dir="5400000" sy="-100000" algn="bl" rotWithShape="0"/>
-          </a:effectLst>
-        </p:spPr>
-      </p:pic>
-    </p:spTree>
-    <p:extLst>
-      <p:ext uri="{BB962C8B-B14F-4D97-AF65-F5344CB8AC3E}">
-        <p14:creationId xmlns:p14="http://schemas.microsoft.com/office/powerpoint/2010/main" val="1192033070"/>
-      </p:ext>
-    </p:extLst>
-  </p:cSld>
-  <p:clrMapOvr>
-    <a:masterClrMapping/>
-  </p:clrMapOvr>
-  <mc:AlternateContent xmlns:mc="http://schemas.openxmlformats.org/markup-compatibility/2006">
-    <mc:Choice xmlns:p159="http://schemas.microsoft.com/office/powerpoint/2015/09/main" Requires="p159">
-      <p:transition xmlns:p14="http://schemas.microsoft.com/office/powerpoint/2010/main" spd="slow" p14:dur="2000">
-        <p159:morph option="byObject"/>
-      </p:transition>
-    </mc:Choice>
-    <mc:Fallback>
-      <p:transition spd="slow">
-        <p:fade/>
-      </p:transition>
-    </mc:Fallback>
-  </mc:AlternateContent>
 </p:sld>
 </file>
 
@@ -20879,10 +22151,10 @@
       </p:sp>
       <p:pic>
         <p:nvPicPr>
-          <p:cNvPr id="5" name="Picture 4">
+          <p:cNvPr id="7" name="Picture 6" descr="A screenshot of a computer&#10;&#10;Description automatically generated">
             <a:extLst>
               <a:ext uri="{FF2B5EF4-FFF2-40B4-BE49-F238E27FC236}">
-                <a16:creationId xmlns:a16="http://schemas.microsoft.com/office/drawing/2014/main" id="{3812DE40-5AF8-7D6E-7A08-B24D8EBC1394}"/>
+                <a16:creationId xmlns:a16="http://schemas.microsoft.com/office/drawing/2014/main" id="{1C9B805D-CBC1-0451-39AE-BF2E24808158}"/>
               </a:ext>
             </a:extLst>
           </p:cNvPr>
@@ -20893,17 +22165,18 @@
         </p:nvPicPr>
         <p:blipFill>
           <a:blip r:embed="rId3"/>
-          <a:srcRect/>
-          <a:stretch/>
+          <a:stretch>
+            <a:fillRect/>
+          </a:stretch>
         </p:blipFill>
         <p:spPr>
           <a:xfrm>
-            <a:off x="953644" y="856599"/>
-            <a:ext cx="10284709" cy="5782326"/>
+            <a:off x="620089" y="894508"/>
+            <a:ext cx="10951821" cy="5709779"/>
           </a:xfrm>
           <a:prstGeom prst="roundRect">
             <a:avLst>
-              <a:gd name="adj" fmla="val 1017"/>
+              <a:gd name="adj" fmla="val 753"/>
             </a:avLst>
           </a:prstGeom>
           <a:solidFill>
@@ -20922,13 +22195,25 @@
     </p:spTree>
     <p:extLst>
       <p:ext uri="{BB962C8B-B14F-4D97-AF65-F5344CB8AC3E}">
-        <p14:creationId xmlns:p14="http://schemas.microsoft.com/office/powerpoint/2010/main" val="826783920"/>
+        <p14:creationId xmlns:p14="http://schemas.microsoft.com/office/powerpoint/2010/main" val="1192033070"/>
       </p:ext>
     </p:extLst>
   </p:cSld>
   <p:clrMapOvr>
     <a:masterClrMapping/>
   </p:clrMapOvr>
+  <mc:AlternateContent xmlns:mc="http://schemas.openxmlformats.org/markup-compatibility/2006" xmlns:p159="http://schemas.microsoft.com/office/powerpoint/2015/09/main">
+    <mc:Choice Requires="p159">
+      <p:transition xmlns:p14="http://schemas.microsoft.com/office/powerpoint/2010/main" spd="slow" p14:dur="2000">
+        <p159:morph option="byObject"/>
+      </p:transition>
+    </mc:Choice>
+    <mc:Fallback xmlns="">
+      <p:transition spd="slow">
+        <p:fade/>
+      </p:transition>
+    </mc:Fallback>
+  </mc:AlternateContent>
 </p:sld>
 </file>
 
@@ -21205,10 +22490,10 @@
       </p:sp>
       <p:pic>
         <p:nvPicPr>
-          <p:cNvPr id="7" name="Picture 6">
+          <p:cNvPr id="5" name="Picture 4">
             <a:extLst>
               <a:ext uri="{FF2B5EF4-FFF2-40B4-BE49-F238E27FC236}">
-                <a16:creationId xmlns:a16="http://schemas.microsoft.com/office/drawing/2014/main" id="{1C9B805D-CBC1-0451-39AE-BF2E24808158}"/>
+                <a16:creationId xmlns:a16="http://schemas.microsoft.com/office/drawing/2014/main" id="{3812DE40-5AF8-7D6E-7A08-B24D8EBC1394}"/>
               </a:ext>
             </a:extLst>
           </p:cNvPr>
@@ -21224,12 +22509,12 @@
         </p:blipFill>
         <p:spPr>
           <a:xfrm>
-            <a:off x="620089" y="894509"/>
-            <a:ext cx="10951821" cy="5709777"/>
+            <a:off x="953644" y="856599"/>
+            <a:ext cx="10284709" cy="5782326"/>
           </a:xfrm>
           <a:prstGeom prst="roundRect">
             <a:avLst>
-              <a:gd name="adj" fmla="val 753"/>
+              <a:gd name="adj" fmla="val 1017"/>
             </a:avLst>
           </a:prstGeom>
           <a:solidFill>
@@ -21248,52 +22533,19 @@
     </p:spTree>
     <p:extLst>
       <p:ext uri="{BB962C8B-B14F-4D97-AF65-F5344CB8AC3E}">
-        <p14:creationId xmlns:p14="http://schemas.microsoft.com/office/powerpoint/2010/main" val="3804425154"/>
+        <p14:creationId xmlns:p14="http://schemas.microsoft.com/office/powerpoint/2010/main" val="826783920"/>
       </p:ext>
     </p:extLst>
   </p:cSld>
   <p:clrMapOvr>
     <a:masterClrMapping/>
   </p:clrMapOvr>
-  <mc:AlternateContent xmlns:mc="http://schemas.openxmlformats.org/markup-compatibility/2006">
-    <mc:Choice xmlns:p159="http://schemas.microsoft.com/office/powerpoint/2015/09/main" Requires="p159">
-      <p:transition xmlns:p14="http://schemas.microsoft.com/office/powerpoint/2010/main" spd="slow" p14:dur="2000">
-        <p159:morph option="byObject"/>
-      </p:transition>
-    </mc:Choice>
-    <mc:Fallback>
-      <p:transition spd="slow">
-        <p:fade/>
-      </p:transition>
-    </mc:Fallback>
-  </mc:AlternateContent>
 </p:sld>
 </file>
 
 <file path=ppt/slides/slide25.xml><?xml version="1.0" encoding="utf-8"?>
 <p:sld xmlns:a="http://schemas.openxmlformats.org/drawingml/2006/main" xmlns:r="http://schemas.openxmlformats.org/officeDocument/2006/relationships" xmlns:p="http://schemas.openxmlformats.org/presentationml/2006/main">
   <p:cSld>
-    <p:bg>
-      <p:bgPr>
-        <a:gradFill>
-          <a:gsLst>
-            <a:gs pos="0">
-              <a:schemeClr val="accent6">
-                <a:lumMod val="40000"/>
-                <a:lumOff val="60000"/>
-              </a:schemeClr>
-            </a:gs>
-            <a:gs pos="100000">
-              <a:schemeClr val="accent6">
-                <a:lumMod val="75000"/>
-              </a:schemeClr>
-            </a:gs>
-          </a:gsLst>
-          <a:lin ang="8100000" scaled="1"/>
-        </a:gradFill>
-        <a:effectLst/>
-      </p:bgPr>
-    </p:bg>
     <p:spTree>
       <p:nvGrpSpPr>
         <p:cNvPr id="1" name=""/>
@@ -21411,6 +22663,344 @@
         </p:nvSpPr>
         <p:spPr>
           <a:xfrm>
+            <a:off x="4492101" y="253713"/>
+            <a:ext cx="3213716" cy="536232"/>
+          </a:xfrm>
+          <a:prstGeom prst="roundRect">
+            <a:avLst/>
+          </a:prstGeom>
+          <a:solidFill>
+            <a:schemeClr val="bg1"/>
+          </a:solidFill>
+          <a:ln>
+            <a:noFill/>
+          </a:ln>
+        </p:spPr>
+        <p:style>
+          <a:lnRef idx="2">
+            <a:schemeClr val="accent1">
+              <a:shade val="15000"/>
+            </a:schemeClr>
+          </a:lnRef>
+          <a:fillRef idx="1">
+            <a:schemeClr val="accent1"/>
+          </a:fillRef>
+          <a:effectRef idx="0">
+            <a:schemeClr val="accent1"/>
+          </a:effectRef>
+          <a:fontRef idx="minor">
+            <a:schemeClr val="lt1"/>
+          </a:fontRef>
+        </p:style>
+        <p:txBody>
+          <a:bodyPr rtlCol="0" anchor="ctr"/>
+          <a:lstStyle/>
+          <a:p>
+            <a:pPr marL="0" marR="0" lvl="0" indent="0" algn="ctr" defTabSz="914400" rtl="0" eaLnBrk="1" fontAlgn="auto" latinLnBrk="0" hangingPunct="1">
+              <a:lnSpc>
+                <a:spcPct val="100000"/>
+              </a:lnSpc>
+              <a:spcBef>
+                <a:spcPts val="0"/>
+              </a:spcBef>
+              <a:spcAft>
+                <a:spcPts val="0"/>
+              </a:spcAft>
+              <a:buClrTx/>
+              <a:buSzTx/>
+              <a:buFontTx/>
+              <a:buNone/>
+              <a:tabLst/>
+              <a:defRPr/>
+            </a:pPr>
+            <a:endParaRPr kumimoji="0" lang="it-IT" sz="1800" b="0" i="0" u="none" strike="noStrike" kern="1200" cap="none" spc="0" normalizeH="0" baseline="0" noProof="0">
+              <a:ln>
+                <a:noFill/>
+              </a:ln>
+              <a:solidFill>
+                <a:prstClr val="white"/>
+              </a:solidFill>
+              <a:effectLst/>
+              <a:uLnTx/>
+              <a:uFillTx/>
+              <a:latin typeface="Calibri" panose="020F0502020204030204"/>
+              <a:ea typeface="+mn-ea"/>
+              <a:cs typeface="+mn-cs"/>
+            </a:endParaRPr>
+          </a:p>
+        </p:txBody>
+      </p:sp>
+      <p:sp>
+        <p:nvSpPr>
+          <p:cNvPr id="2" name="Title 1">
+            <a:extLst>
+              <a:ext uri="{FF2B5EF4-FFF2-40B4-BE49-F238E27FC236}">
+                <a16:creationId xmlns:a16="http://schemas.microsoft.com/office/drawing/2014/main" id="{29FD1FBB-B73F-521A-0195-23D08646B2BD}"/>
+              </a:ext>
+            </a:extLst>
+          </p:cNvPr>
+          <p:cNvSpPr>
+            <a:spLocks noGrp="1"/>
+          </p:cNvSpPr>
+          <p:nvPr>
+            <p:ph type="ctrTitle"/>
+          </p:nvPr>
+        </p:nvSpPr>
+        <p:spPr>
+          <a:xfrm>
+            <a:off x="0" y="219075"/>
+            <a:ext cx="12192000" cy="547058"/>
+          </a:xfrm>
+        </p:spPr>
+        <p:txBody>
+          <a:bodyPr>
+            <a:normAutofit fontScale="90000"/>
+          </a:bodyPr>
+          <a:lstStyle/>
+          <a:p>
+            <a:pPr hangingPunct="0">
+              <a:tabLst>
+                <a:tab pos="7496175" algn="r"/>
+              </a:tabLst>
+            </a:pPr>
+            <a:r>
+              <a:rPr lang="it-IT" sz="3600" dirty="0">
+                <a:latin typeface="Cambria Math" panose="02040503050406030204" pitchFamily="18" charset="0"/>
+                <a:ea typeface="Cambria Math" panose="02040503050406030204" pitchFamily="18" charset="0"/>
+                <a:cs typeface="Times New Roman" panose="02020603050405020304" pitchFamily="18" charset="0"/>
+              </a:rPr>
+              <a:t>Risultati ottenuti</a:t>
+            </a:r>
+          </a:p>
+        </p:txBody>
+      </p:sp>
+      <p:sp>
+        <p:nvSpPr>
+          <p:cNvPr id="3" name="Subtitle 2">
+            <a:extLst>
+              <a:ext uri="{FF2B5EF4-FFF2-40B4-BE49-F238E27FC236}">
+                <a16:creationId xmlns:a16="http://schemas.microsoft.com/office/drawing/2014/main" id="{FC446B2D-F94A-2F94-9904-6D62ADA65C8F}"/>
+              </a:ext>
+            </a:extLst>
+          </p:cNvPr>
+          <p:cNvSpPr>
+            <a:spLocks noGrp="1"/>
+          </p:cNvSpPr>
+          <p:nvPr>
+            <p:ph type="subTitle" idx="1"/>
+          </p:nvPr>
+        </p:nvSpPr>
+        <p:spPr>
+          <a:xfrm>
+            <a:off x="1159136" y="1141768"/>
+            <a:ext cx="9601200" cy="5497157"/>
+          </a:xfrm>
+        </p:spPr>
+        <p:txBody>
+          <a:bodyPr>
+            <a:normAutofit/>
+          </a:bodyPr>
+          <a:lstStyle/>
+          <a:p>
+            <a:pPr algn="l">
+              <a:lnSpc>
+                <a:spcPct val="200000"/>
+              </a:lnSpc>
+            </a:pPr>
+            <a:endParaRPr lang="it-IT" dirty="0">
+              <a:latin typeface="Times New Roman" panose="02020603050405020304" pitchFamily="18" charset="0"/>
+              <a:cs typeface="Times New Roman" panose="02020603050405020304" pitchFamily="18" charset="0"/>
+            </a:endParaRPr>
+          </a:p>
+        </p:txBody>
+      </p:sp>
+      <p:pic>
+        <p:nvPicPr>
+          <p:cNvPr id="7" name="Picture 6">
+            <a:extLst>
+              <a:ext uri="{FF2B5EF4-FFF2-40B4-BE49-F238E27FC236}">
+                <a16:creationId xmlns:a16="http://schemas.microsoft.com/office/drawing/2014/main" id="{1C9B805D-CBC1-0451-39AE-BF2E24808158}"/>
+              </a:ext>
+            </a:extLst>
+          </p:cNvPr>
+          <p:cNvPicPr>
+            <a:picLocks noChangeAspect="1"/>
+          </p:cNvPicPr>
+          <p:nvPr/>
+        </p:nvPicPr>
+        <p:blipFill>
+          <a:blip r:embed="rId3"/>
+          <a:srcRect/>
+          <a:stretch/>
+        </p:blipFill>
+        <p:spPr>
+          <a:xfrm>
+            <a:off x="620089" y="894509"/>
+            <a:ext cx="10951821" cy="5709777"/>
+          </a:xfrm>
+          <a:prstGeom prst="roundRect">
+            <a:avLst>
+              <a:gd name="adj" fmla="val 753"/>
+            </a:avLst>
+          </a:prstGeom>
+          <a:solidFill>
+            <a:srgbClr val="FFFFFF">
+              <a:shade val="85000"/>
+            </a:srgbClr>
+          </a:solidFill>
+          <a:ln>
+            <a:noFill/>
+          </a:ln>
+          <a:effectLst>
+            <a:reflection blurRad="12700" stA="0" endPos="28000" dist="5000" dir="5400000" sy="-100000" algn="bl" rotWithShape="0"/>
+          </a:effectLst>
+        </p:spPr>
+      </p:pic>
+    </p:spTree>
+    <p:extLst>
+      <p:ext uri="{BB962C8B-B14F-4D97-AF65-F5344CB8AC3E}">
+        <p14:creationId xmlns:p14="http://schemas.microsoft.com/office/powerpoint/2010/main" val="3804425154"/>
+      </p:ext>
+    </p:extLst>
+  </p:cSld>
+  <p:clrMapOvr>
+    <a:masterClrMapping/>
+  </p:clrMapOvr>
+  <mc:AlternateContent xmlns:mc="http://schemas.openxmlformats.org/markup-compatibility/2006" xmlns:p159="http://schemas.microsoft.com/office/powerpoint/2015/09/main">
+    <mc:Choice Requires="p159">
+      <p:transition xmlns:p14="http://schemas.microsoft.com/office/powerpoint/2010/main" spd="slow" p14:dur="2000">
+        <p159:morph option="byObject"/>
+      </p:transition>
+    </mc:Choice>
+    <mc:Fallback xmlns="">
+      <p:transition spd="slow">
+        <p:fade/>
+      </p:transition>
+    </mc:Fallback>
+  </mc:AlternateContent>
+</p:sld>
+</file>
+
+<file path=ppt/slides/slide26.xml><?xml version="1.0" encoding="utf-8"?>
+<p:sld xmlns:a="http://schemas.openxmlformats.org/drawingml/2006/main" xmlns:r="http://schemas.openxmlformats.org/officeDocument/2006/relationships" xmlns:p="http://schemas.openxmlformats.org/presentationml/2006/main">
+  <p:cSld>
+    <p:spTree>
+      <p:nvGrpSpPr>
+        <p:cNvPr id="1" name=""/>
+        <p:cNvGrpSpPr/>
+        <p:nvPr/>
+      </p:nvGrpSpPr>
+      <p:grpSpPr>
+        <a:xfrm>
+          <a:off x="0" y="0"/>
+          <a:ext cx="0" cy="0"/>
+          <a:chOff x="0" y="0"/>
+          <a:chExt cx="0" cy="0"/>
+        </a:xfrm>
+      </p:grpSpPr>
+      <p:sp>
+        <p:nvSpPr>
+          <p:cNvPr id="8" name="Rectangle: Rounded Corners 7">
+            <a:extLst>
+              <a:ext uri="{FF2B5EF4-FFF2-40B4-BE49-F238E27FC236}">
+                <a16:creationId xmlns:a16="http://schemas.microsoft.com/office/drawing/2014/main" id="{7BB0D57C-96FC-342D-E8C0-5E4D36FCC075}"/>
+              </a:ext>
+            </a:extLst>
+          </p:cNvPr>
+          <p:cNvSpPr/>
+          <p:nvPr/>
+        </p:nvSpPr>
+        <p:spPr>
+          <a:xfrm>
+            <a:off x="136263" y="107576"/>
+            <a:ext cx="11919473" cy="6642848"/>
+          </a:xfrm>
+          <a:prstGeom prst="roundRect">
+            <a:avLst>
+              <a:gd name="adj" fmla="val 1768"/>
+            </a:avLst>
+          </a:prstGeom>
+          <a:solidFill>
+            <a:schemeClr val="accent2">
+              <a:lumMod val="20000"/>
+              <a:lumOff val="80000"/>
+            </a:schemeClr>
+          </a:solidFill>
+          <a:ln>
+            <a:noFill/>
+          </a:ln>
+          <a:effectLst>
+            <a:softEdge rad="0"/>
+          </a:effectLst>
+        </p:spPr>
+        <p:style>
+          <a:lnRef idx="2">
+            <a:schemeClr val="accent1">
+              <a:shade val="15000"/>
+            </a:schemeClr>
+          </a:lnRef>
+          <a:fillRef idx="1">
+            <a:schemeClr val="accent1"/>
+          </a:fillRef>
+          <a:effectRef idx="0">
+            <a:schemeClr val="accent1"/>
+          </a:effectRef>
+          <a:fontRef idx="minor">
+            <a:schemeClr val="lt1"/>
+          </a:fontRef>
+        </p:style>
+        <p:txBody>
+          <a:bodyPr rtlCol="0" anchor="ctr"/>
+          <a:lstStyle/>
+          <a:p>
+            <a:pPr marL="0" marR="0" lvl="0" indent="0" algn="ctr" defTabSz="914400" rtl="0" eaLnBrk="1" fontAlgn="auto" latinLnBrk="0" hangingPunct="1">
+              <a:lnSpc>
+                <a:spcPct val="100000"/>
+              </a:lnSpc>
+              <a:spcBef>
+                <a:spcPts val="0"/>
+              </a:spcBef>
+              <a:spcAft>
+                <a:spcPts val="0"/>
+              </a:spcAft>
+              <a:buClrTx/>
+              <a:buSzTx/>
+              <a:buFontTx/>
+              <a:buNone/>
+              <a:tabLst/>
+              <a:defRPr/>
+            </a:pPr>
+            <a:endParaRPr kumimoji="0" lang="it-IT" sz="1800" b="0" i="0" u="none" strike="noStrike" kern="1200" cap="none" spc="0" normalizeH="0" baseline="0" noProof="0" dirty="0">
+              <a:ln>
+                <a:noFill/>
+              </a:ln>
+              <a:solidFill>
+                <a:prstClr val="white"/>
+              </a:solidFill>
+              <a:effectLst/>
+              <a:uLnTx/>
+              <a:uFillTx/>
+              <a:latin typeface="Calibri" panose="020F0502020204030204"/>
+              <a:ea typeface="+mn-ea"/>
+              <a:cs typeface="+mn-cs"/>
+            </a:endParaRPr>
+          </a:p>
+        </p:txBody>
+      </p:sp>
+      <p:sp>
+        <p:nvSpPr>
+          <p:cNvPr id="10" name="Rectangle: Rounded Corners 9">
+            <a:extLst>
+              <a:ext uri="{FF2B5EF4-FFF2-40B4-BE49-F238E27FC236}">
+                <a16:creationId xmlns:a16="http://schemas.microsoft.com/office/drawing/2014/main" id="{353FC021-9E12-A48E-6ABA-58B63D78E973}"/>
+              </a:ext>
+            </a:extLst>
+          </p:cNvPr>
+          <p:cNvSpPr/>
+          <p:nvPr/>
+        </p:nvSpPr>
+        <p:spPr>
+          <a:xfrm>
             <a:off x="770237" y="2553920"/>
             <a:ext cx="10651524" cy="1750160"/>
           </a:xfrm>
@@ -21505,27 +23095,6 @@
 <file path=ppt/slides/slide3.xml><?xml version="1.0" encoding="utf-8"?>
 <p:sld xmlns:a="http://schemas.openxmlformats.org/drawingml/2006/main" xmlns:r="http://schemas.openxmlformats.org/officeDocument/2006/relationships" xmlns:p="http://schemas.openxmlformats.org/presentationml/2006/main">
   <p:cSld>
-    <p:bg>
-      <p:bgPr>
-        <a:gradFill>
-          <a:gsLst>
-            <a:gs pos="0">
-              <a:schemeClr val="accent6">
-                <a:lumMod val="40000"/>
-                <a:lumOff val="60000"/>
-              </a:schemeClr>
-            </a:gs>
-            <a:gs pos="100000">
-              <a:schemeClr val="accent6">
-                <a:lumMod val="75000"/>
-              </a:schemeClr>
-            </a:gs>
-          </a:gsLst>
-          <a:lin ang="8100000" scaled="1"/>
-        </a:gradFill>
-        <a:effectLst/>
-      </p:bgPr>
-    </p:bg>
     <p:spTree>
       <p:nvGrpSpPr>
         <p:cNvPr id="1" name=""/>
@@ -21968,16 +23537,6 @@
               <a:t>con mezzo comunicativo </a:t>
             </a:r>
             <a:r>
-              <a:rPr lang="it-IT" b="1" dirty="0" err="1">
-                <a:solidFill>
-                  <a:schemeClr val="tx1"/>
-                </a:solidFill>
-                <a:latin typeface="Times New Roman" panose="02020603050405020304" pitchFamily="18" charset="0"/>
-                <a:cs typeface="Times New Roman" panose="02020603050405020304" pitchFamily="18" charset="0"/>
-              </a:rPr>
-              <a:t>half</a:t>
-            </a:r>
-            <a:r>
               <a:rPr lang="it-IT" b="1" dirty="0">
                 <a:solidFill>
                   <a:schemeClr val="tx1"/>
@@ -21985,7 +23544,7 @@
                 <a:latin typeface="Times New Roman" panose="02020603050405020304" pitchFamily="18" charset="0"/>
                 <a:cs typeface="Times New Roman" panose="02020603050405020304" pitchFamily="18" charset="0"/>
               </a:rPr>
-              <a:t>-duplex</a:t>
+              <a:t>half-duplex</a:t>
             </a:r>
           </a:p>
         </p:txBody>
@@ -22394,27 +23953,6 @@
 <file path=ppt/slides/slide4.xml><?xml version="1.0" encoding="utf-8"?>
 <p:sld xmlns:a="http://schemas.openxmlformats.org/drawingml/2006/main" xmlns:r="http://schemas.openxmlformats.org/officeDocument/2006/relationships" xmlns:p="http://schemas.openxmlformats.org/presentationml/2006/main">
   <p:cSld>
-    <p:bg>
-      <p:bgPr>
-        <a:gradFill>
-          <a:gsLst>
-            <a:gs pos="0">
-              <a:schemeClr val="accent6">
-                <a:lumMod val="40000"/>
-                <a:lumOff val="60000"/>
-              </a:schemeClr>
-            </a:gs>
-            <a:gs pos="100000">
-              <a:schemeClr val="accent6">
-                <a:lumMod val="75000"/>
-              </a:schemeClr>
-            </a:gs>
-          </a:gsLst>
-          <a:lin ang="8100000" scaled="1"/>
-        </a:gradFill>
-        <a:effectLst/>
-      </p:bgPr>
-    </p:bg>
     <p:spTree>
       <p:nvGrpSpPr>
         <p:cNvPr id="1" name=""/>
@@ -23581,27 +25119,6 @@
 <file path=ppt/slides/slide5.xml><?xml version="1.0" encoding="utf-8"?>
 <p:sld xmlns:a="http://schemas.openxmlformats.org/drawingml/2006/main" xmlns:r="http://schemas.openxmlformats.org/officeDocument/2006/relationships" xmlns:p="http://schemas.openxmlformats.org/presentationml/2006/main">
   <p:cSld>
-    <p:bg>
-      <p:bgPr>
-        <a:gradFill>
-          <a:gsLst>
-            <a:gs pos="0">
-              <a:schemeClr val="accent6">
-                <a:lumMod val="40000"/>
-                <a:lumOff val="60000"/>
-              </a:schemeClr>
-            </a:gs>
-            <a:gs pos="100000">
-              <a:schemeClr val="accent6">
-                <a:lumMod val="75000"/>
-              </a:schemeClr>
-            </a:gs>
-          </a:gsLst>
-          <a:lin ang="8100000" scaled="1"/>
-        </a:gradFill>
-        <a:effectLst/>
-      </p:bgPr>
-    </p:bg>
     <p:spTree>
       <p:nvGrpSpPr>
         <p:cNvPr id="1" name=""/>
@@ -25198,27 +26715,6 @@
 <file path=ppt/slides/slide6.xml><?xml version="1.0" encoding="utf-8"?>
 <p:sld xmlns:a="http://schemas.openxmlformats.org/drawingml/2006/main" xmlns:r="http://schemas.openxmlformats.org/officeDocument/2006/relationships" xmlns:p="http://schemas.openxmlformats.org/presentationml/2006/main">
   <p:cSld>
-    <p:bg>
-      <p:bgPr>
-        <a:gradFill>
-          <a:gsLst>
-            <a:gs pos="0">
-              <a:schemeClr val="accent6">
-                <a:lumMod val="40000"/>
-                <a:lumOff val="60000"/>
-              </a:schemeClr>
-            </a:gs>
-            <a:gs pos="100000">
-              <a:schemeClr val="accent6">
-                <a:lumMod val="75000"/>
-              </a:schemeClr>
-            </a:gs>
-          </a:gsLst>
-          <a:lin ang="8100000" scaled="1"/>
-        </a:gradFill>
-        <a:effectLst/>
-      </p:bgPr>
-    </p:bg>
     <p:spTree>
       <p:nvGrpSpPr>
         <p:cNvPr id="1" name=""/>
@@ -26294,27 +27790,6 @@
 <file path=ppt/slides/slide7.xml><?xml version="1.0" encoding="utf-8"?>
 <p:sld xmlns:a="http://schemas.openxmlformats.org/drawingml/2006/main" xmlns:r="http://schemas.openxmlformats.org/officeDocument/2006/relationships" xmlns:p="http://schemas.openxmlformats.org/presentationml/2006/main">
   <p:cSld>
-    <p:bg>
-      <p:bgPr>
-        <a:gradFill>
-          <a:gsLst>
-            <a:gs pos="0">
-              <a:schemeClr val="accent6">
-                <a:lumMod val="40000"/>
-                <a:lumOff val="60000"/>
-              </a:schemeClr>
-            </a:gs>
-            <a:gs pos="100000">
-              <a:schemeClr val="accent6">
-                <a:lumMod val="75000"/>
-              </a:schemeClr>
-            </a:gs>
-          </a:gsLst>
-          <a:lin ang="8100000" scaled="1"/>
-        </a:gradFill>
-        <a:effectLst/>
-      </p:bgPr>
-    </p:bg>
     <p:spTree>
       <p:nvGrpSpPr>
         <p:cNvPr id="1" name=""/>
@@ -26620,7 +28095,7 @@
                 <a:latin typeface="Times New Roman" panose="02020603050405020304" pitchFamily="18" charset="0"/>
                 <a:cs typeface="Times New Roman" panose="02020603050405020304" pitchFamily="18" charset="0"/>
               </a:rPr>
-              <a:t>Ad alta priorità </a:t>
+              <a:t>Periodici ad alta priorità </a:t>
             </a:r>
             <a:r>
               <a:rPr lang="it-IT" sz="2800" dirty="0">
@@ -26667,7 +28142,7 @@
                 <a:latin typeface="Times New Roman" panose="02020603050405020304" pitchFamily="18" charset="0"/>
                 <a:cs typeface="Times New Roman" panose="02020603050405020304" pitchFamily="18" charset="0"/>
               </a:rPr>
-              <a:t>A priorità normale </a:t>
+              <a:t>Periodici a priorità normale </a:t>
             </a:r>
             <a:r>
               <a:rPr lang="it-IT" sz="2800" dirty="0">
@@ -27417,14 +28892,21 @@
               <a:defRPr/>
             </a:pPr>
             <a:r>
-              <a:rPr lang="it-IT" sz="2800" dirty="0">
+              <a:rPr kumimoji="0" lang="it-IT" sz="2800" b="0" i="0" u="none" strike="noStrike" kern="1200" cap="none" spc="0" normalizeH="0" baseline="0" noProof="0" dirty="0">
+                <a:ln>
+                  <a:noFill/>
+                </a:ln>
                 <a:solidFill>
                   <a:srgbClr val="7FB265"/>
                 </a:solidFill>
+                <a:effectLst/>
+                <a:uLnTx/>
+                <a:uFillTx/>
                 <a:latin typeface="Times New Roman" panose="02020603050405020304" pitchFamily="18" charset="0"/>
+                <a:ea typeface="+mn-ea"/>
                 <a:cs typeface="Times New Roman" panose="02020603050405020304" pitchFamily="18" charset="0"/>
               </a:rPr>
-              <a:t>Ad alta priorità </a:t>
+              <a:t>Periodici ad alta priorità </a:t>
             </a:r>
             <a:r>
               <a:rPr lang="it-IT" sz="2800" dirty="0">
@@ -27464,14 +28946,21 @@
               <a:defRPr/>
             </a:pPr>
             <a:r>
-              <a:rPr lang="it-IT" sz="2800" dirty="0">
+              <a:rPr kumimoji="0" lang="it-IT" sz="2800" b="0" i="0" u="none" strike="noStrike" kern="1200" cap="none" spc="0" normalizeH="0" baseline="0" noProof="0" dirty="0">
+                <a:ln>
+                  <a:noFill/>
+                </a:ln>
                 <a:solidFill>
                   <a:srgbClr val="B64F4B"/>
                 </a:solidFill>
+                <a:effectLst/>
+                <a:uLnTx/>
+                <a:uFillTx/>
                 <a:latin typeface="Times New Roman" panose="02020603050405020304" pitchFamily="18" charset="0"/>
+                <a:ea typeface="+mn-ea"/>
                 <a:cs typeface="Times New Roman" panose="02020603050405020304" pitchFamily="18" charset="0"/>
               </a:rPr>
-              <a:t>A priorità normale </a:t>
+              <a:t>Periodici a priorità normale </a:t>
             </a:r>
             <a:r>
               <a:rPr lang="it-IT" sz="2800" dirty="0">
@@ -27946,7 +29435,7 @@
                 <a:ea typeface="+mn-ea"/>
                 <a:cs typeface="Times New Roman" panose="02020603050405020304" pitchFamily="18" charset="0"/>
               </a:rPr>
-              <a:t>Ad alta priorità </a:t>
+              <a:t>Periodici ad alta priorità </a:t>
             </a:r>
             <a:r>
               <a:rPr kumimoji="0" lang="it-IT" sz="2800" b="0" i="0" u="none" strike="noStrike" kern="1200" cap="none" spc="0" normalizeH="0" baseline="0" noProof="0" dirty="0">
@@ -28033,7 +29522,7 @@
                 <a:ea typeface="+mn-ea"/>
                 <a:cs typeface="Times New Roman" panose="02020603050405020304" pitchFamily="18" charset="0"/>
               </a:rPr>
-              <a:t>A priorità normale </a:t>
+              <a:t>Periodici a priorità normale </a:t>
             </a:r>
             <a:r>
               <a:rPr kumimoji="0" lang="it-IT" sz="2800" b="0" i="0" u="none" strike="noStrike" kern="1200" cap="none" spc="0" normalizeH="0" baseline="0" noProof="0" dirty="0">
@@ -29381,4 +30870,290 @@
     </a:bgFillStyleLst>
   </a:fmtScheme>
 </a:themeOverride>
+</file>
+
+<file path=ppt/theme/themeOverride3.xml><?xml version="1.0" encoding="utf-8"?>
+<a:themeOverride xmlns:a="http://schemas.openxmlformats.org/drawingml/2006/main">
+  <a:clrScheme name="Office">
+    <a:dk1>
+      <a:sysClr val="windowText" lastClr="000000"/>
+    </a:dk1>
+    <a:lt1>
+      <a:sysClr val="window" lastClr="FFFFFF"/>
+    </a:lt1>
+    <a:dk2>
+      <a:srgbClr val="44546A"/>
+    </a:dk2>
+    <a:lt2>
+      <a:srgbClr val="E7E6E6"/>
+    </a:lt2>
+    <a:accent1>
+      <a:srgbClr val="4472C4"/>
+    </a:accent1>
+    <a:accent2>
+      <a:srgbClr val="ED7D31"/>
+    </a:accent2>
+    <a:accent3>
+      <a:srgbClr val="A5A5A5"/>
+    </a:accent3>
+    <a:accent4>
+      <a:srgbClr val="FFC000"/>
+    </a:accent4>
+    <a:accent5>
+      <a:srgbClr val="5B9BD5"/>
+    </a:accent5>
+    <a:accent6>
+      <a:srgbClr val="70AD47"/>
+    </a:accent6>
+    <a:hlink>
+      <a:srgbClr val="0563C1"/>
+    </a:hlink>
+    <a:folHlink>
+      <a:srgbClr val="954F72"/>
+    </a:folHlink>
+  </a:clrScheme>
+  <a:fontScheme name="Office">
+    <a:majorFont>
+      <a:latin typeface="Calibri Light" panose="020F0302020204030204"/>
+      <a:ea typeface=""/>
+      <a:cs typeface=""/>
+      <a:font script="Jpan" typeface="游ゴシック Light"/>
+      <a:font script="Hang" typeface="맑은 고딕"/>
+      <a:font script="Hans" typeface="等线 Light"/>
+      <a:font script="Hant" typeface="新細明體"/>
+      <a:font script="Arab" typeface="Times New Roman"/>
+      <a:font script="Hebr" typeface="Times New Roman"/>
+      <a:font script="Thai" typeface="Angsana New"/>
+      <a:font script="Ethi" typeface="Nyala"/>
+      <a:font script="Beng" typeface="Vrinda"/>
+      <a:font script="Gujr" typeface="Shruti"/>
+      <a:font script="Khmr" typeface="MoolBoran"/>
+      <a:font script="Knda" typeface="Tunga"/>
+      <a:font script="Guru" typeface="Raavi"/>
+      <a:font script="Cans" typeface="Euphemia"/>
+      <a:font script="Cher" typeface="Plantagenet Cherokee"/>
+      <a:font script="Yiii" typeface="Microsoft Yi Baiti"/>
+      <a:font script="Tibt" typeface="Microsoft Himalaya"/>
+      <a:font script="Thaa" typeface="MV Boli"/>
+      <a:font script="Deva" typeface="Mangal"/>
+      <a:font script="Telu" typeface="Gautami"/>
+      <a:font script="Taml" typeface="Latha"/>
+      <a:font script="Syrc" typeface="Estrangelo Edessa"/>
+      <a:font script="Orya" typeface="Kalinga"/>
+      <a:font script="Mlym" typeface="Kartika"/>
+      <a:font script="Laoo" typeface="DokChampa"/>
+      <a:font script="Sinh" typeface="Iskoola Pota"/>
+      <a:font script="Mong" typeface="Mongolian Baiti"/>
+      <a:font script="Viet" typeface="Times New Roman"/>
+      <a:font script="Uigh" typeface="Microsoft Uighur"/>
+      <a:font script="Geor" typeface="Sylfaen"/>
+      <a:font script="Armn" typeface="Arial"/>
+      <a:font script="Bugi" typeface="Leelawadee UI"/>
+      <a:font script="Bopo" typeface="Microsoft JhengHei"/>
+      <a:font script="Java" typeface="Javanese Text"/>
+      <a:font script="Lisu" typeface="Segoe UI"/>
+      <a:font script="Mymr" typeface="Myanmar Text"/>
+      <a:font script="Nkoo" typeface="Ebrima"/>
+      <a:font script="Olck" typeface="Nirmala UI"/>
+      <a:font script="Osma" typeface="Ebrima"/>
+      <a:font script="Phag" typeface="Phagspa"/>
+      <a:font script="Syrn" typeface="Estrangelo Edessa"/>
+      <a:font script="Syrj" typeface="Estrangelo Edessa"/>
+      <a:font script="Syre" typeface="Estrangelo Edessa"/>
+      <a:font script="Sora" typeface="Nirmala UI"/>
+      <a:font script="Tale" typeface="Microsoft Tai Le"/>
+      <a:font script="Talu" typeface="Microsoft New Tai Lue"/>
+      <a:font script="Tfng" typeface="Ebrima"/>
+    </a:majorFont>
+    <a:minorFont>
+      <a:latin typeface="Calibri" panose="020F0502020204030204"/>
+      <a:ea typeface=""/>
+      <a:cs typeface=""/>
+      <a:font script="Jpan" typeface="游明朝"/>
+      <a:font script="Hang" typeface="맑은 고딕"/>
+      <a:font script="Hans" typeface="等线"/>
+      <a:font script="Hant" typeface="新細明體"/>
+      <a:font script="Arab" typeface="Arial"/>
+      <a:font script="Hebr" typeface="Arial"/>
+      <a:font script="Thai" typeface="Cordia New"/>
+      <a:font script="Ethi" typeface="Nyala"/>
+      <a:font script="Beng" typeface="Vrinda"/>
+      <a:font script="Gujr" typeface="Shruti"/>
+      <a:font script="Khmr" typeface="DaunPenh"/>
+      <a:font script="Knda" typeface="Tunga"/>
+      <a:font script="Guru" typeface="Raavi"/>
+      <a:font script="Cans" typeface="Euphemia"/>
+      <a:font script="Cher" typeface="Plantagenet Cherokee"/>
+      <a:font script="Yiii" typeface="Microsoft Yi Baiti"/>
+      <a:font script="Tibt" typeface="Microsoft Himalaya"/>
+      <a:font script="Thaa" typeface="MV Boli"/>
+      <a:font script="Deva" typeface="Mangal"/>
+      <a:font script="Telu" typeface="Gautami"/>
+      <a:font script="Taml" typeface="Latha"/>
+      <a:font script="Syrc" typeface="Estrangelo Edessa"/>
+      <a:font script="Orya" typeface="Kalinga"/>
+      <a:font script="Mlym" typeface="Kartika"/>
+      <a:font script="Laoo" typeface="DokChampa"/>
+      <a:font script="Sinh" typeface="Iskoola Pota"/>
+      <a:font script="Mong" typeface="Mongolian Baiti"/>
+      <a:font script="Viet" typeface="Arial"/>
+      <a:font script="Uigh" typeface="Microsoft Uighur"/>
+      <a:font script="Geor" typeface="Sylfaen"/>
+      <a:font script="Armn" typeface="Arial"/>
+      <a:font script="Bugi" typeface="Leelawadee UI"/>
+      <a:font script="Bopo" typeface="Microsoft JhengHei"/>
+      <a:font script="Java" typeface="Javanese Text"/>
+      <a:font script="Lisu" typeface="Segoe UI"/>
+      <a:font script="Mymr" typeface="Myanmar Text"/>
+      <a:font script="Nkoo" typeface="Ebrima"/>
+      <a:font script="Olck" typeface="Nirmala UI"/>
+      <a:font script="Osma" typeface="Ebrima"/>
+      <a:font script="Phag" typeface="Phagspa"/>
+      <a:font script="Syrn" typeface="Estrangelo Edessa"/>
+      <a:font script="Syrj" typeface="Estrangelo Edessa"/>
+      <a:font script="Syre" typeface="Estrangelo Edessa"/>
+      <a:font script="Sora" typeface="Nirmala UI"/>
+      <a:font script="Tale" typeface="Microsoft Tai Le"/>
+      <a:font script="Talu" typeface="Microsoft New Tai Lue"/>
+      <a:font script="Tfng" typeface="Ebrima"/>
+    </a:minorFont>
+  </a:fontScheme>
+  <a:fmtScheme name="Office">
+    <a:fillStyleLst>
+      <a:solidFill>
+        <a:schemeClr val="phClr"/>
+      </a:solidFill>
+      <a:gradFill rotWithShape="1">
+        <a:gsLst>
+          <a:gs pos="0">
+            <a:schemeClr val="phClr">
+              <a:lumMod val="110000"/>
+              <a:satMod val="105000"/>
+              <a:tint val="67000"/>
+            </a:schemeClr>
+          </a:gs>
+          <a:gs pos="50000">
+            <a:schemeClr val="phClr">
+              <a:lumMod val="105000"/>
+              <a:satMod val="103000"/>
+              <a:tint val="73000"/>
+            </a:schemeClr>
+          </a:gs>
+          <a:gs pos="100000">
+            <a:schemeClr val="phClr">
+              <a:lumMod val="105000"/>
+              <a:satMod val="109000"/>
+              <a:tint val="81000"/>
+            </a:schemeClr>
+          </a:gs>
+        </a:gsLst>
+        <a:lin ang="5400000" scaled="0"/>
+      </a:gradFill>
+      <a:gradFill rotWithShape="1">
+        <a:gsLst>
+          <a:gs pos="0">
+            <a:schemeClr val="phClr">
+              <a:satMod val="103000"/>
+              <a:lumMod val="102000"/>
+              <a:tint val="94000"/>
+            </a:schemeClr>
+          </a:gs>
+          <a:gs pos="50000">
+            <a:schemeClr val="phClr">
+              <a:satMod val="110000"/>
+              <a:lumMod val="100000"/>
+              <a:shade val="100000"/>
+            </a:schemeClr>
+          </a:gs>
+          <a:gs pos="100000">
+            <a:schemeClr val="phClr">
+              <a:lumMod val="99000"/>
+              <a:satMod val="120000"/>
+              <a:shade val="78000"/>
+            </a:schemeClr>
+          </a:gs>
+        </a:gsLst>
+        <a:lin ang="5400000" scaled="0"/>
+      </a:gradFill>
+    </a:fillStyleLst>
+    <a:lnStyleLst>
+      <a:ln w="6350" cap="flat" cmpd="sng" algn="ctr">
+        <a:solidFill>
+          <a:schemeClr val="phClr"/>
+        </a:solidFill>
+        <a:prstDash val="solid"/>
+        <a:miter lim="800000"/>
+      </a:ln>
+      <a:ln w="12700" cap="flat" cmpd="sng" algn="ctr">
+        <a:solidFill>
+          <a:schemeClr val="phClr"/>
+        </a:solidFill>
+        <a:prstDash val="solid"/>
+        <a:miter lim="800000"/>
+      </a:ln>
+      <a:ln w="19050" cap="flat" cmpd="sng" algn="ctr">
+        <a:solidFill>
+          <a:schemeClr val="phClr"/>
+        </a:solidFill>
+        <a:prstDash val="solid"/>
+        <a:miter lim="800000"/>
+      </a:ln>
+    </a:lnStyleLst>
+    <a:effectStyleLst>
+      <a:effectStyle>
+        <a:effectLst/>
+      </a:effectStyle>
+      <a:effectStyle>
+        <a:effectLst/>
+      </a:effectStyle>
+      <a:effectStyle>
+        <a:effectLst>
+          <a:outerShdw blurRad="57150" dist="19050" dir="5400000" algn="ctr" rotWithShape="0">
+            <a:srgbClr val="000000">
+              <a:alpha val="63000"/>
+            </a:srgbClr>
+          </a:outerShdw>
+        </a:effectLst>
+      </a:effectStyle>
+    </a:effectStyleLst>
+    <a:bgFillStyleLst>
+      <a:solidFill>
+        <a:schemeClr val="phClr"/>
+      </a:solidFill>
+      <a:solidFill>
+        <a:schemeClr val="phClr">
+          <a:tint val="95000"/>
+          <a:satMod val="170000"/>
+        </a:schemeClr>
+      </a:solidFill>
+      <a:gradFill rotWithShape="1">
+        <a:gsLst>
+          <a:gs pos="0">
+            <a:schemeClr val="phClr">
+              <a:tint val="93000"/>
+              <a:satMod val="150000"/>
+              <a:shade val="98000"/>
+              <a:lumMod val="102000"/>
+            </a:schemeClr>
+          </a:gs>
+          <a:gs pos="50000">
+            <a:schemeClr val="phClr">
+              <a:tint val="98000"/>
+              <a:satMod val="130000"/>
+              <a:shade val="90000"/>
+              <a:lumMod val="103000"/>
+            </a:schemeClr>
+          </a:gs>
+          <a:gs pos="100000">
+            <a:schemeClr val="phClr">
+              <a:shade val="63000"/>
+              <a:satMod val="120000"/>
+            </a:schemeClr>
+          </a:gs>
+        </a:gsLst>
+        <a:lin ang="5400000" scaled="0"/>
+      </a:gradFill>
+    </a:bgFillStyleLst>
+  </a:fmtScheme>
+</a:themeOverride>
 </file>
--- a/Presentazione_Tesi_Triennale_Informatica_Unimore_2022_2023_Enrico_Marras_152336.pptx
+++ b/Presentazione_Tesi_Triennale_Informatica_Unimore_2022_2023_Enrico_Marras_152336.pptx
@@ -16577,13 +16577,13 @@
           <p:nvPr>
             <p:extLst>
               <p:ext uri="{D42A27DB-BD31-4B8C-83A1-F6EECF244321}">
-                <p14:modId xmlns:p14="http://schemas.microsoft.com/office/powerpoint/2010/main" val="3131436737"/>
+                <p14:modId xmlns:p14="http://schemas.microsoft.com/office/powerpoint/2010/main" val="407762285"/>
               </p:ext>
             </p:extLst>
           </p:nvPr>
         </p:nvGraphicFramePr>
         <p:xfrm>
-          <a:off x="982065" y="2436775"/>
+          <a:off x="970225" y="1715241"/>
           <a:ext cx="10251546" cy="4141806"/>
         </p:xfrm>
         <a:graphic>
@@ -16606,7 +16606,7 @@
         </p:nvSpPr>
         <p:spPr>
           <a:xfrm>
-            <a:off x="970226" y="1025238"/>
+            <a:off x="970225" y="1025238"/>
             <a:ext cx="10251545" cy="536232"/>
           </a:xfrm>
           <a:prstGeom prst="roundRect">
@@ -16672,7 +16672,39 @@
                 <a:latin typeface="Times New Roman" panose="02020603050405020304" pitchFamily="18" charset="0"/>
                 <a:cs typeface="Times New Roman" panose="02020603050405020304" pitchFamily="18" charset="0"/>
               </a:rPr>
-              <a:t>Per vincoli architetturali, non è possibile interrogare più di 40 registri per comunicazione</a:t>
+              <a:t>Per vincoli architetturali, non è possibile interrogare più di </a:t>
+            </a:r>
+            <a:r>
+              <a:rPr kumimoji="0" lang="it-IT" sz="2200" b="1" i="0" u="none" strike="noStrike" kern="1200" cap="none" spc="0" normalizeH="0" baseline="0" noProof="0" dirty="0">
+                <a:ln>
+                  <a:noFill/>
+                </a:ln>
+                <a:solidFill>
+                  <a:schemeClr val="tx1"/>
+                </a:solidFill>
+                <a:effectLst/>
+                <a:uLnTx/>
+                <a:uFillTx/>
+                <a:latin typeface="Times New Roman" panose="02020603050405020304" pitchFamily="18" charset="0"/>
+                <a:cs typeface="Times New Roman" panose="02020603050405020304" pitchFamily="18" charset="0"/>
+              </a:rPr>
+              <a:t>40 registri </a:t>
+            </a:r>
+            <a:r>
+              <a:rPr kumimoji="0" lang="it-IT" sz="2200" b="0" i="0" u="none" strike="noStrike" kern="1200" cap="none" spc="0" normalizeH="0" baseline="0" noProof="0" dirty="0">
+                <a:ln>
+                  <a:noFill/>
+                </a:ln>
+                <a:solidFill>
+                  <a:schemeClr val="tx1"/>
+                </a:solidFill>
+                <a:effectLst/>
+                <a:uLnTx/>
+                <a:uFillTx/>
+                <a:latin typeface="Times New Roman" panose="02020603050405020304" pitchFamily="18" charset="0"/>
+                <a:cs typeface="Times New Roman" panose="02020603050405020304" pitchFamily="18" charset="0"/>
+              </a:rPr>
+              <a:t>per comunicazione</a:t>
             </a:r>
           </a:p>
         </p:txBody>
@@ -16691,7 +16723,7 @@
         </p:nvSpPr>
         <p:spPr>
           <a:xfrm>
-            <a:off x="982065" y="1819628"/>
+            <a:off x="982064" y="6010818"/>
             <a:ext cx="10251545" cy="536232"/>
           </a:xfrm>
           <a:prstGeom prst="roundRect">
@@ -16859,6 +16891,59 @@
                                           </p:stCondLst>
                                         </p:cTn>
                                         <p:tgtEl>
+                                          <p:spTgt spid="4"/>
+                                        </p:tgtEl>
+                                        <p:attrNameLst>
+                                          <p:attrName>style.visibility</p:attrName>
+                                        </p:attrNameLst>
+                                      </p:cBhvr>
+                                      <p:to>
+                                        <p:strVal val="visible"/>
+                                      </p:to>
+                                    </p:set>
+                                    <p:animEffect transition="in" filter="fade">
+                                      <p:cBhvr>
+                                        <p:cTn id="12" dur="500"/>
+                                        <p:tgtEl>
+                                          <p:spTgt spid="4"/>
+                                        </p:tgtEl>
+                                      </p:cBhvr>
+                                    </p:animEffect>
+                                  </p:childTnLst>
+                                </p:cTn>
+                              </p:par>
+                            </p:childTnLst>
+                          </p:cTn>
+                        </p:par>
+                      </p:childTnLst>
+                    </p:cTn>
+                  </p:par>
+                  <p:par>
+                    <p:cTn id="13" fill="hold">
+                      <p:stCondLst>
+                        <p:cond delay="indefinite"/>
+                      </p:stCondLst>
+                      <p:childTnLst>
+                        <p:par>
+                          <p:cTn id="14" fill="hold">
+                            <p:stCondLst>
+                              <p:cond delay="0"/>
+                            </p:stCondLst>
+                            <p:childTnLst>
+                              <p:par>
+                                <p:cTn id="15" presetID="10" presetClass="entr" presetSubtype="0" fill="hold" grpId="0" nodeType="clickEffect">
+                                  <p:stCondLst>
+                                    <p:cond delay="0"/>
+                                  </p:stCondLst>
+                                  <p:childTnLst>
+                                    <p:set>
+                                      <p:cBhvr>
+                                        <p:cTn id="16" dur="1" fill="hold">
+                                          <p:stCondLst>
+                                            <p:cond delay="0"/>
+                                          </p:stCondLst>
+                                        </p:cTn>
+                                        <p:tgtEl>
                                           <p:spTgt spid="6"/>
                                         </p:tgtEl>
                                         <p:attrNameLst>
@@ -16871,53 +16956,9 @@
                                     </p:set>
                                     <p:animEffect transition="in" filter="fade">
                                       <p:cBhvr>
-                                        <p:cTn id="12" dur="300"/>
+                                        <p:cTn id="17" dur="500"/>
                                         <p:tgtEl>
                                           <p:spTgt spid="6"/>
-                                        </p:tgtEl>
-                                      </p:cBhvr>
-                                    </p:animEffect>
-                                  </p:childTnLst>
-                                </p:cTn>
-                              </p:par>
-                            </p:childTnLst>
-                          </p:cTn>
-                        </p:par>
-                        <p:par>
-                          <p:cTn id="13" fill="hold">
-                            <p:stCondLst>
-                              <p:cond delay="300"/>
-                            </p:stCondLst>
-                            <p:childTnLst>
-                              <p:par>
-                                <p:cTn id="14" presetID="10" presetClass="entr" presetSubtype="0" fill="hold" grpId="0" nodeType="afterEffect">
-                                  <p:stCondLst>
-                                    <p:cond delay="0"/>
-                                  </p:stCondLst>
-                                  <p:childTnLst>
-                                    <p:set>
-                                      <p:cBhvr>
-                                        <p:cTn id="15" dur="1" fill="hold">
-                                          <p:stCondLst>
-                                            <p:cond delay="0"/>
-                                          </p:stCondLst>
-                                        </p:cTn>
-                                        <p:tgtEl>
-                                          <p:spTgt spid="4"/>
-                                        </p:tgtEl>
-                                        <p:attrNameLst>
-                                          <p:attrName>style.visibility</p:attrName>
-                                        </p:attrNameLst>
-                                      </p:cBhvr>
-                                      <p:to>
-                                        <p:strVal val="visible"/>
-                                      </p:to>
-                                    </p:set>
-                                    <p:animEffect transition="in" filter="fade">
-                                      <p:cBhvr>
-                                        <p:cTn id="16" dur="300"/>
-                                        <p:tgtEl>
-                                          <p:spTgt spid="4"/>
                                         </p:tgtEl>
                                       </p:cBhvr>
                                     </p:animEffect>
@@ -17149,6 +17190,50 @@
           </a:p>
         </p:txBody>
       </p:sp>
+      <p:cxnSp>
+        <p:nvCxnSpPr>
+          <p:cNvPr id="28" name="Straight Arrow Connector 27">
+            <a:extLst>
+              <a:ext uri="{FF2B5EF4-FFF2-40B4-BE49-F238E27FC236}">
+                <a16:creationId xmlns:a16="http://schemas.microsoft.com/office/drawing/2014/main" id="{85D522AE-65DD-6954-E378-37F06E87BD27}"/>
+              </a:ext>
+            </a:extLst>
+          </p:cNvPr>
+          <p:cNvCxnSpPr>
+            <a:cxnSpLocks/>
+          </p:cNvCxnSpPr>
+          <p:nvPr/>
+        </p:nvCxnSpPr>
+        <p:spPr>
+          <a:xfrm>
+            <a:off x="4474476" y="1921770"/>
+            <a:ext cx="1621524" cy="0"/>
+          </a:xfrm>
+          <a:prstGeom prst="straightConnector1">
+            <a:avLst/>
+          </a:prstGeom>
+          <a:ln w="123825">
+            <a:solidFill>
+              <a:srgbClr val="56517E"/>
+            </a:solidFill>
+            <a:tailEnd type="triangle"/>
+          </a:ln>
+        </p:spPr>
+        <p:style>
+          <a:lnRef idx="1">
+            <a:schemeClr val="accent1"/>
+          </a:lnRef>
+          <a:fillRef idx="0">
+            <a:schemeClr val="accent1"/>
+          </a:fillRef>
+          <a:effectRef idx="0">
+            <a:schemeClr val="accent1"/>
+          </a:effectRef>
+          <a:fontRef idx="minor">
+            <a:schemeClr val="tx1"/>
+          </a:fontRef>
+        </p:style>
+      </p:cxnSp>
       <p:sp>
         <p:nvSpPr>
           <p:cNvPr id="2" name="Title 1">
@@ -17207,8 +17292,8 @@
         </p:nvSpPr>
         <p:spPr>
           <a:xfrm>
-            <a:off x="932786" y="1234788"/>
-            <a:ext cx="10326425" cy="1184562"/>
+            <a:off x="803358" y="1648241"/>
+            <a:ext cx="3739698" cy="547058"/>
           </a:xfrm>
           <a:prstGeom prst="roundRect">
             <a:avLst/>
@@ -17273,24 +17358,710 @@
                 <a:latin typeface="Times New Roman" panose="02020603050405020304" pitchFamily="18" charset="0"/>
                 <a:cs typeface="Times New Roman" panose="02020603050405020304" pitchFamily="18" charset="0"/>
               </a:rPr>
-              <a:t>Se il </a:t>
+              <a:t>Se uno </a:t>
             </a:r>
             <a:r>
-              <a:rPr kumimoji="0" lang="it-IT" sz="2200" b="1" i="0" u="none" strike="noStrike" kern="1200" cap="none" spc="0" normalizeH="0" baseline="0" noProof="0" dirty="0" err="1">
-                <a:ln>
-                  <a:noFill/>
-                </a:ln>
+              <a:rPr lang="it-IT" sz="2200" dirty="0">
                 <a:solidFill>
                   <a:schemeClr val="tx1"/>
                 </a:solidFill>
-                <a:effectLst/>
-                <a:uLnTx/>
-                <a:uFillTx/>
+                <a:latin typeface="Times New Roman" panose="02020603050405020304" pitchFamily="18" charset="0"/>
+                <a:cs typeface="Times New Roman" panose="02020603050405020304" pitchFamily="18" charset="0"/>
+              </a:rPr>
+              <a:t>slave causa un </a:t>
+            </a:r>
+            <a:r>
+              <a:rPr lang="it-IT" sz="2200" b="1" dirty="0" err="1">
+                <a:solidFill>
+                  <a:schemeClr val="tx1"/>
+                </a:solidFill>
                 <a:latin typeface="Times New Roman" panose="02020603050405020304" pitchFamily="18" charset="0"/>
                 <a:cs typeface="Times New Roman" panose="02020603050405020304" pitchFamily="18" charset="0"/>
               </a:rPr>
               <a:t>timeout</a:t>
             </a:r>
+            <a:endParaRPr kumimoji="0" lang="it-IT" sz="2200" b="0" i="0" u="none" strike="noStrike" kern="1200" cap="none" spc="0" normalizeH="0" baseline="0" noProof="0" dirty="0">
+              <a:ln>
+                <a:noFill/>
+              </a:ln>
+              <a:solidFill>
+                <a:schemeClr val="tx1"/>
+              </a:solidFill>
+              <a:effectLst/>
+              <a:uLnTx/>
+              <a:uFillTx/>
+              <a:latin typeface="Times New Roman" panose="02020603050405020304" pitchFamily="18" charset="0"/>
+              <a:cs typeface="Times New Roman" panose="02020603050405020304" pitchFamily="18" charset="0"/>
+            </a:endParaRPr>
+          </a:p>
+        </p:txBody>
+      </p:sp>
+      <p:sp>
+        <p:nvSpPr>
+          <p:cNvPr id="6" name="Rectangle 5">
+            <a:extLst>
+              <a:ext uri="{FF2B5EF4-FFF2-40B4-BE49-F238E27FC236}">
+                <a16:creationId xmlns:a16="http://schemas.microsoft.com/office/drawing/2014/main" id="{269E22DF-F0AF-D206-AA58-880707AF3406}"/>
+              </a:ext>
+            </a:extLst>
+          </p:cNvPr>
+          <p:cNvSpPr/>
+          <p:nvPr/>
+        </p:nvSpPr>
+        <p:spPr>
+          <a:xfrm>
+            <a:off x="3505434" y="3501922"/>
+            <a:ext cx="4402619" cy="95388"/>
+          </a:xfrm>
+          <a:prstGeom prst="rect">
+            <a:avLst/>
+          </a:prstGeom>
+          <a:solidFill>
+            <a:srgbClr val="56517E"/>
+          </a:solidFill>
+          <a:ln>
+            <a:noFill/>
+          </a:ln>
+        </p:spPr>
+        <p:style>
+          <a:lnRef idx="2">
+            <a:schemeClr val="accent1">
+              <a:shade val="15000"/>
+            </a:schemeClr>
+          </a:lnRef>
+          <a:fillRef idx="1">
+            <a:schemeClr val="accent1"/>
+          </a:fillRef>
+          <a:effectRef idx="0">
+            <a:schemeClr val="accent1"/>
+          </a:effectRef>
+          <a:fontRef idx="minor">
+            <a:schemeClr val="lt1"/>
+          </a:fontRef>
+        </p:style>
+        <p:txBody>
+          <a:bodyPr rtlCol="0" anchor="ctr"/>
+          <a:lstStyle/>
+          <a:p>
+            <a:pPr algn="ctr"/>
+            <a:endParaRPr lang="it-IT"/>
+          </a:p>
+        </p:txBody>
+      </p:sp>
+      <p:pic>
+        <p:nvPicPr>
+          <p:cNvPr id="5" name="Graphic 4" descr="Monitor outline">
+            <a:extLst>
+              <a:ext uri="{FF2B5EF4-FFF2-40B4-BE49-F238E27FC236}">
+                <a16:creationId xmlns:a16="http://schemas.microsoft.com/office/drawing/2014/main" id="{057AE615-702F-1A4D-6C9A-6042196C082A}"/>
+              </a:ext>
+            </a:extLst>
+          </p:cNvPr>
+          <p:cNvPicPr>
+            <a:picLocks noChangeAspect="1"/>
+          </p:cNvPicPr>
+          <p:nvPr/>
+        </p:nvPicPr>
+        <p:blipFill>
+          <a:blip r:embed="rId3">
+            <a:extLst>
+              <a:ext uri="{96DAC541-7B7A-43D3-8B79-37D633B846F1}">
+                <asvg:svgBlip xmlns:asvg="http://schemas.microsoft.com/office/drawing/2016/SVG/main" r:embed="rId4"/>
+              </a:ext>
+            </a:extLst>
+          </a:blip>
+          <a:stretch>
+            <a:fillRect/>
+          </a:stretch>
+        </p:blipFill>
+        <p:spPr>
+          <a:xfrm>
+            <a:off x="1358190" y="2499528"/>
+            <a:ext cx="2349651" cy="2349651"/>
+          </a:xfrm>
+          <a:prstGeom prst="rect">
+            <a:avLst/>
+          </a:prstGeom>
+        </p:spPr>
+      </p:pic>
+      <p:sp>
+        <p:nvSpPr>
+          <p:cNvPr id="7" name="Rectangle 6">
+            <a:extLst>
+              <a:ext uri="{FF2B5EF4-FFF2-40B4-BE49-F238E27FC236}">
+                <a16:creationId xmlns:a16="http://schemas.microsoft.com/office/drawing/2014/main" id="{761FCAE0-DB86-3AC5-0EA1-71929C2FB336}"/>
+              </a:ext>
+            </a:extLst>
+          </p:cNvPr>
+          <p:cNvSpPr/>
+          <p:nvPr/>
+        </p:nvSpPr>
+        <p:spPr>
+          <a:xfrm>
+            <a:off x="6390751" y="2605810"/>
+            <a:ext cx="80386" cy="981452"/>
+          </a:xfrm>
+          <a:prstGeom prst="rect">
+            <a:avLst/>
+          </a:prstGeom>
+          <a:solidFill>
+            <a:srgbClr val="56517E"/>
+          </a:solidFill>
+          <a:ln>
+            <a:noFill/>
+          </a:ln>
+        </p:spPr>
+        <p:style>
+          <a:lnRef idx="2">
+            <a:schemeClr val="accent1">
+              <a:shade val="15000"/>
+            </a:schemeClr>
+          </a:lnRef>
+          <a:fillRef idx="1">
+            <a:schemeClr val="accent1"/>
+          </a:fillRef>
+          <a:effectRef idx="0">
+            <a:schemeClr val="accent1"/>
+          </a:effectRef>
+          <a:fontRef idx="minor">
+            <a:schemeClr val="lt1"/>
+          </a:fontRef>
+        </p:style>
+        <p:txBody>
+          <a:bodyPr rtlCol="0" anchor="ctr"/>
+          <a:lstStyle/>
+          <a:p>
+            <a:pPr algn="ctr"/>
+            <a:endParaRPr lang="it-IT"/>
+          </a:p>
+        </p:txBody>
+      </p:sp>
+      <p:pic>
+        <p:nvPicPr>
+          <p:cNvPr id="11" name="Graphic 10" descr="Tablet outline">
+            <a:extLst>
+              <a:ext uri="{FF2B5EF4-FFF2-40B4-BE49-F238E27FC236}">
+                <a16:creationId xmlns:a16="http://schemas.microsoft.com/office/drawing/2014/main" id="{ECEF8746-4DE9-167D-BDC7-C9F802C13253}"/>
+              </a:ext>
+            </a:extLst>
+          </p:cNvPr>
+          <p:cNvPicPr>
+            <a:picLocks noChangeAspect="1"/>
+          </p:cNvPicPr>
+          <p:nvPr/>
+        </p:nvPicPr>
+        <p:blipFill>
+          <a:blip r:embed="rId5">
+            <a:extLst>
+              <a:ext uri="{96DAC541-7B7A-43D3-8B79-37D633B846F1}">
+                <asvg:svgBlip xmlns:asvg="http://schemas.microsoft.com/office/drawing/2016/SVG/main" r:embed="rId6"/>
+              </a:ext>
+            </a:extLst>
+          </a:blip>
+          <a:stretch>
+            <a:fillRect/>
+          </a:stretch>
+        </p:blipFill>
+        <p:spPr>
+          <a:xfrm rot="5400000">
+            <a:off x="5797827" y="1576528"/>
+            <a:ext cx="1266235" cy="1018235"/>
+          </a:xfrm>
+          <a:prstGeom prst="rect">
+            <a:avLst/>
+          </a:prstGeom>
+        </p:spPr>
+      </p:pic>
+      <p:sp>
+        <p:nvSpPr>
+          <p:cNvPr id="12" name="Rectangle 11">
+            <a:extLst>
+              <a:ext uri="{FF2B5EF4-FFF2-40B4-BE49-F238E27FC236}">
+                <a16:creationId xmlns:a16="http://schemas.microsoft.com/office/drawing/2014/main" id="{8E584E7F-BE6A-DD5B-48B7-7BCB85B738DD}"/>
+              </a:ext>
+            </a:extLst>
+          </p:cNvPr>
+          <p:cNvSpPr/>
+          <p:nvPr/>
+        </p:nvSpPr>
+        <p:spPr>
+          <a:xfrm>
+            <a:off x="7827667" y="3587262"/>
+            <a:ext cx="80386" cy="981452"/>
+          </a:xfrm>
+          <a:prstGeom prst="rect">
+            <a:avLst/>
+          </a:prstGeom>
+          <a:solidFill>
+            <a:srgbClr val="56517E"/>
+          </a:solidFill>
+          <a:ln>
+            <a:noFill/>
+          </a:ln>
+        </p:spPr>
+        <p:style>
+          <a:lnRef idx="2">
+            <a:schemeClr val="accent1">
+              <a:shade val="15000"/>
+            </a:schemeClr>
+          </a:lnRef>
+          <a:fillRef idx="1">
+            <a:schemeClr val="accent1"/>
+          </a:fillRef>
+          <a:effectRef idx="0">
+            <a:schemeClr val="accent1"/>
+          </a:effectRef>
+          <a:fontRef idx="minor">
+            <a:schemeClr val="lt1"/>
+          </a:fontRef>
+        </p:style>
+        <p:txBody>
+          <a:bodyPr rtlCol="0" anchor="ctr"/>
+          <a:lstStyle/>
+          <a:p>
+            <a:pPr algn="ctr"/>
+            <a:endParaRPr lang="it-IT"/>
+          </a:p>
+        </p:txBody>
+      </p:sp>
+      <p:pic>
+        <p:nvPicPr>
+          <p:cNvPr id="13" name="Graphic 12" descr="Tablet outline">
+            <a:extLst>
+              <a:ext uri="{FF2B5EF4-FFF2-40B4-BE49-F238E27FC236}">
+                <a16:creationId xmlns:a16="http://schemas.microsoft.com/office/drawing/2014/main" id="{D769E223-C314-1830-4613-488C9A79D27F}"/>
+              </a:ext>
+            </a:extLst>
+          </p:cNvPr>
+          <p:cNvPicPr>
+            <a:picLocks noChangeAspect="1"/>
+          </p:cNvPicPr>
+          <p:nvPr/>
+        </p:nvPicPr>
+        <p:blipFill>
+          <a:blip r:embed="rId5">
+            <a:extLst>
+              <a:ext uri="{96DAC541-7B7A-43D3-8B79-37D633B846F1}">
+                <asvg:svgBlip xmlns:asvg="http://schemas.microsoft.com/office/drawing/2016/SVG/main" r:embed="rId6"/>
+              </a:ext>
+            </a:extLst>
+          </a:blip>
+          <a:stretch>
+            <a:fillRect/>
+          </a:stretch>
+        </p:blipFill>
+        <p:spPr>
+          <a:xfrm rot="5400000">
+            <a:off x="7248671" y="4572597"/>
+            <a:ext cx="1266235" cy="1018235"/>
+          </a:xfrm>
+          <a:prstGeom prst="rect">
+            <a:avLst/>
+          </a:prstGeom>
+        </p:spPr>
+      </p:pic>
+      <p:sp>
+        <p:nvSpPr>
+          <p:cNvPr id="14" name="Rectangle 13">
+            <a:extLst>
+              <a:ext uri="{FF2B5EF4-FFF2-40B4-BE49-F238E27FC236}">
+                <a16:creationId xmlns:a16="http://schemas.microsoft.com/office/drawing/2014/main" id="{A8D5C3B9-409B-D975-042D-287A67454CE4}"/>
+              </a:ext>
+            </a:extLst>
+          </p:cNvPr>
+          <p:cNvSpPr/>
+          <p:nvPr/>
+        </p:nvSpPr>
+        <p:spPr>
+          <a:xfrm>
+            <a:off x="7940011" y="3501922"/>
+            <a:ext cx="80386" cy="95388"/>
+          </a:xfrm>
+          <a:prstGeom prst="rect">
+            <a:avLst/>
+          </a:prstGeom>
+          <a:solidFill>
+            <a:srgbClr val="56517E"/>
+          </a:solidFill>
+          <a:ln>
+            <a:noFill/>
+          </a:ln>
+        </p:spPr>
+        <p:style>
+          <a:lnRef idx="2">
+            <a:schemeClr val="accent1">
+              <a:shade val="15000"/>
+            </a:schemeClr>
+          </a:lnRef>
+          <a:fillRef idx="1">
+            <a:schemeClr val="accent1"/>
+          </a:fillRef>
+          <a:effectRef idx="0">
+            <a:schemeClr val="accent1"/>
+          </a:effectRef>
+          <a:fontRef idx="minor">
+            <a:schemeClr val="lt1"/>
+          </a:fontRef>
+        </p:style>
+        <p:txBody>
+          <a:bodyPr rtlCol="0" anchor="ctr"/>
+          <a:lstStyle/>
+          <a:p>
+            <a:pPr algn="ctr"/>
+            <a:endParaRPr lang="it-IT"/>
+          </a:p>
+        </p:txBody>
+      </p:sp>
+      <p:sp>
+        <p:nvSpPr>
+          <p:cNvPr id="15" name="Rectangle 14">
+            <a:extLst>
+              <a:ext uri="{FF2B5EF4-FFF2-40B4-BE49-F238E27FC236}">
+                <a16:creationId xmlns:a16="http://schemas.microsoft.com/office/drawing/2014/main" id="{604EE47B-628B-1867-9957-60F78E2B8020}"/>
+              </a:ext>
+            </a:extLst>
+          </p:cNvPr>
+          <p:cNvSpPr/>
+          <p:nvPr/>
+        </p:nvSpPr>
+        <p:spPr>
+          <a:xfrm>
+            <a:off x="8050917" y="3503597"/>
+            <a:ext cx="80386" cy="93713"/>
+          </a:xfrm>
+          <a:prstGeom prst="rect">
+            <a:avLst/>
+          </a:prstGeom>
+          <a:solidFill>
+            <a:srgbClr val="56517E"/>
+          </a:solidFill>
+          <a:ln>
+            <a:noFill/>
+          </a:ln>
+        </p:spPr>
+        <p:style>
+          <a:lnRef idx="2">
+            <a:schemeClr val="accent1">
+              <a:shade val="15000"/>
+            </a:schemeClr>
+          </a:lnRef>
+          <a:fillRef idx="1">
+            <a:schemeClr val="accent1"/>
+          </a:fillRef>
+          <a:effectRef idx="0">
+            <a:schemeClr val="accent1"/>
+          </a:effectRef>
+          <a:fontRef idx="minor">
+            <a:schemeClr val="lt1"/>
+          </a:fontRef>
+        </p:style>
+        <p:txBody>
+          <a:bodyPr rtlCol="0" anchor="ctr"/>
+          <a:lstStyle/>
+          <a:p>
+            <a:pPr algn="ctr"/>
+            <a:endParaRPr lang="it-IT"/>
+          </a:p>
+        </p:txBody>
+      </p:sp>
+      <p:sp>
+        <p:nvSpPr>
+          <p:cNvPr id="16" name="Rectangle 15">
+            <a:extLst>
+              <a:ext uri="{FF2B5EF4-FFF2-40B4-BE49-F238E27FC236}">
+                <a16:creationId xmlns:a16="http://schemas.microsoft.com/office/drawing/2014/main" id="{D0B155B6-A187-A969-8D12-E169A5C85D0E}"/>
+              </a:ext>
+            </a:extLst>
+          </p:cNvPr>
+          <p:cNvSpPr/>
+          <p:nvPr/>
+        </p:nvSpPr>
+        <p:spPr>
+          <a:xfrm>
+            <a:off x="8158648" y="3501922"/>
+            <a:ext cx="80386" cy="95388"/>
+          </a:xfrm>
+          <a:prstGeom prst="rect">
+            <a:avLst/>
+          </a:prstGeom>
+          <a:solidFill>
+            <a:srgbClr val="56517E"/>
+          </a:solidFill>
+          <a:ln>
+            <a:noFill/>
+          </a:ln>
+        </p:spPr>
+        <p:style>
+          <a:lnRef idx="2">
+            <a:schemeClr val="accent1">
+              <a:shade val="15000"/>
+            </a:schemeClr>
+          </a:lnRef>
+          <a:fillRef idx="1">
+            <a:schemeClr val="accent1"/>
+          </a:fillRef>
+          <a:effectRef idx="0">
+            <a:schemeClr val="accent1"/>
+          </a:effectRef>
+          <a:fontRef idx="minor">
+            <a:schemeClr val="lt1"/>
+          </a:fontRef>
+        </p:style>
+        <p:txBody>
+          <a:bodyPr rtlCol="0" anchor="ctr"/>
+          <a:lstStyle/>
+          <a:p>
+            <a:pPr algn="ctr"/>
+            <a:endParaRPr lang="it-IT"/>
+          </a:p>
+        </p:txBody>
+      </p:sp>
+      <p:pic>
+        <p:nvPicPr>
+          <p:cNvPr id="18" name="Graphic 17" descr="Hourglass 90% outline">
+            <a:extLst>
+              <a:ext uri="{FF2B5EF4-FFF2-40B4-BE49-F238E27FC236}">
+                <a16:creationId xmlns:a16="http://schemas.microsoft.com/office/drawing/2014/main" id="{9E887DAB-2200-293F-353A-106B9B852D8A}"/>
+              </a:ext>
+            </a:extLst>
+          </p:cNvPr>
+          <p:cNvPicPr>
+            <a:picLocks noChangeAspect="1"/>
+          </p:cNvPicPr>
+          <p:nvPr/>
+        </p:nvPicPr>
+        <p:blipFill>
+          <a:blip r:embed="rId7">
+            <a:extLst>
+              <a:ext uri="{96DAC541-7B7A-43D3-8B79-37D633B846F1}">
+                <asvg:svgBlip xmlns:asvg="http://schemas.microsoft.com/office/drawing/2016/SVG/main" r:embed="rId8"/>
+              </a:ext>
+            </a:extLst>
+          </a:blip>
+          <a:stretch>
+            <a:fillRect/>
+          </a:stretch>
+        </p:blipFill>
+        <p:spPr>
+          <a:xfrm>
+            <a:off x="6179953" y="1815786"/>
+            <a:ext cx="506597" cy="506597"/>
+          </a:xfrm>
+          <a:prstGeom prst="rect">
+            <a:avLst/>
+          </a:prstGeom>
+        </p:spPr>
+      </p:pic>
+      <p:sp>
+        <p:nvSpPr>
+          <p:cNvPr id="19" name="TextBox 18">
+            <a:extLst>
+              <a:ext uri="{FF2B5EF4-FFF2-40B4-BE49-F238E27FC236}">
+                <a16:creationId xmlns:a16="http://schemas.microsoft.com/office/drawing/2014/main" id="{85750BE4-8CF0-3C53-AF61-F4BDC37A7967}"/>
+              </a:ext>
+            </a:extLst>
+          </p:cNvPr>
+          <p:cNvSpPr txBox="1"/>
+          <p:nvPr/>
+        </p:nvSpPr>
+        <p:spPr>
+          <a:xfrm>
+            <a:off x="5921827" y="1152856"/>
+            <a:ext cx="1018235" cy="400110"/>
+          </a:xfrm>
+          <a:prstGeom prst="rect">
+            <a:avLst/>
+          </a:prstGeom>
+          <a:noFill/>
+        </p:spPr>
+        <p:txBody>
+          <a:bodyPr wrap="square" rtlCol="0">
+            <a:spAutoFit/>
+          </a:bodyPr>
+          <a:lstStyle/>
+          <a:p>
+            <a:pPr algn="ctr"/>
+            <a:r>
+              <a:rPr lang="it-IT" sz="2000" dirty="0">
+                <a:solidFill>
+                  <a:schemeClr val="accent2">
+                    <a:lumMod val="50000"/>
+                  </a:schemeClr>
+                </a:solidFill>
+                <a:latin typeface="Times New Roman" panose="02020603050405020304" pitchFamily="18" charset="0"/>
+                <a:cs typeface="Times New Roman" panose="02020603050405020304" pitchFamily="18" charset="0"/>
+              </a:rPr>
+              <a:t>Drive 1</a:t>
+            </a:r>
+          </a:p>
+        </p:txBody>
+      </p:sp>
+      <p:sp>
+        <p:nvSpPr>
+          <p:cNvPr id="23" name="Arrow: Bent-Up 22">
+            <a:extLst>
+              <a:ext uri="{FF2B5EF4-FFF2-40B4-BE49-F238E27FC236}">
+                <a16:creationId xmlns:a16="http://schemas.microsoft.com/office/drawing/2014/main" id="{4168703C-5D10-170C-A2AB-92080B41CF77}"/>
+              </a:ext>
+            </a:extLst>
+          </p:cNvPr>
+          <p:cNvSpPr/>
+          <p:nvPr/>
+        </p:nvSpPr>
+        <p:spPr>
+          <a:xfrm rot="10800000" flipH="1">
+            <a:off x="9610229" y="1993772"/>
+            <a:ext cx="755304" cy="1034353"/>
+          </a:xfrm>
+          <a:prstGeom prst="bentUpArrow">
+            <a:avLst>
+              <a:gd name="adj1" fmla="val 17406"/>
+              <a:gd name="adj2" fmla="val 19610"/>
+              <a:gd name="adj3" fmla="val 31787"/>
+            </a:avLst>
+          </a:prstGeom>
+          <a:solidFill>
+            <a:srgbClr val="56517E"/>
+          </a:solidFill>
+          <a:ln>
+            <a:noFill/>
+          </a:ln>
+        </p:spPr>
+        <p:style>
+          <a:lnRef idx="2">
+            <a:schemeClr val="accent1">
+              <a:shade val="15000"/>
+            </a:schemeClr>
+          </a:lnRef>
+          <a:fillRef idx="1">
+            <a:schemeClr val="accent1"/>
+          </a:fillRef>
+          <a:effectRef idx="0">
+            <a:schemeClr val="accent1"/>
+          </a:effectRef>
+          <a:fontRef idx="minor">
+            <a:schemeClr val="lt1"/>
+          </a:fontRef>
+        </p:style>
+        <p:txBody>
+          <a:bodyPr rtlCol="0" anchor="ctr"/>
+          <a:lstStyle/>
+          <a:p>
+            <a:pPr algn="ctr"/>
+            <a:endParaRPr lang="it-IT"/>
+          </a:p>
+        </p:txBody>
+      </p:sp>
+      <p:sp>
+        <p:nvSpPr>
+          <p:cNvPr id="20" name="TextBox 19">
+            <a:extLst>
+              <a:ext uri="{FF2B5EF4-FFF2-40B4-BE49-F238E27FC236}">
+                <a16:creationId xmlns:a16="http://schemas.microsoft.com/office/drawing/2014/main" id="{5985B4D2-860A-20C3-5A4E-0707CD84A08B}"/>
+              </a:ext>
+            </a:extLst>
+          </p:cNvPr>
+          <p:cNvSpPr txBox="1"/>
+          <p:nvPr/>
+        </p:nvSpPr>
+        <p:spPr>
+          <a:xfrm>
+            <a:off x="7398935" y="5632463"/>
+            <a:ext cx="1018235" cy="400110"/>
+          </a:xfrm>
+          <a:prstGeom prst="rect">
+            <a:avLst/>
+          </a:prstGeom>
+          <a:noFill/>
+        </p:spPr>
+        <p:txBody>
+          <a:bodyPr wrap="square" rtlCol="0">
+            <a:spAutoFit/>
+          </a:bodyPr>
+          <a:lstStyle/>
+          <a:p>
+            <a:pPr algn="ctr"/>
+            <a:r>
+              <a:rPr lang="it-IT" sz="2000" dirty="0">
+                <a:solidFill>
+                  <a:schemeClr val="accent2">
+                    <a:lumMod val="50000"/>
+                  </a:schemeClr>
+                </a:solidFill>
+                <a:latin typeface="Times New Roman" panose="02020603050405020304" pitchFamily="18" charset="0"/>
+                <a:cs typeface="Times New Roman" panose="02020603050405020304" pitchFamily="18" charset="0"/>
+              </a:rPr>
+              <a:t>Drive 2</a:t>
+            </a:r>
+          </a:p>
+        </p:txBody>
+      </p:sp>
+      <p:sp>
+        <p:nvSpPr>
+          <p:cNvPr id="21" name="Rectangle: Rounded Corners 20">
+            <a:extLst>
+              <a:ext uri="{FF2B5EF4-FFF2-40B4-BE49-F238E27FC236}">
+                <a16:creationId xmlns:a16="http://schemas.microsoft.com/office/drawing/2014/main" id="{30C48CD4-58B0-7E8A-E74C-BD08F1B9C437}"/>
+              </a:ext>
+            </a:extLst>
+          </p:cNvPr>
+          <p:cNvSpPr/>
+          <p:nvPr/>
+        </p:nvSpPr>
+        <p:spPr>
+          <a:xfrm>
+            <a:off x="6846286" y="1442513"/>
+            <a:ext cx="3005332" cy="1295955"/>
+          </a:xfrm>
+          <a:prstGeom prst="roundRect">
+            <a:avLst/>
+          </a:prstGeom>
+          <a:solidFill>
+            <a:schemeClr val="bg1"/>
+          </a:solidFill>
+          <a:ln w="28575">
+            <a:solidFill>
+              <a:schemeClr val="tx1"/>
+            </a:solidFill>
+          </a:ln>
+        </p:spPr>
+        <p:style>
+          <a:lnRef idx="2">
+            <a:schemeClr val="accent1">
+              <a:shade val="15000"/>
+            </a:schemeClr>
+          </a:lnRef>
+          <a:fillRef idx="1">
+            <a:schemeClr val="accent1"/>
+          </a:fillRef>
+          <a:effectRef idx="0">
+            <a:schemeClr val="accent1"/>
+          </a:effectRef>
+          <a:fontRef idx="minor">
+            <a:schemeClr val="lt1"/>
+          </a:fontRef>
+        </p:style>
+        <p:txBody>
+          <a:bodyPr rtlCol="0" anchor="ctr"/>
+          <a:lstStyle/>
+          <a:p>
+            <a:pPr marL="0" marR="0" lvl="0" indent="0" defTabSz="914400" rtl="0" eaLnBrk="1" fontAlgn="auto" latinLnBrk="0" hangingPunct="1">
+              <a:lnSpc>
+                <a:spcPct val="100000"/>
+              </a:lnSpc>
+              <a:spcBef>
+                <a:spcPts val="0"/>
+              </a:spcBef>
+              <a:spcAft>
+                <a:spcPts val="0"/>
+              </a:spcAft>
+              <a:buClrTx/>
+              <a:buSzTx/>
+              <a:buFontTx/>
+              <a:buNone/>
+              <a:tabLst/>
+              <a:defRPr/>
+            </a:pPr>
             <a:r>
               <a:rPr kumimoji="0" lang="it-IT" sz="2200" b="0" i="0" u="none" strike="noStrike" kern="1200" cap="none" spc="0" normalizeH="0" baseline="0" noProof="0" dirty="0">
                 <a:ln>
@@ -17305,7 +18076,278 @@
                 <a:latin typeface="Times New Roman" panose="02020603050405020304" pitchFamily="18" charset="0"/>
                 <a:cs typeface="Times New Roman" panose="02020603050405020304" pitchFamily="18" charset="0"/>
               </a:rPr>
-              <a:t> per le comunicazioni è stato scelto idoneamente, si potrebbero considerare tutti gli slave che non rispondono entro il limite di tempo come temporaneamente irraggiungibili, ignorando tutti i loro Task almeno una volta</a:t>
+              <a:t>Viene considerato come </a:t>
+            </a:r>
+            <a:r>
+              <a:rPr kumimoji="0" lang="it-IT" sz="2200" b="1" i="0" u="none" strike="noStrike" kern="1200" cap="none" spc="0" normalizeH="0" baseline="0" noProof="0" dirty="0">
+                <a:ln>
+                  <a:noFill/>
+                </a:ln>
+                <a:solidFill>
+                  <a:schemeClr val="tx1"/>
+                </a:solidFill>
+                <a:effectLst/>
+                <a:uLnTx/>
+                <a:uFillTx/>
+                <a:latin typeface="Times New Roman" panose="02020603050405020304" pitchFamily="18" charset="0"/>
+                <a:cs typeface="Times New Roman" panose="02020603050405020304" pitchFamily="18" charset="0"/>
+              </a:rPr>
+              <a:t>temporaneamente</a:t>
+            </a:r>
+            <a:r>
+              <a:rPr kumimoji="0" lang="it-IT" sz="2200" b="1" i="0" u="none" strike="noStrike" kern="1200" cap="none" spc="0" normalizeH="0" noProof="0" dirty="0">
+                <a:ln>
+                  <a:noFill/>
+                </a:ln>
+                <a:solidFill>
+                  <a:schemeClr val="tx1"/>
+                </a:solidFill>
+                <a:effectLst/>
+                <a:uLnTx/>
+                <a:uFillTx/>
+                <a:latin typeface="Times New Roman" panose="02020603050405020304" pitchFamily="18" charset="0"/>
+                <a:cs typeface="Times New Roman" panose="02020603050405020304" pitchFamily="18" charset="0"/>
+              </a:rPr>
+              <a:t> irraggiungibile</a:t>
+            </a:r>
+            <a:endParaRPr kumimoji="0" lang="it-IT" sz="2200" b="0" i="0" u="none" strike="noStrike" kern="1200" cap="none" spc="0" normalizeH="0" baseline="0" noProof="0" dirty="0">
+              <a:ln>
+                <a:noFill/>
+              </a:ln>
+              <a:solidFill>
+                <a:schemeClr val="tx1"/>
+              </a:solidFill>
+              <a:effectLst/>
+              <a:uLnTx/>
+              <a:uFillTx/>
+              <a:latin typeface="Times New Roman" panose="02020603050405020304" pitchFamily="18" charset="0"/>
+              <a:cs typeface="Times New Roman" panose="02020603050405020304" pitchFamily="18" charset="0"/>
+            </a:endParaRPr>
+          </a:p>
+        </p:txBody>
+      </p:sp>
+      <p:sp>
+        <p:nvSpPr>
+          <p:cNvPr id="22" name="Rectangle: Rounded Corners 21">
+            <a:extLst>
+              <a:ext uri="{FF2B5EF4-FFF2-40B4-BE49-F238E27FC236}">
+                <a16:creationId xmlns:a16="http://schemas.microsoft.com/office/drawing/2014/main" id="{965C32DA-7580-A7A9-52A3-0BF76C3A4135}"/>
+              </a:ext>
+            </a:extLst>
+          </p:cNvPr>
+          <p:cNvSpPr/>
+          <p:nvPr/>
+        </p:nvSpPr>
+        <p:spPr>
+          <a:xfrm>
+            <a:off x="8305899" y="3096537"/>
+            <a:ext cx="3664830" cy="1580238"/>
+          </a:xfrm>
+          <a:prstGeom prst="roundRect">
+            <a:avLst/>
+          </a:prstGeom>
+          <a:solidFill>
+            <a:schemeClr val="bg1"/>
+          </a:solidFill>
+          <a:ln w="28575">
+            <a:solidFill>
+              <a:schemeClr val="tx1"/>
+            </a:solidFill>
+          </a:ln>
+        </p:spPr>
+        <p:style>
+          <a:lnRef idx="2">
+            <a:schemeClr val="accent1">
+              <a:shade val="15000"/>
+            </a:schemeClr>
+          </a:lnRef>
+          <a:fillRef idx="1">
+            <a:schemeClr val="accent1"/>
+          </a:fillRef>
+          <a:effectRef idx="0">
+            <a:schemeClr val="accent1"/>
+          </a:effectRef>
+          <a:fontRef idx="minor">
+            <a:schemeClr val="lt1"/>
+          </a:fontRef>
+        </p:style>
+        <p:txBody>
+          <a:bodyPr rtlCol="0" anchor="ctr"/>
+          <a:lstStyle/>
+          <a:p>
+            <a:pPr marL="0" marR="0" lvl="0" indent="0" defTabSz="914400" rtl="0" eaLnBrk="1" fontAlgn="auto" latinLnBrk="0" hangingPunct="1">
+              <a:lnSpc>
+                <a:spcPct val="100000"/>
+              </a:lnSpc>
+              <a:spcBef>
+                <a:spcPts val="0"/>
+              </a:spcBef>
+              <a:spcAft>
+                <a:spcPts val="0"/>
+              </a:spcAft>
+              <a:buClrTx/>
+              <a:buSzTx/>
+              <a:buFontTx/>
+              <a:buNone/>
+              <a:tabLst/>
+              <a:defRPr/>
+            </a:pPr>
+            <a:r>
+              <a:rPr kumimoji="0" lang="it-IT" sz="2200" b="0" i="0" u="none" strike="noStrike" kern="1200" cap="none" spc="0" normalizeH="0" baseline="0" noProof="0" dirty="0">
+                <a:ln>
+                  <a:noFill/>
+                </a:ln>
+                <a:solidFill>
+                  <a:schemeClr val="tx1"/>
+                </a:solidFill>
+                <a:effectLst/>
+                <a:uLnTx/>
+                <a:uFillTx/>
+                <a:latin typeface="Times New Roman" panose="02020603050405020304" pitchFamily="18" charset="0"/>
+                <a:cs typeface="Times New Roman" panose="02020603050405020304" pitchFamily="18" charset="0"/>
+              </a:rPr>
+              <a:t>Tutti i suoi</a:t>
+            </a:r>
+            <a:r>
+              <a:rPr kumimoji="0" lang="it-IT" sz="2200" b="0" i="0" u="none" strike="noStrike" kern="1200" cap="none" spc="0" normalizeH="0" noProof="0" dirty="0">
+                <a:ln>
+                  <a:noFill/>
+                </a:ln>
+                <a:solidFill>
+                  <a:schemeClr val="tx1"/>
+                </a:solidFill>
+                <a:effectLst/>
+                <a:uLnTx/>
+                <a:uFillTx/>
+                <a:latin typeface="Times New Roman" panose="02020603050405020304" pitchFamily="18" charset="0"/>
+                <a:cs typeface="Times New Roman" panose="02020603050405020304" pitchFamily="18" charset="0"/>
+              </a:rPr>
+              <a:t> Task nella coda verranno </a:t>
+            </a:r>
+            <a:r>
+              <a:rPr kumimoji="0" lang="it-IT" sz="2200" b="1" i="0" u="none" strike="noStrike" kern="1200" cap="none" spc="0" normalizeH="0" noProof="0" dirty="0">
+                <a:ln>
+                  <a:noFill/>
+                </a:ln>
+                <a:solidFill>
+                  <a:schemeClr val="tx1"/>
+                </a:solidFill>
+                <a:effectLst/>
+                <a:uLnTx/>
+                <a:uFillTx/>
+                <a:latin typeface="Times New Roman" panose="02020603050405020304" pitchFamily="18" charset="0"/>
+                <a:cs typeface="Times New Roman" panose="02020603050405020304" pitchFamily="18" charset="0"/>
+              </a:rPr>
+              <a:t>temporaneamente saltati </a:t>
+            </a:r>
+            <a:r>
+              <a:rPr kumimoji="0" lang="it-IT" sz="2200" b="0" i="0" u="none" strike="noStrike" kern="1200" cap="none" spc="0" normalizeH="0" noProof="0" dirty="0">
+                <a:ln>
+                  <a:noFill/>
+                </a:ln>
+                <a:solidFill>
+                  <a:schemeClr val="tx1"/>
+                </a:solidFill>
+                <a:effectLst/>
+                <a:uLnTx/>
+                <a:uFillTx/>
+                <a:latin typeface="Times New Roman" panose="02020603050405020304" pitchFamily="18" charset="0"/>
+                <a:cs typeface="Times New Roman" panose="02020603050405020304" pitchFamily="18" charset="0"/>
+              </a:rPr>
+              <a:t>per non occupare il mezzo comunicativo</a:t>
+            </a:r>
+            <a:endParaRPr kumimoji="0" lang="it-IT" sz="2200" b="0" i="0" u="none" strike="noStrike" kern="1200" cap="none" spc="0" normalizeH="0" baseline="0" noProof="0" dirty="0">
+              <a:ln>
+                <a:noFill/>
+              </a:ln>
+              <a:solidFill>
+                <a:schemeClr val="tx1"/>
+              </a:solidFill>
+              <a:effectLst/>
+              <a:uLnTx/>
+              <a:uFillTx/>
+              <a:latin typeface="Times New Roman" panose="02020603050405020304" pitchFamily="18" charset="0"/>
+              <a:cs typeface="Times New Roman" panose="02020603050405020304" pitchFamily="18" charset="0"/>
+            </a:endParaRPr>
+          </a:p>
+        </p:txBody>
+      </p:sp>
+      <p:pic>
+        <p:nvPicPr>
+          <p:cNvPr id="25" name="Graphic 24" descr="Open envelope outline">
+            <a:extLst>
+              <a:ext uri="{FF2B5EF4-FFF2-40B4-BE49-F238E27FC236}">
+                <a16:creationId xmlns:a16="http://schemas.microsoft.com/office/drawing/2014/main" id="{879DAAF1-D0B1-9922-EEFD-FEB758879401}"/>
+              </a:ext>
+            </a:extLst>
+          </p:cNvPr>
+          <p:cNvPicPr>
+            <a:picLocks noChangeAspect="1"/>
+          </p:cNvPicPr>
+          <p:nvPr/>
+        </p:nvPicPr>
+        <p:blipFill>
+          <a:blip r:embed="rId9">
+            <a:extLst>
+              <a:ext uri="{96DAC541-7B7A-43D3-8B79-37D633B846F1}">
+                <asvg:svgBlip xmlns:asvg="http://schemas.microsoft.com/office/drawing/2016/SVG/main" r:embed="rId10"/>
+              </a:ext>
+            </a:extLst>
+          </a:blip>
+          <a:stretch>
+            <a:fillRect/>
+          </a:stretch>
+        </p:blipFill>
+        <p:spPr>
+          <a:xfrm>
+            <a:off x="7654719" y="4860584"/>
+            <a:ext cx="454138" cy="454138"/>
+          </a:xfrm>
+          <a:prstGeom prst="rect">
+            <a:avLst/>
+          </a:prstGeom>
+        </p:spPr>
+      </p:pic>
+      <p:sp>
+        <p:nvSpPr>
+          <p:cNvPr id="26" name="TextBox 25">
+            <a:extLst>
+              <a:ext uri="{FF2B5EF4-FFF2-40B4-BE49-F238E27FC236}">
+                <a16:creationId xmlns:a16="http://schemas.microsoft.com/office/drawing/2014/main" id="{A39A8CFE-488D-6748-4563-AB80944A351A}"/>
+              </a:ext>
+            </a:extLst>
+          </p:cNvPr>
+          <p:cNvSpPr txBox="1"/>
+          <p:nvPr/>
+        </p:nvSpPr>
+        <p:spPr>
+          <a:xfrm>
+            <a:off x="2023897" y="2499528"/>
+            <a:ext cx="1018235" cy="400110"/>
+          </a:xfrm>
+          <a:prstGeom prst="rect">
+            <a:avLst/>
+          </a:prstGeom>
+          <a:noFill/>
+        </p:spPr>
+        <p:txBody>
+          <a:bodyPr wrap="square" rtlCol="0">
+            <a:spAutoFit/>
+          </a:bodyPr>
+          <a:lstStyle/>
+          <a:p>
+            <a:pPr algn="ctr"/>
+            <a:r>
+              <a:rPr lang="it-IT" sz="2000" dirty="0">
+                <a:solidFill>
+                  <a:schemeClr val="accent2">
+                    <a:lumMod val="50000"/>
+                  </a:schemeClr>
+                </a:solidFill>
+                <a:latin typeface="Times New Roman" panose="02020603050405020304" pitchFamily="18" charset="0"/>
+                <a:cs typeface="Times New Roman" panose="02020603050405020304" pitchFamily="18" charset="0"/>
+              </a:rPr>
+              <a:t>HMI</a:t>
             </a:r>
           </a:p>
         </p:txBody>
@@ -17320,6 +18362,1079 @@
   <p:clrMapOvr>
     <a:masterClrMapping/>
   </p:clrMapOvr>
+  <p:timing>
+    <p:tnLst>
+      <p:par>
+        <p:cTn id="1" dur="indefinite" restart="never" nodeType="tmRoot">
+          <p:childTnLst>
+            <p:seq concurrent="1" nextAc="seek">
+              <p:cTn id="2" dur="indefinite" nodeType="mainSeq">
+                <p:childTnLst>
+                  <p:par>
+                    <p:cTn id="3" fill="hold">
+                      <p:stCondLst>
+                        <p:cond delay="indefinite"/>
+                        <p:cond evt="onBegin" delay="0">
+                          <p:tn val="2"/>
+                        </p:cond>
+                      </p:stCondLst>
+                      <p:childTnLst>
+                        <p:par>
+                          <p:cTn id="4" fill="hold">
+                            <p:stCondLst>
+                              <p:cond delay="0"/>
+                            </p:stCondLst>
+                            <p:childTnLst>
+                              <p:par>
+                                <p:cTn id="5" presetID="10" presetClass="entr" presetSubtype="0" fill="hold" grpId="0" nodeType="withEffect">
+                                  <p:stCondLst>
+                                    <p:cond delay="0"/>
+                                  </p:stCondLst>
+                                  <p:childTnLst>
+                                    <p:set>
+                                      <p:cBhvr>
+                                        <p:cTn id="6" dur="1" fill="hold">
+                                          <p:stCondLst>
+                                            <p:cond delay="0"/>
+                                          </p:stCondLst>
+                                        </p:cTn>
+                                        <p:tgtEl>
+                                          <p:spTgt spid="19"/>
+                                        </p:tgtEl>
+                                        <p:attrNameLst>
+                                          <p:attrName>style.visibility</p:attrName>
+                                        </p:attrNameLst>
+                                      </p:cBhvr>
+                                      <p:to>
+                                        <p:strVal val="visible"/>
+                                      </p:to>
+                                    </p:set>
+                                    <p:animEffect transition="in" filter="fade">
+                                      <p:cBhvr>
+                                        <p:cTn id="7" dur="500"/>
+                                        <p:tgtEl>
+                                          <p:spTgt spid="19"/>
+                                        </p:tgtEl>
+                                      </p:cBhvr>
+                                    </p:animEffect>
+                                  </p:childTnLst>
+                                </p:cTn>
+                              </p:par>
+                              <p:par>
+                                <p:cTn id="8" presetID="10" presetClass="entr" presetSubtype="0" fill="hold" grpId="0" nodeType="withEffect">
+                                  <p:stCondLst>
+                                    <p:cond delay="0"/>
+                                  </p:stCondLst>
+                                  <p:childTnLst>
+                                    <p:set>
+                                      <p:cBhvr>
+                                        <p:cTn id="9" dur="1" fill="hold">
+                                          <p:stCondLst>
+                                            <p:cond delay="0"/>
+                                          </p:stCondLst>
+                                        </p:cTn>
+                                        <p:tgtEl>
+                                          <p:spTgt spid="20"/>
+                                        </p:tgtEl>
+                                        <p:attrNameLst>
+                                          <p:attrName>style.visibility</p:attrName>
+                                        </p:attrNameLst>
+                                      </p:cBhvr>
+                                      <p:to>
+                                        <p:strVal val="visible"/>
+                                      </p:to>
+                                    </p:set>
+                                    <p:animEffect transition="in" filter="fade">
+                                      <p:cBhvr>
+                                        <p:cTn id="10" dur="500"/>
+                                        <p:tgtEl>
+                                          <p:spTgt spid="20"/>
+                                        </p:tgtEl>
+                                      </p:cBhvr>
+                                    </p:animEffect>
+                                  </p:childTnLst>
+                                </p:cTn>
+                              </p:par>
+                              <p:par>
+                                <p:cTn id="11" presetID="10" presetClass="entr" presetSubtype="0" fill="hold" nodeType="withEffect">
+                                  <p:stCondLst>
+                                    <p:cond delay="0"/>
+                                  </p:stCondLst>
+                                  <p:childTnLst>
+                                    <p:set>
+                                      <p:cBhvr>
+                                        <p:cTn id="12" dur="1" fill="hold">
+                                          <p:stCondLst>
+                                            <p:cond delay="0"/>
+                                          </p:stCondLst>
+                                        </p:cTn>
+                                        <p:tgtEl>
+                                          <p:spTgt spid="5"/>
+                                        </p:tgtEl>
+                                        <p:attrNameLst>
+                                          <p:attrName>style.visibility</p:attrName>
+                                        </p:attrNameLst>
+                                      </p:cBhvr>
+                                      <p:to>
+                                        <p:strVal val="visible"/>
+                                      </p:to>
+                                    </p:set>
+                                    <p:animEffect transition="in" filter="fade">
+                                      <p:cBhvr>
+                                        <p:cTn id="13" dur="500"/>
+                                        <p:tgtEl>
+                                          <p:spTgt spid="5"/>
+                                        </p:tgtEl>
+                                      </p:cBhvr>
+                                    </p:animEffect>
+                                  </p:childTnLst>
+                                </p:cTn>
+                              </p:par>
+                              <p:par>
+                                <p:cTn id="14" presetID="10" presetClass="entr" presetSubtype="0" fill="hold" grpId="0" nodeType="withEffect">
+                                  <p:stCondLst>
+                                    <p:cond delay="0"/>
+                                  </p:stCondLst>
+                                  <p:childTnLst>
+                                    <p:set>
+                                      <p:cBhvr>
+                                        <p:cTn id="15" dur="1" fill="hold">
+                                          <p:stCondLst>
+                                            <p:cond delay="0"/>
+                                          </p:stCondLst>
+                                        </p:cTn>
+                                        <p:tgtEl>
+                                          <p:spTgt spid="6"/>
+                                        </p:tgtEl>
+                                        <p:attrNameLst>
+                                          <p:attrName>style.visibility</p:attrName>
+                                        </p:attrNameLst>
+                                      </p:cBhvr>
+                                      <p:to>
+                                        <p:strVal val="visible"/>
+                                      </p:to>
+                                    </p:set>
+                                    <p:animEffect transition="in" filter="fade">
+                                      <p:cBhvr>
+                                        <p:cTn id="16" dur="500"/>
+                                        <p:tgtEl>
+                                          <p:spTgt spid="6"/>
+                                        </p:tgtEl>
+                                      </p:cBhvr>
+                                    </p:animEffect>
+                                  </p:childTnLst>
+                                </p:cTn>
+                              </p:par>
+                              <p:par>
+                                <p:cTn id="17" presetID="10" presetClass="entr" presetSubtype="0" fill="hold" grpId="0" nodeType="withEffect">
+                                  <p:stCondLst>
+                                    <p:cond delay="0"/>
+                                  </p:stCondLst>
+                                  <p:childTnLst>
+                                    <p:set>
+                                      <p:cBhvr>
+                                        <p:cTn id="18" dur="1" fill="hold">
+                                          <p:stCondLst>
+                                            <p:cond delay="0"/>
+                                          </p:stCondLst>
+                                        </p:cTn>
+                                        <p:tgtEl>
+                                          <p:spTgt spid="7"/>
+                                        </p:tgtEl>
+                                        <p:attrNameLst>
+                                          <p:attrName>style.visibility</p:attrName>
+                                        </p:attrNameLst>
+                                      </p:cBhvr>
+                                      <p:to>
+                                        <p:strVal val="visible"/>
+                                      </p:to>
+                                    </p:set>
+                                    <p:animEffect transition="in" filter="fade">
+                                      <p:cBhvr>
+                                        <p:cTn id="19" dur="500"/>
+                                        <p:tgtEl>
+                                          <p:spTgt spid="7"/>
+                                        </p:tgtEl>
+                                      </p:cBhvr>
+                                    </p:animEffect>
+                                  </p:childTnLst>
+                                </p:cTn>
+                              </p:par>
+                              <p:par>
+                                <p:cTn id="20" presetID="10" presetClass="entr" presetSubtype="0" fill="hold" nodeType="withEffect">
+                                  <p:stCondLst>
+                                    <p:cond delay="0"/>
+                                  </p:stCondLst>
+                                  <p:childTnLst>
+                                    <p:set>
+                                      <p:cBhvr>
+                                        <p:cTn id="21" dur="1" fill="hold">
+                                          <p:stCondLst>
+                                            <p:cond delay="0"/>
+                                          </p:stCondLst>
+                                        </p:cTn>
+                                        <p:tgtEl>
+                                          <p:spTgt spid="11"/>
+                                        </p:tgtEl>
+                                        <p:attrNameLst>
+                                          <p:attrName>style.visibility</p:attrName>
+                                        </p:attrNameLst>
+                                      </p:cBhvr>
+                                      <p:to>
+                                        <p:strVal val="visible"/>
+                                      </p:to>
+                                    </p:set>
+                                    <p:animEffect transition="in" filter="fade">
+                                      <p:cBhvr>
+                                        <p:cTn id="22" dur="500"/>
+                                        <p:tgtEl>
+                                          <p:spTgt spid="11"/>
+                                        </p:tgtEl>
+                                      </p:cBhvr>
+                                    </p:animEffect>
+                                  </p:childTnLst>
+                                </p:cTn>
+                              </p:par>
+                              <p:par>
+                                <p:cTn id="23" presetID="10" presetClass="entr" presetSubtype="0" fill="hold" grpId="0" nodeType="withEffect">
+                                  <p:stCondLst>
+                                    <p:cond delay="0"/>
+                                  </p:stCondLst>
+                                  <p:childTnLst>
+                                    <p:set>
+                                      <p:cBhvr>
+                                        <p:cTn id="24" dur="1" fill="hold">
+                                          <p:stCondLst>
+                                            <p:cond delay="0"/>
+                                          </p:stCondLst>
+                                        </p:cTn>
+                                        <p:tgtEl>
+                                          <p:spTgt spid="12"/>
+                                        </p:tgtEl>
+                                        <p:attrNameLst>
+                                          <p:attrName>style.visibility</p:attrName>
+                                        </p:attrNameLst>
+                                      </p:cBhvr>
+                                      <p:to>
+                                        <p:strVal val="visible"/>
+                                      </p:to>
+                                    </p:set>
+                                    <p:animEffect transition="in" filter="fade">
+                                      <p:cBhvr>
+                                        <p:cTn id="25" dur="500"/>
+                                        <p:tgtEl>
+                                          <p:spTgt spid="12"/>
+                                        </p:tgtEl>
+                                      </p:cBhvr>
+                                    </p:animEffect>
+                                  </p:childTnLst>
+                                </p:cTn>
+                              </p:par>
+                              <p:par>
+                                <p:cTn id="26" presetID="10" presetClass="entr" presetSubtype="0" fill="hold" nodeType="withEffect">
+                                  <p:stCondLst>
+                                    <p:cond delay="0"/>
+                                  </p:stCondLst>
+                                  <p:childTnLst>
+                                    <p:set>
+                                      <p:cBhvr>
+                                        <p:cTn id="27" dur="1" fill="hold">
+                                          <p:stCondLst>
+                                            <p:cond delay="0"/>
+                                          </p:stCondLst>
+                                        </p:cTn>
+                                        <p:tgtEl>
+                                          <p:spTgt spid="13"/>
+                                        </p:tgtEl>
+                                        <p:attrNameLst>
+                                          <p:attrName>style.visibility</p:attrName>
+                                        </p:attrNameLst>
+                                      </p:cBhvr>
+                                      <p:to>
+                                        <p:strVal val="visible"/>
+                                      </p:to>
+                                    </p:set>
+                                    <p:animEffect transition="in" filter="fade">
+                                      <p:cBhvr>
+                                        <p:cTn id="28" dur="500"/>
+                                        <p:tgtEl>
+                                          <p:spTgt spid="13"/>
+                                        </p:tgtEl>
+                                      </p:cBhvr>
+                                    </p:animEffect>
+                                  </p:childTnLst>
+                                </p:cTn>
+                              </p:par>
+                            </p:childTnLst>
+                          </p:cTn>
+                        </p:par>
+                      </p:childTnLst>
+                    </p:cTn>
+                  </p:par>
+                  <p:par>
+                    <p:cTn id="29" fill="hold">
+                      <p:stCondLst>
+                        <p:cond delay="indefinite"/>
+                      </p:stCondLst>
+                      <p:childTnLst>
+                        <p:par>
+                          <p:cTn id="30" fill="hold">
+                            <p:stCondLst>
+                              <p:cond delay="0"/>
+                            </p:stCondLst>
+                            <p:childTnLst>
+                              <p:par>
+                                <p:cTn id="31" presetID="10" presetClass="entr" presetSubtype="0" fill="hold" grpId="0" nodeType="clickEffect">
+                                  <p:stCondLst>
+                                    <p:cond delay="0"/>
+                                  </p:stCondLst>
+                                  <p:childTnLst>
+                                    <p:set>
+                                      <p:cBhvr>
+                                        <p:cTn id="32" dur="1" fill="hold">
+                                          <p:stCondLst>
+                                            <p:cond delay="0"/>
+                                          </p:stCondLst>
+                                        </p:cTn>
+                                        <p:tgtEl>
+                                          <p:spTgt spid="4"/>
+                                        </p:tgtEl>
+                                        <p:attrNameLst>
+                                          <p:attrName>style.visibility</p:attrName>
+                                        </p:attrNameLst>
+                                      </p:cBhvr>
+                                      <p:to>
+                                        <p:strVal val="visible"/>
+                                      </p:to>
+                                    </p:set>
+                                    <p:animEffect transition="in" filter="fade">
+                                      <p:cBhvr>
+                                        <p:cTn id="33" dur="500"/>
+                                        <p:tgtEl>
+                                          <p:spTgt spid="4"/>
+                                        </p:tgtEl>
+                                      </p:cBhvr>
+                                    </p:animEffect>
+                                  </p:childTnLst>
+                                </p:cTn>
+                              </p:par>
+                              <p:par>
+                                <p:cTn id="34" presetID="10" presetClass="entr" presetSubtype="0" fill="hold" nodeType="withEffect">
+                                  <p:stCondLst>
+                                    <p:cond delay="0"/>
+                                  </p:stCondLst>
+                                  <p:childTnLst>
+                                    <p:set>
+                                      <p:cBhvr>
+                                        <p:cTn id="35" dur="1" fill="hold">
+                                          <p:stCondLst>
+                                            <p:cond delay="0"/>
+                                          </p:stCondLst>
+                                        </p:cTn>
+                                        <p:tgtEl>
+                                          <p:spTgt spid="28"/>
+                                        </p:tgtEl>
+                                        <p:attrNameLst>
+                                          <p:attrName>style.visibility</p:attrName>
+                                        </p:attrNameLst>
+                                      </p:cBhvr>
+                                      <p:to>
+                                        <p:strVal val="visible"/>
+                                      </p:to>
+                                    </p:set>
+                                    <p:animEffect transition="in" filter="fade">
+                                      <p:cBhvr>
+                                        <p:cTn id="36" dur="500"/>
+                                        <p:tgtEl>
+                                          <p:spTgt spid="28"/>
+                                        </p:tgtEl>
+                                      </p:cBhvr>
+                                    </p:animEffect>
+                                  </p:childTnLst>
+                                </p:cTn>
+                              </p:par>
+                              <p:par>
+                                <p:cTn id="37" presetID="10" presetClass="entr" presetSubtype="0" fill="hold" nodeType="withEffect">
+                                  <p:stCondLst>
+                                    <p:cond delay="0"/>
+                                  </p:stCondLst>
+                                  <p:childTnLst>
+                                    <p:set>
+                                      <p:cBhvr>
+                                        <p:cTn id="38" dur="1" fill="hold">
+                                          <p:stCondLst>
+                                            <p:cond delay="0"/>
+                                          </p:stCondLst>
+                                        </p:cTn>
+                                        <p:tgtEl>
+                                          <p:spTgt spid="18"/>
+                                        </p:tgtEl>
+                                        <p:attrNameLst>
+                                          <p:attrName>style.visibility</p:attrName>
+                                        </p:attrNameLst>
+                                      </p:cBhvr>
+                                      <p:to>
+                                        <p:strVal val="visible"/>
+                                      </p:to>
+                                    </p:set>
+                                    <p:animEffect transition="in" filter="fade">
+                                      <p:cBhvr>
+                                        <p:cTn id="39" dur="500"/>
+                                        <p:tgtEl>
+                                          <p:spTgt spid="18"/>
+                                        </p:tgtEl>
+                                      </p:cBhvr>
+                                    </p:animEffect>
+                                  </p:childTnLst>
+                                </p:cTn>
+                              </p:par>
+                              <p:par>
+                                <p:cTn id="40" presetID="19" presetClass="emph" presetSubtype="0" fill="hold" grpId="1" nodeType="withEffect">
+                                  <p:stCondLst>
+                                    <p:cond delay="0"/>
+                                  </p:stCondLst>
+                                  <p:childTnLst>
+                                    <p:animClr clrSpc="rgb" dir="cw">
+                                      <p:cBhvr override="childStyle">
+                                        <p:cTn id="41" dur="500" fill="hold"/>
+                                        <p:tgtEl>
+                                          <p:spTgt spid="7"/>
+                                        </p:tgtEl>
+                                        <p:attrNameLst>
+                                          <p:attrName>style.color</p:attrName>
+                                        </p:attrNameLst>
+                                      </p:cBhvr>
+                                      <p:to>
+                                        <a:srgbClr val="FF3333"/>
+                                      </p:to>
+                                    </p:animClr>
+                                    <p:animClr clrSpc="rgb" dir="cw">
+                                      <p:cBhvr>
+                                        <p:cTn id="42" dur="500" fill="hold"/>
+                                        <p:tgtEl>
+                                          <p:spTgt spid="7"/>
+                                        </p:tgtEl>
+                                        <p:attrNameLst>
+                                          <p:attrName>fillcolor</p:attrName>
+                                        </p:attrNameLst>
+                                      </p:cBhvr>
+                                      <p:to>
+                                        <a:srgbClr val="FF3333"/>
+                                      </p:to>
+                                    </p:animClr>
+                                    <p:set>
+                                      <p:cBhvr>
+                                        <p:cTn id="43" dur="500" fill="hold"/>
+                                        <p:tgtEl>
+                                          <p:spTgt spid="7"/>
+                                        </p:tgtEl>
+                                        <p:attrNameLst>
+                                          <p:attrName>fill.type</p:attrName>
+                                        </p:attrNameLst>
+                                      </p:cBhvr>
+                                      <p:to>
+                                        <p:strVal val="solid"/>
+                                      </p:to>
+                                    </p:set>
+                                    <p:set>
+                                      <p:cBhvr>
+                                        <p:cTn id="44" dur="500" fill="hold"/>
+                                        <p:tgtEl>
+                                          <p:spTgt spid="7"/>
+                                        </p:tgtEl>
+                                        <p:attrNameLst>
+                                          <p:attrName>fill.on</p:attrName>
+                                        </p:attrNameLst>
+                                      </p:cBhvr>
+                                      <p:to>
+                                        <p:strVal val="true"/>
+                                      </p:to>
+                                    </p:set>
+                                  </p:childTnLst>
+                                </p:cTn>
+                              </p:par>
+                            </p:childTnLst>
+                          </p:cTn>
+                        </p:par>
+                        <p:par>
+                          <p:cTn id="45" fill="hold">
+                            <p:stCondLst>
+                              <p:cond delay="500"/>
+                            </p:stCondLst>
+                            <p:childTnLst>
+                              <p:par>
+                                <p:cTn id="46" presetID="10" presetClass="entr" presetSubtype="0" fill="hold" grpId="0" nodeType="afterEffect">
+                                  <p:stCondLst>
+                                    <p:cond delay="0"/>
+                                  </p:stCondLst>
+                                  <p:childTnLst>
+                                    <p:set>
+                                      <p:cBhvr>
+                                        <p:cTn id="47" dur="1" fill="hold">
+                                          <p:stCondLst>
+                                            <p:cond delay="0"/>
+                                          </p:stCondLst>
+                                        </p:cTn>
+                                        <p:tgtEl>
+                                          <p:spTgt spid="21"/>
+                                        </p:tgtEl>
+                                        <p:attrNameLst>
+                                          <p:attrName>style.visibility</p:attrName>
+                                        </p:attrNameLst>
+                                      </p:cBhvr>
+                                      <p:to>
+                                        <p:strVal val="visible"/>
+                                      </p:to>
+                                    </p:set>
+                                    <p:animEffect transition="in" filter="fade">
+                                      <p:cBhvr>
+                                        <p:cTn id="48" dur="500"/>
+                                        <p:tgtEl>
+                                          <p:spTgt spid="21"/>
+                                        </p:tgtEl>
+                                      </p:cBhvr>
+                                    </p:animEffect>
+                                  </p:childTnLst>
+                                </p:cTn>
+                              </p:par>
+                            </p:childTnLst>
+                          </p:cTn>
+                        </p:par>
+                      </p:childTnLst>
+                    </p:cTn>
+                  </p:par>
+                  <p:par>
+                    <p:cTn id="49" fill="hold">
+                      <p:stCondLst>
+                        <p:cond delay="indefinite"/>
+                      </p:stCondLst>
+                      <p:childTnLst>
+                        <p:par>
+                          <p:cTn id="50" fill="hold">
+                            <p:stCondLst>
+                              <p:cond delay="0"/>
+                            </p:stCondLst>
+                            <p:childTnLst>
+                              <p:par>
+                                <p:cTn id="51" presetID="10" presetClass="entr" presetSubtype="0" fill="hold" grpId="0" nodeType="clickEffect">
+                                  <p:stCondLst>
+                                    <p:cond delay="0"/>
+                                  </p:stCondLst>
+                                  <p:childTnLst>
+                                    <p:set>
+                                      <p:cBhvr>
+                                        <p:cTn id="52" dur="1" fill="hold">
+                                          <p:stCondLst>
+                                            <p:cond delay="0"/>
+                                          </p:stCondLst>
+                                        </p:cTn>
+                                        <p:tgtEl>
+                                          <p:spTgt spid="23"/>
+                                        </p:tgtEl>
+                                        <p:attrNameLst>
+                                          <p:attrName>style.visibility</p:attrName>
+                                        </p:attrNameLst>
+                                      </p:cBhvr>
+                                      <p:to>
+                                        <p:strVal val="visible"/>
+                                      </p:to>
+                                    </p:set>
+                                    <p:animEffect transition="in" filter="fade">
+                                      <p:cBhvr>
+                                        <p:cTn id="53" dur="500"/>
+                                        <p:tgtEl>
+                                          <p:spTgt spid="23"/>
+                                        </p:tgtEl>
+                                      </p:cBhvr>
+                                    </p:animEffect>
+                                  </p:childTnLst>
+                                </p:cTn>
+                              </p:par>
+                            </p:childTnLst>
+                          </p:cTn>
+                        </p:par>
+                        <p:par>
+                          <p:cTn id="54" fill="hold">
+                            <p:stCondLst>
+                              <p:cond delay="500"/>
+                            </p:stCondLst>
+                            <p:childTnLst>
+                              <p:par>
+                                <p:cTn id="55" presetID="10" presetClass="entr" presetSubtype="0" fill="hold" grpId="0" nodeType="afterEffect">
+                                  <p:stCondLst>
+                                    <p:cond delay="0"/>
+                                  </p:stCondLst>
+                                  <p:childTnLst>
+                                    <p:set>
+                                      <p:cBhvr>
+                                        <p:cTn id="56" dur="1" fill="hold">
+                                          <p:stCondLst>
+                                            <p:cond delay="0"/>
+                                          </p:stCondLst>
+                                        </p:cTn>
+                                        <p:tgtEl>
+                                          <p:spTgt spid="22"/>
+                                        </p:tgtEl>
+                                        <p:attrNameLst>
+                                          <p:attrName>style.visibility</p:attrName>
+                                        </p:attrNameLst>
+                                      </p:cBhvr>
+                                      <p:to>
+                                        <p:strVal val="visible"/>
+                                      </p:to>
+                                    </p:set>
+                                    <p:animEffect transition="in" filter="fade">
+                                      <p:cBhvr>
+                                        <p:cTn id="57" dur="500"/>
+                                        <p:tgtEl>
+                                          <p:spTgt spid="22"/>
+                                        </p:tgtEl>
+                                      </p:cBhvr>
+                                    </p:animEffect>
+                                  </p:childTnLst>
+                                </p:cTn>
+                              </p:par>
+                              <p:par>
+                                <p:cTn id="58" presetID="19" presetClass="emph" presetSubtype="0" fill="hold" grpId="1" nodeType="withEffect">
+                                  <p:stCondLst>
+                                    <p:cond delay="0"/>
+                                  </p:stCondLst>
+                                  <p:childTnLst>
+                                    <p:animClr clrSpc="rgb" dir="cw">
+                                      <p:cBhvr override="childStyle">
+                                        <p:cTn id="59" dur="500" fill="hold"/>
+                                        <p:tgtEl>
+                                          <p:spTgt spid="6"/>
+                                        </p:tgtEl>
+                                        <p:attrNameLst>
+                                          <p:attrName>style.color</p:attrName>
+                                        </p:attrNameLst>
+                                      </p:cBhvr>
+                                      <p:to>
+                                        <a:srgbClr val="87DD91"/>
+                                      </p:to>
+                                    </p:animClr>
+                                    <p:animClr clrSpc="rgb" dir="cw">
+                                      <p:cBhvr>
+                                        <p:cTn id="60" dur="500" fill="hold"/>
+                                        <p:tgtEl>
+                                          <p:spTgt spid="6"/>
+                                        </p:tgtEl>
+                                        <p:attrNameLst>
+                                          <p:attrName>fillcolor</p:attrName>
+                                        </p:attrNameLst>
+                                      </p:cBhvr>
+                                      <p:to>
+                                        <a:srgbClr val="87DD91"/>
+                                      </p:to>
+                                    </p:animClr>
+                                    <p:set>
+                                      <p:cBhvr>
+                                        <p:cTn id="61" dur="500" fill="hold"/>
+                                        <p:tgtEl>
+                                          <p:spTgt spid="6"/>
+                                        </p:tgtEl>
+                                        <p:attrNameLst>
+                                          <p:attrName>fill.type</p:attrName>
+                                        </p:attrNameLst>
+                                      </p:cBhvr>
+                                      <p:to>
+                                        <p:strVal val="solid"/>
+                                      </p:to>
+                                    </p:set>
+                                    <p:set>
+                                      <p:cBhvr>
+                                        <p:cTn id="62" dur="500" fill="hold"/>
+                                        <p:tgtEl>
+                                          <p:spTgt spid="6"/>
+                                        </p:tgtEl>
+                                        <p:attrNameLst>
+                                          <p:attrName>fill.on</p:attrName>
+                                        </p:attrNameLst>
+                                      </p:cBhvr>
+                                      <p:to>
+                                        <p:strVal val="true"/>
+                                      </p:to>
+                                    </p:set>
+                                  </p:childTnLst>
+                                </p:cTn>
+                              </p:par>
+                              <p:par>
+                                <p:cTn id="63" presetID="19" presetClass="emph" presetSubtype="0" fill="hold" grpId="1" nodeType="withEffect">
+                                  <p:stCondLst>
+                                    <p:cond delay="0"/>
+                                  </p:stCondLst>
+                                  <p:childTnLst>
+                                    <p:animClr clrSpc="rgb" dir="cw">
+                                      <p:cBhvr override="childStyle">
+                                        <p:cTn id="64" dur="500" fill="hold"/>
+                                        <p:tgtEl>
+                                          <p:spTgt spid="12"/>
+                                        </p:tgtEl>
+                                        <p:attrNameLst>
+                                          <p:attrName>style.color</p:attrName>
+                                        </p:attrNameLst>
+                                      </p:cBhvr>
+                                      <p:to>
+                                        <a:srgbClr val="87DD91"/>
+                                      </p:to>
+                                    </p:animClr>
+                                    <p:animClr clrSpc="rgb" dir="cw">
+                                      <p:cBhvr>
+                                        <p:cTn id="65" dur="500" fill="hold"/>
+                                        <p:tgtEl>
+                                          <p:spTgt spid="12"/>
+                                        </p:tgtEl>
+                                        <p:attrNameLst>
+                                          <p:attrName>fillcolor</p:attrName>
+                                        </p:attrNameLst>
+                                      </p:cBhvr>
+                                      <p:to>
+                                        <a:srgbClr val="87DD91"/>
+                                      </p:to>
+                                    </p:animClr>
+                                    <p:set>
+                                      <p:cBhvr>
+                                        <p:cTn id="66" dur="500" fill="hold"/>
+                                        <p:tgtEl>
+                                          <p:spTgt spid="12"/>
+                                        </p:tgtEl>
+                                        <p:attrNameLst>
+                                          <p:attrName>fill.type</p:attrName>
+                                        </p:attrNameLst>
+                                      </p:cBhvr>
+                                      <p:to>
+                                        <p:strVal val="solid"/>
+                                      </p:to>
+                                    </p:set>
+                                    <p:set>
+                                      <p:cBhvr>
+                                        <p:cTn id="67" dur="500" fill="hold"/>
+                                        <p:tgtEl>
+                                          <p:spTgt spid="12"/>
+                                        </p:tgtEl>
+                                        <p:attrNameLst>
+                                          <p:attrName>fill.on</p:attrName>
+                                        </p:attrNameLst>
+                                      </p:cBhvr>
+                                      <p:to>
+                                        <p:strVal val="true"/>
+                                      </p:to>
+                                    </p:set>
+                                  </p:childTnLst>
+                                </p:cTn>
+                              </p:par>
+                              <p:par>
+                                <p:cTn id="68" presetID="19" presetClass="emph" presetSubtype="0" fill="hold" grpId="0" nodeType="withEffect">
+                                  <p:stCondLst>
+                                    <p:cond delay="0"/>
+                                  </p:stCondLst>
+                                  <p:childTnLst>
+                                    <p:animClr clrSpc="rgb" dir="cw">
+                                      <p:cBhvr override="childStyle">
+                                        <p:cTn id="69" dur="500" fill="hold"/>
+                                        <p:tgtEl>
+                                          <p:spTgt spid="14"/>
+                                        </p:tgtEl>
+                                        <p:attrNameLst>
+                                          <p:attrName>style.color</p:attrName>
+                                        </p:attrNameLst>
+                                      </p:cBhvr>
+                                      <p:to>
+                                        <a:srgbClr val="87DD91"/>
+                                      </p:to>
+                                    </p:animClr>
+                                    <p:animClr clrSpc="rgb" dir="cw">
+                                      <p:cBhvr>
+                                        <p:cTn id="70" dur="500" fill="hold"/>
+                                        <p:tgtEl>
+                                          <p:spTgt spid="14"/>
+                                        </p:tgtEl>
+                                        <p:attrNameLst>
+                                          <p:attrName>fillcolor</p:attrName>
+                                        </p:attrNameLst>
+                                      </p:cBhvr>
+                                      <p:to>
+                                        <a:srgbClr val="87DD91"/>
+                                      </p:to>
+                                    </p:animClr>
+                                    <p:set>
+                                      <p:cBhvr>
+                                        <p:cTn id="71" dur="500" fill="hold"/>
+                                        <p:tgtEl>
+                                          <p:spTgt spid="14"/>
+                                        </p:tgtEl>
+                                        <p:attrNameLst>
+                                          <p:attrName>fill.type</p:attrName>
+                                        </p:attrNameLst>
+                                      </p:cBhvr>
+                                      <p:to>
+                                        <p:strVal val="solid"/>
+                                      </p:to>
+                                    </p:set>
+                                    <p:set>
+                                      <p:cBhvr>
+                                        <p:cTn id="72" dur="500" fill="hold"/>
+                                        <p:tgtEl>
+                                          <p:spTgt spid="14"/>
+                                        </p:tgtEl>
+                                        <p:attrNameLst>
+                                          <p:attrName>fill.on</p:attrName>
+                                        </p:attrNameLst>
+                                      </p:cBhvr>
+                                      <p:to>
+                                        <p:strVal val="true"/>
+                                      </p:to>
+                                    </p:set>
+                                  </p:childTnLst>
+                                </p:cTn>
+                              </p:par>
+                              <p:par>
+                                <p:cTn id="73" presetID="19" presetClass="emph" presetSubtype="0" fill="hold" grpId="0" nodeType="withEffect">
+                                  <p:stCondLst>
+                                    <p:cond delay="0"/>
+                                  </p:stCondLst>
+                                  <p:childTnLst>
+                                    <p:animClr clrSpc="rgb" dir="cw">
+                                      <p:cBhvr override="childStyle">
+                                        <p:cTn id="74" dur="500" fill="hold"/>
+                                        <p:tgtEl>
+                                          <p:spTgt spid="15"/>
+                                        </p:tgtEl>
+                                        <p:attrNameLst>
+                                          <p:attrName>style.color</p:attrName>
+                                        </p:attrNameLst>
+                                      </p:cBhvr>
+                                      <p:to>
+                                        <a:srgbClr val="87DD91"/>
+                                      </p:to>
+                                    </p:animClr>
+                                    <p:animClr clrSpc="rgb" dir="cw">
+                                      <p:cBhvr>
+                                        <p:cTn id="75" dur="500" fill="hold"/>
+                                        <p:tgtEl>
+                                          <p:spTgt spid="15"/>
+                                        </p:tgtEl>
+                                        <p:attrNameLst>
+                                          <p:attrName>fillcolor</p:attrName>
+                                        </p:attrNameLst>
+                                      </p:cBhvr>
+                                      <p:to>
+                                        <a:srgbClr val="87DD91"/>
+                                      </p:to>
+                                    </p:animClr>
+                                    <p:set>
+                                      <p:cBhvr>
+                                        <p:cTn id="76" dur="500" fill="hold"/>
+                                        <p:tgtEl>
+                                          <p:spTgt spid="15"/>
+                                        </p:tgtEl>
+                                        <p:attrNameLst>
+                                          <p:attrName>fill.type</p:attrName>
+                                        </p:attrNameLst>
+                                      </p:cBhvr>
+                                      <p:to>
+                                        <p:strVal val="solid"/>
+                                      </p:to>
+                                    </p:set>
+                                    <p:set>
+                                      <p:cBhvr>
+                                        <p:cTn id="77" dur="500" fill="hold"/>
+                                        <p:tgtEl>
+                                          <p:spTgt spid="15"/>
+                                        </p:tgtEl>
+                                        <p:attrNameLst>
+                                          <p:attrName>fill.on</p:attrName>
+                                        </p:attrNameLst>
+                                      </p:cBhvr>
+                                      <p:to>
+                                        <p:strVal val="true"/>
+                                      </p:to>
+                                    </p:set>
+                                  </p:childTnLst>
+                                </p:cTn>
+                              </p:par>
+                              <p:par>
+                                <p:cTn id="78" presetID="19" presetClass="emph" presetSubtype="0" fill="hold" grpId="0" nodeType="withEffect">
+                                  <p:stCondLst>
+                                    <p:cond delay="0"/>
+                                  </p:stCondLst>
+                                  <p:childTnLst>
+                                    <p:animClr clrSpc="rgb" dir="cw">
+                                      <p:cBhvr override="childStyle">
+                                        <p:cTn id="79" dur="500" fill="hold"/>
+                                        <p:tgtEl>
+                                          <p:spTgt spid="16"/>
+                                        </p:tgtEl>
+                                        <p:attrNameLst>
+                                          <p:attrName>style.color</p:attrName>
+                                        </p:attrNameLst>
+                                      </p:cBhvr>
+                                      <p:to>
+                                        <a:srgbClr val="87DD91"/>
+                                      </p:to>
+                                    </p:animClr>
+                                    <p:animClr clrSpc="rgb" dir="cw">
+                                      <p:cBhvr>
+                                        <p:cTn id="80" dur="500" fill="hold"/>
+                                        <p:tgtEl>
+                                          <p:spTgt spid="16"/>
+                                        </p:tgtEl>
+                                        <p:attrNameLst>
+                                          <p:attrName>fillcolor</p:attrName>
+                                        </p:attrNameLst>
+                                      </p:cBhvr>
+                                      <p:to>
+                                        <a:srgbClr val="87DD91"/>
+                                      </p:to>
+                                    </p:animClr>
+                                    <p:set>
+                                      <p:cBhvr>
+                                        <p:cTn id="81" dur="500" fill="hold"/>
+                                        <p:tgtEl>
+                                          <p:spTgt spid="16"/>
+                                        </p:tgtEl>
+                                        <p:attrNameLst>
+                                          <p:attrName>fill.type</p:attrName>
+                                        </p:attrNameLst>
+                                      </p:cBhvr>
+                                      <p:to>
+                                        <p:strVal val="solid"/>
+                                      </p:to>
+                                    </p:set>
+                                    <p:set>
+                                      <p:cBhvr>
+                                        <p:cTn id="82" dur="500" fill="hold"/>
+                                        <p:tgtEl>
+                                          <p:spTgt spid="16"/>
+                                        </p:tgtEl>
+                                        <p:attrNameLst>
+                                          <p:attrName>fill.on</p:attrName>
+                                        </p:attrNameLst>
+                                      </p:cBhvr>
+                                      <p:to>
+                                        <p:strVal val="true"/>
+                                      </p:to>
+                                    </p:set>
+                                  </p:childTnLst>
+                                </p:cTn>
+                              </p:par>
+                              <p:par>
+                                <p:cTn id="83" presetID="10" presetClass="entr" presetSubtype="0" fill="hold" nodeType="withEffect">
+                                  <p:stCondLst>
+                                    <p:cond delay="0"/>
+                                  </p:stCondLst>
+                                  <p:childTnLst>
+                                    <p:set>
+                                      <p:cBhvr>
+                                        <p:cTn id="84" dur="1" fill="hold">
+                                          <p:stCondLst>
+                                            <p:cond delay="0"/>
+                                          </p:stCondLst>
+                                        </p:cTn>
+                                        <p:tgtEl>
+                                          <p:spTgt spid="25"/>
+                                        </p:tgtEl>
+                                        <p:attrNameLst>
+                                          <p:attrName>style.visibility</p:attrName>
+                                        </p:attrNameLst>
+                                      </p:cBhvr>
+                                      <p:to>
+                                        <p:strVal val="visible"/>
+                                      </p:to>
+                                    </p:set>
+                                    <p:animEffect transition="in" filter="fade">
+                                      <p:cBhvr>
+                                        <p:cTn id="85" dur="500"/>
+                                        <p:tgtEl>
+                                          <p:spTgt spid="25"/>
+                                        </p:tgtEl>
+                                      </p:cBhvr>
+                                    </p:animEffect>
+                                  </p:childTnLst>
+                                </p:cTn>
+                              </p:par>
+                              <p:par>
+                                <p:cTn id="86" presetID="10" presetClass="entr" presetSubtype="0" fill="hold" grpId="0" nodeType="withEffect">
+                                  <p:stCondLst>
+                                    <p:cond delay="0"/>
+                                  </p:stCondLst>
+                                  <p:childTnLst>
+                                    <p:set>
+                                      <p:cBhvr>
+                                        <p:cTn id="87" dur="1" fill="hold">
+                                          <p:stCondLst>
+                                            <p:cond delay="0"/>
+                                          </p:stCondLst>
+                                        </p:cTn>
+                                        <p:tgtEl>
+                                          <p:spTgt spid="26"/>
+                                        </p:tgtEl>
+                                        <p:attrNameLst>
+                                          <p:attrName>style.visibility</p:attrName>
+                                        </p:attrNameLst>
+                                      </p:cBhvr>
+                                      <p:to>
+                                        <p:strVal val="visible"/>
+                                      </p:to>
+                                    </p:set>
+                                    <p:animEffect transition="in" filter="fade">
+                                      <p:cBhvr>
+                                        <p:cTn id="88" dur="500"/>
+                                        <p:tgtEl>
+                                          <p:spTgt spid="26"/>
+                                        </p:tgtEl>
+                                      </p:cBhvr>
+                                    </p:animEffect>
+                                  </p:childTnLst>
+                                </p:cTn>
+                              </p:par>
+                            </p:childTnLst>
+                          </p:cTn>
+                        </p:par>
+                      </p:childTnLst>
+                    </p:cTn>
+                  </p:par>
+                </p:childTnLst>
+              </p:cTn>
+              <p:prevCondLst>
+                <p:cond evt="onPrev" delay="0">
+                  <p:tgtEl>
+                    <p:sldTgt/>
+                  </p:tgtEl>
+                </p:cond>
+              </p:prevCondLst>
+              <p:nextCondLst>
+                <p:cond evt="onNext" delay="0">
+                  <p:tgtEl>
+                    <p:sldTgt/>
+                  </p:tgtEl>
+                </p:cond>
+              </p:nextCondLst>
+            </p:seq>
+          </p:childTnLst>
+        </p:cTn>
+      </p:par>
+    </p:tnLst>
+    <p:bldLst>
+      <p:bldP spid="4" grpId="0" animBg="1"/>
+      <p:bldP spid="6" grpId="0" animBg="1"/>
+      <p:bldP spid="6" grpId="1" animBg="1"/>
+      <p:bldP spid="7" grpId="0" animBg="1"/>
+      <p:bldP spid="7" grpId="1" animBg="1"/>
+      <p:bldP spid="12" grpId="0" animBg="1"/>
+      <p:bldP spid="12" grpId="1" animBg="1"/>
+      <p:bldP spid="14" grpId="0" animBg="1"/>
+      <p:bldP spid="15" grpId="0" animBg="1"/>
+      <p:bldP spid="16" grpId="0" animBg="1"/>
+      <p:bldP spid="19" grpId="0"/>
+      <p:bldP spid="23" grpId="0" animBg="1"/>
+      <p:bldP spid="20" grpId="0"/>
+      <p:bldP spid="21" grpId="0" animBg="1"/>
+      <p:bldP spid="22" grpId="0" animBg="1"/>
+      <p:bldP spid="26" grpId="0"/>
+    </p:bldLst>
+  </p:timing>
 </p:sld>
 </file>
 

--- a/Presentazione_Tesi_Triennale_Informatica_Unimore_2022_2023_Enrico_Marras_152336.pptx
+++ b/Presentazione_Tesi_Triennale_Informatica_Unimore_2022_2023_Enrico_Marras_152336.pptx
@@ -4793,7 +4793,7 @@
           <a:p>
             <a:fld id="{5A380E97-91F5-47EA-9D04-C3513F44CB51}" type="datetimeFigureOut">
               <a:rPr lang="it-IT" smtClean="0"/>
-              <a:t>16/10/2023</a:t>
+              <a:t>17/10/2023</a:t>
             </a:fld>
             <a:endParaRPr lang="it-IT"/>
           </a:p>
@@ -8750,7 +8750,7 @@
           <a:p>
             <a:fld id="{D55E9482-D5C2-4AB3-BBE2-3386C30CEF8D}" type="datetimeFigureOut">
               <a:rPr lang="it-IT" smtClean="0"/>
-              <a:t>16/10/2023</a:t>
+              <a:t>17/10/2023</a:t>
             </a:fld>
             <a:endParaRPr lang="it-IT"/>
           </a:p>
@@ -8950,7 +8950,7 @@
           <a:p>
             <a:fld id="{D55E9482-D5C2-4AB3-BBE2-3386C30CEF8D}" type="datetimeFigureOut">
               <a:rPr lang="it-IT" smtClean="0"/>
-              <a:t>16/10/2023</a:t>
+              <a:t>17/10/2023</a:t>
             </a:fld>
             <a:endParaRPr lang="it-IT"/>
           </a:p>
@@ -9160,7 +9160,7 @@
           <a:p>
             <a:fld id="{D55E9482-D5C2-4AB3-BBE2-3386C30CEF8D}" type="datetimeFigureOut">
               <a:rPr lang="it-IT" smtClean="0"/>
-              <a:t>16/10/2023</a:t>
+              <a:t>17/10/2023</a:t>
             </a:fld>
             <a:endParaRPr lang="it-IT"/>
           </a:p>
@@ -9360,7 +9360,7 @@
           <a:p>
             <a:fld id="{D55E9482-D5C2-4AB3-BBE2-3386C30CEF8D}" type="datetimeFigureOut">
               <a:rPr lang="it-IT" smtClean="0"/>
-              <a:t>16/10/2023</a:t>
+              <a:t>17/10/2023</a:t>
             </a:fld>
             <a:endParaRPr lang="it-IT"/>
           </a:p>
@@ -9636,7 +9636,7 @@
           <a:p>
             <a:fld id="{D55E9482-D5C2-4AB3-BBE2-3386C30CEF8D}" type="datetimeFigureOut">
               <a:rPr lang="it-IT" smtClean="0"/>
-              <a:t>16/10/2023</a:t>
+              <a:t>17/10/2023</a:t>
             </a:fld>
             <a:endParaRPr lang="it-IT"/>
           </a:p>
@@ -9904,7 +9904,7 @@
           <a:p>
             <a:fld id="{D55E9482-D5C2-4AB3-BBE2-3386C30CEF8D}" type="datetimeFigureOut">
               <a:rPr lang="it-IT" smtClean="0"/>
-              <a:t>16/10/2023</a:t>
+              <a:t>17/10/2023</a:t>
             </a:fld>
             <a:endParaRPr lang="it-IT"/>
           </a:p>
@@ -10319,7 +10319,7 @@
           <a:p>
             <a:fld id="{D55E9482-D5C2-4AB3-BBE2-3386C30CEF8D}" type="datetimeFigureOut">
               <a:rPr lang="it-IT" smtClean="0"/>
-              <a:t>16/10/2023</a:t>
+              <a:t>17/10/2023</a:t>
             </a:fld>
             <a:endParaRPr lang="it-IT"/>
           </a:p>
@@ -10461,7 +10461,7 @@
           <a:p>
             <a:fld id="{D55E9482-D5C2-4AB3-BBE2-3386C30CEF8D}" type="datetimeFigureOut">
               <a:rPr lang="it-IT" smtClean="0"/>
-              <a:t>16/10/2023</a:t>
+              <a:t>17/10/2023</a:t>
             </a:fld>
             <a:endParaRPr lang="it-IT"/>
           </a:p>
@@ -10574,7 +10574,7 @@
           <a:p>
             <a:fld id="{D55E9482-D5C2-4AB3-BBE2-3386C30CEF8D}" type="datetimeFigureOut">
               <a:rPr lang="it-IT" smtClean="0"/>
-              <a:t>16/10/2023</a:t>
+              <a:t>17/10/2023</a:t>
             </a:fld>
             <a:endParaRPr lang="it-IT"/>
           </a:p>
@@ -10887,7 +10887,7 @@
           <a:p>
             <a:fld id="{D55E9482-D5C2-4AB3-BBE2-3386C30CEF8D}" type="datetimeFigureOut">
               <a:rPr lang="it-IT" smtClean="0"/>
-              <a:t>16/10/2023</a:t>
+              <a:t>17/10/2023</a:t>
             </a:fld>
             <a:endParaRPr lang="it-IT"/>
           </a:p>
@@ -11176,7 +11176,7 @@
           <a:p>
             <a:fld id="{D55E9482-D5C2-4AB3-BBE2-3386C30CEF8D}" type="datetimeFigureOut">
               <a:rPr lang="it-IT" smtClean="0"/>
-              <a:t>16/10/2023</a:t>
+              <a:t>17/10/2023</a:t>
             </a:fld>
             <a:endParaRPr lang="it-IT"/>
           </a:p>
@@ -11436,7 +11436,7 @@
           <a:p>
             <a:fld id="{D55E9482-D5C2-4AB3-BBE2-3386C30CEF8D}" type="datetimeFigureOut">
               <a:rPr lang="it-IT" smtClean="0"/>
-              <a:t>16/10/2023</a:t>
+              <a:t>17/10/2023</a:t>
             </a:fld>
             <a:endParaRPr lang="it-IT"/>
           </a:p>
@@ -27534,7 +27534,27 @@
                 <a:latin typeface="Times New Roman" panose="02020603050405020304" pitchFamily="18" charset="0"/>
                 <a:cs typeface="Times New Roman" panose="02020603050405020304" pitchFamily="18" charset="0"/>
               </a:rPr>
-              <a:t> (3.12.4)</a:t>
+              <a:t> </a:t>
+            </a:r>
+            <a:r>
+              <a:rPr lang="it-IT" sz="4000">
+                <a:solidFill>
+                  <a:schemeClr val="tx1"/>
+                </a:solidFill>
+                <a:latin typeface="Times New Roman" panose="02020603050405020304" pitchFamily="18" charset="0"/>
+                <a:cs typeface="Times New Roman" panose="02020603050405020304" pitchFamily="18" charset="0"/>
+              </a:rPr>
+              <a:t>(3.11.4</a:t>
+            </a:r>
+            <a:r>
+              <a:rPr lang="it-IT" sz="4000" dirty="0">
+                <a:solidFill>
+                  <a:schemeClr val="tx1"/>
+                </a:solidFill>
+                <a:latin typeface="Times New Roman" panose="02020603050405020304" pitchFamily="18" charset="0"/>
+                <a:cs typeface="Times New Roman" panose="02020603050405020304" pitchFamily="18" charset="0"/>
+              </a:rPr>
+              <a:t>)</a:t>
             </a:r>
           </a:p>
         </p:txBody>

--- a/Presentazione_Tesi_Triennale_Informatica_Unimore_2022_2023_Enrico_Marras_152336.pptx
+++ b/Presentazione_Tesi_Triennale_Informatica_Unimore_2022_2023_Enrico_Marras_152336.pptx
@@ -4793,7 +4793,7 @@
           <a:p>
             <a:fld id="{5A380E97-91F5-47EA-9D04-C3513F44CB51}" type="datetimeFigureOut">
               <a:rPr lang="it-IT" smtClean="0"/>
-              <a:t>17/10/2023</a:t>
+              <a:t>18/10/2023</a:t>
             </a:fld>
             <a:endParaRPr lang="it-IT"/>
           </a:p>
@@ -8750,7 +8750,7 @@
           <a:p>
             <a:fld id="{D55E9482-D5C2-4AB3-BBE2-3386C30CEF8D}" type="datetimeFigureOut">
               <a:rPr lang="it-IT" smtClean="0"/>
-              <a:t>17/10/2023</a:t>
+              <a:t>18/10/2023</a:t>
             </a:fld>
             <a:endParaRPr lang="it-IT"/>
           </a:p>
@@ -8950,7 +8950,7 @@
           <a:p>
             <a:fld id="{D55E9482-D5C2-4AB3-BBE2-3386C30CEF8D}" type="datetimeFigureOut">
               <a:rPr lang="it-IT" smtClean="0"/>
-              <a:t>17/10/2023</a:t>
+              <a:t>18/10/2023</a:t>
             </a:fld>
             <a:endParaRPr lang="it-IT"/>
           </a:p>
@@ -9160,7 +9160,7 @@
           <a:p>
             <a:fld id="{D55E9482-D5C2-4AB3-BBE2-3386C30CEF8D}" type="datetimeFigureOut">
               <a:rPr lang="it-IT" smtClean="0"/>
-              <a:t>17/10/2023</a:t>
+              <a:t>18/10/2023</a:t>
             </a:fld>
             <a:endParaRPr lang="it-IT"/>
           </a:p>
@@ -9360,7 +9360,7 @@
           <a:p>
             <a:fld id="{D55E9482-D5C2-4AB3-BBE2-3386C30CEF8D}" type="datetimeFigureOut">
               <a:rPr lang="it-IT" smtClean="0"/>
-              <a:t>17/10/2023</a:t>
+              <a:t>18/10/2023</a:t>
             </a:fld>
             <a:endParaRPr lang="it-IT"/>
           </a:p>
@@ -9636,7 +9636,7 @@
           <a:p>
             <a:fld id="{D55E9482-D5C2-4AB3-BBE2-3386C30CEF8D}" type="datetimeFigureOut">
               <a:rPr lang="it-IT" smtClean="0"/>
-              <a:t>17/10/2023</a:t>
+              <a:t>18/10/2023</a:t>
             </a:fld>
             <a:endParaRPr lang="it-IT"/>
           </a:p>
@@ -9904,7 +9904,7 @@
           <a:p>
             <a:fld id="{D55E9482-D5C2-4AB3-BBE2-3386C30CEF8D}" type="datetimeFigureOut">
               <a:rPr lang="it-IT" smtClean="0"/>
-              <a:t>17/10/2023</a:t>
+              <a:t>18/10/2023</a:t>
             </a:fld>
             <a:endParaRPr lang="it-IT"/>
           </a:p>
@@ -10319,7 +10319,7 @@
           <a:p>
             <a:fld id="{D55E9482-D5C2-4AB3-BBE2-3386C30CEF8D}" type="datetimeFigureOut">
               <a:rPr lang="it-IT" smtClean="0"/>
-              <a:t>17/10/2023</a:t>
+              <a:t>18/10/2023</a:t>
             </a:fld>
             <a:endParaRPr lang="it-IT"/>
           </a:p>
@@ -10461,7 +10461,7 @@
           <a:p>
             <a:fld id="{D55E9482-D5C2-4AB3-BBE2-3386C30CEF8D}" type="datetimeFigureOut">
               <a:rPr lang="it-IT" smtClean="0"/>
-              <a:t>17/10/2023</a:t>
+              <a:t>18/10/2023</a:t>
             </a:fld>
             <a:endParaRPr lang="it-IT"/>
           </a:p>
@@ -10574,7 +10574,7 @@
           <a:p>
             <a:fld id="{D55E9482-D5C2-4AB3-BBE2-3386C30CEF8D}" type="datetimeFigureOut">
               <a:rPr lang="it-IT" smtClean="0"/>
-              <a:t>17/10/2023</a:t>
+              <a:t>18/10/2023</a:t>
             </a:fld>
             <a:endParaRPr lang="it-IT"/>
           </a:p>
@@ -10887,7 +10887,7 @@
           <a:p>
             <a:fld id="{D55E9482-D5C2-4AB3-BBE2-3386C30CEF8D}" type="datetimeFigureOut">
               <a:rPr lang="it-IT" smtClean="0"/>
-              <a:t>17/10/2023</a:t>
+              <a:t>18/10/2023</a:t>
             </a:fld>
             <a:endParaRPr lang="it-IT"/>
           </a:p>
@@ -11176,7 +11176,7 @@
           <a:p>
             <a:fld id="{D55E9482-D5C2-4AB3-BBE2-3386C30CEF8D}" type="datetimeFigureOut">
               <a:rPr lang="it-IT" smtClean="0"/>
-              <a:t>17/10/2023</a:t>
+              <a:t>18/10/2023</a:t>
             </a:fld>
             <a:endParaRPr lang="it-IT"/>
           </a:p>
@@ -11436,7 +11436,7 @@
           <a:p>
             <a:fld id="{D55E9482-D5C2-4AB3-BBE2-3386C30CEF8D}" type="datetimeFigureOut">
               <a:rPr lang="it-IT" smtClean="0"/>
-              <a:t>17/10/2023</a:t>
+              <a:t>18/10/2023</a:t>
             </a:fld>
             <a:endParaRPr lang="it-IT"/>
           </a:p>
@@ -12498,7 +12498,7 @@
         <p:spPr>
           <a:xfrm>
             <a:off x="965747" y="877632"/>
-            <a:ext cx="10275303" cy="1744544"/>
+            <a:ext cx="10275303" cy="1783018"/>
           </a:xfrm>
           <a:prstGeom prst="roundRect">
             <a:avLst/>
@@ -13120,8 +13120,8 @@
         </p:nvSpPr>
         <p:spPr>
           <a:xfrm>
-            <a:off x="965747" y="877632"/>
-            <a:ext cx="10275303" cy="1744544"/>
+            <a:off x="965747" y="877631"/>
+            <a:ext cx="10275303" cy="1783019"/>
           </a:xfrm>
           <a:prstGeom prst="roundRect">
             <a:avLst/>
@@ -13744,7 +13744,7 @@
         <p:spPr>
           <a:xfrm>
             <a:off x="965747" y="877632"/>
-            <a:ext cx="10275303" cy="1744544"/>
+            <a:ext cx="10275303" cy="1783018"/>
           </a:xfrm>
           <a:prstGeom prst="roundRect">
             <a:avLst/>
@@ -13933,7 +13933,7 @@
                 <a:ea typeface="+mn-ea"/>
                 <a:cs typeface="Times New Roman" panose="02020603050405020304" pitchFamily="18" charset="0"/>
               </a:rPr>
-              <a:t>Periodici a priorità normale</a:t>
+              <a:t>Periodici a priorità normale </a:t>
             </a:r>
             <a:r>
               <a:rPr kumimoji="0" lang="it-IT" sz="2800" b="0" i="0" u="none" strike="noStrike" kern="1200" cap="none" spc="0" normalizeH="0" baseline="0" noProof="0" dirty="0">
@@ -14430,7 +14430,84 @@
                 <a:latin typeface="Times New Roman" panose="02020603050405020304" pitchFamily="18" charset="0"/>
                 <a:ea typeface="Times New Roman" panose="02020603050405020304" pitchFamily="18" charset="0"/>
               </a:rPr>
-              <a:t>The Command pattern suggests that GUI objects shouldn’t send […] requests directly. Instead, […] should extract all of the request details, such as the object being called, the name of the method and the list of arguments into a separate command class with a single method that triggers this request</a:t>
+              <a:t>The Command pattern suggests that </a:t>
+            </a:r>
+            <a:r>
+              <a:rPr lang="en-US" sz="2100" b="1" i="1" dirty="0">
+                <a:solidFill>
+                  <a:schemeClr val="tx1"/>
+                </a:solidFill>
+                <a:effectLst/>
+                <a:latin typeface="Times New Roman" panose="02020603050405020304" pitchFamily="18" charset="0"/>
+                <a:ea typeface="Times New Roman" panose="02020603050405020304" pitchFamily="18" charset="0"/>
+              </a:rPr>
+              <a:t>GUI objects shouldn’t send</a:t>
+            </a:r>
+            <a:r>
+              <a:rPr lang="en-US" sz="2100" i="1" dirty="0">
+                <a:solidFill>
+                  <a:schemeClr val="tx1"/>
+                </a:solidFill>
+                <a:effectLst/>
+                <a:latin typeface="Times New Roman" panose="02020603050405020304" pitchFamily="18" charset="0"/>
+                <a:ea typeface="Times New Roman" panose="02020603050405020304" pitchFamily="18" charset="0"/>
+              </a:rPr>
+              <a:t> </a:t>
+            </a:r>
+            <a:r>
+              <a:rPr lang="en-US" sz="2100" b="1" i="1" dirty="0">
+                <a:solidFill>
+                  <a:schemeClr val="tx1"/>
+                </a:solidFill>
+                <a:effectLst/>
+                <a:latin typeface="Times New Roman" panose="02020603050405020304" pitchFamily="18" charset="0"/>
+                <a:ea typeface="Times New Roman" panose="02020603050405020304" pitchFamily="18" charset="0"/>
+              </a:rPr>
+              <a:t>requests directly</a:t>
+            </a:r>
+            <a:r>
+              <a:rPr lang="en-US" sz="2100" i="1" dirty="0">
+                <a:solidFill>
+                  <a:schemeClr val="tx1"/>
+                </a:solidFill>
+                <a:effectLst/>
+                <a:latin typeface="Times New Roman" panose="02020603050405020304" pitchFamily="18" charset="0"/>
+                <a:ea typeface="Times New Roman" panose="02020603050405020304" pitchFamily="18" charset="0"/>
+              </a:rPr>
+              <a:t>. Instead, […] should </a:t>
+            </a:r>
+            <a:r>
+              <a:rPr lang="en-US" sz="2100" b="1" i="1" dirty="0">
+                <a:solidFill>
+                  <a:schemeClr val="tx1"/>
+                </a:solidFill>
+                <a:effectLst/>
+                <a:latin typeface="Times New Roman" panose="02020603050405020304" pitchFamily="18" charset="0"/>
+                <a:ea typeface="Times New Roman" panose="02020603050405020304" pitchFamily="18" charset="0"/>
+              </a:rPr>
+              <a:t>extract all of the request details</a:t>
+            </a:r>
+            <a:r>
+              <a:rPr lang="en-US" sz="2100" i="1" dirty="0">
+                <a:solidFill>
+                  <a:schemeClr val="tx1"/>
+                </a:solidFill>
+                <a:effectLst/>
+                <a:latin typeface="Times New Roman" panose="02020603050405020304" pitchFamily="18" charset="0"/>
+                <a:ea typeface="Times New Roman" panose="02020603050405020304" pitchFamily="18" charset="0"/>
+              </a:rPr>
+              <a:t>, such as the object being called, the name of the method and the list of arguments </a:t>
+            </a:r>
+            <a:r>
+              <a:rPr lang="en-US" sz="2100" b="1" i="1" dirty="0">
+                <a:solidFill>
+                  <a:schemeClr val="tx1"/>
+                </a:solidFill>
+                <a:effectLst/>
+                <a:latin typeface="Times New Roman" panose="02020603050405020304" pitchFamily="18" charset="0"/>
+                <a:ea typeface="Times New Roman" panose="02020603050405020304" pitchFamily="18" charset="0"/>
+              </a:rPr>
+              <a:t>into a separate command class with a single method that triggers this request</a:t>
             </a:r>
             <a:r>
               <a:rPr lang="en-US" sz="2100" i="1" dirty="0">
@@ -15508,8 +15585,8 @@
         </p:nvSpPr>
         <p:spPr>
           <a:xfrm>
-            <a:off x="1146003" y="3725701"/>
-            <a:ext cx="5272552" cy="536232"/>
+            <a:off x="1045713" y="3778947"/>
+            <a:ext cx="5050287" cy="536232"/>
           </a:xfrm>
           <a:prstGeom prst="roundRect">
             <a:avLst/>
@@ -15543,273 +15620,63 @@
           <a:bodyPr rtlCol="0" anchor="ctr"/>
           <a:lstStyle/>
           <a:p>
-            <a:pPr marL="0" marR="0" lvl="0" indent="0" algn="ctr" defTabSz="914400" rtl="0" eaLnBrk="1" fontAlgn="auto" latinLnBrk="0" hangingPunct="1">
-              <a:lnSpc>
-                <a:spcPct val="100000"/>
-              </a:lnSpc>
-              <a:spcBef>
-                <a:spcPts val="0"/>
-              </a:spcBef>
-              <a:spcAft>
-                <a:spcPts val="0"/>
-              </a:spcAft>
-              <a:buClrTx/>
-              <a:buSzTx/>
-              <a:buFontTx/>
-              <a:buNone/>
-              <a:tabLst/>
+            <a:pPr algn="ctr">
               <a:defRPr/>
             </a:pPr>
-            <a:endParaRPr kumimoji="0" lang="it-IT" sz="1800" b="0" i="0" u="none" strike="noStrike" kern="1200" cap="none" spc="0" normalizeH="0" baseline="0" noProof="0">
-              <a:ln>
-                <a:noFill/>
-              </a:ln>
-              <a:solidFill>
-                <a:prstClr val="white"/>
-              </a:solidFill>
-              <a:effectLst/>
-              <a:uLnTx/>
-              <a:uFillTx/>
-              <a:latin typeface="Calibri" panose="020F0502020204030204"/>
-              <a:ea typeface="+mn-ea"/>
-              <a:cs typeface="+mn-cs"/>
-            </a:endParaRPr>
-          </a:p>
-        </p:txBody>
-      </p:sp>
-      <p:sp>
-        <p:nvSpPr>
-          <p:cNvPr id="9" name="Subtitle 2">
-            <a:extLst>
-              <a:ext uri="{FF2B5EF4-FFF2-40B4-BE49-F238E27FC236}">
-                <a16:creationId xmlns:a16="http://schemas.microsoft.com/office/drawing/2014/main" id="{70A4F2C8-37A5-C4BA-7E5B-D1D3D2EB9420}"/>
-              </a:ext>
-            </a:extLst>
-          </p:cNvPr>
-          <p:cNvSpPr txBox="1">
-            <a:spLocks/>
-          </p:cNvSpPr>
-          <p:nvPr/>
-        </p:nvSpPr>
-        <p:spPr>
-          <a:xfrm>
-            <a:off x="1146003" y="3734870"/>
-            <a:ext cx="10353676" cy="486958"/>
-          </a:xfrm>
-          <a:prstGeom prst="rect">
-            <a:avLst/>
-          </a:prstGeom>
-        </p:spPr>
-        <p:txBody>
-          <a:bodyPr vert="horz" lIns="91440" tIns="45720" rIns="91440" bIns="45720" rtlCol="0">
-            <a:normAutofit lnSpcReduction="10000"/>
-          </a:bodyPr>
-          <a:lstStyle>
-            <a:lvl1pPr marL="0" indent="0" algn="ctr" defTabSz="914400" rtl="0" eaLnBrk="1" latinLnBrk="0" hangingPunct="1">
-              <a:lnSpc>
-                <a:spcPct val="90000"/>
-              </a:lnSpc>
-              <a:spcBef>
-                <a:spcPts val="1000"/>
-              </a:spcBef>
-              <a:buFont typeface="Arial" panose="020B0604020202020204" pitchFamily="34" charset="0"/>
-              <a:buNone/>
-              <a:defRPr sz="2400" kern="1200">
+            <a:r>
+              <a:rPr lang="it-IT" sz="2200" dirty="0">
                 <a:solidFill>
                   <a:schemeClr val="tx1"/>
                 </a:solidFill>
-                <a:latin typeface="+mn-lt"/>
-                <a:ea typeface="+mn-ea"/>
-                <a:cs typeface="+mn-cs"/>
-              </a:defRPr>
-            </a:lvl1pPr>
-            <a:lvl2pPr marL="457200" indent="0" algn="ctr" defTabSz="914400" rtl="0" eaLnBrk="1" latinLnBrk="0" hangingPunct="1">
-              <a:lnSpc>
-                <a:spcPct val="90000"/>
-              </a:lnSpc>
-              <a:spcBef>
-                <a:spcPts val="500"/>
-              </a:spcBef>
-              <a:buFont typeface="Arial" panose="020B0604020202020204" pitchFamily="34" charset="0"/>
-              <a:buNone/>
-              <a:defRPr sz="2000" kern="1200">
-                <a:solidFill>
-                  <a:schemeClr val="tx1"/>
-                </a:solidFill>
-                <a:latin typeface="+mn-lt"/>
-                <a:ea typeface="+mn-ea"/>
-                <a:cs typeface="+mn-cs"/>
-              </a:defRPr>
-            </a:lvl2pPr>
-            <a:lvl3pPr marL="914400" indent="0" algn="ctr" defTabSz="914400" rtl="0" eaLnBrk="1" latinLnBrk="0" hangingPunct="1">
-              <a:lnSpc>
-                <a:spcPct val="90000"/>
-              </a:lnSpc>
-              <a:spcBef>
-                <a:spcPts val="500"/>
-              </a:spcBef>
-              <a:buFont typeface="Arial" panose="020B0604020202020204" pitchFamily="34" charset="0"/>
-              <a:buNone/>
-              <a:defRPr sz="1800" kern="1200">
-                <a:solidFill>
-                  <a:schemeClr val="tx1"/>
-                </a:solidFill>
-                <a:latin typeface="+mn-lt"/>
-                <a:ea typeface="+mn-ea"/>
-                <a:cs typeface="+mn-cs"/>
-              </a:defRPr>
-            </a:lvl3pPr>
-            <a:lvl4pPr marL="1371600" indent="0" algn="ctr" defTabSz="914400" rtl="0" eaLnBrk="1" latinLnBrk="0" hangingPunct="1">
-              <a:lnSpc>
-                <a:spcPct val="90000"/>
-              </a:lnSpc>
-              <a:spcBef>
-                <a:spcPts val="500"/>
-              </a:spcBef>
-              <a:buFont typeface="Arial" panose="020B0604020202020204" pitchFamily="34" charset="0"/>
-              <a:buNone/>
-              <a:defRPr sz="1600" kern="1200">
-                <a:solidFill>
-                  <a:schemeClr val="tx1"/>
-                </a:solidFill>
-                <a:latin typeface="+mn-lt"/>
-                <a:ea typeface="+mn-ea"/>
-                <a:cs typeface="+mn-cs"/>
-              </a:defRPr>
-            </a:lvl4pPr>
-            <a:lvl5pPr marL="1828800" indent="0" algn="ctr" defTabSz="914400" rtl="0" eaLnBrk="1" latinLnBrk="0" hangingPunct="1">
-              <a:lnSpc>
-                <a:spcPct val="90000"/>
-              </a:lnSpc>
-              <a:spcBef>
-                <a:spcPts val="500"/>
-              </a:spcBef>
-              <a:buFont typeface="Arial" panose="020B0604020202020204" pitchFamily="34" charset="0"/>
-              <a:buNone/>
-              <a:defRPr sz="1600" kern="1200">
-                <a:solidFill>
-                  <a:schemeClr val="tx1"/>
-                </a:solidFill>
-                <a:latin typeface="+mn-lt"/>
-                <a:ea typeface="+mn-ea"/>
-                <a:cs typeface="+mn-cs"/>
-              </a:defRPr>
-            </a:lvl5pPr>
-            <a:lvl6pPr marL="2286000" indent="0" algn="ctr" defTabSz="914400" rtl="0" eaLnBrk="1" latinLnBrk="0" hangingPunct="1">
-              <a:lnSpc>
-                <a:spcPct val="90000"/>
-              </a:lnSpc>
-              <a:spcBef>
-                <a:spcPts val="500"/>
-              </a:spcBef>
-              <a:buFont typeface="Arial" panose="020B0604020202020204" pitchFamily="34" charset="0"/>
-              <a:buNone/>
-              <a:defRPr sz="1600" kern="1200">
-                <a:solidFill>
-                  <a:schemeClr val="tx1"/>
-                </a:solidFill>
-                <a:latin typeface="+mn-lt"/>
-                <a:ea typeface="+mn-ea"/>
-                <a:cs typeface="+mn-cs"/>
-              </a:defRPr>
-            </a:lvl6pPr>
-            <a:lvl7pPr marL="2743200" indent="0" algn="ctr" defTabSz="914400" rtl="0" eaLnBrk="1" latinLnBrk="0" hangingPunct="1">
-              <a:lnSpc>
-                <a:spcPct val="90000"/>
-              </a:lnSpc>
-              <a:spcBef>
-                <a:spcPts val="500"/>
-              </a:spcBef>
-              <a:buFont typeface="Arial" panose="020B0604020202020204" pitchFamily="34" charset="0"/>
-              <a:buNone/>
-              <a:defRPr sz="1600" kern="1200">
-                <a:solidFill>
-                  <a:schemeClr val="tx1"/>
-                </a:solidFill>
-                <a:latin typeface="+mn-lt"/>
-                <a:ea typeface="+mn-ea"/>
-                <a:cs typeface="+mn-cs"/>
-              </a:defRPr>
-            </a:lvl7pPr>
-            <a:lvl8pPr marL="3200400" indent="0" algn="ctr" defTabSz="914400" rtl="0" eaLnBrk="1" latinLnBrk="0" hangingPunct="1">
-              <a:lnSpc>
-                <a:spcPct val="90000"/>
-              </a:lnSpc>
-              <a:spcBef>
-                <a:spcPts val="500"/>
-              </a:spcBef>
-              <a:buFont typeface="Arial" panose="020B0604020202020204" pitchFamily="34" charset="0"/>
-              <a:buNone/>
-              <a:defRPr sz="1600" kern="1200">
-                <a:solidFill>
-                  <a:schemeClr val="tx1"/>
-                </a:solidFill>
-                <a:latin typeface="+mn-lt"/>
-                <a:ea typeface="+mn-ea"/>
-                <a:cs typeface="+mn-cs"/>
-              </a:defRPr>
-            </a:lvl8pPr>
-            <a:lvl9pPr marL="3657600" indent="0" algn="ctr" defTabSz="914400" rtl="0" eaLnBrk="1" latinLnBrk="0" hangingPunct="1">
-              <a:lnSpc>
-                <a:spcPct val="90000"/>
-              </a:lnSpc>
-              <a:spcBef>
-                <a:spcPts val="500"/>
-              </a:spcBef>
-              <a:buFont typeface="Arial" panose="020B0604020202020204" pitchFamily="34" charset="0"/>
-              <a:buNone/>
-              <a:defRPr sz="1600" kern="1200">
-                <a:solidFill>
-                  <a:schemeClr val="tx1"/>
-                </a:solidFill>
-                <a:latin typeface="+mn-lt"/>
-                <a:ea typeface="+mn-ea"/>
-                <a:cs typeface="+mn-cs"/>
-              </a:defRPr>
-            </a:lvl9pPr>
-          </a:lstStyle>
-          <a:p>
-            <a:pPr algn="l">
-              <a:lnSpc>
-                <a:spcPct val="120000"/>
-              </a:lnSpc>
-            </a:pPr>
-            <a:r>
-              <a:rPr lang="it-IT" dirty="0">
                 <a:latin typeface="Times New Roman" panose="02020603050405020304" pitchFamily="18" charset="0"/>
                 <a:cs typeface="Times New Roman" panose="02020603050405020304" pitchFamily="18" charset="0"/>
               </a:rPr>
               <a:t>Contenuto dei dizionari </a:t>
             </a:r>
             <a:r>
-              <a:rPr lang="it-IT" b="1" dirty="0">
+              <a:rPr lang="it-IT" sz="2200" b="1" dirty="0">
+                <a:solidFill>
+                  <a:schemeClr val="tx1"/>
+                </a:solidFill>
                 <a:latin typeface="Times New Roman" panose="02020603050405020304" pitchFamily="18" charset="0"/>
                 <a:cs typeface="Times New Roman" panose="02020603050405020304" pitchFamily="18" charset="0"/>
               </a:rPr>
               <a:t>success</a:t>
             </a:r>
             <a:r>
-              <a:rPr lang="it-IT" dirty="0">
+              <a:rPr lang="it-IT" sz="2200" dirty="0">
+                <a:solidFill>
+                  <a:schemeClr val="tx1"/>
+                </a:solidFill>
                 <a:latin typeface="Times New Roman" panose="02020603050405020304" pitchFamily="18" charset="0"/>
                 <a:cs typeface="Times New Roman" panose="02020603050405020304" pitchFamily="18" charset="0"/>
               </a:rPr>
               <a:t> e </a:t>
             </a:r>
             <a:r>
-              <a:rPr lang="it-IT" b="1" dirty="0" err="1">
+              <a:rPr lang="it-IT" sz="2200" b="1" dirty="0" err="1">
+                <a:solidFill>
+                  <a:schemeClr val="tx1"/>
+                </a:solidFill>
                 <a:latin typeface="Times New Roman" panose="02020603050405020304" pitchFamily="18" charset="0"/>
                 <a:cs typeface="Times New Roman" panose="02020603050405020304" pitchFamily="18" charset="0"/>
               </a:rPr>
               <a:t>failure</a:t>
             </a:r>
             <a:r>
-              <a:rPr lang="it-IT" dirty="0">
+              <a:rPr lang="it-IT" sz="2200" dirty="0">
+                <a:solidFill>
+                  <a:schemeClr val="tx1"/>
+                </a:solidFill>
                 <a:latin typeface="Times New Roman" panose="02020603050405020304" pitchFamily="18" charset="0"/>
                 <a:cs typeface="Times New Roman" panose="02020603050405020304" pitchFamily="18" charset="0"/>
               </a:rPr>
               <a:t>:</a:t>
             </a:r>
-            <a:endParaRPr lang="it-IT" b="1" dirty="0">
+            <a:endParaRPr lang="it-IT" sz="2200" b="1" dirty="0">
+              <a:solidFill>
+                <a:schemeClr val="tx1"/>
+              </a:solidFill>
               <a:latin typeface="Times New Roman" panose="02020603050405020304" pitchFamily="18" charset="0"/>
               <a:cs typeface="Times New Roman" panose="02020603050405020304" pitchFamily="18" charset="0"/>
             </a:endParaRPr>
@@ -15837,8 +15704,8 @@
         </p:blipFill>
         <p:spPr>
           <a:xfrm>
-            <a:off x="688708" y="4343682"/>
-            <a:ext cx="10786003" cy="2228047"/>
+            <a:off x="1045714" y="4437031"/>
+            <a:ext cx="9847188" cy="2034118"/>
           </a:xfrm>
           <a:prstGeom prst="roundRect">
             <a:avLst>
@@ -16225,11 +16092,7 @@
                                           </p:stCondLst>
                                         </p:cTn>
                                         <p:tgtEl>
-                                          <p:spTgt spid="9">
-                                            <p:txEl>
-                                              <p:pRg st="0" end="0"/>
-                                            </p:txEl>
-                                          </p:spTgt>
+                                          <p:spTgt spid="12"/>
                                         </p:tgtEl>
                                         <p:attrNameLst>
                                           <p:attrName>style.visibility</p:attrName>
@@ -16242,54 +16105,6 @@
                                     <p:animEffect transition="in" filter="fade">
                                       <p:cBhvr>
                                         <p:cTn id="34" dur="300"/>
-                                        <p:tgtEl>
-                                          <p:spTgt spid="9">
-                                            <p:txEl>
-                                              <p:pRg st="0" end="0"/>
-                                            </p:txEl>
-                                          </p:spTgt>
-                                        </p:tgtEl>
-                                      </p:cBhvr>
-                                    </p:animEffect>
-                                  </p:childTnLst>
-                                </p:cTn>
-                              </p:par>
-                            </p:childTnLst>
-                          </p:cTn>
-                        </p:par>
-                        <p:par>
-                          <p:cTn id="35" fill="hold">
-                            <p:stCondLst>
-                              <p:cond delay="600"/>
-                            </p:stCondLst>
-                            <p:childTnLst>
-                              <p:par>
-                                <p:cTn id="36" presetID="10" presetClass="entr" presetSubtype="0" fill="hold" nodeType="afterEffect">
-                                  <p:stCondLst>
-                                    <p:cond delay="0"/>
-                                  </p:stCondLst>
-                                  <p:childTnLst>
-                                    <p:set>
-                                      <p:cBhvr>
-                                        <p:cTn id="37" dur="1" fill="hold">
-                                          <p:stCondLst>
-                                            <p:cond delay="0"/>
-                                          </p:stCondLst>
-                                        </p:cTn>
-                                        <p:tgtEl>
-                                          <p:spTgt spid="12"/>
-                                        </p:tgtEl>
-                                        <p:attrNameLst>
-                                          <p:attrName>style.visibility</p:attrName>
-                                        </p:attrNameLst>
-                                      </p:cBhvr>
-                                      <p:to>
-                                        <p:strVal val="visible"/>
-                                      </p:to>
-                                    </p:set>
-                                    <p:animEffect transition="in" filter="fade">
-                                      <p:cBhvr>
-                                        <p:cTn id="38" dur="300"/>
                                         <p:tgtEl>
                                           <p:spTgt spid="12"/>
                                         </p:tgtEl>
@@ -26096,7 +25911,7 @@
         </p:nvSpPr>
         <p:spPr>
           <a:xfrm>
-            <a:off x="136263" y="107576"/>
+            <a:off x="136263" y="72065"/>
             <a:ext cx="11919473" cy="6642848"/>
           </a:xfrm>
           <a:prstGeom prst="roundRect">
@@ -26310,7 +26125,7 @@
         </p:nvSpPr>
         <p:spPr>
           <a:xfrm>
-            <a:off x="1092461" y="1253839"/>
+            <a:off x="2478602" y="1364421"/>
             <a:ext cx="7234793" cy="2251362"/>
           </a:xfrm>
           <a:prstGeom prst="roundRect">
@@ -26347,37 +26162,88 @@
           <a:bodyPr rtlCol="0" anchor="ctr"/>
           <a:lstStyle/>
           <a:p>
-            <a:pPr marL="0" marR="0" lvl="0" indent="0" algn="ctr" defTabSz="914400" rtl="0" eaLnBrk="1" fontAlgn="auto" latinLnBrk="0" hangingPunct="1">
+            <a:pPr>
               <a:lnSpc>
-                <a:spcPct val="100000"/>
+                <a:spcPct val="150000"/>
               </a:lnSpc>
-              <a:spcBef>
-                <a:spcPts val="0"/>
-              </a:spcBef>
-              <a:spcAft>
-                <a:spcPts val="0"/>
-              </a:spcAft>
-              <a:buClrTx/>
-              <a:buSzTx/>
-              <a:buFontTx/>
-              <a:buNone/>
-              <a:tabLst/>
-              <a:defRPr/>
             </a:pPr>
-            <a:endParaRPr kumimoji="0" lang="it-IT" sz="1800" b="0" i="0" u="none" strike="noStrike" kern="1200" cap="none" spc="0" normalizeH="0" baseline="0" noProof="0">
-              <a:ln>
-                <a:noFill/>
-              </a:ln>
-              <a:solidFill>
-                <a:prstClr val="white"/>
-              </a:solidFill>
-              <a:effectLst/>
-              <a:uLnTx/>
-              <a:uFillTx/>
-              <a:latin typeface="Calibri" panose="020F0502020204030204"/>
-              <a:ea typeface="+mn-ea"/>
-              <a:cs typeface="+mn-cs"/>
-            </a:endParaRPr>
+            <a:r>
+              <a:rPr lang="it-IT" sz="2400" b="1" dirty="0">
+                <a:solidFill>
+                  <a:schemeClr val="tx1"/>
+                </a:solidFill>
+                <a:latin typeface="Times New Roman" panose="02020603050405020304" pitchFamily="18" charset="0"/>
+                <a:cs typeface="Times New Roman" panose="02020603050405020304" pitchFamily="18" charset="0"/>
+              </a:rPr>
+              <a:t>Problematiche primarie</a:t>
+            </a:r>
+            <a:r>
+              <a:rPr lang="it-IT" sz="2400" dirty="0">
+                <a:solidFill>
+                  <a:schemeClr val="tx1"/>
+                </a:solidFill>
+                <a:latin typeface="Times New Roman" panose="02020603050405020304" pitchFamily="18" charset="0"/>
+                <a:cs typeface="Times New Roman" panose="02020603050405020304" pitchFamily="18" charset="0"/>
+              </a:rPr>
+              <a:t>:</a:t>
+            </a:r>
+          </a:p>
+          <a:p>
+            <a:pPr marL="342900" indent="-342900">
+              <a:lnSpc>
+                <a:spcPct val="150000"/>
+              </a:lnSpc>
+              <a:buFont typeface="Wingdings" panose="05000000000000000000" pitchFamily="2" charset="2"/>
+              <a:buChar char="§"/>
+            </a:pPr>
+            <a:r>
+              <a:rPr lang="it-IT" sz="2400" dirty="0">
+                <a:solidFill>
+                  <a:schemeClr val="tx1"/>
+                </a:solidFill>
+                <a:latin typeface="Times New Roman" panose="02020603050405020304" pitchFamily="18" charset="0"/>
+                <a:cs typeface="Times New Roman" panose="02020603050405020304" pitchFamily="18" charset="0"/>
+              </a:rPr>
+              <a:t>Lentezza di aggiornamento delle componenti grafiche</a:t>
+            </a:r>
+          </a:p>
+          <a:p>
+            <a:pPr marL="342900" indent="-342900">
+              <a:lnSpc>
+                <a:spcPct val="150000"/>
+              </a:lnSpc>
+              <a:buFont typeface="Wingdings" panose="05000000000000000000" pitchFamily="2" charset="2"/>
+              <a:buChar char="§"/>
+            </a:pPr>
+            <a:r>
+              <a:rPr lang="it-IT" sz="2400" dirty="0">
+                <a:solidFill>
+                  <a:schemeClr val="tx1"/>
+                </a:solidFill>
+                <a:latin typeface="Times New Roman" panose="02020603050405020304" pitchFamily="18" charset="0"/>
+                <a:cs typeface="Times New Roman" panose="02020603050405020304" pitchFamily="18" charset="0"/>
+              </a:rPr>
+              <a:t>Codice obsoleto e poco performante</a:t>
+            </a:r>
+          </a:p>
+          <a:p>
+            <a:pPr marL="342900" indent="-342900">
+              <a:lnSpc>
+                <a:spcPct val="150000"/>
+              </a:lnSpc>
+              <a:buFont typeface="Wingdings" panose="05000000000000000000" pitchFamily="2" charset="2"/>
+              <a:buChar char="§"/>
+            </a:pPr>
+            <a:r>
+              <a:rPr lang="it-IT" sz="2400" dirty="0">
+                <a:solidFill>
+                  <a:schemeClr val="tx1"/>
+                </a:solidFill>
+                <a:latin typeface="Times New Roman" panose="02020603050405020304" pitchFamily="18" charset="0"/>
+                <a:cs typeface="Times New Roman" panose="02020603050405020304" pitchFamily="18" charset="0"/>
+              </a:rPr>
+              <a:t>Dati sensibili salvati "in chiaro"</a:t>
+            </a:r>
           </a:p>
         </p:txBody>
       </p:sp>
@@ -26395,8 +26261,8 @@
         </p:nvSpPr>
         <p:spPr>
           <a:xfrm>
-            <a:off x="1092461" y="3619500"/>
-            <a:ext cx="9649519" cy="2251362"/>
+            <a:off x="2478602" y="4220127"/>
+            <a:ext cx="7234793" cy="1748900"/>
           </a:xfrm>
           <a:prstGeom prst="roundRect">
             <a:avLst>
@@ -26432,151 +26298,26 @@
           <a:bodyPr rtlCol="0" anchor="ctr"/>
           <a:lstStyle/>
           <a:p>
-            <a:pPr marL="0" marR="0" lvl="0" indent="0" algn="ctr" defTabSz="914400" rtl="0" eaLnBrk="1" fontAlgn="auto" latinLnBrk="0" hangingPunct="1">
+            <a:pPr>
               <a:lnSpc>
-                <a:spcPct val="100000"/>
-              </a:lnSpc>
-              <a:spcBef>
-                <a:spcPts val="0"/>
-              </a:spcBef>
-              <a:spcAft>
-                <a:spcPts val="0"/>
-              </a:spcAft>
-              <a:buClrTx/>
-              <a:buSzTx/>
-              <a:buFontTx/>
-              <a:buNone/>
-              <a:tabLst/>
-              <a:defRPr/>
-            </a:pPr>
-            <a:endParaRPr kumimoji="0" lang="it-IT" sz="1800" b="0" i="0" u="none" strike="noStrike" kern="1200" cap="none" spc="0" normalizeH="0" baseline="0" noProof="0" dirty="0">
-              <a:ln>
-                <a:noFill/>
-              </a:ln>
-              <a:solidFill>
-                <a:prstClr val="white"/>
-              </a:solidFill>
-              <a:effectLst/>
-              <a:uLnTx/>
-              <a:uFillTx/>
-              <a:latin typeface="Calibri" panose="020F0502020204030204"/>
-              <a:ea typeface="+mn-ea"/>
-              <a:cs typeface="+mn-cs"/>
-            </a:endParaRPr>
-          </a:p>
-        </p:txBody>
-      </p:sp>
-      <p:sp>
-        <p:nvSpPr>
-          <p:cNvPr id="3" name="Subtitle 2">
-            <a:extLst>
-              <a:ext uri="{FF2B5EF4-FFF2-40B4-BE49-F238E27FC236}">
-                <a16:creationId xmlns:a16="http://schemas.microsoft.com/office/drawing/2014/main" id="{FC446B2D-F94A-2F94-9904-6D62ADA65C8F}"/>
-              </a:ext>
-            </a:extLst>
-          </p:cNvPr>
-          <p:cNvSpPr>
-            <a:spLocks noGrp="1"/>
-          </p:cNvSpPr>
-          <p:nvPr>
-            <p:ph type="subTitle" idx="1"/>
-          </p:nvPr>
-        </p:nvSpPr>
-        <p:spPr>
-          <a:xfrm>
-            <a:off x="1159136" y="1141768"/>
-            <a:ext cx="9804786" cy="5497157"/>
-          </a:xfrm>
-        </p:spPr>
-        <p:txBody>
-          <a:bodyPr>
-            <a:normAutofit/>
-          </a:bodyPr>
-          <a:lstStyle/>
-          <a:p>
-            <a:pPr algn="l">
-              <a:lnSpc>
-                <a:spcPct val="170000"/>
+                <a:spcPct val="150000"/>
               </a:lnSpc>
             </a:pPr>
             <a:r>
-              <a:rPr lang="it-IT" b="1" dirty="0">
-                <a:latin typeface="Times New Roman" panose="02020603050405020304" pitchFamily="18" charset="0"/>
-                <a:cs typeface="Times New Roman" panose="02020603050405020304" pitchFamily="18" charset="0"/>
-              </a:rPr>
-              <a:t>Problematiche primarie</a:t>
-            </a:r>
-            <a:r>
-              <a:rPr lang="it-IT" dirty="0">
-                <a:latin typeface="Times New Roman" panose="02020603050405020304" pitchFamily="18" charset="0"/>
-                <a:cs typeface="Times New Roman" panose="02020603050405020304" pitchFamily="18" charset="0"/>
-              </a:rPr>
-              <a:t>:</a:t>
-            </a:r>
-          </a:p>
-          <a:p>
-            <a:pPr marL="342900" indent="-342900" algn="l">
-              <a:lnSpc>
-                <a:spcPct val="110000"/>
-              </a:lnSpc>
-              <a:buFont typeface="Wingdings" panose="05000000000000000000" pitchFamily="2" charset="2"/>
-              <a:buChar char="§"/>
-            </a:pPr>
-            <a:r>
-              <a:rPr lang="it-IT" dirty="0">
-                <a:latin typeface="Times New Roman" panose="02020603050405020304" pitchFamily="18" charset="0"/>
-                <a:cs typeface="Times New Roman" panose="02020603050405020304" pitchFamily="18" charset="0"/>
-              </a:rPr>
-              <a:t>Lentezza di aggiornamento delle componenti grafiche</a:t>
-            </a:r>
-          </a:p>
-          <a:p>
-            <a:pPr marL="342900" indent="-342900" algn="l">
-              <a:lnSpc>
-                <a:spcPct val="110000"/>
-              </a:lnSpc>
-              <a:buFont typeface="Wingdings" panose="05000000000000000000" pitchFamily="2" charset="2"/>
-              <a:buChar char="§"/>
-            </a:pPr>
-            <a:r>
-              <a:rPr lang="it-IT" dirty="0">
-                <a:latin typeface="Times New Roman" panose="02020603050405020304" pitchFamily="18" charset="0"/>
-                <a:cs typeface="Times New Roman" panose="02020603050405020304" pitchFamily="18" charset="0"/>
-              </a:rPr>
-              <a:t>Codice Obsoleto</a:t>
-            </a:r>
-          </a:p>
-          <a:p>
-            <a:pPr marL="342900" indent="-342900" algn="l">
-              <a:lnSpc>
-                <a:spcPct val="110000"/>
-              </a:lnSpc>
-              <a:buFont typeface="Wingdings" panose="05000000000000000000" pitchFamily="2" charset="2"/>
-              <a:buChar char="§"/>
-            </a:pPr>
-            <a:r>
-              <a:rPr lang="it-IT" dirty="0">
-                <a:latin typeface="Times New Roman" panose="02020603050405020304" pitchFamily="18" charset="0"/>
-                <a:cs typeface="Times New Roman" panose="02020603050405020304" pitchFamily="18" charset="0"/>
-              </a:rPr>
-              <a:t>Dati sensibili non occultati</a:t>
-            </a:r>
-          </a:p>
-          <a:p>
-            <a:pPr algn="l">
-              <a:lnSpc>
-                <a:spcPct val="170000"/>
-              </a:lnSpc>
-            </a:pPr>
-            <a:r>
-              <a:rPr lang="it-IT" b="1" dirty="0">
+              <a:rPr lang="it-IT" sz="2400" b="1" dirty="0">
+                <a:solidFill>
+                  <a:schemeClr val="tx1"/>
+                </a:solidFill>
                 <a:latin typeface="Times New Roman" panose="02020603050405020304" pitchFamily="18" charset="0"/>
                 <a:cs typeface="Times New Roman" panose="02020603050405020304" pitchFamily="18" charset="0"/>
               </a:rPr>
               <a:t>Problematiche secondarie</a:t>
             </a:r>
             <a:r>
-              <a:rPr lang="it-IT" dirty="0">
+              <a:rPr lang="it-IT" sz="2400" dirty="0">
+                <a:solidFill>
+                  <a:schemeClr val="tx1"/>
+                </a:solidFill>
                 <a:latin typeface="Times New Roman" panose="02020603050405020304" pitchFamily="18" charset="0"/>
                 <a:cs typeface="Times New Roman" panose="02020603050405020304" pitchFamily="18" charset="0"/>
               </a:rPr>
@@ -26584,15 +26325,18 @@
             </a:r>
           </a:p>
           <a:p>
-            <a:pPr marL="342900" indent="-342900" algn="l">
+            <a:pPr marL="342900" indent="-342900">
               <a:lnSpc>
-                <a:spcPct val="110000"/>
+                <a:spcPct val="150000"/>
               </a:lnSpc>
               <a:buFont typeface="Wingdings" panose="05000000000000000000" pitchFamily="2" charset="2"/>
               <a:buChar char="§"/>
             </a:pPr>
             <a:r>
-              <a:rPr lang="it-IT" dirty="0">
+              <a:rPr lang="it-IT" sz="2400" dirty="0">
+                <a:solidFill>
+                  <a:schemeClr val="tx1"/>
+                </a:solidFill>
                 <a:latin typeface="Times New Roman" panose="02020603050405020304" pitchFamily="18" charset="0"/>
                 <a:cs typeface="Times New Roman" panose="02020603050405020304" pitchFamily="18" charset="0"/>
               </a:rPr>
@@ -26600,62 +26344,23 @@
             </a:r>
           </a:p>
           <a:p>
-            <a:pPr marL="342900" indent="-342900" algn="l">
+            <a:pPr marL="342900" indent="-342900">
               <a:lnSpc>
-                <a:spcPct val="110000"/>
+                <a:spcPct val="150000"/>
               </a:lnSpc>
               <a:buFont typeface="Wingdings" panose="05000000000000000000" pitchFamily="2" charset="2"/>
               <a:buChar char="§"/>
             </a:pPr>
             <a:r>
-              <a:rPr lang="it-IT" dirty="0">
+              <a:rPr lang="it-IT" sz="2400" dirty="0">
+                <a:solidFill>
+                  <a:schemeClr val="tx1"/>
+                </a:solidFill>
                 <a:latin typeface="Times New Roman" panose="02020603050405020304" pitchFamily="18" charset="0"/>
                 <a:cs typeface="Times New Roman" panose="02020603050405020304" pitchFamily="18" charset="0"/>
               </a:rPr>
               <a:t>Programma vincolato all’ambiente Windows</a:t>
             </a:r>
-          </a:p>
-          <a:p>
-            <a:pPr marL="342900" indent="-342900" algn="l">
-              <a:lnSpc>
-                <a:spcPct val="110000"/>
-              </a:lnSpc>
-              <a:buFont typeface="Wingdings" panose="05000000000000000000" pitchFamily="2" charset="2"/>
-              <a:buChar char="§"/>
-            </a:pPr>
-            <a:r>
-              <a:rPr lang="it-IT" dirty="0">
-                <a:latin typeface="Times New Roman" panose="02020603050405020304" pitchFamily="18" charset="0"/>
-                <a:cs typeface="Times New Roman" panose="02020603050405020304" pitchFamily="18" charset="0"/>
-              </a:rPr>
-              <a:t>Assenza di paradigmi di ottimizzazione per sfruttare al meglio l’hardware</a:t>
-            </a:r>
-          </a:p>
-          <a:p>
-            <a:pPr marL="342900" indent="-342900" algn="l">
-              <a:lnSpc>
-                <a:spcPct val="200000"/>
-              </a:lnSpc>
-              <a:buFont typeface="Wingdings" panose="05000000000000000000" pitchFamily="2" charset="2"/>
-              <a:buChar char="§"/>
-            </a:pPr>
-            <a:endParaRPr lang="it-IT" dirty="0">
-              <a:latin typeface="Times New Roman" panose="02020603050405020304" pitchFamily="18" charset="0"/>
-              <a:cs typeface="Times New Roman" panose="02020603050405020304" pitchFamily="18" charset="0"/>
-            </a:endParaRPr>
-          </a:p>
-          <a:p>
-            <a:pPr marL="342900" indent="-342900" algn="l">
-              <a:lnSpc>
-                <a:spcPct val="200000"/>
-              </a:lnSpc>
-              <a:buFont typeface="Wingdings" panose="05000000000000000000" pitchFamily="2" charset="2"/>
-              <a:buChar char="§"/>
-            </a:pPr>
-            <a:endParaRPr lang="it-IT" dirty="0">
-              <a:latin typeface="Times New Roman" panose="02020603050405020304" pitchFamily="18" charset="0"/>
-              <a:cs typeface="Times New Roman" panose="02020603050405020304" pitchFamily="18" charset="0"/>
-            </a:endParaRPr>
           </a:p>
         </p:txBody>
       </p:sp>
@@ -26733,7 +26438,7 @@
                         <p:par>
                           <p:cTn id="8" fill="hold">
                             <p:stCondLst>
-                              <p:cond delay="600"/>
+                              <p:cond delay="300"/>
                             </p:stCondLst>
                             <p:childTnLst>
                               <p:par>
@@ -26750,7 +26455,7 @@
                                           </p:stCondLst>
                                         </p:cTn>
                                         <p:tgtEl>
-                                          <p:spTgt spid="3">
+                                          <p:spTgt spid="4">
                                             <p:txEl>
                                               <p:pRg st="0" end="0"/>
                                             </p:txEl>
@@ -26768,7 +26473,7 @@
                                       <p:cBhvr>
                                         <p:cTn id="11" dur="300"/>
                                         <p:tgtEl>
-                                          <p:spTgt spid="3">
+                                          <p:spTgt spid="4">
                                             <p:txEl>
                                               <p:pRg st="0" end="0"/>
                                             </p:txEl>
@@ -26785,7 +26490,7 @@
                         <p:par>
                           <p:cTn id="12" fill="hold">
                             <p:stCondLst>
-                              <p:cond delay="900"/>
+                              <p:cond delay="600"/>
                             </p:stCondLst>
                             <p:childTnLst>
                               <p:par>
@@ -26802,7 +26507,7 @@
                                           </p:stCondLst>
                                         </p:cTn>
                                         <p:tgtEl>
-                                          <p:spTgt spid="3">
+                                          <p:spTgt spid="4">
                                             <p:txEl>
                                               <p:pRg st="1" end="1"/>
                                             </p:txEl>
@@ -26820,7 +26525,7 @@
                                       <p:cBhvr>
                                         <p:cTn id="15" dur="300"/>
                                         <p:tgtEl>
-                                          <p:spTgt spid="3">
+                                          <p:spTgt spid="4">
                                             <p:txEl>
                                               <p:pRg st="1" end="1"/>
                                             </p:txEl>
@@ -26837,7 +26542,7 @@
                         <p:par>
                           <p:cTn id="16" fill="hold">
                             <p:stCondLst>
-                              <p:cond delay="1200"/>
+                              <p:cond delay="900"/>
                             </p:stCondLst>
                             <p:childTnLst>
                               <p:par>
@@ -26854,7 +26559,7 @@
                                           </p:stCondLst>
                                         </p:cTn>
                                         <p:tgtEl>
-                                          <p:spTgt spid="3">
+                                          <p:spTgt spid="4">
                                             <p:txEl>
                                               <p:pRg st="2" end="2"/>
                                             </p:txEl>
@@ -26872,7 +26577,7 @@
                                       <p:cBhvr>
                                         <p:cTn id="19" dur="300"/>
                                         <p:tgtEl>
-                                          <p:spTgt spid="3">
+                                          <p:spTgt spid="4">
                                             <p:txEl>
                                               <p:pRg st="2" end="2"/>
                                             </p:txEl>
@@ -26889,7 +26594,7 @@
                         <p:par>
                           <p:cTn id="20" fill="hold">
                             <p:stCondLst>
-                              <p:cond delay="1500"/>
+                              <p:cond delay="1200"/>
                             </p:stCondLst>
                             <p:childTnLst>
                               <p:par>
@@ -26906,7 +26611,7 @@
                                           </p:stCondLst>
                                         </p:cTn>
                                         <p:tgtEl>
-                                          <p:spTgt spid="3">
+                                          <p:spTgt spid="4">
                                             <p:txEl>
                                               <p:pRg st="3" end="3"/>
                                             </p:txEl>
@@ -26924,7 +26629,7 @@
                                       <p:cBhvr>
                                         <p:cTn id="23" dur="300"/>
                                         <p:tgtEl>
-                                          <p:spTgt spid="3">
+                                          <p:spTgt spid="4">
                                             <p:txEl>
                                               <p:pRg st="3" end="3"/>
                                             </p:txEl>
@@ -27011,9 +26716,9 @@
                                           </p:stCondLst>
                                         </p:cTn>
                                         <p:tgtEl>
-                                          <p:spTgt spid="3">
+                                          <p:spTgt spid="5">
                                             <p:txEl>
-                                              <p:pRg st="4" end="4"/>
+                                              <p:pRg st="0" end="0"/>
                                             </p:txEl>
                                           </p:spTgt>
                                         </p:tgtEl>
@@ -27029,9 +26734,9 @@
                                       <p:cBhvr>
                                         <p:cTn id="32" dur="300"/>
                                         <p:tgtEl>
-                                          <p:spTgt spid="3">
+                                          <p:spTgt spid="5">
                                             <p:txEl>
-                                              <p:pRg st="4" end="4"/>
+                                              <p:pRg st="0" end="0"/>
                                             </p:txEl>
                                           </p:spTgt>
                                         </p:tgtEl>
@@ -27063,9 +26768,9 @@
                                           </p:stCondLst>
                                         </p:cTn>
                                         <p:tgtEl>
-                                          <p:spTgt spid="3">
+                                          <p:spTgt spid="5">
                                             <p:txEl>
-                                              <p:pRg st="5" end="5"/>
+                                              <p:pRg st="1" end="1"/>
                                             </p:txEl>
                                           </p:spTgt>
                                         </p:tgtEl>
@@ -27081,9 +26786,9 @@
                                       <p:cBhvr>
                                         <p:cTn id="36" dur="300"/>
                                         <p:tgtEl>
-                                          <p:spTgt spid="3">
+                                          <p:spTgt spid="5">
                                             <p:txEl>
-                                              <p:pRg st="5" end="5"/>
+                                              <p:pRg st="1" end="1"/>
                                             </p:txEl>
                                           </p:spTgt>
                                         </p:tgtEl>
@@ -27115,9 +26820,9 @@
                                           </p:stCondLst>
                                         </p:cTn>
                                         <p:tgtEl>
-                                          <p:spTgt spid="3">
+                                          <p:spTgt spid="5">
                                             <p:txEl>
-                                              <p:pRg st="6" end="6"/>
+                                              <p:pRg st="2" end="2"/>
                                             </p:txEl>
                                           </p:spTgt>
                                         </p:tgtEl>
@@ -27133,61 +26838,9 @@
                                       <p:cBhvr>
                                         <p:cTn id="40" dur="300"/>
                                         <p:tgtEl>
-                                          <p:spTgt spid="3">
+                                          <p:spTgt spid="5">
                                             <p:txEl>
-                                              <p:pRg st="6" end="6"/>
-                                            </p:txEl>
-                                          </p:spTgt>
-                                        </p:tgtEl>
-                                      </p:cBhvr>
-                                    </p:animEffect>
-                                  </p:childTnLst>
-                                </p:cTn>
-                              </p:par>
-                            </p:childTnLst>
-                          </p:cTn>
-                        </p:par>
-                        <p:par>
-                          <p:cTn id="41" fill="hold">
-                            <p:stCondLst>
-                              <p:cond delay="1200"/>
-                            </p:stCondLst>
-                            <p:childTnLst>
-                              <p:par>
-                                <p:cTn id="42" presetID="10" presetClass="entr" presetSubtype="0" fill="hold" nodeType="afterEffect">
-                                  <p:stCondLst>
-                                    <p:cond delay="0"/>
-                                  </p:stCondLst>
-                                  <p:childTnLst>
-                                    <p:set>
-                                      <p:cBhvr>
-                                        <p:cTn id="43" dur="1" fill="hold">
-                                          <p:stCondLst>
-                                            <p:cond delay="0"/>
-                                          </p:stCondLst>
-                                        </p:cTn>
-                                        <p:tgtEl>
-                                          <p:spTgt spid="3">
-                                            <p:txEl>
-                                              <p:pRg st="7" end="7"/>
-                                            </p:txEl>
-                                          </p:spTgt>
-                                        </p:tgtEl>
-                                        <p:attrNameLst>
-                                          <p:attrName>style.visibility</p:attrName>
-                                        </p:attrNameLst>
-                                      </p:cBhvr>
-                                      <p:to>
-                                        <p:strVal val="visible"/>
-                                      </p:to>
-                                    </p:set>
-                                    <p:animEffect transition="in" filter="fade">
-                                      <p:cBhvr>
-                                        <p:cTn id="44" dur="300"/>
-                                        <p:tgtEl>
-                                          <p:spTgt spid="3">
-                                            <p:txEl>
-                                              <p:pRg st="7" end="7"/>
+                                              <p:pRg st="2" end="2"/>
                                             </p:txEl>
                                           </p:spTgt>
                                         </p:tgtEl>
@@ -29099,7 +28752,7 @@
         </p:blipFill>
         <p:spPr>
           <a:xfrm>
-            <a:off x="2518869" y="1665593"/>
+            <a:off x="2518867" y="1708966"/>
             <a:ext cx="7154261" cy="1322789"/>
           </a:xfrm>
           <a:prstGeom prst="roundRect">
@@ -29142,7 +28795,7 @@
         </p:blipFill>
         <p:spPr>
           <a:xfrm>
-            <a:off x="5482452" y="3057145"/>
+            <a:off x="5482452" y="3108640"/>
             <a:ext cx="5068168" cy="3564898"/>
           </a:xfrm>
           <a:prstGeom prst="rect">
@@ -29164,8 +28817,8 @@
         </p:nvSpPr>
         <p:spPr>
           <a:xfrm>
-            <a:off x="1258708" y="3918220"/>
-            <a:ext cx="5568221" cy="1220451"/>
+            <a:off x="976544" y="4145882"/>
+            <a:ext cx="6134470" cy="1704457"/>
           </a:xfrm>
           <a:prstGeom prst="roundRect">
             <a:avLst/>
@@ -29199,255 +28852,34 @@
           <a:bodyPr rtlCol="0" anchor="ctr"/>
           <a:lstStyle/>
           <a:p>
-            <a:pPr marL="0" marR="0" lvl="0" indent="0" algn="ctr" defTabSz="914400" rtl="0" eaLnBrk="1" fontAlgn="auto" latinLnBrk="0" hangingPunct="1">
-              <a:lnSpc>
-                <a:spcPct val="100000"/>
-              </a:lnSpc>
-              <a:spcBef>
-                <a:spcPts val="0"/>
-              </a:spcBef>
-              <a:spcAft>
-                <a:spcPts val="0"/>
-              </a:spcAft>
-              <a:buClrTx/>
-              <a:buSzTx/>
-              <a:buFontTx/>
-              <a:buNone/>
-              <a:tabLst/>
+            <a:pPr>
               <a:defRPr/>
             </a:pPr>
-            <a:endParaRPr kumimoji="0" lang="it-IT" sz="1800" b="0" i="0" u="none" strike="noStrike" kern="1200" cap="none" spc="0" normalizeH="0" baseline="0" noProof="0">
-              <a:ln>
-                <a:noFill/>
-              </a:ln>
-              <a:solidFill>
-                <a:prstClr val="white"/>
-              </a:solidFill>
-              <a:effectLst/>
-              <a:uLnTx/>
-              <a:uFillTx/>
-              <a:latin typeface="Calibri" panose="020F0502020204030204"/>
-              <a:ea typeface="+mn-ea"/>
-              <a:cs typeface="+mn-cs"/>
-            </a:endParaRPr>
-          </a:p>
-        </p:txBody>
-      </p:sp>
-      <p:sp>
-        <p:nvSpPr>
-          <p:cNvPr id="9" name="Subtitle 2">
-            <a:extLst>
-              <a:ext uri="{FF2B5EF4-FFF2-40B4-BE49-F238E27FC236}">
-                <a16:creationId xmlns:a16="http://schemas.microsoft.com/office/drawing/2014/main" id="{3DE3CE4A-B5CA-6D6B-E5C4-80A9AAB0EA98}"/>
-              </a:ext>
-            </a:extLst>
-          </p:cNvPr>
-          <p:cNvSpPr txBox="1">
-            <a:spLocks/>
-          </p:cNvSpPr>
-          <p:nvPr/>
-        </p:nvSpPr>
-        <p:spPr>
-          <a:xfrm>
-            <a:off x="1295399" y="3970351"/>
-            <a:ext cx="5531530" cy="1232342"/>
-          </a:xfrm>
-          <a:prstGeom prst="rect">
-            <a:avLst/>
-          </a:prstGeom>
-        </p:spPr>
-        <p:txBody>
-          <a:bodyPr vert="horz" lIns="91440" tIns="45720" rIns="91440" bIns="45720" rtlCol="0">
-            <a:normAutofit fontScale="77500" lnSpcReduction="20000"/>
-          </a:bodyPr>
-          <a:lstStyle>
-            <a:lvl1pPr marL="0" indent="0" algn="ctr" defTabSz="914400" rtl="0" eaLnBrk="1" latinLnBrk="0" hangingPunct="1">
-              <a:lnSpc>
-                <a:spcPct val="90000"/>
-              </a:lnSpc>
-              <a:spcBef>
-                <a:spcPts val="1000"/>
-              </a:spcBef>
-              <a:buFont typeface="Arial" panose="020B0604020202020204" pitchFamily="34" charset="0"/>
-              <a:buNone/>
-              <a:defRPr sz="2400" kern="1200">
+            <a:r>
+              <a:rPr lang="it-IT" sz="2800" dirty="0">
                 <a:solidFill>
                   <a:schemeClr val="tx1"/>
                 </a:solidFill>
-                <a:latin typeface="+mn-lt"/>
-                <a:ea typeface="+mn-ea"/>
-                <a:cs typeface="+mn-cs"/>
-              </a:defRPr>
-            </a:lvl1pPr>
-            <a:lvl2pPr marL="457200" indent="0" algn="ctr" defTabSz="914400" rtl="0" eaLnBrk="1" latinLnBrk="0" hangingPunct="1">
-              <a:lnSpc>
-                <a:spcPct val="90000"/>
-              </a:lnSpc>
-              <a:spcBef>
-                <a:spcPts val="500"/>
-              </a:spcBef>
-              <a:buFont typeface="Arial" panose="020B0604020202020204" pitchFamily="34" charset="0"/>
-              <a:buNone/>
-              <a:defRPr sz="2000" kern="1200">
-                <a:solidFill>
-                  <a:schemeClr val="tx1"/>
-                </a:solidFill>
-                <a:latin typeface="+mn-lt"/>
-                <a:ea typeface="+mn-ea"/>
-                <a:cs typeface="+mn-cs"/>
-              </a:defRPr>
-            </a:lvl2pPr>
-            <a:lvl3pPr marL="914400" indent="0" algn="ctr" defTabSz="914400" rtl="0" eaLnBrk="1" latinLnBrk="0" hangingPunct="1">
-              <a:lnSpc>
-                <a:spcPct val="90000"/>
-              </a:lnSpc>
-              <a:spcBef>
-                <a:spcPts val="500"/>
-              </a:spcBef>
-              <a:buFont typeface="Arial" panose="020B0604020202020204" pitchFamily="34" charset="0"/>
-              <a:buNone/>
-              <a:defRPr sz="1800" kern="1200">
-                <a:solidFill>
-                  <a:schemeClr val="tx1"/>
-                </a:solidFill>
-                <a:latin typeface="+mn-lt"/>
-                <a:ea typeface="+mn-ea"/>
-                <a:cs typeface="+mn-cs"/>
-              </a:defRPr>
-            </a:lvl3pPr>
-            <a:lvl4pPr marL="1371600" indent="0" algn="ctr" defTabSz="914400" rtl="0" eaLnBrk="1" latinLnBrk="0" hangingPunct="1">
-              <a:lnSpc>
-                <a:spcPct val="90000"/>
-              </a:lnSpc>
-              <a:spcBef>
-                <a:spcPts val="500"/>
-              </a:spcBef>
-              <a:buFont typeface="Arial" panose="020B0604020202020204" pitchFamily="34" charset="0"/>
-              <a:buNone/>
-              <a:defRPr sz="1600" kern="1200">
-                <a:solidFill>
-                  <a:schemeClr val="tx1"/>
-                </a:solidFill>
-                <a:latin typeface="+mn-lt"/>
-                <a:ea typeface="+mn-ea"/>
-                <a:cs typeface="+mn-cs"/>
-              </a:defRPr>
-            </a:lvl4pPr>
-            <a:lvl5pPr marL="1828800" indent="0" algn="ctr" defTabSz="914400" rtl="0" eaLnBrk="1" latinLnBrk="0" hangingPunct="1">
-              <a:lnSpc>
-                <a:spcPct val="90000"/>
-              </a:lnSpc>
-              <a:spcBef>
-                <a:spcPts val="500"/>
-              </a:spcBef>
-              <a:buFont typeface="Arial" panose="020B0604020202020204" pitchFamily="34" charset="0"/>
-              <a:buNone/>
-              <a:defRPr sz="1600" kern="1200">
-                <a:solidFill>
-                  <a:schemeClr val="tx1"/>
-                </a:solidFill>
-                <a:latin typeface="+mn-lt"/>
-                <a:ea typeface="+mn-ea"/>
-                <a:cs typeface="+mn-cs"/>
-              </a:defRPr>
-            </a:lvl5pPr>
-            <a:lvl6pPr marL="2286000" indent="0" algn="ctr" defTabSz="914400" rtl="0" eaLnBrk="1" latinLnBrk="0" hangingPunct="1">
-              <a:lnSpc>
-                <a:spcPct val="90000"/>
-              </a:lnSpc>
-              <a:spcBef>
-                <a:spcPts val="500"/>
-              </a:spcBef>
-              <a:buFont typeface="Arial" panose="020B0604020202020204" pitchFamily="34" charset="0"/>
-              <a:buNone/>
-              <a:defRPr sz="1600" kern="1200">
-                <a:solidFill>
-                  <a:schemeClr val="tx1"/>
-                </a:solidFill>
-                <a:latin typeface="+mn-lt"/>
-                <a:ea typeface="+mn-ea"/>
-                <a:cs typeface="+mn-cs"/>
-              </a:defRPr>
-            </a:lvl6pPr>
-            <a:lvl7pPr marL="2743200" indent="0" algn="ctr" defTabSz="914400" rtl="0" eaLnBrk="1" latinLnBrk="0" hangingPunct="1">
-              <a:lnSpc>
-                <a:spcPct val="90000"/>
-              </a:lnSpc>
-              <a:spcBef>
-                <a:spcPts val="500"/>
-              </a:spcBef>
-              <a:buFont typeface="Arial" panose="020B0604020202020204" pitchFamily="34" charset="0"/>
-              <a:buNone/>
-              <a:defRPr sz="1600" kern="1200">
-                <a:solidFill>
-                  <a:schemeClr val="tx1"/>
-                </a:solidFill>
-                <a:latin typeface="+mn-lt"/>
-                <a:ea typeface="+mn-ea"/>
-                <a:cs typeface="+mn-cs"/>
-              </a:defRPr>
-            </a:lvl7pPr>
-            <a:lvl8pPr marL="3200400" indent="0" algn="ctr" defTabSz="914400" rtl="0" eaLnBrk="1" latinLnBrk="0" hangingPunct="1">
-              <a:lnSpc>
-                <a:spcPct val="90000"/>
-              </a:lnSpc>
-              <a:spcBef>
-                <a:spcPts val="500"/>
-              </a:spcBef>
-              <a:buFont typeface="Arial" panose="020B0604020202020204" pitchFamily="34" charset="0"/>
-              <a:buNone/>
-              <a:defRPr sz="1600" kern="1200">
-                <a:solidFill>
-                  <a:schemeClr val="tx1"/>
-                </a:solidFill>
-                <a:latin typeface="+mn-lt"/>
-                <a:ea typeface="+mn-ea"/>
-                <a:cs typeface="+mn-cs"/>
-              </a:defRPr>
-            </a:lvl8pPr>
-            <a:lvl9pPr marL="3657600" indent="0" algn="ctr" defTabSz="914400" rtl="0" eaLnBrk="1" latinLnBrk="0" hangingPunct="1">
-              <a:lnSpc>
-                <a:spcPct val="90000"/>
-              </a:lnSpc>
-              <a:spcBef>
-                <a:spcPts val="500"/>
-              </a:spcBef>
-              <a:buFont typeface="Arial" panose="020B0604020202020204" pitchFamily="34" charset="0"/>
-              <a:buNone/>
-              <a:defRPr sz="1600" kern="1200">
-                <a:solidFill>
-                  <a:schemeClr val="tx1"/>
-                </a:solidFill>
-                <a:latin typeface="+mn-lt"/>
-                <a:ea typeface="+mn-ea"/>
-                <a:cs typeface="+mn-cs"/>
-              </a:defRPr>
-            </a:lvl9pPr>
-          </a:lstStyle>
-          <a:p>
-            <a:pPr marL="342900" indent="-342900" algn="l">
-              <a:lnSpc>
-                <a:spcPct val="110000"/>
-              </a:lnSpc>
-              <a:buFont typeface="Wingdings" panose="05000000000000000000" pitchFamily="2" charset="2"/>
-              <a:buChar char="§"/>
-            </a:pPr>
-            <a:r>
-              <a:rPr lang="it-IT" sz="3100" dirty="0">
                 <a:latin typeface="Times New Roman" panose="02020603050405020304" pitchFamily="18" charset="0"/>
                 <a:cs typeface="Times New Roman" panose="02020603050405020304" pitchFamily="18" charset="0"/>
               </a:rPr>
               <a:t>Una </a:t>
             </a:r>
             <a:r>
-              <a:rPr lang="it-IT" sz="3100" b="1" dirty="0">
+              <a:rPr lang="it-IT" sz="2800" b="1" dirty="0">
+                <a:solidFill>
+                  <a:schemeClr val="tx1"/>
+                </a:solidFill>
                 <a:latin typeface="Times New Roman" panose="02020603050405020304" pitchFamily="18" charset="0"/>
                 <a:cs typeface="Times New Roman" panose="02020603050405020304" pitchFamily="18" charset="0"/>
               </a:rPr>
               <a:t>coda di priorità </a:t>
             </a:r>
             <a:r>
-              <a:rPr lang="it-IT" sz="3100" dirty="0">
+              <a:rPr lang="it-IT" sz="2800" dirty="0">
+                <a:solidFill>
+                  <a:schemeClr val="tx1"/>
+                </a:solidFill>
                 <a:latin typeface="Times New Roman" panose="02020603050405020304" pitchFamily="18" charset="0"/>
                 <a:cs typeface="Times New Roman" panose="02020603050405020304" pitchFamily="18" charset="0"/>
               </a:rPr>
@@ -29471,7 +28903,7 @@
         <p:spPr>
           <a:xfrm>
             <a:off x="1295397" y="1007661"/>
-            <a:ext cx="9227742" cy="595148"/>
+            <a:ext cx="9601206" cy="657932"/>
           </a:xfrm>
           <a:prstGeom prst="roundRect">
             <a:avLst/>
@@ -29558,21 +28990,19 @@
         <p:spPr>
           <a:xfrm>
             <a:off x="1295397" y="789777"/>
-            <a:ext cx="9601201" cy="929553"/>
+            <a:ext cx="9601206" cy="929553"/>
           </a:xfrm>
         </p:spPr>
         <p:txBody>
           <a:bodyPr>
-            <a:normAutofit fontScale="92500"/>
+            <a:normAutofit/>
           </a:bodyPr>
           <a:lstStyle/>
           <a:p>
-            <a:pPr marL="342900" indent="-342900" algn="l">
+            <a:pPr algn="l">
               <a:lnSpc>
                 <a:spcPct val="200000"/>
               </a:lnSpc>
-              <a:buFont typeface="Wingdings" panose="05000000000000000000" pitchFamily="2" charset="2"/>
-              <a:buChar char="§"/>
             </a:pPr>
             <a:r>
               <a:rPr lang="it-IT" sz="2800" dirty="0">
@@ -29747,76 +29177,15 @@
                                   </p:childTnLst>
                                 </p:cTn>
                               </p:par>
-                            </p:childTnLst>
-                          </p:cTn>
-                        </p:par>
-                      </p:childTnLst>
-                    </p:cTn>
-                  </p:par>
-                  <p:par>
-                    <p:cTn id="15" fill="hold">
-                      <p:stCondLst>
-                        <p:cond delay="indefinite"/>
-                      </p:stCondLst>
-                      <p:childTnLst>
-                        <p:par>
-                          <p:cTn id="16" fill="hold">
-                            <p:stCondLst>
-                              <p:cond delay="0"/>
-                            </p:stCondLst>
-                            <p:childTnLst>
                               <p:par>
-                                <p:cTn id="17" presetID="10" presetClass="entr" presetSubtype="0" fill="hold" nodeType="clickEffect">
+                                <p:cTn id="15" presetID="10" presetClass="entr" presetSubtype="0" fill="hold" grpId="0" nodeType="withEffect">
                                   <p:stCondLst>
                                     <p:cond delay="0"/>
                                   </p:stCondLst>
                                   <p:childTnLst>
                                     <p:set>
                                       <p:cBhvr>
-                                        <p:cTn id="18" dur="1" fill="hold">
-                                          <p:stCondLst>
-                                            <p:cond delay="0"/>
-                                          </p:stCondLst>
-                                        </p:cTn>
-                                        <p:tgtEl>
-                                          <p:spTgt spid="9">
-                                            <p:txEl>
-                                              <p:pRg st="0" end="0"/>
-                                            </p:txEl>
-                                          </p:spTgt>
-                                        </p:tgtEl>
-                                        <p:attrNameLst>
-                                          <p:attrName>style.visibility</p:attrName>
-                                        </p:attrNameLst>
-                                      </p:cBhvr>
-                                      <p:to>
-                                        <p:strVal val="visible"/>
-                                      </p:to>
-                                    </p:set>
-                                    <p:animEffect transition="in" filter="fade">
-                                      <p:cBhvr>
-                                        <p:cTn id="19" dur="500"/>
-                                        <p:tgtEl>
-                                          <p:spTgt spid="9">
-                                            <p:txEl>
-                                              <p:pRg st="0" end="0"/>
-                                            </p:txEl>
-                                          </p:spTgt>
-                                        </p:tgtEl>
-                                      </p:cBhvr>
-                                    </p:animEffect>
-                                  </p:childTnLst>
-                                </p:cTn>
-                              </p:par>
-                              <p:par>
-                                <p:cTn id="20" presetID="10" presetClass="entr" presetSubtype="0" fill="hold" grpId="0" nodeType="withEffect">
-                                  <p:stCondLst>
-                                    <p:cond delay="0"/>
-                                  </p:stCondLst>
-                                  <p:childTnLst>
-                                    <p:set>
-                                      <p:cBhvr>
-                                        <p:cTn id="21" dur="1" fill="hold">
+                                        <p:cTn id="16" dur="1" fill="hold">
                                           <p:stCondLst>
                                             <p:cond delay="0"/>
                                           </p:stCondLst>
@@ -29834,7 +29203,7 @@
                                     </p:set>
                                     <p:animEffect transition="in" filter="fade">
                                       <p:cBhvr>
-                                        <p:cTn id="22" dur="300"/>
+                                        <p:cTn id="17" dur="300"/>
                                         <p:tgtEl>
                                           <p:spTgt spid="6"/>
                                         </p:tgtEl>
@@ -29847,20 +29216,20 @@
                           </p:cTn>
                         </p:par>
                         <p:par>
-                          <p:cTn id="23" fill="hold">
+                          <p:cTn id="18" fill="hold">
                             <p:stCondLst>
-                              <p:cond delay="500"/>
+                              <p:cond delay="800"/>
                             </p:stCondLst>
                             <p:childTnLst>
                               <p:par>
-                                <p:cTn id="24" presetID="10" presetClass="entr" presetSubtype="0" fill="hold" nodeType="afterEffect">
+                                <p:cTn id="19" presetID="10" presetClass="entr" presetSubtype="0" fill="hold" nodeType="afterEffect">
                                   <p:stCondLst>
                                     <p:cond delay="0"/>
                                   </p:stCondLst>
                                   <p:childTnLst>
                                     <p:set>
                                       <p:cBhvr>
-                                        <p:cTn id="25" dur="1" fill="hold">
+                                        <p:cTn id="20" dur="1" fill="hold">
                                           <p:stCondLst>
                                             <p:cond delay="0"/>
                                           </p:stCondLst>
@@ -29878,7 +29247,7 @@
                                     </p:set>
                                     <p:animEffect transition="in" filter="fade">
                                       <p:cBhvr>
-                                        <p:cTn id="26" dur="300"/>
+                                        <p:cTn id="21" dur="300"/>
                                         <p:tgtEl>
                                           <p:spTgt spid="7"/>
                                         </p:tgtEl>
@@ -30167,8 +29536,8 @@
         </p:nvSpPr>
         <p:spPr>
           <a:xfrm>
-            <a:off x="965747" y="877632"/>
-            <a:ext cx="10275303" cy="1744544"/>
+            <a:off x="965747" y="877631"/>
+            <a:ext cx="10275303" cy="1785669"/>
           </a:xfrm>
           <a:prstGeom prst="roundRect">
             <a:avLst/>
@@ -30971,8 +30340,8 @@
         </p:nvSpPr>
         <p:spPr>
           <a:xfrm>
-            <a:off x="965747" y="877632"/>
-            <a:ext cx="10275303" cy="1744544"/>
+            <a:off x="965747" y="877631"/>
+            <a:ext cx="10275303" cy="1785670"/>
           </a:xfrm>
           <a:prstGeom prst="roundRect">
             <a:avLst/>
@@ -31467,8 +30836,8 @@
         </p:nvSpPr>
         <p:spPr>
           <a:xfrm>
-            <a:off x="965747" y="877632"/>
-            <a:ext cx="10275303" cy="1744544"/>
+            <a:off x="965747" y="877631"/>
+            <a:ext cx="10275303" cy="1783019"/>
           </a:xfrm>
           <a:prstGeom prst="roundRect">
             <a:avLst/>

--- a/Presentazione_Tesi_Triennale_Informatica_Unimore_2022_2023_Enrico_Marras_152336.pptx
+++ b/Presentazione_Tesi_Triennale_Informatica_Unimore_2022_2023_Enrico_Marras_152336.pptx
@@ -4793,7 +4793,7 @@
           <a:p>
             <a:fld id="{5A380E97-91F5-47EA-9D04-C3513F44CB51}" type="datetimeFigureOut">
               <a:rPr lang="it-IT" smtClean="0"/>
-              <a:t>18/10/2023</a:t>
+              <a:t>19/10/2023</a:t>
             </a:fld>
             <a:endParaRPr lang="it-IT"/>
           </a:p>
@@ -8750,7 +8750,7 @@
           <a:p>
             <a:fld id="{D55E9482-D5C2-4AB3-BBE2-3386C30CEF8D}" type="datetimeFigureOut">
               <a:rPr lang="it-IT" smtClean="0"/>
-              <a:t>18/10/2023</a:t>
+              <a:t>19/10/2023</a:t>
             </a:fld>
             <a:endParaRPr lang="it-IT"/>
           </a:p>
@@ -8950,7 +8950,7 @@
           <a:p>
             <a:fld id="{D55E9482-D5C2-4AB3-BBE2-3386C30CEF8D}" type="datetimeFigureOut">
               <a:rPr lang="it-IT" smtClean="0"/>
-              <a:t>18/10/2023</a:t>
+              <a:t>19/10/2023</a:t>
             </a:fld>
             <a:endParaRPr lang="it-IT"/>
           </a:p>
@@ -9160,7 +9160,7 @@
           <a:p>
             <a:fld id="{D55E9482-D5C2-4AB3-BBE2-3386C30CEF8D}" type="datetimeFigureOut">
               <a:rPr lang="it-IT" smtClean="0"/>
-              <a:t>18/10/2023</a:t>
+              <a:t>19/10/2023</a:t>
             </a:fld>
             <a:endParaRPr lang="it-IT"/>
           </a:p>
@@ -9360,7 +9360,7 @@
           <a:p>
             <a:fld id="{D55E9482-D5C2-4AB3-BBE2-3386C30CEF8D}" type="datetimeFigureOut">
               <a:rPr lang="it-IT" smtClean="0"/>
-              <a:t>18/10/2023</a:t>
+              <a:t>19/10/2023</a:t>
             </a:fld>
             <a:endParaRPr lang="it-IT"/>
           </a:p>
@@ -9636,7 +9636,7 @@
           <a:p>
             <a:fld id="{D55E9482-D5C2-4AB3-BBE2-3386C30CEF8D}" type="datetimeFigureOut">
               <a:rPr lang="it-IT" smtClean="0"/>
-              <a:t>18/10/2023</a:t>
+              <a:t>19/10/2023</a:t>
             </a:fld>
             <a:endParaRPr lang="it-IT"/>
           </a:p>
@@ -9904,7 +9904,7 @@
           <a:p>
             <a:fld id="{D55E9482-D5C2-4AB3-BBE2-3386C30CEF8D}" type="datetimeFigureOut">
               <a:rPr lang="it-IT" smtClean="0"/>
-              <a:t>18/10/2023</a:t>
+              <a:t>19/10/2023</a:t>
             </a:fld>
             <a:endParaRPr lang="it-IT"/>
           </a:p>
@@ -10319,7 +10319,7 @@
           <a:p>
             <a:fld id="{D55E9482-D5C2-4AB3-BBE2-3386C30CEF8D}" type="datetimeFigureOut">
               <a:rPr lang="it-IT" smtClean="0"/>
-              <a:t>18/10/2023</a:t>
+              <a:t>19/10/2023</a:t>
             </a:fld>
             <a:endParaRPr lang="it-IT"/>
           </a:p>
@@ -10461,7 +10461,7 @@
           <a:p>
             <a:fld id="{D55E9482-D5C2-4AB3-BBE2-3386C30CEF8D}" type="datetimeFigureOut">
               <a:rPr lang="it-IT" smtClean="0"/>
-              <a:t>18/10/2023</a:t>
+              <a:t>19/10/2023</a:t>
             </a:fld>
             <a:endParaRPr lang="it-IT"/>
           </a:p>
@@ -10574,7 +10574,7 @@
           <a:p>
             <a:fld id="{D55E9482-D5C2-4AB3-BBE2-3386C30CEF8D}" type="datetimeFigureOut">
               <a:rPr lang="it-IT" smtClean="0"/>
-              <a:t>18/10/2023</a:t>
+              <a:t>19/10/2023</a:t>
             </a:fld>
             <a:endParaRPr lang="it-IT"/>
           </a:p>
@@ -10887,7 +10887,7 @@
           <a:p>
             <a:fld id="{D55E9482-D5C2-4AB3-BBE2-3386C30CEF8D}" type="datetimeFigureOut">
               <a:rPr lang="it-IT" smtClean="0"/>
-              <a:t>18/10/2023</a:t>
+              <a:t>19/10/2023</a:t>
             </a:fld>
             <a:endParaRPr lang="it-IT"/>
           </a:p>
@@ -11176,7 +11176,7 @@
           <a:p>
             <a:fld id="{D55E9482-D5C2-4AB3-BBE2-3386C30CEF8D}" type="datetimeFigureOut">
               <a:rPr lang="it-IT" smtClean="0"/>
-              <a:t>18/10/2023</a:t>
+              <a:t>19/10/2023</a:t>
             </a:fld>
             <a:endParaRPr lang="it-IT"/>
           </a:p>
@@ -11436,7 +11436,7 @@
           <a:p>
             <a:fld id="{D55E9482-D5C2-4AB3-BBE2-3386C30CEF8D}" type="datetimeFigureOut">
               <a:rPr lang="it-IT" smtClean="0"/>
-              <a:t>18/10/2023</a:t>
+              <a:t>19/10/2023</a:t>
             </a:fld>
             <a:endParaRPr lang="it-IT"/>
           </a:p>
@@ -14551,7 +14551,7 @@
         </p:blipFill>
         <p:spPr>
           <a:xfrm>
-            <a:off x="3906175" y="4983484"/>
+            <a:off x="3906175" y="4965728"/>
             <a:ext cx="3893178" cy="852353"/>
           </a:xfrm>
           <a:prstGeom prst="rect">
